--- a/DOCUMENTS/Diagrammi.pptx
+++ b/DOCUMENTS/Diagrammi.pptx
@@ -4,8 +4,12 @@
   <p:sldMasterIdLst>
     <p:sldMasterId id="2147483648" r:id="rId1"/>
   </p:sldMasterIdLst>
+  <p:notesMasterIdLst>
+    <p:notesMasterId r:id="rId4"/>
+  </p:notesMasterIdLst>
   <p:sldIdLst>
     <p:sldId id="256" r:id="rId2"/>
+    <p:sldId id="257" r:id="rId3"/>
   </p:sldIdLst>
   <p:sldSz cx="12192000" cy="6858000"/>
   <p:notesSz cx="6858000" cy="9144000"/>
@@ -104,7 +108,361 @@
       </a:defRPr>
     </a:lvl9pPr>
   </p:defaultTextStyle>
+  <p:extLst>
+    <p:ext uri="{EFAFB233-063F-42B5-8137-9DF3F51BA10A}">
+      <p15:sldGuideLst xmlns:p15="http://schemas.microsoft.com/office/powerpoint/2012/main"/>
+    </p:ext>
+  </p:extLst>
 </p:presentation>
+</file>
+
+<file path=ppt/notesMasters/notesMaster1.xml><?xml version="1.0" encoding="utf-8"?>
+<p:notesMaster xmlns:a="http://schemas.openxmlformats.org/drawingml/2006/main" xmlns:r="http://schemas.openxmlformats.org/officeDocument/2006/relationships" xmlns:p="http://schemas.openxmlformats.org/presentationml/2006/main">
+  <p:cSld>
+    <p:bg>
+      <p:bgRef idx="1001">
+        <a:schemeClr val="bg1"/>
+      </p:bgRef>
+    </p:bg>
+    <p:spTree>
+      <p:nvGrpSpPr>
+        <p:cNvPr id="1" name=""/>
+        <p:cNvGrpSpPr/>
+        <p:nvPr/>
+      </p:nvGrpSpPr>
+      <p:grpSpPr>
+        <a:xfrm>
+          <a:off x="0" y="0"/>
+          <a:ext cx="0" cy="0"/>
+          <a:chOff x="0" y="0"/>
+          <a:chExt cx="0" cy="0"/>
+        </a:xfrm>
+      </p:grpSpPr>
+      <p:sp>
+        <p:nvSpPr>
+          <p:cNvPr id="2" name="Segnaposto intestazione 1"/>
+          <p:cNvSpPr>
+            <a:spLocks noGrp="1"/>
+          </p:cNvSpPr>
+          <p:nvPr>
+            <p:ph type="hdr" sz="quarter"/>
+          </p:nvPr>
+        </p:nvSpPr>
+        <p:spPr>
+          <a:xfrm>
+            <a:off x="0" y="0"/>
+            <a:ext cx="2971800" cy="458788"/>
+          </a:xfrm>
+          <a:prstGeom prst="rect">
+            <a:avLst/>
+          </a:prstGeom>
+        </p:spPr>
+        <p:txBody>
+          <a:bodyPr vert="horz" lIns="91440" tIns="45720" rIns="91440" bIns="45720" rtlCol="0"/>
+          <a:lstStyle>
+            <a:lvl1pPr algn="l">
+              <a:defRPr sz="1200"/>
+            </a:lvl1pPr>
+          </a:lstStyle>
+          <a:p>
+            <a:endParaRPr lang="it-IT"/>
+          </a:p>
+        </p:txBody>
+      </p:sp>
+      <p:sp>
+        <p:nvSpPr>
+          <p:cNvPr id="3" name="Segnaposto data 2"/>
+          <p:cNvSpPr>
+            <a:spLocks noGrp="1"/>
+          </p:cNvSpPr>
+          <p:nvPr>
+            <p:ph type="dt" idx="1"/>
+          </p:nvPr>
+        </p:nvSpPr>
+        <p:spPr>
+          <a:xfrm>
+            <a:off x="3884613" y="0"/>
+            <a:ext cx="2971800" cy="458788"/>
+          </a:xfrm>
+          <a:prstGeom prst="rect">
+            <a:avLst/>
+          </a:prstGeom>
+        </p:spPr>
+        <p:txBody>
+          <a:bodyPr vert="horz" lIns="91440" tIns="45720" rIns="91440" bIns="45720" rtlCol="0"/>
+          <a:lstStyle>
+            <a:lvl1pPr algn="r">
+              <a:defRPr sz="1200"/>
+            </a:lvl1pPr>
+          </a:lstStyle>
+          <a:p>
+            <a:fld id="{840E2AAB-1006-4BA7-817F-86A01148584B}" type="datetimeFigureOut">
+              <a:rPr lang="it-IT" smtClean="0"/>
+              <a:t>24/06/2020</a:t>
+            </a:fld>
+            <a:endParaRPr lang="it-IT"/>
+          </a:p>
+        </p:txBody>
+      </p:sp>
+      <p:sp>
+        <p:nvSpPr>
+          <p:cNvPr id="4" name="Segnaposto immagine diapositiva 3"/>
+          <p:cNvSpPr>
+            <a:spLocks noGrp="1" noRot="1" noChangeAspect="1"/>
+          </p:cNvSpPr>
+          <p:nvPr>
+            <p:ph type="sldImg" idx="2"/>
+          </p:nvPr>
+        </p:nvSpPr>
+        <p:spPr>
+          <a:xfrm>
+            <a:off x="685800" y="1143000"/>
+            <a:ext cx="5486400" cy="3086100"/>
+          </a:xfrm>
+          <a:prstGeom prst="rect">
+            <a:avLst/>
+          </a:prstGeom>
+          <a:noFill/>
+          <a:ln w="12700">
+            <a:solidFill>
+              <a:prstClr val="black"/>
+            </a:solidFill>
+          </a:ln>
+        </p:spPr>
+        <p:txBody>
+          <a:bodyPr vert="horz" lIns="91440" tIns="45720" rIns="91440" bIns="45720" rtlCol="0" anchor="ctr"/>
+          <a:lstStyle/>
+          <a:p>
+            <a:endParaRPr lang="it-IT"/>
+          </a:p>
+        </p:txBody>
+      </p:sp>
+      <p:sp>
+        <p:nvSpPr>
+          <p:cNvPr id="5" name="Segnaposto note 4"/>
+          <p:cNvSpPr>
+            <a:spLocks noGrp="1"/>
+          </p:cNvSpPr>
+          <p:nvPr>
+            <p:ph type="body" sz="quarter" idx="3"/>
+          </p:nvPr>
+        </p:nvSpPr>
+        <p:spPr>
+          <a:xfrm>
+            <a:off x="685800" y="4400550"/>
+            <a:ext cx="5486400" cy="3600450"/>
+          </a:xfrm>
+          <a:prstGeom prst="rect">
+            <a:avLst/>
+          </a:prstGeom>
+        </p:spPr>
+        <p:txBody>
+          <a:bodyPr vert="horz" lIns="91440" tIns="45720" rIns="91440" bIns="45720" rtlCol="0"/>
+          <a:lstStyle/>
+          <a:p>
+            <a:pPr lvl="0"/>
+            <a:r>
+              <a:rPr lang="it-IT"/>
+              <a:t>Fare clic per modificare gli stili del testo dello schema</a:t>
+            </a:r>
+          </a:p>
+          <a:p>
+            <a:pPr lvl="1"/>
+            <a:r>
+              <a:rPr lang="it-IT"/>
+              <a:t>Secondo livello</a:t>
+            </a:r>
+          </a:p>
+          <a:p>
+            <a:pPr lvl="2"/>
+            <a:r>
+              <a:rPr lang="it-IT"/>
+              <a:t>Terzo livello</a:t>
+            </a:r>
+          </a:p>
+          <a:p>
+            <a:pPr lvl="3"/>
+            <a:r>
+              <a:rPr lang="it-IT"/>
+              <a:t>Quarto livello</a:t>
+            </a:r>
+          </a:p>
+          <a:p>
+            <a:pPr lvl="4"/>
+            <a:r>
+              <a:rPr lang="it-IT"/>
+              <a:t>Quinto livello</a:t>
+            </a:r>
+          </a:p>
+        </p:txBody>
+      </p:sp>
+      <p:sp>
+        <p:nvSpPr>
+          <p:cNvPr id="6" name="Segnaposto piè di pagina 5"/>
+          <p:cNvSpPr>
+            <a:spLocks noGrp="1"/>
+          </p:cNvSpPr>
+          <p:nvPr>
+            <p:ph type="ftr" sz="quarter" idx="4"/>
+          </p:nvPr>
+        </p:nvSpPr>
+        <p:spPr>
+          <a:xfrm>
+            <a:off x="0" y="8685213"/>
+            <a:ext cx="2971800" cy="458787"/>
+          </a:xfrm>
+          <a:prstGeom prst="rect">
+            <a:avLst/>
+          </a:prstGeom>
+        </p:spPr>
+        <p:txBody>
+          <a:bodyPr vert="horz" lIns="91440" tIns="45720" rIns="91440" bIns="45720" rtlCol="0" anchor="b"/>
+          <a:lstStyle>
+            <a:lvl1pPr algn="l">
+              <a:defRPr sz="1200"/>
+            </a:lvl1pPr>
+          </a:lstStyle>
+          <a:p>
+            <a:endParaRPr lang="it-IT"/>
+          </a:p>
+        </p:txBody>
+      </p:sp>
+      <p:sp>
+        <p:nvSpPr>
+          <p:cNvPr id="7" name="Segnaposto numero diapositiva 6"/>
+          <p:cNvSpPr>
+            <a:spLocks noGrp="1"/>
+          </p:cNvSpPr>
+          <p:nvPr>
+            <p:ph type="sldNum" sz="quarter" idx="5"/>
+          </p:nvPr>
+        </p:nvSpPr>
+        <p:spPr>
+          <a:xfrm>
+            <a:off x="3884613" y="8685213"/>
+            <a:ext cx="2971800" cy="458787"/>
+          </a:xfrm>
+          <a:prstGeom prst="rect">
+            <a:avLst/>
+          </a:prstGeom>
+        </p:spPr>
+        <p:txBody>
+          <a:bodyPr vert="horz" lIns="91440" tIns="45720" rIns="91440" bIns="45720" rtlCol="0" anchor="b"/>
+          <a:lstStyle>
+            <a:lvl1pPr algn="r">
+              <a:defRPr sz="1200"/>
+            </a:lvl1pPr>
+          </a:lstStyle>
+          <a:p>
+            <a:fld id="{6147E988-436F-41DF-8164-1A0BE8363253}" type="slidenum">
+              <a:rPr lang="it-IT" smtClean="0"/>
+              <a:t>‹N›</a:t>
+            </a:fld>
+            <a:endParaRPr lang="it-IT"/>
+          </a:p>
+        </p:txBody>
+      </p:sp>
+    </p:spTree>
+    <p:extLst>
+      <p:ext uri="{BB962C8B-B14F-4D97-AF65-F5344CB8AC3E}">
+        <p14:creationId xmlns:p14="http://schemas.microsoft.com/office/powerpoint/2010/main" val="4045327952"/>
+      </p:ext>
+    </p:extLst>
+  </p:cSld>
+  <p:clrMap bg1="lt1" tx1="dk1" bg2="lt2" tx2="dk2" accent1="accent1" accent2="accent2" accent3="accent3" accent4="accent4" accent5="accent5" accent6="accent6" hlink="hlink" folHlink="folHlink"/>
+  <p:notesStyle>
+    <a:lvl1pPr marL="0" algn="l" defTabSz="914400" rtl="0" eaLnBrk="1" latinLnBrk="0" hangingPunct="1">
+      <a:defRPr sz="1200" kern="1200">
+        <a:solidFill>
+          <a:schemeClr val="tx1"/>
+        </a:solidFill>
+        <a:latin typeface="+mn-lt"/>
+        <a:ea typeface="+mn-ea"/>
+        <a:cs typeface="+mn-cs"/>
+      </a:defRPr>
+    </a:lvl1pPr>
+    <a:lvl2pPr marL="457200" algn="l" defTabSz="914400" rtl="0" eaLnBrk="1" latinLnBrk="0" hangingPunct="1">
+      <a:defRPr sz="1200" kern="1200">
+        <a:solidFill>
+          <a:schemeClr val="tx1"/>
+        </a:solidFill>
+        <a:latin typeface="+mn-lt"/>
+        <a:ea typeface="+mn-ea"/>
+        <a:cs typeface="+mn-cs"/>
+      </a:defRPr>
+    </a:lvl2pPr>
+    <a:lvl3pPr marL="914400" algn="l" defTabSz="914400" rtl="0" eaLnBrk="1" latinLnBrk="0" hangingPunct="1">
+      <a:defRPr sz="1200" kern="1200">
+        <a:solidFill>
+          <a:schemeClr val="tx1"/>
+        </a:solidFill>
+        <a:latin typeface="+mn-lt"/>
+        <a:ea typeface="+mn-ea"/>
+        <a:cs typeface="+mn-cs"/>
+      </a:defRPr>
+    </a:lvl3pPr>
+    <a:lvl4pPr marL="1371600" algn="l" defTabSz="914400" rtl="0" eaLnBrk="1" latinLnBrk="0" hangingPunct="1">
+      <a:defRPr sz="1200" kern="1200">
+        <a:solidFill>
+          <a:schemeClr val="tx1"/>
+        </a:solidFill>
+        <a:latin typeface="+mn-lt"/>
+        <a:ea typeface="+mn-ea"/>
+        <a:cs typeface="+mn-cs"/>
+      </a:defRPr>
+    </a:lvl4pPr>
+    <a:lvl5pPr marL="1828800" algn="l" defTabSz="914400" rtl="0" eaLnBrk="1" latinLnBrk="0" hangingPunct="1">
+      <a:defRPr sz="1200" kern="1200">
+        <a:solidFill>
+          <a:schemeClr val="tx1"/>
+        </a:solidFill>
+        <a:latin typeface="+mn-lt"/>
+        <a:ea typeface="+mn-ea"/>
+        <a:cs typeface="+mn-cs"/>
+      </a:defRPr>
+    </a:lvl5pPr>
+    <a:lvl6pPr marL="2286000" algn="l" defTabSz="914400" rtl="0" eaLnBrk="1" latinLnBrk="0" hangingPunct="1">
+      <a:defRPr sz="1200" kern="1200">
+        <a:solidFill>
+          <a:schemeClr val="tx1"/>
+        </a:solidFill>
+        <a:latin typeface="+mn-lt"/>
+        <a:ea typeface="+mn-ea"/>
+        <a:cs typeface="+mn-cs"/>
+      </a:defRPr>
+    </a:lvl6pPr>
+    <a:lvl7pPr marL="2743200" algn="l" defTabSz="914400" rtl="0" eaLnBrk="1" latinLnBrk="0" hangingPunct="1">
+      <a:defRPr sz="1200" kern="1200">
+        <a:solidFill>
+          <a:schemeClr val="tx1"/>
+        </a:solidFill>
+        <a:latin typeface="+mn-lt"/>
+        <a:ea typeface="+mn-ea"/>
+        <a:cs typeface="+mn-cs"/>
+      </a:defRPr>
+    </a:lvl7pPr>
+    <a:lvl8pPr marL="3200400" algn="l" defTabSz="914400" rtl="0" eaLnBrk="1" latinLnBrk="0" hangingPunct="1">
+      <a:defRPr sz="1200" kern="1200">
+        <a:solidFill>
+          <a:schemeClr val="tx1"/>
+        </a:solidFill>
+        <a:latin typeface="+mn-lt"/>
+        <a:ea typeface="+mn-ea"/>
+        <a:cs typeface="+mn-cs"/>
+      </a:defRPr>
+    </a:lvl8pPr>
+    <a:lvl9pPr marL="3657600" algn="l" defTabSz="914400" rtl="0" eaLnBrk="1" latinLnBrk="0" hangingPunct="1">
+      <a:defRPr sz="1200" kern="1200">
+        <a:solidFill>
+          <a:schemeClr val="tx1"/>
+        </a:solidFill>
+        <a:latin typeface="+mn-lt"/>
+        <a:ea typeface="+mn-ea"/>
+        <a:cs typeface="+mn-cs"/>
+      </a:defRPr>
+    </a:lvl9pPr>
+  </p:notesStyle>
+</p:notesMaster>
 </file>
 
 <file path=ppt/slideLayouts/slideLayout1.xml><?xml version="1.0" encoding="utf-8"?>
@@ -254,7 +612,7 @@
           <a:p>
             <a:fld id="{0210BBF0-42E9-4380-BF75-9938A7ED37A5}" type="datetimeFigureOut">
               <a:rPr lang="it-IT" smtClean="0"/>
-              <a:t>23/06/2020</a:t>
+              <a:t>24/06/2020</a:t>
             </a:fld>
             <a:endParaRPr lang="it-IT"/>
           </a:p>
@@ -452,7 +810,7 @@
           <a:p>
             <a:fld id="{0210BBF0-42E9-4380-BF75-9938A7ED37A5}" type="datetimeFigureOut">
               <a:rPr lang="it-IT" smtClean="0"/>
-              <a:t>23/06/2020</a:t>
+              <a:t>24/06/2020</a:t>
             </a:fld>
             <a:endParaRPr lang="it-IT"/>
           </a:p>
@@ -660,7 +1018,7 @@
           <a:p>
             <a:fld id="{0210BBF0-42E9-4380-BF75-9938A7ED37A5}" type="datetimeFigureOut">
               <a:rPr lang="it-IT" smtClean="0"/>
-              <a:t>23/06/2020</a:t>
+              <a:t>24/06/2020</a:t>
             </a:fld>
             <a:endParaRPr lang="it-IT"/>
           </a:p>
@@ -858,7 +1216,7 @@
           <a:p>
             <a:fld id="{0210BBF0-42E9-4380-BF75-9938A7ED37A5}" type="datetimeFigureOut">
               <a:rPr lang="it-IT" smtClean="0"/>
-              <a:t>23/06/2020</a:t>
+              <a:t>24/06/2020</a:t>
             </a:fld>
             <a:endParaRPr lang="it-IT"/>
           </a:p>
@@ -1133,7 +1491,7 @@
           <a:p>
             <a:fld id="{0210BBF0-42E9-4380-BF75-9938A7ED37A5}" type="datetimeFigureOut">
               <a:rPr lang="it-IT" smtClean="0"/>
-              <a:t>23/06/2020</a:t>
+              <a:t>24/06/2020</a:t>
             </a:fld>
             <a:endParaRPr lang="it-IT"/>
           </a:p>
@@ -1398,7 +1756,7 @@
           <a:p>
             <a:fld id="{0210BBF0-42E9-4380-BF75-9938A7ED37A5}" type="datetimeFigureOut">
               <a:rPr lang="it-IT" smtClean="0"/>
-              <a:t>23/06/2020</a:t>
+              <a:t>24/06/2020</a:t>
             </a:fld>
             <a:endParaRPr lang="it-IT"/>
           </a:p>
@@ -1810,7 +2168,7 @@
           <a:p>
             <a:fld id="{0210BBF0-42E9-4380-BF75-9938A7ED37A5}" type="datetimeFigureOut">
               <a:rPr lang="it-IT" smtClean="0"/>
-              <a:t>23/06/2020</a:t>
+              <a:t>24/06/2020</a:t>
             </a:fld>
             <a:endParaRPr lang="it-IT"/>
           </a:p>
@@ -1951,7 +2309,7 @@
           <a:p>
             <a:fld id="{0210BBF0-42E9-4380-BF75-9938A7ED37A5}" type="datetimeFigureOut">
               <a:rPr lang="it-IT" smtClean="0"/>
-              <a:t>23/06/2020</a:t>
+              <a:t>24/06/2020</a:t>
             </a:fld>
             <a:endParaRPr lang="it-IT"/>
           </a:p>
@@ -2064,7 +2422,7 @@
           <a:p>
             <a:fld id="{0210BBF0-42E9-4380-BF75-9938A7ED37A5}" type="datetimeFigureOut">
               <a:rPr lang="it-IT" smtClean="0"/>
-              <a:t>23/06/2020</a:t>
+              <a:t>24/06/2020</a:t>
             </a:fld>
             <a:endParaRPr lang="it-IT"/>
           </a:p>
@@ -2375,7 +2733,7 @@
           <a:p>
             <a:fld id="{0210BBF0-42E9-4380-BF75-9938A7ED37A5}" type="datetimeFigureOut">
               <a:rPr lang="it-IT" smtClean="0"/>
-              <a:t>23/06/2020</a:t>
+              <a:t>24/06/2020</a:t>
             </a:fld>
             <a:endParaRPr lang="it-IT"/>
           </a:p>
@@ -2663,7 +3021,7 @@
           <a:p>
             <a:fld id="{0210BBF0-42E9-4380-BF75-9938A7ED37A5}" type="datetimeFigureOut">
               <a:rPr lang="it-IT" smtClean="0"/>
-              <a:t>23/06/2020</a:t>
+              <a:t>24/06/2020</a:t>
             </a:fld>
             <a:endParaRPr lang="it-IT"/>
           </a:p>
@@ -2904,7 +3262,7 @@
           <a:p>
             <a:fld id="{0210BBF0-42E9-4380-BF75-9938A7ED37A5}" type="datetimeFigureOut">
               <a:rPr lang="it-IT" smtClean="0"/>
-              <a:t>23/06/2020</a:t>
+              <a:t>24/06/2020</a:t>
             </a:fld>
             <a:endParaRPr lang="it-IT"/>
           </a:p>
@@ -6383,6 +6741,2379 @@
 </p:sld>
 </file>
 
+<file path=ppt/slides/slide2.xml><?xml version="1.0" encoding="utf-8"?>
+<p:sld xmlns:a="http://schemas.openxmlformats.org/drawingml/2006/main" xmlns:r="http://schemas.openxmlformats.org/officeDocument/2006/relationships" xmlns:p="http://schemas.openxmlformats.org/presentationml/2006/main">
+  <p:cSld>
+    <p:spTree>
+      <p:nvGrpSpPr>
+        <p:cNvPr id="1" name=""/>
+        <p:cNvGrpSpPr/>
+        <p:nvPr/>
+      </p:nvGrpSpPr>
+      <p:grpSpPr>
+        <a:xfrm>
+          <a:off x="0" y="0"/>
+          <a:ext cx="0" cy="0"/>
+          <a:chOff x="0" y="0"/>
+          <a:chExt cx="0" cy="0"/>
+        </a:xfrm>
+      </p:grpSpPr>
+      <p:sp>
+        <p:nvSpPr>
+          <p:cNvPr id="4" name="Rettangolo 3">
+            <a:extLst>
+              <a:ext uri="{FF2B5EF4-FFF2-40B4-BE49-F238E27FC236}">
+                <a16:creationId xmlns:a16="http://schemas.microsoft.com/office/drawing/2014/main" id="{0CBDAE4C-9DA8-46A0-96A2-AA515FB45BC3}"/>
+              </a:ext>
+            </a:extLst>
+          </p:cNvPr>
+          <p:cNvSpPr/>
+          <p:nvPr/>
+        </p:nvSpPr>
+        <p:spPr>
+          <a:xfrm>
+            <a:off x="3529933" y="1877230"/>
+            <a:ext cx="4971328" cy="3963128"/>
+          </a:xfrm>
+          <a:prstGeom prst="rect">
+            <a:avLst/>
+          </a:prstGeom>
+          <a:solidFill>
+            <a:schemeClr val="bg1"/>
+          </a:solidFill>
+          <a:ln>
+            <a:solidFill>
+              <a:srgbClr val="1318ED"/>
+            </a:solidFill>
+          </a:ln>
+        </p:spPr>
+        <p:style>
+          <a:lnRef idx="2">
+            <a:schemeClr val="accent1">
+              <a:shade val="50000"/>
+            </a:schemeClr>
+          </a:lnRef>
+          <a:fillRef idx="1">
+            <a:schemeClr val="accent1"/>
+          </a:fillRef>
+          <a:effectRef idx="0">
+            <a:schemeClr val="accent1"/>
+          </a:effectRef>
+          <a:fontRef idx="minor">
+            <a:schemeClr val="lt1"/>
+          </a:fontRef>
+        </p:style>
+        <p:txBody>
+          <a:bodyPr rtlCol="0" anchor="ctr"/>
+          <a:lstStyle/>
+          <a:p>
+            <a:pPr algn="ctr"/>
+            <a:endParaRPr lang="en-GB" u="sng" dirty="0">
+              <a:highlight>
+                <a:srgbClr val="FFFF00"/>
+              </a:highlight>
+            </a:endParaRPr>
+          </a:p>
+        </p:txBody>
+      </p:sp>
+      <p:sp>
+        <p:nvSpPr>
+          <p:cNvPr id="74" name="Rettangolo 73">
+            <a:extLst>
+              <a:ext uri="{FF2B5EF4-FFF2-40B4-BE49-F238E27FC236}">
+                <a16:creationId xmlns:a16="http://schemas.microsoft.com/office/drawing/2014/main" id="{45E157C6-E4E2-442D-A450-90C6910E169C}"/>
+              </a:ext>
+            </a:extLst>
+          </p:cNvPr>
+          <p:cNvSpPr/>
+          <p:nvPr/>
+        </p:nvSpPr>
+        <p:spPr>
+          <a:xfrm rot="5400000">
+            <a:off x="6465058" y="3171499"/>
+            <a:ext cx="3333982" cy="730813"/>
+          </a:xfrm>
+          <a:prstGeom prst="rect">
+            <a:avLst/>
+          </a:prstGeom>
+        </p:spPr>
+        <p:style>
+          <a:lnRef idx="1">
+            <a:schemeClr val="accent3"/>
+          </a:lnRef>
+          <a:fillRef idx="2">
+            <a:schemeClr val="accent3"/>
+          </a:fillRef>
+          <a:effectRef idx="1">
+            <a:schemeClr val="accent3"/>
+          </a:effectRef>
+          <a:fontRef idx="minor">
+            <a:schemeClr val="dk1"/>
+          </a:fontRef>
+        </p:style>
+        <p:txBody>
+          <a:bodyPr rtlCol="0" anchor="ctr"/>
+          <a:lstStyle/>
+          <a:p>
+            <a:pPr algn="ctr"/>
+            <a:endParaRPr lang="it-IT"/>
+          </a:p>
+        </p:txBody>
+      </p:sp>
+      <p:sp>
+        <p:nvSpPr>
+          <p:cNvPr id="73" name="Rettangolo 72">
+            <a:extLst>
+              <a:ext uri="{FF2B5EF4-FFF2-40B4-BE49-F238E27FC236}">
+                <a16:creationId xmlns:a16="http://schemas.microsoft.com/office/drawing/2014/main" id="{5EBF42B2-8140-4BE8-8C4B-DF04C6278B2F}"/>
+              </a:ext>
+            </a:extLst>
+          </p:cNvPr>
+          <p:cNvSpPr/>
+          <p:nvPr/>
+        </p:nvSpPr>
+        <p:spPr>
+          <a:xfrm>
+            <a:off x="3535786" y="5203898"/>
+            <a:ext cx="4950988" cy="636460"/>
+          </a:xfrm>
+          <a:prstGeom prst="rect">
+            <a:avLst/>
+          </a:prstGeom>
+        </p:spPr>
+        <p:style>
+          <a:lnRef idx="1">
+            <a:schemeClr val="accent3"/>
+          </a:lnRef>
+          <a:fillRef idx="2">
+            <a:schemeClr val="accent3"/>
+          </a:fillRef>
+          <a:effectRef idx="1">
+            <a:schemeClr val="accent3"/>
+          </a:effectRef>
+          <a:fontRef idx="minor">
+            <a:schemeClr val="dk1"/>
+          </a:fontRef>
+        </p:style>
+        <p:txBody>
+          <a:bodyPr rtlCol="0" anchor="ctr"/>
+          <a:lstStyle/>
+          <a:p>
+            <a:pPr algn="ctr"/>
+            <a:endParaRPr lang="it-IT"/>
+          </a:p>
+        </p:txBody>
+      </p:sp>
+      <p:sp>
+        <p:nvSpPr>
+          <p:cNvPr id="51" name="Rettangolo 50">
+            <a:extLst>
+              <a:ext uri="{FF2B5EF4-FFF2-40B4-BE49-F238E27FC236}">
+                <a16:creationId xmlns:a16="http://schemas.microsoft.com/office/drawing/2014/main" id="{2F4FDB06-D679-4C70-8980-21DBAAE5DE32}"/>
+              </a:ext>
+            </a:extLst>
+          </p:cNvPr>
+          <p:cNvSpPr/>
+          <p:nvPr/>
+        </p:nvSpPr>
+        <p:spPr>
+          <a:xfrm>
+            <a:off x="6328038" y="1881974"/>
+            <a:ext cx="1436347" cy="704700"/>
+          </a:xfrm>
+          <a:prstGeom prst="rect">
+            <a:avLst/>
+          </a:prstGeom>
+        </p:spPr>
+        <p:style>
+          <a:lnRef idx="1">
+            <a:schemeClr val="accent4"/>
+          </a:lnRef>
+          <a:fillRef idx="2">
+            <a:schemeClr val="accent4"/>
+          </a:fillRef>
+          <a:effectRef idx="1">
+            <a:schemeClr val="accent4"/>
+          </a:effectRef>
+          <a:fontRef idx="minor">
+            <a:schemeClr val="dk1"/>
+          </a:fontRef>
+        </p:style>
+        <p:txBody>
+          <a:bodyPr rtlCol="0" anchor="ctr"/>
+          <a:lstStyle/>
+          <a:p>
+            <a:pPr algn="ctr"/>
+            <a:endParaRPr lang="it-IT"/>
+          </a:p>
+        </p:txBody>
+      </p:sp>
+      <p:cxnSp>
+        <p:nvCxnSpPr>
+          <p:cNvPr id="5" name="Connettore 1 41">
+            <a:extLst>
+              <a:ext uri="{FF2B5EF4-FFF2-40B4-BE49-F238E27FC236}">
+                <a16:creationId xmlns:a16="http://schemas.microsoft.com/office/drawing/2014/main" id="{0BB1E4EF-4D1C-43F9-913A-61EED79C1710}"/>
+              </a:ext>
+            </a:extLst>
+          </p:cNvPr>
+          <p:cNvCxnSpPr>
+            <a:cxnSpLocks/>
+          </p:cNvCxnSpPr>
+          <p:nvPr/>
+        </p:nvCxnSpPr>
+        <p:spPr>
+          <a:xfrm flipH="1">
+            <a:off x="4167218" y="1908959"/>
+            <a:ext cx="8894" cy="3938059"/>
+          </a:xfrm>
+          <a:prstGeom prst="line">
+            <a:avLst/>
+          </a:prstGeom>
+          <a:solidFill>
+            <a:schemeClr val="bg1"/>
+          </a:solidFill>
+          <a:ln>
+            <a:solidFill>
+              <a:srgbClr val="1318ED"/>
+            </a:solidFill>
+          </a:ln>
+        </p:spPr>
+        <p:style>
+          <a:lnRef idx="2">
+            <a:schemeClr val="accent1">
+              <a:shade val="50000"/>
+            </a:schemeClr>
+          </a:lnRef>
+          <a:fillRef idx="1">
+            <a:schemeClr val="accent1"/>
+          </a:fillRef>
+          <a:effectRef idx="0">
+            <a:schemeClr val="accent1"/>
+          </a:effectRef>
+          <a:fontRef idx="minor">
+            <a:schemeClr val="lt1"/>
+          </a:fontRef>
+        </p:style>
+      </p:cxnSp>
+      <p:cxnSp>
+        <p:nvCxnSpPr>
+          <p:cNvPr id="6" name="Connettore 1 42">
+            <a:extLst>
+              <a:ext uri="{FF2B5EF4-FFF2-40B4-BE49-F238E27FC236}">
+                <a16:creationId xmlns:a16="http://schemas.microsoft.com/office/drawing/2014/main" id="{6D963F83-816D-405F-84EE-B0203D0E1D2E}"/>
+              </a:ext>
+            </a:extLst>
+          </p:cNvPr>
+          <p:cNvCxnSpPr>
+            <a:cxnSpLocks/>
+          </p:cNvCxnSpPr>
+          <p:nvPr/>
+        </p:nvCxnSpPr>
+        <p:spPr>
+          <a:xfrm>
+            <a:off x="4878592" y="1896754"/>
+            <a:ext cx="0" cy="3943604"/>
+          </a:xfrm>
+          <a:prstGeom prst="line">
+            <a:avLst/>
+          </a:prstGeom>
+          <a:solidFill>
+            <a:schemeClr val="bg1"/>
+          </a:solidFill>
+          <a:ln>
+            <a:solidFill>
+              <a:srgbClr val="1318ED"/>
+            </a:solidFill>
+          </a:ln>
+        </p:spPr>
+        <p:style>
+          <a:lnRef idx="2">
+            <a:schemeClr val="accent1">
+              <a:shade val="50000"/>
+            </a:schemeClr>
+          </a:lnRef>
+          <a:fillRef idx="1">
+            <a:schemeClr val="accent1"/>
+          </a:fillRef>
+          <a:effectRef idx="0">
+            <a:schemeClr val="accent1"/>
+          </a:effectRef>
+          <a:fontRef idx="minor">
+            <a:schemeClr val="lt1"/>
+          </a:fontRef>
+        </p:style>
+      </p:cxnSp>
+      <p:cxnSp>
+        <p:nvCxnSpPr>
+          <p:cNvPr id="7" name="Connettore 1 43">
+            <a:extLst>
+              <a:ext uri="{FF2B5EF4-FFF2-40B4-BE49-F238E27FC236}">
+                <a16:creationId xmlns:a16="http://schemas.microsoft.com/office/drawing/2014/main" id="{DD3CC188-00E0-4551-A535-16C6706B43B6}"/>
+              </a:ext>
+            </a:extLst>
+          </p:cNvPr>
+          <p:cNvCxnSpPr>
+            <a:cxnSpLocks/>
+          </p:cNvCxnSpPr>
+          <p:nvPr/>
+        </p:nvCxnSpPr>
+        <p:spPr>
+          <a:xfrm>
+            <a:off x="3521541" y="2592204"/>
+            <a:ext cx="4971329" cy="0"/>
+          </a:xfrm>
+          <a:prstGeom prst="line">
+            <a:avLst/>
+          </a:prstGeom>
+          <a:solidFill>
+            <a:schemeClr val="bg1"/>
+          </a:solidFill>
+          <a:ln>
+            <a:solidFill>
+              <a:srgbClr val="1318ED"/>
+            </a:solidFill>
+          </a:ln>
+        </p:spPr>
+        <p:style>
+          <a:lnRef idx="2">
+            <a:schemeClr val="accent1">
+              <a:shade val="50000"/>
+            </a:schemeClr>
+          </a:lnRef>
+          <a:fillRef idx="1">
+            <a:schemeClr val="accent1"/>
+          </a:fillRef>
+          <a:effectRef idx="0">
+            <a:schemeClr val="accent1"/>
+          </a:effectRef>
+          <a:fontRef idx="minor">
+            <a:schemeClr val="lt1"/>
+          </a:fontRef>
+        </p:style>
+      </p:cxnSp>
+      <p:cxnSp>
+        <p:nvCxnSpPr>
+          <p:cNvPr id="8" name="Connettore 1 44">
+            <a:extLst>
+              <a:ext uri="{FF2B5EF4-FFF2-40B4-BE49-F238E27FC236}">
+                <a16:creationId xmlns:a16="http://schemas.microsoft.com/office/drawing/2014/main" id="{EC629B97-1BCC-4D18-A0E8-C81275B59246}"/>
+              </a:ext>
+            </a:extLst>
+          </p:cNvPr>
+          <p:cNvCxnSpPr>
+            <a:cxnSpLocks/>
+          </p:cNvCxnSpPr>
+          <p:nvPr/>
+        </p:nvCxnSpPr>
+        <p:spPr>
+          <a:xfrm flipV="1">
+            <a:off x="3534673" y="3236635"/>
+            <a:ext cx="4962790" cy="13764"/>
+          </a:xfrm>
+          <a:prstGeom prst="line">
+            <a:avLst/>
+          </a:prstGeom>
+          <a:solidFill>
+            <a:schemeClr val="bg1"/>
+          </a:solidFill>
+          <a:ln>
+            <a:solidFill>
+              <a:srgbClr val="1318ED"/>
+            </a:solidFill>
+          </a:ln>
+        </p:spPr>
+        <p:style>
+          <a:lnRef idx="2">
+            <a:schemeClr val="accent1">
+              <a:shade val="50000"/>
+            </a:schemeClr>
+          </a:lnRef>
+          <a:fillRef idx="1">
+            <a:schemeClr val="accent1"/>
+          </a:fillRef>
+          <a:effectRef idx="0">
+            <a:schemeClr val="accent1"/>
+          </a:effectRef>
+          <a:fontRef idx="minor">
+            <a:schemeClr val="lt1"/>
+          </a:fontRef>
+        </p:style>
+      </p:cxnSp>
+      <p:sp>
+        <p:nvSpPr>
+          <p:cNvPr id="9" name="Ovale 8">
+            <a:extLst>
+              <a:ext uri="{FF2B5EF4-FFF2-40B4-BE49-F238E27FC236}">
+                <a16:creationId xmlns:a16="http://schemas.microsoft.com/office/drawing/2014/main" id="{1DC5E701-B04E-4F43-AE1B-772FBA891E12}"/>
+              </a:ext>
+            </a:extLst>
+          </p:cNvPr>
+          <p:cNvSpPr/>
+          <p:nvPr/>
+        </p:nvSpPr>
+        <p:spPr>
+          <a:xfrm>
+            <a:off x="3534673" y="1896754"/>
+            <a:ext cx="631361" cy="668643"/>
+          </a:xfrm>
+          <a:prstGeom prst="ellipse">
+            <a:avLst/>
+          </a:prstGeom>
+          <a:solidFill>
+            <a:srgbClr val="33CCCC"/>
+          </a:solidFill>
+          <a:ln>
+            <a:solidFill>
+              <a:srgbClr val="1318ED"/>
+            </a:solidFill>
+          </a:ln>
+        </p:spPr>
+        <p:style>
+          <a:lnRef idx="2">
+            <a:schemeClr val="accent4"/>
+          </a:lnRef>
+          <a:fillRef idx="1">
+            <a:schemeClr val="lt1"/>
+          </a:fillRef>
+          <a:effectRef idx="0">
+            <a:schemeClr val="accent4"/>
+          </a:effectRef>
+          <a:fontRef idx="minor">
+            <a:schemeClr val="dk1"/>
+          </a:fontRef>
+        </p:style>
+        <p:txBody>
+          <a:bodyPr rtlCol="0" anchor="ctr"/>
+          <a:lstStyle/>
+          <a:p>
+            <a:pPr algn="ctr"/>
+            <a:r>
+              <a:rPr lang="it-IT" sz="2000" dirty="0"/>
+              <a:t>r</a:t>
+            </a:r>
+            <a:endParaRPr lang="en-GB" sz="1100" dirty="0"/>
+          </a:p>
+        </p:txBody>
+      </p:sp>
+      <p:cxnSp>
+        <p:nvCxnSpPr>
+          <p:cNvPr id="10" name="Connettore 1 57">
+            <a:extLst>
+              <a:ext uri="{FF2B5EF4-FFF2-40B4-BE49-F238E27FC236}">
+                <a16:creationId xmlns:a16="http://schemas.microsoft.com/office/drawing/2014/main" id="{0A29E7BC-6C90-43E7-A6CD-F7589DE15A0A}"/>
+              </a:ext>
+            </a:extLst>
+          </p:cNvPr>
+          <p:cNvCxnSpPr>
+            <a:cxnSpLocks/>
+          </p:cNvCxnSpPr>
+          <p:nvPr/>
+        </p:nvCxnSpPr>
+        <p:spPr>
+          <a:xfrm>
+            <a:off x="3518508" y="3881066"/>
+            <a:ext cx="4974362" cy="0"/>
+          </a:xfrm>
+          <a:prstGeom prst="line">
+            <a:avLst/>
+          </a:prstGeom>
+          <a:solidFill>
+            <a:schemeClr val="bg1"/>
+          </a:solidFill>
+          <a:ln>
+            <a:solidFill>
+              <a:srgbClr val="1318ED"/>
+            </a:solidFill>
+          </a:ln>
+        </p:spPr>
+        <p:style>
+          <a:lnRef idx="2">
+            <a:schemeClr val="accent1">
+              <a:shade val="50000"/>
+            </a:schemeClr>
+          </a:lnRef>
+          <a:fillRef idx="1">
+            <a:schemeClr val="accent1"/>
+          </a:fillRef>
+          <a:effectRef idx="0">
+            <a:schemeClr val="accent1"/>
+          </a:effectRef>
+          <a:fontRef idx="minor">
+            <a:schemeClr val="lt1"/>
+          </a:fontRef>
+        </p:style>
+      </p:cxnSp>
+      <p:cxnSp>
+        <p:nvCxnSpPr>
+          <p:cNvPr id="11" name="Connettore 1 63">
+            <a:extLst>
+              <a:ext uri="{FF2B5EF4-FFF2-40B4-BE49-F238E27FC236}">
+                <a16:creationId xmlns:a16="http://schemas.microsoft.com/office/drawing/2014/main" id="{45A47D49-5F73-49F5-8D91-421AE01D41E4}"/>
+              </a:ext>
+            </a:extLst>
+          </p:cNvPr>
+          <p:cNvCxnSpPr>
+            <a:cxnSpLocks/>
+          </p:cNvCxnSpPr>
+          <p:nvPr/>
+        </p:nvCxnSpPr>
+        <p:spPr>
+          <a:xfrm>
+            <a:off x="5596221" y="1924697"/>
+            <a:ext cx="9941" cy="3915661"/>
+          </a:xfrm>
+          <a:prstGeom prst="line">
+            <a:avLst/>
+          </a:prstGeom>
+          <a:solidFill>
+            <a:schemeClr val="bg1"/>
+          </a:solidFill>
+          <a:ln>
+            <a:solidFill>
+              <a:srgbClr val="1318ED"/>
+            </a:solidFill>
+          </a:ln>
+        </p:spPr>
+        <p:style>
+          <a:lnRef idx="2">
+            <a:schemeClr val="accent1">
+              <a:shade val="50000"/>
+            </a:schemeClr>
+          </a:lnRef>
+          <a:fillRef idx="1">
+            <a:schemeClr val="accent1"/>
+          </a:fillRef>
+          <a:effectRef idx="0">
+            <a:schemeClr val="accent1"/>
+          </a:effectRef>
+          <a:fontRef idx="minor">
+            <a:schemeClr val="lt1"/>
+          </a:fontRef>
+        </p:style>
+      </p:cxnSp>
+      <p:cxnSp>
+        <p:nvCxnSpPr>
+          <p:cNvPr id="12" name="Connettore 1 64">
+            <a:extLst>
+              <a:ext uri="{FF2B5EF4-FFF2-40B4-BE49-F238E27FC236}">
+                <a16:creationId xmlns:a16="http://schemas.microsoft.com/office/drawing/2014/main" id="{10F1753B-34BD-49E4-A3F0-13764C920AFB}"/>
+              </a:ext>
+            </a:extLst>
+          </p:cNvPr>
+          <p:cNvCxnSpPr>
+            <a:cxnSpLocks/>
+          </p:cNvCxnSpPr>
+          <p:nvPr/>
+        </p:nvCxnSpPr>
+        <p:spPr>
+          <a:xfrm>
+            <a:off x="6328038" y="1869913"/>
+            <a:ext cx="0" cy="3970445"/>
+          </a:xfrm>
+          <a:prstGeom prst="line">
+            <a:avLst/>
+          </a:prstGeom>
+          <a:solidFill>
+            <a:schemeClr val="bg1"/>
+          </a:solidFill>
+          <a:ln>
+            <a:solidFill>
+              <a:srgbClr val="1318ED"/>
+            </a:solidFill>
+          </a:ln>
+        </p:spPr>
+        <p:style>
+          <a:lnRef idx="2">
+            <a:schemeClr val="accent1">
+              <a:shade val="50000"/>
+            </a:schemeClr>
+          </a:lnRef>
+          <a:fillRef idx="1">
+            <a:schemeClr val="accent1"/>
+          </a:fillRef>
+          <a:effectRef idx="0">
+            <a:schemeClr val="accent1"/>
+          </a:effectRef>
+          <a:fontRef idx="minor">
+            <a:schemeClr val="lt1"/>
+          </a:fontRef>
+        </p:style>
+      </p:cxnSp>
+      <p:sp>
+        <p:nvSpPr>
+          <p:cNvPr id="13" name="CasellaDiTesto 12">
+            <a:extLst>
+              <a:ext uri="{FF2B5EF4-FFF2-40B4-BE49-F238E27FC236}">
+                <a16:creationId xmlns:a16="http://schemas.microsoft.com/office/drawing/2014/main" id="{9A0CD71F-D95D-4340-900B-8855D6452A07}"/>
+              </a:ext>
+            </a:extLst>
+          </p:cNvPr>
+          <p:cNvSpPr txBox="1"/>
+          <p:nvPr/>
+        </p:nvSpPr>
+        <p:spPr>
+          <a:xfrm>
+            <a:off x="3179695" y="2028054"/>
+            <a:ext cx="301686" cy="400110"/>
+          </a:xfrm>
+          <a:prstGeom prst="rect">
+            <a:avLst/>
+          </a:prstGeom>
+          <a:noFill/>
+          <a:ln>
+            <a:solidFill>
+              <a:schemeClr val="bg1"/>
+            </a:solidFill>
+          </a:ln>
+        </p:spPr>
+        <p:txBody>
+          <a:bodyPr wrap="none" rtlCol="0">
+            <a:spAutoFit/>
+          </a:bodyPr>
+          <a:lstStyle/>
+          <a:p>
+            <a:r>
+              <a:rPr lang="it-IT" sz="2000" u="sng" dirty="0"/>
+              <a:t>0</a:t>
+            </a:r>
+            <a:endParaRPr lang="en-GB" sz="2000" u="sng" dirty="0"/>
+          </a:p>
+        </p:txBody>
+      </p:sp>
+      <p:sp>
+        <p:nvSpPr>
+          <p:cNvPr id="14" name="CasellaDiTesto 13">
+            <a:extLst>
+              <a:ext uri="{FF2B5EF4-FFF2-40B4-BE49-F238E27FC236}">
+                <a16:creationId xmlns:a16="http://schemas.microsoft.com/office/drawing/2014/main" id="{6F563288-20F4-4102-83C8-F505FE3FE956}"/>
+              </a:ext>
+            </a:extLst>
+          </p:cNvPr>
+          <p:cNvSpPr txBox="1"/>
+          <p:nvPr/>
+        </p:nvSpPr>
+        <p:spPr>
+          <a:xfrm>
+            <a:off x="7950360" y="1421004"/>
+            <a:ext cx="314510" cy="400110"/>
+          </a:xfrm>
+          <a:prstGeom prst="rect">
+            <a:avLst/>
+          </a:prstGeom>
+          <a:noFill/>
+        </p:spPr>
+        <p:txBody>
+          <a:bodyPr wrap="none" rtlCol="0">
+            <a:spAutoFit/>
+          </a:bodyPr>
+          <a:lstStyle/>
+          <a:p>
+            <a:r>
+              <a:rPr lang="en-GB" sz="2000" dirty="0"/>
+              <a:t>6</a:t>
+            </a:r>
+          </a:p>
+        </p:txBody>
+      </p:sp>
+      <p:sp>
+        <p:nvSpPr>
+          <p:cNvPr id="15" name="CasellaDiTesto 14">
+            <a:extLst>
+              <a:ext uri="{FF2B5EF4-FFF2-40B4-BE49-F238E27FC236}">
+                <a16:creationId xmlns:a16="http://schemas.microsoft.com/office/drawing/2014/main" id="{2FC758EB-1A79-4C90-AD66-725A038A35A2}"/>
+              </a:ext>
+            </a:extLst>
+          </p:cNvPr>
+          <p:cNvSpPr txBox="1"/>
+          <p:nvPr/>
+        </p:nvSpPr>
+        <p:spPr>
+          <a:xfrm>
+            <a:off x="3179695" y="3417829"/>
+            <a:ext cx="314510" cy="1015663"/>
+          </a:xfrm>
+          <a:prstGeom prst="rect">
+            <a:avLst/>
+          </a:prstGeom>
+          <a:noFill/>
+        </p:spPr>
+        <p:txBody>
+          <a:bodyPr wrap="none" rtlCol="0">
+            <a:spAutoFit/>
+          </a:bodyPr>
+          <a:lstStyle/>
+          <a:p>
+            <a:r>
+              <a:rPr lang="it-IT" sz="2000" dirty="0"/>
+              <a:t>2</a:t>
+            </a:r>
+          </a:p>
+          <a:p>
+            <a:endParaRPr lang="it-IT" sz="2000" dirty="0"/>
+          </a:p>
+          <a:p>
+            <a:r>
+              <a:rPr lang="it-IT" sz="2000" dirty="0"/>
+              <a:t>3</a:t>
+            </a:r>
+          </a:p>
+        </p:txBody>
+      </p:sp>
+      <p:sp>
+        <p:nvSpPr>
+          <p:cNvPr id="16" name="CasellaDiTesto 15">
+            <a:extLst>
+              <a:ext uri="{FF2B5EF4-FFF2-40B4-BE49-F238E27FC236}">
+                <a16:creationId xmlns:a16="http://schemas.microsoft.com/office/drawing/2014/main" id="{CCBE5275-6ED3-4FAF-9936-F8313210F04C}"/>
+              </a:ext>
+            </a:extLst>
+          </p:cNvPr>
+          <p:cNvSpPr txBox="1"/>
+          <p:nvPr/>
+        </p:nvSpPr>
+        <p:spPr>
+          <a:xfrm>
+            <a:off x="3180562" y="2748966"/>
+            <a:ext cx="301686" cy="400110"/>
+          </a:xfrm>
+          <a:prstGeom prst="rect">
+            <a:avLst/>
+          </a:prstGeom>
+          <a:solidFill>
+            <a:schemeClr val="bg1"/>
+          </a:solidFill>
+          <a:ln>
+            <a:solidFill>
+              <a:schemeClr val="bg1"/>
+            </a:solidFill>
+          </a:ln>
+        </p:spPr>
+        <p:txBody>
+          <a:bodyPr wrap="none" rtlCol="0">
+            <a:spAutoFit/>
+          </a:bodyPr>
+          <a:lstStyle/>
+          <a:p>
+            <a:r>
+              <a:rPr lang="it-IT" sz="2000" u="sng" dirty="0"/>
+              <a:t>1</a:t>
+            </a:r>
+            <a:endParaRPr lang="en-GB" sz="2000" u="sng" dirty="0"/>
+          </a:p>
+        </p:txBody>
+      </p:sp>
+      <p:cxnSp>
+        <p:nvCxnSpPr>
+          <p:cNvPr id="17" name="Connettore 1 87">
+            <a:extLst>
+              <a:ext uri="{FF2B5EF4-FFF2-40B4-BE49-F238E27FC236}">
+                <a16:creationId xmlns:a16="http://schemas.microsoft.com/office/drawing/2014/main" id="{B766F777-D1AD-41EB-A9D7-7BBCA8B7C01F}"/>
+              </a:ext>
+            </a:extLst>
+          </p:cNvPr>
+          <p:cNvCxnSpPr>
+            <a:cxnSpLocks/>
+          </p:cNvCxnSpPr>
+          <p:nvPr/>
+        </p:nvCxnSpPr>
+        <p:spPr>
+          <a:xfrm>
+            <a:off x="3534673" y="4517531"/>
+            <a:ext cx="4958197" cy="0"/>
+          </a:xfrm>
+          <a:prstGeom prst="line">
+            <a:avLst/>
+          </a:prstGeom>
+          <a:solidFill>
+            <a:schemeClr val="bg1"/>
+          </a:solidFill>
+          <a:ln>
+            <a:solidFill>
+              <a:srgbClr val="1318ED"/>
+            </a:solidFill>
+          </a:ln>
+        </p:spPr>
+        <p:style>
+          <a:lnRef idx="2">
+            <a:schemeClr val="accent1">
+              <a:shade val="50000"/>
+            </a:schemeClr>
+          </a:lnRef>
+          <a:fillRef idx="1">
+            <a:schemeClr val="accent1"/>
+          </a:fillRef>
+          <a:effectRef idx="0">
+            <a:schemeClr val="accent1"/>
+          </a:effectRef>
+          <a:fontRef idx="minor">
+            <a:schemeClr val="lt1"/>
+          </a:fontRef>
+        </p:style>
+      </p:cxnSp>
+      <p:cxnSp>
+        <p:nvCxnSpPr>
+          <p:cNvPr id="18" name="Connettore 1 88">
+            <a:extLst>
+              <a:ext uri="{FF2B5EF4-FFF2-40B4-BE49-F238E27FC236}">
+                <a16:creationId xmlns:a16="http://schemas.microsoft.com/office/drawing/2014/main" id="{B79F8006-A7A3-40AD-BE45-6D6CBB687F64}"/>
+              </a:ext>
+            </a:extLst>
+          </p:cNvPr>
+          <p:cNvCxnSpPr>
+            <a:cxnSpLocks/>
+          </p:cNvCxnSpPr>
+          <p:nvPr/>
+        </p:nvCxnSpPr>
+        <p:spPr>
+          <a:xfrm>
+            <a:off x="7048118" y="1877232"/>
+            <a:ext cx="0" cy="3963126"/>
+          </a:xfrm>
+          <a:prstGeom prst="line">
+            <a:avLst/>
+          </a:prstGeom>
+          <a:solidFill>
+            <a:schemeClr val="bg1"/>
+          </a:solidFill>
+          <a:ln>
+            <a:solidFill>
+              <a:srgbClr val="1318ED"/>
+            </a:solidFill>
+          </a:ln>
+        </p:spPr>
+        <p:style>
+          <a:lnRef idx="2">
+            <a:schemeClr val="accent1">
+              <a:shade val="50000"/>
+            </a:schemeClr>
+          </a:lnRef>
+          <a:fillRef idx="1">
+            <a:schemeClr val="accent1"/>
+          </a:fillRef>
+          <a:effectRef idx="0">
+            <a:schemeClr val="accent1"/>
+          </a:effectRef>
+          <a:fontRef idx="minor">
+            <a:schemeClr val="lt1"/>
+          </a:fontRef>
+        </p:style>
+      </p:cxnSp>
+      <p:cxnSp>
+        <p:nvCxnSpPr>
+          <p:cNvPr id="22" name="Connettore 1 64">
+            <a:extLst>
+              <a:ext uri="{FF2B5EF4-FFF2-40B4-BE49-F238E27FC236}">
+                <a16:creationId xmlns:a16="http://schemas.microsoft.com/office/drawing/2014/main" id="{65DEC593-0C49-4113-8619-A57FD33FD00A}"/>
+              </a:ext>
+            </a:extLst>
+          </p:cNvPr>
+          <p:cNvCxnSpPr>
+            <a:cxnSpLocks/>
+          </p:cNvCxnSpPr>
+          <p:nvPr/>
+        </p:nvCxnSpPr>
+        <p:spPr>
+          <a:xfrm>
+            <a:off x="7772790" y="1877231"/>
+            <a:ext cx="0" cy="3963127"/>
+          </a:xfrm>
+          <a:prstGeom prst="line">
+            <a:avLst/>
+          </a:prstGeom>
+          <a:solidFill>
+            <a:schemeClr val="bg1"/>
+          </a:solidFill>
+          <a:ln>
+            <a:solidFill>
+              <a:srgbClr val="1318ED"/>
+            </a:solidFill>
+          </a:ln>
+        </p:spPr>
+        <p:style>
+          <a:lnRef idx="2">
+            <a:schemeClr val="accent1">
+              <a:shade val="50000"/>
+            </a:schemeClr>
+          </a:lnRef>
+          <a:fillRef idx="1">
+            <a:schemeClr val="accent1"/>
+          </a:fillRef>
+          <a:effectRef idx="0">
+            <a:schemeClr val="accent1"/>
+          </a:effectRef>
+          <a:fontRef idx="minor">
+            <a:schemeClr val="lt1"/>
+          </a:fontRef>
+        </p:style>
+      </p:cxnSp>
+      <p:sp>
+        <p:nvSpPr>
+          <p:cNvPr id="29" name="CasellaDiTesto 28">
+            <a:extLst>
+              <a:ext uri="{FF2B5EF4-FFF2-40B4-BE49-F238E27FC236}">
+                <a16:creationId xmlns:a16="http://schemas.microsoft.com/office/drawing/2014/main" id="{984FAB7E-370D-423C-A467-DF32C83555C3}"/>
+              </a:ext>
+            </a:extLst>
+          </p:cNvPr>
+          <p:cNvSpPr txBox="1"/>
+          <p:nvPr/>
+        </p:nvSpPr>
+        <p:spPr>
+          <a:xfrm>
+            <a:off x="3698934" y="1420328"/>
+            <a:ext cx="3964547" cy="400110"/>
+          </a:xfrm>
+          <a:prstGeom prst="rect">
+            <a:avLst/>
+          </a:prstGeom>
+          <a:noFill/>
+          <a:ln>
+            <a:solidFill>
+              <a:schemeClr val="bg1"/>
+            </a:solidFill>
+          </a:ln>
+        </p:spPr>
+        <p:txBody>
+          <a:bodyPr wrap="none" rtlCol="0">
+            <a:spAutoFit/>
+          </a:bodyPr>
+          <a:lstStyle/>
+          <a:p>
+            <a:r>
+              <a:rPr lang="it-IT" sz="2000" u="sng" dirty="0"/>
+              <a:t>0</a:t>
+            </a:r>
+            <a:r>
+              <a:rPr lang="it-IT" sz="2000" dirty="0"/>
+              <a:t>         1           2           3          4          5</a:t>
+            </a:r>
+            <a:endParaRPr lang="en-GB" sz="2000" u="sng" dirty="0"/>
+          </a:p>
+        </p:txBody>
+      </p:sp>
+      <p:cxnSp>
+        <p:nvCxnSpPr>
+          <p:cNvPr id="30" name="Connettore 1 57">
+            <a:extLst>
+              <a:ext uri="{FF2B5EF4-FFF2-40B4-BE49-F238E27FC236}">
+                <a16:creationId xmlns:a16="http://schemas.microsoft.com/office/drawing/2014/main" id="{8AD76B33-C858-4205-86D1-0DB71DBEBB71}"/>
+              </a:ext>
+            </a:extLst>
+          </p:cNvPr>
+          <p:cNvCxnSpPr>
+            <a:cxnSpLocks/>
+          </p:cNvCxnSpPr>
+          <p:nvPr/>
+        </p:nvCxnSpPr>
+        <p:spPr>
+          <a:xfrm>
+            <a:off x="3528081" y="5203898"/>
+            <a:ext cx="4974362" cy="0"/>
+          </a:xfrm>
+          <a:prstGeom prst="line">
+            <a:avLst/>
+          </a:prstGeom>
+          <a:solidFill>
+            <a:schemeClr val="bg1"/>
+          </a:solidFill>
+          <a:ln>
+            <a:solidFill>
+              <a:srgbClr val="1318ED"/>
+            </a:solidFill>
+          </a:ln>
+        </p:spPr>
+        <p:style>
+          <a:lnRef idx="2">
+            <a:schemeClr val="accent1">
+              <a:shade val="50000"/>
+            </a:schemeClr>
+          </a:lnRef>
+          <a:fillRef idx="1">
+            <a:schemeClr val="accent1"/>
+          </a:fillRef>
+          <a:effectRef idx="0">
+            <a:schemeClr val="accent1"/>
+          </a:effectRef>
+          <a:fontRef idx="minor">
+            <a:schemeClr val="lt1"/>
+          </a:fontRef>
+        </p:style>
+      </p:cxnSp>
+      <p:cxnSp>
+        <p:nvCxnSpPr>
+          <p:cNvPr id="31" name="Connettore 1 87">
+            <a:extLst>
+              <a:ext uri="{FF2B5EF4-FFF2-40B4-BE49-F238E27FC236}">
+                <a16:creationId xmlns:a16="http://schemas.microsoft.com/office/drawing/2014/main" id="{FB54C94C-BB23-4BA2-9192-1F0A60D34625}"/>
+              </a:ext>
+            </a:extLst>
+          </p:cNvPr>
+          <p:cNvCxnSpPr>
+            <a:cxnSpLocks/>
+          </p:cNvCxnSpPr>
+          <p:nvPr/>
+        </p:nvCxnSpPr>
+        <p:spPr>
+          <a:xfrm>
+            <a:off x="3543064" y="5847018"/>
+            <a:ext cx="4958197" cy="0"/>
+          </a:xfrm>
+          <a:prstGeom prst="line">
+            <a:avLst/>
+          </a:prstGeom>
+          <a:solidFill>
+            <a:schemeClr val="bg1"/>
+          </a:solidFill>
+          <a:ln>
+            <a:solidFill>
+              <a:srgbClr val="1318ED"/>
+            </a:solidFill>
+          </a:ln>
+        </p:spPr>
+        <p:style>
+          <a:lnRef idx="2">
+            <a:schemeClr val="accent1">
+              <a:shade val="50000"/>
+            </a:schemeClr>
+          </a:lnRef>
+          <a:fillRef idx="1">
+            <a:schemeClr val="accent1"/>
+          </a:fillRef>
+          <a:effectRef idx="0">
+            <a:schemeClr val="accent1"/>
+          </a:effectRef>
+          <a:fontRef idx="minor">
+            <a:schemeClr val="lt1"/>
+          </a:fontRef>
+        </p:style>
+      </p:cxnSp>
+      <p:sp>
+        <p:nvSpPr>
+          <p:cNvPr id="38" name="CasellaDiTesto 37">
+            <a:extLst>
+              <a:ext uri="{FF2B5EF4-FFF2-40B4-BE49-F238E27FC236}">
+                <a16:creationId xmlns:a16="http://schemas.microsoft.com/office/drawing/2014/main" id="{62A1C43D-0DBF-46E1-8977-A06952188762}"/>
+              </a:ext>
+            </a:extLst>
+          </p:cNvPr>
+          <p:cNvSpPr txBox="1"/>
+          <p:nvPr/>
+        </p:nvSpPr>
+        <p:spPr>
+          <a:xfrm>
+            <a:off x="3173691" y="4696066"/>
+            <a:ext cx="314510" cy="1015663"/>
+          </a:xfrm>
+          <a:prstGeom prst="rect">
+            <a:avLst/>
+          </a:prstGeom>
+          <a:noFill/>
+        </p:spPr>
+        <p:txBody>
+          <a:bodyPr wrap="none" rtlCol="0">
+            <a:spAutoFit/>
+          </a:bodyPr>
+          <a:lstStyle/>
+          <a:p>
+            <a:r>
+              <a:rPr lang="it-IT" sz="2000" dirty="0"/>
+              <a:t>4</a:t>
+            </a:r>
+          </a:p>
+          <a:p>
+            <a:endParaRPr lang="it-IT" sz="2000" dirty="0"/>
+          </a:p>
+          <a:p>
+            <a:r>
+              <a:rPr lang="it-IT" sz="2000" dirty="0"/>
+              <a:t>5</a:t>
+            </a:r>
+          </a:p>
+        </p:txBody>
+      </p:sp>
+      <p:sp>
+        <p:nvSpPr>
+          <p:cNvPr id="39" name="CasellaDiTesto 38">
+            <a:extLst>
+              <a:ext uri="{FF2B5EF4-FFF2-40B4-BE49-F238E27FC236}">
+                <a16:creationId xmlns:a16="http://schemas.microsoft.com/office/drawing/2014/main" id="{8107A2A7-B4BA-4A9E-85A9-6BE96EDD68AB}"/>
+              </a:ext>
+            </a:extLst>
+          </p:cNvPr>
+          <p:cNvSpPr txBox="1"/>
+          <p:nvPr/>
+        </p:nvSpPr>
+        <p:spPr>
+          <a:xfrm>
+            <a:off x="7973972" y="2057568"/>
+            <a:ext cx="317716" cy="1015663"/>
+          </a:xfrm>
+          <a:prstGeom prst="rect">
+            <a:avLst/>
+          </a:prstGeom>
+          <a:noFill/>
+          <a:ln>
+            <a:noFill/>
+          </a:ln>
+        </p:spPr>
+        <p:txBody>
+          <a:bodyPr wrap="none" rtlCol="0">
+            <a:spAutoFit/>
+          </a:bodyPr>
+          <a:lstStyle/>
+          <a:p>
+            <a:r>
+              <a:rPr lang="it-IT" sz="2000" dirty="0"/>
+              <a:t>X</a:t>
+            </a:r>
+          </a:p>
+          <a:p>
+            <a:endParaRPr lang="it-IT" sz="2000" dirty="0"/>
+          </a:p>
+          <a:p>
+            <a:r>
+              <a:rPr lang="it-IT" sz="2000" dirty="0"/>
+              <a:t>X</a:t>
+            </a:r>
+            <a:endParaRPr lang="en-GB" sz="2000" dirty="0"/>
+          </a:p>
+        </p:txBody>
+      </p:sp>
+      <p:sp>
+        <p:nvSpPr>
+          <p:cNvPr id="41" name="CasellaDiTesto 40">
+            <a:extLst>
+              <a:ext uri="{FF2B5EF4-FFF2-40B4-BE49-F238E27FC236}">
+                <a16:creationId xmlns:a16="http://schemas.microsoft.com/office/drawing/2014/main" id="{657A2976-C66A-4849-94DC-E643067B3F53}"/>
+              </a:ext>
+            </a:extLst>
+          </p:cNvPr>
+          <p:cNvSpPr txBox="1"/>
+          <p:nvPr/>
+        </p:nvSpPr>
+        <p:spPr>
+          <a:xfrm>
+            <a:off x="7973972" y="3362172"/>
+            <a:ext cx="317716" cy="1015663"/>
+          </a:xfrm>
+          <a:prstGeom prst="rect">
+            <a:avLst/>
+          </a:prstGeom>
+          <a:noFill/>
+          <a:ln>
+            <a:noFill/>
+          </a:ln>
+        </p:spPr>
+        <p:txBody>
+          <a:bodyPr wrap="none" rtlCol="0">
+            <a:spAutoFit/>
+          </a:bodyPr>
+          <a:lstStyle/>
+          <a:p>
+            <a:r>
+              <a:rPr lang="it-IT" sz="2000" dirty="0"/>
+              <a:t>X</a:t>
+            </a:r>
+          </a:p>
+          <a:p>
+            <a:endParaRPr lang="it-IT" sz="2000" dirty="0"/>
+          </a:p>
+          <a:p>
+            <a:r>
+              <a:rPr lang="it-IT" sz="2000" dirty="0"/>
+              <a:t>X</a:t>
+            </a:r>
+            <a:endParaRPr lang="en-GB" sz="2000" dirty="0"/>
+          </a:p>
+        </p:txBody>
+      </p:sp>
+      <p:sp>
+        <p:nvSpPr>
+          <p:cNvPr id="42" name="CasellaDiTesto 41">
+            <a:extLst>
+              <a:ext uri="{FF2B5EF4-FFF2-40B4-BE49-F238E27FC236}">
+                <a16:creationId xmlns:a16="http://schemas.microsoft.com/office/drawing/2014/main" id="{0E1F765B-098C-41CF-BCC6-44D58B06A6DF}"/>
+              </a:ext>
+            </a:extLst>
+          </p:cNvPr>
+          <p:cNvSpPr txBox="1"/>
+          <p:nvPr/>
+        </p:nvSpPr>
+        <p:spPr>
+          <a:xfrm>
+            <a:off x="7950360" y="4683910"/>
+            <a:ext cx="317716" cy="1015663"/>
+          </a:xfrm>
+          <a:prstGeom prst="rect">
+            <a:avLst/>
+          </a:prstGeom>
+          <a:noFill/>
+          <a:ln>
+            <a:noFill/>
+          </a:ln>
+        </p:spPr>
+        <p:txBody>
+          <a:bodyPr wrap="none" rtlCol="0">
+            <a:spAutoFit/>
+          </a:bodyPr>
+          <a:lstStyle/>
+          <a:p>
+            <a:r>
+              <a:rPr lang="it-IT" sz="2000" dirty="0"/>
+              <a:t>X</a:t>
+            </a:r>
+          </a:p>
+          <a:p>
+            <a:endParaRPr lang="it-IT" sz="2000" dirty="0"/>
+          </a:p>
+          <a:p>
+            <a:r>
+              <a:rPr lang="it-IT" sz="2000" dirty="0"/>
+              <a:t>X</a:t>
+            </a:r>
+            <a:endParaRPr lang="en-GB" sz="2000" dirty="0"/>
+          </a:p>
+        </p:txBody>
+      </p:sp>
+      <p:sp>
+        <p:nvSpPr>
+          <p:cNvPr id="43" name="CasellaDiTesto 42">
+            <a:extLst>
+              <a:ext uri="{FF2B5EF4-FFF2-40B4-BE49-F238E27FC236}">
+                <a16:creationId xmlns:a16="http://schemas.microsoft.com/office/drawing/2014/main" id="{70F36F97-6579-45CE-B534-2A1CCC914812}"/>
+              </a:ext>
+            </a:extLst>
+          </p:cNvPr>
+          <p:cNvSpPr txBox="1"/>
+          <p:nvPr/>
+        </p:nvSpPr>
+        <p:spPr>
+          <a:xfrm>
+            <a:off x="3714668" y="5300647"/>
+            <a:ext cx="970137" cy="400110"/>
+          </a:xfrm>
+          <a:prstGeom prst="rect">
+            <a:avLst/>
+          </a:prstGeom>
+          <a:noFill/>
+          <a:ln>
+            <a:noFill/>
+          </a:ln>
+        </p:spPr>
+        <p:txBody>
+          <a:bodyPr wrap="none" rtlCol="0">
+            <a:spAutoFit/>
+          </a:bodyPr>
+          <a:lstStyle/>
+          <a:p>
+            <a:r>
+              <a:rPr lang="it-IT" sz="2000" dirty="0"/>
+              <a:t>X         </a:t>
+            </a:r>
+            <a:r>
+              <a:rPr lang="en-GB" sz="2000" dirty="0"/>
+              <a:t>X</a:t>
+            </a:r>
+            <a:endParaRPr lang="it-IT" sz="2000" dirty="0"/>
+          </a:p>
+        </p:txBody>
+      </p:sp>
+      <p:sp>
+        <p:nvSpPr>
+          <p:cNvPr id="44" name="CasellaDiTesto 43">
+            <a:extLst>
+              <a:ext uri="{FF2B5EF4-FFF2-40B4-BE49-F238E27FC236}">
+                <a16:creationId xmlns:a16="http://schemas.microsoft.com/office/drawing/2014/main" id="{17147AC3-1F13-4675-A204-247750E72B75}"/>
+              </a:ext>
+            </a:extLst>
+          </p:cNvPr>
+          <p:cNvSpPr txBox="1"/>
+          <p:nvPr/>
+        </p:nvSpPr>
+        <p:spPr>
+          <a:xfrm>
+            <a:off x="5114292" y="5302176"/>
+            <a:ext cx="1027845" cy="400110"/>
+          </a:xfrm>
+          <a:prstGeom prst="rect">
+            <a:avLst/>
+          </a:prstGeom>
+          <a:noFill/>
+          <a:ln>
+            <a:noFill/>
+          </a:ln>
+        </p:spPr>
+        <p:txBody>
+          <a:bodyPr wrap="none" rtlCol="0">
+            <a:spAutoFit/>
+          </a:bodyPr>
+          <a:lstStyle/>
+          <a:p>
+            <a:r>
+              <a:rPr lang="it-IT" sz="2000" dirty="0"/>
+              <a:t>X          </a:t>
+            </a:r>
+            <a:r>
+              <a:rPr lang="en-GB" sz="2000" dirty="0"/>
+              <a:t>X</a:t>
+            </a:r>
+            <a:endParaRPr lang="it-IT" sz="2000" dirty="0"/>
+          </a:p>
+        </p:txBody>
+      </p:sp>
+      <p:sp>
+        <p:nvSpPr>
+          <p:cNvPr id="45" name="CasellaDiTesto 44">
+            <a:extLst>
+              <a:ext uri="{FF2B5EF4-FFF2-40B4-BE49-F238E27FC236}">
+                <a16:creationId xmlns:a16="http://schemas.microsoft.com/office/drawing/2014/main" id="{32FB490B-29FF-445C-9748-0DF4356CBE9B}"/>
+              </a:ext>
+            </a:extLst>
+          </p:cNvPr>
+          <p:cNvSpPr txBox="1"/>
+          <p:nvPr/>
+        </p:nvSpPr>
+        <p:spPr>
+          <a:xfrm>
+            <a:off x="6545319" y="5299463"/>
+            <a:ext cx="1027845" cy="400110"/>
+          </a:xfrm>
+          <a:prstGeom prst="rect">
+            <a:avLst/>
+          </a:prstGeom>
+          <a:noFill/>
+          <a:ln>
+            <a:noFill/>
+          </a:ln>
+        </p:spPr>
+        <p:txBody>
+          <a:bodyPr wrap="none" rtlCol="0">
+            <a:spAutoFit/>
+          </a:bodyPr>
+          <a:lstStyle/>
+          <a:p>
+            <a:r>
+              <a:rPr lang="it-IT" sz="2000" dirty="0"/>
+              <a:t>X          </a:t>
+            </a:r>
+            <a:r>
+              <a:rPr lang="en-GB" sz="2000" dirty="0"/>
+              <a:t>X</a:t>
+            </a:r>
+            <a:endParaRPr lang="it-IT" sz="2000" dirty="0"/>
+          </a:p>
+        </p:txBody>
+      </p:sp>
+      <p:sp>
+        <p:nvSpPr>
+          <p:cNvPr id="47" name="Rettangolo 46">
+            <a:extLst>
+              <a:ext uri="{FF2B5EF4-FFF2-40B4-BE49-F238E27FC236}">
+                <a16:creationId xmlns:a16="http://schemas.microsoft.com/office/drawing/2014/main" id="{19E9EE2B-FADE-4814-A969-BB3C623FCE8D}"/>
+              </a:ext>
+            </a:extLst>
+          </p:cNvPr>
+          <p:cNvSpPr/>
+          <p:nvPr/>
+        </p:nvSpPr>
+        <p:spPr>
+          <a:xfrm>
+            <a:off x="4888670" y="3874395"/>
+            <a:ext cx="699160" cy="636463"/>
+          </a:xfrm>
+          <a:prstGeom prst="rect">
+            <a:avLst/>
+          </a:prstGeom>
+        </p:spPr>
+        <p:style>
+          <a:lnRef idx="1">
+            <a:schemeClr val="accent6"/>
+          </a:lnRef>
+          <a:fillRef idx="2">
+            <a:schemeClr val="accent6"/>
+          </a:fillRef>
+          <a:effectRef idx="1">
+            <a:schemeClr val="accent6"/>
+          </a:effectRef>
+          <a:fontRef idx="minor">
+            <a:schemeClr val="dk1"/>
+          </a:fontRef>
+        </p:style>
+        <p:txBody>
+          <a:bodyPr rtlCol="0" anchor="ctr"/>
+          <a:lstStyle/>
+          <a:p>
+            <a:pPr algn="ctr"/>
+            <a:endParaRPr lang="it-IT"/>
+          </a:p>
+        </p:txBody>
+      </p:sp>
+      <p:sp>
+        <p:nvSpPr>
+          <p:cNvPr id="48" name="Rettangolo 47">
+            <a:extLst>
+              <a:ext uri="{FF2B5EF4-FFF2-40B4-BE49-F238E27FC236}">
+                <a16:creationId xmlns:a16="http://schemas.microsoft.com/office/drawing/2014/main" id="{4851AB67-09C2-4CE9-B4E5-50C45BEBA0A2}"/>
+              </a:ext>
+            </a:extLst>
+          </p:cNvPr>
+          <p:cNvSpPr/>
+          <p:nvPr/>
+        </p:nvSpPr>
+        <p:spPr>
+          <a:xfrm>
+            <a:off x="6326241" y="3887727"/>
+            <a:ext cx="718079" cy="623143"/>
+          </a:xfrm>
+          <a:prstGeom prst="rect">
+            <a:avLst/>
+          </a:prstGeom>
+        </p:spPr>
+        <p:style>
+          <a:lnRef idx="1">
+            <a:schemeClr val="accent6"/>
+          </a:lnRef>
+          <a:fillRef idx="2">
+            <a:schemeClr val="accent6"/>
+          </a:fillRef>
+          <a:effectRef idx="1">
+            <a:schemeClr val="accent6"/>
+          </a:effectRef>
+          <a:fontRef idx="minor">
+            <a:schemeClr val="dk1"/>
+          </a:fontRef>
+        </p:style>
+        <p:txBody>
+          <a:bodyPr rtlCol="0" anchor="ctr"/>
+          <a:lstStyle/>
+          <a:p>
+            <a:pPr algn="ctr"/>
+            <a:endParaRPr lang="it-IT"/>
+          </a:p>
+        </p:txBody>
+      </p:sp>
+      <p:sp>
+        <p:nvSpPr>
+          <p:cNvPr id="46" name="CasellaDiTesto 45">
+            <a:extLst>
+              <a:ext uri="{FF2B5EF4-FFF2-40B4-BE49-F238E27FC236}">
+                <a16:creationId xmlns:a16="http://schemas.microsoft.com/office/drawing/2014/main" id="{F5BD2D7D-3720-4694-8BFC-DAED64DEC532}"/>
+              </a:ext>
+            </a:extLst>
+          </p:cNvPr>
+          <p:cNvSpPr txBox="1"/>
+          <p:nvPr/>
+        </p:nvSpPr>
+        <p:spPr>
+          <a:xfrm>
+            <a:off x="5079774" y="4014667"/>
+            <a:ext cx="1818126" cy="400110"/>
+          </a:xfrm>
+          <a:prstGeom prst="rect">
+            <a:avLst/>
+          </a:prstGeom>
+          <a:noFill/>
+          <a:ln>
+            <a:noFill/>
+          </a:ln>
+        </p:spPr>
+        <p:txBody>
+          <a:bodyPr wrap="none" rtlCol="0">
+            <a:spAutoFit/>
+          </a:bodyPr>
+          <a:lstStyle/>
+          <a:p>
+            <a:r>
+              <a:rPr lang="it-IT" sz="2000" dirty="0"/>
+              <a:t>X         	         </a:t>
+            </a:r>
+            <a:r>
+              <a:rPr lang="en-GB" sz="2000" dirty="0"/>
+              <a:t>X</a:t>
+            </a:r>
+            <a:endParaRPr lang="it-IT" sz="2000" dirty="0"/>
+          </a:p>
+        </p:txBody>
+      </p:sp>
+      <p:sp>
+        <p:nvSpPr>
+          <p:cNvPr id="49" name="Freccia in su 48">
+            <a:extLst>
+              <a:ext uri="{FF2B5EF4-FFF2-40B4-BE49-F238E27FC236}">
+                <a16:creationId xmlns:a16="http://schemas.microsoft.com/office/drawing/2014/main" id="{D1FB3E3C-220E-4316-921E-284B3D647709}"/>
+              </a:ext>
+            </a:extLst>
+          </p:cNvPr>
+          <p:cNvSpPr/>
+          <p:nvPr/>
+        </p:nvSpPr>
+        <p:spPr>
+          <a:xfrm>
+            <a:off x="4380883" y="4921966"/>
+            <a:ext cx="302762" cy="400110"/>
+          </a:xfrm>
+          <a:prstGeom prst="upArrow">
+            <a:avLst/>
+          </a:prstGeom>
+        </p:spPr>
+        <p:style>
+          <a:lnRef idx="2">
+            <a:schemeClr val="accent1">
+              <a:shade val="50000"/>
+            </a:schemeClr>
+          </a:lnRef>
+          <a:fillRef idx="1">
+            <a:schemeClr val="accent1"/>
+          </a:fillRef>
+          <a:effectRef idx="0">
+            <a:schemeClr val="accent1"/>
+          </a:effectRef>
+          <a:fontRef idx="minor">
+            <a:schemeClr val="lt1"/>
+          </a:fontRef>
+        </p:style>
+        <p:txBody>
+          <a:bodyPr rtlCol="0" anchor="ctr"/>
+          <a:lstStyle/>
+          <a:p>
+            <a:pPr algn="ctr"/>
+            <a:endParaRPr lang="it-IT"/>
+          </a:p>
+        </p:txBody>
+      </p:sp>
+      <p:sp>
+        <p:nvSpPr>
+          <p:cNvPr id="50" name="Freccia in su 49">
+            <a:extLst>
+              <a:ext uri="{FF2B5EF4-FFF2-40B4-BE49-F238E27FC236}">
+                <a16:creationId xmlns:a16="http://schemas.microsoft.com/office/drawing/2014/main" id="{9EC9CBD9-686F-4EBE-9EC5-85F7ED916A83}"/>
+              </a:ext>
+            </a:extLst>
+          </p:cNvPr>
+          <p:cNvSpPr/>
+          <p:nvPr/>
+        </p:nvSpPr>
+        <p:spPr>
+          <a:xfrm rot="10800000">
+            <a:off x="7248156" y="4921966"/>
+            <a:ext cx="302762" cy="400110"/>
+          </a:xfrm>
+          <a:prstGeom prst="upArrow">
+            <a:avLst/>
+          </a:prstGeom>
+        </p:spPr>
+        <p:style>
+          <a:lnRef idx="2">
+            <a:schemeClr val="accent1">
+              <a:shade val="50000"/>
+            </a:schemeClr>
+          </a:lnRef>
+          <a:fillRef idx="1">
+            <a:schemeClr val="accent1"/>
+          </a:fillRef>
+          <a:effectRef idx="0">
+            <a:schemeClr val="accent1"/>
+          </a:effectRef>
+          <a:fontRef idx="minor">
+            <a:schemeClr val="lt1"/>
+          </a:fontRef>
+        </p:style>
+        <p:txBody>
+          <a:bodyPr rtlCol="0" anchor="ctr"/>
+          <a:lstStyle/>
+          <a:p>
+            <a:pPr algn="ctr"/>
+            <a:endParaRPr lang="it-IT"/>
+          </a:p>
+        </p:txBody>
+      </p:sp>
+      <p:sp>
+        <p:nvSpPr>
+          <p:cNvPr id="52" name="CasellaDiTesto 51">
+            <a:extLst>
+              <a:ext uri="{FF2B5EF4-FFF2-40B4-BE49-F238E27FC236}">
+                <a16:creationId xmlns:a16="http://schemas.microsoft.com/office/drawing/2014/main" id="{31B394DE-14F7-4128-BBB9-BBDAEE67CF45}"/>
+              </a:ext>
+            </a:extLst>
+          </p:cNvPr>
+          <p:cNvSpPr txBox="1"/>
+          <p:nvPr/>
+        </p:nvSpPr>
+        <p:spPr>
+          <a:xfrm>
+            <a:off x="3685120" y="2767618"/>
+            <a:ext cx="314510" cy="1015663"/>
+          </a:xfrm>
+          <a:prstGeom prst="rect">
+            <a:avLst/>
+          </a:prstGeom>
+          <a:noFill/>
+        </p:spPr>
+        <p:txBody>
+          <a:bodyPr wrap="none" rtlCol="0">
+            <a:spAutoFit/>
+          </a:bodyPr>
+          <a:lstStyle/>
+          <a:p>
+            <a:r>
+              <a:rPr lang="it-IT" sz="2000" dirty="0"/>
+              <a:t>1</a:t>
+            </a:r>
+          </a:p>
+          <a:p>
+            <a:endParaRPr lang="it-IT" sz="2000" dirty="0"/>
+          </a:p>
+          <a:p>
+            <a:r>
+              <a:rPr lang="it-IT" sz="2000" dirty="0"/>
+              <a:t>1</a:t>
+            </a:r>
+          </a:p>
+        </p:txBody>
+      </p:sp>
+      <p:sp>
+        <p:nvSpPr>
+          <p:cNvPr id="53" name="CasellaDiTesto 52">
+            <a:extLst>
+              <a:ext uri="{FF2B5EF4-FFF2-40B4-BE49-F238E27FC236}">
+                <a16:creationId xmlns:a16="http://schemas.microsoft.com/office/drawing/2014/main" id="{F934E644-6966-43AE-9923-5B3F3EA0EC2E}"/>
+              </a:ext>
+            </a:extLst>
+          </p:cNvPr>
+          <p:cNvSpPr txBox="1"/>
+          <p:nvPr/>
+        </p:nvSpPr>
+        <p:spPr>
+          <a:xfrm>
+            <a:off x="3689741" y="4009699"/>
+            <a:ext cx="314510" cy="1015663"/>
+          </a:xfrm>
+          <a:prstGeom prst="rect">
+            <a:avLst/>
+          </a:prstGeom>
+          <a:noFill/>
+        </p:spPr>
+        <p:txBody>
+          <a:bodyPr wrap="none" rtlCol="0">
+            <a:spAutoFit/>
+          </a:bodyPr>
+          <a:lstStyle/>
+          <a:p>
+            <a:r>
+              <a:rPr lang="it-IT" sz="2000" dirty="0"/>
+              <a:t>1</a:t>
+            </a:r>
+          </a:p>
+          <a:p>
+            <a:endParaRPr lang="it-IT" sz="2000" dirty="0"/>
+          </a:p>
+          <a:p>
+            <a:r>
+              <a:rPr lang="it-IT" sz="2000" dirty="0"/>
+              <a:t>1</a:t>
+            </a:r>
+          </a:p>
+        </p:txBody>
+      </p:sp>
+      <p:sp>
+        <p:nvSpPr>
+          <p:cNvPr id="55" name="CasellaDiTesto 54">
+            <a:extLst>
+              <a:ext uri="{FF2B5EF4-FFF2-40B4-BE49-F238E27FC236}">
+                <a16:creationId xmlns:a16="http://schemas.microsoft.com/office/drawing/2014/main" id="{EBE3AE03-E443-4D2D-8DB0-A2CF56F6BF1D}"/>
+              </a:ext>
+            </a:extLst>
+          </p:cNvPr>
+          <p:cNvSpPr txBox="1"/>
+          <p:nvPr/>
+        </p:nvSpPr>
+        <p:spPr>
+          <a:xfrm>
+            <a:off x="4361619" y="2779823"/>
+            <a:ext cx="314510" cy="1015663"/>
+          </a:xfrm>
+          <a:prstGeom prst="rect">
+            <a:avLst/>
+          </a:prstGeom>
+          <a:noFill/>
+        </p:spPr>
+        <p:txBody>
+          <a:bodyPr wrap="none" rtlCol="0">
+            <a:spAutoFit/>
+          </a:bodyPr>
+          <a:lstStyle/>
+          <a:p>
+            <a:r>
+              <a:rPr lang="it-IT" sz="2000" dirty="0"/>
+              <a:t>1</a:t>
+            </a:r>
+          </a:p>
+          <a:p>
+            <a:endParaRPr lang="it-IT" sz="2000" dirty="0"/>
+          </a:p>
+          <a:p>
+            <a:r>
+              <a:rPr lang="it-IT" sz="2000" dirty="0"/>
+              <a:t>1</a:t>
+            </a:r>
+          </a:p>
+        </p:txBody>
+      </p:sp>
+      <p:sp>
+        <p:nvSpPr>
+          <p:cNvPr id="56" name="CasellaDiTesto 55">
+            <a:extLst>
+              <a:ext uri="{FF2B5EF4-FFF2-40B4-BE49-F238E27FC236}">
+                <a16:creationId xmlns:a16="http://schemas.microsoft.com/office/drawing/2014/main" id="{FC1E7955-9F16-46DB-BD51-455638F748AA}"/>
+              </a:ext>
+            </a:extLst>
+          </p:cNvPr>
+          <p:cNvSpPr txBox="1"/>
+          <p:nvPr/>
+        </p:nvSpPr>
+        <p:spPr>
+          <a:xfrm>
+            <a:off x="4366240" y="4021904"/>
+            <a:ext cx="314510" cy="1015663"/>
+          </a:xfrm>
+          <a:prstGeom prst="rect">
+            <a:avLst/>
+          </a:prstGeom>
+          <a:noFill/>
+        </p:spPr>
+        <p:txBody>
+          <a:bodyPr wrap="none" rtlCol="0">
+            <a:spAutoFit/>
+          </a:bodyPr>
+          <a:lstStyle/>
+          <a:p>
+            <a:r>
+              <a:rPr lang="it-IT" sz="2000" dirty="0"/>
+              <a:t>1</a:t>
+            </a:r>
+          </a:p>
+          <a:p>
+            <a:endParaRPr lang="it-IT" sz="2000" dirty="0"/>
+          </a:p>
+          <a:p>
+            <a:r>
+              <a:rPr lang="it-IT" sz="2000" dirty="0"/>
+              <a:t>1</a:t>
+            </a:r>
+          </a:p>
+        </p:txBody>
+      </p:sp>
+      <p:sp>
+        <p:nvSpPr>
+          <p:cNvPr id="57" name="CasellaDiTesto 56">
+            <a:extLst>
+              <a:ext uri="{FF2B5EF4-FFF2-40B4-BE49-F238E27FC236}">
+                <a16:creationId xmlns:a16="http://schemas.microsoft.com/office/drawing/2014/main" id="{E7AE103F-E44E-4EDF-BE26-84F4A559137B}"/>
+              </a:ext>
+            </a:extLst>
+          </p:cNvPr>
+          <p:cNvSpPr txBox="1"/>
+          <p:nvPr/>
+        </p:nvSpPr>
+        <p:spPr>
+          <a:xfrm>
+            <a:off x="5813217" y="2799700"/>
+            <a:ext cx="314510" cy="1015663"/>
+          </a:xfrm>
+          <a:prstGeom prst="rect">
+            <a:avLst/>
+          </a:prstGeom>
+          <a:noFill/>
+        </p:spPr>
+        <p:txBody>
+          <a:bodyPr wrap="none" rtlCol="0">
+            <a:spAutoFit/>
+          </a:bodyPr>
+          <a:lstStyle/>
+          <a:p>
+            <a:r>
+              <a:rPr lang="it-IT" sz="2000" dirty="0"/>
+              <a:t>1</a:t>
+            </a:r>
+          </a:p>
+          <a:p>
+            <a:endParaRPr lang="it-IT" sz="2000" dirty="0"/>
+          </a:p>
+          <a:p>
+            <a:r>
+              <a:rPr lang="it-IT" sz="2000" dirty="0"/>
+              <a:t>1</a:t>
+            </a:r>
+          </a:p>
+        </p:txBody>
+      </p:sp>
+      <p:sp>
+        <p:nvSpPr>
+          <p:cNvPr id="58" name="CasellaDiTesto 57">
+            <a:extLst>
+              <a:ext uri="{FF2B5EF4-FFF2-40B4-BE49-F238E27FC236}">
+                <a16:creationId xmlns:a16="http://schemas.microsoft.com/office/drawing/2014/main" id="{04E961FA-AA8E-499D-AD45-4FB0B308CDD6}"/>
+              </a:ext>
+            </a:extLst>
+          </p:cNvPr>
+          <p:cNvSpPr txBox="1"/>
+          <p:nvPr/>
+        </p:nvSpPr>
+        <p:spPr>
+          <a:xfrm>
+            <a:off x="5817838" y="4066165"/>
+            <a:ext cx="314510" cy="1015663"/>
+          </a:xfrm>
+          <a:prstGeom prst="rect">
+            <a:avLst/>
+          </a:prstGeom>
+          <a:noFill/>
+        </p:spPr>
+        <p:txBody>
+          <a:bodyPr wrap="none" rtlCol="0">
+            <a:spAutoFit/>
+          </a:bodyPr>
+          <a:lstStyle/>
+          <a:p>
+            <a:r>
+              <a:rPr lang="it-IT" sz="2000" dirty="0"/>
+              <a:t>1</a:t>
+            </a:r>
+          </a:p>
+          <a:p>
+            <a:endParaRPr lang="it-IT" sz="2000" dirty="0"/>
+          </a:p>
+          <a:p>
+            <a:r>
+              <a:rPr lang="it-IT" sz="2000" dirty="0"/>
+              <a:t>1</a:t>
+            </a:r>
+          </a:p>
+        </p:txBody>
+      </p:sp>
+      <p:sp>
+        <p:nvSpPr>
+          <p:cNvPr id="59" name="CasellaDiTesto 58">
+            <a:extLst>
+              <a:ext uri="{FF2B5EF4-FFF2-40B4-BE49-F238E27FC236}">
+                <a16:creationId xmlns:a16="http://schemas.microsoft.com/office/drawing/2014/main" id="{71695D0F-9161-459B-8E8B-784CD276ECC5}"/>
+              </a:ext>
+            </a:extLst>
+          </p:cNvPr>
+          <p:cNvSpPr txBox="1"/>
+          <p:nvPr/>
+        </p:nvSpPr>
+        <p:spPr>
+          <a:xfrm>
+            <a:off x="7233592" y="2810866"/>
+            <a:ext cx="314510" cy="1015663"/>
+          </a:xfrm>
+          <a:prstGeom prst="rect">
+            <a:avLst/>
+          </a:prstGeom>
+          <a:noFill/>
+        </p:spPr>
+        <p:txBody>
+          <a:bodyPr wrap="none" rtlCol="0">
+            <a:spAutoFit/>
+          </a:bodyPr>
+          <a:lstStyle/>
+          <a:p>
+            <a:r>
+              <a:rPr lang="it-IT" sz="2000" dirty="0"/>
+              <a:t>1</a:t>
+            </a:r>
+          </a:p>
+          <a:p>
+            <a:endParaRPr lang="it-IT" sz="2000" dirty="0"/>
+          </a:p>
+          <a:p>
+            <a:r>
+              <a:rPr lang="it-IT" sz="2000" dirty="0"/>
+              <a:t>1</a:t>
+            </a:r>
+          </a:p>
+        </p:txBody>
+      </p:sp>
+      <p:sp>
+        <p:nvSpPr>
+          <p:cNvPr id="60" name="CasellaDiTesto 59">
+            <a:extLst>
+              <a:ext uri="{FF2B5EF4-FFF2-40B4-BE49-F238E27FC236}">
+                <a16:creationId xmlns:a16="http://schemas.microsoft.com/office/drawing/2014/main" id="{BC242ED6-E6C4-40F9-B000-9754CB1B6D11}"/>
+              </a:ext>
+            </a:extLst>
+          </p:cNvPr>
+          <p:cNvSpPr txBox="1"/>
+          <p:nvPr/>
+        </p:nvSpPr>
+        <p:spPr>
+          <a:xfrm>
+            <a:off x="7238213" y="4052947"/>
+            <a:ext cx="314510" cy="1015663"/>
+          </a:xfrm>
+          <a:prstGeom prst="rect">
+            <a:avLst/>
+          </a:prstGeom>
+          <a:noFill/>
+        </p:spPr>
+        <p:txBody>
+          <a:bodyPr wrap="none" rtlCol="0">
+            <a:spAutoFit/>
+          </a:bodyPr>
+          <a:lstStyle/>
+          <a:p>
+            <a:r>
+              <a:rPr lang="it-IT" sz="2000" dirty="0"/>
+              <a:t>1</a:t>
+            </a:r>
+          </a:p>
+          <a:p>
+            <a:endParaRPr lang="it-IT" sz="2000" dirty="0"/>
+          </a:p>
+          <a:p>
+            <a:r>
+              <a:rPr lang="it-IT" sz="2000" dirty="0"/>
+              <a:t>1</a:t>
+            </a:r>
+          </a:p>
+        </p:txBody>
+      </p:sp>
+      <p:sp>
+        <p:nvSpPr>
+          <p:cNvPr id="61" name="CasellaDiTesto 60">
+            <a:extLst>
+              <a:ext uri="{FF2B5EF4-FFF2-40B4-BE49-F238E27FC236}">
+                <a16:creationId xmlns:a16="http://schemas.microsoft.com/office/drawing/2014/main" id="{63549A85-0FD0-4888-AEEE-C7C4217382F3}"/>
+              </a:ext>
+            </a:extLst>
+          </p:cNvPr>
+          <p:cNvSpPr txBox="1"/>
+          <p:nvPr/>
+        </p:nvSpPr>
+        <p:spPr>
+          <a:xfrm>
+            <a:off x="5079792" y="2157968"/>
+            <a:ext cx="314510" cy="1015663"/>
+          </a:xfrm>
+          <a:prstGeom prst="rect">
+            <a:avLst/>
+          </a:prstGeom>
+          <a:noFill/>
+        </p:spPr>
+        <p:txBody>
+          <a:bodyPr wrap="none" rtlCol="0">
+            <a:spAutoFit/>
+          </a:bodyPr>
+          <a:lstStyle/>
+          <a:p>
+            <a:r>
+              <a:rPr lang="it-IT" sz="2000" dirty="0"/>
+              <a:t>1</a:t>
+            </a:r>
+          </a:p>
+          <a:p>
+            <a:endParaRPr lang="it-IT" sz="2000" dirty="0"/>
+          </a:p>
+          <a:p>
+            <a:r>
+              <a:rPr lang="it-IT" sz="2000" dirty="0"/>
+              <a:t>1</a:t>
+            </a:r>
+          </a:p>
+        </p:txBody>
+      </p:sp>
+      <p:sp>
+        <p:nvSpPr>
+          <p:cNvPr id="62" name="CasellaDiTesto 61">
+            <a:extLst>
+              <a:ext uri="{FF2B5EF4-FFF2-40B4-BE49-F238E27FC236}">
+                <a16:creationId xmlns:a16="http://schemas.microsoft.com/office/drawing/2014/main" id="{5FDC68A9-BCC8-4AA3-8077-D008C801A60A}"/>
+              </a:ext>
+            </a:extLst>
+          </p:cNvPr>
+          <p:cNvSpPr txBox="1"/>
+          <p:nvPr/>
+        </p:nvSpPr>
+        <p:spPr>
+          <a:xfrm>
+            <a:off x="5092014" y="4066165"/>
+            <a:ext cx="314510" cy="1015663"/>
+          </a:xfrm>
+          <a:prstGeom prst="rect">
+            <a:avLst/>
+          </a:prstGeom>
+          <a:noFill/>
+        </p:spPr>
+        <p:txBody>
+          <a:bodyPr wrap="none" rtlCol="0">
+            <a:spAutoFit/>
+          </a:bodyPr>
+          <a:lstStyle/>
+          <a:p>
+            <a:endParaRPr lang="it-IT" sz="2000" dirty="0"/>
+          </a:p>
+          <a:p>
+            <a:endParaRPr lang="it-IT" sz="2000" dirty="0"/>
+          </a:p>
+          <a:p>
+            <a:r>
+              <a:rPr lang="it-IT" sz="2000" dirty="0"/>
+              <a:t>1</a:t>
+            </a:r>
+          </a:p>
+        </p:txBody>
+      </p:sp>
+      <p:sp>
+        <p:nvSpPr>
+          <p:cNvPr id="63" name="CasellaDiTesto 62">
+            <a:extLst>
+              <a:ext uri="{FF2B5EF4-FFF2-40B4-BE49-F238E27FC236}">
+                <a16:creationId xmlns:a16="http://schemas.microsoft.com/office/drawing/2014/main" id="{E7433660-930C-43C9-89AD-4F8C2D5A996C}"/>
+              </a:ext>
+            </a:extLst>
+          </p:cNvPr>
+          <p:cNvSpPr txBox="1"/>
+          <p:nvPr/>
+        </p:nvSpPr>
+        <p:spPr>
+          <a:xfrm>
+            <a:off x="5079792" y="2769310"/>
+            <a:ext cx="314510" cy="1015663"/>
+          </a:xfrm>
+          <a:prstGeom prst="rect">
+            <a:avLst/>
+          </a:prstGeom>
+          <a:noFill/>
+        </p:spPr>
+        <p:txBody>
+          <a:bodyPr wrap="none" rtlCol="0">
+            <a:spAutoFit/>
+          </a:bodyPr>
+          <a:lstStyle/>
+          <a:p>
+            <a:endParaRPr lang="it-IT" sz="2000" dirty="0"/>
+          </a:p>
+          <a:p>
+            <a:endParaRPr lang="it-IT" sz="2000" dirty="0"/>
+          </a:p>
+          <a:p>
+            <a:r>
+              <a:rPr lang="it-IT" sz="2000" dirty="0"/>
+              <a:t>1</a:t>
+            </a:r>
+          </a:p>
+        </p:txBody>
+      </p:sp>
+      <p:sp>
+        <p:nvSpPr>
+          <p:cNvPr id="64" name="CasellaDiTesto 63">
+            <a:extLst>
+              <a:ext uri="{FF2B5EF4-FFF2-40B4-BE49-F238E27FC236}">
+                <a16:creationId xmlns:a16="http://schemas.microsoft.com/office/drawing/2014/main" id="{3CDDD1CC-6C07-4AF7-B8DE-6E8E681EB937}"/>
+              </a:ext>
+            </a:extLst>
+          </p:cNvPr>
+          <p:cNvSpPr txBox="1"/>
+          <p:nvPr/>
+        </p:nvSpPr>
+        <p:spPr>
+          <a:xfrm>
+            <a:off x="4361619" y="2164180"/>
+            <a:ext cx="309918" cy="1015663"/>
+          </a:xfrm>
+          <a:prstGeom prst="rect">
+            <a:avLst/>
+          </a:prstGeom>
+          <a:noFill/>
+        </p:spPr>
+        <p:txBody>
+          <a:bodyPr wrap="square" rtlCol="0">
+            <a:spAutoFit/>
+          </a:bodyPr>
+          <a:lstStyle/>
+          <a:p>
+            <a:r>
+              <a:rPr lang="it-IT" sz="2000" dirty="0"/>
+              <a:t>1</a:t>
+            </a:r>
+          </a:p>
+          <a:p>
+            <a:endParaRPr lang="it-IT" sz="2000" dirty="0"/>
+          </a:p>
+          <a:p>
+            <a:endParaRPr lang="it-IT" sz="2000" dirty="0"/>
+          </a:p>
+        </p:txBody>
+      </p:sp>
+      <p:sp>
+        <p:nvSpPr>
+          <p:cNvPr id="65" name="CasellaDiTesto 64">
+            <a:extLst>
+              <a:ext uri="{FF2B5EF4-FFF2-40B4-BE49-F238E27FC236}">
+                <a16:creationId xmlns:a16="http://schemas.microsoft.com/office/drawing/2014/main" id="{ABECCB99-B6EF-4717-B8D6-4139F49E597A}"/>
+              </a:ext>
+            </a:extLst>
+          </p:cNvPr>
+          <p:cNvSpPr txBox="1"/>
+          <p:nvPr/>
+        </p:nvSpPr>
+        <p:spPr>
+          <a:xfrm>
+            <a:off x="6513512" y="2788862"/>
+            <a:ext cx="314510" cy="1015663"/>
+          </a:xfrm>
+          <a:prstGeom prst="rect">
+            <a:avLst/>
+          </a:prstGeom>
+          <a:noFill/>
+        </p:spPr>
+        <p:txBody>
+          <a:bodyPr wrap="none" rtlCol="0">
+            <a:spAutoFit/>
+          </a:bodyPr>
+          <a:lstStyle/>
+          <a:p>
+            <a:r>
+              <a:rPr lang="it-IT" sz="2000" dirty="0"/>
+              <a:t>1</a:t>
+            </a:r>
+          </a:p>
+          <a:p>
+            <a:endParaRPr lang="it-IT" sz="2000" dirty="0"/>
+          </a:p>
+          <a:p>
+            <a:r>
+              <a:rPr lang="it-IT" sz="2000" dirty="0"/>
+              <a:t>1</a:t>
+            </a:r>
+          </a:p>
+        </p:txBody>
+      </p:sp>
+      <p:sp>
+        <p:nvSpPr>
+          <p:cNvPr id="66" name="CasellaDiTesto 65">
+            <a:extLst>
+              <a:ext uri="{FF2B5EF4-FFF2-40B4-BE49-F238E27FC236}">
+                <a16:creationId xmlns:a16="http://schemas.microsoft.com/office/drawing/2014/main" id="{CE63F9E6-6F17-4B91-A1FB-943E92BDF96C}"/>
+              </a:ext>
+            </a:extLst>
+          </p:cNvPr>
+          <p:cNvSpPr txBox="1"/>
+          <p:nvPr/>
+        </p:nvSpPr>
+        <p:spPr>
+          <a:xfrm>
+            <a:off x="5799118" y="2169944"/>
+            <a:ext cx="314510" cy="1015663"/>
+          </a:xfrm>
+          <a:prstGeom prst="rect">
+            <a:avLst/>
+          </a:prstGeom>
+          <a:noFill/>
+        </p:spPr>
+        <p:txBody>
+          <a:bodyPr wrap="none" rtlCol="0">
+            <a:spAutoFit/>
+          </a:bodyPr>
+          <a:lstStyle/>
+          <a:p>
+            <a:r>
+              <a:rPr lang="it-IT" sz="2000" dirty="0"/>
+              <a:t>1</a:t>
+            </a:r>
+          </a:p>
+          <a:p>
+            <a:endParaRPr lang="it-IT" sz="2000" dirty="0"/>
+          </a:p>
+          <a:p>
+            <a:endParaRPr lang="it-IT" sz="2000" dirty="0"/>
+          </a:p>
+        </p:txBody>
+      </p:sp>
+      <p:sp>
+        <p:nvSpPr>
+          <p:cNvPr id="67" name="CasellaDiTesto 66">
+            <a:extLst>
+              <a:ext uri="{FF2B5EF4-FFF2-40B4-BE49-F238E27FC236}">
+                <a16:creationId xmlns:a16="http://schemas.microsoft.com/office/drawing/2014/main" id="{9F3177A2-F23E-4F61-A65C-A021F71D7495}"/>
+              </a:ext>
+            </a:extLst>
+          </p:cNvPr>
+          <p:cNvSpPr txBox="1"/>
+          <p:nvPr/>
+        </p:nvSpPr>
+        <p:spPr>
+          <a:xfrm>
+            <a:off x="6536765" y="4696066"/>
+            <a:ext cx="314510" cy="1015663"/>
+          </a:xfrm>
+          <a:prstGeom prst="rect">
+            <a:avLst/>
+          </a:prstGeom>
+          <a:noFill/>
+        </p:spPr>
+        <p:txBody>
+          <a:bodyPr wrap="none" rtlCol="0">
+            <a:spAutoFit/>
+          </a:bodyPr>
+          <a:lstStyle/>
+          <a:p>
+            <a:r>
+              <a:rPr lang="it-IT" sz="2000" dirty="0"/>
+              <a:t>1</a:t>
+            </a:r>
+          </a:p>
+          <a:p>
+            <a:endParaRPr lang="it-IT" sz="2000" dirty="0"/>
+          </a:p>
+          <a:p>
+            <a:endParaRPr lang="it-IT" sz="2000" dirty="0"/>
+          </a:p>
+        </p:txBody>
+      </p:sp>
+      <p:sp>
+        <p:nvSpPr>
+          <p:cNvPr id="71" name="CasellaDiTesto 70">
+            <a:extLst>
+              <a:ext uri="{FF2B5EF4-FFF2-40B4-BE49-F238E27FC236}">
+                <a16:creationId xmlns:a16="http://schemas.microsoft.com/office/drawing/2014/main" id="{99EDDFA7-B90C-4ACB-A388-1C15BA98EA0D}"/>
+              </a:ext>
+            </a:extLst>
+          </p:cNvPr>
+          <p:cNvSpPr txBox="1"/>
+          <p:nvPr/>
+        </p:nvSpPr>
+        <p:spPr>
+          <a:xfrm>
+            <a:off x="6525100" y="2183025"/>
+            <a:ext cx="314510" cy="1015663"/>
+          </a:xfrm>
+          <a:prstGeom prst="rect">
+            <a:avLst/>
+          </a:prstGeom>
+          <a:noFill/>
+        </p:spPr>
+        <p:txBody>
+          <a:bodyPr wrap="none" rtlCol="0">
+            <a:spAutoFit/>
+          </a:bodyPr>
+          <a:lstStyle/>
+          <a:p>
+            <a:r>
+              <a:rPr lang="it-IT" sz="2000" dirty="0"/>
+              <a:t>1</a:t>
+            </a:r>
+          </a:p>
+          <a:p>
+            <a:endParaRPr lang="it-IT" sz="2000" dirty="0"/>
+          </a:p>
+          <a:p>
+            <a:endParaRPr lang="it-IT" sz="2000" dirty="0"/>
+          </a:p>
+        </p:txBody>
+      </p:sp>
+      <p:sp>
+        <p:nvSpPr>
+          <p:cNvPr id="72" name="CasellaDiTesto 71">
+            <a:extLst>
+              <a:ext uri="{FF2B5EF4-FFF2-40B4-BE49-F238E27FC236}">
+                <a16:creationId xmlns:a16="http://schemas.microsoft.com/office/drawing/2014/main" id="{F099B5C3-17D3-4204-92CC-2C7529FE64E6}"/>
+              </a:ext>
+            </a:extLst>
+          </p:cNvPr>
+          <p:cNvSpPr txBox="1"/>
+          <p:nvPr/>
+        </p:nvSpPr>
+        <p:spPr>
+          <a:xfrm>
+            <a:off x="7244426" y="2195001"/>
+            <a:ext cx="314510" cy="1015663"/>
+          </a:xfrm>
+          <a:prstGeom prst="rect">
+            <a:avLst/>
+          </a:prstGeom>
+          <a:noFill/>
+        </p:spPr>
+        <p:txBody>
+          <a:bodyPr wrap="none" rtlCol="0">
+            <a:spAutoFit/>
+          </a:bodyPr>
+          <a:lstStyle/>
+          <a:p>
+            <a:r>
+              <a:rPr lang="it-IT" sz="2000" dirty="0"/>
+              <a:t>1</a:t>
+            </a:r>
+          </a:p>
+          <a:p>
+            <a:endParaRPr lang="it-IT" sz="2000" dirty="0"/>
+          </a:p>
+          <a:p>
+            <a:endParaRPr lang="it-IT" sz="2000" dirty="0"/>
+          </a:p>
+        </p:txBody>
+      </p:sp>
+      <p:sp>
+        <p:nvSpPr>
+          <p:cNvPr id="75" name="CasellaDiTesto 74">
+            <a:extLst>
+              <a:ext uri="{FF2B5EF4-FFF2-40B4-BE49-F238E27FC236}">
+                <a16:creationId xmlns:a16="http://schemas.microsoft.com/office/drawing/2014/main" id="{5208617A-FCB8-43F5-ABB3-363B497B76C8}"/>
+              </a:ext>
+            </a:extLst>
+          </p:cNvPr>
+          <p:cNvSpPr txBox="1"/>
+          <p:nvPr/>
+        </p:nvSpPr>
+        <p:spPr>
+          <a:xfrm>
+            <a:off x="213064" y="133165"/>
+            <a:ext cx="3251496" cy="646331"/>
+          </a:xfrm>
+          <a:prstGeom prst="rect">
+            <a:avLst/>
+          </a:prstGeom>
+          <a:noFill/>
+        </p:spPr>
+        <p:txBody>
+          <a:bodyPr wrap="square" rtlCol="0">
+            <a:spAutoFit/>
+          </a:bodyPr>
+          <a:lstStyle/>
+          <a:p>
+            <a:r>
+              <a:rPr lang="it-IT" dirty="0"/>
+              <a:t>SPRINT1</a:t>
+            </a:r>
+          </a:p>
+          <a:p>
+            <a:r>
+              <a:rPr lang="it-IT" dirty="0"/>
+              <a:t>Mappa della </a:t>
+            </a:r>
+            <a:r>
+              <a:rPr lang="it-IT" dirty="0" err="1"/>
+              <a:t>TeaRoom</a:t>
+            </a:r>
+            <a:endParaRPr lang="it-IT" dirty="0"/>
+          </a:p>
+        </p:txBody>
+      </p:sp>
+    </p:spTree>
+    <p:extLst>
+      <p:ext uri="{BB962C8B-B14F-4D97-AF65-F5344CB8AC3E}">
+        <p14:creationId xmlns:p14="http://schemas.microsoft.com/office/powerpoint/2010/main" val="2214033250"/>
+      </p:ext>
+    </p:extLst>
+  </p:cSld>
+  <p:clrMapOvr>
+    <a:masterClrMapping/>
+  </p:clrMapOvr>
+</p:sld>
+</file>
+
 <file path=ppt/theme/theme1.xml><?xml version="1.0" encoding="utf-8"?>
 <a:theme xmlns:a="http://schemas.openxmlformats.org/drawingml/2006/main" name="Tema di Office">
   <a:themeElements>
@@ -6676,4 +9407,299 @@
     </a:ext>
   </a:extLst>
 </a:theme>
+</file>
+
+<file path=ppt/theme/theme2.xml><?xml version="1.0" encoding="utf-8"?>
+<a:theme xmlns:a="http://schemas.openxmlformats.org/drawingml/2006/main" name="Tema di Office">
+  <a:themeElements>
+    <a:clrScheme name="Office">
+      <a:dk1>
+        <a:sysClr val="windowText" lastClr="000000"/>
+      </a:dk1>
+      <a:lt1>
+        <a:sysClr val="window" lastClr="FFFFFF"/>
+      </a:lt1>
+      <a:dk2>
+        <a:srgbClr val="44546A"/>
+      </a:dk2>
+      <a:lt2>
+        <a:srgbClr val="E7E6E6"/>
+      </a:lt2>
+      <a:accent1>
+        <a:srgbClr val="4472C4"/>
+      </a:accent1>
+      <a:accent2>
+        <a:srgbClr val="ED7D31"/>
+      </a:accent2>
+      <a:accent3>
+        <a:srgbClr val="A5A5A5"/>
+      </a:accent3>
+      <a:accent4>
+        <a:srgbClr val="FFC000"/>
+      </a:accent4>
+      <a:accent5>
+        <a:srgbClr val="5B9BD5"/>
+      </a:accent5>
+      <a:accent6>
+        <a:srgbClr val="70AD47"/>
+      </a:accent6>
+      <a:hlink>
+        <a:srgbClr val="0563C1"/>
+      </a:hlink>
+      <a:folHlink>
+        <a:srgbClr val="954F72"/>
+      </a:folHlink>
+    </a:clrScheme>
+    <a:fontScheme name="Office">
+      <a:majorFont>
+        <a:latin typeface="Calibri Light" panose="020F0302020204030204"/>
+        <a:ea typeface=""/>
+        <a:cs typeface=""/>
+        <a:font script="Jpan" typeface="游ゴシック Light"/>
+        <a:font script="Hang" typeface="맑은 고딕"/>
+        <a:font script="Hans" typeface="等线 Light"/>
+        <a:font script="Hant" typeface="新細明體"/>
+        <a:font script="Arab" typeface="Times New Roman"/>
+        <a:font script="Hebr" typeface="Times New Roman"/>
+        <a:font script="Thai" typeface="Angsana New"/>
+        <a:font script="Ethi" typeface="Nyala"/>
+        <a:font script="Beng" typeface="Vrinda"/>
+        <a:font script="Gujr" typeface="Shruti"/>
+        <a:font script="Khmr" typeface="MoolBoran"/>
+        <a:font script="Knda" typeface="Tunga"/>
+        <a:font script="Guru" typeface="Raavi"/>
+        <a:font script="Cans" typeface="Euphemia"/>
+        <a:font script="Cher" typeface="Plantagenet Cherokee"/>
+        <a:font script="Yiii" typeface="Microsoft Yi Baiti"/>
+        <a:font script="Tibt" typeface="Microsoft Himalaya"/>
+        <a:font script="Thaa" typeface="MV Boli"/>
+        <a:font script="Deva" typeface="Mangal"/>
+        <a:font script="Telu" typeface="Gautami"/>
+        <a:font script="Taml" typeface="Latha"/>
+        <a:font script="Syrc" typeface="Estrangelo Edessa"/>
+        <a:font script="Orya" typeface="Kalinga"/>
+        <a:font script="Mlym" typeface="Kartika"/>
+        <a:font script="Laoo" typeface="DokChampa"/>
+        <a:font script="Sinh" typeface="Iskoola Pota"/>
+        <a:font script="Mong" typeface="Mongolian Baiti"/>
+        <a:font script="Viet" typeface="Times New Roman"/>
+        <a:font script="Uigh" typeface="Microsoft Uighur"/>
+        <a:font script="Geor" typeface="Sylfaen"/>
+        <a:font script="Armn" typeface="Arial"/>
+        <a:font script="Bugi" typeface="Leelawadee UI"/>
+        <a:font script="Bopo" typeface="Microsoft JhengHei"/>
+        <a:font script="Java" typeface="Javanese Text"/>
+        <a:font script="Lisu" typeface="Segoe UI"/>
+        <a:font script="Mymr" typeface="Myanmar Text"/>
+        <a:font script="Nkoo" typeface="Ebrima"/>
+        <a:font script="Olck" typeface="Nirmala UI"/>
+        <a:font script="Osma" typeface="Ebrima"/>
+        <a:font script="Phag" typeface="Phagspa"/>
+        <a:font script="Syrn" typeface="Estrangelo Edessa"/>
+        <a:font script="Syrj" typeface="Estrangelo Edessa"/>
+        <a:font script="Syre" typeface="Estrangelo Edessa"/>
+        <a:font script="Sora" typeface="Nirmala UI"/>
+        <a:font script="Tale" typeface="Microsoft Tai Le"/>
+        <a:font script="Talu" typeface="Microsoft New Tai Lue"/>
+        <a:font script="Tfng" typeface="Ebrima"/>
+      </a:majorFont>
+      <a:minorFont>
+        <a:latin typeface="Calibri" panose="020F0502020204030204"/>
+        <a:ea typeface=""/>
+        <a:cs typeface=""/>
+        <a:font script="Jpan" typeface="游ゴシック"/>
+        <a:font script="Hang" typeface="맑은 고딕"/>
+        <a:font script="Hans" typeface="等线"/>
+        <a:font script="Hant" typeface="新細明體"/>
+        <a:font script="Arab" typeface="Arial"/>
+        <a:font script="Hebr" typeface="Arial"/>
+        <a:font script="Thai" typeface="Cordia New"/>
+        <a:font script="Ethi" typeface="Nyala"/>
+        <a:font script="Beng" typeface="Vrinda"/>
+        <a:font script="Gujr" typeface="Shruti"/>
+        <a:font script="Khmr" typeface="DaunPenh"/>
+        <a:font script="Knda" typeface="Tunga"/>
+        <a:font script="Guru" typeface="Raavi"/>
+        <a:font script="Cans" typeface="Euphemia"/>
+        <a:font script="Cher" typeface="Plantagenet Cherokee"/>
+        <a:font script="Yiii" typeface="Microsoft Yi Baiti"/>
+        <a:font script="Tibt" typeface="Microsoft Himalaya"/>
+        <a:font script="Thaa" typeface="MV Boli"/>
+        <a:font script="Deva" typeface="Mangal"/>
+        <a:font script="Telu" typeface="Gautami"/>
+        <a:font script="Taml" typeface="Latha"/>
+        <a:font script="Syrc" typeface="Estrangelo Edessa"/>
+        <a:font script="Orya" typeface="Kalinga"/>
+        <a:font script="Mlym" typeface="Kartika"/>
+        <a:font script="Laoo" typeface="DokChampa"/>
+        <a:font script="Sinh" typeface="Iskoola Pota"/>
+        <a:font script="Mong" typeface="Mongolian Baiti"/>
+        <a:font script="Viet" typeface="Arial"/>
+        <a:font script="Uigh" typeface="Microsoft Uighur"/>
+        <a:font script="Geor" typeface="Sylfaen"/>
+        <a:font script="Armn" typeface="Arial"/>
+        <a:font script="Bugi" typeface="Leelawadee UI"/>
+        <a:font script="Bopo" typeface="Microsoft JhengHei"/>
+        <a:font script="Java" typeface="Javanese Text"/>
+        <a:font script="Lisu" typeface="Segoe UI"/>
+        <a:font script="Mymr" typeface="Myanmar Text"/>
+        <a:font script="Nkoo" typeface="Ebrima"/>
+        <a:font script="Olck" typeface="Nirmala UI"/>
+        <a:font script="Osma" typeface="Ebrima"/>
+        <a:font script="Phag" typeface="Phagspa"/>
+        <a:font script="Syrn" typeface="Estrangelo Edessa"/>
+        <a:font script="Syrj" typeface="Estrangelo Edessa"/>
+        <a:font script="Syre" typeface="Estrangelo Edessa"/>
+        <a:font script="Sora" typeface="Nirmala UI"/>
+        <a:font script="Tale" typeface="Microsoft Tai Le"/>
+        <a:font script="Talu" typeface="Microsoft New Tai Lue"/>
+        <a:font script="Tfng" typeface="Ebrima"/>
+      </a:minorFont>
+    </a:fontScheme>
+    <a:fmtScheme name="Office">
+      <a:fillStyleLst>
+        <a:solidFill>
+          <a:schemeClr val="phClr"/>
+        </a:solidFill>
+        <a:gradFill rotWithShape="1">
+          <a:gsLst>
+            <a:gs pos="0">
+              <a:schemeClr val="phClr">
+                <a:lumMod val="110000"/>
+                <a:satMod val="105000"/>
+                <a:tint val="67000"/>
+              </a:schemeClr>
+            </a:gs>
+            <a:gs pos="50000">
+              <a:schemeClr val="phClr">
+                <a:lumMod val="105000"/>
+                <a:satMod val="103000"/>
+                <a:tint val="73000"/>
+              </a:schemeClr>
+            </a:gs>
+            <a:gs pos="100000">
+              <a:schemeClr val="phClr">
+                <a:lumMod val="105000"/>
+                <a:satMod val="109000"/>
+                <a:tint val="81000"/>
+              </a:schemeClr>
+            </a:gs>
+          </a:gsLst>
+          <a:lin ang="5400000" scaled="0"/>
+        </a:gradFill>
+        <a:gradFill rotWithShape="1">
+          <a:gsLst>
+            <a:gs pos="0">
+              <a:schemeClr val="phClr">
+                <a:satMod val="103000"/>
+                <a:lumMod val="102000"/>
+                <a:tint val="94000"/>
+              </a:schemeClr>
+            </a:gs>
+            <a:gs pos="50000">
+              <a:schemeClr val="phClr">
+                <a:satMod val="110000"/>
+                <a:lumMod val="100000"/>
+                <a:shade val="100000"/>
+              </a:schemeClr>
+            </a:gs>
+            <a:gs pos="100000">
+              <a:schemeClr val="phClr">
+                <a:lumMod val="99000"/>
+                <a:satMod val="120000"/>
+                <a:shade val="78000"/>
+              </a:schemeClr>
+            </a:gs>
+          </a:gsLst>
+          <a:lin ang="5400000" scaled="0"/>
+        </a:gradFill>
+      </a:fillStyleLst>
+      <a:lnStyleLst>
+        <a:ln w="6350" cap="flat" cmpd="sng" algn="ctr">
+          <a:solidFill>
+            <a:schemeClr val="phClr"/>
+          </a:solidFill>
+          <a:prstDash val="solid"/>
+          <a:miter lim="800000"/>
+        </a:ln>
+        <a:ln w="12700" cap="flat" cmpd="sng" algn="ctr">
+          <a:solidFill>
+            <a:schemeClr val="phClr"/>
+          </a:solidFill>
+          <a:prstDash val="solid"/>
+          <a:miter lim="800000"/>
+        </a:ln>
+        <a:ln w="19050" cap="flat" cmpd="sng" algn="ctr">
+          <a:solidFill>
+            <a:schemeClr val="phClr"/>
+          </a:solidFill>
+          <a:prstDash val="solid"/>
+          <a:miter lim="800000"/>
+        </a:ln>
+      </a:lnStyleLst>
+      <a:effectStyleLst>
+        <a:effectStyle>
+          <a:effectLst/>
+        </a:effectStyle>
+        <a:effectStyle>
+          <a:effectLst/>
+        </a:effectStyle>
+        <a:effectStyle>
+          <a:effectLst>
+            <a:outerShdw blurRad="57150" dist="19050" dir="5400000" algn="ctr" rotWithShape="0">
+              <a:srgbClr val="000000">
+                <a:alpha val="63000"/>
+              </a:srgbClr>
+            </a:outerShdw>
+          </a:effectLst>
+        </a:effectStyle>
+      </a:effectStyleLst>
+      <a:bgFillStyleLst>
+        <a:solidFill>
+          <a:schemeClr val="phClr"/>
+        </a:solidFill>
+        <a:solidFill>
+          <a:schemeClr val="phClr">
+            <a:tint val="95000"/>
+            <a:satMod val="170000"/>
+          </a:schemeClr>
+        </a:solidFill>
+        <a:gradFill rotWithShape="1">
+          <a:gsLst>
+            <a:gs pos="0">
+              <a:schemeClr val="phClr">
+                <a:tint val="93000"/>
+                <a:satMod val="150000"/>
+                <a:shade val="98000"/>
+                <a:lumMod val="102000"/>
+              </a:schemeClr>
+            </a:gs>
+            <a:gs pos="50000">
+              <a:schemeClr val="phClr">
+                <a:tint val="98000"/>
+                <a:satMod val="130000"/>
+                <a:shade val="90000"/>
+                <a:lumMod val="103000"/>
+              </a:schemeClr>
+            </a:gs>
+            <a:gs pos="100000">
+              <a:schemeClr val="phClr">
+                <a:shade val="63000"/>
+                <a:satMod val="120000"/>
+              </a:schemeClr>
+            </a:gs>
+          </a:gsLst>
+          <a:lin ang="5400000" scaled="0"/>
+        </a:gradFill>
+      </a:bgFillStyleLst>
+    </a:fmtScheme>
+  </a:themeElements>
+  <a:objectDefaults/>
+  <a:extraClrSchemeLst/>
+  <a:extLst>
+    <a:ext uri="{05A4C25C-085E-4340-85A3-A5531E510DB2}">
+      <thm15:themeFamily xmlns:thm15="http://schemas.microsoft.com/office/thememl/2012/main" name="Office Theme" id="{62F939B6-93AF-4DB8-9C6B-D6C7DFDC589F}" vid="{4A3C46E8-61CC-4603-A589-7422A47A8E4A}"/>
+    </a:ext>
+  </a:extLst>
+</a:theme>
 </file>
--- a/DOCUMENTS/Diagrammi.pptx
+++ b/DOCUMENTS/Diagrammi.pptx
@@ -5,11 +5,12 @@
     <p:sldMasterId id="2147483648" r:id="rId1"/>
   </p:sldMasterIdLst>
   <p:notesMasterIdLst>
-    <p:notesMasterId r:id="rId4"/>
+    <p:notesMasterId r:id="rId5"/>
   </p:notesMasterIdLst>
   <p:sldIdLst>
     <p:sldId id="256" r:id="rId2"/>
     <p:sldId id="257" r:id="rId3"/>
+    <p:sldId id="258" r:id="rId4"/>
   </p:sldIdLst>
   <p:sldSz cx="12192000" cy="6858000"/>
   <p:notesSz cx="6858000" cy="9144000"/>
@@ -198,7 +199,7 @@
           <a:p>
             <a:fld id="{840E2AAB-1006-4BA7-817F-86A01148584B}" type="datetimeFigureOut">
               <a:rPr lang="it-IT" smtClean="0"/>
-              <a:t>24/06/2020</a:t>
+              <a:t>25/06/2020</a:t>
             </a:fld>
             <a:endParaRPr lang="it-IT"/>
           </a:p>
@@ -612,7 +613,7 @@
           <a:p>
             <a:fld id="{0210BBF0-42E9-4380-BF75-9938A7ED37A5}" type="datetimeFigureOut">
               <a:rPr lang="it-IT" smtClean="0"/>
-              <a:t>24/06/2020</a:t>
+              <a:t>25/06/2020</a:t>
             </a:fld>
             <a:endParaRPr lang="it-IT"/>
           </a:p>
@@ -810,7 +811,7 @@
           <a:p>
             <a:fld id="{0210BBF0-42E9-4380-BF75-9938A7ED37A5}" type="datetimeFigureOut">
               <a:rPr lang="it-IT" smtClean="0"/>
-              <a:t>24/06/2020</a:t>
+              <a:t>25/06/2020</a:t>
             </a:fld>
             <a:endParaRPr lang="it-IT"/>
           </a:p>
@@ -1018,7 +1019,7 @@
           <a:p>
             <a:fld id="{0210BBF0-42E9-4380-BF75-9938A7ED37A5}" type="datetimeFigureOut">
               <a:rPr lang="it-IT" smtClean="0"/>
-              <a:t>24/06/2020</a:t>
+              <a:t>25/06/2020</a:t>
             </a:fld>
             <a:endParaRPr lang="it-IT"/>
           </a:p>
@@ -1216,7 +1217,7 @@
           <a:p>
             <a:fld id="{0210BBF0-42E9-4380-BF75-9938A7ED37A5}" type="datetimeFigureOut">
               <a:rPr lang="it-IT" smtClean="0"/>
-              <a:t>24/06/2020</a:t>
+              <a:t>25/06/2020</a:t>
             </a:fld>
             <a:endParaRPr lang="it-IT"/>
           </a:p>
@@ -1491,7 +1492,7 @@
           <a:p>
             <a:fld id="{0210BBF0-42E9-4380-BF75-9938A7ED37A5}" type="datetimeFigureOut">
               <a:rPr lang="it-IT" smtClean="0"/>
-              <a:t>24/06/2020</a:t>
+              <a:t>25/06/2020</a:t>
             </a:fld>
             <a:endParaRPr lang="it-IT"/>
           </a:p>
@@ -1756,7 +1757,7 @@
           <a:p>
             <a:fld id="{0210BBF0-42E9-4380-BF75-9938A7ED37A5}" type="datetimeFigureOut">
               <a:rPr lang="it-IT" smtClean="0"/>
-              <a:t>24/06/2020</a:t>
+              <a:t>25/06/2020</a:t>
             </a:fld>
             <a:endParaRPr lang="it-IT"/>
           </a:p>
@@ -2168,7 +2169,7 @@
           <a:p>
             <a:fld id="{0210BBF0-42E9-4380-BF75-9938A7ED37A5}" type="datetimeFigureOut">
               <a:rPr lang="it-IT" smtClean="0"/>
-              <a:t>24/06/2020</a:t>
+              <a:t>25/06/2020</a:t>
             </a:fld>
             <a:endParaRPr lang="it-IT"/>
           </a:p>
@@ -2309,7 +2310,7 @@
           <a:p>
             <a:fld id="{0210BBF0-42E9-4380-BF75-9938A7ED37A5}" type="datetimeFigureOut">
               <a:rPr lang="it-IT" smtClean="0"/>
-              <a:t>24/06/2020</a:t>
+              <a:t>25/06/2020</a:t>
             </a:fld>
             <a:endParaRPr lang="it-IT"/>
           </a:p>
@@ -2422,7 +2423,7 @@
           <a:p>
             <a:fld id="{0210BBF0-42E9-4380-BF75-9938A7ED37A5}" type="datetimeFigureOut">
               <a:rPr lang="it-IT" smtClean="0"/>
-              <a:t>24/06/2020</a:t>
+              <a:t>25/06/2020</a:t>
             </a:fld>
             <a:endParaRPr lang="it-IT"/>
           </a:p>
@@ -2733,7 +2734,7 @@
           <a:p>
             <a:fld id="{0210BBF0-42E9-4380-BF75-9938A7ED37A5}" type="datetimeFigureOut">
               <a:rPr lang="it-IT" smtClean="0"/>
-              <a:t>24/06/2020</a:t>
+              <a:t>25/06/2020</a:t>
             </a:fld>
             <a:endParaRPr lang="it-IT"/>
           </a:p>
@@ -3021,7 +3022,7 @@
           <a:p>
             <a:fld id="{0210BBF0-42E9-4380-BF75-9938A7ED37A5}" type="datetimeFigureOut">
               <a:rPr lang="it-IT" smtClean="0"/>
-              <a:t>24/06/2020</a:t>
+              <a:t>25/06/2020</a:t>
             </a:fld>
             <a:endParaRPr lang="it-IT"/>
           </a:p>
@@ -3262,7 +3263,7 @@
           <a:p>
             <a:fld id="{0210BBF0-42E9-4380-BF75-9938A7ED37A5}" type="datetimeFigureOut">
               <a:rPr lang="it-IT" smtClean="0"/>
-              <a:t>24/06/2020</a:t>
+              <a:t>25/06/2020</a:t>
             </a:fld>
             <a:endParaRPr lang="it-IT"/>
           </a:p>
@@ -3681,10 +3682,10 @@
       </p:grpSpPr>
       <p:sp>
         <p:nvSpPr>
-          <p:cNvPr id="115" name="Rettangolo arrotondato 6">
-            <a:extLst>
-              <a:ext uri="{FF2B5EF4-FFF2-40B4-BE49-F238E27FC236}">
-                <a16:creationId xmlns:a16="http://schemas.microsoft.com/office/drawing/2014/main" id="{D137B9A1-9796-4B38-B9E8-B1924E845981}"/>
+          <p:cNvPr id="19" name="Rectangle: Rounded Corners 18">
+            <a:extLst>
+              <a:ext uri="{FF2B5EF4-FFF2-40B4-BE49-F238E27FC236}">
+                <a16:creationId xmlns:a16="http://schemas.microsoft.com/office/drawing/2014/main" id="{2248927A-B25E-4BF0-8779-430B55DE9A18}"/>
               </a:ext>
             </a:extLst>
           </p:cNvPr>
@@ -3693,12 +3694,3186 @@
         </p:nvSpPr>
         <p:spPr>
           <a:xfrm>
-            <a:off x="8453001" y="845112"/>
-            <a:ext cx="2130901" cy="1792313"/>
+            <a:off x="1145219" y="2886604"/>
+            <a:ext cx="2275750" cy="1715056"/>
           </a:xfrm>
           <a:prstGeom prst="roundRect">
             <a:avLst/>
           </a:prstGeom>
+          <a:solidFill>
+            <a:schemeClr val="bg1"/>
+          </a:solidFill>
+          <a:ln>
+            <a:solidFill>
+              <a:srgbClr val="0070C0"/>
+            </a:solidFill>
+          </a:ln>
+        </p:spPr>
+        <p:style>
+          <a:lnRef idx="2">
+            <a:schemeClr val="accent1">
+              <a:shade val="50000"/>
+            </a:schemeClr>
+          </a:lnRef>
+          <a:fillRef idx="1">
+            <a:schemeClr val="accent1"/>
+          </a:fillRef>
+          <a:effectRef idx="0">
+            <a:schemeClr val="accent1"/>
+          </a:effectRef>
+          <a:fontRef idx="minor">
+            <a:schemeClr val="lt1"/>
+          </a:fontRef>
+        </p:style>
+        <p:txBody>
+          <a:bodyPr rtlCol="0" anchor="ctr"/>
+          <a:lstStyle/>
+          <a:p>
+            <a:pPr algn="ctr"/>
+            <a:endParaRPr lang="en-US" sz="1600"/>
+          </a:p>
+        </p:txBody>
+      </p:sp>
+      <p:grpSp>
+        <p:nvGrpSpPr>
+          <p:cNvPr id="20" name="Gruppo 72">
+            <a:extLst>
+              <a:ext uri="{FF2B5EF4-FFF2-40B4-BE49-F238E27FC236}">
+                <a16:creationId xmlns:a16="http://schemas.microsoft.com/office/drawing/2014/main" id="{D418CD12-C2C4-4437-B0F0-3E34C9404403}"/>
+              </a:ext>
+            </a:extLst>
+          </p:cNvPr>
+          <p:cNvGrpSpPr/>
+          <p:nvPr/>
+        </p:nvGrpSpPr>
+        <p:grpSpPr>
+          <a:xfrm>
+            <a:off x="1403276" y="4160463"/>
+            <a:ext cx="693123" cy="289457"/>
+            <a:chOff x="5133975" y="5295900"/>
+            <a:chExt cx="342900" cy="238125"/>
+          </a:xfrm>
+        </p:grpSpPr>
+        <p:sp>
+          <p:nvSpPr>
+            <p:cNvPr id="21" name="Figura a mano libera 73">
+              <a:extLst>
+                <a:ext uri="{FF2B5EF4-FFF2-40B4-BE49-F238E27FC236}">
+                  <a16:creationId xmlns:a16="http://schemas.microsoft.com/office/drawing/2014/main" id="{BAB4FA64-3CC3-4EFF-B527-46875A573925}"/>
+                </a:ext>
+              </a:extLst>
+            </p:cNvPr>
+            <p:cNvSpPr/>
+            <p:nvPr/>
+          </p:nvSpPr>
+          <p:spPr>
+            <a:xfrm>
+              <a:off x="5133975" y="5295900"/>
+              <a:ext cx="342900" cy="238125"/>
+            </a:xfrm>
+            <a:custGeom>
+              <a:avLst/>
+              <a:gdLst>
+                <a:gd name="connsiteX0" fmla="*/ 0 w 342900"/>
+                <a:gd name="connsiteY0" fmla="*/ 142875 h 238125"/>
+                <a:gd name="connsiteX1" fmla="*/ 28575 w 342900"/>
+                <a:gd name="connsiteY1" fmla="*/ 38100 h 238125"/>
+                <a:gd name="connsiteX2" fmla="*/ 47625 w 342900"/>
+                <a:gd name="connsiteY2" fmla="*/ 9525 h 238125"/>
+                <a:gd name="connsiteX3" fmla="*/ 76200 w 342900"/>
+                <a:gd name="connsiteY3" fmla="*/ 0 h 238125"/>
+                <a:gd name="connsiteX4" fmla="*/ 104775 w 342900"/>
+                <a:gd name="connsiteY4" fmla="*/ 9525 h 238125"/>
+                <a:gd name="connsiteX5" fmla="*/ 142875 w 342900"/>
+                <a:gd name="connsiteY5" fmla="*/ 95250 h 238125"/>
+                <a:gd name="connsiteX6" fmla="*/ 161925 w 342900"/>
+                <a:gd name="connsiteY6" fmla="*/ 152400 h 238125"/>
+                <a:gd name="connsiteX7" fmla="*/ 171450 w 342900"/>
+                <a:gd name="connsiteY7" fmla="*/ 180975 h 238125"/>
+                <a:gd name="connsiteX8" fmla="*/ 209550 w 342900"/>
+                <a:gd name="connsiteY8" fmla="*/ 238125 h 238125"/>
+                <a:gd name="connsiteX9" fmla="*/ 238125 w 342900"/>
+                <a:gd name="connsiteY9" fmla="*/ 180975 h 238125"/>
+                <a:gd name="connsiteX10" fmla="*/ 266700 w 342900"/>
+                <a:gd name="connsiteY10" fmla="*/ 104775 h 238125"/>
+                <a:gd name="connsiteX11" fmla="*/ 342900 w 342900"/>
+                <a:gd name="connsiteY11" fmla="*/ 85725 h 238125"/>
+              </a:gdLst>
+              <a:ahLst/>
+              <a:cxnLst>
+                <a:cxn ang="0">
+                  <a:pos x="connsiteX0" y="connsiteY0"/>
+                </a:cxn>
+                <a:cxn ang="0">
+                  <a:pos x="connsiteX1" y="connsiteY1"/>
+                </a:cxn>
+                <a:cxn ang="0">
+                  <a:pos x="connsiteX2" y="connsiteY2"/>
+                </a:cxn>
+                <a:cxn ang="0">
+                  <a:pos x="connsiteX3" y="connsiteY3"/>
+                </a:cxn>
+                <a:cxn ang="0">
+                  <a:pos x="connsiteX4" y="connsiteY4"/>
+                </a:cxn>
+                <a:cxn ang="0">
+                  <a:pos x="connsiteX5" y="connsiteY5"/>
+                </a:cxn>
+                <a:cxn ang="0">
+                  <a:pos x="connsiteX6" y="connsiteY6"/>
+                </a:cxn>
+                <a:cxn ang="0">
+                  <a:pos x="connsiteX7" y="connsiteY7"/>
+                </a:cxn>
+                <a:cxn ang="0">
+                  <a:pos x="connsiteX8" y="connsiteY8"/>
+                </a:cxn>
+                <a:cxn ang="0">
+                  <a:pos x="connsiteX9" y="connsiteY9"/>
+                </a:cxn>
+                <a:cxn ang="0">
+                  <a:pos x="connsiteX10" y="connsiteY10"/>
+                </a:cxn>
+                <a:cxn ang="0">
+                  <a:pos x="connsiteX11" y="connsiteY11"/>
+                </a:cxn>
+              </a:cxnLst>
+              <a:rect l="l" t="t" r="r" b="b"/>
+              <a:pathLst>
+                <a:path w="342900" h="238125">
+                  <a:moveTo>
+                    <a:pt x="0" y="142875"/>
+                  </a:moveTo>
+                  <a:cubicBezTo>
+                    <a:pt x="5112" y="117315"/>
+                    <a:pt x="14764" y="58817"/>
+                    <a:pt x="28575" y="38100"/>
+                  </a:cubicBezTo>
+                  <a:cubicBezTo>
+                    <a:pt x="34925" y="28575"/>
+                    <a:pt x="38686" y="16676"/>
+                    <a:pt x="47625" y="9525"/>
+                  </a:cubicBezTo>
+                  <a:cubicBezTo>
+                    <a:pt x="55465" y="3253"/>
+                    <a:pt x="66675" y="3175"/>
+                    <a:pt x="76200" y="0"/>
+                  </a:cubicBezTo>
+                  <a:cubicBezTo>
+                    <a:pt x="85725" y="3175"/>
+                    <a:pt x="96935" y="3253"/>
+                    <a:pt x="104775" y="9525"/>
+                  </a:cubicBezTo>
+                  <a:cubicBezTo>
+                    <a:pt x="125358" y="25992"/>
+                    <a:pt x="137054" y="77787"/>
+                    <a:pt x="142875" y="95250"/>
+                  </a:cubicBezTo>
+                  <a:lnTo>
+                    <a:pt x="161925" y="152400"/>
+                  </a:lnTo>
+                  <a:cubicBezTo>
+                    <a:pt x="165100" y="161925"/>
+                    <a:pt x="169481" y="171130"/>
+                    <a:pt x="171450" y="180975"/>
+                  </a:cubicBezTo>
+                  <a:cubicBezTo>
+                    <a:pt x="182944" y="238445"/>
+                    <a:pt x="165616" y="223480"/>
+                    <a:pt x="209550" y="238125"/>
+                  </a:cubicBezTo>
+                  <a:cubicBezTo>
+                    <a:pt x="228174" y="210189"/>
+                    <a:pt x="230238" y="212523"/>
+                    <a:pt x="238125" y="180975"/>
+                  </a:cubicBezTo>
+                  <a:cubicBezTo>
+                    <a:pt x="243105" y="161054"/>
+                    <a:pt x="243471" y="119293"/>
+                    <a:pt x="266700" y="104775"/>
+                  </a:cubicBezTo>
+                  <a:cubicBezTo>
+                    <a:pt x="300393" y="83717"/>
+                    <a:pt x="313092" y="85725"/>
+                    <a:pt x="342900" y="85725"/>
+                  </a:cubicBezTo>
+                </a:path>
+              </a:pathLst>
+            </a:custGeom>
+            <a:noFill/>
+            <a:ln>
+              <a:solidFill>
+                <a:srgbClr val="C00000"/>
+              </a:solidFill>
+            </a:ln>
+          </p:spPr>
+          <p:style>
+            <a:lnRef idx="2">
+              <a:schemeClr val="accent1">
+                <a:shade val="50000"/>
+              </a:schemeClr>
+            </a:lnRef>
+            <a:fillRef idx="1">
+              <a:schemeClr val="accent1"/>
+            </a:fillRef>
+            <a:effectRef idx="0">
+              <a:schemeClr val="accent1"/>
+            </a:effectRef>
+            <a:fontRef idx="minor">
+              <a:schemeClr val="lt1"/>
+            </a:fontRef>
+          </p:style>
+          <p:txBody>
+            <a:bodyPr rtlCol="0" anchor="ctr"/>
+            <a:lstStyle/>
+            <a:p>
+              <a:pPr algn="ctr"/>
+              <a:endParaRPr lang="it-IT" sz="1600"/>
+            </a:p>
+          </p:txBody>
+        </p:sp>
+        <p:sp>
+          <p:nvSpPr>
+            <p:cNvPr id="22" name="Figura a mano libera 74">
+              <a:extLst>
+                <a:ext uri="{FF2B5EF4-FFF2-40B4-BE49-F238E27FC236}">
+                  <a16:creationId xmlns:a16="http://schemas.microsoft.com/office/drawing/2014/main" id="{E08E533C-FEA7-4632-8A21-1EC27F534676}"/>
+                </a:ext>
+              </a:extLst>
+            </p:cNvPr>
+            <p:cNvSpPr/>
+            <p:nvPr/>
+          </p:nvSpPr>
+          <p:spPr>
+            <a:xfrm>
+              <a:off x="5400675" y="5353050"/>
+              <a:ext cx="66675" cy="38100"/>
+            </a:xfrm>
+            <a:custGeom>
+              <a:avLst/>
+              <a:gdLst>
+                <a:gd name="connsiteX0" fmla="*/ 66675 w 66675"/>
+                <a:gd name="connsiteY0" fmla="*/ 38100 h 38100"/>
+                <a:gd name="connsiteX1" fmla="*/ 0 w 66675"/>
+                <a:gd name="connsiteY1" fmla="*/ 0 h 38100"/>
+              </a:gdLst>
+              <a:ahLst/>
+              <a:cxnLst>
+                <a:cxn ang="0">
+                  <a:pos x="connsiteX0" y="connsiteY0"/>
+                </a:cxn>
+                <a:cxn ang="0">
+                  <a:pos x="connsiteX1" y="connsiteY1"/>
+                </a:cxn>
+              </a:cxnLst>
+              <a:rect l="l" t="t" r="r" b="b"/>
+              <a:pathLst>
+                <a:path w="66675" h="38100">
+                  <a:moveTo>
+                    <a:pt x="66675" y="38100"/>
+                  </a:moveTo>
+                  <a:cubicBezTo>
+                    <a:pt x="12962" y="5872"/>
+                    <a:pt x="35609" y="17804"/>
+                    <a:pt x="0" y="0"/>
+                  </a:cubicBezTo>
+                </a:path>
+              </a:pathLst>
+            </a:custGeom>
+            <a:noFill/>
+            <a:ln>
+              <a:solidFill>
+                <a:srgbClr val="C00000"/>
+              </a:solidFill>
+            </a:ln>
+          </p:spPr>
+          <p:style>
+            <a:lnRef idx="2">
+              <a:schemeClr val="accent1">
+                <a:shade val="50000"/>
+              </a:schemeClr>
+            </a:lnRef>
+            <a:fillRef idx="1">
+              <a:schemeClr val="accent1"/>
+            </a:fillRef>
+            <a:effectRef idx="0">
+              <a:schemeClr val="accent1"/>
+            </a:effectRef>
+            <a:fontRef idx="minor">
+              <a:schemeClr val="lt1"/>
+            </a:fontRef>
+          </p:style>
+          <p:txBody>
+            <a:bodyPr rtlCol="0" anchor="ctr"/>
+            <a:lstStyle/>
+            <a:p>
+              <a:pPr algn="ctr"/>
+              <a:endParaRPr lang="it-IT" sz="1600"/>
+            </a:p>
+          </p:txBody>
+        </p:sp>
+        <p:sp>
+          <p:nvSpPr>
+            <p:cNvPr id="23" name="Figura a mano libera 75">
+              <a:extLst>
+                <a:ext uri="{FF2B5EF4-FFF2-40B4-BE49-F238E27FC236}">
+                  <a16:creationId xmlns:a16="http://schemas.microsoft.com/office/drawing/2014/main" id="{D3FB0C0E-CD50-4167-AFFF-3C1DE9BD08A0}"/>
+                </a:ext>
+              </a:extLst>
+            </p:cNvPr>
+            <p:cNvSpPr/>
+            <p:nvPr/>
+          </p:nvSpPr>
+          <p:spPr>
+            <a:xfrm>
+              <a:off x="5419725" y="5381625"/>
+              <a:ext cx="47625" cy="57150"/>
+            </a:xfrm>
+            <a:custGeom>
+              <a:avLst/>
+              <a:gdLst>
+                <a:gd name="connsiteX0" fmla="*/ 47625 w 47625"/>
+                <a:gd name="connsiteY0" fmla="*/ 0 h 57150"/>
+                <a:gd name="connsiteX1" fmla="*/ 0 w 47625"/>
+                <a:gd name="connsiteY1" fmla="*/ 57150 h 57150"/>
+              </a:gdLst>
+              <a:ahLst/>
+              <a:cxnLst>
+                <a:cxn ang="0">
+                  <a:pos x="connsiteX0" y="connsiteY0"/>
+                </a:cxn>
+                <a:cxn ang="0">
+                  <a:pos x="connsiteX1" y="connsiteY1"/>
+                </a:cxn>
+              </a:cxnLst>
+              <a:rect l="l" t="t" r="r" b="b"/>
+              <a:pathLst>
+                <a:path w="47625" h="57150">
+                  <a:moveTo>
+                    <a:pt x="47625" y="0"/>
+                  </a:moveTo>
+                  <a:cubicBezTo>
+                    <a:pt x="15397" y="53713"/>
+                    <a:pt x="35609" y="39346"/>
+                    <a:pt x="0" y="57150"/>
+                  </a:cubicBezTo>
+                </a:path>
+              </a:pathLst>
+            </a:custGeom>
+            <a:noFill/>
+            <a:ln>
+              <a:solidFill>
+                <a:srgbClr val="C00000"/>
+              </a:solidFill>
+            </a:ln>
+          </p:spPr>
+          <p:style>
+            <a:lnRef idx="2">
+              <a:schemeClr val="accent1">
+                <a:shade val="50000"/>
+              </a:schemeClr>
+            </a:lnRef>
+            <a:fillRef idx="1">
+              <a:schemeClr val="accent1"/>
+            </a:fillRef>
+            <a:effectRef idx="0">
+              <a:schemeClr val="accent1"/>
+            </a:effectRef>
+            <a:fontRef idx="minor">
+              <a:schemeClr val="lt1"/>
+            </a:fontRef>
+          </p:style>
+          <p:txBody>
+            <a:bodyPr rtlCol="0" anchor="ctr"/>
+            <a:lstStyle/>
+            <a:p>
+              <a:pPr algn="ctr"/>
+              <a:endParaRPr lang="it-IT" sz="1600"/>
+            </a:p>
+          </p:txBody>
+        </p:sp>
+      </p:grpSp>
+      <p:sp>
+        <p:nvSpPr>
+          <p:cNvPr id="24" name="CasellaDiTesto 77">
+            <a:extLst>
+              <a:ext uri="{FF2B5EF4-FFF2-40B4-BE49-F238E27FC236}">
+                <a16:creationId xmlns:a16="http://schemas.microsoft.com/office/drawing/2014/main" id="{AA4E2AE2-57A6-4718-9F70-EEC578C8EB58}"/>
+              </a:ext>
+            </a:extLst>
+          </p:cNvPr>
+          <p:cNvSpPr txBox="1"/>
+          <p:nvPr/>
+        </p:nvSpPr>
+        <p:spPr>
+          <a:xfrm>
+            <a:off x="2285767" y="4132066"/>
+            <a:ext cx="836374" cy="369332"/>
+          </a:xfrm>
+          <a:prstGeom prst="rect">
+            <a:avLst/>
+          </a:prstGeom>
+          <a:noFill/>
+        </p:spPr>
+        <p:txBody>
+          <a:bodyPr wrap="square" rtlCol="0">
+            <a:spAutoFit/>
+          </a:bodyPr>
+          <a:lstStyle/>
+          <a:p>
+            <a:r>
+              <a:rPr lang="it-IT" dirty="0" err="1"/>
+              <a:t>Event</a:t>
+            </a:r>
+            <a:endParaRPr lang="en-GB" dirty="0"/>
+          </a:p>
+        </p:txBody>
+      </p:sp>
+      <p:grpSp>
+        <p:nvGrpSpPr>
+          <p:cNvPr id="25" name="Gruppo 56">
+            <a:extLst>
+              <a:ext uri="{FF2B5EF4-FFF2-40B4-BE49-F238E27FC236}">
+                <a16:creationId xmlns:a16="http://schemas.microsoft.com/office/drawing/2014/main" id="{67211873-3802-4229-BE3B-03B5B7921F0F}"/>
+              </a:ext>
+            </a:extLst>
+          </p:cNvPr>
+          <p:cNvGrpSpPr/>
+          <p:nvPr/>
+        </p:nvGrpSpPr>
+        <p:grpSpPr>
+          <a:xfrm>
+            <a:off x="1380546" y="3518291"/>
+            <a:ext cx="780765" cy="96938"/>
+            <a:chOff x="4586473" y="4245346"/>
+            <a:chExt cx="667405" cy="86434"/>
+          </a:xfrm>
+        </p:grpSpPr>
+        <p:sp>
+          <p:nvSpPr>
+            <p:cNvPr id="26" name="Freccia a destra 58">
+              <a:extLst>
+                <a:ext uri="{FF2B5EF4-FFF2-40B4-BE49-F238E27FC236}">
+                  <a16:creationId xmlns:a16="http://schemas.microsoft.com/office/drawing/2014/main" id="{66642AEA-3769-4EEF-B7D8-D5811E3D9F90}"/>
+                </a:ext>
+              </a:extLst>
+            </p:cNvPr>
+            <p:cNvSpPr/>
+            <p:nvPr/>
+          </p:nvSpPr>
+          <p:spPr>
+            <a:xfrm>
+              <a:off x="4586473" y="4251518"/>
+              <a:ext cx="577147" cy="80262"/>
+            </a:xfrm>
+            <a:prstGeom prst="rightArrow">
+              <a:avLst/>
+            </a:prstGeom>
+          </p:spPr>
+          <p:style>
+            <a:lnRef idx="1">
+              <a:schemeClr val="accent1"/>
+            </a:lnRef>
+            <a:fillRef idx="2">
+              <a:schemeClr val="accent1"/>
+            </a:fillRef>
+            <a:effectRef idx="1">
+              <a:schemeClr val="accent1"/>
+            </a:effectRef>
+            <a:fontRef idx="minor">
+              <a:schemeClr val="dk1"/>
+            </a:fontRef>
+          </p:style>
+          <p:txBody>
+            <a:bodyPr rtlCol="0" anchor="ctr"/>
+            <a:lstStyle/>
+            <a:p>
+              <a:pPr algn="ctr"/>
+              <a:endParaRPr lang="en-GB" sz="1600"/>
+            </a:p>
+          </p:txBody>
+        </p:sp>
+        <p:sp>
+          <p:nvSpPr>
+            <p:cNvPr id="27" name="Triangolo isoscele 76">
+              <a:extLst>
+                <a:ext uri="{FF2B5EF4-FFF2-40B4-BE49-F238E27FC236}">
+                  <a16:creationId xmlns:a16="http://schemas.microsoft.com/office/drawing/2014/main" id="{D435595C-1DA5-4682-9D39-66DB112B4D3D}"/>
+                </a:ext>
+              </a:extLst>
+            </p:cNvPr>
+            <p:cNvSpPr/>
+            <p:nvPr/>
+          </p:nvSpPr>
+          <p:spPr>
+            <a:xfrm rot="5400000" flipH="1">
+              <a:off x="5141030" y="4218931"/>
+              <a:ext cx="86434" cy="139263"/>
+            </a:xfrm>
+            <a:prstGeom prst="triangle">
+              <a:avLst/>
+            </a:prstGeom>
+            <a:solidFill>
+              <a:schemeClr val="bg1"/>
+            </a:solidFill>
+            <a:ln/>
+          </p:spPr>
+          <p:style>
+            <a:lnRef idx="1">
+              <a:schemeClr val="accent5"/>
+            </a:lnRef>
+            <a:fillRef idx="2">
+              <a:schemeClr val="accent5"/>
+            </a:fillRef>
+            <a:effectRef idx="1">
+              <a:schemeClr val="accent5"/>
+            </a:effectRef>
+            <a:fontRef idx="minor">
+              <a:schemeClr val="dk1"/>
+            </a:fontRef>
+          </p:style>
+          <p:txBody>
+            <a:bodyPr rtlCol="0" anchor="ctr"/>
+            <a:lstStyle/>
+            <a:p>
+              <a:pPr algn="ctr"/>
+              <a:endParaRPr lang="en-GB" sz="1100">
+                <a:solidFill>
+                  <a:schemeClr val="dk1"/>
+                </a:solidFill>
+              </a:endParaRPr>
+            </a:p>
+          </p:txBody>
+        </p:sp>
+      </p:grpSp>
+      <p:sp>
+        <p:nvSpPr>
+          <p:cNvPr id="28" name="CasellaDiTesto 80">
+            <a:extLst>
+              <a:ext uri="{FF2B5EF4-FFF2-40B4-BE49-F238E27FC236}">
+                <a16:creationId xmlns:a16="http://schemas.microsoft.com/office/drawing/2014/main" id="{6F9C0F8F-4315-4F12-B111-6C9E63542E4E}"/>
+              </a:ext>
+            </a:extLst>
+          </p:cNvPr>
+          <p:cNvSpPr txBox="1"/>
+          <p:nvPr/>
+        </p:nvSpPr>
+        <p:spPr>
+          <a:xfrm>
+            <a:off x="2256721" y="2942462"/>
+            <a:ext cx="1164248" cy="369332"/>
+          </a:xfrm>
+          <a:prstGeom prst="rect">
+            <a:avLst/>
+          </a:prstGeom>
+          <a:noFill/>
+        </p:spPr>
+        <p:txBody>
+          <a:bodyPr wrap="square" rtlCol="0">
+            <a:spAutoFit/>
+          </a:bodyPr>
+          <a:lstStyle/>
+          <a:p>
+            <a:r>
+              <a:rPr lang="it-IT" dirty="0" err="1"/>
+              <a:t>Dispatch</a:t>
+            </a:r>
+            <a:endParaRPr lang="en-GB" dirty="0"/>
+          </a:p>
+        </p:txBody>
+      </p:sp>
+      <p:sp>
+        <p:nvSpPr>
+          <p:cNvPr id="29" name="CasellaDiTesto 81">
+            <a:extLst>
+              <a:ext uri="{FF2B5EF4-FFF2-40B4-BE49-F238E27FC236}">
+                <a16:creationId xmlns:a16="http://schemas.microsoft.com/office/drawing/2014/main" id="{B8D59302-F7FF-4489-A239-233D79C5F819}"/>
+              </a:ext>
+            </a:extLst>
+          </p:cNvPr>
+          <p:cNvSpPr txBox="1"/>
+          <p:nvPr/>
+        </p:nvSpPr>
+        <p:spPr>
+          <a:xfrm>
+            <a:off x="2261107" y="3380900"/>
+            <a:ext cx="1091788" cy="369332"/>
+          </a:xfrm>
+          <a:prstGeom prst="rect">
+            <a:avLst/>
+          </a:prstGeom>
+          <a:noFill/>
+        </p:spPr>
+        <p:txBody>
+          <a:bodyPr wrap="square" rtlCol="0">
+            <a:spAutoFit/>
+          </a:bodyPr>
+          <a:lstStyle/>
+          <a:p>
+            <a:r>
+              <a:rPr lang="it-IT" dirty="0" err="1"/>
+              <a:t>Request</a:t>
+            </a:r>
+            <a:endParaRPr lang="en-GB" dirty="0"/>
+          </a:p>
+        </p:txBody>
+      </p:sp>
+      <p:grpSp>
+        <p:nvGrpSpPr>
+          <p:cNvPr id="30" name="Gruppo 87">
+            <a:extLst>
+              <a:ext uri="{FF2B5EF4-FFF2-40B4-BE49-F238E27FC236}">
+                <a16:creationId xmlns:a16="http://schemas.microsoft.com/office/drawing/2014/main" id="{BF512C7F-BEF2-4C1A-ACDC-6605F106310A}"/>
+              </a:ext>
+            </a:extLst>
+          </p:cNvPr>
+          <p:cNvGrpSpPr/>
+          <p:nvPr/>
+        </p:nvGrpSpPr>
+        <p:grpSpPr>
+          <a:xfrm>
+            <a:off x="1399304" y="3781011"/>
+            <a:ext cx="780169" cy="96938"/>
+            <a:chOff x="4592177" y="4419530"/>
+            <a:chExt cx="666895" cy="86434"/>
+          </a:xfrm>
+        </p:grpSpPr>
+        <p:cxnSp>
+          <p:nvCxnSpPr>
+            <p:cNvPr id="31" name="Connettore 1 89">
+              <a:extLst>
+                <a:ext uri="{FF2B5EF4-FFF2-40B4-BE49-F238E27FC236}">
+                  <a16:creationId xmlns:a16="http://schemas.microsoft.com/office/drawing/2014/main" id="{0C8D9D81-921B-43C7-838C-CE180D752219}"/>
+                </a:ext>
+              </a:extLst>
+            </p:cNvPr>
+            <p:cNvCxnSpPr/>
+            <p:nvPr/>
+          </p:nvCxnSpPr>
+          <p:spPr>
+            <a:xfrm>
+              <a:off x="4611000" y="4462747"/>
+              <a:ext cx="648072" cy="0"/>
+            </a:xfrm>
+            <a:prstGeom prst="line">
+              <a:avLst/>
+            </a:prstGeom>
+            <a:ln>
+              <a:prstDash val="dash"/>
+            </a:ln>
+          </p:spPr>
+          <p:style>
+            <a:lnRef idx="1">
+              <a:schemeClr val="accent1"/>
+            </a:lnRef>
+            <a:fillRef idx="0">
+              <a:schemeClr val="accent1"/>
+            </a:fillRef>
+            <a:effectRef idx="0">
+              <a:schemeClr val="accent1"/>
+            </a:effectRef>
+            <a:fontRef idx="minor">
+              <a:schemeClr val="tx1"/>
+            </a:fontRef>
+          </p:style>
+        </p:cxnSp>
+        <p:sp>
+          <p:nvSpPr>
+            <p:cNvPr id="32" name="Triangolo isoscele 90">
+              <a:extLst>
+                <a:ext uri="{FF2B5EF4-FFF2-40B4-BE49-F238E27FC236}">
+                  <a16:creationId xmlns:a16="http://schemas.microsoft.com/office/drawing/2014/main" id="{093749CD-0345-4193-898C-BEB9040530D4}"/>
+                </a:ext>
+              </a:extLst>
+            </p:cNvPr>
+            <p:cNvSpPr/>
+            <p:nvPr/>
+          </p:nvSpPr>
+          <p:spPr>
+            <a:xfrm rot="16200000">
+              <a:off x="4618592" y="4393115"/>
+              <a:ext cx="86434" cy="139263"/>
+            </a:xfrm>
+            <a:prstGeom prst="triangle">
+              <a:avLst/>
+            </a:prstGeom>
+            <a:solidFill>
+              <a:schemeClr val="bg1"/>
+            </a:solidFill>
+            <a:ln/>
+          </p:spPr>
+          <p:style>
+            <a:lnRef idx="1">
+              <a:schemeClr val="accent5"/>
+            </a:lnRef>
+            <a:fillRef idx="2">
+              <a:schemeClr val="accent5"/>
+            </a:fillRef>
+            <a:effectRef idx="1">
+              <a:schemeClr val="accent5"/>
+            </a:effectRef>
+            <a:fontRef idx="minor">
+              <a:schemeClr val="dk1"/>
+            </a:fontRef>
+          </p:style>
+          <p:txBody>
+            <a:bodyPr rtlCol="0" anchor="ctr"/>
+            <a:lstStyle/>
+            <a:p>
+              <a:pPr algn="ctr"/>
+              <a:endParaRPr lang="en-GB" sz="1100"/>
+            </a:p>
+          </p:txBody>
+        </p:sp>
+      </p:grpSp>
+      <p:sp>
+        <p:nvSpPr>
+          <p:cNvPr id="33" name="CasellaDiTesto 91">
+            <a:extLst>
+              <a:ext uri="{FF2B5EF4-FFF2-40B4-BE49-F238E27FC236}">
+                <a16:creationId xmlns:a16="http://schemas.microsoft.com/office/drawing/2014/main" id="{FB05345A-06E8-438E-A4F5-55BF3BBCA253}"/>
+              </a:ext>
+            </a:extLst>
+          </p:cNvPr>
+          <p:cNvSpPr txBox="1"/>
+          <p:nvPr/>
+        </p:nvSpPr>
+        <p:spPr>
+          <a:xfrm>
+            <a:off x="2261598" y="3636212"/>
+            <a:ext cx="843875" cy="369332"/>
+          </a:xfrm>
+          <a:prstGeom prst="rect">
+            <a:avLst/>
+          </a:prstGeom>
+          <a:noFill/>
+        </p:spPr>
+        <p:txBody>
+          <a:bodyPr wrap="square" rtlCol="0">
+            <a:spAutoFit/>
+          </a:bodyPr>
+          <a:lstStyle/>
+          <a:p>
+            <a:r>
+              <a:rPr lang="it-IT" dirty="0" err="1"/>
+              <a:t>Reply</a:t>
+            </a:r>
+            <a:endParaRPr lang="en-GB" dirty="0"/>
+          </a:p>
+        </p:txBody>
+      </p:sp>
+      <p:cxnSp>
+        <p:nvCxnSpPr>
+          <p:cNvPr id="34" name="Connettore 2 92">
+            <a:extLst>
+              <a:ext uri="{FF2B5EF4-FFF2-40B4-BE49-F238E27FC236}">
+                <a16:creationId xmlns:a16="http://schemas.microsoft.com/office/drawing/2014/main" id="{A1B99D93-9C5B-4896-9759-ADD23DDBA2CC}"/>
+              </a:ext>
+            </a:extLst>
+          </p:cNvPr>
+          <p:cNvCxnSpPr>
+            <a:cxnSpLocks/>
+          </p:cNvCxnSpPr>
+          <p:nvPr/>
+        </p:nvCxnSpPr>
+        <p:spPr>
+          <a:xfrm>
+            <a:off x="1359336" y="3148554"/>
+            <a:ext cx="916298" cy="0"/>
+          </a:xfrm>
+          <a:prstGeom prst="straightConnector1">
+            <a:avLst/>
+          </a:prstGeom>
+          <a:ln>
+            <a:prstDash val="lgDash"/>
+            <a:tailEnd type="arrow"/>
+          </a:ln>
+        </p:spPr>
+        <p:style>
+          <a:lnRef idx="1">
+            <a:schemeClr val="accent1"/>
+          </a:lnRef>
+          <a:fillRef idx="0">
+            <a:schemeClr val="accent1"/>
+          </a:fillRef>
+          <a:effectRef idx="0">
+            <a:schemeClr val="accent1"/>
+          </a:effectRef>
+          <a:fontRef idx="minor">
+            <a:schemeClr val="tx1"/>
+          </a:fontRef>
+        </p:style>
+      </p:cxnSp>
+      <p:grpSp>
+        <p:nvGrpSpPr>
+          <p:cNvPr id="61" name="Gruppo 60">
+            <a:extLst>
+              <a:ext uri="{FF2B5EF4-FFF2-40B4-BE49-F238E27FC236}">
+                <a16:creationId xmlns:a16="http://schemas.microsoft.com/office/drawing/2014/main" id="{4E662002-1884-488C-B573-69B42D803D9E}"/>
+              </a:ext>
+            </a:extLst>
+          </p:cNvPr>
+          <p:cNvGrpSpPr/>
+          <p:nvPr/>
+        </p:nvGrpSpPr>
+        <p:grpSpPr>
+          <a:xfrm>
+            <a:off x="2377572" y="1058344"/>
+            <a:ext cx="1696867" cy="1164750"/>
+            <a:chOff x="2680234" y="3945052"/>
+            <a:chExt cx="1696867" cy="1164750"/>
+          </a:xfrm>
+        </p:grpSpPr>
+        <p:sp>
+          <p:nvSpPr>
+            <p:cNvPr id="38" name="Triangolo isoscele 37">
+              <a:extLst>
+                <a:ext uri="{FF2B5EF4-FFF2-40B4-BE49-F238E27FC236}">
+                  <a16:creationId xmlns:a16="http://schemas.microsoft.com/office/drawing/2014/main" id="{F201D9EA-4475-4C26-AD48-85ABAAE571D6}"/>
+                </a:ext>
+              </a:extLst>
+            </p:cNvPr>
+            <p:cNvSpPr/>
+            <p:nvPr/>
+          </p:nvSpPr>
+          <p:spPr>
+            <a:xfrm rot="5400000">
+              <a:off x="3440550" y="4113921"/>
+              <a:ext cx="998084" cy="875019"/>
+            </a:xfrm>
+            <a:prstGeom prst="triangle">
+              <a:avLst/>
+            </a:prstGeom>
+            <a:solidFill>
+              <a:srgbClr val="CCFF66"/>
+            </a:solidFill>
+            <a:ln/>
+          </p:spPr>
+          <p:style>
+            <a:lnRef idx="1">
+              <a:schemeClr val="accent5"/>
+            </a:lnRef>
+            <a:fillRef idx="2">
+              <a:schemeClr val="accent5"/>
+            </a:fillRef>
+            <a:effectRef idx="1">
+              <a:schemeClr val="accent5"/>
+            </a:effectRef>
+            <a:fontRef idx="minor">
+              <a:schemeClr val="dk1"/>
+            </a:fontRef>
+          </p:style>
+          <p:txBody>
+            <a:bodyPr rtlCol="0" anchor="ctr"/>
+            <a:lstStyle/>
+            <a:p>
+              <a:pPr algn="ctr"/>
+              <a:endParaRPr lang="en-GB" sz="1200">
+                <a:solidFill>
+                  <a:schemeClr val="dk1"/>
+                </a:solidFill>
+              </a:endParaRPr>
+            </a:p>
+          </p:txBody>
+        </p:sp>
+        <p:sp>
+          <p:nvSpPr>
+            <p:cNvPr id="39" name="Ovale 38">
+              <a:extLst>
+                <a:ext uri="{FF2B5EF4-FFF2-40B4-BE49-F238E27FC236}">
+                  <a16:creationId xmlns:a16="http://schemas.microsoft.com/office/drawing/2014/main" id="{CF282831-37E0-4575-BE92-F9EBB4D3DACD}"/>
+                </a:ext>
+              </a:extLst>
+            </p:cNvPr>
+            <p:cNvSpPr/>
+            <p:nvPr/>
+          </p:nvSpPr>
+          <p:spPr>
+            <a:xfrm>
+              <a:off x="2869667" y="3945052"/>
+              <a:ext cx="1219751" cy="1164750"/>
+            </a:xfrm>
+            <a:prstGeom prst="ellipse">
+              <a:avLst/>
+            </a:prstGeom>
+            <a:solidFill>
+              <a:srgbClr val="FFCCFF"/>
+            </a:solidFill>
+            <a:ln/>
+          </p:spPr>
+          <p:style>
+            <a:lnRef idx="1">
+              <a:schemeClr val="accent5"/>
+            </a:lnRef>
+            <a:fillRef idx="2">
+              <a:schemeClr val="accent5"/>
+            </a:fillRef>
+            <a:effectRef idx="1">
+              <a:schemeClr val="accent5"/>
+            </a:effectRef>
+            <a:fontRef idx="minor">
+              <a:schemeClr val="dk1"/>
+            </a:fontRef>
+          </p:style>
+          <p:txBody>
+            <a:bodyPr rtlCol="0" anchor="ctr"/>
+            <a:lstStyle/>
+            <a:p>
+              <a:pPr algn="ctr"/>
+              <a:r>
+                <a:rPr lang="en-GB" sz="1200" dirty="0"/>
+                <a:t> </a:t>
+              </a:r>
+            </a:p>
+          </p:txBody>
+        </p:sp>
+        <p:sp>
+          <p:nvSpPr>
+            <p:cNvPr id="40" name="Rettangolo 39">
+              <a:extLst>
+                <a:ext uri="{FF2B5EF4-FFF2-40B4-BE49-F238E27FC236}">
+                  <a16:creationId xmlns:a16="http://schemas.microsoft.com/office/drawing/2014/main" id="{61660206-2541-4D72-9CB1-75AC5AF3C017}"/>
+                </a:ext>
+              </a:extLst>
+            </p:cNvPr>
+            <p:cNvSpPr/>
+            <p:nvPr/>
+          </p:nvSpPr>
+          <p:spPr>
+            <a:xfrm>
+              <a:off x="2680234" y="4331193"/>
+              <a:ext cx="457875" cy="342838"/>
+            </a:xfrm>
+            <a:prstGeom prst="rect">
+              <a:avLst/>
+            </a:prstGeom>
+            <a:solidFill>
+              <a:srgbClr val="FFCCFF"/>
+            </a:solidFill>
+            <a:ln/>
+          </p:spPr>
+          <p:style>
+            <a:lnRef idx="1">
+              <a:schemeClr val="accent5"/>
+            </a:lnRef>
+            <a:fillRef idx="2">
+              <a:schemeClr val="accent5"/>
+            </a:fillRef>
+            <a:effectRef idx="1">
+              <a:schemeClr val="accent5"/>
+            </a:effectRef>
+            <a:fontRef idx="minor">
+              <a:schemeClr val="dk1"/>
+            </a:fontRef>
+          </p:style>
+          <p:txBody>
+            <a:bodyPr rtlCol="0" anchor="ctr"/>
+            <a:lstStyle/>
+            <a:p>
+              <a:pPr algn="ctr"/>
+              <a:endParaRPr lang="en-GB" sz="1200"/>
+            </a:p>
+          </p:txBody>
+        </p:sp>
+        <p:sp>
+          <p:nvSpPr>
+            <p:cNvPr id="41" name="Rettangolo 40">
+              <a:extLst>
+                <a:ext uri="{FF2B5EF4-FFF2-40B4-BE49-F238E27FC236}">
+                  <a16:creationId xmlns:a16="http://schemas.microsoft.com/office/drawing/2014/main" id="{CF3BD5B5-BFC2-4754-B02D-ED53F485FF7B}"/>
+                </a:ext>
+              </a:extLst>
+            </p:cNvPr>
+            <p:cNvSpPr/>
+            <p:nvPr/>
+          </p:nvSpPr>
+          <p:spPr>
+            <a:xfrm>
+              <a:off x="3059787" y="4329682"/>
+              <a:ext cx="1069524" cy="369332"/>
+            </a:xfrm>
+            <a:prstGeom prst="rect">
+              <a:avLst/>
+            </a:prstGeom>
+          </p:spPr>
+          <p:txBody>
+            <a:bodyPr wrap="none">
+              <a:spAutoFit/>
+            </a:bodyPr>
+            <a:lstStyle/>
+            <a:p>
+              <a:r>
+                <a:rPr lang="en-GB" dirty="0" err="1"/>
+                <a:t>smartbell</a:t>
+              </a:r>
+              <a:endParaRPr lang="en-GB" dirty="0"/>
+            </a:p>
+          </p:txBody>
+        </p:sp>
+      </p:grpSp>
+      <p:grpSp>
+        <p:nvGrpSpPr>
+          <p:cNvPr id="58" name="Gruppo 57">
+            <a:extLst>
+              <a:ext uri="{FF2B5EF4-FFF2-40B4-BE49-F238E27FC236}">
+                <a16:creationId xmlns:a16="http://schemas.microsoft.com/office/drawing/2014/main" id="{F51467B8-D012-4365-B8BF-A309CA882A31}"/>
+              </a:ext>
+            </a:extLst>
+          </p:cNvPr>
+          <p:cNvGrpSpPr/>
+          <p:nvPr/>
+        </p:nvGrpSpPr>
+        <p:grpSpPr>
+          <a:xfrm>
+            <a:off x="5467758" y="1083159"/>
+            <a:ext cx="1696867" cy="1164750"/>
+            <a:chOff x="2928808" y="2307658"/>
+            <a:chExt cx="1696867" cy="1164750"/>
+          </a:xfrm>
+        </p:grpSpPr>
+        <p:sp>
+          <p:nvSpPr>
+            <p:cNvPr id="42" name="Triangolo isoscele 41">
+              <a:extLst>
+                <a:ext uri="{FF2B5EF4-FFF2-40B4-BE49-F238E27FC236}">
+                  <a16:creationId xmlns:a16="http://schemas.microsoft.com/office/drawing/2014/main" id="{F91D6952-AF65-4F5A-A489-53743B23090F}"/>
+                </a:ext>
+              </a:extLst>
+            </p:cNvPr>
+            <p:cNvSpPr/>
+            <p:nvPr/>
+          </p:nvSpPr>
+          <p:spPr>
+            <a:xfrm rot="5400000">
+              <a:off x="3689124" y="2476527"/>
+              <a:ext cx="998084" cy="875019"/>
+            </a:xfrm>
+            <a:prstGeom prst="triangle">
+              <a:avLst/>
+            </a:prstGeom>
+            <a:solidFill>
+              <a:srgbClr val="CCFF66"/>
+            </a:solidFill>
+            <a:ln/>
+          </p:spPr>
+          <p:style>
+            <a:lnRef idx="1">
+              <a:schemeClr val="accent5"/>
+            </a:lnRef>
+            <a:fillRef idx="2">
+              <a:schemeClr val="accent5"/>
+            </a:fillRef>
+            <a:effectRef idx="1">
+              <a:schemeClr val="accent5"/>
+            </a:effectRef>
+            <a:fontRef idx="minor">
+              <a:schemeClr val="dk1"/>
+            </a:fontRef>
+          </p:style>
+          <p:txBody>
+            <a:bodyPr rtlCol="0" anchor="ctr"/>
+            <a:lstStyle/>
+            <a:p>
+              <a:pPr algn="ctr"/>
+              <a:endParaRPr lang="en-GB" sz="1200">
+                <a:solidFill>
+                  <a:schemeClr val="dk1"/>
+                </a:solidFill>
+              </a:endParaRPr>
+            </a:p>
+          </p:txBody>
+        </p:sp>
+        <p:sp>
+          <p:nvSpPr>
+            <p:cNvPr id="43" name="Ovale 38">
+              <a:extLst>
+                <a:ext uri="{FF2B5EF4-FFF2-40B4-BE49-F238E27FC236}">
+                  <a16:creationId xmlns:a16="http://schemas.microsoft.com/office/drawing/2014/main" id="{FA2B460B-6E40-4553-B382-84492199F22D}"/>
+                </a:ext>
+              </a:extLst>
+            </p:cNvPr>
+            <p:cNvSpPr/>
+            <p:nvPr/>
+          </p:nvSpPr>
+          <p:spPr>
+            <a:xfrm>
+              <a:off x="3118241" y="2307658"/>
+              <a:ext cx="1219751" cy="1164750"/>
+            </a:xfrm>
+            <a:prstGeom prst="ellipse">
+              <a:avLst/>
+            </a:prstGeom>
+            <a:solidFill>
+              <a:srgbClr val="FFCCFF"/>
+            </a:solidFill>
+            <a:ln/>
+          </p:spPr>
+          <p:style>
+            <a:lnRef idx="1">
+              <a:schemeClr val="accent5"/>
+            </a:lnRef>
+            <a:fillRef idx="2">
+              <a:schemeClr val="accent5"/>
+            </a:fillRef>
+            <a:effectRef idx="1">
+              <a:schemeClr val="accent5"/>
+            </a:effectRef>
+            <a:fontRef idx="minor">
+              <a:schemeClr val="dk1"/>
+            </a:fontRef>
+          </p:style>
+          <p:txBody>
+            <a:bodyPr rtlCol="0" anchor="ctr"/>
+            <a:lstStyle/>
+            <a:p>
+              <a:pPr algn="ctr"/>
+              <a:r>
+                <a:rPr lang="en-GB" sz="1200" dirty="0"/>
+                <a:t> </a:t>
+              </a:r>
+            </a:p>
+          </p:txBody>
+        </p:sp>
+        <p:sp>
+          <p:nvSpPr>
+            <p:cNvPr id="44" name="Rettangolo 39">
+              <a:extLst>
+                <a:ext uri="{FF2B5EF4-FFF2-40B4-BE49-F238E27FC236}">
+                  <a16:creationId xmlns:a16="http://schemas.microsoft.com/office/drawing/2014/main" id="{2B860F7E-20FE-4F72-BA6C-4B7E08C98E61}"/>
+                </a:ext>
+              </a:extLst>
+            </p:cNvPr>
+            <p:cNvSpPr/>
+            <p:nvPr/>
+          </p:nvSpPr>
+          <p:spPr>
+            <a:xfrm>
+              <a:off x="2928808" y="2693799"/>
+              <a:ext cx="457875" cy="342838"/>
+            </a:xfrm>
+            <a:prstGeom prst="rect">
+              <a:avLst/>
+            </a:prstGeom>
+            <a:solidFill>
+              <a:srgbClr val="FFCCFF"/>
+            </a:solidFill>
+            <a:ln/>
+          </p:spPr>
+          <p:style>
+            <a:lnRef idx="1">
+              <a:schemeClr val="accent5"/>
+            </a:lnRef>
+            <a:fillRef idx="2">
+              <a:schemeClr val="accent5"/>
+            </a:fillRef>
+            <a:effectRef idx="1">
+              <a:schemeClr val="accent5"/>
+            </a:effectRef>
+            <a:fontRef idx="minor">
+              <a:schemeClr val="dk1"/>
+            </a:fontRef>
+          </p:style>
+          <p:txBody>
+            <a:bodyPr rtlCol="0" anchor="ctr"/>
+            <a:lstStyle/>
+            <a:p>
+              <a:pPr algn="ctr"/>
+              <a:endParaRPr lang="en-GB" sz="1200"/>
+            </a:p>
+          </p:txBody>
+        </p:sp>
+        <p:sp>
+          <p:nvSpPr>
+            <p:cNvPr id="45" name="Rettangolo 44">
+              <a:extLst>
+                <a:ext uri="{FF2B5EF4-FFF2-40B4-BE49-F238E27FC236}">
+                  <a16:creationId xmlns:a16="http://schemas.microsoft.com/office/drawing/2014/main" id="{BCCA13AE-A509-47FD-998A-4B48D322A58C}"/>
+                </a:ext>
+              </a:extLst>
+            </p:cNvPr>
+            <p:cNvSpPr/>
+            <p:nvPr/>
+          </p:nvSpPr>
+          <p:spPr>
+            <a:xfrm>
+              <a:off x="3403212" y="2692288"/>
+              <a:ext cx="780727" cy="369332"/>
+            </a:xfrm>
+            <a:prstGeom prst="rect">
+              <a:avLst/>
+            </a:prstGeom>
+          </p:spPr>
+          <p:txBody>
+            <a:bodyPr wrap="none">
+              <a:spAutoFit/>
+            </a:bodyPr>
+            <a:lstStyle/>
+            <a:p>
+              <a:r>
+                <a:rPr lang="en-GB" dirty="0"/>
+                <a:t>waiter</a:t>
+              </a:r>
+            </a:p>
+          </p:txBody>
+        </p:sp>
+      </p:grpSp>
+      <p:grpSp>
+        <p:nvGrpSpPr>
+          <p:cNvPr id="59" name="Gruppo 58">
+            <a:extLst>
+              <a:ext uri="{FF2B5EF4-FFF2-40B4-BE49-F238E27FC236}">
+                <a16:creationId xmlns:a16="http://schemas.microsoft.com/office/drawing/2014/main" id="{C31F4BAD-E0EA-40C3-BEE5-07B95A5502C8}"/>
+              </a:ext>
+            </a:extLst>
+          </p:cNvPr>
+          <p:cNvGrpSpPr/>
+          <p:nvPr/>
+        </p:nvGrpSpPr>
+        <p:grpSpPr>
+          <a:xfrm>
+            <a:off x="8637332" y="1083159"/>
+            <a:ext cx="1696867" cy="1164750"/>
+            <a:chOff x="6349393" y="1966105"/>
+            <a:chExt cx="1696867" cy="1164750"/>
+          </a:xfrm>
+        </p:grpSpPr>
+        <p:sp>
+          <p:nvSpPr>
+            <p:cNvPr id="46" name="Triangolo isoscele 45">
+              <a:extLst>
+                <a:ext uri="{FF2B5EF4-FFF2-40B4-BE49-F238E27FC236}">
+                  <a16:creationId xmlns:a16="http://schemas.microsoft.com/office/drawing/2014/main" id="{A7519B0E-C856-4DBD-B9C3-B228037C3B30}"/>
+                </a:ext>
+              </a:extLst>
+            </p:cNvPr>
+            <p:cNvSpPr/>
+            <p:nvPr/>
+          </p:nvSpPr>
+          <p:spPr>
+            <a:xfrm rot="5400000">
+              <a:off x="7109709" y="2134974"/>
+              <a:ext cx="998084" cy="875019"/>
+            </a:xfrm>
+            <a:prstGeom prst="triangle">
+              <a:avLst/>
+            </a:prstGeom>
+            <a:solidFill>
+              <a:srgbClr val="CCFF66"/>
+            </a:solidFill>
+            <a:ln/>
+          </p:spPr>
+          <p:style>
+            <a:lnRef idx="1">
+              <a:schemeClr val="accent5"/>
+            </a:lnRef>
+            <a:fillRef idx="2">
+              <a:schemeClr val="accent5"/>
+            </a:fillRef>
+            <a:effectRef idx="1">
+              <a:schemeClr val="accent5"/>
+            </a:effectRef>
+            <a:fontRef idx="minor">
+              <a:schemeClr val="dk1"/>
+            </a:fontRef>
+          </p:style>
+          <p:txBody>
+            <a:bodyPr rtlCol="0" anchor="ctr"/>
+            <a:lstStyle/>
+            <a:p>
+              <a:pPr algn="ctr"/>
+              <a:endParaRPr lang="en-GB" sz="1200">
+                <a:solidFill>
+                  <a:schemeClr val="dk1"/>
+                </a:solidFill>
+              </a:endParaRPr>
+            </a:p>
+          </p:txBody>
+        </p:sp>
+        <p:sp>
+          <p:nvSpPr>
+            <p:cNvPr id="47" name="Ovale 38">
+              <a:extLst>
+                <a:ext uri="{FF2B5EF4-FFF2-40B4-BE49-F238E27FC236}">
+                  <a16:creationId xmlns:a16="http://schemas.microsoft.com/office/drawing/2014/main" id="{292D4D7B-1795-435A-A750-EF2934242A01}"/>
+                </a:ext>
+              </a:extLst>
+            </p:cNvPr>
+            <p:cNvSpPr/>
+            <p:nvPr/>
+          </p:nvSpPr>
+          <p:spPr>
+            <a:xfrm>
+              <a:off x="6538826" y="1966105"/>
+              <a:ext cx="1219751" cy="1164750"/>
+            </a:xfrm>
+            <a:prstGeom prst="ellipse">
+              <a:avLst/>
+            </a:prstGeom>
+            <a:solidFill>
+              <a:srgbClr val="FFCCFF"/>
+            </a:solidFill>
+            <a:ln/>
+          </p:spPr>
+          <p:style>
+            <a:lnRef idx="1">
+              <a:schemeClr val="accent5"/>
+            </a:lnRef>
+            <a:fillRef idx="2">
+              <a:schemeClr val="accent5"/>
+            </a:fillRef>
+            <a:effectRef idx="1">
+              <a:schemeClr val="accent5"/>
+            </a:effectRef>
+            <a:fontRef idx="minor">
+              <a:schemeClr val="dk1"/>
+            </a:fontRef>
+          </p:style>
+          <p:txBody>
+            <a:bodyPr rtlCol="0" anchor="ctr"/>
+            <a:lstStyle/>
+            <a:p>
+              <a:pPr algn="ctr"/>
+              <a:r>
+                <a:rPr lang="en-GB" sz="1200" dirty="0"/>
+                <a:t> </a:t>
+              </a:r>
+            </a:p>
+          </p:txBody>
+        </p:sp>
+        <p:sp>
+          <p:nvSpPr>
+            <p:cNvPr id="48" name="Rettangolo 39">
+              <a:extLst>
+                <a:ext uri="{FF2B5EF4-FFF2-40B4-BE49-F238E27FC236}">
+                  <a16:creationId xmlns:a16="http://schemas.microsoft.com/office/drawing/2014/main" id="{AF94E75D-10C5-46FA-BDA0-4E7B53BA3EAA}"/>
+                </a:ext>
+              </a:extLst>
+            </p:cNvPr>
+            <p:cNvSpPr/>
+            <p:nvPr/>
+          </p:nvSpPr>
+          <p:spPr>
+            <a:xfrm>
+              <a:off x="6349393" y="2352246"/>
+              <a:ext cx="457875" cy="342838"/>
+            </a:xfrm>
+            <a:prstGeom prst="rect">
+              <a:avLst/>
+            </a:prstGeom>
+            <a:solidFill>
+              <a:srgbClr val="FFCCFF"/>
+            </a:solidFill>
+            <a:ln/>
+          </p:spPr>
+          <p:style>
+            <a:lnRef idx="1">
+              <a:schemeClr val="accent5"/>
+            </a:lnRef>
+            <a:fillRef idx="2">
+              <a:schemeClr val="accent5"/>
+            </a:fillRef>
+            <a:effectRef idx="1">
+              <a:schemeClr val="accent5"/>
+            </a:effectRef>
+            <a:fontRef idx="minor">
+              <a:schemeClr val="dk1"/>
+            </a:fontRef>
+          </p:style>
+          <p:txBody>
+            <a:bodyPr rtlCol="0" anchor="ctr"/>
+            <a:lstStyle/>
+            <a:p>
+              <a:pPr algn="ctr"/>
+              <a:endParaRPr lang="en-GB" sz="1200"/>
+            </a:p>
+          </p:txBody>
+        </p:sp>
+        <p:sp>
+          <p:nvSpPr>
+            <p:cNvPr id="49" name="Rettangolo 48">
+              <a:extLst>
+                <a:ext uri="{FF2B5EF4-FFF2-40B4-BE49-F238E27FC236}">
+                  <a16:creationId xmlns:a16="http://schemas.microsoft.com/office/drawing/2014/main" id="{10E4C2AC-F36A-4FA3-A908-8378B3AD5A9F}"/>
+                </a:ext>
+              </a:extLst>
+            </p:cNvPr>
+            <p:cNvSpPr/>
+            <p:nvPr/>
+          </p:nvSpPr>
+          <p:spPr>
+            <a:xfrm>
+              <a:off x="6755579" y="2350735"/>
+              <a:ext cx="914033" cy="369332"/>
+            </a:xfrm>
+            <a:prstGeom prst="rect">
+              <a:avLst/>
+            </a:prstGeom>
+          </p:spPr>
+          <p:txBody>
+            <a:bodyPr wrap="none">
+              <a:spAutoFit/>
+            </a:bodyPr>
+            <a:lstStyle/>
+            <a:p>
+              <a:pPr algn="ctr"/>
+              <a:r>
+                <a:rPr lang="en-GB" dirty="0"/>
+                <a:t>barman</a:t>
+              </a:r>
+            </a:p>
+          </p:txBody>
+        </p:sp>
+      </p:grpSp>
+      <p:grpSp>
+        <p:nvGrpSpPr>
+          <p:cNvPr id="60" name="Gruppo 59">
+            <a:extLst>
+              <a:ext uri="{FF2B5EF4-FFF2-40B4-BE49-F238E27FC236}">
+                <a16:creationId xmlns:a16="http://schemas.microsoft.com/office/drawing/2014/main" id="{34559AF2-EC69-4C7F-8732-34FD0B8DF5AB}"/>
+              </a:ext>
+            </a:extLst>
+          </p:cNvPr>
+          <p:cNvGrpSpPr/>
+          <p:nvPr/>
+        </p:nvGrpSpPr>
+        <p:grpSpPr>
+          <a:xfrm>
+            <a:off x="9581958" y="6309147"/>
+            <a:ext cx="1696867" cy="1164750"/>
+            <a:chOff x="7666665" y="4321887"/>
+            <a:chExt cx="1696867" cy="1164750"/>
+          </a:xfrm>
+        </p:grpSpPr>
+        <p:sp>
+          <p:nvSpPr>
+            <p:cNvPr id="50" name="Triangolo isoscele 49">
+              <a:extLst>
+                <a:ext uri="{FF2B5EF4-FFF2-40B4-BE49-F238E27FC236}">
+                  <a16:creationId xmlns:a16="http://schemas.microsoft.com/office/drawing/2014/main" id="{157944DA-C9A2-4693-8101-6512D4B0918E}"/>
+                </a:ext>
+              </a:extLst>
+            </p:cNvPr>
+            <p:cNvSpPr/>
+            <p:nvPr/>
+          </p:nvSpPr>
+          <p:spPr>
+            <a:xfrm rot="5400000">
+              <a:off x="8426981" y="4490756"/>
+              <a:ext cx="998084" cy="875019"/>
+            </a:xfrm>
+            <a:prstGeom prst="triangle">
+              <a:avLst/>
+            </a:prstGeom>
+            <a:solidFill>
+              <a:srgbClr val="CCFF66"/>
+            </a:solidFill>
+            <a:ln/>
+          </p:spPr>
+          <p:style>
+            <a:lnRef idx="1">
+              <a:schemeClr val="accent5"/>
+            </a:lnRef>
+            <a:fillRef idx="2">
+              <a:schemeClr val="accent5"/>
+            </a:fillRef>
+            <a:effectRef idx="1">
+              <a:schemeClr val="accent5"/>
+            </a:effectRef>
+            <a:fontRef idx="minor">
+              <a:schemeClr val="dk1"/>
+            </a:fontRef>
+          </p:style>
+          <p:txBody>
+            <a:bodyPr rtlCol="0" anchor="ctr"/>
+            <a:lstStyle/>
+            <a:p>
+              <a:pPr algn="ctr"/>
+              <a:endParaRPr lang="en-GB" sz="1200">
+                <a:solidFill>
+                  <a:schemeClr val="dk1"/>
+                </a:solidFill>
+              </a:endParaRPr>
+            </a:p>
+          </p:txBody>
+        </p:sp>
+        <p:sp>
+          <p:nvSpPr>
+            <p:cNvPr id="51" name="Ovale 38">
+              <a:extLst>
+                <a:ext uri="{FF2B5EF4-FFF2-40B4-BE49-F238E27FC236}">
+                  <a16:creationId xmlns:a16="http://schemas.microsoft.com/office/drawing/2014/main" id="{EA74B948-AD0D-437E-AFB7-E697523E2EAC}"/>
+                </a:ext>
+              </a:extLst>
+            </p:cNvPr>
+            <p:cNvSpPr/>
+            <p:nvPr/>
+          </p:nvSpPr>
+          <p:spPr>
+            <a:xfrm>
+              <a:off x="7856098" y="4321887"/>
+              <a:ext cx="1219751" cy="1164750"/>
+            </a:xfrm>
+            <a:prstGeom prst="ellipse">
+              <a:avLst/>
+            </a:prstGeom>
+            <a:solidFill>
+              <a:srgbClr val="FFCCFF"/>
+            </a:solidFill>
+            <a:ln/>
+          </p:spPr>
+          <p:style>
+            <a:lnRef idx="1">
+              <a:schemeClr val="accent5"/>
+            </a:lnRef>
+            <a:fillRef idx="2">
+              <a:schemeClr val="accent5"/>
+            </a:fillRef>
+            <a:effectRef idx="1">
+              <a:schemeClr val="accent5"/>
+            </a:effectRef>
+            <a:fontRef idx="minor">
+              <a:schemeClr val="dk1"/>
+            </a:fontRef>
+          </p:style>
+          <p:txBody>
+            <a:bodyPr rtlCol="0" anchor="ctr"/>
+            <a:lstStyle/>
+            <a:p>
+              <a:pPr algn="ctr"/>
+              <a:r>
+                <a:rPr lang="en-GB" sz="1200" dirty="0"/>
+                <a:t> </a:t>
+              </a:r>
+            </a:p>
+          </p:txBody>
+        </p:sp>
+        <p:sp>
+          <p:nvSpPr>
+            <p:cNvPr id="52" name="Rettangolo 39">
+              <a:extLst>
+                <a:ext uri="{FF2B5EF4-FFF2-40B4-BE49-F238E27FC236}">
+                  <a16:creationId xmlns:a16="http://schemas.microsoft.com/office/drawing/2014/main" id="{0B3D96CB-19B1-4DEE-8C45-1DECC801AFCF}"/>
+                </a:ext>
+              </a:extLst>
+            </p:cNvPr>
+            <p:cNvSpPr/>
+            <p:nvPr/>
+          </p:nvSpPr>
+          <p:spPr>
+            <a:xfrm>
+              <a:off x="7666665" y="4708028"/>
+              <a:ext cx="457875" cy="342838"/>
+            </a:xfrm>
+            <a:prstGeom prst="rect">
+              <a:avLst/>
+            </a:prstGeom>
+            <a:solidFill>
+              <a:srgbClr val="FFCCFF"/>
+            </a:solidFill>
+            <a:ln/>
+          </p:spPr>
+          <p:style>
+            <a:lnRef idx="1">
+              <a:schemeClr val="accent5"/>
+            </a:lnRef>
+            <a:fillRef idx="2">
+              <a:schemeClr val="accent5"/>
+            </a:fillRef>
+            <a:effectRef idx="1">
+              <a:schemeClr val="accent5"/>
+            </a:effectRef>
+            <a:fontRef idx="minor">
+              <a:schemeClr val="dk1"/>
+            </a:fontRef>
+          </p:style>
+          <p:txBody>
+            <a:bodyPr rtlCol="0" anchor="ctr"/>
+            <a:lstStyle/>
+            <a:p>
+              <a:pPr algn="ctr"/>
+              <a:endParaRPr lang="en-GB" sz="1200"/>
+            </a:p>
+          </p:txBody>
+        </p:sp>
+        <p:sp>
+          <p:nvSpPr>
+            <p:cNvPr id="53" name="Rettangolo 52">
+              <a:extLst>
+                <a:ext uri="{FF2B5EF4-FFF2-40B4-BE49-F238E27FC236}">
+                  <a16:creationId xmlns:a16="http://schemas.microsoft.com/office/drawing/2014/main" id="{5E07DEE7-85A8-4806-B1A8-B5E0E96E82BF}"/>
+                </a:ext>
+              </a:extLst>
+            </p:cNvPr>
+            <p:cNvSpPr/>
+            <p:nvPr/>
+          </p:nvSpPr>
+          <p:spPr>
+            <a:xfrm>
+              <a:off x="8028467" y="4706517"/>
+              <a:ext cx="1134926" cy="369332"/>
+            </a:xfrm>
+            <a:prstGeom prst="rect">
+              <a:avLst/>
+            </a:prstGeom>
+          </p:spPr>
+          <p:txBody>
+            <a:bodyPr wrap="none">
+              <a:spAutoFit/>
+            </a:bodyPr>
+            <a:lstStyle/>
+            <a:p>
+              <a:r>
+                <a:rPr lang="en-GB" dirty="0"/>
+                <a:t>Manager?</a:t>
+              </a:r>
+            </a:p>
+          </p:txBody>
+        </p:sp>
+      </p:grpSp>
+      <p:grpSp>
+        <p:nvGrpSpPr>
+          <p:cNvPr id="62" name="Gruppo 61">
+            <a:extLst>
+              <a:ext uri="{FF2B5EF4-FFF2-40B4-BE49-F238E27FC236}">
+                <a16:creationId xmlns:a16="http://schemas.microsoft.com/office/drawing/2014/main" id="{A43CD019-7917-401E-8A80-B43CD7749BC2}"/>
+              </a:ext>
+            </a:extLst>
+          </p:cNvPr>
+          <p:cNvGrpSpPr/>
+          <p:nvPr/>
+        </p:nvGrpSpPr>
+        <p:grpSpPr>
+          <a:xfrm>
+            <a:off x="5271277" y="6954103"/>
+            <a:ext cx="1863853" cy="1164750"/>
+            <a:chOff x="10084210" y="2903031"/>
+            <a:chExt cx="1863853" cy="1164750"/>
+          </a:xfrm>
+        </p:grpSpPr>
+        <p:sp>
+          <p:nvSpPr>
+            <p:cNvPr id="54" name="Triangolo isoscele 53">
+              <a:extLst>
+                <a:ext uri="{FF2B5EF4-FFF2-40B4-BE49-F238E27FC236}">
+                  <a16:creationId xmlns:a16="http://schemas.microsoft.com/office/drawing/2014/main" id="{72FA6D94-885D-4064-A5CA-94ABE96AAD34}"/>
+                </a:ext>
+              </a:extLst>
+            </p:cNvPr>
+            <p:cNvSpPr/>
+            <p:nvPr/>
+          </p:nvSpPr>
+          <p:spPr>
+            <a:xfrm rot="5400000">
+              <a:off x="10844526" y="3071900"/>
+              <a:ext cx="998084" cy="875019"/>
+            </a:xfrm>
+            <a:prstGeom prst="triangle">
+              <a:avLst/>
+            </a:prstGeom>
+            <a:solidFill>
+              <a:srgbClr val="CCFF66"/>
+            </a:solidFill>
+            <a:ln/>
+          </p:spPr>
+          <p:style>
+            <a:lnRef idx="1">
+              <a:schemeClr val="accent5"/>
+            </a:lnRef>
+            <a:fillRef idx="2">
+              <a:schemeClr val="accent5"/>
+            </a:fillRef>
+            <a:effectRef idx="1">
+              <a:schemeClr val="accent5"/>
+            </a:effectRef>
+            <a:fontRef idx="minor">
+              <a:schemeClr val="dk1"/>
+            </a:fontRef>
+          </p:style>
+          <p:txBody>
+            <a:bodyPr rtlCol="0" anchor="ctr"/>
+            <a:lstStyle/>
+            <a:p>
+              <a:pPr algn="ctr"/>
+              <a:endParaRPr lang="en-GB" sz="1200">
+                <a:solidFill>
+                  <a:schemeClr val="dk1"/>
+                </a:solidFill>
+              </a:endParaRPr>
+            </a:p>
+          </p:txBody>
+        </p:sp>
+        <p:sp>
+          <p:nvSpPr>
+            <p:cNvPr id="55" name="Ovale 38">
+              <a:extLst>
+                <a:ext uri="{FF2B5EF4-FFF2-40B4-BE49-F238E27FC236}">
+                  <a16:creationId xmlns:a16="http://schemas.microsoft.com/office/drawing/2014/main" id="{0CA551EF-4C1F-47E7-BA01-EE4934761FD7}"/>
+                </a:ext>
+              </a:extLst>
+            </p:cNvPr>
+            <p:cNvSpPr/>
+            <p:nvPr/>
+          </p:nvSpPr>
+          <p:spPr>
+            <a:xfrm>
+              <a:off x="10273643" y="2903031"/>
+              <a:ext cx="1219751" cy="1164750"/>
+            </a:xfrm>
+            <a:prstGeom prst="ellipse">
+              <a:avLst/>
+            </a:prstGeom>
+            <a:solidFill>
+              <a:srgbClr val="FFCCFF"/>
+            </a:solidFill>
+            <a:ln/>
+          </p:spPr>
+          <p:style>
+            <a:lnRef idx="1">
+              <a:schemeClr val="accent5"/>
+            </a:lnRef>
+            <a:fillRef idx="2">
+              <a:schemeClr val="accent5"/>
+            </a:fillRef>
+            <a:effectRef idx="1">
+              <a:schemeClr val="accent5"/>
+            </a:effectRef>
+            <a:fontRef idx="minor">
+              <a:schemeClr val="dk1"/>
+            </a:fontRef>
+          </p:style>
+          <p:txBody>
+            <a:bodyPr rtlCol="0" anchor="ctr"/>
+            <a:lstStyle/>
+            <a:p>
+              <a:pPr algn="ctr"/>
+              <a:r>
+                <a:rPr lang="en-GB" sz="1200" dirty="0"/>
+                <a:t> </a:t>
+              </a:r>
+            </a:p>
+          </p:txBody>
+        </p:sp>
+        <p:sp>
+          <p:nvSpPr>
+            <p:cNvPr id="56" name="Rettangolo 39">
+              <a:extLst>
+                <a:ext uri="{FF2B5EF4-FFF2-40B4-BE49-F238E27FC236}">
+                  <a16:creationId xmlns:a16="http://schemas.microsoft.com/office/drawing/2014/main" id="{3DEB57A6-D9EB-42BA-87A2-A7949960B33C}"/>
+                </a:ext>
+              </a:extLst>
+            </p:cNvPr>
+            <p:cNvSpPr/>
+            <p:nvPr/>
+          </p:nvSpPr>
+          <p:spPr>
+            <a:xfrm>
+              <a:off x="10084210" y="3289172"/>
+              <a:ext cx="457875" cy="342838"/>
+            </a:xfrm>
+            <a:prstGeom prst="rect">
+              <a:avLst/>
+            </a:prstGeom>
+            <a:solidFill>
+              <a:srgbClr val="FFCCFF"/>
+            </a:solidFill>
+            <a:ln/>
+          </p:spPr>
+          <p:style>
+            <a:lnRef idx="1">
+              <a:schemeClr val="accent5"/>
+            </a:lnRef>
+            <a:fillRef idx="2">
+              <a:schemeClr val="accent5"/>
+            </a:fillRef>
+            <a:effectRef idx="1">
+              <a:schemeClr val="accent5"/>
+            </a:effectRef>
+            <a:fontRef idx="minor">
+              <a:schemeClr val="dk1"/>
+            </a:fontRef>
+          </p:style>
+          <p:txBody>
+            <a:bodyPr rtlCol="0" anchor="ctr"/>
+            <a:lstStyle/>
+            <a:p>
+              <a:pPr algn="ctr"/>
+              <a:endParaRPr lang="en-GB" sz="1200"/>
+            </a:p>
+          </p:txBody>
+        </p:sp>
+        <p:sp>
+          <p:nvSpPr>
+            <p:cNvPr id="57" name="Rettangolo 56">
+              <a:extLst>
+                <a:ext uri="{FF2B5EF4-FFF2-40B4-BE49-F238E27FC236}">
+                  <a16:creationId xmlns:a16="http://schemas.microsoft.com/office/drawing/2014/main" id="{1C2A35D7-E62F-4BC3-850E-CAAE6A782000}"/>
+                </a:ext>
+              </a:extLst>
+            </p:cNvPr>
+            <p:cNvSpPr/>
+            <p:nvPr/>
+          </p:nvSpPr>
+          <p:spPr>
+            <a:xfrm>
+              <a:off x="10321720" y="3287661"/>
+              <a:ext cx="1626343" cy="338554"/>
+            </a:xfrm>
+            <a:prstGeom prst="rect">
+              <a:avLst/>
+            </a:prstGeom>
+          </p:spPr>
+          <p:txBody>
+            <a:bodyPr wrap="none">
+              <a:spAutoFit/>
+            </a:bodyPr>
+            <a:lstStyle/>
+            <a:p>
+              <a:r>
+                <a:rPr lang="en-GB" sz="1600" dirty="0" err="1"/>
+                <a:t>client_simulator</a:t>
+              </a:r>
+              <a:r>
+                <a:rPr lang="en-GB" sz="1600" dirty="0"/>
+                <a:t>?</a:t>
+              </a:r>
+            </a:p>
+          </p:txBody>
+        </p:sp>
+      </p:grpSp>
+      <p:grpSp>
+        <p:nvGrpSpPr>
+          <p:cNvPr id="67" name="Gruppo 56">
+            <a:extLst>
+              <a:ext uri="{FF2B5EF4-FFF2-40B4-BE49-F238E27FC236}">
+                <a16:creationId xmlns:a16="http://schemas.microsoft.com/office/drawing/2014/main" id="{5C11EF35-4CF4-4DC5-B036-6F87CF7D7E2A}"/>
+              </a:ext>
+            </a:extLst>
+          </p:cNvPr>
+          <p:cNvGrpSpPr/>
+          <p:nvPr/>
+        </p:nvGrpSpPr>
+        <p:grpSpPr>
+          <a:xfrm>
+            <a:off x="3902639" y="1324712"/>
+            <a:ext cx="1594842" cy="118262"/>
+            <a:chOff x="4586473" y="4245346"/>
+            <a:chExt cx="667405" cy="86434"/>
+          </a:xfrm>
+        </p:grpSpPr>
+        <p:sp>
+          <p:nvSpPr>
+            <p:cNvPr id="68" name="Freccia a destra 58">
+              <a:extLst>
+                <a:ext uri="{FF2B5EF4-FFF2-40B4-BE49-F238E27FC236}">
+                  <a16:creationId xmlns:a16="http://schemas.microsoft.com/office/drawing/2014/main" id="{1903A0D3-2689-4460-8AC1-B0EE3FC4EE30}"/>
+                </a:ext>
+              </a:extLst>
+            </p:cNvPr>
+            <p:cNvSpPr/>
+            <p:nvPr/>
+          </p:nvSpPr>
+          <p:spPr>
+            <a:xfrm>
+              <a:off x="4586473" y="4251518"/>
+              <a:ext cx="577147" cy="80262"/>
+            </a:xfrm>
+            <a:prstGeom prst="rightArrow">
+              <a:avLst/>
+            </a:prstGeom>
+          </p:spPr>
+          <p:style>
+            <a:lnRef idx="1">
+              <a:schemeClr val="accent1"/>
+            </a:lnRef>
+            <a:fillRef idx="2">
+              <a:schemeClr val="accent1"/>
+            </a:fillRef>
+            <a:effectRef idx="1">
+              <a:schemeClr val="accent1"/>
+            </a:effectRef>
+            <a:fontRef idx="minor">
+              <a:schemeClr val="dk1"/>
+            </a:fontRef>
+          </p:style>
+          <p:txBody>
+            <a:bodyPr rtlCol="0" anchor="ctr"/>
+            <a:lstStyle/>
+            <a:p>
+              <a:pPr algn="ctr"/>
+              <a:endParaRPr lang="en-GB"/>
+            </a:p>
+          </p:txBody>
+        </p:sp>
+        <p:sp>
+          <p:nvSpPr>
+            <p:cNvPr id="69" name="Triangolo isoscele 76">
+              <a:extLst>
+                <a:ext uri="{FF2B5EF4-FFF2-40B4-BE49-F238E27FC236}">
+                  <a16:creationId xmlns:a16="http://schemas.microsoft.com/office/drawing/2014/main" id="{1917ECE7-D105-4351-A9EF-412EB179A873}"/>
+                </a:ext>
+              </a:extLst>
+            </p:cNvPr>
+            <p:cNvSpPr/>
+            <p:nvPr/>
+          </p:nvSpPr>
+          <p:spPr>
+            <a:xfrm rot="5400000" flipH="1">
+              <a:off x="5141030" y="4218931"/>
+              <a:ext cx="86434" cy="139263"/>
+            </a:xfrm>
+            <a:prstGeom prst="triangle">
+              <a:avLst/>
+            </a:prstGeom>
+            <a:solidFill>
+              <a:schemeClr val="bg1"/>
+            </a:solidFill>
+            <a:ln/>
+          </p:spPr>
+          <p:style>
+            <a:lnRef idx="1">
+              <a:schemeClr val="accent5"/>
+            </a:lnRef>
+            <a:fillRef idx="2">
+              <a:schemeClr val="accent5"/>
+            </a:fillRef>
+            <a:effectRef idx="1">
+              <a:schemeClr val="accent5"/>
+            </a:effectRef>
+            <a:fontRef idx="minor">
+              <a:schemeClr val="dk1"/>
+            </a:fontRef>
+          </p:style>
+          <p:txBody>
+            <a:bodyPr rtlCol="0" anchor="ctr"/>
+            <a:lstStyle/>
+            <a:p>
+              <a:pPr algn="ctr"/>
+              <a:endParaRPr lang="en-GB" sz="1200">
+                <a:solidFill>
+                  <a:schemeClr val="dk1"/>
+                </a:solidFill>
+              </a:endParaRPr>
+            </a:p>
+          </p:txBody>
+        </p:sp>
+      </p:grpSp>
+      <p:grpSp>
+        <p:nvGrpSpPr>
+          <p:cNvPr id="70" name="Gruppo 87">
+            <a:extLst>
+              <a:ext uri="{FF2B5EF4-FFF2-40B4-BE49-F238E27FC236}">
+                <a16:creationId xmlns:a16="http://schemas.microsoft.com/office/drawing/2014/main" id="{FDABF722-05DF-445B-B685-E2D66A4F0B75}"/>
+              </a:ext>
+            </a:extLst>
+          </p:cNvPr>
+          <p:cNvGrpSpPr/>
+          <p:nvPr/>
+        </p:nvGrpSpPr>
+        <p:grpSpPr>
+          <a:xfrm>
+            <a:off x="3860693" y="1888520"/>
+            <a:ext cx="1600507" cy="170634"/>
+            <a:chOff x="4592177" y="4419530"/>
+            <a:chExt cx="666895" cy="86434"/>
+          </a:xfrm>
+        </p:grpSpPr>
+        <p:cxnSp>
+          <p:nvCxnSpPr>
+            <p:cNvPr id="71" name="Connettore 1 89">
+              <a:extLst>
+                <a:ext uri="{FF2B5EF4-FFF2-40B4-BE49-F238E27FC236}">
+                  <a16:creationId xmlns:a16="http://schemas.microsoft.com/office/drawing/2014/main" id="{2504BA67-4E57-4F03-968A-6F89B7FA7B00}"/>
+                </a:ext>
+              </a:extLst>
+            </p:cNvPr>
+            <p:cNvCxnSpPr/>
+            <p:nvPr/>
+          </p:nvCxnSpPr>
+          <p:spPr>
+            <a:xfrm>
+              <a:off x="4611000" y="4462747"/>
+              <a:ext cx="648072" cy="0"/>
+            </a:xfrm>
+            <a:prstGeom prst="line">
+              <a:avLst/>
+            </a:prstGeom>
+            <a:ln>
+              <a:prstDash val="dash"/>
+            </a:ln>
+          </p:spPr>
+          <p:style>
+            <a:lnRef idx="1">
+              <a:schemeClr val="accent1"/>
+            </a:lnRef>
+            <a:fillRef idx="0">
+              <a:schemeClr val="accent1"/>
+            </a:fillRef>
+            <a:effectRef idx="0">
+              <a:schemeClr val="accent1"/>
+            </a:effectRef>
+            <a:fontRef idx="minor">
+              <a:schemeClr val="tx1"/>
+            </a:fontRef>
+          </p:style>
+        </p:cxnSp>
+        <p:sp>
+          <p:nvSpPr>
+            <p:cNvPr id="72" name="Triangolo isoscele 90">
+              <a:extLst>
+                <a:ext uri="{FF2B5EF4-FFF2-40B4-BE49-F238E27FC236}">
+                  <a16:creationId xmlns:a16="http://schemas.microsoft.com/office/drawing/2014/main" id="{F4BD77D6-BF5C-43D1-AC6D-C93AC33A2686}"/>
+                </a:ext>
+              </a:extLst>
+            </p:cNvPr>
+            <p:cNvSpPr/>
+            <p:nvPr/>
+          </p:nvSpPr>
+          <p:spPr>
+            <a:xfrm rot="16200000">
+              <a:off x="4618592" y="4393115"/>
+              <a:ext cx="86434" cy="139263"/>
+            </a:xfrm>
+            <a:prstGeom prst="triangle">
+              <a:avLst/>
+            </a:prstGeom>
+            <a:solidFill>
+              <a:schemeClr val="bg1"/>
+            </a:solidFill>
+            <a:ln/>
+          </p:spPr>
+          <p:style>
+            <a:lnRef idx="1">
+              <a:schemeClr val="accent5"/>
+            </a:lnRef>
+            <a:fillRef idx="2">
+              <a:schemeClr val="accent5"/>
+            </a:fillRef>
+            <a:effectRef idx="1">
+              <a:schemeClr val="accent5"/>
+            </a:effectRef>
+            <a:fontRef idx="minor">
+              <a:schemeClr val="dk1"/>
+            </a:fontRef>
+          </p:style>
+          <p:txBody>
+            <a:bodyPr rtlCol="0" anchor="ctr"/>
+            <a:lstStyle/>
+            <a:p>
+              <a:pPr algn="ctr"/>
+              <a:endParaRPr lang="en-GB" sz="1200"/>
+            </a:p>
+          </p:txBody>
+        </p:sp>
+      </p:grpSp>
+      <p:cxnSp>
+        <p:nvCxnSpPr>
+          <p:cNvPr id="73" name="Connettore 2 92">
+            <a:extLst>
+              <a:ext uri="{FF2B5EF4-FFF2-40B4-BE49-F238E27FC236}">
+                <a16:creationId xmlns:a16="http://schemas.microsoft.com/office/drawing/2014/main" id="{5794C931-8569-4958-B34A-9A684EC7B760}"/>
+              </a:ext>
+            </a:extLst>
+          </p:cNvPr>
+          <p:cNvCxnSpPr>
+            <a:cxnSpLocks/>
+          </p:cNvCxnSpPr>
+          <p:nvPr/>
+        </p:nvCxnSpPr>
+        <p:spPr>
+          <a:xfrm flipV="1">
+            <a:off x="7003741" y="1324711"/>
+            <a:ext cx="1761392" cy="8445"/>
+          </a:xfrm>
+          <a:prstGeom prst="straightConnector1">
+            <a:avLst/>
+          </a:prstGeom>
+          <a:ln>
+            <a:prstDash val="lgDash"/>
+            <a:tailEnd type="arrow"/>
+          </a:ln>
+        </p:spPr>
+        <p:style>
+          <a:lnRef idx="1">
+            <a:schemeClr val="accent1"/>
+          </a:lnRef>
+          <a:fillRef idx="0">
+            <a:schemeClr val="accent1"/>
+          </a:fillRef>
+          <a:effectRef idx="0">
+            <a:schemeClr val="accent1"/>
+          </a:effectRef>
+          <a:fontRef idx="minor">
+            <a:schemeClr val="tx1"/>
+          </a:fontRef>
+        </p:style>
+      </p:cxnSp>
+      <p:cxnSp>
+        <p:nvCxnSpPr>
+          <p:cNvPr id="74" name="Connettore 2 92">
+            <a:extLst>
+              <a:ext uri="{FF2B5EF4-FFF2-40B4-BE49-F238E27FC236}">
+                <a16:creationId xmlns:a16="http://schemas.microsoft.com/office/drawing/2014/main" id="{E3CF7BFC-21BC-4381-A4BD-6F06EC7104FB}"/>
+              </a:ext>
+            </a:extLst>
+          </p:cNvPr>
+          <p:cNvCxnSpPr>
+            <a:cxnSpLocks/>
+          </p:cNvCxnSpPr>
+          <p:nvPr/>
+        </p:nvCxnSpPr>
+        <p:spPr>
+          <a:xfrm flipH="1">
+            <a:off x="7003743" y="1975926"/>
+            <a:ext cx="1761390" cy="1"/>
+          </a:xfrm>
+          <a:prstGeom prst="straightConnector1">
+            <a:avLst/>
+          </a:prstGeom>
+          <a:ln>
+            <a:prstDash val="lgDash"/>
+            <a:tailEnd type="arrow"/>
+          </a:ln>
+        </p:spPr>
+        <p:style>
+          <a:lnRef idx="1">
+            <a:schemeClr val="accent1"/>
+          </a:lnRef>
+          <a:fillRef idx="0">
+            <a:schemeClr val="accent1"/>
+          </a:fillRef>
+          <a:effectRef idx="0">
+            <a:schemeClr val="accent1"/>
+          </a:effectRef>
+          <a:fontRef idx="minor">
+            <a:schemeClr val="tx1"/>
+          </a:fontRef>
+        </p:style>
+      </p:cxnSp>
+      <p:grpSp>
+        <p:nvGrpSpPr>
+          <p:cNvPr id="77" name="Gruppo 56">
+            <a:extLst>
+              <a:ext uri="{FF2B5EF4-FFF2-40B4-BE49-F238E27FC236}">
+                <a16:creationId xmlns:a16="http://schemas.microsoft.com/office/drawing/2014/main" id="{8F7E19E1-0B13-4E14-AD18-1DC87F224E35}"/>
+              </a:ext>
+            </a:extLst>
+          </p:cNvPr>
+          <p:cNvGrpSpPr/>
+          <p:nvPr/>
+        </p:nvGrpSpPr>
+        <p:grpSpPr>
+          <a:xfrm rot="15348643">
+            <a:off x="4661782" y="6245499"/>
+            <a:ext cx="1338397" cy="133885"/>
+            <a:chOff x="4586473" y="4245346"/>
+            <a:chExt cx="667405" cy="86434"/>
+          </a:xfrm>
+        </p:grpSpPr>
+        <p:sp>
+          <p:nvSpPr>
+            <p:cNvPr id="78" name="Freccia a destra 58">
+              <a:extLst>
+                <a:ext uri="{FF2B5EF4-FFF2-40B4-BE49-F238E27FC236}">
+                  <a16:creationId xmlns:a16="http://schemas.microsoft.com/office/drawing/2014/main" id="{4F3AD279-FCFB-499B-AA62-540AC5753485}"/>
+                </a:ext>
+              </a:extLst>
+            </p:cNvPr>
+            <p:cNvSpPr/>
+            <p:nvPr/>
+          </p:nvSpPr>
+          <p:spPr>
+            <a:xfrm>
+              <a:off x="4586473" y="4251518"/>
+              <a:ext cx="577147" cy="80262"/>
+            </a:xfrm>
+            <a:prstGeom prst="rightArrow">
+              <a:avLst/>
+            </a:prstGeom>
+          </p:spPr>
+          <p:style>
+            <a:lnRef idx="1">
+              <a:schemeClr val="accent1"/>
+            </a:lnRef>
+            <a:fillRef idx="2">
+              <a:schemeClr val="accent1"/>
+            </a:fillRef>
+            <a:effectRef idx="1">
+              <a:schemeClr val="accent1"/>
+            </a:effectRef>
+            <a:fontRef idx="minor">
+              <a:schemeClr val="dk1"/>
+            </a:fontRef>
+          </p:style>
+          <p:txBody>
+            <a:bodyPr rtlCol="0" anchor="ctr"/>
+            <a:lstStyle/>
+            <a:p>
+              <a:pPr algn="ctr"/>
+              <a:endParaRPr lang="en-GB"/>
+            </a:p>
+          </p:txBody>
+        </p:sp>
+        <p:sp>
+          <p:nvSpPr>
+            <p:cNvPr id="79" name="Triangolo isoscele 76">
+              <a:extLst>
+                <a:ext uri="{FF2B5EF4-FFF2-40B4-BE49-F238E27FC236}">
+                  <a16:creationId xmlns:a16="http://schemas.microsoft.com/office/drawing/2014/main" id="{730374E7-15E5-4201-8C07-AAB6FDCC83DE}"/>
+                </a:ext>
+              </a:extLst>
+            </p:cNvPr>
+            <p:cNvSpPr/>
+            <p:nvPr/>
+          </p:nvSpPr>
+          <p:spPr>
+            <a:xfrm rot="5400000" flipH="1">
+              <a:off x="5141030" y="4218931"/>
+              <a:ext cx="86434" cy="139263"/>
+            </a:xfrm>
+            <a:prstGeom prst="triangle">
+              <a:avLst/>
+            </a:prstGeom>
+            <a:solidFill>
+              <a:schemeClr val="bg1"/>
+            </a:solidFill>
+            <a:ln/>
+          </p:spPr>
+          <p:style>
+            <a:lnRef idx="1">
+              <a:schemeClr val="accent5"/>
+            </a:lnRef>
+            <a:fillRef idx="2">
+              <a:schemeClr val="accent5"/>
+            </a:fillRef>
+            <a:effectRef idx="1">
+              <a:schemeClr val="accent5"/>
+            </a:effectRef>
+            <a:fontRef idx="minor">
+              <a:schemeClr val="dk1"/>
+            </a:fontRef>
+          </p:style>
+          <p:txBody>
+            <a:bodyPr rtlCol="0" anchor="ctr"/>
+            <a:lstStyle/>
+            <a:p>
+              <a:pPr algn="ctr"/>
+              <a:endParaRPr lang="en-GB" sz="1200">
+                <a:solidFill>
+                  <a:schemeClr val="dk1"/>
+                </a:solidFill>
+              </a:endParaRPr>
+            </a:p>
+          </p:txBody>
+        </p:sp>
+      </p:grpSp>
+      <p:grpSp>
+        <p:nvGrpSpPr>
+          <p:cNvPr id="80" name="Gruppo 87">
+            <a:extLst>
+              <a:ext uri="{FF2B5EF4-FFF2-40B4-BE49-F238E27FC236}">
+                <a16:creationId xmlns:a16="http://schemas.microsoft.com/office/drawing/2014/main" id="{571D1811-ADC0-4C54-AD90-CBD807BB1BE5}"/>
+              </a:ext>
+            </a:extLst>
+          </p:cNvPr>
+          <p:cNvGrpSpPr/>
+          <p:nvPr/>
+        </p:nvGrpSpPr>
+        <p:grpSpPr>
+          <a:xfrm rot="15369352">
+            <a:off x="5082140" y="6152454"/>
+            <a:ext cx="1235473" cy="131452"/>
+            <a:chOff x="4592177" y="4419530"/>
+            <a:chExt cx="666895" cy="86434"/>
+          </a:xfrm>
+        </p:grpSpPr>
+        <p:cxnSp>
+          <p:nvCxnSpPr>
+            <p:cNvPr id="81" name="Connettore 1 89">
+              <a:extLst>
+                <a:ext uri="{FF2B5EF4-FFF2-40B4-BE49-F238E27FC236}">
+                  <a16:creationId xmlns:a16="http://schemas.microsoft.com/office/drawing/2014/main" id="{8C916F1B-37AC-4389-8528-9CC6653FDEBC}"/>
+                </a:ext>
+              </a:extLst>
+            </p:cNvPr>
+            <p:cNvCxnSpPr/>
+            <p:nvPr/>
+          </p:nvCxnSpPr>
+          <p:spPr>
+            <a:xfrm>
+              <a:off x="4611000" y="4462747"/>
+              <a:ext cx="648072" cy="0"/>
+            </a:xfrm>
+            <a:prstGeom prst="line">
+              <a:avLst/>
+            </a:prstGeom>
+            <a:ln>
+              <a:prstDash val="dash"/>
+            </a:ln>
+          </p:spPr>
+          <p:style>
+            <a:lnRef idx="1">
+              <a:schemeClr val="accent1"/>
+            </a:lnRef>
+            <a:fillRef idx="0">
+              <a:schemeClr val="accent1"/>
+            </a:fillRef>
+            <a:effectRef idx="0">
+              <a:schemeClr val="accent1"/>
+            </a:effectRef>
+            <a:fontRef idx="minor">
+              <a:schemeClr val="tx1"/>
+            </a:fontRef>
+          </p:style>
+        </p:cxnSp>
+        <p:sp>
+          <p:nvSpPr>
+            <p:cNvPr id="82" name="Triangolo isoscele 90">
+              <a:extLst>
+                <a:ext uri="{FF2B5EF4-FFF2-40B4-BE49-F238E27FC236}">
+                  <a16:creationId xmlns:a16="http://schemas.microsoft.com/office/drawing/2014/main" id="{E4388E73-B6CB-41F9-9CAE-96BCD1240159}"/>
+                </a:ext>
+              </a:extLst>
+            </p:cNvPr>
+            <p:cNvSpPr/>
+            <p:nvPr/>
+          </p:nvSpPr>
+          <p:spPr>
+            <a:xfrm rot="16200000">
+              <a:off x="4618592" y="4393115"/>
+              <a:ext cx="86434" cy="139263"/>
+            </a:xfrm>
+            <a:prstGeom prst="triangle">
+              <a:avLst/>
+            </a:prstGeom>
+            <a:solidFill>
+              <a:schemeClr val="bg1"/>
+            </a:solidFill>
+            <a:ln/>
+          </p:spPr>
+          <p:style>
+            <a:lnRef idx="1">
+              <a:schemeClr val="accent5"/>
+            </a:lnRef>
+            <a:fillRef idx="2">
+              <a:schemeClr val="accent5"/>
+            </a:fillRef>
+            <a:effectRef idx="1">
+              <a:schemeClr val="accent5"/>
+            </a:effectRef>
+            <a:fontRef idx="minor">
+              <a:schemeClr val="dk1"/>
+            </a:fontRef>
+          </p:style>
+          <p:txBody>
+            <a:bodyPr rtlCol="0" anchor="ctr"/>
+            <a:lstStyle/>
+            <a:p>
+              <a:pPr algn="ctr"/>
+              <a:endParaRPr lang="en-GB" sz="1200"/>
+            </a:p>
+          </p:txBody>
+        </p:sp>
+      </p:grpSp>
+      <p:sp>
+        <p:nvSpPr>
+          <p:cNvPr id="92" name="CasellaDiTesto 91">
+            <a:extLst>
+              <a:ext uri="{FF2B5EF4-FFF2-40B4-BE49-F238E27FC236}">
+                <a16:creationId xmlns:a16="http://schemas.microsoft.com/office/drawing/2014/main" id="{545D740A-32E5-4E2A-933A-E61A12377276}"/>
+              </a:ext>
+            </a:extLst>
+          </p:cNvPr>
+          <p:cNvSpPr txBox="1"/>
+          <p:nvPr/>
+        </p:nvSpPr>
+        <p:spPr>
+          <a:xfrm rot="2315863">
+            <a:off x="7859389" y="6410648"/>
+            <a:ext cx="1248194" cy="738664"/>
+          </a:xfrm>
+          <a:prstGeom prst="rect">
+            <a:avLst/>
+          </a:prstGeom>
+          <a:noFill/>
+        </p:spPr>
+        <p:txBody>
+          <a:bodyPr wrap="square" rtlCol="0">
+            <a:spAutoFit/>
+          </a:bodyPr>
+          <a:lstStyle/>
+          <a:p>
+            <a:r>
+              <a:rPr lang="it-IT" sz="1400" dirty="0" err="1"/>
+              <a:t>readyToPay</a:t>
+            </a:r>
+            <a:endParaRPr lang="it-IT" sz="1400" dirty="0"/>
+          </a:p>
+          <a:p>
+            <a:br>
+              <a:rPr lang="it-IT" sz="1400" dirty="0"/>
+            </a:br>
+            <a:r>
+              <a:rPr lang="it-IT" sz="1400" dirty="0" err="1"/>
+              <a:t>readyToOrder</a:t>
+            </a:r>
+            <a:endParaRPr lang="it-IT" sz="1400" dirty="0"/>
+          </a:p>
+        </p:txBody>
+      </p:sp>
+      <p:cxnSp>
+        <p:nvCxnSpPr>
+          <p:cNvPr id="94" name="Connettore 2 92">
+            <a:extLst>
+              <a:ext uri="{FF2B5EF4-FFF2-40B4-BE49-F238E27FC236}">
+                <a16:creationId xmlns:a16="http://schemas.microsoft.com/office/drawing/2014/main" id="{BD830DD7-B771-4A9C-960D-8E0D8AFA2DC0}"/>
+              </a:ext>
+            </a:extLst>
+          </p:cNvPr>
+          <p:cNvCxnSpPr>
+            <a:cxnSpLocks/>
+          </p:cNvCxnSpPr>
+          <p:nvPr/>
+        </p:nvCxnSpPr>
+        <p:spPr>
+          <a:xfrm flipV="1">
+            <a:off x="6932225" y="5569415"/>
+            <a:ext cx="1315593" cy="1592445"/>
+          </a:xfrm>
+          <a:prstGeom prst="straightConnector1">
+            <a:avLst/>
+          </a:prstGeom>
+          <a:ln>
+            <a:prstDash val="lgDash"/>
+            <a:tailEnd type="arrow"/>
+          </a:ln>
+        </p:spPr>
+        <p:style>
+          <a:lnRef idx="1">
+            <a:schemeClr val="accent1"/>
+          </a:lnRef>
+          <a:fillRef idx="0">
+            <a:schemeClr val="accent1"/>
+          </a:fillRef>
+          <a:effectRef idx="0">
+            <a:schemeClr val="accent1"/>
+          </a:effectRef>
+          <a:fontRef idx="minor">
+            <a:schemeClr val="tx1"/>
+          </a:fontRef>
+        </p:style>
+      </p:cxnSp>
+      <p:sp>
+        <p:nvSpPr>
+          <p:cNvPr id="97" name="CasellaDiTesto 96">
+            <a:extLst>
+              <a:ext uri="{FF2B5EF4-FFF2-40B4-BE49-F238E27FC236}">
+                <a16:creationId xmlns:a16="http://schemas.microsoft.com/office/drawing/2014/main" id="{D20D1931-A65E-4A3F-A750-C7A6E99B86F2}"/>
+              </a:ext>
+            </a:extLst>
+          </p:cNvPr>
+          <p:cNvSpPr txBox="1"/>
+          <p:nvPr/>
+        </p:nvSpPr>
+        <p:spPr>
+          <a:xfrm>
+            <a:off x="3922806" y="884537"/>
+            <a:ext cx="1532086" cy="307777"/>
+          </a:xfrm>
+          <a:prstGeom prst="rect">
+            <a:avLst/>
+          </a:prstGeom>
+          <a:noFill/>
+        </p:spPr>
+        <p:txBody>
+          <a:bodyPr wrap="none" rtlCol="0">
+            <a:spAutoFit/>
+          </a:bodyPr>
+          <a:lstStyle/>
+          <a:p>
+            <a:r>
+              <a:rPr lang="it-IT" sz="1400" dirty="0" err="1"/>
+              <a:t>enterRequest</a:t>
+            </a:r>
+            <a:r>
+              <a:rPr lang="it-IT" sz="1400" dirty="0"/>
+              <a:t>(CID)</a:t>
+            </a:r>
+          </a:p>
+        </p:txBody>
+      </p:sp>
+      <p:sp>
+        <p:nvSpPr>
+          <p:cNvPr id="98" name="CasellaDiTesto 97">
+            <a:extLst>
+              <a:ext uri="{FF2B5EF4-FFF2-40B4-BE49-F238E27FC236}">
+                <a16:creationId xmlns:a16="http://schemas.microsoft.com/office/drawing/2014/main" id="{E34B3A85-F4AC-40DF-8FE7-CEAC2DFFD32C}"/>
+              </a:ext>
+            </a:extLst>
+          </p:cNvPr>
+          <p:cNvSpPr txBox="1"/>
+          <p:nvPr/>
+        </p:nvSpPr>
+        <p:spPr>
+          <a:xfrm>
+            <a:off x="4127702" y="2094020"/>
+            <a:ext cx="1334724" cy="307777"/>
+          </a:xfrm>
+          <a:prstGeom prst="rect">
+            <a:avLst/>
+          </a:prstGeom>
+          <a:noFill/>
+        </p:spPr>
+        <p:txBody>
+          <a:bodyPr wrap="square" rtlCol="0">
+            <a:spAutoFit/>
+          </a:bodyPr>
+          <a:lstStyle/>
+          <a:p>
+            <a:r>
+              <a:rPr lang="it-IT" sz="1400" dirty="0" err="1"/>
+              <a:t>answer</a:t>
+            </a:r>
+            <a:r>
+              <a:rPr lang="it-IT" sz="1400" dirty="0"/>
+              <a:t>(TIME)</a:t>
+            </a:r>
+          </a:p>
+        </p:txBody>
+      </p:sp>
+      <p:sp>
+        <p:nvSpPr>
+          <p:cNvPr id="99" name="CasellaDiTesto 98">
+            <a:extLst>
+              <a:ext uri="{FF2B5EF4-FFF2-40B4-BE49-F238E27FC236}">
+                <a16:creationId xmlns:a16="http://schemas.microsoft.com/office/drawing/2014/main" id="{A64FC86D-5870-4026-9D98-B01A3844AA07}"/>
+              </a:ext>
+            </a:extLst>
+          </p:cNvPr>
+          <p:cNvSpPr txBox="1"/>
+          <p:nvPr/>
+        </p:nvSpPr>
+        <p:spPr>
+          <a:xfrm>
+            <a:off x="7221863" y="945688"/>
+            <a:ext cx="1305614" cy="307777"/>
+          </a:xfrm>
+          <a:prstGeom prst="rect">
+            <a:avLst/>
+          </a:prstGeom>
+          <a:noFill/>
+        </p:spPr>
+        <p:txBody>
+          <a:bodyPr wrap="none" rtlCol="0">
+            <a:spAutoFit/>
+          </a:bodyPr>
+          <a:lstStyle/>
+          <a:p>
+            <a:r>
+              <a:rPr lang="it-IT" sz="1400" dirty="0" err="1"/>
+              <a:t>order</a:t>
+            </a:r>
+            <a:r>
+              <a:rPr lang="it-IT" sz="1400" dirty="0"/>
+              <a:t>(CID, TEA)</a:t>
+            </a:r>
+          </a:p>
+        </p:txBody>
+      </p:sp>
+      <p:sp>
+        <p:nvSpPr>
+          <p:cNvPr id="100" name="CasellaDiTesto 99">
+            <a:extLst>
+              <a:ext uri="{FF2B5EF4-FFF2-40B4-BE49-F238E27FC236}">
+                <a16:creationId xmlns:a16="http://schemas.microsoft.com/office/drawing/2014/main" id="{3F6052BD-268E-4F8C-AEB8-1AFC15E490E5}"/>
+              </a:ext>
+            </a:extLst>
+          </p:cNvPr>
+          <p:cNvSpPr txBox="1"/>
+          <p:nvPr/>
+        </p:nvSpPr>
+        <p:spPr>
+          <a:xfrm>
+            <a:off x="7146864" y="2111032"/>
+            <a:ext cx="1752916" cy="307777"/>
+          </a:xfrm>
+          <a:prstGeom prst="rect">
+            <a:avLst/>
+          </a:prstGeom>
+          <a:noFill/>
+        </p:spPr>
+        <p:txBody>
+          <a:bodyPr wrap="none" rtlCol="0">
+            <a:spAutoFit/>
+          </a:bodyPr>
+          <a:lstStyle/>
+          <a:p>
+            <a:r>
+              <a:rPr lang="it-IT" sz="1400" dirty="0" err="1"/>
+              <a:t>orderReady</a:t>
+            </a:r>
+            <a:r>
+              <a:rPr lang="it-IT" sz="1400" dirty="0"/>
+              <a:t>(CID, TEA)</a:t>
+            </a:r>
+          </a:p>
+        </p:txBody>
+      </p:sp>
+      <p:sp>
+        <p:nvSpPr>
+          <p:cNvPr id="117" name="CasellaDiTesto 116">
+            <a:extLst>
+              <a:ext uri="{FF2B5EF4-FFF2-40B4-BE49-F238E27FC236}">
+                <a16:creationId xmlns:a16="http://schemas.microsoft.com/office/drawing/2014/main" id="{6BEAC265-4A25-49E8-AC0A-0F9341DA1CCE}"/>
+              </a:ext>
+            </a:extLst>
+          </p:cNvPr>
+          <p:cNvSpPr txBox="1"/>
+          <p:nvPr/>
+        </p:nvSpPr>
+        <p:spPr>
+          <a:xfrm rot="20858184">
+            <a:off x="4441315" y="6380476"/>
+            <a:ext cx="757492" cy="307777"/>
+          </a:xfrm>
+          <a:prstGeom prst="rect">
+            <a:avLst/>
+          </a:prstGeom>
+          <a:noFill/>
+        </p:spPr>
+        <p:txBody>
+          <a:bodyPr wrap="square" rtlCol="0">
+            <a:spAutoFit/>
+          </a:bodyPr>
+          <a:lstStyle/>
+          <a:p>
+            <a:r>
+              <a:rPr lang="it-IT" sz="1400" dirty="0"/>
+              <a:t>Ring(N)</a:t>
+            </a:r>
+          </a:p>
+        </p:txBody>
+      </p:sp>
+      <p:sp>
+        <p:nvSpPr>
+          <p:cNvPr id="118" name="CasellaDiTesto 117">
+            <a:extLst>
+              <a:ext uri="{FF2B5EF4-FFF2-40B4-BE49-F238E27FC236}">
+                <a16:creationId xmlns:a16="http://schemas.microsoft.com/office/drawing/2014/main" id="{A3F08987-5640-46DD-AFE9-91D2B509DBC4}"/>
+              </a:ext>
+            </a:extLst>
+          </p:cNvPr>
+          <p:cNvSpPr txBox="1"/>
+          <p:nvPr/>
+        </p:nvSpPr>
+        <p:spPr>
+          <a:xfrm rot="20858184">
+            <a:off x="5741312" y="5957959"/>
+            <a:ext cx="1544603" cy="276999"/>
+          </a:xfrm>
+          <a:prstGeom prst="rect">
+            <a:avLst/>
+          </a:prstGeom>
+          <a:noFill/>
+        </p:spPr>
+        <p:txBody>
+          <a:bodyPr wrap="square" rtlCol="0">
+            <a:spAutoFit/>
+          </a:bodyPr>
+          <a:lstStyle/>
+          <a:p>
+            <a:r>
+              <a:rPr lang="it-IT" sz="1200" dirty="0" err="1"/>
+              <a:t>waiterResponse</a:t>
+            </a:r>
+            <a:r>
+              <a:rPr lang="it-IT" sz="1200" dirty="0"/>
+              <a:t>(CID)</a:t>
+            </a:r>
+          </a:p>
+        </p:txBody>
+      </p:sp>
+      <p:sp>
+        <p:nvSpPr>
+          <p:cNvPr id="119" name="CasellaDiTesto 118">
+            <a:extLst>
+              <a:ext uri="{FF2B5EF4-FFF2-40B4-BE49-F238E27FC236}">
+                <a16:creationId xmlns:a16="http://schemas.microsoft.com/office/drawing/2014/main" id="{DBF1C222-3CFB-4B09-8B4A-1F2F5CA84698}"/>
+              </a:ext>
+            </a:extLst>
+          </p:cNvPr>
+          <p:cNvSpPr txBox="1"/>
+          <p:nvPr/>
+        </p:nvSpPr>
+        <p:spPr>
+          <a:xfrm>
+            <a:off x="1257015" y="256209"/>
+            <a:ext cx="2127992" cy="646331"/>
+          </a:xfrm>
+          <a:prstGeom prst="rect">
+            <a:avLst/>
+          </a:prstGeom>
+          <a:noFill/>
+        </p:spPr>
+        <p:txBody>
+          <a:bodyPr wrap="square" rtlCol="0">
+            <a:spAutoFit/>
+          </a:bodyPr>
+          <a:lstStyle/>
+          <a:p>
+            <a:r>
+              <a:rPr lang="it-IT" dirty="0" err="1"/>
+              <a:t>Overview</a:t>
+            </a:r>
+            <a:endParaRPr lang="it-IT" dirty="0"/>
+          </a:p>
+          <a:p>
+            <a:r>
+              <a:rPr lang="it-IT" dirty="0"/>
+              <a:t>Architettura logica</a:t>
+            </a:r>
+          </a:p>
+        </p:txBody>
+      </p:sp>
+    </p:spTree>
+    <p:extLst>
+      <p:ext uri="{BB962C8B-B14F-4D97-AF65-F5344CB8AC3E}">
+        <p14:creationId xmlns:p14="http://schemas.microsoft.com/office/powerpoint/2010/main" val="1958523943"/>
+      </p:ext>
+    </p:extLst>
+  </p:cSld>
+  <p:clrMapOvr>
+    <a:masterClrMapping/>
+  </p:clrMapOvr>
+</p:sld>
+</file>
+
+<file path=ppt/slides/slide2.xml><?xml version="1.0" encoding="utf-8"?>
+<p:sld xmlns:a="http://schemas.openxmlformats.org/drawingml/2006/main" xmlns:r="http://schemas.openxmlformats.org/officeDocument/2006/relationships" xmlns:p="http://schemas.openxmlformats.org/presentationml/2006/main">
+  <p:cSld>
+    <p:spTree>
+      <p:nvGrpSpPr>
+        <p:cNvPr id="1" name=""/>
+        <p:cNvGrpSpPr/>
+        <p:nvPr/>
+      </p:nvGrpSpPr>
+      <p:grpSpPr>
+        <a:xfrm>
+          <a:off x="0" y="0"/>
+          <a:ext cx="0" cy="0"/>
+          <a:chOff x="0" y="0"/>
+          <a:chExt cx="0" cy="0"/>
+        </a:xfrm>
+      </p:grpSpPr>
+      <p:sp>
+        <p:nvSpPr>
+          <p:cNvPr id="4" name="Rettangolo 3">
+            <a:extLst>
+              <a:ext uri="{FF2B5EF4-FFF2-40B4-BE49-F238E27FC236}">
+                <a16:creationId xmlns:a16="http://schemas.microsoft.com/office/drawing/2014/main" id="{0CBDAE4C-9DA8-46A0-96A2-AA515FB45BC3}"/>
+              </a:ext>
+            </a:extLst>
+          </p:cNvPr>
+          <p:cNvSpPr/>
+          <p:nvPr/>
+        </p:nvSpPr>
+        <p:spPr>
+          <a:xfrm>
+            <a:off x="3529933" y="1877230"/>
+            <a:ext cx="4971328" cy="3963128"/>
+          </a:xfrm>
+          <a:prstGeom prst="rect">
+            <a:avLst/>
+          </a:prstGeom>
+          <a:solidFill>
+            <a:schemeClr val="bg1"/>
+          </a:solidFill>
+          <a:ln>
+            <a:solidFill>
+              <a:srgbClr val="1318ED"/>
+            </a:solidFill>
+          </a:ln>
+        </p:spPr>
+        <p:style>
+          <a:lnRef idx="2">
+            <a:schemeClr val="accent1">
+              <a:shade val="50000"/>
+            </a:schemeClr>
+          </a:lnRef>
+          <a:fillRef idx="1">
+            <a:schemeClr val="accent1"/>
+          </a:fillRef>
+          <a:effectRef idx="0">
+            <a:schemeClr val="accent1"/>
+          </a:effectRef>
+          <a:fontRef idx="minor">
+            <a:schemeClr val="lt1"/>
+          </a:fontRef>
+        </p:style>
+        <p:txBody>
+          <a:bodyPr rtlCol="0" anchor="ctr"/>
+          <a:lstStyle/>
+          <a:p>
+            <a:pPr algn="ctr"/>
+            <a:endParaRPr lang="en-GB" u="sng" dirty="0">
+              <a:highlight>
+                <a:srgbClr val="FFFF00"/>
+              </a:highlight>
+            </a:endParaRPr>
+          </a:p>
+        </p:txBody>
+      </p:sp>
+      <p:sp>
+        <p:nvSpPr>
+          <p:cNvPr id="74" name="Rettangolo 73">
+            <a:extLst>
+              <a:ext uri="{FF2B5EF4-FFF2-40B4-BE49-F238E27FC236}">
+                <a16:creationId xmlns:a16="http://schemas.microsoft.com/office/drawing/2014/main" id="{45E157C6-E4E2-442D-A450-90C6910E169C}"/>
+              </a:ext>
+            </a:extLst>
+          </p:cNvPr>
+          <p:cNvSpPr/>
+          <p:nvPr/>
+        </p:nvSpPr>
+        <p:spPr>
+          <a:xfrm rot="5400000">
+            <a:off x="6465058" y="3171499"/>
+            <a:ext cx="3333982" cy="730813"/>
+          </a:xfrm>
+          <a:prstGeom prst="rect">
+            <a:avLst/>
+          </a:prstGeom>
+        </p:spPr>
+        <p:style>
+          <a:lnRef idx="1">
+            <a:schemeClr val="accent3"/>
+          </a:lnRef>
+          <a:fillRef idx="2">
+            <a:schemeClr val="accent3"/>
+          </a:fillRef>
+          <a:effectRef idx="1">
+            <a:schemeClr val="accent3"/>
+          </a:effectRef>
+          <a:fontRef idx="minor">
+            <a:schemeClr val="dk1"/>
+          </a:fontRef>
+        </p:style>
+        <p:txBody>
+          <a:bodyPr rtlCol="0" anchor="ctr"/>
+          <a:lstStyle/>
+          <a:p>
+            <a:pPr algn="ctr"/>
+            <a:endParaRPr lang="it-IT"/>
+          </a:p>
+        </p:txBody>
+      </p:sp>
+      <p:sp>
+        <p:nvSpPr>
+          <p:cNvPr id="73" name="Rettangolo 72">
+            <a:extLst>
+              <a:ext uri="{FF2B5EF4-FFF2-40B4-BE49-F238E27FC236}">
+                <a16:creationId xmlns:a16="http://schemas.microsoft.com/office/drawing/2014/main" id="{5EBF42B2-8140-4BE8-8C4B-DF04C6278B2F}"/>
+              </a:ext>
+            </a:extLst>
+          </p:cNvPr>
+          <p:cNvSpPr/>
+          <p:nvPr/>
+        </p:nvSpPr>
+        <p:spPr>
+          <a:xfrm>
+            <a:off x="3535786" y="5203898"/>
+            <a:ext cx="4950988" cy="636460"/>
+          </a:xfrm>
+          <a:prstGeom prst="rect">
+            <a:avLst/>
+          </a:prstGeom>
+        </p:spPr>
+        <p:style>
+          <a:lnRef idx="1">
+            <a:schemeClr val="accent3"/>
+          </a:lnRef>
+          <a:fillRef idx="2">
+            <a:schemeClr val="accent3"/>
+          </a:fillRef>
+          <a:effectRef idx="1">
+            <a:schemeClr val="accent3"/>
+          </a:effectRef>
+          <a:fontRef idx="minor">
+            <a:schemeClr val="dk1"/>
+          </a:fontRef>
+        </p:style>
+        <p:txBody>
+          <a:bodyPr rtlCol="0" anchor="ctr"/>
+          <a:lstStyle/>
+          <a:p>
+            <a:pPr algn="ctr"/>
+            <a:endParaRPr lang="it-IT"/>
+          </a:p>
+        </p:txBody>
+      </p:sp>
+      <p:sp>
+        <p:nvSpPr>
+          <p:cNvPr id="51" name="Rettangolo 50">
+            <a:extLst>
+              <a:ext uri="{FF2B5EF4-FFF2-40B4-BE49-F238E27FC236}">
+                <a16:creationId xmlns:a16="http://schemas.microsoft.com/office/drawing/2014/main" id="{2F4FDB06-D679-4C70-8980-21DBAAE5DE32}"/>
+              </a:ext>
+            </a:extLst>
+          </p:cNvPr>
+          <p:cNvSpPr/>
+          <p:nvPr/>
+        </p:nvSpPr>
+        <p:spPr>
+          <a:xfrm>
+            <a:off x="6328038" y="1881974"/>
+            <a:ext cx="1436347" cy="704700"/>
+          </a:xfrm>
+          <a:prstGeom prst="rect">
+            <a:avLst/>
+          </a:prstGeom>
+        </p:spPr>
+        <p:style>
+          <a:lnRef idx="1">
+            <a:schemeClr val="accent4"/>
+          </a:lnRef>
+          <a:fillRef idx="2">
+            <a:schemeClr val="accent4"/>
+          </a:fillRef>
+          <a:effectRef idx="1">
+            <a:schemeClr val="accent4"/>
+          </a:effectRef>
+          <a:fontRef idx="minor">
+            <a:schemeClr val="dk1"/>
+          </a:fontRef>
+        </p:style>
+        <p:txBody>
+          <a:bodyPr rtlCol="0" anchor="ctr"/>
+          <a:lstStyle/>
+          <a:p>
+            <a:pPr algn="ctr"/>
+            <a:endParaRPr lang="it-IT"/>
+          </a:p>
+        </p:txBody>
+      </p:sp>
+      <p:cxnSp>
+        <p:nvCxnSpPr>
+          <p:cNvPr id="5" name="Connettore 1 41">
+            <a:extLst>
+              <a:ext uri="{FF2B5EF4-FFF2-40B4-BE49-F238E27FC236}">
+                <a16:creationId xmlns:a16="http://schemas.microsoft.com/office/drawing/2014/main" id="{0BB1E4EF-4D1C-43F9-913A-61EED79C1710}"/>
+              </a:ext>
+            </a:extLst>
+          </p:cNvPr>
+          <p:cNvCxnSpPr>
+            <a:cxnSpLocks/>
+          </p:cNvCxnSpPr>
+          <p:nvPr/>
+        </p:nvCxnSpPr>
+        <p:spPr>
+          <a:xfrm flipH="1">
+            <a:off x="4167218" y="1908959"/>
+            <a:ext cx="8894" cy="3938059"/>
+          </a:xfrm>
+          <a:prstGeom prst="line">
+            <a:avLst/>
+          </a:prstGeom>
+          <a:solidFill>
+            <a:schemeClr val="bg1"/>
+          </a:solidFill>
+          <a:ln>
+            <a:solidFill>
+              <a:srgbClr val="1318ED"/>
+            </a:solidFill>
+          </a:ln>
+        </p:spPr>
+        <p:style>
+          <a:lnRef idx="2">
+            <a:schemeClr val="accent1">
+              <a:shade val="50000"/>
+            </a:schemeClr>
+          </a:lnRef>
+          <a:fillRef idx="1">
+            <a:schemeClr val="accent1"/>
+          </a:fillRef>
+          <a:effectRef idx="0">
+            <a:schemeClr val="accent1"/>
+          </a:effectRef>
+          <a:fontRef idx="minor">
+            <a:schemeClr val="lt1"/>
+          </a:fontRef>
+        </p:style>
+      </p:cxnSp>
+      <p:cxnSp>
+        <p:nvCxnSpPr>
+          <p:cNvPr id="6" name="Connettore 1 42">
+            <a:extLst>
+              <a:ext uri="{FF2B5EF4-FFF2-40B4-BE49-F238E27FC236}">
+                <a16:creationId xmlns:a16="http://schemas.microsoft.com/office/drawing/2014/main" id="{6D963F83-816D-405F-84EE-B0203D0E1D2E}"/>
+              </a:ext>
+            </a:extLst>
+          </p:cNvPr>
+          <p:cNvCxnSpPr>
+            <a:cxnSpLocks/>
+          </p:cNvCxnSpPr>
+          <p:nvPr/>
+        </p:nvCxnSpPr>
+        <p:spPr>
+          <a:xfrm>
+            <a:off x="4878592" y="1896754"/>
+            <a:ext cx="0" cy="3943604"/>
+          </a:xfrm>
+          <a:prstGeom prst="line">
+            <a:avLst/>
+          </a:prstGeom>
+          <a:solidFill>
+            <a:schemeClr val="bg1"/>
+          </a:solidFill>
+          <a:ln>
+            <a:solidFill>
+              <a:srgbClr val="1318ED"/>
+            </a:solidFill>
+          </a:ln>
+        </p:spPr>
+        <p:style>
+          <a:lnRef idx="2">
+            <a:schemeClr val="accent1">
+              <a:shade val="50000"/>
+            </a:schemeClr>
+          </a:lnRef>
+          <a:fillRef idx="1">
+            <a:schemeClr val="accent1"/>
+          </a:fillRef>
+          <a:effectRef idx="0">
+            <a:schemeClr val="accent1"/>
+          </a:effectRef>
+          <a:fontRef idx="minor">
+            <a:schemeClr val="lt1"/>
+          </a:fontRef>
+        </p:style>
+      </p:cxnSp>
+      <p:cxnSp>
+        <p:nvCxnSpPr>
+          <p:cNvPr id="7" name="Connettore 1 43">
+            <a:extLst>
+              <a:ext uri="{FF2B5EF4-FFF2-40B4-BE49-F238E27FC236}">
+                <a16:creationId xmlns:a16="http://schemas.microsoft.com/office/drawing/2014/main" id="{DD3CC188-00E0-4551-A535-16C6706B43B6}"/>
+              </a:ext>
+            </a:extLst>
+          </p:cNvPr>
+          <p:cNvCxnSpPr>
+            <a:cxnSpLocks/>
+          </p:cNvCxnSpPr>
+          <p:nvPr/>
+        </p:nvCxnSpPr>
+        <p:spPr>
+          <a:xfrm>
+            <a:off x="3521541" y="2592204"/>
+            <a:ext cx="4971329" cy="0"/>
+          </a:xfrm>
+          <a:prstGeom prst="line">
+            <a:avLst/>
+          </a:prstGeom>
+          <a:solidFill>
+            <a:schemeClr val="bg1"/>
+          </a:solidFill>
+          <a:ln>
+            <a:solidFill>
+              <a:srgbClr val="1318ED"/>
+            </a:solidFill>
+          </a:ln>
+        </p:spPr>
+        <p:style>
+          <a:lnRef idx="2">
+            <a:schemeClr val="accent1">
+              <a:shade val="50000"/>
+            </a:schemeClr>
+          </a:lnRef>
+          <a:fillRef idx="1">
+            <a:schemeClr val="accent1"/>
+          </a:fillRef>
+          <a:effectRef idx="0">
+            <a:schemeClr val="accent1"/>
+          </a:effectRef>
+          <a:fontRef idx="minor">
+            <a:schemeClr val="lt1"/>
+          </a:fontRef>
+        </p:style>
+      </p:cxnSp>
+      <p:cxnSp>
+        <p:nvCxnSpPr>
+          <p:cNvPr id="8" name="Connettore 1 44">
+            <a:extLst>
+              <a:ext uri="{FF2B5EF4-FFF2-40B4-BE49-F238E27FC236}">
+                <a16:creationId xmlns:a16="http://schemas.microsoft.com/office/drawing/2014/main" id="{EC629B97-1BCC-4D18-A0E8-C81275B59246}"/>
+              </a:ext>
+            </a:extLst>
+          </p:cNvPr>
+          <p:cNvCxnSpPr>
+            <a:cxnSpLocks/>
+          </p:cNvCxnSpPr>
+          <p:nvPr/>
+        </p:nvCxnSpPr>
+        <p:spPr>
+          <a:xfrm flipV="1">
+            <a:off x="3534673" y="3236635"/>
+            <a:ext cx="4962790" cy="13764"/>
+          </a:xfrm>
+          <a:prstGeom prst="line">
+            <a:avLst/>
+          </a:prstGeom>
+          <a:solidFill>
+            <a:schemeClr val="bg1"/>
+          </a:solidFill>
+          <a:ln>
+            <a:solidFill>
+              <a:srgbClr val="1318ED"/>
+            </a:solidFill>
+          </a:ln>
+        </p:spPr>
+        <p:style>
+          <a:lnRef idx="2">
+            <a:schemeClr val="accent1">
+              <a:shade val="50000"/>
+            </a:schemeClr>
+          </a:lnRef>
+          <a:fillRef idx="1">
+            <a:schemeClr val="accent1"/>
+          </a:fillRef>
+          <a:effectRef idx="0">
+            <a:schemeClr val="accent1"/>
+          </a:effectRef>
+          <a:fontRef idx="minor">
+            <a:schemeClr val="lt1"/>
+          </a:fontRef>
+        </p:style>
+      </p:cxnSp>
+      <p:sp>
+        <p:nvSpPr>
+          <p:cNvPr id="9" name="Ovale 8">
+            <a:extLst>
+              <a:ext uri="{FF2B5EF4-FFF2-40B4-BE49-F238E27FC236}">
+                <a16:creationId xmlns:a16="http://schemas.microsoft.com/office/drawing/2014/main" id="{1DC5E701-B04E-4F43-AE1B-772FBA891E12}"/>
+              </a:ext>
+            </a:extLst>
+          </p:cNvPr>
+          <p:cNvSpPr/>
+          <p:nvPr/>
+        </p:nvSpPr>
+        <p:spPr>
+          <a:xfrm>
+            <a:off x="3534673" y="1896754"/>
+            <a:ext cx="631361" cy="668643"/>
+          </a:xfrm>
+          <a:prstGeom prst="ellipse">
+            <a:avLst/>
+          </a:prstGeom>
+          <a:solidFill>
+            <a:srgbClr val="33CCCC"/>
+          </a:solidFill>
+          <a:ln>
+            <a:solidFill>
+              <a:srgbClr val="1318ED"/>
+            </a:solidFill>
+          </a:ln>
         </p:spPr>
         <p:style>
           <a:lnRef idx="2">
@@ -3719,43 +6894,953 @@
           <a:lstStyle/>
           <a:p>
             <a:pPr algn="ctr"/>
-            <a:endParaRPr lang="it-IT"/>
-          </a:p>
-        </p:txBody>
-      </p:sp>
-      <p:sp>
-        <p:nvSpPr>
-          <p:cNvPr id="116" name="Rettangolo 115">
-            <a:extLst>
-              <a:ext uri="{FF2B5EF4-FFF2-40B4-BE49-F238E27FC236}">
-                <a16:creationId xmlns:a16="http://schemas.microsoft.com/office/drawing/2014/main" id="{A6B19A2F-0546-4697-9447-7870B8C3C72B}"/>
-              </a:ext>
-            </a:extLst>
-          </p:cNvPr>
-          <p:cNvSpPr/>
+            <a:r>
+              <a:rPr lang="it-IT" sz="2000" dirty="0"/>
+              <a:t>r</a:t>
+            </a:r>
+            <a:endParaRPr lang="en-GB" sz="1100" dirty="0"/>
+          </a:p>
+        </p:txBody>
+      </p:sp>
+      <p:cxnSp>
+        <p:nvCxnSpPr>
+          <p:cNvPr id="10" name="Connettore 1 57">
+            <a:extLst>
+              <a:ext uri="{FF2B5EF4-FFF2-40B4-BE49-F238E27FC236}">
+                <a16:creationId xmlns:a16="http://schemas.microsoft.com/office/drawing/2014/main" id="{0A29E7BC-6C90-43E7-A6CD-F7589DE15A0A}"/>
+              </a:ext>
+            </a:extLst>
+          </p:cNvPr>
+          <p:cNvCxnSpPr>
+            <a:cxnSpLocks/>
+          </p:cNvCxnSpPr>
           <p:nvPr/>
-        </p:nvSpPr>
+        </p:nvCxnSpPr>
         <p:spPr>
           <a:xfrm>
-            <a:off x="8747385" y="616512"/>
-            <a:ext cx="1633531" cy="406426"/>
+            <a:off x="3518508" y="3881066"/>
+            <a:ext cx="4974362" cy="0"/>
+          </a:xfrm>
+          <a:prstGeom prst="line">
+            <a:avLst/>
+          </a:prstGeom>
+          <a:solidFill>
+            <a:schemeClr val="bg1"/>
+          </a:solidFill>
+          <a:ln>
+            <a:solidFill>
+              <a:srgbClr val="1318ED"/>
+            </a:solidFill>
+          </a:ln>
+        </p:spPr>
+        <p:style>
+          <a:lnRef idx="2">
+            <a:schemeClr val="accent1">
+              <a:shade val="50000"/>
+            </a:schemeClr>
+          </a:lnRef>
+          <a:fillRef idx="1">
+            <a:schemeClr val="accent1"/>
+          </a:fillRef>
+          <a:effectRef idx="0">
+            <a:schemeClr val="accent1"/>
+          </a:effectRef>
+          <a:fontRef idx="minor">
+            <a:schemeClr val="lt1"/>
+          </a:fontRef>
+        </p:style>
+      </p:cxnSp>
+      <p:cxnSp>
+        <p:nvCxnSpPr>
+          <p:cNvPr id="11" name="Connettore 1 63">
+            <a:extLst>
+              <a:ext uri="{FF2B5EF4-FFF2-40B4-BE49-F238E27FC236}">
+                <a16:creationId xmlns:a16="http://schemas.microsoft.com/office/drawing/2014/main" id="{45A47D49-5F73-49F5-8D91-421AE01D41E4}"/>
+              </a:ext>
+            </a:extLst>
+          </p:cNvPr>
+          <p:cNvCxnSpPr>
+            <a:cxnSpLocks/>
+          </p:cNvCxnSpPr>
+          <p:nvPr/>
+        </p:nvCxnSpPr>
+        <p:spPr>
+          <a:xfrm>
+            <a:off x="5596221" y="1924697"/>
+            <a:ext cx="9941" cy="3915661"/>
+          </a:xfrm>
+          <a:prstGeom prst="line">
+            <a:avLst/>
+          </a:prstGeom>
+          <a:solidFill>
+            <a:schemeClr val="bg1"/>
+          </a:solidFill>
+          <a:ln>
+            <a:solidFill>
+              <a:srgbClr val="1318ED"/>
+            </a:solidFill>
+          </a:ln>
+        </p:spPr>
+        <p:style>
+          <a:lnRef idx="2">
+            <a:schemeClr val="accent1">
+              <a:shade val="50000"/>
+            </a:schemeClr>
+          </a:lnRef>
+          <a:fillRef idx="1">
+            <a:schemeClr val="accent1"/>
+          </a:fillRef>
+          <a:effectRef idx="0">
+            <a:schemeClr val="accent1"/>
+          </a:effectRef>
+          <a:fontRef idx="minor">
+            <a:schemeClr val="lt1"/>
+          </a:fontRef>
+        </p:style>
+      </p:cxnSp>
+      <p:cxnSp>
+        <p:nvCxnSpPr>
+          <p:cNvPr id="12" name="Connettore 1 64">
+            <a:extLst>
+              <a:ext uri="{FF2B5EF4-FFF2-40B4-BE49-F238E27FC236}">
+                <a16:creationId xmlns:a16="http://schemas.microsoft.com/office/drawing/2014/main" id="{10F1753B-34BD-49E4-A3F0-13764C920AFB}"/>
+              </a:ext>
+            </a:extLst>
+          </p:cNvPr>
+          <p:cNvCxnSpPr>
+            <a:cxnSpLocks/>
+          </p:cNvCxnSpPr>
+          <p:nvPr/>
+        </p:nvCxnSpPr>
+        <p:spPr>
+          <a:xfrm>
+            <a:off x="6328038" y="1869913"/>
+            <a:ext cx="0" cy="3970445"/>
+          </a:xfrm>
+          <a:prstGeom prst="line">
+            <a:avLst/>
+          </a:prstGeom>
+          <a:solidFill>
+            <a:schemeClr val="bg1"/>
+          </a:solidFill>
+          <a:ln>
+            <a:solidFill>
+              <a:srgbClr val="1318ED"/>
+            </a:solidFill>
+          </a:ln>
+        </p:spPr>
+        <p:style>
+          <a:lnRef idx="2">
+            <a:schemeClr val="accent1">
+              <a:shade val="50000"/>
+            </a:schemeClr>
+          </a:lnRef>
+          <a:fillRef idx="1">
+            <a:schemeClr val="accent1"/>
+          </a:fillRef>
+          <a:effectRef idx="0">
+            <a:schemeClr val="accent1"/>
+          </a:effectRef>
+          <a:fontRef idx="minor">
+            <a:schemeClr val="lt1"/>
+          </a:fontRef>
+        </p:style>
+      </p:cxnSp>
+      <p:sp>
+        <p:nvSpPr>
+          <p:cNvPr id="13" name="CasellaDiTesto 12">
+            <a:extLst>
+              <a:ext uri="{FF2B5EF4-FFF2-40B4-BE49-F238E27FC236}">
+                <a16:creationId xmlns:a16="http://schemas.microsoft.com/office/drawing/2014/main" id="{9A0CD71F-D95D-4340-900B-8855D6452A07}"/>
+              </a:ext>
+            </a:extLst>
+          </p:cNvPr>
+          <p:cNvSpPr txBox="1"/>
+          <p:nvPr/>
+        </p:nvSpPr>
+        <p:spPr>
+          <a:xfrm>
+            <a:off x="3179695" y="2028054"/>
+            <a:ext cx="301686" cy="400110"/>
+          </a:xfrm>
+          <a:prstGeom prst="rect">
+            <a:avLst/>
+          </a:prstGeom>
+          <a:noFill/>
+          <a:ln>
+            <a:solidFill>
+              <a:schemeClr val="bg1"/>
+            </a:solidFill>
+          </a:ln>
+        </p:spPr>
+        <p:txBody>
+          <a:bodyPr wrap="none" rtlCol="0">
+            <a:spAutoFit/>
+          </a:bodyPr>
+          <a:lstStyle/>
+          <a:p>
+            <a:r>
+              <a:rPr lang="it-IT" sz="2000" u="sng" dirty="0"/>
+              <a:t>0</a:t>
+            </a:r>
+            <a:endParaRPr lang="en-GB" sz="2000" u="sng" dirty="0"/>
+          </a:p>
+        </p:txBody>
+      </p:sp>
+      <p:sp>
+        <p:nvSpPr>
+          <p:cNvPr id="14" name="CasellaDiTesto 13">
+            <a:extLst>
+              <a:ext uri="{FF2B5EF4-FFF2-40B4-BE49-F238E27FC236}">
+                <a16:creationId xmlns:a16="http://schemas.microsoft.com/office/drawing/2014/main" id="{6F563288-20F4-4102-83C8-F505FE3FE956}"/>
+              </a:ext>
+            </a:extLst>
+          </p:cNvPr>
+          <p:cNvSpPr txBox="1"/>
+          <p:nvPr/>
+        </p:nvSpPr>
+        <p:spPr>
+          <a:xfrm>
+            <a:off x="7950360" y="1421004"/>
+            <a:ext cx="314510" cy="400110"/>
+          </a:xfrm>
+          <a:prstGeom prst="rect">
+            <a:avLst/>
+          </a:prstGeom>
+          <a:noFill/>
+        </p:spPr>
+        <p:txBody>
+          <a:bodyPr wrap="none" rtlCol="0">
+            <a:spAutoFit/>
+          </a:bodyPr>
+          <a:lstStyle/>
+          <a:p>
+            <a:r>
+              <a:rPr lang="en-GB" sz="2000" dirty="0"/>
+              <a:t>6</a:t>
+            </a:r>
+          </a:p>
+        </p:txBody>
+      </p:sp>
+      <p:sp>
+        <p:nvSpPr>
+          <p:cNvPr id="15" name="CasellaDiTesto 14">
+            <a:extLst>
+              <a:ext uri="{FF2B5EF4-FFF2-40B4-BE49-F238E27FC236}">
+                <a16:creationId xmlns:a16="http://schemas.microsoft.com/office/drawing/2014/main" id="{2FC758EB-1A79-4C90-AD66-725A038A35A2}"/>
+              </a:ext>
+            </a:extLst>
+          </p:cNvPr>
+          <p:cNvSpPr txBox="1"/>
+          <p:nvPr/>
+        </p:nvSpPr>
+        <p:spPr>
+          <a:xfrm>
+            <a:off x="3179695" y="3417829"/>
+            <a:ext cx="314510" cy="1015663"/>
+          </a:xfrm>
+          <a:prstGeom prst="rect">
+            <a:avLst/>
+          </a:prstGeom>
+          <a:noFill/>
+        </p:spPr>
+        <p:txBody>
+          <a:bodyPr wrap="none" rtlCol="0">
+            <a:spAutoFit/>
+          </a:bodyPr>
+          <a:lstStyle/>
+          <a:p>
+            <a:r>
+              <a:rPr lang="it-IT" sz="2000" dirty="0"/>
+              <a:t>2</a:t>
+            </a:r>
+          </a:p>
+          <a:p>
+            <a:endParaRPr lang="it-IT" sz="2000" dirty="0"/>
+          </a:p>
+          <a:p>
+            <a:r>
+              <a:rPr lang="it-IT" sz="2000" dirty="0"/>
+              <a:t>3</a:t>
+            </a:r>
+          </a:p>
+        </p:txBody>
+      </p:sp>
+      <p:sp>
+        <p:nvSpPr>
+          <p:cNvPr id="16" name="CasellaDiTesto 15">
+            <a:extLst>
+              <a:ext uri="{FF2B5EF4-FFF2-40B4-BE49-F238E27FC236}">
+                <a16:creationId xmlns:a16="http://schemas.microsoft.com/office/drawing/2014/main" id="{CCBE5275-6ED3-4FAF-9936-F8313210F04C}"/>
+              </a:ext>
+            </a:extLst>
+          </p:cNvPr>
+          <p:cNvSpPr txBox="1"/>
+          <p:nvPr/>
+        </p:nvSpPr>
+        <p:spPr>
+          <a:xfrm>
+            <a:off x="3180562" y="2748966"/>
+            <a:ext cx="301686" cy="400110"/>
           </a:xfrm>
           <a:prstGeom prst="rect">
             <a:avLst/>
           </a:prstGeom>
           <a:solidFill>
-            <a:srgbClr val="FFFF99"/>
+            <a:schemeClr val="bg1"/>
           </a:solidFill>
+          <a:ln>
+            <a:solidFill>
+              <a:schemeClr val="bg1"/>
+            </a:solidFill>
+          </a:ln>
+        </p:spPr>
+        <p:txBody>
+          <a:bodyPr wrap="none" rtlCol="0">
+            <a:spAutoFit/>
+          </a:bodyPr>
+          <a:lstStyle/>
+          <a:p>
+            <a:r>
+              <a:rPr lang="it-IT" sz="2000" u="sng" dirty="0"/>
+              <a:t>1</a:t>
+            </a:r>
+            <a:endParaRPr lang="en-GB" sz="2000" u="sng" dirty="0"/>
+          </a:p>
+        </p:txBody>
+      </p:sp>
+      <p:cxnSp>
+        <p:nvCxnSpPr>
+          <p:cNvPr id="17" name="Connettore 1 87">
+            <a:extLst>
+              <a:ext uri="{FF2B5EF4-FFF2-40B4-BE49-F238E27FC236}">
+                <a16:creationId xmlns:a16="http://schemas.microsoft.com/office/drawing/2014/main" id="{B766F777-D1AD-41EB-A9D7-7BBCA8B7C01F}"/>
+              </a:ext>
+            </a:extLst>
+          </p:cNvPr>
+          <p:cNvCxnSpPr>
+            <a:cxnSpLocks/>
+          </p:cNvCxnSpPr>
+          <p:nvPr/>
+        </p:nvCxnSpPr>
+        <p:spPr>
+          <a:xfrm>
+            <a:off x="3534673" y="4517531"/>
+            <a:ext cx="4958197" cy="0"/>
+          </a:xfrm>
+          <a:prstGeom prst="line">
+            <a:avLst/>
+          </a:prstGeom>
+          <a:solidFill>
+            <a:schemeClr val="bg1"/>
+          </a:solidFill>
+          <a:ln>
+            <a:solidFill>
+              <a:srgbClr val="1318ED"/>
+            </a:solidFill>
+          </a:ln>
+        </p:spPr>
+        <p:style>
+          <a:lnRef idx="2">
+            <a:schemeClr val="accent1">
+              <a:shade val="50000"/>
+            </a:schemeClr>
+          </a:lnRef>
+          <a:fillRef idx="1">
+            <a:schemeClr val="accent1"/>
+          </a:fillRef>
+          <a:effectRef idx="0">
+            <a:schemeClr val="accent1"/>
+          </a:effectRef>
+          <a:fontRef idx="minor">
+            <a:schemeClr val="lt1"/>
+          </a:fontRef>
+        </p:style>
+      </p:cxnSp>
+      <p:cxnSp>
+        <p:nvCxnSpPr>
+          <p:cNvPr id="18" name="Connettore 1 88">
+            <a:extLst>
+              <a:ext uri="{FF2B5EF4-FFF2-40B4-BE49-F238E27FC236}">
+                <a16:creationId xmlns:a16="http://schemas.microsoft.com/office/drawing/2014/main" id="{B79F8006-A7A3-40AD-BE45-6D6CBB687F64}"/>
+              </a:ext>
+            </a:extLst>
+          </p:cNvPr>
+          <p:cNvCxnSpPr>
+            <a:cxnSpLocks/>
+          </p:cNvCxnSpPr>
+          <p:nvPr/>
+        </p:nvCxnSpPr>
+        <p:spPr>
+          <a:xfrm>
+            <a:off x="7048118" y="1877232"/>
+            <a:ext cx="0" cy="3963126"/>
+          </a:xfrm>
+          <a:prstGeom prst="line">
+            <a:avLst/>
+          </a:prstGeom>
+          <a:solidFill>
+            <a:schemeClr val="bg1"/>
+          </a:solidFill>
+          <a:ln>
+            <a:solidFill>
+              <a:srgbClr val="1318ED"/>
+            </a:solidFill>
+          </a:ln>
+        </p:spPr>
+        <p:style>
+          <a:lnRef idx="2">
+            <a:schemeClr val="accent1">
+              <a:shade val="50000"/>
+            </a:schemeClr>
+          </a:lnRef>
+          <a:fillRef idx="1">
+            <a:schemeClr val="accent1"/>
+          </a:fillRef>
+          <a:effectRef idx="0">
+            <a:schemeClr val="accent1"/>
+          </a:effectRef>
+          <a:fontRef idx="minor">
+            <a:schemeClr val="lt1"/>
+          </a:fontRef>
+        </p:style>
+      </p:cxnSp>
+      <p:cxnSp>
+        <p:nvCxnSpPr>
+          <p:cNvPr id="22" name="Connettore 1 64">
+            <a:extLst>
+              <a:ext uri="{FF2B5EF4-FFF2-40B4-BE49-F238E27FC236}">
+                <a16:creationId xmlns:a16="http://schemas.microsoft.com/office/drawing/2014/main" id="{65DEC593-0C49-4113-8619-A57FD33FD00A}"/>
+              </a:ext>
+            </a:extLst>
+          </p:cNvPr>
+          <p:cNvCxnSpPr>
+            <a:cxnSpLocks/>
+          </p:cNvCxnSpPr>
+          <p:nvPr/>
+        </p:nvCxnSpPr>
+        <p:spPr>
+          <a:xfrm>
+            <a:off x="7772790" y="1877231"/>
+            <a:ext cx="0" cy="3963127"/>
+          </a:xfrm>
+          <a:prstGeom prst="line">
+            <a:avLst/>
+          </a:prstGeom>
+          <a:solidFill>
+            <a:schemeClr val="bg1"/>
+          </a:solidFill>
+          <a:ln>
+            <a:solidFill>
+              <a:srgbClr val="1318ED"/>
+            </a:solidFill>
+          </a:ln>
+        </p:spPr>
+        <p:style>
+          <a:lnRef idx="2">
+            <a:schemeClr val="accent1">
+              <a:shade val="50000"/>
+            </a:schemeClr>
+          </a:lnRef>
+          <a:fillRef idx="1">
+            <a:schemeClr val="accent1"/>
+          </a:fillRef>
+          <a:effectRef idx="0">
+            <a:schemeClr val="accent1"/>
+          </a:effectRef>
+          <a:fontRef idx="minor">
+            <a:schemeClr val="lt1"/>
+          </a:fontRef>
+        </p:style>
+      </p:cxnSp>
+      <p:sp>
+        <p:nvSpPr>
+          <p:cNvPr id="29" name="CasellaDiTesto 28">
+            <a:extLst>
+              <a:ext uri="{FF2B5EF4-FFF2-40B4-BE49-F238E27FC236}">
+                <a16:creationId xmlns:a16="http://schemas.microsoft.com/office/drawing/2014/main" id="{984FAB7E-370D-423C-A467-DF32C83555C3}"/>
+              </a:ext>
+            </a:extLst>
+          </p:cNvPr>
+          <p:cNvSpPr txBox="1"/>
+          <p:nvPr/>
+        </p:nvSpPr>
+        <p:spPr>
+          <a:xfrm>
+            <a:off x="3698934" y="1420328"/>
+            <a:ext cx="3964547" cy="400110"/>
+          </a:xfrm>
+          <a:prstGeom prst="rect">
+            <a:avLst/>
+          </a:prstGeom>
+          <a:noFill/>
+          <a:ln>
+            <a:solidFill>
+              <a:schemeClr val="bg1"/>
+            </a:solidFill>
+          </a:ln>
+        </p:spPr>
+        <p:txBody>
+          <a:bodyPr wrap="none" rtlCol="0">
+            <a:spAutoFit/>
+          </a:bodyPr>
+          <a:lstStyle/>
+          <a:p>
+            <a:r>
+              <a:rPr lang="it-IT" sz="2000" u="sng" dirty="0"/>
+              <a:t>0</a:t>
+            </a:r>
+            <a:r>
+              <a:rPr lang="it-IT" sz="2000" dirty="0"/>
+              <a:t>         1           2           3          4          5</a:t>
+            </a:r>
+            <a:endParaRPr lang="en-GB" sz="2000" u="sng" dirty="0"/>
+          </a:p>
+        </p:txBody>
+      </p:sp>
+      <p:cxnSp>
+        <p:nvCxnSpPr>
+          <p:cNvPr id="30" name="Connettore 1 57">
+            <a:extLst>
+              <a:ext uri="{FF2B5EF4-FFF2-40B4-BE49-F238E27FC236}">
+                <a16:creationId xmlns:a16="http://schemas.microsoft.com/office/drawing/2014/main" id="{8AD76B33-C858-4205-86D1-0DB71DBEBB71}"/>
+              </a:ext>
+            </a:extLst>
+          </p:cNvPr>
+          <p:cNvCxnSpPr>
+            <a:cxnSpLocks/>
+          </p:cNvCxnSpPr>
+          <p:nvPr/>
+        </p:nvCxnSpPr>
+        <p:spPr>
+          <a:xfrm>
+            <a:off x="3528081" y="5203898"/>
+            <a:ext cx="4974362" cy="0"/>
+          </a:xfrm>
+          <a:prstGeom prst="line">
+            <a:avLst/>
+          </a:prstGeom>
+          <a:solidFill>
+            <a:schemeClr val="bg1"/>
+          </a:solidFill>
+          <a:ln>
+            <a:solidFill>
+              <a:srgbClr val="1318ED"/>
+            </a:solidFill>
+          </a:ln>
+        </p:spPr>
+        <p:style>
+          <a:lnRef idx="2">
+            <a:schemeClr val="accent1">
+              <a:shade val="50000"/>
+            </a:schemeClr>
+          </a:lnRef>
+          <a:fillRef idx="1">
+            <a:schemeClr val="accent1"/>
+          </a:fillRef>
+          <a:effectRef idx="0">
+            <a:schemeClr val="accent1"/>
+          </a:effectRef>
+          <a:fontRef idx="minor">
+            <a:schemeClr val="lt1"/>
+          </a:fontRef>
+        </p:style>
+      </p:cxnSp>
+      <p:cxnSp>
+        <p:nvCxnSpPr>
+          <p:cNvPr id="31" name="Connettore 1 87">
+            <a:extLst>
+              <a:ext uri="{FF2B5EF4-FFF2-40B4-BE49-F238E27FC236}">
+                <a16:creationId xmlns:a16="http://schemas.microsoft.com/office/drawing/2014/main" id="{FB54C94C-BB23-4BA2-9192-1F0A60D34625}"/>
+              </a:ext>
+            </a:extLst>
+          </p:cNvPr>
+          <p:cNvCxnSpPr>
+            <a:cxnSpLocks/>
+          </p:cNvCxnSpPr>
+          <p:nvPr/>
+        </p:nvCxnSpPr>
+        <p:spPr>
+          <a:xfrm>
+            <a:off x="3543064" y="5847018"/>
+            <a:ext cx="4958197" cy="0"/>
+          </a:xfrm>
+          <a:prstGeom prst="line">
+            <a:avLst/>
+          </a:prstGeom>
+          <a:solidFill>
+            <a:schemeClr val="bg1"/>
+          </a:solidFill>
+          <a:ln>
+            <a:solidFill>
+              <a:srgbClr val="1318ED"/>
+            </a:solidFill>
+          </a:ln>
+        </p:spPr>
+        <p:style>
+          <a:lnRef idx="2">
+            <a:schemeClr val="accent1">
+              <a:shade val="50000"/>
+            </a:schemeClr>
+          </a:lnRef>
+          <a:fillRef idx="1">
+            <a:schemeClr val="accent1"/>
+          </a:fillRef>
+          <a:effectRef idx="0">
+            <a:schemeClr val="accent1"/>
+          </a:effectRef>
+          <a:fontRef idx="minor">
+            <a:schemeClr val="lt1"/>
+          </a:fontRef>
+        </p:style>
+      </p:cxnSp>
+      <p:sp>
+        <p:nvSpPr>
+          <p:cNvPr id="38" name="CasellaDiTesto 37">
+            <a:extLst>
+              <a:ext uri="{FF2B5EF4-FFF2-40B4-BE49-F238E27FC236}">
+                <a16:creationId xmlns:a16="http://schemas.microsoft.com/office/drawing/2014/main" id="{62A1C43D-0DBF-46E1-8977-A06952188762}"/>
+              </a:ext>
+            </a:extLst>
+          </p:cNvPr>
+          <p:cNvSpPr txBox="1"/>
+          <p:nvPr/>
+        </p:nvSpPr>
+        <p:spPr>
+          <a:xfrm>
+            <a:off x="3173691" y="4696066"/>
+            <a:ext cx="314510" cy="1015663"/>
+          </a:xfrm>
+          <a:prstGeom prst="rect">
+            <a:avLst/>
+          </a:prstGeom>
+          <a:noFill/>
+        </p:spPr>
+        <p:txBody>
+          <a:bodyPr wrap="none" rtlCol="0">
+            <a:spAutoFit/>
+          </a:bodyPr>
+          <a:lstStyle/>
+          <a:p>
+            <a:r>
+              <a:rPr lang="it-IT" sz="2000" dirty="0"/>
+              <a:t>4</a:t>
+            </a:r>
+          </a:p>
+          <a:p>
+            <a:endParaRPr lang="it-IT" sz="2000" dirty="0"/>
+          </a:p>
+          <a:p>
+            <a:r>
+              <a:rPr lang="it-IT" sz="2000" dirty="0"/>
+              <a:t>5</a:t>
+            </a:r>
+          </a:p>
+        </p:txBody>
+      </p:sp>
+      <p:sp>
+        <p:nvSpPr>
+          <p:cNvPr id="39" name="CasellaDiTesto 38">
+            <a:extLst>
+              <a:ext uri="{FF2B5EF4-FFF2-40B4-BE49-F238E27FC236}">
+                <a16:creationId xmlns:a16="http://schemas.microsoft.com/office/drawing/2014/main" id="{8107A2A7-B4BA-4A9E-85A9-6BE96EDD68AB}"/>
+              </a:ext>
+            </a:extLst>
+          </p:cNvPr>
+          <p:cNvSpPr txBox="1"/>
+          <p:nvPr/>
+        </p:nvSpPr>
+        <p:spPr>
+          <a:xfrm>
+            <a:off x="7973972" y="2057568"/>
+            <a:ext cx="317716" cy="1015663"/>
+          </a:xfrm>
+          <a:prstGeom prst="rect">
+            <a:avLst/>
+          </a:prstGeom>
+          <a:noFill/>
+          <a:ln>
+            <a:noFill/>
+          </a:ln>
+        </p:spPr>
+        <p:txBody>
+          <a:bodyPr wrap="none" rtlCol="0">
+            <a:spAutoFit/>
+          </a:bodyPr>
+          <a:lstStyle/>
+          <a:p>
+            <a:r>
+              <a:rPr lang="it-IT" sz="2000" dirty="0"/>
+              <a:t>X</a:t>
+            </a:r>
+          </a:p>
+          <a:p>
+            <a:endParaRPr lang="it-IT" sz="2000" dirty="0"/>
+          </a:p>
+          <a:p>
+            <a:r>
+              <a:rPr lang="it-IT" sz="2000" dirty="0"/>
+              <a:t>X</a:t>
+            </a:r>
+            <a:endParaRPr lang="en-GB" sz="2000" dirty="0"/>
+          </a:p>
+        </p:txBody>
+      </p:sp>
+      <p:sp>
+        <p:nvSpPr>
+          <p:cNvPr id="41" name="CasellaDiTesto 40">
+            <a:extLst>
+              <a:ext uri="{FF2B5EF4-FFF2-40B4-BE49-F238E27FC236}">
+                <a16:creationId xmlns:a16="http://schemas.microsoft.com/office/drawing/2014/main" id="{657A2976-C66A-4849-94DC-E643067B3F53}"/>
+              </a:ext>
+            </a:extLst>
+          </p:cNvPr>
+          <p:cNvSpPr txBox="1"/>
+          <p:nvPr/>
+        </p:nvSpPr>
+        <p:spPr>
+          <a:xfrm>
+            <a:off x="7973972" y="3362172"/>
+            <a:ext cx="317716" cy="1015663"/>
+          </a:xfrm>
+          <a:prstGeom prst="rect">
+            <a:avLst/>
+          </a:prstGeom>
+          <a:noFill/>
+          <a:ln>
+            <a:noFill/>
+          </a:ln>
+        </p:spPr>
+        <p:txBody>
+          <a:bodyPr wrap="none" rtlCol="0">
+            <a:spAutoFit/>
+          </a:bodyPr>
+          <a:lstStyle/>
+          <a:p>
+            <a:r>
+              <a:rPr lang="it-IT" sz="2000" dirty="0"/>
+              <a:t>X</a:t>
+            </a:r>
+          </a:p>
+          <a:p>
+            <a:endParaRPr lang="it-IT" sz="2000" dirty="0"/>
+          </a:p>
+          <a:p>
+            <a:r>
+              <a:rPr lang="it-IT" sz="2000" dirty="0"/>
+              <a:t>X</a:t>
+            </a:r>
+            <a:endParaRPr lang="en-GB" sz="2000" dirty="0"/>
+          </a:p>
+        </p:txBody>
+      </p:sp>
+      <p:sp>
+        <p:nvSpPr>
+          <p:cNvPr id="42" name="CasellaDiTesto 41">
+            <a:extLst>
+              <a:ext uri="{FF2B5EF4-FFF2-40B4-BE49-F238E27FC236}">
+                <a16:creationId xmlns:a16="http://schemas.microsoft.com/office/drawing/2014/main" id="{0E1F765B-098C-41CF-BCC6-44D58B06A6DF}"/>
+              </a:ext>
+            </a:extLst>
+          </p:cNvPr>
+          <p:cNvSpPr txBox="1"/>
+          <p:nvPr/>
+        </p:nvSpPr>
+        <p:spPr>
+          <a:xfrm>
+            <a:off x="7950360" y="4683910"/>
+            <a:ext cx="317716" cy="1015663"/>
+          </a:xfrm>
+          <a:prstGeom prst="rect">
+            <a:avLst/>
+          </a:prstGeom>
+          <a:noFill/>
+          <a:ln>
+            <a:noFill/>
+          </a:ln>
+        </p:spPr>
+        <p:txBody>
+          <a:bodyPr wrap="none" rtlCol="0">
+            <a:spAutoFit/>
+          </a:bodyPr>
+          <a:lstStyle/>
+          <a:p>
+            <a:r>
+              <a:rPr lang="it-IT" sz="2000" dirty="0"/>
+              <a:t>X</a:t>
+            </a:r>
+          </a:p>
+          <a:p>
+            <a:endParaRPr lang="it-IT" sz="2000" dirty="0"/>
+          </a:p>
+          <a:p>
+            <a:r>
+              <a:rPr lang="it-IT" sz="2000" dirty="0"/>
+              <a:t>X</a:t>
+            </a:r>
+            <a:endParaRPr lang="en-GB" sz="2000" dirty="0"/>
+          </a:p>
+        </p:txBody>
+      </p:sp>
+      <p:sp>
+        <p:nvSpPr>
+          <p:cNvPr id="43" name="CasellaDiTesto 42">
+            <a:extLst>
+              <a:ext uri="{FF2B5EF4-FFF2-40B4-BE49-F238E27FC236}">
+                <a16:creationId xmlns:a16="http://schemas.microsoft.com/office/drawing/2014/main" id="{70F36F97-6579-45CE-B534-2A1CCC914812}"/>
+              </a:ext>
+            </a:extLst>
+          </p:cNvPr>
+          <p:cNvSpPr txBox="1"/>
+          <p:nvPr/>
+        </p:nvSpPr>
+        <p:spPr>
+          <a:xfrm>
+            <a:off x="3714668" y="5300647"/>
+            <a:ext cx="970137" cy="400110"/>
+          </a:xfrm>
+          <a:prstGeom prst="rect">
+            <a:avLst/>
+          </a:prstGeom>
+          <a:noFill/>
+          <a:ln>
+            <a:noFill/>
+          </a:ln>
+        </p:spPr>
+        <p:txBody>
+          <a:bodyPr wrap="none" rtlCol="0">
+            <a:spAutoFit/>
+          </a:bodyPr>
+          <a:lstStyle/>
+          <a:p>
+            <a:r>
+              <a:rPr lang="it-IT" sz="2000" dirty="0"/>
+              <a:t>X         </a:t>
+            </a:r>
+            <a:r>
+              <a:rPr lang="en-GB" sz="2000" dirty="0"/>
+              <a:t>X</a:t>
+            </a:r>
+            <a:endParaRPr lang="it-IT" sz="2000" dirty="0"/>
+          </a:p>
+        </p:txBody>
+      </p:sp>
+      <p:sp>
+        <p:nvSpPr>
+          <p:cNvPr id="44" name="CasellaDiTesto 43">
+            <a:extLst>
+              <a:ext uri="{FF2B5EF4-FFF2-40B4-BE49-F238E27FC236}">
+                <a16:creationId xmlns:a16="http://schemas.microsoft.com/office/drawing/2014/main" id="{17147AC3-1F13-4675-A204-247750E72B75}"/>
+              </a:ext>
+            </a:extLst>
+          </p:cNvPr>
+          <p:cNvSpPr txBox="1"/>
+          <p:nvPr/>
+        </p:nvSpPr>
+        <p:spPr>
+          <a:xfrm>
+            <a:off x="5114292" y="5302176"/>
+            <a:ext cx="1027845" cy="400110"/>
+          </a:xfrm>
+          <a:prstGeom prst="rect">
+            <a:avLst/>
+          </a:prstGeom>
+          <a:noFill/>
+          <a:ln>
+            <a:noFill/>
+          </a:ln>
+        </p:spPr>
+        <p:txBody>
+          <a:bodyPr wrap="none" rtlCol="0">
+            <a:spAutoFit/>
+          </a:bodyPr>
+          <a:lstStyle/>
+          <a:p>
+            <a:r>
+              <a:rPr lang="it-IT" sz="2000" dirty="0"/>
+              <a:t>X          </a:t>
+            </a:r>
+            <a:r>
+              <a:rPr lang="en-GB" sz="2000" dirty="0"/>
+              <a:t>X</a:t>
+            </a:r>
+            <a:endParaRPr lang="it-IT" sz="2000" dirty="0"/>
+          </a:p>
+        </p:txBody>
+      </p:sp>
+      <p:sp>
+        <p:nvSpPr>
+          <p:cNvPr id="45" name="CasellaDiTesto 44">
+            <a:extLst>
+              <a:ext uri="{FF2B5EF4-FFF2-40B4-BE49-F238E27FC236}">
+                <a16:creationId xmlns:a16="http://schemas.microsoft.com/office/drawing/2014/main" id="{32FB490B-29FF-445C-9748-0DF4356CBE9B}"/>
+              </a:ext>
+            </a:extLst>
+          </p:cNvPr>
+          <p:cNvSpPr txBox="1"/>
+          <p:nvPr/>
+        </p:nvSpPr>
+        <p:spPr>
+          <a:xfrm>
+            <a:off x="6545319" y="5299463"/>
+            <a:ext cx="1027845" cy="400110"/>
+          </a:xfrm>
+          <a:prstGeom prst="rect">
+            <a:avLst/>
+          </a:prstGeom>
+          <a:noFill/>
+          <a:ln>
+            <a:noFill/>
+          </a:ln>
+        </p:spPr>
+        <p:txBody>
+          <a:bodyPr wrap="none" rtlCol="0">
+            <a:spAutoFit/>
+          </a:bodyPr>
+          <a:lstStyle/>
+          <a:p>
+            <a:r>
+              <a:rPr lang="it-IT" sz="2000" dirty="0"/>
+              <a:t>X          </a:t>
+            </a:r>
+            <a:r>
+              <a:rPr lang="en-GB" sz="2000" dirty="0"/>
+              <a:t>X</a:t>
+            </a:r>
+            <a:endParaRPr lang="it-IT" sz="2000" dirty="0"/>
+          </a:p>
+        </p:txBody>
+      </p:sp>
+      <p:sp>
+        <p:nvSpPr>
+          <p:cNvPr id="47" name="Rettangolo 46">
+            <a:extLst>
+              <a:ext uri="{FF2B5EF4-FFF2-40B4-BE49-F238E27FC236}">
+                <a16:creationId xmlns:a16="http://schemas.microsoft.com/office/drawing/2014/main" id="{19E9EE2B-FADE-4814-A969-BB3C623FCE8D}"/>
+              </a:ext>
+            </a:extLst>
+          </p:cNvPr>
+          <p:cNvSpPr/>
+          <p:nvPr/>
+        </p:nvSpPr>
+        <p:spPr>
+          <a:xfrm>
+            <a:off x="4888670" y="3874395"/>
+            <a:ext cx="699160" cy="636463"/>
+          </a:xfrm>
+          <a:prstGeom prst="rect">
+            <a:avLst/>
+          </a:prstGeom>
         </p:spPr>
         <p:style>
           <a:lnRef idx="1">
-            <a:schemeClr val="accent1"/>
+            <a:schemeClr val="accent6"/>
           </a:lnRef>
           <a:fillRef idx="2">
-            <a:schemeClr val="accent1"/>
+            <a:schemeClr val="accent6"/>
           </a:fillRef>
           <a:effectRef idx="1">
-            <a:schemeClr val="accent1"/>
+            <a:schemeClr val="accent6"/>
           </a:effectRef>
           <a:fontRef idx="minor">
             <a:schemeClr val="dk1"/>
@@ -3766,24 +7851,16 @@
           <a:lstStyle/>
           <a:p>
             <a:pPr algn="ctr"/>
-            <a:r>
-              <a:rPr lang="en-GB" dirty="0" err="1"/>
-              <a:t>ctxservicedesk</a:t>
-            </a:r>
-            <a:endParaRPr lang="en-GB" dirty="0">
-              <a:solidFill>
-                <a:schemeClr val="tx1"/>
-              </a:solidFill>
-            </a:endParaRPr>
-          </a:p>
-        </p:txBody>
-      </p:sp>
-      <p:sp>
-        <p:nvSpPr>
-          <p:cNvPr id="113" name="Rettangolo arrotondato 6">
-            <a:extLst>
-              <a:ext uri="{FF2B5EF4-FFF2-40B4-BE49-F238E27FC236}">
-                <a16:creationId xmlns:a16="http://schemas.microsoft.com/office/drawing/2014/main" id="{7DD8C851-9E63-480C-924F-3FE415437B40}"/>
+            <a:endParaRPr lang="it-IT"/>
+          </a:p>
+        </p:txBody>
+      </p:sp>
+      <p:sp>
+        <p:nvSpPr>
+          <p:cNvPr id="48" name="Rettangolo 47">
+            <a:extLst>
+              <a:ext uri="{FF2B5EF4-FFF2-40B4-BE49-F238E27FC236}">
+                <a16:creationId xmlns:a16="http://schemas.microsoft.com/office/drawing/2014/main" id="{4851AB67-09C2-4CE9-B4E5-50C45BEBA0A2}"/>
               </a:ext>
             </a:extLst>
           </p:cNvPr>
@@ -3792,72 +7869,114 @@
         </p:nvSpPr>
         <p:spPr>
           <a:xfrm>
-            <a:off x="5254843" y="788787"/>
-            <a:ext cx="2130901" cy="1792313"/>
-          </a:xfrm>
-          <a:prstGeom prst="roundRect">
+            <a:off x="6326241" y="3887727"/>
+            <a:ext cx="718079" cy="623143"/>
+          </a:xfrm>
+          <a:prstGeom prst="rect">
+            <a:avLst/>
+          </a:prstGeom>
+        </p:spPr>
+        <p:style>
+          <a:lnRef idx="1">
+            <a:schemeClr val="accent6"/>
+          </a:lnRef>
+          <a:fillRef idx="2">
+            <a:schemeClr val="accent6"/>
+          </a:fillRef>
+          <a:effectRef idx="1">
+            <a:schemeClr val="accent6"/>
+          </a:effectRef>
+          <a:fontRef idx="minor">
+            <a:schemeClr val="dk1"/>
+          </a:fontRef>
+        </p:style>
+        <p:txBody>
+          <a:bodyPr rtlCol="0" anchor="ctr"/>
+          <a:lstStyle/>
+          <a:p>
+            <a:pPr algn="ctr"/>
+            <a:endParaRPr lang="it-IT"/>
+          </a:p>
+        </p:txBody>
+      </p:sp>
+      <p:sp>
+        <p:nvSpPr>
+          <p:cNvPr id="46" name="CasellaDiTesto 45">
+            <a:extLst>
+              <a:ext uri="{FF2B5EF4-FFF2-40B4-BE49-F238E27FC236}">
+                <a16:creationId xmlns:a16="http://schemas.microsoft.com/office/drawing/2014/main" id="{F5BD2D7D-3720-4694-8BFC-DAED64DEC532}"/>
+              </a:ext>
+            </a:extLst>
+          </p:cNvPr>
+          <p:cNvSpPr txBox="1"/>
+          <p:nvPr/>
+        </p:nvSpPr>
+        <p:spPr>
+          <a:xfrm>
+            <a:off x="5079774" y="4014667"/>
+            <a:ext cx="1818126" cy="400110"/>
+          </a:xfrm>
+          <a:prstGeom prst="rect">
+            <a:avLst/>
+          </a:prstGeom>
+          <a:noFill/>
+          <a:ln>
+            <a:noFill/>
+          </a:ln>
+        </p:spPr>
+        <p:txBody>
+          <a:bodyPr wrap="none" rtlCol="0">
+            <a:spAutoFit/>
+          </a:bodyPr>
+          <a:lstStyle/>
+          <a:p>
+            <a:r>
+              <a:rPr lang="it-IT" sz="2000" dirty="0"/>
+              <a:t>X         	         </a:t>
+            </a:r>
+            <a:r>
+              <a:rPr lang="en-GB" sz="2000" dirty="0"/>
+              <a:t>X</a:t>
+            </a:r>
+            <a:endParaRPr lang="it-IT" sz="2000" dirty="0"/>
+          </a:p>
+        </p:txBody>
+      </p:sp>
+      <p:sp>
+        <p:nvSpPr>
+          <p:cNvPr id="49" name="Freccia in su 48">
+            <a:extLst>
+              <a:ext uri="{FF2B5EF4-FFF2-40B4-BE49-F238E27FC236}">
+                <a16:creationId xmlns:a16="http://schemas.microsoft.com/office/drawing/2014/main" id="{D1FB3E3C-220E-4316-921E-284B3D647709}"/>
+              </a:ext>
+            </a:extLst>
+          </p:cNvPr>
+          <p:cNvSpPr/>
+          <p:nvPr/>
+        </p:nvSpPr>
+        <p:spPr>
+          <a:xfrm>
+            <a:off x="4380883" y="4921966"/>
+            <a:ext cx="302762" cy="400110"/>
+          </a:xfrm>
+          <a:prstGeom prst="upArrow">
             <a:avLst/>
           </a:prstGeom>
         </p:spPr>
         <p:style>
           <a:lnRef idx="2">
-            <a:schemeClr val="accent4"/>
+            <a:schemeClr val="accent1">
+              <a:shade val="50000"/>
+            </a:schemeClr>
           </a:lnRef>
           <a:fillRef idx="1">
-            <a:schemeClr val="lt1"/>
+            <a:schemeClr val="accent1"/>
           </a:fillRef>
           <a:effectRef idx="0">
-            <a:schemeClr val="accent4"/>
-          </a:effectRef>
-          <a:fontRef idx="minor">
-            <a:schemeClr val="dk1"/>
-          </a:fontRef>
-        </p:style>
-        <p:txBody>
-          <a:bodyPr rtlCol="0" anchor="ctr"/>
-          <a:lstStyle/>
-          <a:p>
-            <a:pPr algn="ctr"/>
-            <a:endParaRPr lang="it-IT"/>
-          </a:p>
-        </p:txBody>
-      </p:sp>
-      <p:sp>
-        <p:nvSpPr>
-          <p:cNvPr id="114" name="Rettangolo 113">
-            <a:extLst>
-              <a:ext uri="{FF2B5EF4-FFF2-40B4-BE49-F238E27FC236}">
-                <a16:creationId xmlns:a16="http://schemas.microsoft.com/office/drawing/2014/main" id="{F26E1B36-7BB4-43D1-AD85-1E958F839EA1}"/>
-              </a:ext>
-            </a:extLst>
-          </p:cNvPr>
-          <p:cNvSpPr/>
-          <p:nvPr/>
-        </p:nvSpPr>
-        <p:spPr>
-          <a:xfrm>
-            <a:off x="5549227" y="560187"/>
-            <a:ext cx="1633531" cy="406426"/>
-          </a:xfrm>
-          <a:prstGeom prst="rect">
-            <a:avLst/>
-          </a:prstGeom>
-          <a:solidFill>
-            <a:srgbClr val="FFFF99"/>
-          </a:solidFill>
-        </p:spPr>
-        <p:style>
-          <a:lnRef idx="1">
-            <a:schemeClr val="accent1"/>
-          </a:lnRef>
-          <a:fillRef idx="2">
-            <a:schemeClr val="accent1"/>
-          </a:fillRef>
-          <a:effectRef idx="1">
             <a:schemeClr val="accent1"/>
           </a:effectRef>
           <a:fontRef idx="minor">
-            <a:schemeClr val="dk1"/>
+            <a:schemeClr val="lt1"/>
           </a:fontRef>
         </p:style>
         <p:txBody>
@@ -3865,24 +7984,16 @@
           <a:lstStyle/>
           <a:p>
             <a:pPr algn="ctr"/>
-            <a:r>
-              <a:rPr lang="en-GB" dirty="0" err="1"/>
-              <a:t>ctxwaiter</a:t>
-            </a:r>
-            <a:endParaRPr lang="en-GB" dirty="0">
-              <a:solidFill>
-                <a:schemeClr val="tx1"/>
-              </a:solidFill>
-            </a:endParaRPr>
-          </a:p>
-        </p:txBody>
-      </p:sp>
-      <p:sp>
-        <p:nvSpPr>
-          <p:cNvPr id="107" name="Rettangolo arrotondato 6">
-            <a:extLst>
-              <a:ext uri="{FF2B5EF4-FFF2-40B4-BE49-F238E27FC236}">
-                <a16:creationId xmlns:a16="http://schemas.microsoft.com/office/drawing/2014/main" id="{ED4568B6-CC5E-41B5-BB85-3082FB7383E0}"/>
+            <a:endParaRPr lang="it-IT"/>
+          </a:p>
+        </p:txBody>
+      </p:sp>
+      <p:sp>
+        <p:nvSpPr>
+          <p:cNvPr id="50" name="Freccia in su 49">
+            <a:extLst>
+              <a:ext uri="{FF2B5EF4-FFF2-40B4-BE49-F238E27FC236}">
+                <a16:creationId xmlns:a16="http://schemas.microsoft.com/office/drawing/2014/main" id="{9EC9CBD9-686F-4EBE-9EC5-85F7ED916A83}"/>
               </a:ext>
             </a:extLst>
           </p:cNvPr>
@@ -3890,26 +8001,28 @@
           <p:nvPr/>
         </p:nvSpPr>
         <p:spPr>
-          <a:xfrm>
-            <a:off x="2085777" y="794377"/>
-            <a:ext cx="2130901" cy="1792313"/>
-          </a:xfrm>
-          <a:prstGeom prst="roundRect">
+          <a:xfrm rot="10800000">
+            <a:off x="7248156" y="4921966"/>
+            <a:ext cx="302762" cy="400110"/>
+          </a:xfrm>
+          <a:prstGeom prst="upArrow">
             <a:avLst/>
           </a:prstGeom>
         </p:spPr>
         <p:style>
           <a:lnRef idx="2">
-            <a:schemeClr val="accent4"/>
+            <a:schemeClr val="accent1">
+              <a:shade val="50000"/>
+            </a:schemeClr>
           </a:lnRef>
           <a:fillRef idx="1">
-            <a:schemeClr val="lt1"/>
+            <a:schemeClr val="accent1"/>
           </a:fillRef>
           <a:effectRef idx="0">
-            <a:schemeClr val="accent4"/>
+            <a:schemeClr val="accent1"/>
           </a:effectRef>
           <a:fontRef idx="minor">
-            <a:schemeClr val="dk1"/>
+            <a:schemeClr val="lt1"/>
           </a:fontRef>
         </p:style>
         <p:txBody>
@@ -3923,59 +8036,807 @@
       </p:sp>
       <p:sp>
         <p:nvSpPr>
-          <p:cNvPr id="108" name="Rettangolo 107">
-            <a:extLst>
-              <a:ext uri="{FF2B5EF4-FFF2-40B4-BE49-F238E27FC236}">
-                <a16:creationId xmlns:a16="http://schemas.microsoft.com/office/drawing/2014/main" id="{610A213D-CCF4-4CB1-B706-7E9DE8CE8C63}"/>
-              </a:ext>
-            </a:extLst>
-          </p:cNvPr>
-          <p:cNvSpPr/>
+          <p:cNvPr id="52" name="CasellaDiTesto 51">
+            <a:extLst>
+              <a:ext uri="{FF2B5EF4-FFF2-40B4-BE49-F238E27FC236}">
+                <a16:creationId xmlns:a16="http://schemas.microsoft.com/office/drawing/2014/main" id="{31B394DE-14F7-4128-BBB9-BBDAEE67CF45}"/>
+              </a:ext>
+            </a:extLst>
+          </p:cNvPr>
+          <p:cNvSpPr txBox="1"/>
           <p:nvPr/>
         </p:nvSpPr>
         <p:spPr>
           <a:xfrm>
-            <a:off x="2380161" y="565777"/>
-            <a:ext cx="1633531" cy="406426"/>
+            <a:off x="3685120" y="2767618"/>
+            <a:ext cx="314510" cy="1015663"/>
           </a:xfrm>
           <a:prstGeom prst="rect">
             <a:avLst/>
           </a:prstGeom>
-          <a:solidFill>
-            <a:srgbClr val="FFFF99"/>
-          </a:solidFill>
+          <a:noFill/>
         </p:spPr>
-        <p:style>
-          <a:lnRef idx="1">
-            <a:schemeClr val="accent1"/>
-          </a:lnRef>
-          <a:fillRef idx="2">
-            <a:schemeClr val="accent1"/>
-          </a:fillRef>
-          <a:effectRef idx="1">
-            <a:schemeClr val="accent1"/>
-          </a:effectRef>
-          <a:fontRef idx="minor">
-            <a:schemeClr val="dk1"/>
-          </a:fontRef>
-        </p:style>
-        <p:txBody>
-          <a:bodyPr rtlCol="0" anchor="ctr"/>
+        <p:txBody>
+          <a:bodyPr wrap="none" rtlCol="0">
+            <a:spAutoFit/>
+          </a:bodyPr>
           <a:lstStyle/>
           <a:p>
-            <a:pPr algn="ctr"/>
-            <a:r>
-              <a:rPr lang="en-GB" dirty="0" err="1"/>
-              <a:t>ctxsmartbell</a:t>
-            </a:r>
-            <a:endParaRPr lang="en-GB" dirty="0">
-              <a:solidFill>
-                <a:schemeClr val="tx1"/>
-              </a:solidFill>
-            </a:endParaRPr>
-          </a:p>
-        </p:txBody>
-      </p:sp>
+            <a:r>
+              <a:rPr lang="it-IT" sz="2000" dirty="0"/>
+              <a:t>1</a:t>
+            </a:r>
+          </a:p>
+          <a:p>
+            <a:endParaRPr lang="it-IT" sz="2000" dirty="0"/>
+          </a:p>
+          <a:p>
+            <a:r>
+              <a:rPr lang="it-IT" sz="2000" dirty="0"/>
+              <a:t>1</a:t>
+            </a:r>
+          </a:p>
+        </p:txBody>
+      </p:sp>
+      <p:sp>
+        <p:nvSpPr>
+          <p:cNvPr id="53" name="CasellaDiTesto 52">
+            <a:extLst>
+              <a:ext uri="{FF2B5EF4-FFF2-40B4-BE49-F238E27FC236}">
+                <a16:creationId xmlns:a16="http://schemas.microsoft.com/office/drawing/2014/main" id="{F934E644-6966-43AE-9923-5B3F3EA0EC2E}"/>
+              </a:ext>
+            </a:extLst>
+          </p:cNvPr>
+          <p:cNvSpPr txBox="1"/>
+          <p:nvPr/>
+        </p:nvSpPr>
+        <p:spPr>
+          <a:xfrm>
+            <a:off x="3689741" y="4009699"/>
+            <a:ext cx="314510" cy="1015663"/>
+          </a:xfrm>
+          <a:prstGeom prst="rect">
+            <a:avLst/>
+          </a:prstGeom>
+          <a:noFill/>
+        </p:spPr>
+        <p:txBody>
+          <a:bodyPr wrap="none" rtlCol="0">
+            <a:spAutoFit/>
+          </a:bodyPr>
+          <a:lstStyle/>
+          <a:p>
+            <a:r>
+              <a:rPr lang="it-IT" sz="2000" dirty="0"/>
+              <a:t>1</a:t>
+            </a:r>
+          </a:p>
+          <a:p>
+            <a:endParaRPr lang="it-IT" sz="2000" dirty="0"/>
+          </a:p>
+          <a:p>
+            <a:r>
+              <a:rPr lang="it-IT" sz="2000" dirty="0"/>
+              <a:t>1</a:t>
+            </a:r>
+          </a:p>
+        </p:txBody>
+      </p:sp>
+      <p:sp>
+        <p:nvSpPr>
+          <p:cNvPr id="55" name="CasellaDiTesto 54">
+            <a:extLst>
+              <a:ext uri="{FF2B5EF4-FFF2-40B4-BE49-F238E27FC236}">
+                <a16:creationId xmlns:a16="http://schemas.microsoft.com/office/drawing/2014/main" id="{EBE3AE03-E443-4D2D-8DB0-A2CF56F6BF1D}"/>
+              </a:ext>
+            </a:extLst>
+          </p:cNvPr>
+          <p:cNvSpPr txBox="1"/>
+          <p:nvPr/>
+        </p:nvSpPr>
+        <p:spPr>
+          <a:xfrm>
+            <a:off x="4361619" y="2779823"/>
+            <a:ext cx="314510" cy="1015663"/>
+          </a:xfrm>
+          <a:prstGeom prst="rect">
+            <a:avLst/>
+          </a:prstGeom>
+          <a:noFill/>
+        </p:spPr>
+        <p:txBody>
+          <a:bodyPr wrap="none" rtlCol="0">
+            <a:spAutoFit/>
+          </a:bodyPr>
+          <a:lstStyle/>
+          <a:p>
+            <a:r>
+              <a:rPr lang="it-IT" sz="2000" dirty="0"/>
+              <a:t>1</a:t>
+            </a:r>
+          </a:p>
+          <a:p>
+            <a:endParaRPr lang="it-IT" sz="2000" dirty="0"/>
+          </a:p>
+          <a:p>
+            <a:r>
+              <a:rPr lang="it-IT" sz="2000" dirty="0"/>
+              <a:t>1</a:t>
+            </a:r>
+          </a:p>
+        </p:txBody>
+      </p:sp>
+      <p:sp>
+        <p:nvSpPr>
+          <p:cNvPr id="56" name="CasellaDiTesto 55">
+            <a:extLst>
+              <a:ext uri="{FF2B5EF4-FFF2-40B4-BE49-F238E27FC236}">
+                <a16:creationId xmlns:a16="http://schemas.microsoft.com/office/drawing/2014/main" id="{FC1E7955-9F16-46DB-BD51-455638F748AA}"/>
+              </a:ext>
+            </a:extLst>
+          </p:cNvPr>
+          <p:cNvSpPr txBox="1"/>
+          <p:nvPr/>
+        </p:nvSpPr>
+        <p:spPr>
+          <a:xfrm>
+            <a:off x="4366240" y="4021904"/>
+            <a:ext cx="314510" cy="1015663"/>
+          </a:xfrm>
+          <a:prstGeom prst="rect">
+            <a:avLst/>
+          </a:prstGeom>
+          <a:noFill/>
+        </p:spPr>
+        <p:txBody>
+          <a:bodyPr wrap="none" rtlCol="0">
+            <a:spAutoFit/>
+          </a:bodyPr>
+          <a:lstStyle/>
+          <a:p>
+            <a:r>
+              <a:rPr lang="it-IT" sz="2000" dirty="0"/>
+              <a:t>1</a:t>
+            </a:r>
+          </a:p>
+          <a:p>
+            <a:endParaRPr lang="it-IT" sz="2000" dirty="0"/>
+          </a:p>
+          <a:p>
+            <a:r>
+              <a:rPr lang="it-IT" sz="2000" dirty="0"/>
+              <a:t>1</a:t>
+            </a:r>
+          </a:p>
+        </p:txBody>
+      </p:sp>
+      <p:sp>
+        <p:nvSpPr>
+          <p:cNvPr id="57" name="CasellaDiTesto 56">
+            <a:extLst>
+              <a:ext uri="{FF2B5EF4-FFF2-40B4-BE49-F238E27FC236}">
+                <a16:creationId xmlns:a16="http://schemas.microsoft.com/office/drawing/2014/main" id="{E7AE103F-E44E-4EDF-BE26-84F4A559137B}"/>
+              </a:ext>
+            </a:extLst>
+          </p:cNvPr>
+          <p:cNvSpPr txBox="1"/>
+          <p:nvPr/>
+        </p:nvSpPr>
+        <p:spPr>
+          <a:xfrm>
+            <a:off x="5813217" y="2799700"/>
+            <a:ext cx="314510" cy="1015663"/>
+          </a:xfrm>
+          <a:prstGeom prst="rect">
+            <a:avLst/>
+          </a:prstGeom>
+          <a:noFill/>
+        </p:spPr>
+        <p:txBody>
+          <a:bodyPr wrap="none" rtlCol="0">
+            <a:spAutoFit/>
+          </a:bodyPr>
+          <a:lstStyle/>
+          <a:p>
+            <a:r>
+              <a:rPr lang="it-IT" sz="2000" dirty="0"/>
+              <a:t>1</a:t>
+            </a:r>
+          </a:p>
+          <a:p>
+            <a:endParaRPr lang="it-IT" sz="2000" dirty="0"/>
+          </a:p>
+          <a:p>
+            <a:r>
+              <a:rPr lang="it-IT" sz="2000" dirty="0"/>
+              <a:t>1</a:t>
+            </a:r>
+          </a:p>
+        </p:txBody>
+      </p:sp>
+      <p:sp>
+        <p:nvSpPr>
+          <p:cNvPr id="58" name="CasellaDiTesto 57">
+            <a:extLst>
+              <a:ext uri="{FF2B5EF4-FFF2-40B4-BE49-F238E27FC236}">
+                <a16:creationId xmlns:a16="http://schemas.microsoft.com/office/drawing/2014/main" id="{04E961FA-AA8E-499D-AD45-4FB0B308CDD6}"/>
+              </a:ext>
+            </a:extLst>
+          </p:cNvPr>
+          <p:cNvSpPr txBox="1"/>
+          <p:nvPr/>
+        </p:nvSpPr>
+        <p:spPr>
+          <a:xfrm>
+            <a:off x="5817838" y="4066165"/>
+            <a:ext cx="314510" cy="1015663"/>
+          </a:xfrm>
+          <a:prstGeom prst="rect">
+            <a:avLst/>
+          </a:prstGeom>
+          <a:noFill/>
+        </p:spPr>
+        <p:txBody>
+          <a:bodyPr wrap="none" rtlCol="0">
+            <a:spAutoFit/>
+          </a:bodyPr>
+          <a:lstStyle/>
+          <a:p>
+            <a:r>
+              <a:rPr lang="it-IT" sz="2000" dirty="0"/>
+              <a:t>1</a:t>
+            </a:r>
+          </a:p>
+          <a:p>
+            <a:endParaRPr lang="it-IT" sz="2000" dirty="0"/>
+          </a:p>
+          <a:p>
+            <a:r>
+              <a:rPr lang="it-IT" sz="2000" dirty="0"/>
+              <a:t>1</a:t>
+            </a:r>
+          </a:p>
+        </p:txBody>
+      </p:sp>
+      <p:sp>
+        <p:nvSpPr>
+          <p:cNvPr id="59" name="CasellaDiTesto 58">
+            <a:extLst>
+              <a:ext uri="{FF2B5EF4-FFF2-40B4-BE49-F238E27FC236}">
+                <a16:creationId xmlns:a16="http://schemas.microsoft.com/office/drawing/2014/main" id="{71695D0F-9161-459B-8E8B-784CD276ECC5}"/>
+              </a:ext>
+            </a:extLst>
+          </p:cNvPr>
+          <p:cNvSpPr txBox="1"/>
+          <p:nvPr/>
+        </p:nvSpPr>
+        <p:spPr>
+          <a:xfrm>
+            <a:off x="7233592" y="2810866"/>
+            <a:ext cx="314510" cy="1015663"/>
+          </a:xfrm>
+          <a:prstGeom prst="rect">
+            <a:avLst/>
+          </a:prstGeom>
+          <a:noFill/>
+        </p:spPr>
+        <p:txBody>
+          <a:bodyPr wrap="none" rtlCol="0">
+            <a:spAutoFit/>
+          </a:bodyPr>
+          <a:lstStyle/>
+          <a:p>
+            <a:r>
+              <a:rPr lang="it-IT" sz="2000" dirty="0"/>
+              <a:t>1</a:t>
+            </a:r>
+          </a:p>
+          <a:p>
+            <a:endParaRPr lang="it-IT" sz="2000" dirty="0"/>
+          </a:p>
+          <a:p>
+            <a:r>
+              <a:rPr lang="it-IT" sz="2000" dirty="0"/>
+              <a:t>1</a:t>
+            </a:r>
+          </a:p>
+        </p:txBody>
+      </p:sp>
+      <p:sp>
+        <p:nvSpPr>
+          <p:cNvPr id="60" name="CasellaDiTesto 59">
+            <a:extLst>
+              <a:ext uri="{FF2B5EF4-FFF2-40B4-BE49-F238E27FC236}">
+                <a16:creationId xmlns:a16="http://schemas.microsoft.com/office/drawing/2014/main" id="{BC242ED6-E6C4-40F9-B000-9754CB1B6D11}"/>
+              </a:ext>
+            </a:extLst>
+          </p:cNvPr>
+          <p:cNvSpPr txBox="1"/>
+          <p:nvPr/>
+        </p:nvSpPr>
+        <p:spPr>
+          <a:xfrm>
+            <a:off x="7238213" y="4052947"/>
+            <a:ext cx="314510" cy="1015663"/>
+          </a:xfrm>
+          <a:prstGeom prst="rect">
+            <a:avLst/>
+          </a:prstGeom>
+          <a:noFill/>
+        </p:spPr>
+        <p:txBody>
+          <a:bodyPr wrap="none" rtlCol="0">
+            <a:spAutoFit/>
+          </a:bodyPr>
+          <a:lstStyle/>
+          <a:p>
+            <a:r>
+              <a:rPr lang="it-IT" sz="2000" dirty="0"/>
+              <a:t>1</a:t>
+            </a:r>
+          </a:p>
+          <a:p>
+            <a:endParaRPr lang="it-IT" sz="2000" dirty="0"/>
+          </a:p>
+          <a:p>
+            <a:r>
+              <a:rPr lang="it-IT" sz="2000" dirty="0"/>
+              <a:t>1</a:t>
+            </a:r>
+          </a:p>
+        </p:txBody>
+      </p:sp>
+      <p:sp>
+        <p:nvSpPr>
+          <p:cNvPr id="61" name="CasellaDiTesto 60">
+            <a:extLst>
+              <a:ext uri="{FF2B5EF4-FFF2-40B4-BE49-F238E27FC236}">
+                <a16:creationId xmlns:a16="http://schemas.microsoft.com/office/drawing/2014/main" id="{63549A85-0FD0-4888-AEEE-C7C4217382F3}"/>
+              </a:ext>
+            </a:extLst>
+          </p:cNvPr>
+          <p:cNvSpPr txBox="1"/>
+          <p:nvPr/>
+        </p:nvSpPr>
+        <p:spPr>
+          <a:xfrm>
+            <a:off x="5079792" y="2157968"/>
+            <a:ext cx="314510" cy="1015663"/>
+          </a:xfrm>
+          <a:prstGeom prst="rect">
+            <a:avLst/>
+          </a:prstGeom>
+          <a:noFill/>
+        </p:spPr>
+        <p:txBody>
+          <a:bodyPr wrap="none" rtlCol="0">
+            <a:spAutoFit/>
+          </a:bodyPr>
+          <a:lstStyle/>
+          <a:p>
+            <a:r>
+              <a:rPr lang="it-IT" sz="2000" dirty="0"/>
+              <a:t>1</a:t>
+            </a:r>
+          </a:p>
+          <a:p>
+            <a:endParaRPr lang="it-IT" sz="2000" dirty="0"/>
+          </a:p>
+          <a:p>
+            <a:r>
+              <a:rPr lang="it-IT" sz="2000" dirty="0"/>
+              <a:t>1</a:t>
+            </a:r>
+          </a:p>
+        </p:txBody>
+      </p:sp>
+      <p:sp>
+        <p:nvSpPr>
+          <p:cNvPr id="62" name="CasellaDiTesto 61">
+            <a:extLst>
+              <a:ext uri="{FF2B5EF4-FFF2-40B4-BE49-F238E27FC236}">
+                <a16:creationId xmlns:a16="http://schemas.microsoft.com/office/drawing/2014/main" id="{5FDC68A9-BCC8-4AA3-8077-D008C801A60A}"/>
+              </a:ext>
+            </a:extLst>
+          </p:cNvPr>
+          <p:cNvSpPr txBox="1"/>
+          <p:nvPr/>
+        </p:nvSpPr>
+        <p:spPr>
+          <a:xfrm>
+            <a:off x="5092014" y="4066165"/>
+            <a:ext cx="314510" cy="1015663"/>
+          </a:xfrm>
+          <a:prstGeom prst="rect">
+            <a:avLst/>
+          </a:prstGeom>
+          <a:noFill/>
+        </p:spPr>
+        <p:txBody>
+          <a:bodyPr wrap="none" rtlCol="0">
+            <a:spAutoFit/>
+          </a:bodyPr>
+          <a:lstStyle/>
+          <a:p>
+            <a:endParaRPr lang="it-IT" sz="2000" dirty="0"/>
+          </a:p>
+          <a:p>
+            <a:endParaRPr lang="it-IT" sz="2000" dirty="0"/>
+          </a:p>
+          <a:p>
+            <a:r>
+              <a:rPr lang="it-IT" sz="2000" dirty="0"/>
+              <a:t>1</a:t>
+            </a:r>
+          </a:p>
+        </p:txBody>
+      </p:sp>
+      <p:sp>
+        <p:nvSpPr>
+          <p:cNvPr id="63" name="CasellaDiTesto 62">
+            <a:extLst>
+              <a:ext uri="{FF2B5EF4-FFF2-40B4-BE49-F238E27FC236}">
+                <a16:creationId xmlns:a16="http://schemas.microsoft.com/office/drawing/2014/main" id="{E7433660-930C-43C9-89AD-4F8C2D5A996C}"/>
+              </a:ext>
+            </a:extLst>
+          </p:cNvPr>
+          <p:cNvSpPr txBox="1"/>
+          <p:nvPr/>
+        </p:nvSpPr>
+        <p:spPr>
+          <a:xfrm>
+            <a:off x="5079792" y="2769310"/>
+            <a:ext cx="314510" cy="1015663"/>
+          </a:xfrm>
+          <a:prstGeom prst="rect">
+            <a:avLst/>
+          </a:prstGeom>
+          <a:noFill/>
+        </p:spPr>
+        <p:txBody>
+          <a:bodyPr wrap="none" rtlCol="0">
+            <a:spAutoFit/>
+          </a:bodyPr>
+          <a:lstStyle/>
+          <a:p>
+            <a:endParaRPr lang="it-IT" sz="2000" dirty="0"/>
+          </a:p>
+          <a:p>
+            <a:endParaRPr lang="it-IT" sz="2000" dirty="0"/>
+          </a:p>
+          <a:p>
+            <a:r>
+              <a:rPr lang="it-IT" sz="2000" dirty="0"/>
+              <a:t>1</a:t>
+            </a:r>
+          </a:p>
+        </p:txBody>
+      </p:sp>
+      <p:sp>
+        <p:nvSpPr>
+          <p:cNvPr id="64" name="CasellaDiTesto 63">
+            <a:extLst>
+              <a:ext uri="{FF2B5EF4-FFF2-40B4-BE49-F238E27FC236}">
+                <a16:creationId xmlns:a16="http://schemas.microsoft.com/office/drawing/2014/main" id="{3CDDD1CC-6C07-4AF7-B8DE-6E8E681EB937}"/>
+              </a:ext>
+            </a:extLst>
+          </p:cNvPr>
+          <p:cNvSpPr txBox="1"/>
+          <p:nvPr/>
+        </p:nvSpPr>
+        <p:spPr>
+          <a:xfrm>
+            <a:off x="4361619" y="2164180"/>
+            <a:ext cx="309918" cy="1015663"/>
+          </a:xfrm>
+          <a:prstGeom prst="rect">
+            <a:avLst/>
+          </a:prstGeom>
+          <a:noFill/>
+        </p:spPr>
+        <p:txBody>
+          <a:bodyPr wrap="square" rtlCol="0">
+            <a:spAutoFit/>
+          </a:bodyPr>
+          <a:lstStyle/>
+          <a:p>
+            <a:r>
+              <a:rPr lang="it-IT" sz="2000" dirty="0"/>
+              <a:t>1</a:t>
+            </a:r>
+          </a:p>
+          <a:p>
+            <a:endParaRPr lang="it-IT" sz="2000" dirty="0"/>
+          </a:p>
+          <a:p>
+            <a:endParaRPr lang="it-IT" sz="2000" dirty="0"/>
+          </a:p>
+        </p:txBody>
+      </p:sp>
+      <p:sp>
+        <p:nvSpPr>
+          <p:cNvPr id="65" name="CasellaDiTesto 64">
+            <a:extLst>
+              <a:ext uri="{FF2B5EF4-FFF2-40B4-BE49-F238E27FC236}">
+                <a16:creationId xmlns:a16="http://schemas.microsoft.com/office/drawing/2014/main" id="{ABECCB99-B6EF-4717-B8D6-4139F49E597A}"/>
+              </a:ext>
+            </a:extLst>
+          </p:cNvPr>
+          <p:cNvSpPr txBox="1"/>
+          <p:nvPr/>
+        </p:nvSpPr>
+        <p:spPr>
+          <a:xfrm>
+            <a:off x="6513512" y="2788862"/>
+            <a:ext cx="314510" cy="1015663"/>
+          </a:xfrm>
+          <a:prstGeom prst="rect">
+            <a:avLst/>
+          </a:prstGeom>
+          <a:noFill/>
+        </p:spPr>
+        <p:txBody>
+          <a:bodyPr wrap="none" rtlCol="0">
+            <a:spAutoFit/>
+          </a:bodyPr>
+          <a:lstStyle/>
+          <a:p>
+            <a:r>
+              <a:rPr lang="it-IT" sz="2000" dirty="0"/>
+              <a:t>1</a:t>
+            </a:r>
+          </a:p>
+          <a:p>
+            <a:endParaRPr lang="it-IT" sz="2000" dirty="0"/>
+          </a:p>
+          <a:p>
+            <a:r>
+              <a:rPr lang="it-IT" sz="2000" dirty="0"/>
+              <a:t>1</a:t>
+            </a:r>
+          </a:p>
+        </p:txBody>
+      </p:sp>
+      <p:sp>
+        <p:nvSpPr>
+          <p:cNvPr id="66" name="CasellaDiTesto 65">
+            <a:extLst>
+              <a:ext uri="{FF2B5EF4-FFF2-40B4-BE49-F238E27FC236}">
+                <a16:creationId xmlns:a16="http://schemas.microsoft.com/office/drawing/2014/main" id="{CE63F9E6-6F17-4B91-A1FB-943E92BDF96C}"/>
+              </a:ext>
+            </a:extLst>
+          </p:cNvPr>
+          <p:cNvSpPr txBox="1"/>
+          <p:nvPr/>
+        </p:nvSpPr>
+        <p:spPr>
+          <a:xfrm>
+            <a:off x="5799118" y="2169944"/>
+            <a:ext cx="314510" cy="1015663"/>
+          </a:xfrm>
+          <a:prstGeom prst="rect">
+            <a:avLst/>
+          </a:prstGeom>
+          <a:noFill/>
+        </p:spPr>
+        <p:txBody>
+          <a:bodyPr wrap="none" rtlCol="0">
+            <a:spAutoFit/>
+          </a:bodyPr>
+          <a:lstStyle/>
+          <a:p>
+            <a:r>
+              <a:rPr lang="it-IT" sz="2000" dirty="0"/>
+              <a:t>1</a:t>
+            </a:r>
+          </a:p>
+          <a:p>
+            <a:endParaRPr lang="it-IT" sz="2000" dirty="0"/>
+          </a:p>
+          <a:p>
+            <a:endParaRPr lang="it-IT" sz="2000" dirty="0"/>
+          </a:p>
+        </p:txBody>
+      </p:sp>
+      <p:sp>
+        <p:nvSpPr>
+          <p:cNvPr id="67" name="CasellaDiTesto 66">
+            <a:extLst>
+              <a:ext uri="{FF2B5EF4-FFF2-40B4-BE49-F238E27FC236}">
+                <a16:creationId xmlns:a16="http://schemas.microsoft.com/office/drawing/2014/main" id="{9F3177A2-F23E-4F61-A65C-A021F71D7495}"/>
+              </a:ext>
+            </a:extLst>
+          </p:cNvPr>
+          <p:cNvSpPr txBox="1"/>
+          <p:nvPr/>
+        </p:nvSpPr>
+        <p:spPr>
+          <a:xfrm>
+            <a:off x="6536765" y="4696066"/>
+            <a:ext cx="314510" cy="1015663"/>
+          </a:xfrm>
+          <a:prstGeom prst="rect">
+            <a:avLst/>
+          </a:prstGeom>
+          <a:noFill/>
+        </p:spPr>
+        <p:txBody>
+          <a:bodyPr wrap="none" rtlCol="0">
+            <a:spAutoFit/>
+          </a:bodyPr>
+          <a:lstStyle/>
+          <a:p>
+            <a:r>
+              <a:rPr lang="it-IT" sz="2000" dirty="0"/>
+              <a:t>1</a:t>
+            </a:r>
+          </a:p>
+          <a:p>
+            <a:endParaRPr lang="it-IT" sz="2000" dirty="0"/>
+          </a:p>
+          <a:p>
+            <a:endParaRPr lang="it-IT" sz="2000" dirty="0"/>
+          </a:p>
+        </p:txBody>
+      </p:sp>
+      <p:sp>
+        <p:nvSpPr>
+          <p:cNvPr id="71" name="CasellaDiTesto 70">
+            <a:extLst>
+              <a:ext uri="{FF2B5EF4-FFF2-40B4-BE49-F238E27FC236}">
+                <a16:creationId xmlns:a16="http://schemas.microsoft.com/office/drawing/2014/main" id="{99EDDFA7-B90C-4ACB-A388-1C15BA98EA0D}"/>
+              </a:ext>
+            </a:extLst>
+          </p:cNvPr>
+          <p:cNvSpPr txBox="1"/>
+          <p:nvPr/>
+        </p:nvSpPr>
+        <p:spPr>
+          <a:xfrm>
+            <a:off x="6525100" y="2183025"/>
+            <a:ext cx="314510" cy="1015663"/>
+          </a:xfrm>
+          <a:prstGeom prst="rect">
+            <a:avLst/>
+          </a:prstGeom>
+          <a:noFill/>
+        </p:spPr>
+        <p:txBody>
+          <a:bodyPr wrap="none" rtlCol="0">
+            <a:spAutoFit/>
+          </a:bodyPr>
+          <a:lstStyle/>
+          <a:p>
+            <a:r>
+              <a:rPr lang="it-IT" sz="2000" dirty="0"/>
+              <a:t>1</a:t>
+            </a:r>
+          </a:p>
+          <a:p>
+            <a:endParaRPr lang="it-IT" sz="2000" dirty="0"/>
+          </a:p>
+          <a:p>
+            <a:endParaRPr lang="it-IT" sz="2000" dirty="0"/>
+          </a:p>
+        </p:txBody>
+      </p:sp>
+      <p:sp>
+        <p:nvSpPr>
+          <p:cNvPr id="72" name="CasellaDiTesto 71">
+            <a:extLst>
+              <a:ext uri="{FF2B5EF4-FFF2-40B4-BE49-F238E27FC236}">
+                <a16:creationId xmlns:a16="http://schemas.microsoft.com/office/drawing/2014/main" id="{F099B5C3-17D3-4204-92CC-2C7529FE64E6}"/>
+              </a:ext>
+            </a:extLst>
+          </p:cNvPr>
+          <p:cNvSpPr txBox="1"/>
+          <p:nvPr/>
+        </p:nvSpPr>
+        <p:spPr>
+          <a:xfrm>
+            <a:off x="7244426" y="2195001"/>
+            <a:ext cx="314510" cy="1015663"/>
+          </a:xfrm>
+          <a:prstGeom prst="rect">
+            <a:avLst/>
+          </a:prstGeom>
+          <a:noFill/>
+        </p:spPr>
+        <p:txBody>
+          <a:bodyPr wrap="none" rtlCol="0">
+            <a:spAutoFit/>
+          </a:bodyPr>
+          <a:lstStyle/>
+          <a:p>
+            <a:r>
+              <a:rPr lang="it-IT" sz="2000" dirty="0"/>
+              <a:t>1</a:t>
+            </a:r>
+          </a:p>
+          <a:p>
+            <a:endParaRPr lang="it-IT" sz="2000" dirty="0"/>
+          </a:p>
+          <a:p>
+            <a:endParaRPr lang="it-IT" sz="2000" dirty="0"/>
+          </a:p>
+        </p:txBody>
+      </p:sp>
+      <p:sp>
+        <p:nvSpPr>
+          <p:cNvPr id="75" name="CasellaDiTesto 74">
+            <a:extLst>
+              <a:ext uri="{FF2B5EF4-FFF2-40B4-BE49-F238E27FC236}">
+                <a16:creationId xmlns:a16="http://schemas.microsoft.com/office/drawing/2014/main" id="{5208617A-FCB8-43F5-ABB3-363B497B76C8}"/>
+              </a:ext>
+            </a:extLst>
+          </p:cNvPr>
+          <p:cNvSpPr txBox="1"/>
+          <p:nvPr/>
+        </p:nvSpPr>
+        <p:spPr>
+          <a:xfrm>
+            <a:off x="213064" y="133165"/>
+            <a:ext cx="3251496" cy="646331"/>
+          </a:xfrm>
+          <a:prstGeom prst="rect">
+            <a:avLst/>
+          </a:prstGeom>
+          <a:noFill/>
+        </p:spPr>
+        <p:txBody>
+          <a:bodyPr wrap="square" rtlCol="0">
+            <a:spAutoFit/>
+          </a:bodyPr>
+          <a:lstStyle/>
+          <a:p>
+            <a:r>
+              <a:rPr lang="it-IT" dirty="0"/>
+              <a:t>SPRINT1</a:t>
+            </a:r>
+          </a:p>
+          <a:p>
+            <a:r>
+              <a:rPr lang="it-IT" dirty="0"/>
+              <a:t>Mappa della </a:t>
+            </a:r>
+            <a:r>
+              <a:rPr lang="it-IT" dirty="0" err="1"/>
+              <a:t>TeaRoom</a:t>
+            </a:r>
+            <a:endParaRPr lang="it-IT" dirty="0"/>
+          </a:p>
+        </p:txBody>
+      </p:sp>
+    </p:spTree>
+    <p:extLst>
+      <p:ext uri="{BB962C8B-B14F-4D97-AF65-F5344CB8AC3E}">
+        <p14:creationId xmlns:p14="http://schemas.microsoft.com/office/powerpoint/2010/main" val="2214033250"/>
+      </p:ext>
+    </p:extLst>
+  </p:cSld>
+  <p:clrMapOvr>
+    <a:masterClrMapping/>
+  </p:clrMapOvr>
+</p:sld>
+</file>
+
+<file path=ppt/slides/slide3.xml><?xml version="1.0" encoding="utf-8"?>
+<p:sld xmlns:a="http://schemas.openxmlformats.org/drawingml/2006/main" xmlns:r="http://schemas.openxmlformats.org/officeDocument/2006/relationships" xmlns:p="http://schemas.openxmlformats.org/presentationml/2006/main">
+  <p:cSld>
+    <p:spTree>
+      <p:nvGrpSpPr>
+        <p:cNvPr id="1" name=""/>
+        <p:cNvGrpSpPr/>
+        <p:nvPr/>
+      </p:nvGrpSpPr>
+      <p:grpSpPr>
+        <a:xfrm>
+          <a:off x="0" y="0"/>
+          <a:ext cx="0" cy="0"/>
+          <a:chOff x="0" y="0"/>
+          <a:chExt cx="0" cy="0"/>
+        </a:xfrm>
+      </p:grpSpPr>
       <p:sp>
         <p:nvSpPr>
           <p:cNvPr id="19" name="Rectangle: Rounded Corners 18">
@@ -4812,7 +9673,7 @@
         </p:nvGrpSpPr>
         <p:grpSpPr>
           <a:xfrm>
-            <a:off x="2359816" y="1058344"/>
+            <a:off x="4916585" y="1830095"/>
             <a:ext cx="1696867" cy="1164750"/>
             <a:chOff x="2680234" y="3945052"/>
             <a:chExt cx="1696867" cy="1164750"/>
@@ -4983,8 +9844,8 @@
           </p:nvSpPr>
           <p:spPr>
             <a:xfrm>
-              <a:off x="3059787" y="4329682"/>
-              <a:ext cx="1069524" cy="369332"/>
+              <a:off x="3095299" y="4329682"/>
+              <a:ext cx="909223" cy="369332"/>
             </a:xfrm>
             <a:prstGeom prst="rect">
               <a:avLst/>
@@ -4997,10 +9858,9 @@
             <a:lstStyle/>
             <a:p>
               <a:r>
-                <a:rPr lang="en-GB" dirty="0" err="1"/>
-                <a:t>smartbell</a:t>
+                <a:rPr lang="en-GB" dirty="0"/>
+                <a:t>planner</a:t>
               </a:r>
-              <a:endParaRPr lang="en-GB" dirty="0"/>
             </a:p>
           </p:txBody>
         </p:sp>
@@ -5019,7 +9879,7 @@
         </p:nvGrpSpPr>
         <p:grpSpPr>
           <a:xfrm>
-            <a:off x="5467758" y="1083159"/>
+            <a:off x="8654840" y="1854910"/>
             <a:ext cx="1696867" cy="1164750"/>
             <a:chOff x="2928808" y="2307658"/>
             <a:chExt cx="1696867" cy="1164750"/>
@@ -5190,8 +10050,8 @@
           </p:nvSpPr>
           <p:spPr>
             <a:xfrm>
-              <a:off x="3403212" y="2692288"/>
-              <a:ext cx="780727" cy="369332"/>
+              <a:off x="3199025" y="2692288"/>
+              <a:ext cx="1220270" cy="369332"/>
             </a:xfrm>
             <a:prstGeom prst="rect">
               <a:avLst/>
@@ -5204,632 +10064,10 @@
             <a:lstStyle/>
             <a:p>
               <a:r>
-                <a:rPr lang="en-GB" dirty="0"/>
-                <a:t>waiter</a:t>
+                <a:rPr lang="en-GB" dirty="0" err="1"/>
+                <a:t>basicRobot</a:t>
               </a:r>
-            </a:p>
-          </p:txBody>
-        </p:sp>
-      </p:grpSp>
-      <p:grpSp>
-        <p:nvGrpSpPr>
-          <p:cNvPr id="59" name="Gruppo 58">
-            <a:extLst>
-              <a:ext uri="{FF2B5EF4-FFF2-40B4-BE49-F238E27FC236}">
-                <a16:creationId xmlns:a16="http://schemas.microsoft.com/office/drawing/2014/main" id="{C31F4BAD-E0EA-40C3-BEE5-07B95A5502C8}"/>
-              </a:ext>
-            </a:extLst>
-          </p:cNvPr>
-          <p:cNvGrpSpPr/>
-          <p:nvPr/>
-        </p:nvGrpSpPr>
-        <p:grpSpPr>
-          <a:xfrm>
-            <a:off x="8637332" y="1083159"/>
-            <a:ext cx="1696867" cy="1164750"/>
-            <a:chOff x="6349393" y="1966105"/>
-            <a:chExt cx="1696867" cy="1164750"/>
-          </a:xfrm>
-        </p:grpSpPr>
-        <p:sp>
-          <p:nvSpPr>
-            <p:cNvPr id="46" name="Triangolo isoscele 45">
-              <a:extLst>
-                <a:ext uri="{FF2B5EF4-FFF2-40B4-BE49-F238E27FC236}">
-                  <a16:creationId xmlns:a16="http://schemas.microsoft.com/office/drawing/2014/main" id="{A7519B0E-C856-4DBD-B9C3-B228037C3B30}"/>
-                </a:ext>
-              </a:extLst>
-            </p:cNvPr>
-            <p:cNvSpPr/>
-            <p:nvPr/>
-          </p:nvSpPr>
-          <p:spPr>
-            <a:xfrm rot="5400000">
-              <a:off x="7109709" y="2134974"/>
-              <a:ext cx="998084" cy="875019"/>
-            </a:xfrm>
-            <a:prstGeom prst="triangle">
-              <a:avLst/>
-            </a:prstGeom>
-            <a:solidFill>
-              <a:srgbClr val="CCFF66"/>
-            </a:solidFill>
-            <a:ln/>
-          </p:spPr>
-          <p:style>
-            <a:lnRef idx="1">
-              <a:schemeClr val="accent5"/>
-            </a:lnRef>
-            <a:fillRef idx="2">
-              <a:schemeClr val="accent5"/>
-            </a:fillRef>
-            <a:effectRef idx="1">
-              <a:schemeClr val="accent5"/>
-            </a:effectRef>
-            <a:fontRef idx="minor">
-              <a:schemeClr val="dk1"/>
-            </a:fontRef>
-          </p:style>
-          <p:txBody>
-            <a:bodyPr rtlCol="0" anchor="ctr"/>
-            <a:lstStyle/>
-            <a:p>
-              <a:pPr algn="ctr"/>
-              <a:endParaRPr lang="en-GB" sz="1200">
-                <a:solidFill>
-                  <a:schemeClr val="dk1"/>
-                </a:solidFill>
-              </a:endParaRPr>
-            </a:p>
-          </p:txBody>
-        </p:sp>
-        <p:sp>
-          <p:nvSpPr>
-            <p:cNvPr id="47" name="Ovale 38">
-              <a:extLst>
-                <a:ext uri="{FF2B5EF4-FFF2-40B4-BE49-F238E27FC236}">
-                  <a16:creationId xmlns:a16="http://schemas.microsoft.com/office/drawing/2014/main" id="{292D4D7B-1795-435A-A750-EF2934242A01}"/>
-                </a:ext>
-              </a:extLst>
-            </p:cNvPr>
-            <p:cNvSpPr/>
-            <p:nvPr/>
-          </p:nvSpPr>
-          <p:spPr>
-            <a:xfrm>
-              <a:off x="6538826" y="1966105"/>
-              <a:ext cx="1219751" cy="1164750"/>
-            </a:xfrm>
-            <a:prstGeom prst="ellipse">
-              <a:avLst/>
-            </a:prstGeom>
-            <a:solidFill>
-              <a:srgbClr val="FFCCFF"/>
-            </a:solidFill>
-            <a:ln/>
-          </p:spPr>
-          <p:style>
-            <a:lnRef idx="1">
-              <a:schemeClr val="accent5"/>
-            </a:lnRef>
-            <a:fillRef idx="2">
-              <a:schemeClr val="accent5"/>
-            </a:fillRef>
-            <a:effectRef idx="1">
-              <a:schemeClr val="accent5"/>
-            </a:effectRef>
-            <a:fontRef idx="minor">
-              <a:schemeClr val="dk1"/>
-            </a:fontRef>
-          </p:style>
-          <p:txBody>
-            <a:bodyPr rtlCol="0" anchor="ctr"/>
-            <a:lstStyle/>
-            <a:p>
-              <a:pPr algn="ctr"/>
-              <a:r>
-                <a:rPr lang="en-GB" sz="1200" dirty="0"/>
-                <a:t> </a:t>
-              </a:r>
-            </a:p>
-          </p:txBody>
-        </p:sp>
-        <p:sp>
-          <p:nvSpPr>
-            <p:cNvPr id="48" name="Rettangolo 39">
-              <a:extLst>
-                <a:ext uri="{FF2B5EF4-FFF2-40B4-BE49-F238E27FC236}">
-                  <a16:creationId xmlns:a16="http://schemas.microsoft.com/office/drawing/2014/main" id="{AF94E75D-10C5-46FA-BDA0-4E7B53BA3EAA}"/>
-                </a:ext>
-              </a:extLst>
-            </p:cNvPr>
-            <p:cNvSpPr/>
-            <p:nvPr/>
-          </p:nvSpPr>
-          <p:spPr>
-            <a:xfrm>
-              <a:off x="6349393" y="2352246"/>
-              <a:ext cx="457875" cy="342838"/>
-            </a:xfrm>
-            <a:prstGeom prst="rect">
-              <a:avLst/>
-            </a:prstGeom>
-            <a:solidFill>
-              <a:srgbClr val="FFCCFF"/>
-            </a:solidFill>
-            <a:ln/>
-          </p:spPr>
-          <p:style>
-            <a:lnRef idx="1">
-              <a:schemeClr val="accent5"/>
-            </a:lnRef>
-            <a:fillRef idx="2">
-              <a:schemeClr val="accent5"/>
-            </a:fillRef>
-            <a:effectRef idx="1">
-              <a:schemeClr val="accent5"/>
-            </a:effectRef>
-            <a:fontRef idx="minor">
-              <a:schemeClr val="dk1"/>
-            </a:fontRef>
-          </p:style>
-          <p:txBody>
-            <a:bodyPr rtlCol="0" anchor="ctr"/>
-            <a:lstStyle/>
-            <a:p>
-              <a:pPr algn="ctr"/>
-              <a:endParaRPr lang="en-GB" sz="1200"/>
-            </a:p>
-          </p:txBody>
-        </p:sp>
-        <p:sp>
-          <p:nvSpPr>
-            <p:cNvPr id="49" name="Rettangolo 48">
-              <a:extLst>
-                <a:ext uri="{FF2B5EF4-FFF2-40B4-BE49-F238E27FC236}">
-                  <a16:creationId xmlns:a16="http://schemas.microsoft.com/office/drawing/2014/main" id="{10E4C2AC-F36A-4FA3-A908-8378B3AD5A9F}"/>
-                </a:ext>
-              </a:extLst>
-            </p:cNvPr>
-            <p:cNvSpPr/>
-            <p:nvPr/>
-          </p:nvSpPr>
-          <p:spPr>
-            <a:xfrm>
-              <a:off x="6755579" y="2350735"/>
-              <a:ext cx="914033" cy="369332"/>
-            </a:xfrm>
-            <a:prstGeom prst="rect">
-              <a:avLst/>
-            </a:prstGeom>
-          </p:spPr>
-          <p:txBody>
-            <a:bodyPr wrap="none">
-              <a:spAutoFit/>
-            </a:bodyPr>
-            <a:lstStyle/>
-            <a:p>
-              <a:pPr algn="ctr"/>
-              <a:r>
-                <a:rPr lang="en-GB" dirty="0"/>
-                <a:t>barman</a:t>
-              </a:r>
-            </a:p>
-          </p:txBody>
-        </p:sp>
-      </p:grpSp>
-      <p:grpSp>
-        <p:nvGrpSpPr>
-          <p:cNvPr id="60" name="Gruppo 59">
-            <a:extLst>
-              <a:ext uri="{FF2B5EF4-FFF2-40B4-BE49-F238E27FC236}">
-                <a16:creationId xmlns:a16="http://schemas.microsoft.com/office/drawing/2014/main" id="{34559AF2-EC69-4C7F-8732-34FD0B8DF5AB}"/>
-              </a:ext>
-            </a:extLst>
-          </p:cNvPr>
-          <p:cNvGrpSpPr/>
-          <p:nvPr/>
-        </p:nvGrpSpPr>
-        <p:grpSpPr>
-          <a:xfrm>
-            <a:off x="7666665" y="4321887"/>
-            <a:ext cx="1696867" cy="1164750"/>
-            <a:chOff x="7666665" y="4321887"/>
-            <a:chExt cx="1696867" cy="1164750"/>
-          </a:xfrm>
-        </p:grpSpPr>
-        <p:sp>
-          <p:nvSpPr>
-            <p:cNvPr id="50" name="Triangolo isoscele 49">
-              <a:extLst>
-                <a:ext uri="{FF2B5EF4-FFF2-40B4-BE49-F238E27FC236}">
-                  <a16:creationId xmlns:a16="http://schemas.microsoft.com/office/drawing/2014/main" id="{157944DA-C9A2-4693-8101-6512D4B0918E}"/>
-                </a:ext>
-              </a:extLst>
-            </p:cNvPr>
-            <p:cNvSpPr/>
-            <p:nvPr/>
-          </p:nvSpPr>
-          <p:spPr>
-            <a:xfrm rot="5400000">
-              <a:off x="8426981" y="4490756"/>
-              <a:ext cx="998084" cy="875019"/>
-            </a:xfrm>
-            <a:prstGeom prst="triangle">
-              <a:avLst/>
-            </a:prstGeom>
-            <a:solidFill>
-              <a:srgbClr val="CCFF66"/>
-            </a:solidFill>
-            <a:ln/>
-          </p:spPr>
-          <p:style>
-            <a:lnRef idx="1">
-              <a:schemeClr val="accent5"/>
-            </a:lnRef>
-            <a:fillRef idx="2">
-              <a:schemeClr val="accent5"/>
-            </a:fillRef>
-            <a:effectRef idx="1">
-              <a:schemeClr val="accent5"/>
-            </a:effectRef>
-            <a:fontRef idx="minor">
-              <a:schemeClr val="dk1"/>
-            </a:fontRef>
-          </p:style>
-          <p:txBody>
-            <a:bodyPr rtlCol="0" anchor="ctr"/>
-            <a:lstStyle/>
-            <a:p>
-              <a:pPr algn="ctr"/>
-              <a:endParaRPr lang="en-GB" sz="1200">
-                <a:solidFill>
-                  <a:schemeClr val="dk1"/>
-                </a:solidFill>
-              </a:endParaRPr>
-            </a:p>
-          </p:txBody>
-        </p:sp>
-        <p:sp>
-          <p:nvSpPr>
-            <p:cNvPr id="51" name="Ovale 38">
-              <a:extLst>
-                <a:ext uri="{FF2B5EF4-FFF2-40B4-BE49-F238E27FC236}">
-                  <a16:creationId xmlns:a16="http://schemas.microsoft.com/office/drawing/2014/main" id="{EA74B948-AD0D-437E-AFB7-E697523E2EAC}"/>
-                </a:ext>
-              </a:extLst>
-            </p:cNvPr>
-            <p:cNvSpPr/>
-            <p:nvPr/>
-          </p:nvSpPr>
-          <p:spPr>
-            <a:xfrm>
-              <a:off x="7856098" y="4321887"/>
-              <a:ext cx="1219751" cy="1164750"/>
-            </a:xfrm>
-            <a:prstGeom prst="ellipse">
-              <a:avLst/>
-            </a:prstGeom>
-            <a:solidFill>
-              <a:srgbClr val="FFCCFF"/>
-            </a:solidFill>
-            <a:ln/>
-          </p:spPr>
-          <p:style>
-            <a:lnRef idx="1">
-              <a:schemeClr val="accent5"/>
-            </a:lnRef>
-            <a:fillRef idx="2">
-              <a:schemeClr val="accent5"/>
-            </a:fillRef>
-            <a:effectRef idx="1">
-              <a:schemeClr val="accent5"/>
-            </a:effectRef>
-            <a:fontRef idx="minor">
-              <a:schemeClr val="dk1"/>
-            </a:fontRef>
-          </p:style>
-          <p:txBody>
-            <a:bodyPr rtlCol="0" anchor="ctr"/>
-            <a:lstStyle/>
-            <a:p>
-              <a:pPr algn="ctr"/>
-              <a:r>
-                <a:rPr lang="en-GB" sz="1200" dirty="0"/>
-                <a:t> </a:t>
-              </a:r>
-            </a:p>
-          </p:txBody>
-        </p:sp>
-        <p:sp>
-          <p:nvSpPr>
-            <p:cNvPr id="52" name="Rettangolo 39">
-              <a:extLst>
-                <a:ext uri="{FF2B5EF4-FFF2-40B4-BE49-F238E27FC236}">
-                  <a16:creationId xmlns:a16="http://schemas.microsoft.com/office/drawing/2014/main" id="{0B3D96CB-19B1-4DEE-8C45-1DECC801AFCF}"/>
-                </a:ext>
-              </a:extLst>
-            </p:cNvPr>
-            <p:cNvSpPr/>
-            <p:nvPr/>
-          </p:nvSpPr>
-          <p:spPr>
-            <a:xfrm>
-              <a:off x="7666665" y="4708028"/>
-              <a:ext cx="457875" cy="342838"/>
-            </a:xfrm>
-            <a:prstGeom prst="rect">
-              <a:avLst/>
-            </a:prstGeom>
-            <a:solidFill>
-              <a:srgbClr val="FFCCFF"/>
-            </a:solidFill>
-            <a:ln/>
-          </p:spPr>
-          <p:style>
-            <a:lnRef idx="1">
-              <a:schemeClr val="accent5"/>
-            </a:lnRef>
-            <a:fillRef idx="2">
-              <a:schemeClr val="accent5"/>
-            </a:fillRef>
-            <a:effectRef idx="1">
-              <a:schemeClr val="accent5"/>
-            </a:effectRef>
-            <a:fontRef idx="minor">
-              <a:schemeClr val="dk1"/>
-            </a:fontRef>
-          </p:style>
-          <p:txBody>
-            <a:bodyPr rtlCol="0" anchor="ctr"/>
-            <a:lstStyle/>
-            <a:p>
-              <a:pPr algn="ctr"/>
-              <a:endParaRPr lang="en-GB" sz="1200"/>
-            </a:p>
-          </p:txBody>
-        </p:sp>
-        <p:sp>
-          <p:nvSpPr>
-            <p:cNvPr id="53" name="Rettangolo 52">
-              <a:extLst>
-                <a:ext uri="{FF2B5EF4-FFF2-40B4-BE49-F238E27FC236}">
-                  <a16:creationId xmlns:a16="http://schemas.microsoft.com/office/drawing/2014/main" id="{5E07DEE7-85A8-4806-B1A8-B5E0E96E82BF}"/>
-                </a:ext>
-              </a:extLst>
-            </p:cNvPr>
-            <p:cNvSpPr/>
-            <p:nvPr/>
-          </p:nvSpPr>
-          <p:spPr>
-            <a:xfrm>
-              <a:off x="8028467" y="4706517"/>
-              <a:ext cx="1134926" cy="369332"/>
-            </a:xfrm>
-            <a:prstGeom prst="rect">
-              <a:avLst/>
-            </a:prstGeom>
-          </p:spPr>
-          <p:txBody>
-            <a:bodyPr wrap="none">
-              <a:spAutoFit/>
-            </a:bodyPr>
-            <a:lstStyle/>
-            <a:p>
-              <a:r>
-                <a:rPr lang="en-GB" dirty="0"/>
-                <a:t>Manager?</a:t>
-              </a:r>
-            </a:p>
-          </p:txBody>
-        </p:sp>
-      </p:grpSp>
-      <p:grpSp>
-        <p:nvGrpSpPr>
-          <p:cNvPr id="62" name="Gruppo 61">
-            <a:extLst>
-              <a:ext uri="{FF2B5EF4-FFF2-40B4-BE49-F238E27FC236}">
-                <a16:creationId xmlns:a16="http://schemas.microsoft.com/office/drawing/2014/main" id="{A43CD019-7917-401E-8A80-B43CD7749BC2}"/>
-              </a:ext>
-            </a:extLst>
-          </p:cNvPr>
-          <p:cNvGrpSpPr/>
-          <p:nvPr/>
-        </p:nvGrpSpPr>
-        <p:grpSpPr>
-          <a:xfrm>
-            <a:off x="3355984" y="3644069"/>
-            <a:ext cx="1863853" cy="1164750"/>
-            <a:chOff x="10084210" y="2903031"/>
-            <a:chExt cx="1863853" cy="1164750"/>
-          </a:xfrm>
-        </p:grpSpPr>
-        <p:sp>
-          <p:nvSpPr>
-            <p:cNvPr id="54" name="Triangolo isoscele 53">
-              <a:extLst>
-                <a:ext uri="{FF2B5EF4-FFF2-40B4-BE49-F238E27FC236}">
-                  <a16:creationId xmlns:a16="http://schemas.microsoft.com/office/drawing/2014/main" id="{72FA6D94-885D-4064-A5CA-94ABE96AAD34}"/>
-                </a:ext>
-              </a:extLst>
-            </p:cNvPr>
-            <p:cNvSpPr/>
-            <p:nvPr/>
-          </p:nvSpPr>
-          <p:spPr>
-            <a:xfrm rot="5400000">
-              <a:off x="10844526" y="3071900"/>
-              <a:ext cx="998084" cy="875019"/>
-            </a:xfrm>
-            <a:prstGeom prst="triangle">
-              <a:avLst/>
-            </a:prstGeom>
-            <a:solidFill>
-              <a:srgbClr val="CCFF66"/>
-            </a:solidFill>
-            <a:ln/>
-          </p:spPr>
-          <p:style>
-            <a:lnRef idx="1">
-              <a:schemeClr val="accent5"/>
-            </a:lnRef>
-            <a:fillRef idx="2">
-              <a:schemeClr val="accent5"/>
-            </a:fillRef>
-            <a:effectRef idx="1">
-              <a:schemeClr val="accent5"/>
-            </a:effectRef>
-            <a:fontRef idx="minor">
-              <a:schemeClr val="dk1"/>
-            </a:fontRef>
-          </p:style>
-          <p:txBody>
-            <a:bodyPr rtlCol="0" anchor="ctr"/>
-            <a:lstStyle/>
-            <a:p>
-              <a:pPr algn="ctr"/>
-              <a:endParaRPr lang="en-GB" sz="1200">
-                <a:solidFill>
-                  <a:schemeClr val="dk1"/>
-                </a:solidFill>
-              </a:endParaRPr>
-            </a:p>
-          </p:txBody>
-        </p:sp>
-        <p:sp>
-          <p:nvSpPr>
-            <p:cNvPr id="55" name="Ovale 38">
-              <a:extLst>
-                <a:ext uri="{FF2B5EF4-FFF2-40B4-BE49-F238E27FC236}">
-                  <a16:creationId xmlns:a16="http://schemas.microsoft.com/office/drawing/2014/main" id="{0CA551EF-4C1F-47E7-BA01-EE4934761FD7}"/>
-                </a:ext>
-              </a:extLst>
-            </p:cNvPr>
-            <p:cNvSpPr/>
-            <p:nvPr/>
-          </p:nvSpPr>
-          <p:spPr>
-            <a:xfrm>
-              <a:off x="10273643" y="2903031"/>
-              <a:ext cx="1219751" cy="1164750"/>
-            </a:xfrm>
-            <a:prstGeom prst="ellipse">
-              <a:avLst/>
-            </a:prstGeom>
-            <a:solidFill>
-              <a:srgbClr val="FFCCFF"/>
-            </a:solidFill>
-            <a:ln/>
-          </p:spPr>
-          <p:style>
-            <a:lnRef idx="1">
-              <a:schemeClr val="accent5"/>
-            </a:lnRef>
-            <a:fillRef idx="2">
-              <a:schemeClr val="accent5"/>
-            </a:fillRef>
-            <a:effectRef idx="1">
-              <a:schemeClr val="accent5"/>
-            </a:effectRef>
-            <a:fontRef idx="minor">
-              <a:schemeClr val="dk1"/>
-            </a:fontRef>
-          </p:style>
-          <p:txBody>
-            <a:bodyPr rtlCol="0" anchor="ctr"/>
-            <a:lstStyle/>
-            <a:p>
-              <a:pPr algn="ctr"/>
-              <a:r>
-                <a:rPr lang="en-GB" sz="1200" dirty="0"/>
-                <a:t> </a:t>
-              </a:r>
-            </a:p>
-          </p:txBody>
-        </p:sp>
-        <p:sp>
-          <p:nvSpPr>
-            <p:cNvPr id="56" name="Rettangolo 39">
-              <a:extLst>
-                <a:ext uri="{FF2B5EF4-FFF2-40B4-BE49-F238E27FC236}">
-                  <a16:creationId xmlns:a16="http://schemas.microsoft.com/office/drawing/2014/main" id="{3DEB57A6-D9EB-42BA-87A2-A7949960B33C}"/>
-                </a:ext>
-              </a:extLst>
-            </p:cNvPr>
-            <p:cNvSpPr/>
-            <p:nvPr/>
-          </p:nvSpPr>
-          <p:spPr>
-            <a:xfrm>
-              <a:off x="10084210" y="3289172"/>
-              <a:ext cx="457875" cy="342838"/>
-            </a:xfrm>
-            <a:prstGeom prst="rect">
-              <a:avLst/>
-            </a:prstGeom>
-            <a:solidFill>
-              <a:srgbClr val="FFCCFF"/>
-            </a:solidFill>
-            <a:ln/>
-          </p:spPr>
-          <p:style>
-            <a:lnRef idx="1">
-              <a:schemeClr val="accent5"/>
-            </a:lnRef>
-            <a:fillRef idx="2">
-              <a:schemeClr val="accent5"/>
-            </a:fillRef>
-            <a:effectRef idx="1">
-              <a:schemeClr val="accent5"/>
-            </a:effectRef>
-            <a:fontRef idx="minor">
-              <a:schemeClr val="dk1"/>
-            </a:fontRef>
-          </p:style>
-          <p:txBody>
-            <a:bodyPr rtlCol="0" anchor="ctr"/>
-            <a:lstStyle/>
-            <a:p>
-              <a:pPr algn="ctr"/>
-              <a:endParaRPr lang="en-GB" sz="1200"/>
-            </a:p>
-          </p:txBody>
-        </p:sp>
-        <p:sp>
-          <p:nvSpPr>
-            <p:cNvPr id="57" name="Rettangolo 56">
-              <a:extLst>
-                <a:ext uri="{FF2B5EF4-FFF2-40B4-BE49-F238E27FC236}">
-                  <a16:creationId xmlns:a16="http://schemas.microsoft.com/office/drawing/2014/main" id="{1C2A35D7-E62F-4BC3-850E-CAAE6A782000}"/>
-                </a:ext>
-              </a:extLst>
-            </p:cNvPr>
-            <p:cNvSpPr/>
-            <p:nvPr/>
-          </p:nvSpPr>
-          <p:spPr>
-            <a:xfrm>
-              <a:off x="10321720" y="3287661"/>
-              <a:ext cx="1626343" cy="338554"/>
-            </a:xfrm>
-            <a:prstGeom prst="rect">
-              <a:avLst/>
-            </a:prstGeom>
-          </p:spPr>
-          <p:txBody>
-            <a:bodyPr wrap="none">
-              <a:spAutoFit/>
-            </a:bodyPr>
-            <a:lstStyle/>
-            <a:p>
-              <a:r>
-                <a:rPr lang="en-GB" sz="1600" dirty="0" err="1"/>
-                <a:t>client_simulator</a:t>
-              </a:r>
-              <a:r>
-                <a:rPr lang="en-GB" sz="1600" dirty="0"/>
-                <a:t>?</a:t>
-              </a:r>
+              <a:endParaRPr lang="en-GB" dirty="0"/>
             </a:p>
           </p:txBody>
         </p:sp>
@@ -5848,7 +10086,7 @@
         </p:nvGrpSpPr>
         <p:grpSpPr>
           <a:xfrm>
-            <a:off x="3813859" y="1324712"/>
+            <a:off x="6823250" y="2388555"/>
             <a:ext cx="1594842" cy="118262"/>
             <a:chOff x="4586473" y="4245346"/>
             <a:chExt cx="667405" cy="86434"/>
@@ -5965,7 +10203,7 @@
         </p:nvGrpSpPr>
         <p:grpSpPr>
           <a:xfrm>
-            <a:off x="3769000" y="1837121"/>
+            <a:off x="6774014" y="2622964"/>
             <a:ext cx="1600507" cy="170634"/>
             <a:chOff x="4592177" y="4419530"/>
             <a:chExt cx="666895" cy="86434"/>
@@ -6059,96 +10297,124 @@
           </p:txBody>
         </p:sp>
       </p:grpSp>
-      <p:cxnSp>
-        <p:nvCxnSpPr>
-          <p:cNvPr id="73" name="Connettore 2 92">
-            <a:extLst>
-              <a:ext uri="{FF2B5EF4-FFF2-40B4-BE49-F238E27FC236}">
-                <a16:creationId xmlns:a16="http://schemas.microsoft.com/office/drawing/2014/main" id="{5794C931-8569-4958-B34A-9A684EC7B760}"/>
-              </a:ext>
-            </a:extLst>
-          </p:cNvPr>
-          <p:cNvCxnSpPr>
-            <a:cxnSpLocks/>
-          </p:cNvCxnSpPr>
+      <p:sp>
+        <p:nvSpPr>
+          <p:cNvPr id="97" name="CasellaDiTesto 96">
+            <a:extLst>
+              <a:ext uri="{FF2B5EF4-FFF2-40B4-BE49-F238E27FC236}">
+                <a16:creationId xmlns:a16="http://schemas.microsoft.com/office/drawing/2014/main" id="{D20D1931-A65E-4A3F-A750-C7A6E99B86F2}"/>
+              </a:ext>
+            </a:extLst>
+          </p:cNvPr>
+          <p:cNvSpPr txBox="1"/>
           <p:nvPr/>
-        </p:nvCxnSpPr>
+        </p:nvSpPr>
         <p:spPr>
-          <a:xfrm flipV="1">
-            <a:off x="7003741" y="1324711"/>
-            <a:ext cx="1761392" cy="8445"/>
-          </a:xfrm>
-          <a:prstGeom prst="straightConnector1">
+          <a:xfrm>
+            <a:off x="7020236" y="2017108"/>
+            <a:ext cx="980653" cy="307777"/>
+          </a:xfrm>
+          <a:prstGeom prst="rect">
             <a:avLst/>
           </a:prstGeom>
-          <a:ln>
-            <a:prstDash val="lgDash"/>
-            <a:tailEnd type="arrow"/>
-          </a:ln>
+          <a:noFill/>
         </p:spPr>
-        <p:style>
-          <a:lnRef idx="1">
-            <a:schemeClr val="accent1"/>
-          </a:lnRef>
-          <a:fillRef idx="0">
-            <a:schemeClr val="accent1"/>
-          </a:fillRef>
-          <a:effectRef idx="0">
-            <a:schemeClr val="accent1"/>
-          </a:effectRef>
-          <a:fontRef idx="minor">
-            <a:schemeClr val="tx1"/>
-          </a:fontRef>
-        </p:style>
-      </p:cxnSp>
-      <p:cxnSp>
-        <p:nvCxnSpPr>
-          <p:cNvPr id="74" name="Connettore 2 92">
-            <a:extLst>
-              <a:ext uri="{FF2B5EF4-FFF2-40B4-BE49-F238E27FC236}">
-                <a16:creationId xmlns:a16="http://schemas.microsoft.com/office/drawing/2014/main" id="{E3CF7BFC-21BC-4381-A4BD-6F06EC7104FB}"/>
-              </a:ext>
-            </a:extLst>
-          </p:cNvPr>
-          <p:cNvCxnSpPr>
-            <a:cxnSpLocks/>
-          </p:cNvCxnSpPr>
+        <p:txBody>
+          <a:bodyPr wrap="none" rtlCol="0">
+            <a:spAutoFit/>
+          </a:bodyPr>
+          <a:lstStyle/>
+          <a:p>
+            <a:r>
+              <a:rPr lang="it-IT" sz="1400" dirty="0"/>
+              <a:t>step(TIME)</a:t>
+            </a:r>
+          </a:p>
+        </p:txBody>
+      </p:sp>
+      <p:sp>
+        <p:nvSpPr>
+          <p:cNvPr id="119" name="CasellaDiTesto 118">
+            <a:extLst>
+              <a:ext uri="{FF2B5EF4-FFF2-40B4-BE49-F238E27FC236}">
+                <a16:creationId xmlns:a16="http://schemas.microsoft.com/office/drawing/2014/main" id="{DBF1C222-3CFB-4B09-8B4A-1F2F5CA84698}"/>
+              </a:ext>
+            </a:extLst>
+          </p:cNvPr>
+          <p:cNvSpPr txBox="1"/>
           <p:nvPr/>
-        </p:nvCxnSpPr>
+        </p:nvSpPr>
         <p:spPr>
-          <a:xfrm flipH="1">
-            <a:off x="7003743" y="1975926"/>
-            <a:ext cx="1761390" cy="1"/>
-          </a:xfrm>
-          <a:prstGeom prst="straightConnector1">
+          <a:xfrm>
+            <a:off x="213064" y="133165"/>
+            <a:ext cx="2127992" cy="646331"/>
+          </a:xfrm>
+          <a:prstGeom prst="rect">
             <a:avLst/>
           </a:prstGeom>
-          <a:ln>
-            <a:prstDash val="lgDash"/>
-            <a:tailEnd type="arrow"/>
-          </a:ln>
+          <a:noFill/>
         </p:spPr>
-        <p:style>
-          <a:lnRef idx="1">
-            <a:schemeClr val="accent1"/>
-          </a:lnRef>
-          <a:fillRef idx="0">
-            <a:schemeClr val="accent1"/>
-          </a:fillRef>
-          <a:effectRef idx="0">
-            <a:schemeClr val="accent1"/>
-          </a:effectRef>
-          <a:fontRef idx="minor">
-            <a:schemeClr val="tx1"/>
-          </a:fontRef>
-        </p:style>
-      </p:cxnSp>
+        <p:txBody>
+          <a:bodyPr wrap="square" rtlCol="0">
+            <a:spAutoFit/>
+          </a:bodyPr>
+          <a:lstStyle/>
+          <a:p>
+            <a:r>
+              <a:rPr lang="it-IT" dirty="0"/>
+              <a:t>SPRINT 1</a:t>
+            </a:r>
+          </a:p>
+          <a:p>
+            <a:r>
+              <a:rPr lang="it-IT" dirty="0"/>
+              <a:t>Architettura logica</a:t>
+            </a:r>
+          </a:p>
+        </p:txBody>
+      </p:sp>
+      <p:sp>
+        <p:nvSpPr>
+          <p:cNvPr id="75" name="CasellaDiTesto 74">
+            <a:extLst>
+              <a:ext uri="{FF2B5EF4-FFF2-40B4-BE49-F238E27FC236}">
+                <a16:creationId xmlns:a16="http://schemas.microsoft.com/office/drawing/2014/main" id="{F5098F2C-46A8-433C-9D19-48BC13D273C1}"/>
+              </a:ext>
+            </a:extLst>
+          </p:cNvPr>
+          <p:cNvSpPr txBox="1"/>
+          <p:nvPr/>
+        </p:nvSpPr>
+        <p:spPr>
+          <a:xfrm>
+            <a:off x="7069792" y="2904105"/>
+            <a:ext cx="886076" cy="307777"/>
+          </a:xfrm>
+          <a:prstGeom prst="rect">
+            <a:avLst/>
+          </a:prstGeom>
+          <a:noFill/>
+        </p:spPr>
+        <p:txBody>
+          <a:bodyPr wrap="none" rtlCol="0">
+            <a:spAutoFit/>
+          </a:bodyPr>
+          <a:lstStyle/>
+          <a:p>
+            <a:r>
+              <a:rPr lang="it-IT" sz="1400" dirty="0" err="1"/>
+              <a:t>stepDone</a:t>
+            </a:r>
+            <a:endParaRPr lang="it-IT" sz="1400" dirty="0"/>
+          </a:p>
+        </p:txBody>
+      </p:sp>
       <p:grpSp>
         <p:nvGrpSpPr>
-          <p:cNvPr id="77" name="Gruppo 56">
-            <a:extLst>
-              <a:ext uri="{FF2B5EF4-FFF2-40B4-BE49-F238E27FC236}">
-                <a16:creationId xmlns:a16="http://schemas.microsoft.com/office/drawing/2014/main" id="{8F7E19E1-0B13-4E14-AD18-1DC87F224E35}"/>
+          <p:cNvPr id="76" name="Gruppo 56">
+            <a:extLst>
+              <a:ext uri="{FF2B5EF4-FFF2-40B4-BE49-F238E27FC236}">
+                <a16:creationId xmlns:a16="http://schemas.microsoft.com/office/drawing/2014/main" id="{A282378C-0CDC-4AF7-999D-AD21E8419652}"/>
               </a:ext>
             </a:extLst>
           </p:cNvPr>
@@ -6156,19 +10422,19 @@
           <p:nvPr/>
         </p:nvGrpSpPr>
         <p:grpSpPr>
-          <a:xfrm rot="15348643">
-            <a:off x="2746489" y="2935465"/>
-            <a:ext cx="1338397" cy="133885"/>
+          <a:xfrm>
+            <a:off x="3246623" y="2111586"/>
+            <a:ext cx="1594842" cy="118262"/>
             <a:chOff x="4586473" y="4245346"/>
             <a:chExt cx="667405" cy="86434"/>
           </a:xfrm>
         </p:grpSpPr>
         <p:sp>
           <p:nvSpPr>
-            <p:cNvPr id="78" name="Freccia a destra 58">
+            <p:cNvPr id="83" name="Freccia a destra 58">
               <a:extLst>
                 <a:ext uri="{FF2B5EF4-FFF2-40B4-BE49-F238E27FC236}">
-                  <a16:creationId xmlns:a16="http://schemas.microsoft.com/office/drawing/2014/main" id="{4F3AD279-FCFB-499B-AA62-540AC5753485}"/>
+                  <a16:creationId xmlns:a16="http://schemas.microsoft.com/office/drawing/2014/main" id="{CA82E0F7-4503-4248-A843-179A4A666448}"/>
                 </a:ext>
               </a:extLst>
             </p:cNvPr>
@@ -6209,10 +10475,10 @@
         </p:sp>
         <p:sp>
           <p:nvSpPr>
-            <p:cNvPr id="79" name="Triangolo isoscele 76">
+            <p:cNvPr id="84" name="Triangolo isoscele 76">
               <a:extLst>
                 <a:ext uri="{FF2B5EF4-FFF2-40B4-BE49-F238E27FC236}">
-                  <a16:creationId xmlns:a16="http://schemas.microsoft.com/office/drawing/2014/main" id="{730374E7-15E5-4201-8C07-AAB6FDCC83DE}"/>
+                  <a16:creationId xmlns:a16="http://schemas.microsoft.com/office/drawing/2014/main" id="{47D96309-27B8-4515-B553-F379B78F72FC}"/>
                 </a:ext>
               </a:extLst>
             </p:cNvPr>
@@ -6262,10 +10528,10 @@
       </p:grpSp>
       <p:grpSp>
         <p:nvGrpSpPr>
-          <p:cNvPr id="80" name="Gruppo 87">
-            <a:extLst>
-              <a:ext uri="{FF2B5EF4-FFF2-40B4-BE49-F238E27FC236}">
-                <a16:creationId xmlns:a16="http://schemas.microsoft.com/office/drawing/2014/main" id="{571D1811-ADC0-4C54-AD90-CBD807BB1BE5}"/>
+          <p:cNvPr id="85" name="Gruppo 87">
+            <a:extLst>
+              <a:ext uri="{FF2B5EF4-FFF2-40B4-BE49-F238E27FC236}">
+                <a16:creationId xmlns:a16="http://schemas.microsoft.com/office/drawing/2014/main" id="{9B9F9008-47A5-4732-A7F3-539D9C80D3E2}"/>
               </a:ext>
             </a:extLst>
           </p:cNvPr>
@@ -6273,19 +10539,19 @@
           <p:nvPr/>
         </p:nvGrpSpPr>
         <p:grpSpPr>
-          <a:xfrm rot="15369352">
-            <a:off x="3166847" y="2842420"/>
-            <a:ext cx="1235473" cy="131452"/>
+          <a:xfrm>
+            <a:off x="3201764" y="2623995"/>
+            <a:ext cx="1600507" cy="170634"/>
             <a:chOff x="4592177" y="4419530"/>
             <a:chExt cx="666895" cy="86434"/>
           </a:xfrm>
         </p:grpSpPr>
         <p:cxnSp>
           <p:nvCxnSpPr>
-            <p:cNvPr id="81" name="Connettore 1 89">
+            <p:cNvPr id="86" name="Connettore 1 89">
               <a:extLst>
                 <a:ext uri="{FF2B5EF4-FFF2-40B4-BE49-F238E27FC236}">
-                  <a16:creationId xmlns:a16="http://schemas.microsoft.com/office/drawing/2014/main" id="{8C916F1B-37AC-4389-8528-9CC6653FDEBC}"/>
+                  <a16:creationId xmlns:a16="http://schemas.microsoft.com/office/drawing/2014/main" id="{A1C5CF15-9F05-47E3-B1AD-F7CEBE296340}"/>
                 </a:ext>
               </a:extLst>
             </p:cNvPr>
@@ -6321,10 +10587,10 @@
         </p:cxnSp>
         <p:sp>
           <p:nvSpPr>
-            <p:cNvPr id="82" name="Triangolo isoscele 90">
+            <p:cNvPr id="87" name="Triangolo isoscele 90">
               <a:extLst>
                 <a:ext uri="{FF2B5EF4-FFF2-40B4-BE49-F238E27FC236}">
-                  <a16:creationId xmlns:a16="http://schemas.microsoft.com/office/drawing/2014/main" id="{E4388E73-B6CB-41F9-9CAE-96BCD1240159}"/>
+                  <a16:creationId xmlns:a16="http://schemas.microsoft.com/office/drawing/2014/main" id="{1EA926A6-B86C-413E-892A-5E29BCE1F6EA}"/>
                 </a:ext>
               </a:extLst>
             </p:cNvPr>
@@ -6370,10 +10636,10 @@
       </p:grpSp>
       <p:sp>
         <p:nvSpPr>
-          <p:cNvPr id="92" name="CasellaDiTesto 91">
-            <a:extLst>
-              <a:ext uri="{FF2B5EF4-FFF2-40B4-BE49-F238E27FC236}">
-                <a16:creationId xmlns:a16="http://schemas.microsoft.com/office/drawing/2014/main" id="{545D740A-32E5-4E2A-933A-E61A12377276}"/>
+          <p:cNvPr id="88" name="CasellaDiTesto 87">
+            <a:extLst>
+              <a:ext uri="{FF2B5EF4-FFF2-40B4-BE49-F238E27FC236}">
+                <a16:creationId xmlns:a16="http://schemas.microsoft.com/office/drawing/2014/main" id="{955CF293-279D-4A58-B78E-1F740B3D2DFE}"/>
               </a:ext>
             </a:extLst>
           </p:cNvPr>
@@ -6381,9 +10647,9 @@
           <p:nvPr/>
         </p:nvSpPr>
         <p:spPr>
-          <a:xfrm rot="2315863">
-            <a:off x="5944096" y="3224901"/>
-            <a:ext cx="1248194" cy="738664"/>
+          <a:xfrm>
+            <a:off x="3506488" y="1671411"/>
+            <a:ext cx="1335174" cy="307777"/>
           </a:xfrm>
           <a:prstGeom prst="rect">
             <a:avLst/>
@@ -6391,35 +10657,67 @@
           <a:noFill/>
         </p:spPr>
         <p:txBody>
-          <a:bodyPr wrap="square" rtlCol="0">
+          <a:bodyPr wrap="none" rtlCol="0">
             <a:spAutoFit/>
           </a:bodyPr>
           <a:lstStyle/>
           <a:p>
             <a:r>
               <a:rPr lang="it-IT" sz="1400" dirty="0" err="1"/>
-              <a:t>readyToPay</a:t>
-            </a:r>
-            <a:endParaRPr lang="it-IT" sz="1400" dirty="0"/>
-          </a:p>
-          <a:p>
-            <a:br>
+              <a:t>movetoCell</a:t>
+            </a:r>
+            <a:r>
               <a:rPr lang="it-IT" sz="1400" dirty="0"/>
-            </a:br>
+              <a:t>(X,Y)</a:t>
+            </a:r>
+          </a:p>
+        </p:txBody>
+      </p:sp>
+      <p:sp>
+        <p:nvSpPr>
+          <p:cNvPr id="89" name="CasellaDiTesto 88">
+            <a:extLst>
+              <a:ext uri="{FF2B5EF4-FFF2-40B4-BE49-F238E27FC236}">
+                <a16:creationId xmlns:a16="http://schemas.microsoft.com/office/drawing/2014/main" id="{9B78B722-DEB2-4A08-9432-688C94C855F6}"/>
+              </a:ext>
+            </a:extLst>
+          </p:cNvPr>
+          <p:cNvSpPr txBox="1"/>
+          <p:nvPr/>
+        </p:nvSpPr>
+        <p:spPr>
+          <a:xfrm>
+            <a:off x="3564187" y="2905780"/>
+            <a:ext cx="921919" cy="307777"/>
+          </a:xfrm>
+          <a:prstGeom prst="rect">
+            <a:avLst/>
+          </a:prstGeom>
+          <a:noFill/>
+        </p:spPr>
+        <p:txBody>
+          <a:bodyPr wrap="none" rtlCol="0">
+            <a:spAutoFit/>
+          </a:bodyPr>
+          <a:lstStyle/>
+          <a:p>
             <a:r>
               <a:rPr lang="it-IT" sz="1400" dirty="0" err="1"/>
-              <a:t>readyToOrder</a:t>
-            </a:r>
-            <a:endParaRPr lang="it-IT" sz="1400" dirty="0"/>
+              <a:t>atCell</a:t>
+            </a:r>
+            <a:r>
+              <a:rPr lang="it-IT" sz="1400" dirty="0"/>
+              <a:t>(X,Y)</a:t>
+            </a:r>
           </a:p>
         </p:txBody>
       </p:sp>
       <p:cxnSp>
         <p:nvCxnSpPr>
-          <p:cNvPr id="94" name="Connettore 2 92">
-            <a:extLst>
-              <a:ext uri="{FF2B5EF4-FFF2-40B4-BE49-F238E27FC236}">
-                <a16:creationId xmlns:a16="http://schemas.microsoft.com/office/drawing/2014/main" id="{BD830DD7-B771-4A9C-960D-8E0D8AFA2DC0}"/>
+          <p:cNvPr id="90" name="Connettore 2 92">
+            <a:extLst>
+              <a:ext uri="{FF2B5EF4-FFF2-40B4-BE49-F238E27FC236}">
+                <a16:creationId xmlns:a16="http://schemas.microsoft.com/office/drawing/2014/main" id="{864DDAF3-5C02-4FD2-8355-D5FCAF873170}"/>
               </a:ext>
             </a:extLst>
           </p:cNvPr>
@@ -6429,9 +10727,9 @@
           <p:nvPr/>
         </p:nvCxnSpPr>
         <p:spPr>
-          <a:xfrm flipV="1">
-            <a:off x="5016932" y="2383668"/>
-            <a:ext cx="1315593" cy="1592445"/>
+          <a:xfrm>
+            <a:off x="6810310" y="1900100"/>
+            <a:ext cx="1555333" cy="16942"/>
           </a:xfrm>
           <a:prstGeom prst="straightConnector1">
             <a:avLst/>
@@ -6458,10 +10756,10 @@
       </p:cxnSp>
       <p:sp>
         <p:nvSpPr>
-          <p:cNvPr id="97" name="CasellaDiTesto 96">
-            <a:extLst>
-              <a:ext uri="{FF2B5EF4-FFF2-40B4-BE49-F238E27FC236}">
-                <a16:creationId xmlns:a16="http://schemas.microsoft.com/office/drawing/2014/main" id="{D20D1931-A65E-4A3F-A750-C7A6E99B86F2}"/>
+          <p:cNvPr id="91" name="CasellaDiTesto 90">
+            <a:extLst>
+              <a:ext uri="{FF2B5EF4-FFF2-40B4-BE49-F238E27FC236}">
+                <a16:creationId xmlns:a16="http://schemas.microsoft.com/office/drawing/2014/main" id="{0E1DDBE8-8098-401C-8DA8-16F4D60EE72C}"/>
               </a:ext>
             </a:extLst>
           </p:cNvPr>
@@ -6470,8 +10768,8 @@
         </p:nvSpPr>
         <p:spPr>
           <a:xfrm>
-            <a:off x="3834026" y="884537"/>
-            <a:ext cx="1532086" cy="307777"/>
+            <a:off x="7026555" y="1541117"/>
+            <a:ext cx="966931" cy="307777"/>
           </a:xfrm>
           <a:prstGeom prst="rect">
             <a:avLst/>
@@ -6486,244 +10784,11 @@
           <a:p>
             <a:r>
               <a:rPr lang="it-IT" sz="1400" dirty="0" err="1"/>
-              <a:t>enterRequest</a:t>
+              <a:t>cmd</a:t>
             </a:r>
             <a:r>
               <a:rPr lang="it-IT" sz="1400" dirty="0"/>
-              <a:t>(CID)</a:t>
-            </a:r>
-          </a:p>
-        </p:txBody>
-      </p:sp>
-      <p:sp>
-        <p:nvSpPr>
-          <p:cNvPr id="98" name="CasellaDiTesto 97">
-            <a:extLst>
-              <a:ext uri="{FF2B5EF4-FFF2-40B4-BE49-F238E27FC236}">
-                <a16:creationId xmlns:a16="http://schemas.microsoft.com/office/drawing/2014/main" id="{E34B3A85-F4AC-40DF-8FE7-CEAC2DFFD32C}"/>
-              </a:ext>
-            </a:extLst>
-          </p:cNvPr>
-          <p:cNvSpPr txBox="1"/>
-          <p:nvPr/>
-        </p:nvSpPr>
-        <p:spPr>
-          <a:xfrm>
-            <a:off x="4038922" y="2042844"/>
-            <a:ext cx="1334724" cy="307777"/>
-          </a:xfrm>
-          <a:prstGeom prst="rect">
-            <a:avLst/>
-          </a:prstGeom>
-          <a:noFill/>
-        </p:spPr>
-        <p:txBody>
-          <a:bodyPr wrap="square" rtlCol="0">
-            <a:spAutoFit/>
-          </a:bodyPr>
-          <a:lstStyle/>
-          <a:p>
-            <a:r>
-              <a:rPr lang="it-IT" sz="1400" dirty="0" err="1"/>
-              <a:t>answer</a:t>
-            </a:r>
-            <a:r>
-              <a:rPr lang="it-IT" sz="1400" dirty="0"/>
-              <a:t>(TIME)</a:t>
-            </a:r>
-          </a:p>
-        </p:txBody>
-      </p:sp>
-      <p:sp>
-        <p:nvSpPr>
-          <p:cNvPr id="99" name="CasellaDiTesto 98">
-            <a:extLst>
-              <a:ext uri="{FF2B5EF4-FFF2-40B4-BE49-F238E27FC236}">
-                <a16:creationId xmlns:a16="http://schemas.microsoft.com/office/drawing/2014/main" id="{A64FC86D-5870-4026-9D98-B01A3844AA07}"/>
-              </a:ext>
-            </a:extLst>
-          </p:cNvPr>
-          <p:cNvSpPr txBox="1"/>
-          <p:nvPr/>
-        </p:nvSpPr>
-        <p:spPr>
-          <a:xfrm>
-            <a:off x="7221863" y="945688"/>
-            <a:ext cx="1305614" cy="307777"/>
-          </a:xfrm>
-          <a:prstGeom prst="rect">
-            <a:avLst/>
-          </a:prstGeom>
-          <a:noFill/>
-        </p:spPr>
-        <p:txBody>
-          <a:bodyPr wrap="none" rtlCol="0">
-            <a:spAutoFit/>
-          </a:bodyPr>
-          <a:lstStyle/>
-          <a:p>
-            <a:r>
-              <a:rPr lang="it-IT" sz="1400" dirty="0" err="1"/>
-              <a:t>order</a:t>
-            </a:r>
-            <a:r>
-              <a:rPr lang="it-IT" sz="1400" dirty="0"/>
-              <a:t>(CID, TEA)</a:t>
-            </a:r>
-          </a:p>
-        </p:txBody>
-      </p:sp>
-      <p:sp>
-        <p:nvSpPr>
-          <p:cNvPr id="100" name="CasellaDiTesto 99">
-            <a:extLst>
-              <a:ext uri="{FF2B5EF4-FFF2-40B4-BE49-F238E27FC236}">
-                <a16:creationId xmlns:a16="http://schemas.microsoft.com/office/drawing/2014/main" id="{3F6052BD-268E-4F8C-AEB8-1AFC15E490E5}"/>
-              </a:ext>
-            </a:extLst>
-          </p:cNvPr>
-          <p:cNvSpPr txBox="1"/>
-          <p:nvPr/>
-        </p:nvSpPr>
-        <p:spPr>
-          <a:xfrm>
-            <a:off x="7146864" y="2111032"/>
-            <a:ext cx="1752916" cy="307777"/>
-          </a:xfrm>
-          <a:prstGeom prst="rect">
-            <a:avLst/>
-          </a:prstGeom>
-          <a:noFill/>
-        </p:spPr>
-        <p:txBody>
-          <a:bodyPr wrap="none" rtlCol="0">
-            <a:spAutoFit/>
-          </a:bodyPr>
-          <a:lstStyle/>
-          <a:p>
-            <a:r>
-              <a:rPr lang="it-IT" sz="1400" dirty="0" err="1"/>
-              <a:t>orderReady</a:t>
-            </a:r>
-            <a:r>
-              <a:rPr lang="it-IT" sz="1400" dirty="0"/>
-              <a:t>(CID, TEA)</a:t>
-            </a:r>
-          </a:p>
-        </p:txBody>
-      </p:sp>
-      <p:sp>
-        <p:nvSpPr>
-          <p:cNvPr id="117" name="CasellaDiTesto 116">
-            <a:extLst>
-              <a:ext uri="{FF2B5EF4-FFF2-40B4-BE49-F238E27FC236}">
-                <a16:creationId xmlns:a16="http://schemas.microsoft.com/office/drawing/2014/main" id="{6BEAC265-4A25-49E8-AC0A-0F9341DA1CCE}"/>
-              </a:ext>
-            </a:extLst>
-          </p:cNvPr>
-          <p:cNvSpPr txBox="1"/>
-          <p:nvPr/>
-        </p:nvSpPr>
-        <p:spPr>
-          <a:xfrm rot="20858184">
-            <a:off x="2526022" y="3070442"/>
-            <a:ext cx="757492" cy="307777"/>
-          </a:xfrm>
-          <a:prstGeom prst="rect">
-            <a:avLst/>
-          </a:prstGeom>
-          <a:noFill/>
-        </p:spPr>
-        <p:txBody>
-          <a:bodyPr wrap="square" rtlCol="0">
-            <a:spAutoFit/>
-          </a:bodyPr>
-          <a:lstStyle/>
-          <a:p>
-            <a:r>
-              <a:rPr lang="it-IT" sz="1400" dirty="0"/>
-              <a:t>Ring(N)</a:t>
-            </a:r>
-          </a:p>
-        </p:txBody>
-      </p:sp>
-      <p:sp>
-        <p:nvSpPr>
-          <p:cNvPr id="118" name="CasellaDiTesto 117">
-            <a:extLst>
-              <a:ext uri="{FF2B5EF4-FFF2-40B4-BE49-F238E27FC236}">
-                <a16:creationId xmlns:a16="http://schemas.microsoft.com/office/drawing/2014/main" id="{A3F08987-5640-46DD-AFE9-91D2B509DBC4}"/>
-              </a:ext>
-            </a:extLst>
-          </p:cNvPr>
-          <p:cNvSpPr txBox="1"/>
-          <p:nvPr/>
-        </p:nvSpPr>
-        <p:spPr>
-          <a:xfrm rot="20858184">
-            <a:off x="3826019" y="2647925"/>
-            <a:ext cx="1544603" cy="276999"/>
-          </a:xfrm>
-          <a:prstGeom prst="rect">
-            <a:avLst/>
-          </a:prstGeom>
-          <a:noFill/>
-        </p:spPr>
-        <p:txBody>
-          <a:bodyPr wrap="square" rtlCol="0">
-            <a:spAutoFit/>
-          </a:bodyPr>
-          <a:lstStyle/>
-          <a:p>
-            <a:r>
-              <a:rPr lang="it-IT" sz="1200" dirty="0" err="1"/>
-              <a:t>waiterResponse</a:t>
-            </a:r>
-            <a:r>
-              <a:rPr lang="it-IT" sz="1200" dirty="0"/>
-              <a:t>(CID)</a:t>
-            </a:r>
-          </a:p>
-        </p:txBody>
-      </p:sp>
-      <p:sp>
-        <p:nvSpPr>
-          <p:cNvPr id="119" name="CasellaDiTesto 118">
-            <a:extLst>
-              <a:ext uri="{FF2B5EF4-FFF2-40B4-BE49-F238E27FC236}">
-                <a16:creationId xmlns:a16="http://schemas.microsoft.com/office/drawing/2014/main" id="{DBF1C222-3CFB-4B09-8B4A-1F2F5CA84698}"/>
-              </a:ext>
-            </a:extLst>
-          </p:cNvPr>
-          <p:cNvSpPr txBox="1"/>
-          <p:nvPr/>
-        </p:nvSpPr>
-        <p:spPr>
-          <a:xfrm>
-            <a:off x="213064" y="133165"/>
-            <a:ext cx="2127992" cy="646331"/>
-          </a:xfrm>
-          <a:prstGeom prst="rect">
-            <a:avLst/>
-          </a:prstGeom>
-          <a:noFill/>
-        </p:spPr>
-        <p:txBody>
-          <a:bodyPr wrap="square" rtlCol="0">
-            <a:spAutoFit/>
-          </a:bodyPr>
-          <a:lstStyle/>
-          <a:p>
-            <a:r>
-              <a:rPr lang="it-IT" dirty="0" err="1"/>
-              <a:t>Overview</a:t>
-            </a:r>
-            <a:endParaRPr lang="it-IT" dirty="0"/>
-          </a:p>
-          <a:p>
-            <a:r>
-              <a:rPr lang="it-IT" dirty="0"/>
-              <a:t>Architettura logica</a:t>
+              <a:t>(CMD)</a:t>
             </a:r>
           </a:p>
         </p:txBody>
@@ -6731,2380 +10796,7 @@
     </p:spTree>
     <p:extLst>
       <p:ext uri="{BB962C8B-B14F-4D97-AF65-F5344CB8AC3E}">
-        <p14:creationId xmlns:p14="http://schemas.microsoft.com/office/powerpoint/2010/main" val="1958523943"/>
-      </p:ext>
-    </p:extLst>
-  </p:cSld>
-  <p:clrMapOvr>
-    <a:masterClrMapping/>
-  </p:clrMapOvr>
-</p:sld>
-</file>
-
-<file path=ppt/slides/slide2.xml><?xml version="1.0" encoding="utf-8"?>
-<p:sld xmlns:a="http://schemas.openxmlformats.org/drawingml/2006/main" xmlns:r="http://schemas.openxmlformats.org/officeDocument/2006/relationships" xmlns:p="http://schemas.openxmlformats.org/presentationml/2006/main">
-  <p:cSld>
-    <p:spTree>
-      <p:nvGrpSpPr>
-        <p:cNvPr id="1" name=""/>
-        <p:cNvGrpSpPr/>
-        <p:nvPr/>
-      </p:nvGrpSpPr>
-      <p:grpSpPr>
-        <a:xfrm>
-          <a:off x="0" y="0"/>
-          <a:ext cx="0" cy="0"/>
-          <a:chOff x="0" y="0"/>
-          <a:chExt cx="0" cy="0"/>
-        </a:xfrm>
-      </p:grpSpPr>
-      <p:sp>
-        <p:nvSpPr>
-          <p:cNvPr id="4" name="Rettangolo 3">
-            <a:extLst>
-              <a:ext uri="{FF2B5EF4-FFF2-40B4-BE49-F238E27FC236}">
-                <a16:creationId xmlns:a16="http://schemas.microsoft.com/office/drawing/2014/main" id="{0CBDAE4C-9DA8-46A0-96A2-AA515FB45BC3}"/>
-              </a:ext>
-            </a:extLst>
-          </p:cNvPr>
-          <p:cNvSpPr/>
-          <p:nvPr/>
-        </p:nvSpPr>
-        <p:spPr>
-          <a:xfrm>
-            <a:off x="3529933" y="1877230"/>
-            <a:ext cx="4971328" cy="3963128"/>
-          </a:xfrm>
-          <a:prstGeom prst="rect">
-            <a:avLst/>
-          </a:prstGeom>
-          <a:solidFill>
-            <a:schemeClr val="bg1"/>
-          </a:solidFill>
-          <a:ln>
-            <a:solidFill>
-              <a:srgbClr val="1318ED"/>
-            </a:solidFill>
-          </a:ln>
-        </p:spPr>
-        <p:style>
-          <a:lnRef idx="2">
-            <a:schemeClr val="accent1">
-              <a:shade val="50000"/>
-            </a:schemeClr>
-          </a:lnRef>
-          <a:fillRef idx="1">
-            <a:schemeClr val="accent1"/>
-          </a:fillRef>
-          <a:effectRef idx="0">
-            <a:schemeClr val="accent1"/>
-          </a:effectRef>
-          <a:fontRef idx="minor">
-            <a:schemeClr val="lt1"/>
-          </a:fontRef>
-        </p:style>
-        <p:txBody>
-          <a:bodyPr rtlCol="0" anchor="ctr"/>
-          <a:lstStyle/>
-          <a:p>
-            <a:pPr algn="ctr"/>
-            <a:endParaRPr lang="en-GB" u="sng" dirty="0">
-              <a:highlight>
-                <a:srgbClr val="FFFF00"/>
-              </a:highlight>
-            </a:endParaRPr>
-          </a:p>
-        </p:txBody>
-      </p:sp>
-      <p:sp>
-        <p:nvSpPr>
-          <p:cNvPr id="74" name="Rettangolo 73">
-            <a:extLst>
-              <a:ext uri="{FF2B5EF4-FFF2-40B4-BE49-F238E27FC236}">
-                <a16:creationId xmlns:a16="http://schemas.microsoft.com/office/drawing/2014/main" id="{45E157C6-E4E2-442D-A450-90C6910E169C}"/>
-              </a:ext>
-            </a:extLst>
-          </p:cNvPr>
-          <p:cNvSpPr/>
-          <p:nvPr/>
-        </p:nvSpPr>
-        <p:spPr>
-          <a:xfrm rot="5400000">
-            <a:off x="6465058" y="3171499"/>
-            <a:ext cx="3333982" cy="730813"/>
-          </a:xfrm>
-          <a:prstGeom prst="rect">
-            <a:avLst/>
-          </a:prstGeom>
-        </p:spPr>
-        <p:style>
-          <a:lnRef idx="1">
-            <a:schemeClr val="accent3"/>
-          </a:lnRef>
-          <a:fillRef idx="2">
-            <a:schemeClr val="accent3"/>
-          </a:fillRef>
-          <a:effectRef idx="1">
-            <a:schemeClr val="accent3"/>
-          </a:effectRef>
-          <a:fontRef idx="minor">
-            <a:schemeClr val="dk1"/>
-          </a:fontRef>
-        </p:style>
-        <p:txBody>
-          <a:bodyPr rtlCol="0" anchor="ctr"/>
-          <a:lstStyle/>
-          <a:p>
-            <a:pPr algn="ctr"/>
-            <a:endParaRPr lang="it-IT"/>
-          </a:p>
-        </p:txBody>
-      </p:sp>
-      <p:sp>
-        <p:nvSpPr>
-          <p:cNvPr id="73" name="Rettangolo 72">
-            <a:extLst>
-              <a:ext uri="{FF2B5EF4-FFF2-40B4-BE49-F238E27FC236}">
-                <a16:creationId xmlns:a16="http://schemas.microsoft.com/office/drawing/2014/main" id="{5EBF42B2-8140-4BE8-8C4B-DF04C6278B2F}"/>
-              </a:ext>
-            </a:extLst>
-          </p:cNvPr>
-          <p:cNvSpPr/>
-          <p:nvPr/>
-        </p:nvSpPr>
-        <p:spPr>
-          <a:xfrm>
-            <a:off x="3535786" y="5203898"/>
-            <a:ext cx="4950988" cy="636460"/>
-          </a:xfrm>
-          <a:prstGeom prst="rect">
-            <a:avLst/>
-          </a:prstGeom>
-        </p:spPr>
-        <p:style>
-          <a:lnRef idx="1">
-            <a:schemeClr val="accent3"/>
-          </a:lnRef>
-          <a:fillRef idx="2">
-            <a:schemeClr val="accent3"/>
-          </a:fillRef>
-          <a:effectRef idx="1">
-            <a:schemeClr val="accent3"/>
-          </a:effectRef>
-          <a:fontRef idx="minor">
-            <a:schemeClr val="dk1"/>
-          </a:fontRef>
-        </p:style>
-        <p:txBody>
-          <a:bodyPr rtlCol="0" anchor="ctr"/>
-          <a:lstStyle/>
-          <a:p>
-            <a:pPr algn="ctr"/>
-            <a:endParaRPr lang="it-IT"/>
-          </a:p>
-        </p:txBody>
-      </p:sp>
-      <p:sp>
-        <p:nvSpPr>
-          <p:cNvPr id="51" name="Rettangolo 50">
-            <a:extLst>
-              <a:ext uri="{FF2B5EF4-FFF2-40B4-BE49-F238E27FC236}">
-                <a16:creationId xmlns:a16="http://schemas.microsoft.com/office/drawing/2014/main" id="{2F4FDB06-D679-4C70-8980-21DBAAE5DE32}"/>
-              </a:ext>
-            </a:extLst>
-          </p:cNvPr>
-          <p:cNvSpPr/>
-          <p:nvPr/>
-        </p:nvSpPr>
-        <p:spPr>
-          <a:xfrm>
-            <a:off x="6328038" y="1881974"/>
-            <a:ext cx="1436347" cy="704700"/>
-          </a:xfrm>
-          <a:prstGeom prst="rect">
-            <a:avLst/>
-          </a:prstGeom>
-        </p:spPr>
-        <p:style>
-          <a:lnRef idx="1">
-            <a:schemeClr val="accent4"/>
-          </a:lnRef>
-          <a:fillRef idx="2">
-            <a:schemeClr val="accent4"/>
-          </a:fillRef>
-          <a:effectRef idx="1">
-            <a:schemeClr val="accent4"/>
-          </a:effectRef>
-          <a:fontRef idx="minor">
-            <a:schemeClr val="dk1"/>
-          </a:fontRef>
-        </p:style>
-        <p:txBody>
-          <a:bodyPr rtlCol="0" anchor="ctr"/>
-          <a:lstStyle/>
-          <a:p>
-            <a:pPr algn="ctr"/>
-            <a:endParaRPr lang="it-IT"/>
-          </a:p>
-        </p:txBody>
-      </p:sp>
-      <p:cxnSp>
-        <p:nvCxnSpPr>
-          <p:cNvPr id="5" name="Connettore 1 41">
-            <a:extLst>
-              <a:ext uri="{FF2B5EF4-FFF2-40B4-BE49-F238E27FC236}">
-                <a16:creationId xmlns:a16="http://schemas.microsoft.com/office/drawing/2014/main" id="{0BB1E4EF-4D1C-43F9-913A-61EED79C1710}"/>
-              </a:ext>
-            </a:extLst>
-          </p:cNvPr>
-          <p:cNvCxnSpPr>
-            <a:cxnSpLocks/>
-          </p:cNvCxnSpPr>
-          <p:nvPr/>
-        </p:nvCxnSpPr>
-        <p:spPr>
-          <a:xfrm flipH="1">
-            <a:off x="4167218" y="1908959"/>
-            <a:ext cx="8894" cy="3938059"/>
-          </a:xfrm>
-          <a:prstGeom prst="line">
-            <a:avLst/>
-          </a:prstGeom>
-          <a:solidFill>
-            <a:schemeClr val="bg1"/>
-          </a:solidFill>
-          <a:ln>
-            <a:solidFill>
-              <a:srgbClr val="1318ED"/>
-            </a:solidFill>
-          </a:ln>
-        </p:spPr>
-        <p:style>
-          <a:lnRef idx="2">
-            <a:schemeClr val="accent1">
-              <a:shade val="50000"/>
-            </a:schemeClr>
-          </a:lnRef>
-          <a:fillRef idx="1">
-            <a:schemeClr val="accent1"/>
-          </a:fillRef>
-          <a:effectRef idx="0">
-            <a:schemeClr val="accent1"/>
-          </a:effectRef>
-          <a:fontRef idx="minor">
-            <a:schemeClr val="lt1"/>
-          </a:fontRef>
-        </p:style>
-      </p:cxnSp>
-      <p:cxnSp>
-        <p:nvCxnSpPr>
-          <p:cNvPr id="6" name="Connettore 1 42">
-            <a:extLst>
-              <a:ext uri="{FF2B5EF4-FFF2-40B4-BE49-F238E27FC236}">
-                <a16:creationId xmlns:a16="http://schemas.microsoft.com/office/drawing/2014/main" id="{6D963F83-816D-405F-84EE-B0203D0E1D2E}"/>
-              </a:ext>
-            </a:extLst>
-          </p:cNvPr>
-          <p:cNvCxnSpPr>
-            <a:cxnSpLocks/>
-          </p:cNvCxnSpPr>
-          <p:nvPr/>
-        </p:nvCxnSpPr>
-        <p:spPr>
-          <a:xfrm>
-            <a:off x="4878592" y="1896754"/>
-            <a:ext cx="0" cy="3943604"/>
-          </a:xfrm>
-          <a:prstGeom prst="line">
-            <a:avLst/>
-          </a:prstGeom>
-          <a:solidFill>
-            <a:schemeClr val="bg1"/>
-          </a:solidFill>
-          <a:ln>
-            <a:solidFill>
-              <a:srgbClr val="1318ED"/>
-            </a:solidFill>
-          </a:ln>
-        </p:spPr>
-        <p:style>
-          <a:lnRef idx="2">
-            <a:schemeClr val="accent1">
-              <a:shade val="50000"/>
-            </a:schemeClr>
-          </a:lnRef>
-          <a:fillRef idx="1">
-            <a:schemeClr val="accent1"/>
-          </a:fillRef>
-          <a:effectRef idx="0">
-            <a:schemeClr val="accent1"/>
-          </a:effectRef>
-          <a:fontRef idx="minor">
-            <a:schemeClr val="lt1"/>
-          </a:fontRef>
-        </p:style>
-      </p:cxnSp>
-      <p:cxnSp>
-        <p:nvCxnSpPr>
-          <p:cNvPr id="7" name="Connettore 1 43">
-            <a:extLst>
-              <a:ext uri="{FF2B5EF4-FFF2-40B4-BE49-F238E27FC236}">
-                <a16:creationId xmlns:a16="http://schemas.microsoft.com/office/drawing/2014/main" id="{DD3CC188-00E0-4551-A535-16C6706B43B6}"/>
-              </a:ext>
-            </a:extLst>
-          </p:cNvPr>
-          <p:cNvCxnSpPr>
-            <a:cxnSpLocks/>
-          </p:cNvCxnSpPr>
-          <p:nvPr/>
-        </p:nvCxnSpPr>
-        <p:spPr>
-          <a:xfrm>
-            <a:off x="3521541" y="2592204"/>
-            <a:ext cx="4971329" cy="0"/>
-          </a:xfrm>
-          <a:prstGeom prst="line">
-            <a:avLst/>
-          </a:prstGeom>
-          <a:solidFill>
-            <a:schemeClr val="bg1"/>
-          </a:solidFill>
-          <a:ln>
-            <a:solidFill>
-              <a:srgbClr val="1318ED"/>
-            </a:solidFill>
-          </a:ln>
-        </p:spPr>
-        <p:style>
-          <a:lnRef idx="2">
-            <a:schemeClr val="accent1">
-              <a:shade val="50000"/>
-            </a:schemeClr>
-          </a:lnRef>
-          <a:fillRef idx="1">
-            <a:schemeClr val="accent1"/>
-          </a:fillRef>
-          <a:effectRef idx="0">
-            <a:schemeClr val="accent1"/>
-          </a:effectRef>
-          <a:fontRef idx="minor">
-            <a:schemeClr val="lt1"/>
-          </a:fontRef>
-        </p:style>
-      </p:cxnSp>
-      <p:cxnSp>
-        <p:nvCxnSpPr>
-          <p:cNvPr id="8" name="Connettore 1 44">
-            <a:extLst>
-              <a:ext uri="{FF2B5EF4-FFF2-40B4-BE49-F238E27FC236}">
-                <a16:creationId xmlns:a16="http://schemas.microsoft.com/office/drawing/2014/main" id="{EC629B97-1BCC-4D18-A0E8-C81275B59246}"/>
-              </a:ext>
-            </a:extLst>
-          </p:cNvPr>
-          <p:cNvCxnSpPr>
-            <a:cxnSpLocks/>
-          </p:cNvCxnSpPr>
-          <p:nvPr/>
-        </p:nvCxnSpPr>
-        <p:spPr>
-          <a:xfrm flipV="1">
-            <a:off x="3534673" y="3236635"/>
-            <a:ext cx="4962790" cy="13764"/>
-          </a:xfrm>
-          <a:prstGeom prst="line">
-            <a:avLst/>
-          </a:prstGeom>
-          <a:solidFill>
-            <a:schemeClr val="bg1"/>
-          </a:solidFill>
-          <a:ln>
-            <a:solidFill>
-              <a:srgbClr val="1318ED"/>
-            </a:solidFill>
-          </a:ln>
-        </p:spPr>
-        <p:style>
-          <a:lnRef idx="2">
-            <a:schemeClr val="accent1">
-              <a:shade val="50000"/>
-            </a:schemeClr>
-          </a:lnRef>
-          <a:fillRef idx="1">
-            <a:schemeClr val="accent1"/>
-          </a:fillRef>
-          <a:effectRef idx="0">
-            <a:schemeClr val="accent1"/>
-          </a:effectRef>
-          <a:fontRef idx="minor">
-            <a:schemeClr val="lt1"/>
-          </a:fontRef>
-        </p:style>
-      </p:cxnSp>
-      <p:sp>
-        <p:nvSpPr>
-          <p:cNvPr id="9" name="Ovale 8">
-            <a:extLst>
-              <a:ext uri="{FF2B5EF4-FFF2-40B4-BE49-F238E27FC236}">
-                <a16:creationId xmlns:a16="http://schemas.microsoft.com/office/drawing/2014/main" id="{1DC5E701-B04E-4F43-AE1B-772FBA891E12}"/>
-              </a:ext>
-            </a:extLst>
-          </p:cNvPr>
-          <p:cNvSpPr/>
-          <p:nvPr/>
-        </p:nvSpPr>
-        <p:spPr>
-          <a:xfrm>
-            <a:off x="3534673" y="1896754"/>
-            <a:ext cx="631361" cy="668643"/>
-          </a:xfrm>
-          <a:prstGeom prst="ellipse">
-            <a:avLst/>
-          </a:prstGeom>
-          <a:solidFill>
-            <a:srgbClr val="33CCCC"/>
-          </a:solidFill>
-          <a:ln>
-            <a:solidFill>
-              <a:srgbClr val="1318ED"/>
-            </a:solidFill>
-          </a:ln>
-        </p:spPr>
-        <p:style>
-          <a:lnRef idx="2">
-            <a:schemeClr val="accent4"/>
-          </a:lnRef>
-          <a:fillRef idx="1">
-            <a:schemeClr val="lt1"/>
-          </a:fillRef>
-          <a:effectRef idx="0">
-            <a:schemeClr val="accent4"/>
-          </a:effectRef>
-          <a:fontRef idx="minor">
-            <a:schemeClr val="dk1"/>
-          </a:fontRef>
-        </p:style>
-        <p:txBody>
-          <a:bodyPr rtlCol="0" anchor="ctr"/>
-          <a:lstStyle/>
-          <a:p>
-            <a:pPr algn="ctr"/>
-            <a:r>
-              <a:rPr lang="it-IT" sz="2000" dirty="0"/>
-              <a:t>r</a:t>
-            </a:r>
-            <a:endParaRPr lang="en-GB" sz="1100" dirty="0"/>
-          </a:p>
-        </p:txBody>
-      </p:sp>
-      <p:cxnSp>
-        <p:nvCxnSpPr>
-          <p:cNvPr id="10" name="Connettore 1 57">
-            <a:extLst>
-              <a:ext uri="{FF2B5EF4-FFF2-40B4-BE49-F238E27FC236}">
-                <a16:creationId xmlns:a16="http://schemas.microsoft.com/office/drawing/2014/main" id="{0A29E7BC-6C90-43E7-A6CD-F7589DE15A0A}"/>
-              </a:ext>
-            </a:extLst>
-          </p:cNvPr>
-          <p:cNvCxnSpPr>
-            <a:cxnSpLocks/>
-          </p:cNvCxnSpPr>
-          <p:nvPr/>
-        </p:nvCxnSpPr>
-        <p:spPr>
-          <a:xfrm>
-            <a:off x="3518508" y="3881066"/>
-            <a:ext cx="4974362" cy="0"/>
-          </a:xfrm>
-          <a:prstGeom prst="line">
-            <a:avLst/>
-          </a:prstGeom>
-          <a:solidFill>
-            <a:schemeClr val="bg1"/>
-          </a:solidFill>
-          <a:ln>
-            <a:solidFill>
-              <a:srgbClr val="1318ED"/>
-            </a:solidFill>
-          </a:ln>
-        </p:spPr>
-        <p:style>
-          <a:lnRef idx="2">
-            <a:schemeClr val="accent1">
-              <a:shade val="50000"/>
-            </a:schemeClr>
-          </a:lnRef>
-          <a:fillRef idx="1">
-            <a:schemeClr val="accent1"/>
-          </a:fillRef>
-          <a:effectRef idx="0">
-            <a:schemeClr val="accent1"/>
-          </a:effectRef>
-          <a:fontRef idx="minor">
-            <a:schemeClr val="lt1"/>
-          </a:fontRef>
-        </p:style>
-      </p:cxnSp>
-      <p:cxnSp>
-        <p:nvCxnSpPr>
-          <p:cNvPr id="11" name="Connettore 1 63">
-            <a:extLst>
-              <a:ext uri="{FF2B5EF4-FFF2-40B4-BE49-F238E27FC236}">
-                <a16:creationId xmlns:a16="http://schemas.microsoft.com/office/drawing/2014/main" id="{45A47D49-5F73-49F5-8D91-421AE01D41E4}"/>
-              </a:ext>
-            </a:extLst>
-          </p:cNvPr>
-          <p:cNvCxnSpPr>
-            <a:cxnSpLocks/>
-          </p:cNvCxnSpPr>
-          <p:nvPr/>
-        </p:nvCxnSpPr>
-        <p:spPr>
-          <a:xfrm>
-            <a:off x="5596221" y="1924697"/>
-            <a:ext cx="9941" cy="3915661"/>
-          </a:xfrm>
-          <a:prstGeom prst="line">
-            <a:avLst/>
-          </a:prstGeom>
-          <a:solidFill>
-            <a:schemeClr val="bg1"/>
-          </a:solidFill>
-          <a:ln>
-            <a:solidFill>
-              <a:srgbClr val="1318ED"/>
-            </a:solidFill>
-          </a:ln>
-        </p:spPr>
-        <p:style>
-          <a:lnRef idx="2">
-            <a:schemeClr val="accent1">
-              <a:shade val="50000"/>
-            </a:schemeClr>
-          </a:lnRef>
-          <a:fillRef idx="1">
-            <a:schemeClr val="accent1"/>
-          </a:fillRef>
-          <a:effectRef idx="0">
-            <a:schemeClr val="accent1"/>
-          </a:effectRef>
-          <a:fontRef idx="minor">
-            <a:schemeClr val="lt1"/>
-          </a:fontRef>
-        </p:style>
-      </p:cxnSp>
-      <p:cxnSp>
-        <p:nvCxnSpPr>
-          <p:cNvPr id="12" name="Connettore 1 64">
-            <a:extLst>
-              <a:ext uri="{FF2B5EF4-FFF2-40B4-BE49-F238E27FC236}">
-                <a16:creationId xmlns:a16="http://schemas.microsoft.com/office/drawing/2014/main" id="{10F1753B-34BD-49E4-A3F0-13764C920AFB}"/>
-              </a:ext>
-            </a:extLst>
-          </p:cNvPr>
-          <p:cNvCxnSpPr>
-            <a:cxnSpLocks/>
-          </p:cNvCxnSpPr>
-          <p:nvPr/>
-        </p:nvCxnSpPr>
-        <p:spPr>
-          <a:xfrm>
-            <a:off x="6328038" y="1869913"/>
-            <a:ext cx="0" cy="3970445"/>
-          </a:xfrm>
-          <a:prstGeom prst="line">
-            <a:avLst/>
-          </a:prstGeom>
-          <a:solidFill>
-            <a:schemeClr val="bg1"/>
-          </a:solidFill>
-          <a:ln>
-            <a:solidFill>
-              <a:srgbClr val="1318ED"/>
-            </a:solidFill>
-          </a:ln>
-        </p:spPr>
-        <p:style>
-          <a:lnRef idx="2">
-            <a:schemeClr val="accent1">
-              <a:shade val="50000"/>
-            </a:schemeClr>
-          </a:lnRef>
-          <a:fillRef idx="1">
-            <a:schemeClr val="accent1"/>
-          </a:fillRef>
-          <a:effectRef idx="0">
-            <a:schemeClr val="accent1"/>
-          </a:effectRef>
-          <a:fontRef idx="minor">
-            <a:schemeClr val="lt1"/>
-          </a:fontRef>
-        </p:style>
-      </p:cxnSp>
-      <p:sp>
-        <p:nvSpPr>
-          <p:cNvPr id="13" name="CasellaDiTesto 12">
-            <a:extLst>
-              <a:ext uri="{FF2B5EF4-FFF2-40B4-BE49-F238E27FC236}">
-                <a16:creationId xmlns:a16="http://schemas.microsoft.com/office/drawing/2014/main" id="{9A0CD71F-D95D-4340-900B-8855D6452A07}"/>
-              </a:ext>
-            </a:extLst>
-          </p:cNvPr>
-          <p:cNvSpPr txBox="1"/>
-          <p:nvPr/>
-        </p:nvSpPr>
-        <p:spPr>
-          <a:xfrm>
-            <a:off x="3179695" y="2028054"/>
-            <a:ext cx="301686" cy="400110"/>
-          </a:xfrm>
-          <a:prstGeom prst="rect">
-            <a:avLst/>
-          </a:prstGeom>
-          <a:noFill/>
-          <a:ln>
-            <a:solidFill>
-              <a:schemeClr val="bg1"/>
-            </a:solidFill>
-          </a:ln>
-        </p:spPr>
-        <p:txBody>
-          <a:bodyPr wrap="none" rtlCol="0">
-            <a:spAutoFit/>
-          </a:bodyPr>
-          <a:lstStyle/>
-          <a:p>
-            <a:r>
-              <a:rPr lang="it-IT" sz="2000" u="sng" dirty="0"/>
-              <a:t>0</a:t>
-            </a:r>
-            <a:endParaRPr lang="en-GB" sz="2000" u="sng" dirty="0"/>
-          </a:p>
-        </p:txBody>
-      </p:sp>
-      <p:sp>
-        <p:nvSpPr>
-          <p:cNvPr id="14" name="CasellaDiTesto 13">
-            <a:extLst>
-              <a:ext uri="{FF2B5EF4-FFF2-40B4-BE49-F238E27FC236}">
-                <a16:creationId xmlns:a16="http://schemas.microsoft.com/office/drawing/2014/main" id="{6F563288-20F4-4102-83C8-F505FE3FE956}"/>
-              </a:ext>
-            </a:extLst>
-          </p:cNvPr>
-          <p:cNvSpPr txBox="1"/>
-          <p:nvPr/>
-        </p:nvSpPr>
-        <p:spPr>
-          <a:xfrm>
-            <a:off x="7950360" y="1421004"/>
-            <a:ext cx="314510" cy="400110"/>
-          </a:xfrm>
-          <a:prstGeom prst="rect">
-            <a:avLst/>
-          </a:prstGeom>
-          <a:noFill/>
-        </p:spPr>
-        <p:txBody>
-          <a:bodyPr wrap="none" rtlCol="0">
-            <a:spAutoFit/>
-          </a:bodyPr>
-          <a:lstStyle/>
-          <a:p>
-            <a:r>
-              <a:rPr lang="en-GB" sz="2000" dirty="0"/>
-              <a:t>6</a:t>
-            </a:r>
-          </a:p>
-        </p:txBody>
-      </p:sp>
-      <p:sp>
-        <p:nvSpPr>
-          <p:cNvPr id="15" name="CasellaDiTesto 14">
-            <a:extLst>
-              <a:ext uri="{FF2B5EF4-FFF2-40B4-BE49-F238E27FC236}">
-                <a16:creationId xmlns:a16="http://schemas.microsoft.com/office/drawing/2014/main" id="{2FC758EB-1A79-4C90-AD66-725A038A35A2}"/>
-              </a:ext>
-            </a:extLst>
-          </p:cNvPr>
-          <p:cNvSpPr txBox="1"/>
-          <p:nvPr/>
-        </p:nvSpPr>
-        <p:spPr>
-          <a:xfrm>
-            <a:off x="3179695" y="3417829"/>
-            <a:ext cx="314510" cy="1015663"/>
-          </a:xfrm>
-          <a:prstGeom prst="rect">
-            <a:avLst/>
-          </a:prstGeom>
-          <a:noFill/>
-        </p:spPr>
-        <p:txBody>
-          <a:bodyPr wrap="none" rtlCol="0">
-            <a:spAutoFit/>
-          </a:bodyPr>
-          <a:lstStyle/>
-          <a:p>
-            <a:r>
-              <a:rPr lang="it-IT" sz="2000" dirty="0"/>
-              <a:t>2</a:t>
-            </a:r>
-          </a:p>
-          <a:p>
-            <a:endParaRPr lang="it-IT" sz="2000" dirty="0"/>
-          </a:p>
-          <a:p>
-            <a:r>
-              <a:rPr lang="it-IT" sz="2000" dirty="0"/>
-              <a:t>3</a:t>
-            </a:r>
-          </a:p>
-        </p:txBody>
-      </p:sp>
-      <p:sp>
-        <p:nvSpPr>
-          <p:cNvPr id="16" name="CasellaDiTesto 15">
-            <a:extLst>
-              <a:ext uri="{FF2B5EF4-FFF2-40B4-BE49-F238E27FC236}">
-                <a16:creationId xmlns:a16="http://schemas.microsoft.com/office/drawing/2014/main" id="{CCBE5275-6ED3-4FAF-9936-F8313210F04C}"/>
-              </a:ext>
-            </a:extLst>
-          </p:cNvPr>
-          <p:cNvSpPr txBox="1"/>
-          <p:nvPr/>
-        </p:nvSpPr>
-        <p:spPr>
-          <a:xfrm>
-            <a:off x="3180562" y="2748966"/>
-            <a:ext cx="301686" cy="400110"/>
-          </a:xfrm>
-          <a:prstGeom prst="rect">
-            <a:avLst/>
-          </a:prstGeom>
-          <a:solidFill>
-            <a:schemeClr val="bg1"/>
-          </a:solidFill>
-          <a:ln>
-            <a:solidFill>
-              <a:schemeClr val="bg1"/>
-            </a:solidFill>
-          </a:ln>
-        </p:spPr>
-        <p:txBody>
-          <a:bodyPr wrap="none" rtlCol="0">
-            <a:spAutoFit/>
-          </a:bodyPr>
-          <a:lstStyle/>
-          <a:p>
-            <a:r>
-              <a:rPr lang="it-IT" sz="2000" u="sng" dirty="0"/>
-              <a:t>1</a:t>
-            </a:r>
-            <a:endParaRPr lang="en-GB" sz="2000" u="sng" dirty="0"/>
-          </a:p>
-        </p:txBody>
-      </p:sp>
-      <p:cxnSp>
-        <p:nvCxnSpPr>
-          <p:cNvPr id="17" name="Connettore 1 87">
-            <a:extLst>
-              <a:ext uri="{FF2B5EF4-FFF2-40B4-BE49-F238E27FC236}">
-                <a16:creationId xmlns:a16="http://schemas.microsoft.com/office/drawing/2014/main" id="{B766F777-D1AD-41EB-A9D7-7BBCA8B7C01F}"/>
-              </a:ext>
-            </a:extLst>
-          </p:cNvPr>
-          <p:cNvCxnSpPr>
-            <a:cxnSpLocks/>
-          </p:cNvCxnSpPr>
-          <p:nvPr/>
-        </p:nvCxnSpPr>
-        <p:spPr>
-          <a:xfrm>
-            <a:off x="3534673" y="4517531"/>
-            <a:ext cx="4958197" cy="0"/>
-          </a:xfrm>
-          <a:prstGeom prst="line">
-            <a:avLst/>
-          </a:prstGeom>
-          <a:solidFill>
-            <a:schemeClr val="bg1"/>
-          </a:solidFill>
-          <a:ln>
-            <a:solidFill>
-              <a:srgbClr val="1318ED"/>
-            </a:solidFill>
-          </a:ln>
-        </p:spPr>
-        <p:style>
-          <a:lnRef idx="2">
-            <a:schemeClr val="accent1">
-              <a:shade val="50000"/>
-            </a:schemeClr>
-          </a:lnRef>
-          <a:fillRef idx="1">
-            <a:schemeClr val="accent1"/>
-          </a:fillRef>
-          <a:effectRef idx="0">
-            <a:schemeClr val="accent1"/>
-          </a:effectRef>
-          <a:fontRef idx="minor">
-            <a:schemeClr val="lt1"/>
-          </a:fontRef>
-        </p:style>
-      </p:cxnSp>
-      <p:cxnSp>
-        <p:nvCxnSpPr>
-          <p:cNvPr id="18" name="Connettore 1 88">
-            <a:extLst>
-              <a:ext uri="{FF2B5EF4-FFF2-40B4-BE49-F238E27FC236}">
-                <a16:creationId xmlns:a16="http://schemas.microsoft.com/office/drawing/2014/main" id="{B79F8006-A7A3-40AD-BE45-6D6CBB687F64}"/>
-              </a:ext>
-            </a:extLst>
-          </p:cNvPr>
-          <p:cNvCxnSpPr>
-            <a:cxnSpLocks/>
-          </p:cNvCxnSpPr>
-          <p:nvPr/>
-        </p:nvCxnSpPr>
-        <p:spPr>
-          <a:xfrm>
-            <a:off x="7048118" y="1877232"/>
-            <a:ext cx="0" cy="3963126"/>
-          </a:xfrm>
-          <a:prstGeom prst="line">
-            <a:avLst/>
-          </a:prstGeom>
-          <a:solidFill>
-            <a:schemeClr val="bg1"/>
-          </a:solidFill>
-          <a:ln>
-            <a:solidFill>
-              <a:srgbClr val="1318ED"/>
-            </a:solidFill>
-          </a:ln>
-        </p:spPr>
-        <p:style>
-          <a:lnRef idx="2">
-            <a:schemeClr val="accent1">
-              <a:shade val="50000"/>
-            </a:schemeClr>
-          </a:lnRef>
-          <a:fillRef idx="1">
-            <a:schemeClr val="accent1"/>
-          </a:fillRef>
-          <a:effectRef idx="0">
-            <a:schemeClr val="accent1"/>
-          </a:effectRef>
-          <a:fontRef idx="minor">
-            <a:schemeClr val="lt1"/>
-          </a:fontRef>
-        </p:style>
-      </p:cxnSp>
-      <p:cxnSp>
-        <p:nvCxnSpPr>
-          <p:cNvPr id="22" name="Connettore 1 64">
-            <a:extLst>
-              <a:ext uri="{FF2B5EF4-FFF2-40B4-BE49-F238E27FC236}">
-                <a16:creationId xmlns:a16="http://schemas.microsoft.com/office/drawing/2014/main" id="{65DEC593-0C49-4113-8619-A57FD33FD00A}"/>
-              </a:ext>
-            </a:extLst>
-          </p:cNvPr>
-          <p:cNvCxnSpPr>
-            <a:cxnSpLocks/>
-          </p:cNvCxnSpPr>
-          <p:nvPr/>
-        </p:nvCxnSpPr>
-        <p:spPr>
-          <a:xfrm>
-            <a:off x="7772790" y="1877231"/>
-            <a:ext cx="0" cy="3963127"/>
-          </a:xfrm>
-          <a:prstGeom prst="line">
-            <a:avLst/>
-          </a:prstGeom>
-          <a:solidFill>
-            <a:schemeClr val="bg1"/>
-          </a:solidFill>
-          <a:ln>
-            <a:solidFill>
-              <a:srgbClr val="1318ED"/>
-            </a:solidFill>
-          </a:ln>
-        </p:spPr>
-        <p:style>
-          <a:lnRef idx="2">
-            <a:schemeClr val="accent1">
-              <a:shade val="50000"/>
-            </a:schemeClr>
-          </a:lnRef>
-          <a:fillRef idx="1">
-            <a:schemeClr val="accent1"/>
-          </a:fillRef>
-          <a:effectRef idx="0">
-            <a:schemeClr val="accent1"/>
-          </a:effectRef>
-          <a:fontRef idx="minor">
-            <a:schemeClr val="lt1"/>
-          </a:fontRef>
-        </p:style>
-      </p:cxnSp>
-      <p:sp>
-        <p:nvSpPr>
-          <p:cNvPr id="29" name="CasellaDiTesto 28">
-            <a:extLst>
-              <a:ext uri="{FF2B5EF4-FFF2-40B4-BE49-F238E27FC236}">
-                <a16:creationId xmlns:a16="http://schemas.microsoft.com/office/drawing/2014/main" id="{984FAB7E-370D-423C-A467-DF32C83555C3}"/>
-              </a:ext>
-            </a:extLst>
-          </p:cNvPr>
-          <p:cNvSpPr txBox="1"/>
-          <p:nvPr/>
-        </p:nvSpPr>
-        <p:spPr>
-          <a:xfrm>
-            <a:off x="3698934" y="1420328"/>
-            <a:ext cx="3964547" cy="400110"/>
-          </a:xfrm>
-          <a:prstGeom prst="rect">
-            <a:avLst/>
-          </a:prstGeom>
-          <a:noFill/>
-          <a:ln>
-            <a:solidFill>
-              <a:schemeClr val="bg1"/>
-            </a:solidFill>
-          </a:ln>
-        </p:spPr>
-        <p:txBody>
-          <a:bodyPr wrap="none" rtlCol="0">
-            <a:spAutoFit/>
-          </a:bodyPr>
-          <a:lstStyle/>
-          <a:p>
-            <a:r>
-              <a:rPr lang="it-IT" sz="2000" u="sng" dirty="0"/>
-              <a:t>0</a:t>
-            </a:r>
-            <a:r>
-              <a:rPr lang="it-IT" sz="2000" dirty="0"/>
-              <a:t>         1           2           3          4          5</a:t>
-            </a:r>
-            <a:endParaRPr lang="en-GB" sz="2000" u="sng" dirty="0"/>
-          </a:p>
-        </p:txBody>
-      </p:sp>
-      <p:cxnSp>
-        <p:nvCxnSpPr>
-          <p:cNvPr id="30" name="Connettore 1 57">
-            <a:extLst>
-              <a:ext uri="{FF2B5EF4-FFF2-40B4-BE49-F238E27FC236}">
-                <a16:creationId xmlns:a16="http://schemas.microsoft.com/office/drawing/2014/main" id="{8AD76B33-C858-4205-86D1-0DB71DBEBB71}"/>
-              </a:ext>
-            </a:extLst>
-          </p:cNvPr>
-          <p:cNvCxnSpPr>
-            <a:cxnSpLocks/>
-          </p:cNvCxnSpPr>
-          <p:nvPr/>
-        </p:nvCxnSpPr>
-        <p:spPr>
-          <a:xfrm>
-            <a:off x="3528081" y="5203898"/>
-            <a:ext cx="4974362" cy="0"/>
-          </a:xfrm>
-          <a:prstGeom prst="line">
-            <a:avLst/>
-          </a:prstGeom>
-          <a:solidFill>
-            <a:schemeClr val="bg1"/>
-          </a:solidFill>
-          <a:ln>
-            <a:solidFill>
-              <a:srgbClr val="1318ED"/>
-            </a:solidFill>
-          </a:ln>
-        </p:spPr>
-        <p:style>
-          <a:lnRef idx="2">
-            <a:schemeClr val="accent1">
-              <a:shade val="50000"/>
-            </a:schemeClr>
-          </a:lnRef>
-          <a:fillRef idx="1">
-            <a:schemeClr val="accent1"/>
-          </a:fillRef>
-          <a:effectRef idx="0">
-            <a:schemeClr val="accent1"/>
-          </a:effectRef>
-          <a:fontRef idx="minor">
-            <a:schemeClr val="lt1"/>
-          </a:fontRef>
-        </p:style>
-      </p:cxnSp>
-      <p:cxnSp>
-        <p:nvCxnSpPr>
-          <p:cNvPr id="31" name="Connettore 1 87">
-            <a:extLst>
-              <a:ext uri="{FF2B5EF4-FFF2-40B4-BE49-F238E27FC236}">
-                <a16:creationId xmlns:a16="http://schemas.microsoft.com/office/drawing/2014/main" id="{FB54C94C-BB23-4BA2-9192-1F0A60D34625}"/>
-              </a:ext>
-            </a:extLst>
-          </p:cNvPr>
-          <p:cNvCxnSpPr>
-            <a:cxnSpLocks/>
-          </p:cNvCxnSpPr>
-          <p:nvPr/>
-        </p:nvCxnSpPr>
-        <p:spPr>
-          <a:xfrm>
-            <a:off x="3543064" y="5847018"/>
-            <a:ext cx="4958197" cy="0"/>
-          </a:xfrm>
-          <a:prstGeom prst="line">
-            <a:avLst/>
-          </a:prstGeom>
-          <a:solidFill>
-            <a:schemeClr val="bg1"/>
-          </a:solidFill>
-          <a:ln>
-            <a:solidFill>
-              <a:srgbClr val="1318ED"/>
-            </a:solidFill>
-          </a:ln>
-        </p:spPr>
-        <p:style>
-          <a:lnRef idx="2">
-            <a:schemeClr val="accent1">
-              <a:shade val="50000"/>
-            </a:schemeClr>
-          </a:lnRef>
-          <a:fillRef idx="1">
-            <a:schemeClr val="accent1"/>
-          </a:fillRef>
-          <a:effectRef idx="0">
-            <a:schemeClr val="accent1"/>
-          </a:effectRef>
-          <a:fontRef idx="minor">
-            <a:schemeClr val="lt1"/>
-          </a:fontRef>
-        </p:style>
-      </p:cxnSp>
-      <p:sp>
-        <p:nvSpPr>
-          <p:cNvPr id="38" name="CasellaDiTesto 37">
-            <a:extLst>
-              <a:ext uri="{FF2B5EF4-FFF2-40B4-BE49-F238E27FC236}">
-                <a16:creationId xmlns:a16="http://schemas.microsoft.com/office/drawing/2014/main" id="{62A1C43D-0DBF-46E1-8977-A06952188762}"/>
-              </a:ext>
-            </a:extLst>
-          </p:cNvPr>
-          <p:cNvSpPr txBox="1"/>
-          <p:nvPr/>
-        </p:nvSpPr>
-        <p:spPr>
-          <a:xfrm>
-            <a:off x="3173691" y="4696066"/>
-            <a:ext cx="314510" cy="1015663"/>
-          </a:xfrm>
-          <a:prstGeom prst="rect">
-            <a:avLst/>
-          </a:prstGeom>
-          <a:noFill/>
-        </p:spPr>
-        <p:txBody>
-          <a:bodyPr wrap="none" rtlCol="0">
-            <a:spAutoFit/>
-          </a:bodyPr>
-          <a:lstStyle/>
-          <a:p>
-            <a:r>
-              <a:rPr lang="it-IT" sz="2000" dirty="0"/>
-              <a:t>4</a:t>
-            </a:r>
-          </a:p>
-          <a:p>
-            <a:endParaRPr lang="it-IT" sz="2000" dirty="0"/>
-          </a:p>
-          <a:p>
-            <a:r>
-              <a:rPr lang="it-IT" sz="2000" dirty="0"/>
-              <a:t>5</a:t>
-            </a:r>
-          </a:p>
-        </p:txBody>
-      </p:sp>
-      <p:sp>
-        <p:nvSpPr>
-          <p:cNvPr id="39" name="CasellaDiTesto 38">
-            <a:extLst>
-              <a:ext uri="{FF2B5EF4-FFF2-40B4-BE49-F238E27FC236}">
-                <a16:creationId xmlns:a16="http://schemas.microsoft.com/office/drawing/2014/main" id="{8107A2A7-B4BA-4A9E-85A9-6BE96EDD68AB}"/>
-              </a:ext>
-            </a:extLst>
-          </p:cNvPr>
-          <p:cNvSpPr txBox="1"/>
-          <p:nvPr/>
-        </p:nvSpPr>
-        <p:spPr>
-          <a:xfrm>
-            <a:off x="7973972" y="2057568"/>
-            <a:ext cx="317716" cy="1015663"/>
-          </a:xfrm>
-          <a:prstGeom prst="rect">
-            <a:avLst/>
-          </a:prstGeom>
-          <a:noFill/>
-          <a:ln>
-            <a:noFill/>
-          </a:ln>
-        </p:spPr>
-        <p:txBody>
-          <a:bodyPr wrap="none" rtlCol="0">
-            <a:spAutoFit/>
-          </a:bodyPr>
-          <a:lstStyle/>
-          <a:p>
-            <a:r>
-              <a:rPr lang="it-IT" sz="2000" dirty="0"/>
-              <a:t>X</a:t>
-            </a:r>
-          </a:p>
-          <a:p>
-            <a:endParaRPr lang="it-IT" sz="2000" dirty="0"/>
-          </a:p>
-          <a:p>
-            <a:r>
-              <a:rPr lang="it-IT" sz="2000" dirty="0"/>
-              <a:t>X</a:t>
-            </a:r>
-            <a:endParaRPr lang="en-GB" sz="2000" dirty="0"/>
-          </a:p>
-        </p:txBody>
-      </p:sp>
-      <p:sp>
-        <p:nvSpPr>
-          <p:cNvPr id="41" name="CasellaDiTesto 40">
-            <a:extLst>
-              <a:ext uri="{FF2B5EF4-FFF2-40B4-BE49-F238E27FC236}">
-                <a16:creationId xmlns:a16="http://schemas.microsoft.com/office/drawing/2014/main" id="{657A2976-C66A-4849-94DC-E643067B3F53}"/>
-              </a:ext>
-            </a:extLst>
-          </p:cNvPr>
-          <p:cNvSpPr txBox="1"/>
-          <p:nvPr/>
-        </p:nvSpPr>
-        <p:spPr>
-          <a:xfrm>
-            <a:off x="7973972" y="3362172"/>
-            <a:ext cx="317716" cy="1015663"/>
-          </a:xfrm>
-          <a:prstGeom prst="rect">
-            <a:avLst/>
-          </a:prstGeom>
-          <a:noFill/>
-          <a:ln>
-            <a:noFill/>
-          </a:ln>
-        </p:spPr>
-        <p:txBody>
-          <a:bodyPr wrap="none" rtlCol="0">
-            <a:spAutoFit/>
-          </a:bodyPr>
-          <a:lstStyle/>
-          <a:p>
-            <a:r>
-              <a:rPr lang="it-IT" sz="2000" dirty="0"/>
-              <a:t>X</a:t>
-            </a:r>
-          </a:p>
-          <a:p>
-            <a:endParaRPr lang="it-IT" sz="2000" dirty="0"/>
-          </a:p>
-          <a:p>
-            <a:r>
-              <a:rPr lang="it-IT" sz="2000" dirty="0"/>
-              <a:t>X</a:t>
-            </a:r>
-            <a:endParaRPr lang="en-GB" sz="2000" dirty="0"/>
-          </a:p>
-        </p:txBody>
-      </p:sp>
-      <p:sp>
-        <p:nvSpPr>
-          <p:cNvPr id="42" name="CasellaDiTesto 41">
-            <a:extLst>
-              <a:ext uri="{FF2B5EF4-FFF2-40B4-BE49-F238E27FC236}">
-                <a16:creationId xmlns:a16="http://schemas.microsoft.com/office/drawing/2014/main" id="{0E1F765B-098C-41CF-BCC6-44D58B06A6DF}"/>
-              </a:ext>
-            </a:extLst>
-          </p:cNvPr>
-          <p:cNvSpPr txBox="1"/>
-          <p:nvPr/>
-        </p:nvSpPr>
-        <p:spPr>
-          <a:xfrm>
-            <a:off x="7950360" y="4683910"/>
-            <a:ext cx="317716" cy="1015663"/>
-          </a:xfrm>
-          <a:prstGeom prst="rect">
-            <a:avLst/>
-          </a:prstGeom>
-          <a:noFill/>
-          <a:ln>
-            <a:noFill/>
-          </a:ln>
-        </p:spPr>
-        <p:txBody>
-          <a:bodyPr wrap="none" rtlCol="0">
-            <a:spAutoFit/>
-          </a:bodyPr>
-          <a:lstStyle/>
-          <a:p>
-            <a:r>
-              <a:rPr lang="it-IT" sz="2000" dirty="0"/>
-              <a:t>X</a:t>
-            </a:r>
-          </a:p>
-          <a:p>
-            <a:endParaRPr lang="it-IT" sz="2000" dirty="0"/>
-          </a:p>
-          <a:p>
-            <a:r>
-              <a:rPr lang="it-IT" sz="2000" dirty="0"/>
-              <a:t>X</a:t>
-            </a:r>
-            <a:endParaRPr lang="en-GB" sz="2000" dirty="0"/>
-          </a:p>
-        </p:txBody>
-      </p:sp>
-      <p:sp>
-        <p:nvSpPr>
-          <p:cNvPr id="43" name="CasellaDiTesto 42">
-            <a:extLst>
-              <a:ext uri="{FF2B5EF4-FFF2-40B4-BE49-F238E27FC236}">
-                <a16:creationId xmlns:a16="http://schemas.microsoft.com/office/drawing/2014/main" id="{70F36F97-6579-45CE-B534-2A1CCC914812}"/>
-              </a:ext>
-            </a:extLst>
-          </p:cNvPr>
-          <p:cNvSpPr txBox="1"/>
-          <p:nvPr/>
-        </p:nvSpPr>
-        <p:spPr>
-          <a:xfrm>
-            <a:off x="3714668" y="5300647"/>
-            <a:ext cx="970137" cy="400110"/>
-          </a:xfrm>
-          <a:prstGeom prst="rect">
-            <a:avLst/>
-          </a:prstGeom>
-          <a:noFill/>
-          <a:ln>
-            <a:noFill/>
-          </a:ln>
-        </p:spPr>
-        <p:txBody>
-          <a:bodyPr wrap="none" rtlCol="0">
-            <a:spAutoFit/>
-          </a:bodyPr>
-          <a:lstStyle/>
-          <a:p>
-            <a:r>
-              <a:rPr lang="it-IT" sz="2000" dirty="0"/>
-              <a:t>X         </a:t>
-            </a:r>
-            <a:r>
-              <a:rPr lang="en-GB" sz="2000" dirty="0"/>
-              <a:t>X</a:t>
-            </a:r>
-            <a:endParaRPr lang="it-IT" sz="2000" dirty="0"/>
-          </a:p>
-        </p:txBody>
-      </p:sp>
-      <p:sp>
-        <p:nvSpPr>
-          <p:cNvPr id="44" name="CasellaDiTesto 43">
-            <a:extLst>
-              <a:ext uri="{FF2B5EF4-FFF2-40B4-BE49-F238E27FC236}">
-                <a16:creationId xmlns:a16="http://schemas.microsoft.com/office/drawing/2014/main" id="{17147AC3-1F13-4675-A204-247750E72B75}"/>
-              </a:ext>
-            </a:extLst>
-          </p:cNvPr>
-          <p:cNvSpPr txBox="1"/>
-          <p:nvPr/>
-        </p:nvSpPr>
-        <p:spPr>
-          <a:xfrm>
-            <a:off x="5114292" y="5302176"/>
-            <a:ext cx="1027845" cy="400110"/>
-          </a:xfrm>
-          <a:prstGeom prst="rect">
-            <a:avLst/>
-          </a:prstGeom>
-          <a:noFill/>
-          <a:ln>
-            <a:noFill/>
-          </a:ln>
-        </p:spPr>
-        <p:txBody>
-          <a:bodyPr wrap="none" rtlCol="0">
-            <a:spAutoFit/>
-          </a:bodyPr>
-          <a:lstStyle/>
-          <a:p>
-            <a:r>
-              <a:rPr lang="it-IT" sz="2000" dirty="0"/>
-              <a:t>X          </a:t>
-            </a:r>
-            <a:r>
-              <a:rPr lang="en-GB" sz="2000" dirty="0"/>
-              <a:t>X</a:t>
-            </a:r>
-            <a:endParaRPr lang="it-IT" sz="2000" dirty="0"/>
-          </a:p>
-        </p:txBody>
-      </p:sp>
-      <p:sp>
-        <p:nvSpPr>
-          <p:cNvPr id="45" name="CasellaDiTesto 44">
-            <a:extLst>
-              <a:ext uri="{FF2B5EF4-FFF2-40B4-BE49-F238E27FC236}">
-                <a16:creationId xmlns:a16="http://schemas.microsoft.com/office/drawing/2014/main" id="{32FB490B-29FF-445C-9748-0DF4356CBE9B}"/>
-              </a:ext>
-            </a:extLst>
-          </p:cNvPr>
-          <p:cNvSpPr txBox="1"/>
-          <p:nvPr/>
-        </p:nvSpPr>
-        <p:spPr>
-          <a:xfrm>
-            <a:off x="6545319" y="5299463"/>
-            <a:ext cx="1027845" cy="400110"/>
-          </a:xfrm>
-          <a:prstGeom prst="rect">
-            <a:avLst/>
-          </a:prstGeom>
-          <a:noFill/>
-          <a:ln>
-            <a:noFill/>
-          </a:ln>
-        </p:spPr>
-        <p:txBody>
-          <a:bodyPr wrap="none" rtlCol="0">
-            <a:spAutoFit/>
-          </a:bodyPr>
-          <a:lstStyle/>
-          <a:p>
-            <a:r>
-              <a:rPr lang="it-IT" sz="2000" dirty="0"/>
-              <a:t>X          </a:t>
-            </a:r>
-            <a:r>
-              <a:rPr lang="en-GB" sz="2000" dirty="0"/>
-              <a:t>X</a:t>
-            </a:r>
-            <a:endParaRPr lang="it-IT" sz="2000" dirty="0"/>
-          </a:p>
-        </p:txBody>
-      </p:sp>
-      <p:sp>
-        <p:nvSpPr>
-          <p:cNvPr id="47" name="Rettangolo 46">
-            <a:extLst>
-              <a:ext uri="{FF2B5EF4-FFF2-40B4-BE49-F238E27FC236}">
-                <a16:creationId xmlns:a16="http://schemas.microsoft.com/office/drawing/2014/main" id="{19E9EE2B-FADE-4814-A969-BB3C623FCE8D}"/>
-              </a:ext>
-            </a:extLst>
-          </p:cNvPr>
-          <p:cNvSpPr/>
-          <p:nvPr/>
-        </p:nvSpPr>
-        <p:spPr>
-          <a:xfrm>
-            <a:off x="4888670" y="3874395"/>
-            <a:ext cx="699160" cy="636463"/>
-          </a:xfrm>
-          <a:prstGeom prst="rect">
-            <a:avLst/>
-          </a:prstGeom>
-        </p:spPr>
-        <p:style>
-          <a:lnRef idx="1">
-            <a:schemeClr val="accent6"/>
-          </a:lnRef>
-          <a:fillRef idx="2">
-            <a:schemeClr val="accent6"/>
-          </a:fillRef>
-          <a:effectRef idx="1">
-            <a:schemeClr val="accent6"/>
-          </a:effectRef>
-          <a:fontRef idx="minor">
-            <a:schemeClr val="dk1"/>
-          </a:fontRef>
-        </p:style>
-        <p:txBody>
-          <a:bodyPr rtlCol="0" anchor="ctr"/>
-          <a:lstStyle/>
-          <a:p>
-            <a:pPr algn="ctr"/>
-            <a:endParaRPr lang="it-IT"/>
-          </a:p>
-        </p:txBody>
-      </p:sp>
-      <p:sp>
-        <p:nvSpPr>
-          <p:cNvPr id="48" name="Rettangolo 47">
-            <a:extLst>
-              <a:ext uri="{FF2B5EF4-FFF2-40B4-BE49-F238E27FC236}">
-                <a16:creationId xmlns:a16="http://schemas.microsoft.com/office/drawing/2014/main" id="{4851AB67-09C2-4CE9-B4E5-50C45BEBA0A2}"/>
-              </a:ext>
-            </a:extLst>
-          </p:cNvPr>
-          <p:cNvSpPr/>
-          <p:nvPr/>
-        </p:nvSpPr>
-        <p:spPr>
-          <a:xfrm>
-            <a:off x="6326241" y="3887727"/>
-            <a:ext cx="718079" cy="623143"/>
-          </a:xfrm>
-          <a:prstGeom prst="rect">
-            <a:avLst/>
-          </a:prstGeom>
-        </p:spPr>
-        <p:style>
-          <a:lnRef idx="1">
-            <a:schemeClr val="accent6"/>
-          </a:lnRef>
-          <a:fillRef idx="2">
-            <a:schemeClr val="accent6"/>
-          </a:fillRef>
-          <a:effectRef idx="1">
-            <a:schemeClr val="accent6"/>
-          </a:effectRef>
-          <a:fontRef idx="minor">
-            <a:schemeClr val="dk1"/>
-          </a:fontRef>
-        </p:style>
-        <p:txBody>
-          <a:bodyPr rtlCol="0" anchor="ctr"/>
-          <a:lstStyle/>
-          <a:p>
-            <a:pPr algn="ctr"/>
-            <a:endParaRPr lang="it-IT"/>
-          </a:p>
-        </p:txBody>
-      </p:sp>
-      <p:sp>
-        <p:nvSpPr>
-          <p:cNvPr id="46" name="CasellaDiTesto 45">
-            <a:extLst>
-              <a:ext uri="{FF2B5EF4-FFF2-40B4-BE49-F238E27FC236}">
-                <a16:creationId xmlns:a16="http://schemas.microsoft.com/office/drawing/2014/main" id="{F5BD2D7D-3720-4694-8BFC-DAED64DEC532}"/>
-              </a:ext>
-            </a:extLst>
-          </p:cNvPr>
-          <p:cNvSpPr txBox="1"/>
-          <p:nvPr/>
-        </p:nvSpPr>
-        <p:spPr>
-          <a:xfrm>
-            <a:off x="5079774" y="4014667"/>
-            <a:ext cx="1818126" cy="400110"/>
-          </a:xfrm>
-          <a:prstGeom prst="rect">
-            <a:avLst/>
-          </a:prstGeom>
-          <a:noFill/>
-          <a:ln>
-            <a:noFill/>
-          </a:ln>
-        </p:spPr>
-        <p:txBody>
-          <a:bodyPr wrap="none" rtlCol="0">
-            <a:spAutoFit/>
-          </a:bodyPr>
-          <a:lstStyle/>
-          <a:p>
-            <a:r>
-              <a:rPr lang="it-IT" sz="2000" dirty="0"/>
-              <a:t>X         	         </a:t>
-            </a:r>
-            <a:r>
-              <a:rPr lang="en-GB" sz="2000" dirty="0"/>
-              <a:t>X</a:t>
-            </a:r>
-            <a:endParaRPr lang="it-IT" sz="2000" dirty="0"/>
-          </a:p>
-        </p:txBody>
-      </p:sp>
-      <p:sp>
-        <p:nvSpPr>
-          <p:cNvPr id="49" name="Freccia in su 48">
-            <a:extLst>
-              <a:ext uri="{FF2B5EF4-FFF2-40B4-BE49-F238E27FC236}">
-                <a16:creationId xmlns:a16="http://schemas.microsoft.com/office/drawing/2014/main" id="{D1FB3E3C-220E-4316-921E-284B3D647709}"/>
-              </a:ext>
-            </a:extLst>
-          </p:cNvPr>
-          <p:cNvSpPr/>
-          <p:nvPr/>
-        </p:nvSpPr>
-        <p:spPr>
-          <a:xfrm>
-            <a:off x="4380883" y="4921966"/>
-            <a:ext cx="302762" cy="400110"/>
-          </a:xfrm>
-          <a:prstGeom prst="upArrow">
-            <a:avLst/>
-          </a:prstGeom>
-        </p:spPr>
-        <p:style>
-          <a:lnRef idx="2">
-            <a:schemeClr val="accent1">
-              <a:shade val="50000"/>
-            </a:schemeClr>
-          </a:lnRef>
-          <a:fillRef idx="1">
-            <a:schemeClr val="accent1"/>
-          </a:fillRef>
-          <a:effectRef idx="0">
-            <a:schemeClr val="accent1"/>
-          </a:effectRef>
-          <a:fontRef idx="minor">
-            <a:schemeClr val="lt1"/>
-          </a:fontRef>
-        </p:style>
-        <p:txBody>
-          <a:bodyPr rtlCol="0" anchor="ctr"/>
-          <a:lstStyle/>
-          <a:p>
-            <a:pPr algn="ctr"/>
-            <a:endParaRPr lang="it-IT"/>
-          </a:p>
-        </p:txBody>
-      </p:sp>
-      <p:sp>
-        <p:nvSpPr>
-          <p:cNvPr id="50" name="Freccia in su 49">
-            <a:extLst>
-              <a:ext uri="{FF2B5EF4-FFF2-40B4-BE49-F238E27FC236}">
-                <a16:creationId xmlns:a16="http://schemas.microsoft.com/office/drawing/2014/main" id="{9EC9CBD9-686F-4EBE-9EC5-85F7ED916A83}"/>
-              </a:ext>
-            </a:extLst>
-          </p:cNvPr>
-          <p:cNvSpPr/>
-          <p:nvPr/>
-        </p:nvSpPr>
-        <p:spPr>
-          <a:xfrm rot="10800000">
-            <a:off x="7248156" y="4921966"/>
-            <a:ext cx="302762" cy="400110"/>
-          </a:xfrm>
-          <a:prstGeom prst="upArrow">
-            <a:avLst/>
-          </a:prstGeom>
-        </p:spPr>
-        <p:style>
-          <a:lnRef idx="2">
-            <a:schemeClr val="accent1">
-              <a:shade val="50000"/>
-            </a:schemeClr>
-          </a:lnRef>
-          <a:fillRef idx="1">
-            <a:schemeClr val="accent1"/>
-          </a:fillRef>
-          <a:effectRef idx="0">
-            <a:schemeClr val="accent1"/>
-          </a:effectRef>
-          <a:fontRef idx="minor">
-            <a:schemeClr val="lt1"/>
-          </a:fontRef>
-        </p:style>
-        <p:txBody>
-          <a:bodyPr rtlCol="0" anchor="ctr"/>
-          <a:lstStyle/>
-          <a:p>
-            <a:pPr algn="ctr"/>
-            <a:endParaRPr lang="it-IT"/>
-          </a:p>
-        </p:txBody>
-      </p:sp>
-      <p:sp>
-        <p:nvSpPr>
-          <p:cNvPr id="52" name="CasellaDiTesto 51">
-            <a:extLst>
-              <a:ext uri="{FF2B5EF4-FFF2-40B4-BE49-F238E27FC236}">
-                <a16:creationId xmlns:a16="http://schemas.microsoft.com/office/drawing/2014/main" id="{31B394DE-14F7-4128-BBB9-BBDAEE67CF45}"/>
-              </a:ext>
-            </a:extLst>
-          </p:cNvPr>
-          <p:cNvSpPr txBox="1"/>
-          <p:nvPr/>
-        </p:nvSpPr>
-        <p:spPr>
-          <a:xfrm>
-            <a:off x="3685120" y="2767618"/>
-            <a:ext cx="314510" cy="1015663"/>
-          </a:xfrm>
-          <a:prstGeom prst="rect">
-            <a:avLst/>
-          </a:prstGeom>
-          <a:noFill/>
-        </p:spPr>
-        <p:txBody>
-          <a:bodyPr wrap="none" rtlCol="0">
-            <a:spAutoFit/>
-          </a:bodyPr>
-          <a:lstStyle/>
-          <a:p>
-            <a:r>
-              <a:rPr lang="it-IT" sz="2000" dirty="0"/>
-              <a:t>1</a:t>
-            </a:r>
-          </a:p>
-          <a:p>
-            <a:endParaRPr lang="it-IT" sz="2000" dirty="0"/>
-          </a:p>
-          <a:p>
-            <a:r>
-              <a:rPr lang="it-IT" sz="2000" dirty="0"/>
-              <a:t>1</a:t>
-            </a:r>
-          </a:p>
-        </p:txBody>
-      </p:sp>
-      <p:sp>
-        <p:nvSpPr>
-          <p:cNvPr id="53" name="CasellaDiTesto 52">
-            <a:extLst>
-              <a:ext uri="{FF2B5EF4-FFF2-40B4-BE49-F238E27FC236}">
-                <a16:creationId xmlns:a16="http://schemas.microsoft.com/office/drawing/2014/main" id="{F934E644-6966-43AE-9923-5B3F3EA0EC2E}"/>
-              </a:ext>
-            </a:extLst>
-          </p:cNvPr>
-          <p:cNvSpPr txBox="1"/>
-          <p:nvPr/>
-        </p:nvSpPr>
-        <p:spPr>
-          <a:xfrm>
-            <a:off x="3689741" y="4009699"/>
-            <a:ext cx="314510" cy="1015663"/>
-          </a:xfrm>
-          <a:prstGeom prst="rect">
-            <a:avLst/>
-          </a:prstGeom>
-          <a:noFill/>
-        </p:spPr>
-        <p:txBody>
-          <a:bodyPr wrap="none" rtlCol="0">
-            <a:spAutoFit/>
-          </a:bodyPr>
-          <a:lstStyle/>
-          <a:p>
-            <a:r>
-              <a:rPr lang="it-IT" sz="2000" dirty="0"/>
-              <a:t>1</a:t>
-            </a:r>
-          </a:p>
-          <a:p>
-            <a:endParaRPr lang="it-IT" sz="2000" dirty="0"/>
-          </a:p>
-          <a:p>
-            <a:r>
-              <a:rPr lang="it-IT" sz="2000" dirty="0"/>
-              <a:t>1</a:t>
-            </a:r>
-          </a:p>
-        </p:txBody>
-      </p:sp>
-      <p:sp>
-        <p:nvSpPr>
-          <p:cNvPr id="55" name="CasellaDiTesto 54">
-            <a:extLst>
-              <a:ext uri="{FF2B5EF4-FFF2-40B4-BE49-F238E27FC236}">
-                <a16:creationId xmlns:a16="http://schemas.microsoft.com/office/drawing/2014/main" id="{EBE3AE03-E443-4D2D-8DB0-A2CF56F6BF1D}"/>
-              </a:ext>
-            </a:extLst>
-          </p:cNvPr>
-          <p:cNvSpPr txBox="1"/>
-          <p:nvPr/>
-        </p:nvSpPr>
-        <p:spPr>
-          <a:xfrm>
-            <a:off x="4361619" y="2779823"/>
-            <a:ext cx="314510" cy="1015663"/>
-          </a:xfrm>
-          <a:prstGeom prst="rect">
-            <a:avLst/>
-          </a:prstGeom>
-          <a:noFill/>
-        </p:spPr>
-        <p:txBody>
-          <a:bodyPr wrap="none" rtlCol="0">
-            <a:spAutoFit/>
-          </a:bodyPr>
-          <a:lstStyle/>
-          <a:p>
-            <a:r>
-              <a:rPr lang="it-IT" sz="2000" dirty="0"/>
-              <a:t>1</a:t>
-            </a:r>
-          </a:p>
-          <a:p>
-            <a:endParaRPr lang="it-IT" sz="2000" dirty="0"/>
-          </a:p>
-          <a:p>
-            <a:r>
-              <a:rPr lang="it-IT" sz="2000" dirty="0"/>
-              <a:t>1</a:t>
-            </a:r>
-          </a:p>
-        </p:txBody>
-      </p:sp>
-      <p:sp>
-        <p:nvSpPr>
-          <p:cNvPr id="56" name="CasellaDiTesto 55">
-            <a:extLst>
-              <a:ext uri="{FF2B5EF4-FFF2-40B4-BE49-F238E27FC236}">
-                <a16:creationId xmlns:a16="http://schemas.microsoft.com/office/drawing/2014/main" id="{FC1E7955-9F16-46DB-BD51-455638F748AA}"/>
-              </a:ext>
-            </a:extLst>
-          </p:cNvPr>
-          <p:cNvSpPr txBox="1"/>
-          <p:nvPr/>
-        </p:nvSpPr>
-        <p:spPr>
-          <a:xfrm>
-            <a:off x="4366240" y="4021904"/>
-            <a:ext cx="314510" cy="1015663"/>
-          </a:xfrm>
-          <a:prstGeom prst="rect">
-            <a:avLst/>
-          </a:prstGeom>
-          <a:noFill/>
-        </p:spPr>
-        <p:txBody>
-          <a:bodyPr wrap="none" rtlCol="0">
-            <a:spAutoFit/>
-          </a:bodyPr>
-          <a:lstStyle/>
-          <a:p>
-            <a:r>
-              <a:rPr lang="it-IT" sz="2000" dirty="0"/>
-              <a:t>1</a:t>
-            </a:r>
-          </a:p>
-          <a:p>
-            <a:endParaRPr lang="it-IT" sz="2000" dirty="0"/>
-          </a:p>
-          <a:p>
-            <a:r>
-              <a:rPr lang="it-IT" sz="2000" dirty="0"/>
-              <a:t>1</a:t>
-            </a:r>
-          </a:p>
-        </p:txBody>
-      </p:sp>
-      <p:sp>
-        <p:nvSpPr>
-          <p:cNvPr id="57" name="CasellaDiTesto 56">
-            <a:extLst>
-              <a:ext uri="{FF2B5EF4-FFF2-40B4-BE49-F238E27FC236}">
-                <a16:creationId xmlns:a16="http://schemas.microsoft.com/office/drawing/2014/main" id="{E7AE103F-E44E-4EDF-BE26-84F4A559137B}"/>
-              </a:ext>
-            </a:extLst>
-          </p:cNvPr>
-          <p:cNvSpPr txBox="1"/>
-          <p:nvPr/>
-        </p:nvSpPr>
-        <p:spPr>
-          <a:xfrm>
-            <a:off x="5813217" y="2799700"/>
-            <a:ext cx="314510" cy="1015663"/>
-          </a:xfrm>
-          <a:prstGeom prst="rect">
-            <a:avLst/>
-          </a:prstGeom>
-          <a:noFill/>
-        </p:spPr>
-        <p:txBody>
-          <a:bodyPr wrap="none" rtlCol="0">
-            <a:spAutoFit/>
-          </a:bodyPr>
-          <a:lstStyle/>
-          <a:p>
-            <a:r>
-              <a:rPr lang="it-IT" sz="2000" dirty="0"/>
-              <a:t>1</a:t>
-            </a:r>
-          </a:p>
-          <a:p>
-            <a:endParaRPr lang="it-IT" sz="2000" dirty="0"/>
-          </a:p>
-          <a:p>
-            <a:r>
-              <a:rPr lang="it-IT" sz="2000" dirty="0"/>
-              <a:t>1</a:t>
-            </a:r>
-          </a:p>
-        </p:txBody>
-      </p:sp>
-      <p:sp>
-        <p:nvSpPr>
-          <p:cNvPr id="58" name="CasellaDiTesto 57">
-            <a:extLst>
-              <a:ext uri="{FF2B5EF4-FFF2-40B4-BE49-F238E27FC236}">
-                <a16:creationId xmlns:a16="http://schemas.microsoft.com/office/drawing/2014/main" id="{04E961FA-AA8E-499D-AD45-4FB0B308CDD6}"/>
-              </a:ext>
-            </a:extLst>
-          </p:cNvPr>
-          <p:cNvSpPr txBox="1"/>
-          <p:nvPr/>
-        </p:nvSpPr>
-        <p:spPr>
-          <a:xfrm>
-            <a:off x="5817838" y="4066165"/>
-            <a:ext cx="314510" cy="1015663"/>
-          </a:xfrm>
-          <a:prstGeom prst="rect">
-            <a:avLst/>
-          </a:prstGeom>
-          <a:noFill/>
-        </p:spPr>
-        <p:txBody>
-          <a:bodyPr wrap="none" rtlCol="0">
-            <a:spAutoFit/>
-          </a:bodyPr>
-          <a:lstStyle/>
-          <a:p>
-            <a:r>
-              <a:rPr lang="it-IT" sz="2000" dirty="0"/>
-              <a:t>1</a:t>
-            </a:r>
-          </a:p>
-          <a:p>
-            <a:endParaRPr lang="it-IT" sz="2000" dirty="0"/>
-          </a:p>
-          <a:p>
-            <a:r>
-              <a:rPr lang="it-IT" sz="2000" dirty="0"/>
-              <a:t>1</a:t>
-            </a:r>
-          </a:p>
-        </p:txBody>
-      </p:sp>
-      <p:sp>
-        <p:nvSpPr>
-          <p:cNvPr id="59" name="CasellaDiTesto 58">
-            <a:extLst>
-              <a:ext uri="{FF2B5EF4-FFF2-40B4-BE49-F238E27FC236}">
-                <a16:creationId xmlns:a16="http://schemas.microsoft.com/office/drawing/2014/main" id="{71695D0F-9161-459B-8E8B-784CD276ECC5}"/>
-              </a:ext>
-            </a:extLst>
-          </p:cNvPr>
-          <p:cNvSpPr txBox="1"/>
-          <p:nvPr/>
-        </p:nvSpPr>
-        <p:spPr>
-          <a:xfrm>
-            <a:off x="7233592" y="2810866"/>
-            <a:ext cx="314510" cy="1015663"/>
-          </a:xfrm>
-          <a:prstGeom prst="rect">
-            <a:avLst/>
-          </a:prstGeom>
-          <a:noFill/>
-        </p:spPr>
-        <p:txBody>
-          <a:bodyPr wrap="none" rtlCol="0">
-            <a:spAutoFit/>
-          </a:bodyPr>
-          <a:lstStyle/>
-          <a:p>
-            <a:r>
-              <a:rPr lang="it-IT" sz="2000" dirty="0"/>
-              <a:t>1</a:t>
-            </a:r>
-          </a:p>
-          <a:p>
-            <a:endParaRPr lang="it-IT" sz="2000" dirty="0"/>
-          </a:p>
-          <a:p>
-            <a:r>
-              <a:rPr lang="it-IT" sz="2000" dirty="0"/>
-              <a:t>1</a:t>
-            </a:r>
-          </a:p>
-        </p:txBody>
-      </p:sp>
-      <p:sp>
-        <p:nvSpPr>
-          <p:cNvPr id="60" name="CasellaDiTesto 59">
-            <a:extLst>
-              <a:ext uri="{FF2B5EF4-FFF2-40B4-BE49-F238E27FC236}">
-                <a16:creationId xmlns:a16="http://schemas.microsoft.com/office/drawing/2014/main" id="{BC242ED6-E6C4-40F9-B000-9754CB1B6D11}"/>
-              </a:ext>
-            </a:extLst>
-          </p:cNvPr>
-          <p:cNvSpPr txBox="1"/>
-          <p:nvPr/>
-        </p:nvSpPr>
-        <p:spPr>
-          <a:xfrm>
-            <a:off x="7238213" y="4052947"/>
-            <a:ext cx="314510" cy="1015663"/>
-          </a:xfrm>
-          <a:prstGeom prst="rect">
-            <a:avLst/>
-          </a:prstGeom>
-          <a:noFill/>
-        </p:spPr>
-        <p:txBody>
-          <a:bodyPr wrap="none" rtlCol="0">
-            <a:spAutoFit/>
-          </a:bodyPr>
-          <a:lstStyle/>
-          <a:p>
-            <a:r>
-              <a:rPr lang="it-IT" sz="2000" dirty="0"/>
-              <a:t>1</a:t>
-            </a:r>
-          </a:p>
-          <a:p>
-            <a:endParaRPr lang="it-IT" sz="2000" dirty="0"/>
-          </a:p>
-          <a:p>
-            <a:r>
-              <a:rPr lang="it-IT" sz="2000" dirty="0"/>
-              <a:t>1</a:t>
-            </a:r>
-          </a:p>
-        </p:txBody>
-      </p:sp>
-      <p:sp>
-        <p:nvSpPr>
-          <p:cNvPr id="61" name="CasellaDiTesto 60">
-            <a:extLst>
-              <a:ext uri="{FF2B5EF4-FFF2-40B4-BE49-F238E27FC236}">
-                <a16:creationId xmlns:a16="http://schemas.microsoft.com/office/drawing/2014/main" id="{63549A85-0FD0-4888-AEEE-C7C4217382F3}"/>
-              </a:ext>
-            </a:extLst>
-          </p:cNvPr>
-          <p:cNvSpPr txBox="1"/>
-          <p:nvPr/>
-        </p:nvSpPr>
-        <p:spPr>
-          <a:xfrm>
-            <a:off x="5079792" y="2157968"/>
-            <a:ext cx="314510" cy="1015663"/>
-          </a:xfrm>
-          <a:prstGeom prst="rect">
-            <a:avLst/>
-          </a:prstGeom>
-          <a:noFill/>
-        </p:spPr>
-        <p:txBody>
-          <a:bodyPr wrap="none" rtlCol="0">
-            <a:spAutoFit/>
-          </a:bodyPr>
-          <a:lstStyle/>
-          <a:p>
-            <a:r>
-              <a:rPr lang="it-IT" sz="2000" dirty="0"/>
-              <a:t>1</a:t>
-            </a:r>
-          </a:p>
-          <a:p>
-            <a:endParaRPr lang="it-IT" sz="2000" dirty="0"/>
-          </a:p>
-          <a:p>
-            <a:r>
-              <a:rPr lang="it-IT" sz="2000" dirty="0"/>
-              <a:t>1</a:t>
-            </a:r>
-          </a:p>
-        </p:txBody>
-      </p:sp>
-      <p:sp>
-        <p:nvSpPr>
-          <p:cNvPr id="62" name="CasellaDiTesto 61">
-            <a:extLst>
-              <a:ext uri="{FF2B5EF4-FFF2-40B4-BE49-F238E27FC236}">
-                <a16:creationId xmlns:a16="http://schemas.microsoft.com/office/drawing/2014/main" id="{5FDC68A9-BCC8-4AA3-8077-D008C801A60A}"/>
-              </a:ext>
-            </a:extLst>
-          </p:cNvPr>
-          <p:cNvSpPr txBox="1"/>
-          <p:nvPr/>
-        </p:nvSpPr>
-        <p:spPr>
-          <a:xfrm>
-            <a:off x="5092014" y="4066165"/>
-            <a:ext cx="314510" cy="1015663"/>
-          </a:xfrm>
-          <a:prstGeom prst="rect">
-            <a:avLst/>
-          </a:prstGeom>
-          <a:noFill/>
-        </p:spPr>
-        <p:txBody>
-          <a:bodyPr wrap="none" rtlCol="0">
-            <a:spAutoFit/>
-          </a:bodyPr>
-          <a:lstStyle/>
-          <a:p>
-            <a:endParaRPr lang="it-IT" sz="2000" dirty="0"/>
-          </a:p>
-          <a:p>
-            <a:endParaRPr lang="it-IT" sz="2000" dirty="0"/>
-          </a:p>
-          <a:p>
-            <a:r>
-              <a:rPr lang="it-IT" sz="2000" dirty="0"/>
-              <a:t>1</a:t>
-            </a:r>
-          </a:p>
-        </p:txBody>
-      </p:sp>
-      <p:sp>
-        <p:nvSpPr>
-          <p:cNvPr id="63" name="CasellaDiTesto 62">
-            <a:extLst>
-              <a:ext uri="{FF2B5EF4-FFF2-40B4-BE49-F238E27FC236}">
-                <a16:creationId xmlns:a16="http://schemas.microsoft.com/office/drawing/2014/main" id="{E7433660-930C-43C9-89AD-4F8C2D5A996C}"/>
-              </a:ext>
-            </a:extLst>
-          </p:cNvPr>
-          <p:cNvSpPr txBox="1"/>
-          <p:nvPr/>
-        </p:nvSpPr>
-        <p:spPr>
-          <a:xfrm>
-            <a:off x="5079792" y="2769310"/>
-            <a:ext cx="314510" cy="1015663"/>
-          </a:xfrm>
-          <a:prstGeom prst="rect">
-            <a:avLst/>
-          </a:prstGeom>
-          <a:noFill/>
-        </p:spPr>
-        <p:txBody>
-          <a:bodyPr wrap="none" rtlCol="0">
-            <a:spAutoFit/>
-          </a:bodyPr>
-          <a:lstStyle/>
-          <a:p>
-            <a:endParaRPr lang="it-IT" sz="2000" dirty="0"/>
-          </a:p>
-          <a:p>
-            <a:endParaRPr lang="it-IT" sz="2000" dirty="0"/>
-          </a:p>
-          <a:p>
-            <a:r>
-              <a:rPr lang="it-IT" sz="2000" dirty="0"/>
-              <a:t>1</a:t>
-            </a:r>
-          </a:p>
-        </p:txBody>
-      </p:sp>
-      <p:sp>
-        <p:nvSpPr>
-          <p:cNvPr id="64" name="CasellaDiTesto 63">
-            <a:extLst>
-              <a:ext uri="{FF2B5EF4-FFF2-40B4-BE49-F238E27FC236}">
-                <a16:creationId xmlns:a16="http://schemas.microsoft.com/office/drawing/2014/main" id="{3CDDD1CC-6C07-4AF7-B8DE-6E8E681EB937}"/>
-              </a:ext>
-            </a:extLst>
-          </p:cNvPr>
-          <p:cNvSpPr txBox="1"/>
-          <p:nvPr/>
-        </p:nvSpPr>
-        <p:spPr>
-          <a:xfrm>
-            <a:off x="4361619" y="2164180"/>
-            <a:ext cx="309918" cy="1015663"/>
-          </a:xfrm>
-          <a:prstGeom prst="rect">
-            <a:avLst/>
-          </a:prstGeom>
-          <a:noFill/>
-        </p:spPr>
-        <p:txBody>
-          <a:bodyPr wrap="square" rtlCol="0">
-            <a:spAutoFit/>
-          </a:bodyPr>
-          <a:lstStyle/>
-          <a:p>
-            <a:r>
-              <a:rPr lang="it-IT" sz="2000" dirty="0"/>
-              <a:t>1</a:t>
-            </a:r>
-          </a:p>
-          <a:p>
-            <a:endParaRPr lang="it-IT" sz="2000" dirty="0"/>
-          </a:p>
-          <a:p>
-            <a:endParaRPr lang="it-IT" sz="2000" dirty="0"/>
-          </a:p>
-        </p:txBody>
-      </p:sp>
-      <p:sp>
-        <p:nvSpPr>
-          <p:cNvPr id="65" name="CasellaDiTesto 64">
-            <a:extLst>
-              <a:ext uri="{FF2B5EF4-FFF2-40B4-BE49-F238E27FC236}">
-                <a16:creationId xmlns:a16="http://schemas.microsoft.com/office/drawing/2014/main" id="{ABECCB99-B6EF-4717-B8D6-4139F49E597A}"/>
-              </a:ext>
-            </a:extLst>
-          </p:cNvPr>
-          <p:cNvSpPr txBox="1"/>
-          <p:nvPr/>
-        </p:nvSpPr>
-        <p:spPr>
-          <a:xfrm>
-            <a:off x="6513512" y="2788862"/>
-            <a:ext cx="314510" cy="1015663"/>
-          </a:xfrm>
-          <a:prstGeom prst="rect">
-            <a:avLst/>
-          </a:prstGeom>
-          <a:noFill/>
-        </p:spPr>
-        <p:txBody>
-          <a:bodyPr wrap="none" rtlCol="0">
-            <a:spAutoFit/>
-          </a:bodyPr>
-          <a:lstStyle/>
-          <a:p>
-            <a:r>
-              <a:rPr lang="it-IT" sz="2000" dirty="0"/>
-              <a:t>1</a:t>
-            </a:r>
-          </a:p>
-          <a:p>
-            <a:endParaRPr lang="it-IT" sz="2000" dirty="0"/>
-          </a:p>
-          <a:p>
-            <a:r>
-              <a:rPr lang="it-IT" sz="2000" dirty="0"/>
-              <a:t>1</a:t>
-            </a:r>
-          </a:p>
-        </p:txBody>
-      </p:sp>
-      <p:sp>
-        <p:nvSpPr>
-          <p:cNvPr id="66" name="CasellaDiTesto 65">
-            <a:extLst>
-              <a:ext uri="{FF2B5EF4-FFF2-40B4-BE49-F238E27FC236}">
-                <a16:creationId xmlns:a16="http://schemas.microsoft.com/office/drawing/2014/main" id="{CE63F9E6-6F17-4B91-A1FB-943E92BDF96C}"/>
-              </a:ext>
-            </a:extLst>
-          </p:cNvPr>
-          <p:cNvSpPr txBox="1"/>
-          <p:nvPr/>
-        </p:nvSpPr>
-        <p:spPr>
-          <a:xfrm>
-            <a:off x="5799118" y="2169944"/>
-            <a:ext cx="314510" cy="1015663"/>
-          </a:xfrm>
-          <a:prstGeom prst="rect">
-            <a:avLst/>
-          </a:prstGeom>
-          <a:noFill/>
-        </p:spPr>
-        <p:txBody>
-          <a:bodyPr wrap="none" rtlCol="0">
-            <a:spAutoFit/>
-          </a:bodyPr>
-          <a:lstStyle/>
-          <a:p>
-            <a:r>
-              <a:rPr lang="it-IT" sz="2000" dirty="0"/>
-              <a:t>1</a:t>
-            </a:r>
-          </a:p>
-          <a:p>
-            <a:endParaRPr lang="it-IT" sz="2000" dirty="0"/>
-          </a:p>
-          <a:p>
-            <a:endParaRPr lang="it-IT" sz="2000" dirty="0"/>
-          </a:p>
-        </p:txBody>
-      </p:sp>
-      <p:sp>
-        <p:nvSpPr>
-          <p:cNvPr id="67" name="CasellaDiTesto 66">
-            <a:extLst>
-              <a:ext uri="{FF2B5EF4-FFF2-40B4-BE49-F238E27FC236}">
-                <a16:creationId xmlns:a16="http://schemas.microsoft.com/office/drawing/2014/main" id="{9F3177A2-F23E-4F61-A65C-A021F71D7495}"/>
-              </a:ext>
-            </a:extLst>
-          </p:cNvPr>
-          <p:cNvSpPr txBox="1"/>
-          <p:nvPr/>
-        </p:nvSpPr>
-        <p:spPr>
-          <a:xfrm>
-            <a:off x="6536765" y="4696066"/>
-            <a:ext cx="314510" cy="1015663"/>
-          </a:xfrm>
-          <a:prstGeom prst="rect">
-            <a:avLst/>
-          </a:prstGeom>
-          <a:noFill/>
-        </p:spPr>
-        <p:txBody>
-          <a:bodyPr wrap="none" rtlCol="0">
-            <a:spAutoFit/>
-          </a:bodyPr>
-          <a:lstStyle/>
-          <a:p>
-            <a:r>
-              <a:rPr lang="it-IT" sz="2000" dirty="0"/>
-              <a:t>1</a:t>
-            </a:r>
-          </a:p>
-          <a:p>
-            <a:endParaRPr lang="it-IT" sz="2000" dirty="0"/>
-          </a:p>
-          <a:p>
-            <a:endParaRPr lang="it-IT" sz="2000" dirty="0"/>
-          </a:p>
-        </p:txBody>
-      </p:sp>
-      <p:sp>
-        <p:nvSpPr>
-          <p:cNvPr id="71" name="CasellaDiTesto 70">
-            <a:extLst>
-              <a:ext uri="{FF2B5EF4-FFF2-40B4-BE49-F238E27FC236}">
-                <a16:creationId xmlns:a16="http://schemas.microsoft.com/office/drawing/2014/main" id="{99EDDFA7-B90C-4ACB-A388-1C15BA98EA0D}"/>
-              </a:ext>
-            </a:extLst>
-          </p:cNvPr>
-          <p:cNvSpPr txBox="1"/>
-          <p:nvPr/>
-        </p:nvSpPr>
-        <p:spPr>
-          <a:xfrm>
-            <a:off x="6525100" y="2183025"/>
-            <a:ext cx="314510" cy="1015663"/>
-          </a:xfrm>
-          <a:prstGeom prst="rect">
-            <a:avLst/>
-          </a:prstGeom>
-          <a:noFill/>
-        </p:spPr>
-        <p:txBody>
-          <a:bodyPr wrap="none" rtlCol="0">
-            <a:spAutoFit/>
-          </a:bodyPr>
-          <a:lstStyle/>
-          <a:p>
-            <a:r>
-              <a:rPr lang="it-IT" sz="2000" dirty="0"/>
-              <a:t>1</a:t>
-            </a:r>
-          </a:p>
-          <a:p>
-            <a:endParaRPr lang="it-IT" sz="2000" dirty="0"/>
-          </a:p>
-          <a:p>
-            <a:endParaRPr lang="it-IT" sz="2000" dirty="0"/>
-          </a:p>
-        </p:txBody>
-      </p:sp>
-      <p:sp>
-        <p:nvSpPr>
-          <p:cNvPr id="72" name="CasellaDiTesto 71">
-            <a:extLst>
-              <a:ext uri="{FF2B5EF4-FFF2-40B4-BE49-F238E27FC236}">
-                <a16:creationId xmlns:a16="http://schemas.microsoft.com/office/drawing/2014/main" id="{F099B5C3-17D3-4204-92CC-2C7529FE64E6}"/>
-              </a:ext>
-            </a:extLst>
-          </p:cNvPr>
-          <p:cNvSpPr txBox="1"/>
-          <p:nvPr/>
-        </p:nvSpPr>
-        <p:spPr>
-          <a:xfrm>
-            <a:off x="7244426" y="2195001"/>
-            <a:ext cx="314510" cy="1015663"/>
-          </a:xfrm>
-          <a:prstGeom prst="rect">
-            <a:avLst/>
-          </a:prstGeom>
-          <a:noFill/>
-        </p:spPr>
-        <p:txBody>
-          <a:bodyPr wrap="none" rtlCol="0">
-            <a:spAutoFit/>
-          </a:bodyPr>
-          <a:lstStyle/>
-          <a:p>
-            <a:r>
-              <a:rPr lang="it-IT" sz="2000" dirty="0"/>
-              <a:t>1</a:t>
-            </a:r>
-          </a:p>
-          <a:p>
-            <a:endParaRPr lang="it-IT" sz="2000" dirty="0"/>
-          </a:p>
-          <a:p>
-            <a:endParaRPr lang="it-IT" sz="2000" dirty="0"/>
-          </a:p>
-        </p:txBody>
-      </p:sp>
-      <p:sp>
-        <p:nvSpPr>
-          <p:cNvPr id="75" name="CasellaDiTesto 74">
-            <a:extLst>
-              <a:ext uri="{FF2B5EF4-FFF2-40B4-BE49-F238E27FC236}">
-                <a16:creationId xmlns:a16="http://schemas.microsoft.com/office/drawing/2014/main" id="{5208617A-FCB8-43F5-ABB3-363B497B76C8}"/>
-              </a:ext>
-            </a:extLst>
-          </p:cNvPr>
-          <p:cNvSpPr txBox="1"/>
-          <p:nvPr/>
-        </p:nvSpPr>
-        <p:spPr>
-          <a:xfrm>
-            <a:off x="213064" y="133165"/>
-            <a:ext cx="3251496" cy="646331"/>
-          </a:xfrm>
-          <a:prstGeom prst="rect">
-            <a:avLst/>
-          </a:prstGeom>
-          <a:noFill/>
-        </p:spPr>
-        <p:txBody>
-          <a:bodyPr wrap="square" rtlCol="0">
-            <a:spAutoFit/>
-          </a:bodyPr>
-          <a:lstStyle/>
-          <a:p>
-            <a:r>
-              <a:rPr lang="it-IT" dirty="0"/>
-              <a:t>SPRINT1</a:t>
-            </a:r>
-          </a:p>
-          <a:p>
-            <a:r>
-              <a:rPr lang="it-IT" dirty="0"/>
-              <a:t>Mappa della </a:t>
-            </a:r>
-            <a:r>
-              <a:rPr lang="it-IT" dirty="0" err="1"/>
-              <a:t>TeaRoom</a:t>
-            </a:r>
-            <a:endParaRPr lang="it-IT" dirty="0"/>
-          </a:p>
-        </p:txBody>
-      </p:sp>
-    </p:spTree>
-    <p:extLst>
-      <p:ext uri="{BB962C8B-B14F-4D97-AF65-F5344CB8AC3E}">
-        <p14:creationId xmlns:p14="http://schemas.microsoft.com/office/powerpoint/2010/main" val="2214033250"/>
+        <p14:creationId xmlns:p14="http://schemas.microsoft.com/office/powerpoint/2010/main" val="2974926376"/>
       </p:ext>
     </p:extLst>
   </p:cSld>

--- a/DOCUMENTS/Diagrammi.pptx
+++ b/DOCUMENTS/Diagrammi.pptx
@@ -5,12 +5,14 @@
     <p:sldMasterId id="2147483648" r:id="rId1"/>
   </p:sldMasterIdLst>
   <p:notesMasterIdLst>
-    <p:notesMasterId r:id="rId5"/>
+    <p:notesMasterId r:id="rId7"/>
   </p:notesMasterIdLst>
   <p:sldIdLst>
     <p:sldId id="256" r:id="rId2"/>
     <p:sldId id="257" r:id="rId3"/>
     <p:sldId id="258" r:id="rId4"/>
+    <p:sldId id="259" r:id="rId5"/>
+    <p:sldId id="353" r:id="rId6"/>
   </p:sldIdLst>
   <p:sldSz cx="12192000" cy="6858000"/>
   <p:notesSz cx="6858000" cy="9144000"/>
@@ -199,7 +201,7 @@
           <a:p>
             <a:fld id="{840E2AAB-1006-4BA7-817F-86A01148584B}" type="datetimeFigureOut">
               <a:rPr lang="it-IT" smtClean="0"/>
-              <a:t>25/06/2020</a:t>
+              <a:t>27/06/2020</a:t>
             </a:fld>
             <a:endParaRPr lang="it-IT"/>
           </a:p>
@@ -613,7 +615,7 @@
           <a:p>
             <a:fld id="{0210BBF0-42E9-4380-BF75-9938A7ED37A5}" type="datetimeFigureOut">
               <a:rPr lang="it-IT" smtClean="0"/>
-              <a:t>25/06/2020</a:t>
+              <a:t>27/06/2020</a:t>
             </a:fld>
             <a:endParaRPr lang="it-IT"/>
           </a:p>
@@ -811,7 +813,7 @@
           <a:p>
             <a:fld id="{0210BBF0-42E9-4380-BF75-9938A7ED37A5}" type="datetimeFigureOut">
               <a:rPr lang="it-IT" smtClean="0"/>
-              <a:t>25/06/2020</a:t>
+              <a:t>27/06/2020</a:t>
             </a:fld>
             <a:endParaRPr lang="it-IT"/>
           </a:p>
@@ -1019,7 +1021,7 @@
           <a:p>
             <a:fld id="{0210BBF0-42E9-4380-BF75-9938A7ED37A5}" type="datetimeFigureOut">
               <a:rPr lang="it-IT" smtClean="0"/>
-              <a:t>25/06/2020</a:t>
+              <a:t>27/06/2020</a:t>
             </a:fld>
             <a:endParaRPr lang="it-IT"/>
           </a:p>
@@ -1217,7 +1219,7 @@
           <a:p>
             <a:fld id="{0210BBF0-42E9-4380-BF75-9938A7ED37A5}" type="datetimeFigureOut">
               <a:rPr lang="it-IT" smtClean="0"/>
-              <a:t>25/06/2020</a:t>
+              <a:t>27/06/2020</a:t>
             </a:fld>
             <a:endParaRPr lang="it-IT"/>
           </a:p>
@@ -1492,7 +1494,7 @@
           <a:p>
             <a:fld id="{0210BBF0-42E9-4380-BF75-9938A7ED37A5}" type="datetimeFigureOut">
               <a:rPr lang="it-IT" smtClean="0"/>
-              <a:t>25/06/2020</a:t>
+              <a:t>27/06/2020</a:t>
             </a:fld>
             <a:endParaRPr lang="it-IT"/>
           </a:p>
@@ -1757,7 +1759,7 @@
           <a:p>
             <a:fld id="{0210BBF0-42E9-4380-BF75-9938A7ED37A5}" type="datetimeFigureOut">
               <a:rPr lang="it-IT" smtClean="0"/>
-              <a:t>25/06/2020</a:t>
+              <a:t>27/06/2020</a:t>
             </a:fld>
             <a:endParaRPr lang="it-IT"/>
           </a:p>
@@ -2169,7 +2171,7 @@
           <a:p>
             <a:fld id="{0210BBF0-42E9-4380-BF75-9938A7ED37A5}" type="datetimeFigureOut">
               <a:rPr lang="it-IT" smtClean="0"/>
-              <a:t>25/06/2020</a:t>
+              <a:t>27/06/2020</a:t>
             </a:fld>
             <a:endParaRPr lang="it-IT"/>
           </a:p>
@@ -2310,7 +2312,7 @@
           <a:p>
             <a:fld id="{0210BBF0-42E9-4380-BF75-9938A7ED37A5}" type="datetimeFigureOut">
               <a:rPr lang="it-IT" smtClean="0"/>
-              <a:t>25/06/2020</a:t>
+              <a:t>27/06/2020</a:t>
             </a:fld>
             <a:endParaRPr lang="it-IT"/>
           </a:p>
@@ -2423,7 +2425,7 @@
           <a:p>
             <a:fld id="{0210BBF0-42E9-4380-BF75-9938A7ED37A5}" type="datetimeFigureOut">
               <a:rPr lang="it-IT" smtClean="0"/>
-              <a:t>25/06/2020</a:t>
+              <a:t>27/06/2020</a:t>
             </a:fld>
             <a:endParaRPr lang="it-IT"/>
           </a:p>
@@ -2734,7 +2736,7 @@
           <a:p>
             <a:fld id="{0210BBF0-42E9-4380-BF75-9938A7ED37A5}" type="datetimeFigureOut">
               <a:rPr lang="it-IT" smtClean="0"/>
-              <a:t>25/06/2020</a:t>
+              <a:t>27/06/2020</a:t>
             </a:fld>
             <a:endParaRPr lang="it-IT"/>
           </a:p>
@@ -3022,7 +3024,7 @@
           <a:p>
             <a:fld id="{0210BBF0-42E9-4380-BF75-9938A7ED37A5}" type="datetimeFigureOut">
               <a:rPr lang="it-IT" smtClean="0"/>
-              <a:t>25/06/2020</a:t>
+              <a:t>27/06/2020</a:t>
             </a:fld>
             <a:endParaRPr lang="it-IT"/>
           </a:p>
@@ -3263,7 +3265,7 @@
           <a:p>
             <a:fld id="{0210BBF0-42E9-4380-BF75-9938A7ED37A5}" type="datetimeFigureOut">
               <a:rPr lang="it-IT" smtClean="0"/>
-              <a:t>25/06/2020</a:t>
+              <a:t>27/06/2020</a:t>
             </a:fld>
             <a:endParaRPr lang="it-IT"/>
           </a:p>
@@ -3694,7 +3696,7 @@
         </p:nvSpPr>
         <p:spPr>
           <a:xfrm>
-            <a:off x="1145219" y="2886604"/>
+            <a:off x="248574" y="4537852"/>
             <a:ext cx="2275750" cy="1715056"/>
           </a:xfrm>
           <a:prstGeom prst="roundRect">
@@ -3748,7 +3750,7 @@
         </p:nvGrpSpPr>
         <p:grpSpPr>
           <a:xfrm>
-            <a:off x="1403276" y="4160463"/>
+            <a:off x="506631" y="5811711"/>
             <a:ext cx="693123" cy="289457"/>
             <a:chOff x="5133975" y="5295900"/>
             <a:chExt cx="342900" cy="238125"/>
@@ -4107,7 +4109,7 @@
         </p:nvSpPr>
         <p:spPr>
           <a:xfrm>
-            <a:off x="2285767" y="4132066"/>
+            <a:off x="1389122" y="5783314"/>
             <a:ext cx="836374" cy="369332"/>
           </a:xfrm>
           <a:prstGeom prst="rect">
@@ -4143,7 +4145,7 @@
         </p:nvGrpSpPr>
         <p:grpSpPr>
           <a:xfrm>
-            <a:off x="1380546" y="3518291"/>
+            <a:off x="483901" y="5169539"/>
             <a:ext cx="780765" cy="96938"/>
             <a:chOff x="4586473" y="4245346"/>
             <a:chExt cx="667405" cy="86434"/>
@@ -4260,7 +4262,7 @@
         </p:nvSpPr>
         <p:spPr>
           <a:xfrm>
-            <a:off x="2256721" y="2942462"/>
+            <a:off x="1360076" y="4593710"/>
             <a:ext cx="1164248" cy="369332"/>
           </a:xfrm>
           <a:prstGeom prst="rect">
@@ -4296,7 +4298,7 @@
         </p:nvSpPr>
         <p:spPr>
           <a:xfrm>
-            <a:off x="2261107" y="3380900"/>
+            <a:off x="1364462" y="5032148"/>
             <a:ext cx="1091788" cy="369332"/>
           </a:xfrm>
           <a:prstGeom prst="rect">
@@ -4332,7 +4334,7 @@
         </p:nvGrpSpPr>
         <p:grpSpPr>
           <a:xfrm>
-            <a:off x="1399304" y="3781011"/>
+            <a:off x="502659" y="5432259"/>
             <a:ext cx="780169" cy="96938"/>
             <a:chOff x="4592177" y="4419530"/>
             <a:chExt cx="666895" cy="86434"/>
@@ -4440,7 +4442,7 @@
         </p:nvSpPr>
         <p:spPr>
           <a:xfrm>
-            <a:off x="2261598" y="3636212"/>
+            <a:off x="1364953" y="5287460"/>
             <a:ext cx="843875" cy="369332"/>
           </a:xfrm>
           <a:prstGeom prst="rect">
@@ -4478,7 +4480,7 @@
         </p:nvCxnSpPr>
         <p:spPr>
           <a:xfrm>
-            <a:off x="1359336" y="3148554"/>
+            <a:off x="462691" y="4799802"/>
             <a:ext cx="916298" cy="0"/>
           </a:xfrm>
           <a:prstGeom prst="straightConnector1">
@@ -5138,7 +5140,7 @@
         </p:nvGrpSpPr>
         <p:grpSpPr>
           <a:xfrm>
-            <a:off x="9581958" y="6309147"/>
+            <a:off x="8405993" y="4594086"/>
             <a:ext cx="1696867" cy="1164750"/>
             <a:chOff x="7666665" y="4321887"/>
             <a:chExt cx="1696867" cy="1164750"/>
@@ -5309,8 +5311,8 @@
           </p:nvSpPr>
           <p:spPr>
             <a:xfrm>
-              <a:off x="8028467" y="4706517"/>
-              <a:ext cx="1134926" cy="369332"/>
+              <a:off x="7673362" y="4724273"/>
+              <a:ext cx="1563826" cy="307777"/>
             </a:xfrm>
             <a:prstGeom prst="rect">
               <a:avLst/>
@@ -5323,9 +5325,10 @@
             <a:lstStyle/>
             <a:p>
               <a:r>
-                <a:rPr lang="en-GB" dirty="0"/>
-                <a:t>Manager?</a:t>
+                <a:rPr lang="en-GB" sz="1400" dirty="0" err="1"/>
+                <a:t>situation_observer</a:t>
               </a:r>
+              <a:endParaRPr lang="en-GB" dirty="0"/>
             </a:p>
           </p:txBody>
         </p:sp>
@@ -5344,10 +5347,10 @@
         </p:nvGrpSpPr>
         <p:grpSpPr>
           <a:xfrm>
-            <a:off x="5271277" y="6954103"/>
-            <a:ext cx="1863853" cy="1164750"/>
+            <a:off x="3220531" y="4574883"/>
+            <a:ext cx="1696867" cy="1164750"/>
             <a:chOff x="10084210" y="2903031"/>
-            <a:chExt cx="1863853" cy="1164750"/>
+            <a:chExt cx="1696867" cy="1164750"/>
           </a:xfrm>
         </p:grpSpPr>
         <p:sp>
@@ -5515,8 +5518,8 @@
           </p:nvSpPr>
           <p:spPr>
             <a:xfrm>
-              <a:off x="10321720" y="3287661"/>
-              <a:ext cx="1626343" cy="338554"/>
+              <a:off x="10161919" y="3287661"/>
+              <a:ext cx="1458797" cy="307777"/>
             </a:xfrm>
             <a:prstGeom prst="rect">
               <a:avLst/>
@@ -5529,12 +5532,12 @@
             <a:lstStyle/>
             <a:p>
               <a:r>
-                <a:rPr lang="en-GB" sz="1600" dirty="0" err="1"/>
+                <a:rPr lang="en-GB" sz="1400" dirty="0" err="1"/>
                 <a:t>client_simulator</a:t>
               </a:r>
               <a:r>
-                <a:rPr lang="en-GB" sz="1600" dirty="0"/>
-                <a:t>?</a:t>
+                <a:rPr lang="en-GB" sz="1400" dirty="0"/>
+                <a:t>*</a:t>
               </a:r>
             </a:p>
           </p:txBody>
@@ -5863,7 +5866,7 @@
         </p:nvGrpSpPr>
         <p:grpSpPr>
           <a:xfrm rot="15348643">
-            <a:off x="4661782" y="6245499"/>
+            <a:off x="2611036" y="3866279"/>
             <a:ext cx="1338397" cy="133885"/>
             <a:chOff x="4586473" y="4245346"/>
             <a:chExt cx="667405" cy="86434"/>
@@ -5980,7 +5983,7 @@
         </p:nvGrpSpPr>
         <p:grpSpPr>
           <a:xfrm rot="15369352">
-            <a:off x="5082140" y="6152454"/>
+            <a:off x="3031394" y="3773234"/>
             <a:ext cx="1235473" cy="131452"/>
             <a:chOff x="4592177" y="4419530"/>
             <a:chExt cx="666895" cy="86434"/>
@@ -6087,8 +6090,8 @@
           <p:nvPr/>
         </p:nvSpPr>
         <p:spPr>
-          <a:xfrm rot="2315863">
-            <a:off x="7859389" y="6410648"/>
+          <a:xfrm rot="1698871">
+            <a:off x="5659163" y="3884466"/>
             <a:ext cx="1248194" cy="738664"/>
           </a:xfrm>
           <a:prstGeom prst="rect">
@@ -6136,8 +6139,8 @@
         </p:nvCxnSpPr>
         <p:spPr>
           <a:xfrm flipV="1">
-            <a:off x="6932225" y="5569415"/>
-            <a:ext cx="1315593" cy="1592445"/>
+            <a:off x="4852008" y="3135232"/>
+            <a:ext cx="951150" cy="1647409"/>
           </a:xfrm>
           <a:prstGeom prst="straightConnector1">
             <a:avLst/>
@@ -6332,7 +6335,7 @@
         </p:nvSpPr>
         <p:spPr>
           <a:xfrm rot="20858184">
-            <a:off x="4441315" y="6380476"/>
+            <a:off x="2390569" y="4001256"/>
             <a:ext cx="757492" cy="307777"/>
           </a:xfrm>
           <a:prstGeom prst="rect">
@@ -6367,7 +6370,7 @@
         </p:nvSpPr>
         <p:spPr>
           <a:xfrm rot="20858184">
-            <a:off x="5741312" y="5957959"/>
+            <a:off x="3690566" y="3578739"/>
             <a:ext cx="1544603" cy="276999"/>
           </a:xfrm>
           <a:prstGeom prst="rect">
@@ -6406,8 +6409,55 @@
         </p:nvSpPr>
         <p:spPr>
           <a:xfrm>
-            <a:off x="1257015" y="256209"/>
+            <a:off x="249580" y="391882"/>
             <a:ext cx="2127992" cy="646331"/>
+          </a:xfrm>
+          <a:prstGeom prst="rect">
+            <a:avLst/>
+          </a:prstGeom>
+          <a:noFill/>
+          <a:ln>
+            <a:solidFill>
+              <a:schemeClr val="accent1"/>
+            </a:solidFill>
+          </a:ln>
+        </p:spPr>
+        <p:txBody>
+          <a:bodyPr wrap="square" rtlCol="0">
+            <a:spAutoFit/>
+          </a:bodyPr>
+          <a:lstStyle/>
+          <a:p>
+            <a:r>
+              <a:rPr lang="it-IT" dirty="0" err="1"/>
+              <a:t>Overview</a:t>
+            </a:r>
+            <a:endParaRPr lang="it-IT" dirty="0"/>
+          </a:p>
+          <a:p>
+            <a:r>
+              <a:rPr lang="it-IT" dirty="0"/>
+              <a:t>Architettura logica</a:t>
+            </a:r>
+          </a:p>
+        </p:txBody>
+      </p:sp>
+      <p:sp>
+        <p:nvSpPr>
+          <p:cNvPr id="2" name="CasellaDiTesto 1">
+            <a:extLst>
+              <a:ext uri="{FF2B5EF4-FFF2-40B4-BE49-F238E27FC236}">
+                <a16:creationId xmlns:a16="http://schemas.microsoft.com/office/drawing/2014/main" id="{4DC33050-28DE-487F-B3CD-42EFEA69C969}"/>
+              </a:ext>
+            </a:extLst>
+          </p:cNvPr>
+          <p:cNvSpPr txBox="1"/>
+          <p:nvPr/>
+        </p:nvSpPr>
+        <p:spPr>
+          <a:xfrm>
+            <a:off x="1553592" y="2743200"/>
+            <a:ext cx="10354181" cy="369332"/>
           </a:xfrm>
           <a:prstGeom prst="rect">
             <a:avLst/>
@@ -6415,22 +6465,51 @@
           <a:noFill/>
         </p:spPr>
         <p:txBody>
-          <a:bodyPr wrap="square" rtlCol="0">
+          <a:bodyPr wrap="none" rtlCol="0">
             <a:spAutoFit/>
           </a:bodyPr>
           <a:lstStyle/>
           <a:p>
             <a:r>
-              <a:rPr lang="it-IT" dirty="0" err="1"/>
-              <a:t>Overview</a:t>
+              <a:rPr lang="it-IT" dirty="0"/>
+              <a:t>---------------------------------------------------------------------------------------------------------------------------------------------</a:t>
+            </a:r>
+          </a:p>
+        </p:txBody>
+      </p:sp>
+      <p:sp>
+        <p:nvSpPr>
+          <p:cNvPr id="4" name="CasellaDiTesto 3">
+            <a:extLst>
+              <a:ext uri="{FF2B5EF4-FFF2-40B4-BE49-F238E27FC236}">
+                <a16:creationId xmlns:a16="http://schemas.microsoft.com/office/drawing/2014/main" id="{7C18F562-9AED-4F5B-8BC9-481CCFFFE2F1}"/>
+              </a:ext>
+            </a:extLst>
+          </p:cNvPr>
+          <p:cNvSpPr txBox="1"/>
+          <p:nvPr/>
+        </p:nvSpPr>
+        <p:spPr>
+          <a:xfrm>
+            <a:off x="4852008" y="5656792"/>
+            <a:ext cx="2074735" cy="307777"/>
+          </a:xfrm>
+          <a:prstGeom prst="rect">
+            <a:avLst/>
+          </a:prstGeom>
+          <a:noFill/>
+        </p:spPr>
+        <p:txBody>
+          <a:bodyPr wrap="none" rtlCol="0">
+            <a:spAutoFit/>
+          </a:bodyPr>
+          <a:lstStyle/>
+          <a:p>
+            <a:r>
+              <a:rPr lang="it-IT" sz="1400" dirty="0"/>
+              <a:t>*per scopo di simulazione</a:t>
             </a:r>
             <a:endParaRPr lang="it-IT" dirty="0"/>
-          </a:p>
-          <a:p>
-            <a:r>
-              <a:rPr lang="it-IT" dirty="0"/>
-              <a:t>Architettura logica</a:t>
-            </a:r>
           </a:p>
         </p:txBody>
       </p:sp>
@@ -8775,13 +8854,18 @@
         </p:nvSpPr>
         <p:spPr>
           <a:xfrm>
-            <a:off x="213064" y="133165"/>
+            <a:off x="236705" y="168676"/>
             <a:ext cx="3251496" cy="646331"/>
           </a:xfrm>
           <a:prstGeom prst="rect">
             <a:avLst/>
           </a:prstGeom>
           <a:noFill/>
+          <a:ln>
+            <a:solidFill>
+              <a:schemeClr val="accent1"/>
+            </a:solidFill>
+          </a:ln>
         </p:spPr>
         <p:txBody>
           <a:bodyPr wrap="square" rtlCol="0">
@@ -9673,7 +9757,7 @@
         </p:nvGrpSpPr>
         <p:grpSpPr>
           <a:xfrm>
-            <a:off x="4916585" y="1830095"/>
+            <a:off x="4404244" y="2024366"/>
             <a:ext cx="1696867" cy="1164750"/>
             <a:chOff x="2680234" y="3945052"/>
             <a:chExt cx="1696867" cy="1164750"/>
@@ -9879,7 +9963,7 @@
         </p:nvGrpSpPr>
         <p:grpSpPr>
           <a:xfrm>
-            <a:off x="8654840" y="1854910"/>
+            <a:off x="8142499" y="2049181"/>
             <a:ext cx="1696867" cy="1164750"/>
             <a:chOff x="2928808" y="2307658"/>
             <a:chExt cx="1696867" cy="1164750"/>
@@ -10086,7 +10170,7 @@
         </p:nvGrpSpPr>
         <p:grpSpPr>
           <a:xfrm>
-            <a:off x="6823250" y="2388555"/>
+            <a:off x="6310909" y="2582826"/>
             <a:ext cx="1594842" cy="118262"/>
             <a:chOff x="4586473" y="4245346"/>
             <a:chExt cx="667405" cy="86434"/>
@@ -10203,7 +10287,7 @@
         </p:nvGrpSpPr>
         <p:grpSpPr>
           <a:xfrm>
-            <a:off x="6774014" y="2622964"/>
+            <a:off x="6261673" y="2817235"/>
             <a:ext cx="1600507" cy="170634"/>
             <a:chOff x="4592177" y="4419530"/>
             <a:chExt cx="666895" cy="86434"/>
@@ -10311,7 +10395,7 @@
         </p:nvSpPr>
         <p:spPr>
           <a:xfrm>
-            <a:off x="7020236" y="2017108"/>
+            <a:off x="6507895" y="2211379"/>
             <a:ext cx="980653" cy="307777"/>
           </a:xfrm>
           <a:prstGeom prst="rect">
@@ -10334,10 +10418,10 @@
       </p:sp>
       <p:sp>
         <p:nvSpPr>
-          <p:cNvPr id="119" name="CasellaDiTesto 118">
-            <a:extLst>
-              <a:ext uri="{FF2B5EF4-FFF2-40B4-BE49-F238E27FC236}">
-                <a16:creationId xmlns:a16="http://schemas.microsoft.com/office/drawing/2014/main" id="{DBF1C222-3CFB-4B09-8B4A-1F2F5CA84698}"/>
+          <p:cNvPr id="75" name="CasellaDiTesto 74">
+            <a:extLst>
+              <a:ext uri="{FF2B5EF4-FFF2-40B4-BE49-F238E27FC236}">
+                <a16:creationId xmlns:a16="http://schemas.microsoft.com/office/drawing/2014/main" id="{F5098F2C-46A8-433C-9D19-48BC13D273C1}"/>
               </a:ext>
             </a:extLst>
           </p:cNvPr>
@@ -10346,48 +10430,7 @@
         </p:nvSpPr>
         <p:spPr>
           <a:xfrm>
-            <a:off x="213064" y="133165"/>
-            <a:ext cx="2127992" cy="646331"/>
-          </a:xfrm>
-          <a:prstGeom prst="rect">
-            <a:avLst/>
-          </a:prstGeom>
-          <a:noFill/>
-        </p:spPr>
-        <p:txBody>
-          <a:bodyPr wrap="square" rtlCol="0">
-            <a:spAutoFit/>
-          </a:bodyPr>
-          <a:lstStyle/>
-          <a:p>
-            <a:r>
-              <a:rPr lang="it-IT" dirty="0"/>
-              <a:t>SPRINT 1</a:t>
-            </a:r>
-          </a:p>
-          <a:p>
-            <a:r>
-              <a:rPr lang="it-IT" dirty="0"/>
-              <a:t>Architettura logica</a:t>
-            </a:r>
-          </a:p>
-        </p:txBody>
-      </p:sp>
-      <p:sp>
-        <p:nvSpPr>
-          <p:cNvPr id="75" name="CasellaDiTesto 74">
-            <a:extLst>
-              <a:ext uri="{FF2B5EF4-FFF2-40B4-BE49-F238E27FC236}">
-                <a16:creationId xmlns:a16="http://schemas.microsoft.com/office/drawing/2014/main" id="{F5098F2C-46A8-433C-9D19-48BC13D273C1}"/>
-              </a:ext>
-            </a:extLst>
-          </p:cNvPr>
-          <p:cNvSpPr txBox="1"/>
-          <p:nvPr/>
-        </p:nvSpPr>
-        <p:spPr>
-          <a:xfrm>
-            <a:off x="7069792" y="2904105"/>
+            <a:off x="6557451" y="3098376"/>
             <a:ext cx="886076" cy="307777"/>
           </a:xfrm>
           <a:prstGeom prst="rect">
@@ -10423,7 +10466,7 @@
         </p:nvGrpSpPr>
         <p:grpSpPr>
           <a:xfrm>
-            <a:off x="3246623" y="2111586"/>
+            <a:off x="2734282" y="2305857"/>
             <a:ext cx="1594842" cy="118262"/>
             <a:chOff x="4586473" y="4245346"/>
             <a:chExt cx="667405" cy="86434"/>
@@ -10540,7 +10583,7 @@
         </p:nvGrpSpPr>
         <p:grpSpPr>
           <a:xfrm>
-            <a:off x="3201764" y="2623995"/>
+            <a:off x="2689423" y="2818266"/>
             <a:ext cx="1600507" cy="170634"/>
             <a:chOff x="4592177" y="4419530"/>
             <a:chExt cx="666895" cy="86434"/>
@@ -10648,7 +10691,7 @@
         </p:nvSpPr>
         <p:spPr>
           <a:xfrm>
-            <a:off x="3506488" y="1671411"/>
+            <a:off x="2994147" y="1865682"/>
             <a:ext cx="1335174" cy="307777"/>
           </a:xfrm>
           <a:prstGeom prst="rect">
@@ -10687,7 +10730,7 @@
         </p:nvSpPr>
         <p:spPr>
           <a:xfrm>
-            <a:off x="3564187" y="2905780"/>
+            <a:off x="3051846" y="3100051"/>
             <a:ext cx="921919" cy="307777"/>
           </a:xfrm>
           <a:prstGeom prst="rect">
@@ -10728,7 +10771,7 @@
         </p:nvCxnSpPr>
         <p:spPr>
           <a:xfrm>
-            <a:off x="6810310" y="1900100"/>
+            <a:off x="6297969" y="2094371"/>
             <a:ext cx="1555333" cy="16942"/>
           </a:xfrm>
           <a:prstGeom prst="straightConnector1">
@@ -10768,7 +10811,7 @@
         </p:nvSpPr>
         <p:spPr>
           <a:xfrm>
-            <a:off x="7026555" y="1541117"/>
+            <a:off x="6514214" y="1735388"/>
             <a:ext cx="966931" cy="307777"/>
           </a:xfrm>
           <a:prstGeom prst="rect">
@@ -10793,6 +10836,52 @@
           </a:p>
         </p:txBody>
       </p:sp>
+      <p:sp>
+        <p:nvSpPr>
+          <p:cNvPr id="47" name="CasellaDiTesto 46">
+            <a:extLst>
+              <a:ext uri="{FF2B5EF4-FFF2-40B4-BE49-F238E27FC236}">
+                <a16:creationId xmlns:a16="http://schemas.microsoft.com/office/drawing/2014/main" id="{C608CB08-D382-4FFB-A1FD-8C9539148555}"/>
+              </a:ext>
+            </a:extLst>
+          </p:cNvPr>
+          <p:cNvSpPr txBox="1"/>
+          <p:nvPr/>
+        </p:nvSpPr>
+        <p:spPr>
+          <a:xfrm>
+            <a:off x="284493" y="297300"/>
+            <a:ext cx="3251496" cy="646331"/>
+          </a:xfrm>
+          <a:prstGeom prst="rect">
+            <a:avLst/>
+          </a:prstGeom>
+          <a:noFill/>
+          <a:ln>
+            <a:solidFill>
+              <a:schemeClr val="accent1"/>
+            </a:solidFill>
+          </a:ln>
+        </p:spPr>
+        <p:txBody>
+          <a:bodyPr wrap="square" rtlCol="0">
+            <a:spAutoFit/>
+          </a:bodyPr>
+          <a:lstStyle/>
+          <a:p>
+            <a:r>
+              <a:rPr lang="it-IT" dirty="0"/>
+              <a:t>SPRINT1</a:t>
+            </a:r>
+          </a:p>
+          <a:p>
+            <a:r>
+              <a:rPr lang="it-IT" dirty="0"/>
+              <a:t>Architettura Logica</a:t>
+            </a:r>
+          </a:p>
+        </p:txBody>
+      </p:sp>
     </p:spTree>
     <p:extLst>
       <p:ext uri="{BB962C8B-B14F-4D97-AF65-F5344CB8AC3E}">
@@ -10803,6 +10892,6021 @@
   <p:clrMapOvr>
     <a:masterClrMapping/>
   </p:clrMapOvr>
+</p:sld>
+</file>
+
+<file path=ppt/slides/slide4.xml><?xml version="1.0" encoding="utf-8"?>
+<p:sld xmlns:a="http://schemas.openxmlformats.org/drawingml/2006/main" xmlns:r="http://schemas.openxmlformats.org/officeDocument/2006/relationships" xmlns:p="http://schemas.openxmlformats.org/presentationml/2006/main">
+  <p:cSld>
+    <p:spTree>
+      <p:nvGrpSpPr>
+        <p:cNvPr id="1" name=""/>
+        <p:cNvGrpSpPr/>
+        <p:nvPr/>
+      </p:nvGrpSpPr>
+      <p:grpSpPr>
+        <a:xfrm>
+          <a:off x="0" y="0"/>
+          <a:ext cx="0" cy="0"/>
+          <a:chOff x="0" y="0"/>
+          <a:chExt cx="0" cy="0"/>
+        </a:xfrm>
+      </p:grpSpPr>
+      <p:grpSp>
+        <p:nvGrpSpPr>
+          <p:cNvPr id="5" name="Gruppo 4">
+            <a:extLst>
+              <a:ext uri="{FF2B5EF4-FFF2-40B4-BE49-F238E27FC236}">
+                <a16:creationId xmlns:a16="http://schemas.microsoft.com/office/drawing/2014/main" id="{CCB2259A-136F-4FC8-A98F-09F9B8EC5F83}"/>
+              </a:ext>
+            </a:extLst>
+          </p:cNvPr>
+          <p:cNvGrpSpPr/>
+          <p:nvPr/>
+        </p:nvGrpSpPr>
+        <p:grpSpPr>
+          <a:xfrm>
+            <a:off x="7711736" y="2010301"/>
+            <a:ext cx="1696867" cy="1234655"/>
+            <a:chOff x="2460219" y="2004003"/>
+            <a:chExt cx="1696867" cy="1234655"/>
+          </a:xfrm>
+        </p:grpSpPr>
+        <p:sp>
+          <p:nvSpPr>
+            <p:cNvPr id="6" name="Triangolo isoscele 5">
+              <a:extLst>
+                <a:ext uri="{FF2B5EF4-FFF2-40B4-BE49-F238E27FC236}">
+                  <a16:creationId xmlns:a16="http://schemas.microsoft.com/office/drawing/2014/main" id="{DB68498C-9CC5-4A38-9BCB-02DAB3B8E45F}"/>
+                </a:ext>
+              </a:extLst>
+            </p:cNvPr>
+            <p:cNvSpPr/>
+            <p:nvPr/>
+          </p:nvSpPr>
+          <p:spPr>
+            <a:xfrm rot="5400000">
+              <a:off x="3220535" y="2242777"/>
+              <a:ext cx="998084" cy="875019"/>
+            </a:xfrm>
+            <a:prstGeom prst="triangle">
+              <a:avLst/>
+            </a:prstGeom>
+            <a:solidFill>
+              <a:srgbClr val="CCFF66"/>
+            </a:solidFill>
+            <a:ln/>
+          </p:spPr>
+          <p:style>
+            <a:lnRef idx="1">
+              <a:schemeClr val="accent5"/>
+            </a:lnRef>
+            <a:fillRef idx="2">
+              <a:schemeClr val="accent5"/>
+            </a:fillRef>
+            <a:effectRef idx="1">
+              <a:schemeClr val="accent5"/>
+            </a:effectRef>
+            <a:fontRef idx="minor">
+              <a:schemeClr val="dk1"/>
+            </a:fontRef>
+          </p:style>
+          <p:txBody>
+            <a:bodyPr rtlCol="0" anchor="ctr"/>
+            <a:lstStyle/>
+            <a:p>
+              <a:pPr algn="ctr"/>
+              <a:endParaRPr lang="en-GB" sz="1200">
+                <a:solidFill>
+                  <a:schemeClr val="dk1"/>
+                </a:solidFill>
+              </a:endParaRPr>
+            </a:p>
+          </p:txBody>
+        </p:sp>
+        <p:grpSp>
+          <p:nvGrpSpPr>
+            <p:cNvPr id="7" name="Gruppo 82">
+              <a:extLst>
+                <a:ext uri="{FF2B5EF4-FFF2-40B4-BE49-F238E27FC236}">
+                  <a16:creationId xmlns:a16="http://schemas.microsoft.com/office/drawing/2014/main" id="{03711F09-1510-4BE0-950D-178D02A9CCE3}"/>
+                </a:ext>
+              </a:extLst>
+            </p:cNvPr>
+            <p:cNvGrpSpPr/>
+            <p:nvPr/>
+          </p:nvGrpSpPr>
+          <p:grpSpPr>
+            <a:xfrm>
+              <a:off x="2460219" y="2004003"/>
+              <a:ext cx="1409184" cy="1234655"/>
+              <a:chOff x="1194666" y="2417771"/>
+              <a:chExt cx="866156" cy="763297"/>
+            </a:xfrm>
+          </p:grpSpPr>
+          <p:sp>
+            <p:nvSpPr>
+              <p:cNvPr id="9" name="Ovale 38">
+                <a:extLst>
+                  <a:ext uri="{FF2B5EF4-FFF2-40B4-BE49-F238E27FC236}">
+                    <a16:creationId xmlns:a16="http://schemas.microsoft.com/office/drawing/2014/main" id="{A8681FB9-5108-4504-B8F9-14DD9B8DA9F2}"/>
+                  </a:ext>
+                </a:extLst>
+              </p:cNvPr>
+              <p:cNvSpPr/>
+              <p:nvPr/>
+            </p:nvSpPr>
+            <p:spPr>
+              <a:xfrm>
+                <a:off x="1311101" y="2460988"/>
+                <a:ext cx="749721" cy="720080"/>
+              </a:xfrm>
+              <a:prstGeom prst="ellipse">
+                <a:avLst/>
+              </a:prstGeom>
+              <a:solidFill>
+                <a:srgbClr val="FFCCFF"/>
+              </a:solidFill>
+              <a:ln/>
+            </p:spPr>
+            <p:style>
+              <a:lnRef idx="1">
+                <a:schemeClr val="accent5"/>
+              </a:lnRef>
+              <a:fillRef idx="2">
+                <a:schemeClr val="accent5"/>
+              </a:fillRef>
+              <a:effectRef idx="1">
+                <a:schemeClr val="accent5"/>
+              </a:effectRef>
+              <a:fontRef idx="minor">
+                <a:schemeClr val="dk1"/>
+              </a:fontRef>
+            </p:style>
+            <p:txBody>
+              <a:bodyPr rtlCol="0" anchor="ctr"/>
+              <a:lstStyle/>
+              <a:p>
+                <a:pPr algn="ctr"/>
+                <a:r>
+                  <a:rPr lang="en-GB" sz="1200" dirty="0"/>
+                  <a:t> </a:t>
+                </a:r>
+              </a:p>
+            </p:txBody>
+          </p:sp>
+          <p:sp>
+            <p:nvSpPr>
+              <p:cNvPr id="10" name="Rettangolo 39">
+                <a:extLst>
+                  <a:ext uri="{FF2B5EF4-FFF2-40B4-BE49-F238E27FC236}">
+                    <a16:creationId xmlns:a16="http://schemas.microsoft.com/office/drawing/2014/main" id="{C09FB3C0-F6B9-4AEF-8DC4-A83B9ACC1969}"/>
+                  </a:ext>
+                </a:extLst>
+              </p:cNvPr>
+              <p:cNvSpPr/>
+              <p:nvPr/>
+            </p:nvSpPr>
+            <p:spPr>
+              <a:xfrm>
+                <a:off x="1194666" y="2699711"/>
+                <a:ext cx="281433" cy="211952"/>
+              </a:xfrm>
+              <a:prstGeom prst="rect">
+                <a:avLst/>
+              </a:prstGeom>
+              <a:solidFill>
+                <a:srgbClr val="FFCCFF"/>
+              </a:solidFill>
+              <a:ln/>
+            </p:spPr>
+            <p:style>
+              <a:lnRef idx="1">
+                <a:schemeClr val="accent5"/>
+              </a:lnRef>
+              <a:fillRef idx="2">
+                <a:schemeClr val="accent5"/>
+              </a:fillRef>
+              <a:effectRef idx="1">
+                <a:schemeClr val="accent5"/>
+              </a:effectRef>
+              <a:fontRef idx="minor">
+                <a:schemeClr val="dk1"/>
+              </a:fontRef>
+            </p:style>
+            <p:txBody>
+              <a:bodyPr rtlCol="0" anchor="ctr"/>
+              <a:lstStyle/>
+              <a:p>
+                <a:pPr algn="ctr"/>
+                <a:endParaRPr lang="en-GB" sz="1200"/>
+              </a:p>
+            </p:txBody>
+          </p:sp>
+          <p:sp>
+            <p:nvSpPr>
+              <p:cNvPr id="11" name="Triangolo isoscele 42">
+                <a:extLst>
+                  <a:ext uri="{FF2B5EF4-FFF2-40B4-BE49-F238E27FC236}">
+                    <a16:creationId xmlns:a16="http://schemas.microsoft.com/office/drawing/2014/main" id="{E4062397-D89C-4F19-8E7A-A269C9A311C2}"/>
+                  </a:ext>
+                </a:extLst>
+              </p:cNvPr>
+              <p:cNvSpPr/>
+              <p:nvPr/>
+            </p:nvSpPr>
+            <p:spPr>
+              <a:xfrm rot="16200000">
+                <a:off x="1618539" y="2391356"/>
+                <a:ext cx="86434" cy="139263"/>
+              </a:xfrm>
+              <a:prstGeom prst="triangle">
+                <a:avLst/>
+              </a:prstGeom>
+              <a:solidFill>
+                <a:srgbClr val="FF0000"/>
+              </a:solidFill>
+              <a:ln/>
+            </p:spPr>
+            <p:style>
+              <a:lnRef idx="1">
+                <a:schemeClr val="accent5"/>
+              </a:lnRef>
+              <a:fillRef idx="2">
+                <a:schemeClr val="accent5"/>
+              </a:fillRef>
+              <a:effectRef idx="1">
+                <a:schemeClr val="accent5"/>
+              </a:effectRef>
+              <a:fontRef idx="minor">
+                <a:schemeClr val="dk1"/>
+              </a:fontRef>
+            </p:style>
+            <p:txBody>
+              <a:bodyPr rtlCol="0" anchor="ctr"/>
+              <a:lstStyle/>
+              <a:p>
+                <a:pPr algn="ctr"/>
+                <a:endParaRPr lang="en-GB" sz="1200">
+                  <a:solidFill>
+                    <a:schemeClr val="dk1"/>
+                  </a:solidFill>
+                </a:endParaRPr>
+              </a:p>
+            </p:txBody>
+          </p:sp>
+        </p:grpSp>
+        <p:sp>
+          <p:nvSpPr>
+            <p:cNvPr id="8" name="Rettangolo 7">
+              <a:extLst>
+                <a:ext uri="{FF2B5EF4-FFF2-40B4-BE49-F238E27FC236}">
+                  <a16:creationId xmlns:a16="http://schemas.microsoft.com/office/drawing/2014/main" id="{28EB2732-E0D8-45E9-8BE9-68617370B196}"/>
+                </a:ext>
+              </a:extLst>
+            </p:cNvPr>
+            <p:cNvSpPr/>
+            <p:nvPr/>
+          </p:nvSpPr>
+          <p:spPr>
+            <a:xfrm>
+              <a:off x="2697729" y="2458538"/>
+              <a:ext cx="1044838" cy="369332"/>
+            </a:xfrm>
+            <a:prstGeom prst="rect">
+              <a:avLst/>
+            </a:prstGeom>
+          </p:spPr>
+          <p:txBody>
+            <a:bodyPr wrap="none">
+              <a:spAutoFit/>
+            </a:bodyPr>
+            <a:lstStyle/>
+            <a:p>
+              <a:r>
+                <a:rPr lang="en-GB" dirty="0" err="1"/>
+                <a:t>basicrobot</a:t>
+              </a:r>
+              <a:endParaRPr lang="en-GB" dirty="0"/>
+            </a:p>
+          </p:txBody>
+        </p:sp>
+      </p:grpSp>
+      <p:sp>
+        <p:nvSpPr>
+          <p:cNvPr id="15" name="CasellaDiTesto 67">
+            <a:extLst>
+              <a:ext uri="{FF2B5EF4-FFF2-40B4-BE49-F238E27FC236}">
+                <a16:creationId xmlns:a16="http://schemas.microsoft.com/office/drawing/2014/main" id="{A289E2A0-5DB5-45C4-81F2-CD29D1A80D84}"/>
+              </a:ext>
+            </a:extLst>
+          </p:cNvPr>
+          <p:cNvSpPr txBox="1"/>
+          <p:nvPr/>
+        </p:nvSpPr>
+        <p:spPr>
+          <a:xfrm>
+            <a:off x="6636516" y="2140238"/>
+            <a:ext cx="539250" cy="338554"/>
+          </a:xfrm>
+          <a:prstGeom prst="rect">
+            <a:avLst/>
+          </a:prstGeom>
+          <a:noFill/>
+        </p:spPr>
+        <p:txBody>
+          <a:bodyPr wrap="none" rtlCol="0">
+            <a:spAutoFit/>
+          </a:bodyPr>
+          <a:lstStyle/>
+          <a:p>
+            <a:r>
+              <a:rPr lang="it-IT" sz="1600" dirty="0"/>
+              <a:t>step</a:t>
+            </a:r>
+            <a:endParaRPr lang="en-GB" sz="2000" dirty="0"/>
+          </a:p>
+        </p:txBody>
+      </p:sp>
+      <p:grpSp>
+        <p:nvGrpSpPr>
+          <p:cNvPr id="16" name="Gruppo 75">
+            <a:extLst>
+              <a:ext uri="{FF2B5EF4-FFF2-40B4-BE49-F238E27FC236}">
+                <a16:creationId xmlns:a16="http://schemas.microsoft.com/office/drawing/2014/main" id="{B7461CAE-55E6-48E0-A09A-38BD98B3389D}"/>
+              </a:ext>
+            </a:extLst>
+          </p:cNvPr>
+          <p:cNvGrpSpPr/>
+          <p:nvPr/>
+        </p:nvGrpSpPr>
+        <p:grpSpPr>
+          <a:xfrm rot="1719965" flipH="1">
+            <a:off x="7604925" y="1728747"/>
+            <a:ext cx="592487" cy="258092"/>
+            <a:chOff x="5133975" y="5295900"/>
+            <a:chExt cx="342900" cy="238125"/>
+          </a:xfrm>
+        </p:grpSpPr>
+        <p:sp>
+          <p:nvSpPr>
+            <p:cNvPr id="17" name="Figura a mano libera 76">
+              <a:extLst>
+                <a:ext uri="{FF2B5EF4-FFF2-40B4-BE49-F238E27FC236}">
+                  <a16:creationId xmlns:a16="http://schemas.microsoft.com/office/drawing/2014/main" id="{AF88C660-A346-4976-9939-2E20DF9E568A}"/>
+                </a:ext>
+              </a:extLst>
+            </p:cNvPr>
+            <p:cNvSpPr/>
+            <p:nvPr/>
+          </p:nvSpPr>
+          <p:spPr>
+            <a:xfrm>
+              <a:off x="5133975" y="5295900"/>
+              <a:ext cx="342900" cy="238125"/>
+            </a:xfrm>
+            <a:custGeom>
+              <a:avLst/>
+              <a:gdLst>
+                <a:gd name="connsiteX0" fmla="*/ 0 w 342900"/>
+                <a:gd name="connsiteY0" fmla="*/ 142875 h 238125"/>
+                <a:gd name="connsiteX1" fmla="*/ 28575 w 342900"/>
+                <a:gd name="connsiteY1" fmla="*/ 38100 h 238125"/>
+                <a:gd name="connsiteX2" fmla="*/ 47625 w 342900"/>
+                <a:gd name="connsiteY2" fmla="*/ 9525 h 238125"/>
+                <a:gd name="connsiteX3" fmla="*/ 76200 w 342900"/>
+                <a:gd name="connsiteY3" fmla="*/ 0 h 238125"/>
+                <a:gd name="connsiteX4" fmla="*/ 104775 w 342900"/>
+                <a:gd name="connsiteY4" fmla="*/ 9525 h 238125"/>
+                <a:gd name="connsiteX5" fmla="*/ 142875 w 342900"/>
+                <a:gd name="connsiteY5" fmla="*/ 95250 h 238125"/>
+                <a:gd name="connsiteX6" fmla="*/ 161925 w 342900"/>
+                <a:gd name="connsiteY6" fmla="*/ 152400 h 238125"/>
+                <a:gd name="connsiteX7" fmla="*/ 171450 w 342900"/>
+                <a:gd name="connsiteY7" fmla="*/ 180975 h 238125"/>
+                <a:gd name="connsiteX8" fmla="*/ 209550 w 342900"/>
+                <a:gd name="connsiteY8" fmla="*/ 238125 h 238125"/>
+                <a:gd name="connsiteX9" fmla="*/ 238125 w 342900"/>
+                <a:gd name="connsiteY9" fmla="*/ 180975 h 238125"/>
+                <a:gd name="connsiteX10" fmla="*/ 266700 w 342900"/>
+                <a:gd name="connsiteY10" fmla="*/ 104775 h 238125"/>
+                <a:gd name="connsiteX11" fmla="*/ 342900 w 342900"/>
+                <a:gd name="connsiteY11" fmla="*/ 85725 h 238125"/>
+              </a:gdLst>
+              <a:ahLst/>
+              <a:cxnLst>
+                <a:cxn ang="0">
+                  <a:pos x="connsiteX0" y="connsiteY0"/>
+                </a:cxn>
+                <a:cxn ang="0">
+                  <a:pos x="connsiteX1" y="connsiteY1"/>
+                </a:cxn>
+                <a:cxn ang="0">
+                  <a:pos x="connsiteX2" y="connsiteY2"/>
+                </a:cxn>
+                <a:cxn ang="0">
+                  <a:pos x="connsiteX3" y="connsiteY3"/>
+                </a:cxn>
+                <a:cxn ang="0">
+                  <a:pos x="connsiteX4" y="connsiteY4"/>
+                </a:cxn>
+                <a:cxn ang="0">
+                  <a:pos x="connsiteX5" y="connsiteY5"/>
+                </a:cxn>
+                <a:cxn ang="0">
+                  <a:pos x="connsiteX6" y="connsiteY6"/>
+                </a:cxn>
+                <a:cxn ang="0">
+                  <a:pos x="connsiteX7" y="connsiteY7"/>
+                </a:cxn>
+                <a:cxn ang="0">
+                  <a:pos x="connsiteX8" y="connsiteY8"/>
+                </a:cxn>
+                <a:cxn ang="0">
+                  <a:pos x="connsiteX9" y="connsiteY9"/>
+                </a:cxn>
+                <a:cxn ang="0">
+                  <a:pos x="connsiteX10" y="connsiteY10"/>
+                </a:cxn>
+                <a:cxn ang="0">
+                  <a:pos x="connsiteX11" y="connsiteY11"/>
+                </a:cxn>
+              </a:cxnLst>
+              <a:rect l="l" t="t" r="r" b="b"/>
+              <a:pathLst>
+                <a:path w="342900" h="238125">
+                  <a:moveTo>
+                    <a:pt x="0" y="142875"/>
+                  </a:moveTo>
+                  <a:cubicBezTo>
+                    <a:pt x="5112" y="117315"/>
+                    <a:pt x="14764" y="58817"/>
+                    <a:pt x="28575" y="38100"/>
+                  </a:cubicBezTo>
+                  <a:cubicBezTo>
+                    <a:pt x="34925" y="28575"/>
+                    <a:pt x="38686" y="16676"/>
+                    <a:pt x="47625" y="9525"/>
+                  </a:cubicBezTo>
+                  <a:cubicBezTo>
+                    <a:pt x="55465" y="3253"/>
+                    <a:pt x="66675" y="3175"/>
+                    <a:pt x="76200" y="0"/>
+                  </a:cubicBezTo>
+                  <a:cubicBezTo>
+                    <a:pt x="85725" y="3175"/>
+                    <a:pt x="96935" y="3253"/>
+                    <a:pt x="104775" y="9525"/>
+                  </a:cubicBezTo>
+                  <a:cubicBezTo>
+                    <a:pt x="125358" y="25992"/>
+                    <a:pt x="137054" y="77787"/>
+                    <a:pt x="142875" y="95250"/>
+                  </a:cubicBezTo>
+                  <a:lnTo>
+                    <a:pt x="161925" y="152400"/>
+                  </a:lnTo>
+                  <a:cubicBezTo>
+                    <a:pt x="165100" y="161925"/>
+                    <a:pt x="169481" y="171130"/>
+                    <a:pt x="171450" y="180975"/>
+                  </a:cubicBezTo>
+                  <a:cubicBezTo>
+                    <a:pt x="182944" y="238445"/>
+                    <a:pt x="165616" y="223480"/>
+                    <a:pt x="209550" y="238125"/>
+                  </a:cubicBezTo>
+                  <a:cubicBezTo>
+                    <a:pt x="228174" y="210189"/>
+                    <a:pt x="230238" y="212523"/>
+                    <a:pt x="238125" y="180975"/>
+                  </a:cubicBezTo>
+                  <a:cubicBezTo>
+                    <a:pt x="243105" y="161054"/>
+                    <a:pt x="243471" y="119293"/>
+                    <a:pt x="266700" y="104775"/>
+                  </a:cubicBezTo>
+                  <a:cubicBezTo>
+                    <a:pt x="300393" y="83717"/>
+                    <a:pt x="313092" y="85725"/>
+                    <a:pt x="342900" y="85725"/>
+                  </a:cubicBezTo>
+                </a:path>
+              </a:pathLst>
+            </a:custGeom>
+            <a:noFill/>
+            <a:ln>
+              <a:solidFill>
+                <a:srgbClr val="C00000"/>
+              </a:solidFill>
+            </a:ln>
+          </p:spPr>
+          <p:style>
+            <a:lnRef idx="2">
+              <a:schemeClr val="accent1">
+                <a:shade val="50000"/>
+              </a:schemeClr>
+            </a:lnRef>
+            <a:fillRef idx="1">
+              <a:schemeClr val="accent1"/>
+            </a:fillRef>
+            <a:effectRef idx="0">
+              <a:schemeClr val="accent1"/>
+            </a:effectRef>
+            <a:fontRef idx="minor">
+              <a:schemeClr val="lt1"/>
+            </a:fontRef>
+          </p:style>
+          <p:txBody>
+            <a:bodyPr rtlCol="0" anchor="ctr"/>
+            <a:lstStyle/>
+            <a:p>
+              <a:pPr algn="ctr"/>
+              <a:endParaRPr lang="it-IT"/>
+            </a:p>
+          </p:txBody>
+        </p:sp>
+        <p:sp>
+          <p:nvSpPr>
+            <p:cNvPr id="18" name="Figura a mano libera 77">
+              <a:extLst>
+                <a:ext uri="{FF2B5EF4-FFF2-40B4-BE49-F238E27FC236}">
+                  <a16:creationId xmlns:a16="http://schemas.microsoft.com/office/drawing/2014/main" id="{850A228D-0D00-4297-B0B0-4BF428A56763}"/>
+                </a:ext>
+              </a:extLst>
+            </p:cNvPr>
+            <p:cNvSpPr/>
+            <p:nvPr/>
+          </p:nvSpPr>
+          <p:spPr>
+            <a:xfrm>
+              <a:off x="5400675" y="5353050"/>
+              <a:ext cx="66675" cy="38100"/>
+            </a:xfrm>
+            <a:custGeom>
+              <a:avLst/>
+              <a:gdLst>
+                <a:gd name="connsiteX0" fmla="*/ 66675 w 66675"/>
+                <a:gd name="connsiteY0" fmla="*/ 38100 h 38100"/>
+                <a:gd name="connsiteX1" fmla="*/ 0 w 66675"/>
+                <a:gd name="connsiteY1" fmla="*/ 0 h 38100"/>
+              </a:gdLst>
+              <a:ahLst/>
+              <a:cxnLst>
+                <a:cxn ang="0">
+                  <a:pos x="connsiteX0" y="connsiteY0"/>
+                </a:cxn>
+                <a:cxn ang="0">
+                  <a:pos x="connsiteX1" y="connsiteY1"/>
+                </a:cxn>
+              </a:cxnLst>
+              <a:rect l="l" t="t" r="r" b="b"/>
+              <a:pathLst>
+                <a:path w="66675" h="38100">
+                  <a:moveTo>
+                    <a:pt x="66675" y="38100"/>
+                  </a:moveTo>
+                  <a:cubicBezTo>
+                    <a:pt x="12962" y="5872"/>
+                    <a:pt x="35609" y="17804"/>
+                    <a:pt x="0" y="0"/>
+                  </a:cubicBezTo>
+                </a:path>
+              </a:pathLst>
+            </a:custGeom>
+            <a:noFill/>
+            <a:ln>
+              <a:solidFill>
+                <a:srgbClr val="C00000"/>
+              </a:solidFill>
+            </a:ln>
+          </p:spPr>
+          <p:style>
+            <a:lnRef idx="2">
+              <a:schemeClr val="accent1">
+                <a:shade val="50000"/>
+              </a:schemeClr>
+            </a:lnRef>
+            <a:fillRef idx="1">
+              <a:schemeClr val="accent1"/>
+            </a:fillRef>
+            <a:effectRef idx="0">
+              <a:schemeClr val="accent1"/>
+            </a:effectRef>
+            <a:fontRef idx="minor">
+              <a:schemeClr val="lt1"/>
+            </a:fontRef>
+          </p:style>
+          <p:txBody>
+            <a:bodyPr rtlCol="0" anchor="ctr"/>
+            <a:lstStyle/>
+            <a:p>
+              <a:pPr algn="ctr"/>
+              <a:endParaRPr lang="it-IT"/>
+            </a:p>
+          </p:txBody>
+        </p:sp>
+        <p:sp>
+          <p:nvSpPr>
+            <p:cNvPr id="19" name="Figura a mano libera 78">
+              <a:extLst>
+                <a:ext uri="{FF2B5EF4-FFF2-40B4-BE49-F238E27FC236}">
+                  <a16:creationId xmlns:a16="http://schemas.microsoft.com/office/drawing/2014/main" id="{5F599F88-E310-477F-A4FF-8705FEC865AD}"/>
+                </a:ext>
+              </a:extLst>
+            </p:cNvPr>
+            <p:cNvSpPr/>
+            <p:nvPr/>
+          </p:nvSpPr>
+          <p:spPr>
+            <a:xfrm>
+              <a:off x="5419725" y="5381625"/>
+              <a:ext cx="47625" cy="57150"/>
+            </a:xfrm>
+            <a:custGeom>
+              <a:avLst/>
+              <a:gdLst>
+                <a:gd name="connsiteX0" fmla="*/ 47625 w 47625"/>
+                <a:gd name="connsiteY0" fmla="*/ 0 h 57150"/>
+                <a:gd name="connsiteX1" fmla="*/ 0 w 47625"/>
+                <a:gd name="connsiteY1" fmla="*/ 57150 h 57150"/>
+              </a:gdLst>
+              <a:ahLst/>
+              <a:cxnLst>
+                <a:cxn ang="0">
+                  <a:pos x="connsiteX0" y="connsiteY0"/>
+                </a:cxn>
+                <a:cxn ang="0">
+                  <a:pos x="connsiteX1" y="connsiteY1"/>
+                </a:cxn>
+              </a:cxnLst>
+              <a:rect l="l" t="t" r="r" b="b"/>
+              <a:pathLst>
+                <a:path w="47625" h="57150">
+                  <a:moveTo>
+                    <a:pt x="47625" y="0"/>
+                  </a:moveTo>
+                  <a:cubicBezTo>
+                    <a:pt x="15397" y="53713"/>
+                    <a:pt x="35609" y="39346"/>
+                    <a:pt x="0" y="57150"/>
+                  </a:cubicBezTo>
+                </a:path>
+              </a:pathLst>
+            </a:custGeom>
+            <a:noFill/>
+            <a:ln>
+              <a:solidFill>
+                <a:srgbClr val="C00000"/>
+              </a:solidFill>
+            </a:ln>
+          </p:spPr>
+          <p:style>
+            <a:lnRef idx="2">
+              <a:schemeClr val="accent1">
+                <a:shade val="50000"/>
+              </a:schemeClr>
+            </a:lnRef>
+            <a:fillRef idx="1">
+              <a:schemeClr val="accent1"/>
+            </a:fillRef>
+            <a:effectRef idx="0">
+              <a:schemeClr val="accent1"/>
+            </a:effectRef>
+            <a:fontRef idx="minor">
+              <a:schemeClr val="lt1"/>
+            </a:fontRef>
+          </p:style>
+          <p:txBody>
+            <a:bodyPr rtlCol="0" anchor="ctr"/>
+            <a:lstStyle/>
+            <a:p>
+              <a:pPr algn="ctr"/>
+              <a:endParaRPr lang="it-IT"/>
+            </a:p>
+          </p:txBody>
+        </p:sp>
+      </p:grpSp>
+      <p:sp>
+        <p:nvSpPr>
+          <p:cNvPr id="20" name="Rettangolo 79">
+            <a:extLst>
+              <a:ext uri="{FF2B5EF4-FFF2-40B4-BE49-F238E27FC236}">
+                <a16:creationId xmlns:a16="http://schemas.microsoft.com/office/drawing/2014/main" id="{8B0D73E3-6D7D-4139-8849-7EEFFDA0F0FA}"/>
+              </a:ext>
+            </a:extLst>
+          </p:cNvPr>
+          <p:cNvSpPr/>
+          <p:nvPr/>
+        </p:nvSpPr>
+        <p:spPr>
+          <a:xfrm>
+            <a:off x="7868803" y="1379952"/>
+            <a:ext cx="965201" cy="369332"/>
+          </a:xfrm>
+          <a:prstGeom prst="rect">
+            <a:avLst/>
+          </a:prstGeom>
+        </p:spPr>
+        <p:txBody>
+          <a:bodyPr wrap="none">
+            <a:spAutoFit/>
+          </a:bodyPr>
+          <a:lstStyle/>
+          <a:p>
+            <a:r>
+              <a:rPr lang="en-GB" dirty="0"/>
+              <a:t>obstacle</a:t>
+            </a:r>
+          </a:p>
+        </p:txBody>
+      </p:sp>
+      <p:sp>
+        <p:nvSpPr>
+          <p:cNvPr id="22" name="Rectangle: Rounded Corners 18">
+            <a:extLst>
+              <a:ext uri="{FF2B5EF4-FFF2-40B4-BE49-F238E27FC236}">
+                <a16:creationId xmlns:a16="http://schemas.microsoft.com/office/drawing/2014/main" id="{B1BEEF6A-3600-46D6-8DB5-0223E911C5FA}"/>
+              </a:ext>
+            </a:extLst>
+          </p:cNvPr>
+          <p:cNvSpPr/>
+          <p:nvPr/>
+        </p:nvSpPr>
+        <p:spPr>
+          <a:xfrm>
+            <a:off x="1905948" y="3907783"/>
+            <a:ext cx="2520280" cy="1728192"/>
+          </a:xfrm>
+          <a:prstGeom prst="roundRect">
+            <a:avLst/>
+          </a:prstGeom>
+          <a:solidFill>
+            <a:schemeClr val="bg1"/>
+          </a:solidFill>
+          <a:ln>
+            <a:solidFill>
+              <a:srgbClr val="0070C0"/>
+            </a:solidFill>
+          </a:ln>
+        </p:spPr>
+        <p:style>
+          <a:lnRef idx="2">
+            <a:schemeClr val="accent1">
+              <a:shade val="50000"/>
+            </a:schemeClr>
+          </a:lnRef>
+          <a:fillRef idx="1">
+            <a:schemeClr val="accent1"/>
+          </a:fillRef>
+          <a:effectRef idx="0">
+            <a:schemeClr val="accent1"/>
+          </a:effectRef>
+          <a:fontRef idx="minor">
+            <a:schemeClr val="lt1"/>
+          </a:fontRef>
+        </p:style>
+        <p:txBody>
+          <a:bodyPr rtlCol="0" anchor="ctr"/>
+          <a:lstStyle/>
+          <a:p>
+            <a:pPr algn="ctr"/>
+            <a:endParaRPr lang="en-US"/>
+          </a:p>
+        </p:txBody>
+      </p:sp>
+      <p:grpSp>
+        <p:nvGrpSpPr>
+          <p:cNvPr id="23" name="Gruppo 72">
+            <a:extLst>
+              <a:ext uri="{FF2B5EF4-FFF2-40B4-BE49-F238E27FC236}">
+                <a16:creationId xmlns:a16="http://schemas.microsoft.com/office/drawing/2014/main" id="{FFD6D2C9-872B-4394-8E76-8FDE0C5121C4}"/>
+              </a:ext>
+            </a:extLst>
+          </p:cNvPr>
+          <p:cNvGrpSpPr/>
+          <p:nvPr/>
+        </p:nvGrpSpPr>
+        <p:grpSpPr>
+          <a:xfrm>
+            <a:off x="2283597" y="5155009"/>
+            <a:ext cx="592487" cy="258092"/>
+            <a:chOff x="5133975" y="5295900"/>
+            <a:chExt cx="342900" cy="238125"/>
+          </a:xfrm>
+        </p:grpSpPr>
+        <p:sp>
+          <p:nvSpPr>
+            <p:cNvPr id="24" name="Figura a mano libera 73">
+              <a:extLst>
+                <a:ext uri="{FF2B5EF4-FFF2-40B4-BE49-F238E27FC236}">
+                  <a16:creationId xmlns:a16="http://schemas.microsoft.com/office/drawing/2014/main" id="{D050D59F-9689-48FD-9C8F-95AA87410420}"/>
+                </a:ext>
+              </a:extLst>
+            </p:cNvPr>
+            <p:cNvSpPr/>
+            <p:nvPr/>
+          </p:nvSpPr>
+          <p:spPr>
+            <a:xfrm>
+              <a:off x="5133975" y="5295900"/>
+              <a:ext cx="342900" cy="238125"/>
+            </a:xfrm>
+            <a:custGeom>
+              <a:avLst/>
+              <a:gdLst>
+                <a:gd name="connsiteX0" fmla="*/ 0 w 342900"/>
+                <a:gd name="connsiteY0" fmla="*/ 142875 h 238125"/>
+                <a:gd name="connsiteX1" fmla="*/ 28575 w 342900"/>
+                <a:gd name="connsiteY1" fmla="*/ 38100 h 238125"/>
+                <a:gd name="connsiteX2" fmla="*/ 47625 w 342900"/>
+                <a:gd name="connsiteY2" fmla="*/ 9525 h 238125"/>
+                <a:gd name="connsiteX3" fmla="*/ 76200 w 342900"/>
+                <a:gd name="connsiteY3" fmla="*/ 0 h 238125"/>
+                <a:gd name="connsiteX4" fmla="*/ 104775 w 342900"/>
+                <a:gd name="connsiteY4" fmla="*/ 9525 h 238125"/>
+                <a:gd name="connsiteX5" fmla="*/ 142875 w 342900"/>
+                <a:gd name="connsiteY5" fmla="*/ 95250 h 238125"/>
+                <a:gd name="connsiteX6" fmla="*/ 161925 w 342900"/>
+                <a:gd name="connsiteY6" fmla="*/ 152400 h 238125"/>
+                <a:gd name="connsiteX7" fmla="*/ 171450 w 342900"/>
+                <a:gd name="connsiteY7" fmla="*/ 180975 h 238125"/>
+                <a:gd name="connsiteX8" fmla="*/ 209550 w 342900"/>
+                <a:gd name="connsiteY8" fmla="*/ 238125 h 238125"/>
+                <a:gd name="connsiteX9" fmla="*/ 238125 w 342900"/>
+                <a:gd name="connsiteY9" fmla="*/ 180975 h 238125"/>
+                <a:gd name="connsiteX10" fmla="*/ 266700 w 342900"/>
+                <a:gd name="connsiteY10" fmla="*/ 104775 h 238125"/>
+                <a:gd name="connsiteX11" fmla="*/ 342900 w 342900"/>
+                <a:gd name="connsiteY11" fmla="*/ 85725 h 238125"/>
+              </a:gdLst>
+              <a:ahLst/>
+              <a:cxnLst>
+                <a:cxn ang="0">
+                  <a:pos x="connsiteX0" y="connsiteY0"/>
+                </a:cxn>
+                <a:cxn ang="0">
+                  <a:pos x="connsiteX1" y="connsiteY1"/>
+                </a:cxn>
+                <a:cxn ang="0">
+                  <a:pos x="connsiteX2" y="connsiteY2"/>
+                </a:cxn>
+                <a:cxn ang="0">
+                  <a:pos x="connsiteX3" y="connsiteY3"/>
+                </a:cxn>
+                <a:cxn ang="0">
+                  <a:pos x="connsiteX4" y="connsiteY4"/>
+                </a:cxn>
+                <a:cxn ang="0">
+                  <a:pos x="connsiteX5" y="connsiteY5"/>
+                </a:cxn>
+                <a:cxn ang="0">
+                  <a:pos x="connsiteX6" y="connsiteY6"/>
+                </a:cxn>
+                <a:cxn ang="0">
+                  <a:pos x="connsiteX7" y="connsiteY7"/>
+                </a:cxn>
+                <a:cxn ang="0">
+                  <a:pos x="connsiteX8" y="connsiteY8"/>
+                </a:cxn>
+                <a:cxn ang="0">
+                  <a:pos x="connsiteX9" y="connsiteY9"/>
+                </a:cxn>
+                <a:cxn ang="0">
+                  <a:pos x="connsiteX10" y="connsiteY10"/>
+                </a:cxn>
+                <a:cxn ang="0">
+                  <a:pos x="connsiteX11" y="connsiteY11"/>
+                </a:cxn>
+              </a:cxnLst>
+              <a:rect l="l" t="t" r="r" b="b"/>
+              <a:pathLst>
+                <a:path w="342900" h="238125">
+                  <a:moveTo>
+                    <a:pt x="0" y="142875"/>
+                  </a:moveTo>
+                  <a:cubicBezTo>
+                    <a:pt x="5112" y="117315"/>
+                    <a:pt x="14764" y="58817"/>
+                    <a:pt x="28575" y="38100"/>
+                  </a:cubicBezTo>
+                  <a:cubicBezTo>
+                    <a:pt x="34925" y="28575"/>
+                    <a:pt x="38686" y="16676"/>
+                    <a:pt x="47625" y="9525"/>
+                  </a:cubicBezTo>
+                  <a:cubicBezTo>
+                    <a:pt x="55465" y="3253"/>
+                    <a:pt x="66675" y="3175"/>
+                    <a:pt x="76200" y="0"/>
+                  </a:cubicBezTo>
+                  <a:cubicBezTo>
+                    <a:pt x="85725" y="3175"/>
+                    <a:pt x="96935" y="3253"/>
+                    <a:pt x="104775" y="9525"/>
+                  </a:cubicBezTo>
+                  <a:cubicBezTo>
+                    <a:pt x="125358" y="25992"/>
+                    <a:pt x="137054" y="77787"/>
+                    <a:pt x="142875" y="95250"/>
+                  </a:cubicBezTo>
+                  <a:lnTo>
+                    <a:pt x="161925" y="152400"/>
+                  </a:lnTo>
+                  <a:cubicBezTo>
+                    <a:pt x="165100" y="161925"/>
+                    <a:pt x="169481" y="171130"/>
+                    <a:pt x="171450" y="180975"/>
+                  </a:cubicBezTo>
+                  <a:cubicBezTo>
+                    <a:pt x="182944" y="238445"/>
+                    <a:pt x="165616" y="223480"/>
+                    <a:pt x="209550" y="238125"/>
+                  </a:cubicBezTo>
+                  <a:cubicBezTo>
+                    <a:pt x="228174" y="210189"/>
+                    <a:pt x="230238" y="212523"/>
+                    <a:pt x="238125" y="180975"/>
+                  </a:cubicBezTo>
+                  <a:cubicBezTo>
+                    <a:pt x="243105" y="161054"/>
+                    <a:pt x="243471" y="119293"/>
+                    <a:pt x="266700" y="104775"/>
+                  </a:cubicBezTo>
+                  <a:cubicBezTo>
+                    <a:pt x="300393" y="83717"/>
+                    <a:pt x="313092" y="85725"/>
+                    <a:pt x="342900" y="85725"/>
+                  </a:cubicBezTo>
+                </a:path>
+              </a:pathLst>
+            </a:custGeom>
+            <a:noFill/>
+            <a:ln>
+              <a:solidFill>
+                <a:srgbClr val="C00000"/>
+              </a:solidFill>
+            </a:ln>
+          </p:spPr>
+          <p:style>
+            <a:lnRef idx="2">
+              <a:schemeClr val="accent1">
+                <a:shade val="50000"/>
+              </a:schemeClr>
+            </a:lnRef>
+            <a:fillRef idx="1">
+              <a:schemeClr val="accent1"/>
+            </a:fillRef>
+            <a:effectRef idx="0">
+              <a:schemeClr val="accent1"/>
+            </a:effectRef>
+            <a:fontRef idx="minor">
+              <a:schemeClr val="lt1"/>
+            </a:fontRef>
+          </p:style>
+          <p:txBody>
+            <a:bodyPr rtlCol="0" anchor="ctr"/>
+            <a:lstStyle/>
+            <a:p>
+              <a:pPr algn="ctr"/>
+              <a:endParaRPr lang="it-IT"/>
+            </a:p>
+          </p:txBody>
+        </p:sp>
+        <p:sp>
+          <p:nvSpPr>
+            <p:cNvPr id="25" name="Figura a mano libera 74">
+              <a:extLst>
+                <a:ext uri="{FF2B5EF4-FFF2-40B4-BE49-F238E27FC236}">
+                  <a16:creationId xmlns:a16="http://schemas.microsoft.com/office/drawing/2014/main" id="{86E56EE4-E731-4415-B999-9F3AFC66527D}"/>
+                </a:ext>
+              </a:extLst>
+            </p:cNvPr>
+            <p:cNvSpPr/>
+            <p:nvPr/>
+          </p:nvSpPr>
+          <p:spPr>
+            <a:xfrm>
+              <a:off x="5400675" y="5353050"/>
+              <a:ext cx="66675" cy="38100"/>
+            </a:xfrm>
+            <a:custGeom>
+              <a:avLst/>
+              <a:gdLst>
+                <a:gd name="connsiteX0" fmla="*/ 66675 w 66675"/>
+                <a:gd name="connsiteY0" fmla="*/ 38100 h 38100"/>
+                <a:gd name="connsiteX1" fmla="*/ 0 w 66675"/>
+                <a:gd name="connsiteY1" fmla="*/ 0 h 38100"/>
+              </a:gdLst>
+              <a:ahLst/>
+              <a:cxnLst>
+                <a:cxn ang="0">
+                  <a:pos x="connsiteX0" y="connsiteY0"/>
+                </a:cxn>
+                <a:cxn ang="0">
+                  <a:pos x="connsiteX1" y="connsiteY1"/>
+                </a:cxn>
+              </a:cxnLst>
+              <a:rect l="l" t="t" r="r" b="b"/>
+              <a:pathLst>
+                <a:path w="66675" h="38100">
+                  <a:moveTo>
+                    <a:pt x="66675" y="38100"/>
+                  </a:moveTo>
+                  <a:cubicBezTo>
+                    <a:pt x="12962" y="5872"/>
+                    <a:pt x="35609" y="17804"/>
+                    <a:pt x="0" y="0"/>
+                  </a:cubicBezTo>
+                </a:path>
+              </a:pathLst>
+            </a:custGeom>
+            <a:noFill/>
+            <a:ln>
+              <a:solidFill>
+                <a:srgbClr val="C00000"/>
+              </a:solidFill>
+            </a:ln>
+          </p:spPr>
+          <p:style>
+            <a:lnRef idx="2">
+              <a:schemeClr val="accent1">
+                <a:shade val="50000"/>
+              </a:schemeClr>
+            </a:lnRef>
+            <a:fillRef idx="1">
+              <a:schemeClr val="accent1"/>
+            </a:fillRef>
+            <a:effectRef idx="0">
+              <a:schemeClr val="accent1"/>
+            </a:effectRef>
+            <a:fontRef idx="minor">
+              <a:schemeClr val="lt1"/>
+            </a:fontRef>
+          </p:style>
+          <p:txBody>
+            <a:bodyPr rtlCol="0" anchor="ctr"/>
+            <a:lstStyle/>
+            <a:p>
+              <a:pPr algn="ctr"/>
+              <a:endParaRPr lang="it-IT"/>
+            </a:p>
+          </p:txBody>
+        </p:sp>
+        <p:sp>
+          <p:nvSpPr>
+            <p:cNvPr id="26" name="Figura a mano libera 75">
+              <a:extLst>
+                <a:ext uri="{FF2B5EF4-FFF2-40B4-BE49-F238E27FC236}">
+                  <a16:creationId xmlns:a16="http://schemas.microsoft.com/office/drawing/2014/main" id="{28438886-41D7-47E9-B227-E5AB8CFA35EA}"/>
+                </a:ext>
+              </a:extLst>
+            </p:cNvPr>
+            <p:cNvSpPr/>
+            <p:nvPr/>
+          </p:nvSpPr>
+          <p:spPr>
+            <a:xfrm>
+              <a:off x="5419725" y="5381625"/>
+              <a:ext cx="47625" cy="57150"/>
+            </a:xfrm>
+            <a:custGeom>
+              <a:avLst/>
+              <a:gdLst>
+                <a:gd name="connsiteX0" fmla="*/ 47625 w 47625"/>
+                <a:gd name="connsiteY0" fmla="*/ 0 h 57150"/>
+                <a:gd name="connsiteX1" fmla="*/ 0 w 47625"/>
+                <a:gd name="connsiteY1" fmla="*/ 57150 h 57150"/>
+              </a:gdLst>
+              <a:ahLst/>
+              <a:cxnLst>
+                <a:cxn ang="0">
+                  <a:pos x="connsiteX0" y="connsiteY0"/>
+                </a:cxn>
+                <a:cxn ang="0">
+                  <a:pos x="connsiteX1" y="connsiteY1"/>
+                </a:cxn>
+              </a:cxnLst>
+              <a:rect l="l" t="t" r="r" b="b"/>
+              <a:pathLst>
+                <a:path w="47625" h="57150">
+                  <a:moveTo>
+                    <a:pt x="47625" y="0"/>
+                  </a:moveTo>
+                  <a:cubicBezTo>
+                    <a:pt x="15397" y="53713"/>
+                    <a:pt x="35609" y="39346"/>
+                    <a:pt x="0" y="57150"/>
+                  </a:cubicBezTo>
+                </a:path>
+              </a:pathLst>
+            </a:custGeom>
+            <a:noFill/>
+            <a:ln>
+              <a:solidFill>
+                <a:srgbClr val="C00000"/>
+              </a:solidFill>
+            </a:ln>
+          </p:spPr>
+          <p:style>
+            <a:lnRef idx="2">
+              <a:schemeClr val="accent1">
+                <a:shade val="50000"/>
+              </a:schemeClr>
+            </a:lnRef>
+            <a:fillRef idx="1">
+              <a:schemeClr val="accent1"/>
+            </a:fillRef>
+            <a:effectRef idx="0">
+              <a:schemeClr val="accent1"/>
+            </a:effectRef>
+            <a:fontRef idx="minor">
+              <a:schemeClr val="lt1"/>
+            </a:fontRef>
+          </p:style>
+          <p:txBody>
+            <a:bodyPr rtlCol="0" anchor="ctr"/>
+            <a:lstStyle/>
+            <a:p>
+              <a:pPr algn="ctr"/>
+              <a:endParaRPr lang="it-IT"/>
+            </a:p>
+          </p:txBody>
+        </p:sp>
+      </p:grpSp>
+      <p:sp>
+        <p:nvSpPr>
+          <p:cNvPr id="27" name="CasellaDiTesto 77">
+            <a:extLst>
+              <a:ext uri="{FF2B5EF4-FFF2-40B4-BE49-F238E27FC236}">
+                <a16:creationId xmlns:a16="http://schemas.microsoft.com/office/drawing/2014/main" id="{494F24AD-7BC7-4136-AC9D-A229C718161A}"/>
+              </a:ext>
+            </a:extLst>
+          </p:cNvPr>
+          <p:cNvSpPr txBox="1"/>
+          <p:nvPr/>
+        </p:nvSpPr>
+        <p:spPr>
+          <a:xfrm>
+            <a:off x="3166088" y="5126612"/>
+            <a:ext cx="714939" cy="400110"/>
+          </a:xfrm>
+          <a:prstGeom prst="rect">
+            <a:avLst/>
+          </a:prstGeom>
+          <a:noFill/>
+        </p:spPr>
+        <p:txBody>
+          <a:bodyPr wrap="none" rtlCol="0">
+            <a:spAutoFit/>
+          </a:bodyPr>
+          <a:lstStyle/>
+          <a:p>
+            <a:r>
+              <a:rPr lang="it-IT" sz="2000" dirty="0" err="1"/>
+              <a:t>Event</a:t>
+            </a:r>
+            <a:endParaRPr lang="en-GB" sz="2000" dirty="0"/>
+          </a:p>
+        </p:txBody>
+      </p:sp>
+      <p:grpSp>
+        <p:nvGrpSpPr>
+          <p:cNvPr id="28" name="Gruppo 56">
+            <a:extLst>
+              <a:ext uri="{FF2B5EF4-FFF2-40B4-BE49-F238E27FC236}">
+                <a16:creationId xmlns:a16="http://schemas.microsoft.com/office/drawing/2014/main" id="{F866EE05-3723-482A-8842-01B36AA64987}"/>
+              </a:ext>
+            </a:extLst>
+          </p:cNvPr>
+          <p:cNvGrpSpPr/>
+          <p:nvPr/>
+        </p:nvGrpSpPr>
+        <p:grpSpPr>
+          <a:xfrm>
+            <a:off x="2260867" y="4512836"/>
+            <a:ext cx="667405" cy="86434"/>
+            <a:chOff x="4586473" y="4245346"/>
+            <a:chExt cx="667405" cy="86434"/>
+          </a:xfrm>
+        </p:grpSpPr>
+        <p:sp>
+          <p:nvSpPr>
+            <p:cNvPr id="29" name="Freccia a destra 58">
+              <a:extLst>
+                <a:ext uri="{FF2B5EF4-FFF2-40B4-BE49-F238E27FC236}">
+                  <a16:creationId xmlns:a16="http://schemas.microsoft.com/office/drawing/2014/main" id="{4CCFB650-4CC1-44E5-B9C4-08B074057DD3}"/>
+                </a:ext>
+              </a:extLst>
+            </p:cNvPr>
+            <p:cNvSpPr/>
+            <p:nvPr/>
+          </p:nvSpPr>
+          <p:spPr>
+            <a:xfrm>
+              <a:off x="4586473" y="4251518"/>
+              <a:ext cx="577147" cy="80262"/>
+            </a:xfrm>
+            <a:prstGeom prst="rightArrow">
+              <a:avLst/>
+            </a:prstGeom>
+          </p:spPr>
+          <p:style>
+            <a:lnRef idx="1">
+              <a:schemeClr val="accent1"/>
+            </a:lnRef>
+            <a:fillRef idx="2">
+              <a:schemeClr val="accent1"/>
+            </a:fillRef>
+            <a:effectRef idx="1">
+              <a:schemeClr val="accent1"/>
+            </a:effectRef>
+            <a:fontRef idx="minor">
+              <a:schemeClr val="dk1"/>
+            </a:fontRef>
+          </p:style>
+          <p:txBody>
+            <a:bodyPr rtlCol="0" anchor="ctr"/>
+            <a:lstStyle/>
+            <a:p>
+              <a:pPr algn="ctr"/>
+              <a:endParaRPr lang="en-GB"/>
+            </a:p>
+          </p:txBody>
+        </p:sp>
+        <p:sp>
+          <p:nvSpPr>
+            <p:cNvPr id="30" name="Triangolo isoscele 76">
+              <a:extLst>
+                <a:ext uri="{FF2B5EF4-FFF2-40B4-BE49-F238E27FC236}">
+                  <a16:creationId xmlns:a16="http://schemas.microsoft.com/office/drawing/2014/main" id="{0C7C2E8B-8A32-4826-B991-177B29CD30C1}"/>
+                </a:ext>
+              </a:extLst>
+            </p:cNvPr>
+            <p:cNvSpPr/>
+            <p:nvPr/>
+          </p:nvSpPr>
+          <p:spPr>
+            <a:xfrm rot="5400000" flipH="1">
+              <a:off x="5141030" y="4218931"/>
+              <a:ext cx="86434" cy="139263"/>
+            </a:xfrm>
+            <a:prstGeom prst="triangle">
+              <a:avLst/>
+            </a:prstGeom>
+            <a:solidFill>
+              <a:schemeClr val="bg1"/>
+            </a:solidFill>
+            <a:ln/>
+          </p:spPr>
+          <p:style>
+            <a:lnRef idx="1">
+              <a:schemeClr val="accent5"/>
+            </a:lnRef>
+            <a:fillRef idx="2">
+              <a:schemeClr val="accent5"/>
+            </a:fillRef>
+            <a:effectRef idx="1">
+              <a:schemeClr val="accent5"/>
+            </a:effectRef>
+            <a:fontRef idx="minor">
+              <a:schemeClr val="dk1"/>
+            </a:fontRef>
+          </p:style>
+          <p:txBody>
+            <a:bodyPr rtlCol="0" anchor="ctr"/>
+            <a:lstStyle/>
+            <a:p>
+              <a:pPr algn="ctr"/>
+              <a:endParaRPr lang="en-GB" sz="1200">
+                <a:solidFill>
+                  <a:schemeClr val="dk1"/>
+                </a:solidFill>
+              </a:endParaRPr>
+            </a:p>
+          </p:txBody>
+        </p:sp>
+      </p:grpSp>
+      <p:sp>
+        <p:nvSpPr>
+          <p:cNvPr id="31" name="CasellaDiTesto 80">
+            <a:extLst>
+              <a:ext uri="{FF2B5EF4-FFF2-40B4-BE49-F238E27FC236}">
+                <a16:creationId xmlns:a16="http://schemas.microsoft.com/office/drawing/2014/main" id="{4D9C13C3-F164-4CA1-9DCC-59D8573411F0}"/>
+              </a:ext>
+            </a:extLst>
+          </p:cNvPr>
+          <p:cNvSpPr txBox="1"/>
+          <p:nvPr/>
+        </p:nvSpPr>
+        <p:spPr>
+          <a:xfrm>
+            <a:off x="3137042" y="3937008"/>
+            <a:ext cx="995209" cy="400110"/>
+          </a:xfrm>
+          <a:prstGeom prst="rect">
+            <a:avLst/>
+          </a:prstGeom>
+          <a:noFill/>
+        </p:spPr>
+        <p:txBody>
+          <a:bodyPr wrap="none" rtlCol="0">
+            <a:spAutoFit/>
+          </a:bodyPr>
+          <a:lstStyle/>
+          <a:p>
+            <a:r>
+              <a:rPr lang="it-IT" sz="2000" dirty="0" err="1"/>
+              <a:t>Dispatch</a:t>
+            </a:r>
+            <a:endParaRPr lang="en-GB" sz="2000" dirty="0"/>
+          </a:p>
+        </p:txBody>
+      </p:sp>
+      <p:sp>
+        <p:nvSpPr>
+          <p:cNvPr id="32" name="CasellaDiTesto 81">
+            <a:extLst>
+              <a:ext uri="{FF2B5EF4-FFF2-40B4-BE49-F238E27FC236}">
+                <a16:creationId xmlns:a16="http://schemas.microsoft.com/office/drawing/2014/main" id="{45044664-BBD6-47E4-98EC-4AA218CC6C89}"/>
+              </a:ext>
+            </a:extLst>
+          </p:cNvPr>
+          <p:cNvSpPr txBox="1"/>
+          <p:nvPr/>
+        </p:nvSpPr>
+        <p:spPr>
+          <a:xfrm>
+            <a:off x="3141428" y="4375446"/>
+            <a:ext cx="933269" cy="400110"/>
+          </a:xfrm>
+          <a:prstGeom prst="rect">
+            <a:avLst/>
+          </a:prstGeom>
+          <a:noFill/>
+        </p:spPr>
+        <p:txBody>
+          <a:bodyPr wrap="none" rtlCol="0">
+            <a:spAutoFit/>
+          </a:bodyPr>
+          <a:lstStyle/>
+          <a:p>
+            <a:r>
+              <a:rPr lang="it-IT" sz="2000" dirty="0" err="1"/>
+              <a:t>Request</a:t>
+            </a:r>
+            <a:endParaRPr lang="en-GB" sz="2000" dirty="0"/>
+          </a:p>
+        </p:txBody>
+      </p:sp>
+      <p:grpSp>
+        <p:nvGrpSpPr>
+          <p:cNvPr id="33" name="Gruppo 87">
+            <a:extLst>
+              <a:ext uri="{FF2B5EF4-FFF2-40B4-BE49-F238E27FC236}">
+                <a16:creationId xmlns:a16="http://schemas.microsoft.com/office/drawing/2014/main" id="{BB399142-493B-4CBC-B989-A65FE82AAF6B}"/>
+              </a:ext>
+            </a:extLst>
+          </p:cNvPr>
+          <p:cNvGrpSpPr/>
+          <p:nvPr/>
+        </p:nvGrpSpPr>
+        <p:grpSpPr>
+          <a:xfrm>
+            <a:off x="2279626" y="4775556"/>
+            <a:ext cx="666895" cy="86434"/>
+            <a:chOff x="4592177" y="4419530"/>
+            <a:chExt cx="666895" cy="86434"/>
+          </a:xfrm>
+        </p:grpSpPr>
+        <p:cxnSp>
+          <p:nvCxnSpPr>
+            <p:cNvPr id="34" name="Connettore 1 89">
+              <a:extLst>
+                <a:ext uri="{FF2B5EF4-FFF2-40B4-BE49-F238E27FC236}">
+                  <a16:creationId xmlns:a16="http://schemas.microsoft.com/office/drawing/2014/main" id="{7F0636F7-4AAB-4316-AEC7-82124E9AE8AD}"/>
+                </a:ext>
+              </a:extLst>
+            </p:cNvPr>
+            <p:cNvCxnSpPr/>
+            <p:nvPr/>
+          </p:nvCxnSpPr>
+          <p:spPr>
+            <a:xfrm>
+              <a:off x="4611000" y="4462747"/>
+              <a:ext cx="648072" cy="0"/>
+            </a:xfrm>
+            <a:prstGeom prst="line">
+              <a:avLst/>
+            </a:prstGeom>
+            <a:ln>
+              <a:prstDash val="dash"/>
+            </a:ln>
+          </p:spPr>
+          <p:style>
+            <a:lnRef idx="1">
+              <a:schemeClr val="accent1"/>
+            </a:lnRef>
+            <a:fillRef idx="0">
+              <a:schemeClr val="accent1"/>
+            </a:fillRef>
+            <a:effectRef idx="0">
+              <a:schemeClr val="accent1"/>
+            </a:effectRef>
+            <a:fontRef idx="minor">
+              <a:schemeClr val="tx1"/>
+            </a:fontRef>
+          </p:style>
+        </p:cxnSp>
+        <p:sp>
+          <p:nvSpPr>
+            <p:cNvPr id="35" name="Triangolo isoscele 90">
+              <a:extLst>
+                <a:ext uri="{FF2B5EF4-FFF2-40B4-BE49-F238E27FC236}">
+                  <a16:creationId xmlns:a16="http://schemas.microsoft.com/office/drawing/2014/main" id="{C163C65E-B8B0-4BB1-9F88-D94302AE9499}"/>
+                </a:ext>
+              </a:extLst>
+            </p:cNvPr>
+            <p:cNvSpPr/>
+            <p:nvPr/>
+          </p:nvSpPr>
+          <p:spPr>
+            <a:xfrm rot="16200000">
+              <a:off x="4618592" y="4393115"/>
+              <a:ext cx="86434" cy="139263"/>
+            </a:xfrm>
+            <a:prstGeom prst="triangle">
+              <a:avLst/>
+            </a:prstGeom>
+            <a:solidFill>
+              <a:schemeClr val="bg1"/>
+            </a:solidFill>
+            <a:ln/>
+          </p:spPr>
+          <p:style>
+            <a:lnRef idx="1">
+              <a:schemeClr val="accent5"/>
+            </a:lnRef>
+            <a:fillRef idx="2">
+              <a:schemeClr val="accent5"/>
+            </a:fillRef>
+            <a:effectRef idx="1">
+              <a:schemeClr val="accent5"/>
+            </a:effectRef>
+            <a:fontRef idx="minor">
+              <a:schemeClr val="dk1"/>
+            </a:fontRef>
+          </p:style>
+          <p:txBody>
+            <a:bodyPr rtlCol="0" anchor="ctr"/>
+            <a:lstStyle/>
+            <a:p>
+              <a:pPr algn="ctr"/>
+              <a:endParaRPr lang="en-GB" sz="1200"/>
+            </a:p>
+          </p:txBody>
+        </p:sp>
+      </p:grpSp>
+      <p:sp>
+        <p:nvSpPr>
+          <p:cNvPr id="36" name="CasellaDiTesto 91">
+            <a:extLst>
+              <a:ext uri="{FF2B5EF4-FFF2-40B4-BE49-F238E27FC236}">
+                <a16:creationId xmlns:a16="http://schemas.microsoft.com/office/drawing/2014/main" id="{C9FC9B59-0EED-45CF-9841-8D9B4CC3DB26}"/>
+              </a:ext>
+            </a:extLst>
+          </p:cNvPr>
+          <p:cNvSpPr txBox="1"/>
+          <p:nvPr/>
+        </p:nvSpPr>
+        <p:spPr>
+          <a:xfrm>
+            <a:off x="3159676" y="4604124"/>
+            <a:ext cx="721351" cy="400110"/>
+          </a:xfrm>
+          <a:prstGeom prst="rect">
+            <a:avLst/>
+          </a:prstGeom>
+          <a:noFill/>
+        </p:spPr>
+        <p:txBody>
+          <a:bodyPr wrap="none" rtlCol="0">
+            <a:spAutoFit/>
+          </a:bodyPr>
+          <a:lstStyle/>
+          <a:p>
+            <a:r>
+              <a:rPr lang="it-IT" sz="2000" dirty="0" err="1"/>
+              <a:t>Reply</a:t>
+            </a:r>
+            <a:endParaRPr lang="en-GB" sz="2000" dirty="0"/>
+          </a:p>
+        </p:txBody>
+      </p:sp>
+      <p:cxnSp>
+        <p:nvCxnSpPr>
+          <p:cNvPr id="37" name="Connettore 2 92">
+            <a:extLst>
+              <a:ext uri="{FF2B5EF4-FFF2-40B4-BE49-F238E27FC236}">
+                <a16:creationId xmlns:a16="http://schemas.microsoft.com/office/drawing/2014/main" id="{455DABA2-950A-4F62-B4B1-A9DB9EB34ED4}"/>
+              </a:ext>
+            </a:extLst>
+          </p:cNvPr>
+          <p:cNvCxnSpPr>
+            <a:cxnSpLocks/>
+          </p:cNvCxnSpPr>
+          <p:nvPr/>
+        </p:nvCxnSpPr>
+        <p:spPr>
+          <a:xfrm flipV="1">
+            <a:off x="6228362" y="2094678"/>
+            <a:ext cx="1156402" cy="13280"/>
+          </a:xfrm>
+          <a:prstGeom prst="straightConnector1">
+            <a:avLst/>
+          </a:prstGeom>
+          <a:ln>
+            <a:prstDash val="lgDash"/>
+            <a:tailEnd type="arrow"/>
+          </a:ln>
+        </p:spPr>
+        <p:style>
+          <a:lnRef idx="1">
+            <a:schemeClr val="accent1"/>
+          </a:lnRef>
+          <a:fillRef idx="0">
+            <a:schemeClr val="accent1"/>
+          </a:fillRef>
+          <a:effectRef idx="0">
+            <a:schemeClr val="accent1"/>
+          </a:effectRef>
+          <a:fontRef idx="minor">
+            <a:schemeClr val="tx1"/>
+          </a:fontRef>
+        </p:style>
+      </p:cxnSp>
+      <p:grpSp>
+        <p:nvGrpSpPr>
+          <p:cNvPr id="39" name="Gruppo 38">
+            <a:extLst>
+              <a:ext uri="{FF2B5EF4-FFF2-40B4-BE49-F238E27FC236}">
+                <a16:creationId xmlns:a16="http://schemas.microsoft.com/office/drawing/2014/main" id="{EDB0A3C4-E125-44BB-9C92-B21D51DC55DB}"/>
+              </a:ext>
+            </a:extLst>
+          </p:cNvPr>
+          <p:cNvGrpSpPr/>
+          <p:nvPr/>
+        </p:nvGrpSpPr>
+        <p:grpSpPr>
+          <a:xfrm>
+            <a:off x="4358280" y="1997020"/>
+            <a:ext cx="1696867" cy="1234655"/>
+            <a:chOff x="2460219" y="2004003"/>
+            <a:chExt cx="1696867" cy="1234655"/>
+          </a:xfrm>
+        </p:grpSpPr>
+        <p:sp>
+          <p:nvSpPr>
+            <p:cNvPr id="40" name="Triangolo isoscele 39">
+              <a:extLst>
+                <a:ext uri="{FF2B5EF4-FFF2-40B4-BE49-F238E27FC236}">
+                  <a16:creationId xmlns:a16="http://schemas.microsoft.com/office/drawing/2014/main" id="{AF71783D-FF24-4C79-8A55-327095F8499B}"/>
+                </a:ext>
+              </a:extLst>
+            </p:cNvPr>
+            <p:cNvSpPr/>
+            <p:nvPr/>
+          </p:nvSpPr>
+          <p:spPr>
+            <a:xfrm rot="5400000">
+              <a:off x="3220535" y="2242777"/>
+              <a:ext cx="998084" cy="875019"/>
+            </a:xfrm>
+            <a:prstGeom prst="triangle">
+              <a:avLst/>
+            </a:prstGeom>
+            <a:solidFill>
+              <a:srgbClr val="CCFF66"/>
+            </a:solidFill>
+            <a:ln/>
+          </p:spPr>
+          <p:style>
+            <a:lnRef idx="1">
+              <a:schemeClr val="accent5"/>
+            </a:lnRef>
+            <a:fillRef idx="2">
+              <a:schemeClr val="accent5"/>
+            </a:fillRef>
+            <a:effectRef idx="1">
+              <a:schemeClr val="accent5"/>
+            </a:effectRef>
+            <a:fontRef idx="minor">
+              <a:schemeClr val="dk1"/>
+            </a:fontRef>
+          </p:style>
+          <p:txBody>
+            <a:bodyPr rtlCol="0" anchor="ctr"/>
+            <a:lstStyle/>
+            <a:p>
+              <a:pPr algn="ctr"/>
+              <a:endParaRPr lang="en-GB" sz="1200">
+                <a:solidFill>
+                  <a:schemeClr val="dk1"/>
+                </a:solidFill>
+              </a:endParaRPr>
+            </a:p>
+          </p:txBody>
+        </p:sp>
+        <p:grpSp>
+          <p:nvGrpSpPr>
+            <p:cNvPr id="41" name="Gruppo 82">
+              <a:extLst>
+                <a:ext uri="{FF2B5EF4-FFF2-40B4-BE49-F238E27FC236}">
+                  <a16:creationId xmlns:a16="http://schemas.microsoft.com/office/drawing/2014/main" id="{5FE52F0B-34AD-47AB-9285-51E82A3A9E4F}"/>
+                </a:ext>
+              </a:extLst>
+            </p:cNvPr>
+            <p:cNvGrpSpPr/>
+            <p:nvPr/>
+          </p:nvGrpSpPr>
+          <p:grpSpPr>
+            <a:xfrm>
+              <a:off x="2460219" y="2004003"/>
+              <a:ext cx="1409184" cy="1234655"/>
+              <a:chOff x="1194666" y="2417771"/>
+              <a:chExt cx="866156" cy="763297"/>
+            </a:xfrm>
+          </p:grpSpPr>
+          <p:sp>
+            <p:nvSpPr>
+              <p:cNvPr id="43" name="Ovale 38">
+                <a:extLst>
+                  <a:ext uri="{FF2B5EF4-FFF2-40B4-BE49-F238E27FC236}">
+                    <a16:creationId xmlns:a16="http://schemas.microsoft.com/office/drawing/2014/main" id="{342B7337-FAF7-46D2-BB2F-F94BE17F1DF8}"/>
+                  </a:ext>
+                </a:extLst>
+              </p:cNvPr>
+              <p:cNvSpPr/>
+              <p:nvPr/>
+            </p:nvSpPr>
+            <p:spPr>
+              <a:xfrm>
+                <a:off x="1311101" y="2460988"/>
+                <a:ext cx="749721" cy="720080"/>
+              </a:xfrm>
+              <a:prstGeom prst="ellipse">
+                <a:avLst/>
+              </a:prstGeom>
+              <a:solidFill>
+                <a:srgbClr val="FFCCFF"/>
+              </a:solidFill>
+              <a:ln/>
+            </p:spPr>
+            <p:style>
+              <a:lnRef idx="1">
+                <a:schemeClr val="accent5"/>
+              </a:lnRef>
+              <a:fillRef idx="2">
+                <a:schemeClr val="accent5"/>
+              </a:fillRef>
+              <a:effectRef idx="1">
+                <a:schemeClr val="accent5"/>
+              </a:effectRef>
+              <a:fontRef idx="minor">
+                <a:schemeClr val="dk1"/>
+              </a:fontRef>
+            </p:style>
+            <p:txBody>
+              <a:bodyPr rtlCol="0" anchor="ctr"/>
+              <a:lstStyle/>
+              <a:p>
+                <a:pPr algn="ctr"/>
+                <a:r>
+                  <a:rPr lang="en-GB" sz="1200" dirty="0"/>
+                  <a:t> </a:t>
+                </a:r>
+              </a:p>
+            </p:txBody>
+          </p:sp>
+          <p:sp>
+            <p:nvSpPr>
+              <p:cNvPr id="44" name="Rettangolo 39">
+                <a:extLst>
+                  <a:ext uri="{FF2B5EF4-FFF2-40B4-BE49-F238E27FC236}">
+                    <a16:creationId xmlns:a16="http://schemas.microsoft.com/office/drawing/2014/main" id="{BCC2E644-D864-44FF-9741-9D0D1B43CBD6}"/>
+                  </a:ext>
+                </a:extLst>
+              </p:cNvPr>
+              <p:cNvSpPr/>
+              <p:nvPr/>
+            </p:nvSpPr>
+            <p:spPr>
+              <a:xfrm>
+                <a:off x="1194666" y="2699711"/>
+                <a:ext cx="281433" cy="211952"/>
+              </a:xfrm>
+              <a:prstGeom prst="rect">
+                <a:avLst/>
+              </a:prstGeom>
+              <a:solidFill>
+                <a:srgbClr val="FFCCFF"/>
+              </a:solidFill>
+              <a:ln/>
+            </p:spPr>
+            <p:style>
+              <a:lnRef idx="1">
+                <a:schemeClr val="accent5"/>
+              </a:lnRef>
+              <a:fillRef idx="2">
+                <a:schemeClr val="accent5"/>
+              </a:fillRef>
+              <a:effectRef idx="1">
+                <a:schemeClr val="accent5"/>
+              </a:effectRef>
+              <a:fontRef idx="minor">
+                <a:schemeClr val="dk1"/>
+              </a:fontRef>
+            </p:style>
+            <p:txBody>
+              <a:bodyPr rtlCol="0" anchor="ctr"/>
+              <a:lstStyle/>
+              <a:p>
+                <a:pPr algn="ctr"/>
+                <a:endParaRPr lang="en-GB" sz="1200"/>
+              </a:p>
+            </p:txBody>
+          </p:sp>
+          <p:sp>
+            <p:nvSpPr>
+              <p:cNvPr id="45" name="Triangolo isoscele 42">
+                <a:extLst>
+                  <a:ext uri="{FF2B5EF4-FFF2-40B4-BE49-F238E27FC236}">
+                    <a16:creationId xmlns:a16="http://schemas.microsoft.com/office/drawing/2014/main" id="{545D3B1A-15B2-4CA0-B4A1-352AF8652519}"/>
+                  </a:ext>
+                </a:extLst>
+              </p:cNvPr>
+              <p:cNvSpPr/>
+              <p:nvPr/>
+            </p:nvSpPr>
+            <p:spPr>
+              <a:xfrm rot="16200000">
+                <a:off x="1618539" y="2391356"/>
+                <a:ext cx="86434" cy="139263"/>
+              </a:xfrm>
+              <a:prstGeom prst="triangle">
+                <a:avLst/>
+              </a:prstGeom>
+              <a:solidFill>
+                <a:srgbClr val="FF0000"/>
+              </a:solidFill>
+              <a:ln/>
+            </p:spPr>
+            <p:style>
+              <a:lnRef idx="1">
+                <a:schemeClr val="accent5"/>
+              </a:lnRef>
+              <a:fillRef idx="2">
+                <a:schemeClr val="accent5"/>
+              </a:fillRef>
+              <a:effectRef idx="1">
+                <a:schemeClr val="accent5"/>
+              </a:effectRef>
+              <a:fontRef idx="minor">
+                <a:schemeClr val="dk1"/>
+              </a:fontRef>
+            </p:style>
+            <p:txBody>
+              <a:bodyPr rtlCol="0" anchor="ctr"/>
+              <a:lstStyle/>
+              <a:p>
+                <a:pPr algn="ctr"/>
+                <a:endParaRPr lang="en-GB" sz="1200">
+                  <a:solidFill>
+                    <a:schemeClr val="dk1"/>
+                  </a:solidFill>
+                </a:endParaRPr>
+              </a:p>
+            </p:txBody>
+          </p:sp>
+        </p:grpSp>
+        <p:sp>
+          <p:nvSpPr>
+            <p:cNvPr id="42" name="Rettangolo 41">
+              <a:extLst>
+                <a:ext uri="{FF2B5EF4-FFF2-40B4-BE49-F238E27FC236}">
+                  <a16:creationId xmlns:a16="http://schemas.microsoft.com/office/drawing/2014/main" id="{81A9AA82-2059-4945-9252-915C335CA6E6}"/>
+                </a:ext>
+              </a:extLst>
+            </p:cNvPr>
+            <p:cNvSpPr/>
+            <p:nvPr/>
+          </p:nvSpPr>
+          <p:spPr>
+            <a:xfrm>
+              <a:off x="2635583" y="2458538"/>
+              <a:ext cx="1400320" cy="369332"/>
+            </a:xfrm>
+            <a:prstGeom prst="rect">
+              <a:avLst/>
+            </a:prstGeom>
+          </p:spPr>
+          <p:txBody>
+            <a:bodyPr wrap="none">
+              <a:spAutoFit/>
+            </a:bodyPr>
+            <a:lstStyle/>
+            <a:p>
+              <a:r>
+                <a:rPr lang="en-GB" dirty="0" err="1"/>
+                <a:t>waiterwalker</a:t>
+              </a:r>
+              <a:endParaRPr lang="en-GB" dirty="0"/>
+            </a:p>
+          </p:txBody>
+        </p:sp>
+      </p:grpSp>
+      <p:grpSp>
+        <p:nvGrpSpPr>
+          <p:cNvPr id="48" name="Gruppo 56">
+            <a:extLst>
+              <a:ext uri="{FF2B5EF4-FFF2-40B4-BE49-F238E27FC236}">
+                <a16:creationId xmlns:a16="http://schemas.microsoft.com/office/drawing/2014/main" id="{DB13407C-3FB6-4190-8E03-D1335F07E2DD}"/>
+              </a:ext>
+            </a:extLst>
+          </p:cNvPr>
+          <p:cNvGrpSpPr/>
+          <p:nvPr/>
+        </p:nvGrpSpPr>
+        <p:grpSpPr>
+          <a:xfrm>
+            <a:off x="6228362" y="2428620"/>
+            <a:ext cx="1246006" cy="186933"/>
+            <a:chOff x="4586473" y="4245346"/>
+            <a:chExt cx="667405" cy="86434"/>
+          </a:xfrm>
+        </p:grpSpPr>
+        <p:sp>
+          <p:nvSpPr>
+            <p:cNvPr id="49" name="Freccia a destra 58">
+              <a:extLst>
+                <a:ext uri="{FF2B5EF4-FFF2-40B4-BE49-F238E27FC236}">
+                  <a16:creationId xmlns:a16="http://schemas.microsoft.com/office/drawing/2014/main" id="{39DD38D6-1415-422A-9148-0D5B4A8973FD}"/>
+                </a:ext>
+              </a:extLst>
+            </p:cNvPr>
+            <p:cNvSpPr/>
+            <p:nvPr/>
+          </p:nvSpPr>
+          <p:spPr>
+            <a:xfrm>
+              <a:off x="4586473" y="4251518"/>
+              <a:ext cx="577147" cy="80262"/>
+            </a:xfrm>
+            <a:prstGeom prst="rightArrow">
+              <a:avLst/>
+            </a:prstGeom>
+          </p:spPr>
+          <p:style>
+            <a:lnRef idx="1">
+              <a:schemeClr val="accent1"/>
+            </a:lnRef>
+            <a:fillRef idx="2">
+              <a:schemeClr val="accent1"/>
+            </a:fillRef>
+            <a:effectRef idx="1">
+              <a:schemeClr val="accent1"/>
+            </a:effectRef>
+            <a:fontRef idx="minor">
+              <a:schemeClr val="dk1"/>
+            </a:fontRef>
+          </p:style>
+          <p:txBody>
+            <a:bodyPr rtlCol="0" anchor="ctr"/>
+            <a:lstStyle/>
+            <a:p>
+              <a:pPr algn="ctr"/>
+              <a:endParaRPr lang="en-GB"/>
+            </a:p>
+          </p:txBody>
+        </p:sp>
+        <p:sp>
+          <p:nvSpPr>
+            <p:cNvPr id="50" name="Triangolo isoscele 76">
+              <a:extLst>
+                <a:ext uri="{FF2B5EF4-FFF2-40B4-BE49-F238E27FC236}">
+                  <a16:creationId xmlns:a16="http://schemas.microsoft.com/office/drawing/2014/main" id="{74B3EFB6-B795-4852-AA41-0A7CD08515C4}"/>
+                </a:ext>
+              </a:extLst>
+            </p:cNvPr>
+            <p:cNvSpPr/>
+            <p:nvPr/>
+          </p:nvSpPr>
+          <p:spPr>
+            <a:xfrm rot="5400000" flipH="1">
+              <a:off x="5141030" y="4218931"/>
+              <a:ext cx="86434" cy="139263"/>
+            </a:xfrm>
+            <a:prstGeom prst="triangle">
+              <a:avLst/>
+            </a:prstGeom>
+            <a:solidFill>
+              <a:schemeClr val="bg1"/>
+            </a:solidFill>
+            <a:ln/>
+          </p:spPr>
+          <p:style>
+            <a:lnRef idx="1">
+              <a:schemeClr val="accent5"/>
+            </a:lnRef>
+            <a:fillRef idx="2">
+              <a:schemeClr val="accent5"/>
+            </a:fillRef>
+            <a:effectRef idx="1">
+              <a:schemeClr val="accent5"/>
+            </a:effectRef>
+            <a:fontRef idx="minor">
+              <a:schemeClr val="dk1"/>
+            </a:fontRef>
+          </p:style>
+          <p:txBody>
+            <a:bodyPr rtlCol="0" anchor="ctr"/>
+            <a:lstStyle/>
+            <a:p>
+              <a:pPr algn="ctr"/>
+              <a:endParaRPr lang="en-GB" sz="1200">
+                <a:solidFill>
+                  <a:schemeClr val="dk1"/>
+                </a:solidFill>
+              </a:endParaRPr>
+            </a:p>
+          </p:txBody>
+        </p:sp>
+      </p:grpSp>
+      <p:grpSp>
+        <p:nvGrpSpPr>
+          <p:cNvPr id="51" name="Gruppo 87">
+            <a:extLst>
+              <a:ext uri="{FF2B5EF4-FFF2-40B4-BE49-F238E27FC236}">
+                <a16:creationId xmlns:a16="http://schemas.microsoft.com/office/drawing/2014/main" id="{A0B9DA95-CDCA-4B37-BDBE-3076C77C93DF}"/>
+              </a:ext>
+            </a:extLst>
+          </p:cNvPr>
+          <p:cNvGrpSpPr/>
+          <p:nvPr/>
+        </p:nvGrpSpPr>
+        <p:grpSpPr>
+          <a:xfrm>
+            <a:off x="6198415" y="2740744"/>
+            <a:ext cx="1275955" cy="195464"/>
+            <a:chOff x="4592177" y="4419530"/>
+            <a:chExt cx="666895" cy="86434"/>
+          </a:xfrm>
+        </p:grpSpPr>
+        <p:cxnSp>
+          <p:nvCxnSpPr>
+            <p:cNvPr id="52" name="Connettore 1 89">
+              <a:extLst>
+                <a:ext uri="{FF2B5EF4-FFF2-40B4-BE49-F238E27FC236}">
+                  <a16:creationId xmlns:a16="http://schemas.microsoft.com/office/drawing/2014/main" id="{BD5F6243-E497-4744-9AB3-C0341D740EC9}"/>
+                </a:ext>
+              </a:extLst>
+            </p:cNvPr>
+            <p:cNvCxnSpPr/>
+            <p:nvPr/>
+          </p:nvCxnSpPr>
+          <p:spPr>
+            <a:xfrm>
+              <a:off x="4611000" y="4462747"/>
+              <a:ext cx="648072" cy="0"/>
+            </a:xfrm>
+            <a:prstGeom prst="line">
+              <a:avLst/>
+            </a:prstGeom>
+            <a:ln>
+              <a:prstDash val="dash"/>
+            </a:ln>
+          </p:spPr>
+          <p:style>
+            <a:lnRef idx="1">
+              <a:schemeClr val="accent1"/>
+            </a:lnRef>
+            <a:fillRef idx="0">
+              <a:schemeClr val="accent1"/>
+            </a:fillRef>
+            <a:effectRef idx="0">
+              <a:schemeClr val="accent1"/>
+            </a:effectRef>
+            <a:fontRef idx="minor">
+              <a:schemeClr val="tx1"/>
+            </a:fontRef>
+          </p:style>
+        </p:cxnSp>
+        <p:sp>
+          <p:nvSpPr>
+            <p:cNvPr id="53" name="Triangolo isoscele 90">
+              <a:extLst>
+                <a:ext uri="{FF2B5EF4-FFF2-40B4-BE49-F238E27FC236}">
+                  <a16:creationId xmlns:a16="http://schemas.microsoft.com/office/drawing/2014/main" id="{ED7EFD8B-9E2F-40AD-9C0B-904ACE2A0C1D}"/>
+                </a:ext>
+              </a:extLst>
+            </p:cNvPr>
+            <p:cNvSpPr/>
+            <p:nvPr/>
+          </p:nvSpPr>
+          <p:spPr>
+            <a:xfrm rot="16200000">
+              <a:off x="4618592" y="4393115"/>
+              <a:ext cx="86434" cy="139263"/>
+            </a:xfrm>
+            <a:prstGeom prst="triangle">
+              <a:avLst/>
+            </a:prstGeom>
+            <a:solidFill>
+              <a:schemeClr val="bg1"/>
+            </a:solidFill>
+            <a:ln/>
+          </p:spPr>
+          <p:style>
+            <a:lnRef idx="1">
+              <a:schemeClr val="accent5"/>
+            </a:lnRef>
+            <a:fillRef idx="2">
+              <a:schemeClr val="accent5"/>
+            </a:fillRef>
+            <a:effectRef idx="1">
+              <a:schemeClr val="accent5"/>
+            </a:effectRef>
+            <a:fontRef idx="minor">
+              <a:schemeClr val="dk1"/>
+            </a:fontRef>
+          </p:style>
+          <p:txBody>
+            <a:bodyPr rtlCol="0" anchor="ctr"/>
+            <a:lstStyle/>
+            <a:p>
+              <a:pPr algn="ctr"/>
+              <a:endParaRPr lang="en-GB" sz="1200"/>
+            </a:p>
+          </p:txBody>
+        </p:sp>
+      </p:grpSp>
+      <p:sp>
+        <p:nvSpPr>
+          <p:cNvPr id="54" name="CasellaDiTesto 67">
+            <a:extLst>
+              <a:ext uri="{FF2B5EF4-FFF2-40B4-BE49-F238E27FC236}">
+                <a16:creationId xmlns:a16="http://schemas.microsoft.com/office/drawing/2014/main" id="{AE8A07C8-C7E2-4B34-A9E2-16D3276E25EF}"/>
+              </a:ext>
+            </a:extLst>
+          </p:cNvPr>
+          <p:cNvSpPr txBox="1"/>
+          <p:nvPr/>
+        </p:nvSpPr>
+        <p:spPr>
+          <a:xfrm>
+            <a:off x="6399879" y="2972291"/>
+            <a:ext cx="984885" cy="584775"/>
+          </a:xfrm>
+          <a:prstGeom prst="rect">
+            <a:avLst/>
+          </a:prstGeom>
+          <a:noFill/>
+        </p:spPr>
+        <p:txBody>
+          <a:bodyPr wrap="none" rtlCol="0">
+            <a:spAutoFit/>
+          </a:bodyPr>
+          <a:lstStyle/>
+          <a:p>
+            <a:r>
+              <a:rPr lang="it-IT" sz="1600" dirty="0" err="1"/>
+              <a:t>stepDone</a:t>
+            </a:r>
+            <a:endParaRPr lang="it-IT" sz="1600" dirty="0"/>
+          </a:p>
+          <a:p>
+            <a:r>
+              <a:rPr lang="it-IT" sz="1600" dirty="0" err="1"/>
+              <a:t>stepFail</a:t>
+            </a:r>
+            <a:endParaRPr lang="en-GB" sz="1600" dirty="0"/>
+          </a:p>
+        </p:txBody>
+      </p:sp>
+      <p:sp>
+        <p:nvSpPr>
+          <p:cNvPr id="55" name="CasellaDiTesto 67">
+            <a:extLst>
+              <a:ext uri="{FF2B5EF4-FFF2-40B4-BE49-F238E27FC236}">
+                <a16:creationId xmlns:a16="http://schemas.microsoft.com/office/drawing/2014/main" id="{0604F9C8-E38D-464E-A7A8-B32772DFE484}"/>
+              </a:ext>
+            </a:extLst>
+          </p:cNvPr>
+          <p:cNvSpPr txBox="1"/>
+          <p:nvPr/>
+        </p:nvSpPr>
+        <p:spPr>
+          <a:xfrm>
+            <a:off x="6621391" y="1688516"/>
+            <a:ext cx="542136" cy="338554"/>
+          </a:xfrm>
+          <a:prstGeom prst="rect">
+            <a:avLst/>
+          </a:prstGeom>
+          <a:noFill/>
+        </p:spPr>
+        <p:txBody>
+          <a:bodyPr wrap="none" rtlCol="0">
+            <a:spAutoFit/>
+          </a:bodyPr>
+          <a:lstStyle/>
+          <a:p>
+            <a:r>
+              <a:rPr lang="it-IT" sz="1600" dirty="0" err="1"/>
+              <a:t>cmd</a:t>
+            </a:r>
+            <a:endParaRPr lang="en-GB" sz="2000" dirty="0"/>
+          </a:p>
+        </p:txBody>
+      </p:sp>
+      <p:sp>
+        <p:nvSpPr>
+          <p:cNvPr id="57" name="CasellaDiTesto 67">
+            <a:extLst>
+              <a:ext uri="{FF2B5EF4-FFF2-40B4-BE49-F238E27FC236}">
+                <a16:creationId xmlns:a16="http://schemas.microsoft.com/office/drawing/2014/main" id="{57E3D22E-7DA6-4A47-88E4-FECBFB74F0AA}"/>
+              </a:ext>
+            </a:extLst>
+          </p:cNvPr>
+          <p:cNvSpPr txBox="1"/>
+          <p:nvPr/>
+        </p:nvSpPr>
+        <p:spPr>
+          <a:xfrm>
+            <a:off x="2796936" y="1884756"/>
+            <a:ext cx="1496051" cy="338554"/>
+          </a:xfrm>
+          <a:prstGeom prst="rect">
+            <a:avLst/>
+          </a:prstGeom>
+          <a:noFill/>
+        </p:spPr>
+        <p:txBody>
+          <a:bodyPr wrap="none" rtlCol="0">
+            <a:spAutoFit/>
+          </a:bodyPr>
+          <a:lstStyle/>
+          <a:p>
+            <a:r>
+              <a:rPr lang="it-IT" sz="1600" dirty="0" err="1"/>
+              <a:t>movetoCell</a:t>
+            </a:r>
+            <a:r>
+              <a:rPr lang="it-IT" sz="1600" dirty="0"/>
+              <a:t>(X,Y)</a:t>
+            </a:r>
+            <a:endParaRPr lang="en-GB" sz="2000" dirty="0"/>
+          </a:p>
+        </p:txBody>
+      </p:sp>
+      <p:grpSp>
+        <p:nvGrpSpPr>
+          <p:cNvPr id="58" name="Gruppo 56">
+            <a:extLst>
+              <a:ext uri="{FF2B5EF4-FFF2-40B4-BE49-F238E27FC236}">
+                <a16:creationId xmlns:a16="http://schemas.microsoft.com/office/drawing/2014/main" id="{2115073D-F661-4B4B-A5E1-281694498F31}"/>
+              </a:ext>
+            </a:extLst>
+          </p:cNvPr>
+          <p:cNvGrpSpPr/>
+          <p:nvPr/>
+        </p:nvGrpSpPr>
+        <p:grpSpPr>
+          <a:xfrm>
+            <a:off x="2881954" y="2289808"/>
+            <a:ext cx="1246006" cy="186933"/>
+            <a:chOff x="4586473" y="4245346"/>
+            <a:chExt cx="667405" cy="86434"/>
+          </a:xfrm>
+        </p:grpSpPr>
+        <p:sp>
+          <p:nvSpPr>
+            <p:cNvPr id="59" name="Freccia a destra 58">
+              <a:extLst>
+                <a:ext uri="{FF2B5EF4-FFF2-40B4-BE49-F238E27FC236}">
+                  <a16:creationId xmlns:a16="http://schemas.microsoft.com/office/drawing/2014/main" id="{8F66DA4B-B00A-46C9-B043-7AA6B4ED9C93}"/>
+                </a:ext>
+              </a:extLst>
+            </p:cNvPr>
+            <p:cNvSpPr/>
+            <p:nvPr/>
+          </p:nvSpPr>
+          <p:spPr>
+            <a:xfrm>
+              <a:off x="4586473" y="4251518"/>
+              <a:ext cx="577147" cy="80262"/>
+            </a:xfrm>
+            <a:prstGeom prst="rightArrow">
+              <a:avLst/>
+            </a:prstGeom>
+          </p:spPr>
+          <p:style>
+            <a:lnRef idx="1">
+              <a:schemeClr val="accent1"/>
+            </a:lnRef>
+            <a:fillRef idx="2">
+              <a:schemeClr val="accent1"/>
+            </a:fillRef>
+            <a:effectRef idx="1">
+              <a:schemeClr val="accent1"/>
+            </a:effectRef>
+            <a:fontRef idx="minor">
+              <a:schemeClr val="dk1"/>
+            </a:fontRef>
+          </p:style>
+          <p:txBody>
+            <a:bodyPr rtlCol="0" anchor="ctr"/>
+            <a:lstStyle/>
+            <a:p>
+              <a:pPr algn="ctr"/>
+              <a:endParaRPr lang="en-GB"/>
+            </a:p>
+          </p:txBody>
+        </p:sp>
+        <p:sp>
+          <p:nvSpPr>
+            <p:cNvPr id="60" name="Triangolo isoscele 76">
+              <a:extLst>
+                <a:ext uri="{FF2B5EF4-FFF2-40B4-BE49-F238E27FC236}">
+                  <a16:creationId xmlns:a16="http://schemas.microsoft.com/office/drawing/2014/main" id="{F5B2140E-C135-43E9-BAB5-149DBF62FB02}"/>
+                </a:ext>
+              </a:extLst>
+            </p:cNvPr>
+            <p:cNvSpPr/>
+            <p:nvPr/>
+          </p:nvSpPr>
+          <p:spPr>
+            <a:xfrm rot="5400000" flipH="1">
+              <a:off x="5141030" y="4218931"/>
+              <a:ext cx="86434" cy="139263"/>
+            </a:xfrm>
+            <a:prstGeom prst="triangle">
+              <a:avLst/>
+            </a:prstGeom>
+            <a:solidFill>
+              <a:schemeClr val="bg1"/>
+            </a:solidFill>
+            <a:ln/>
+          </p:spPr>
+          <p:style>
+            <a:lnRef idx="1">
+              <a:schemeClr val="accent5"/>
+            </a:lnRef>
+            <a:fillRef idx="2">
+              <a:schemeClr val="accent5"/>
+            </a:fillRef>
+            <a:effectRef idx="1">
+              <a:schemeClr val="accent5"/>
+            </a:effectRef>
+            <a:fontRef idx="minor">
+              <a:schemeClr val="dk1"/>
+            </a:fontRef>
+          </p:style>
+          <p:txBody>
+            <a:bodyPr rtlCol="0" anchor="ctr"/>
+            <a:lstStyle/>
+            <a:p>
+              <a:pPr algn="ctr"/>
+              <a:endParaRPr lang="en-GB" sz="1200">
+                <a:solidFill>
+                  <a:schemeClr val="dk1"/>
+                </a:solidFill>
+              </a:endParaRPr>
+            </a:p>
+          </p:txBody>
+        </p:sp>
+      </p:grpSp>
+      <p:grpSp>
+        <p:nvGrpSpPr>
+          <p:cNvPr id="61" name="Gruppo 87">
+            <a:extLst>
+              <a:ext uri="{FF2B5EF4-FFF2-40B4-BE49-F238E27FC236}">
+                <a16:creationId xmlns:a16="http://schemas.microsoft.com/office/drawing/2014/main" id="{ECB84A5C-CC08-474A-81E1-F67CBBEDF7A9}"/>
+              </a:ext>
+            </a:extLst>
+          </p:cNvPr>
+          <p:cNvGrpSpPr/>
+          <p:nvPr/>
+        </p:nvGrpSpPr>
+        <p:grpSpPr>
+          <a:xfrm>
+            <a:off x="2808619" y="2733343"/>
+            <a:ext cx="1275955" cy="195464"/>
+            <a:chOff x="4592177" y="4419530"/>
+            <a:chExt cx="666895" cy="86434"/>
+          </a:xfrm>
+        </p:grpSpPr>
+        <p:cxnSp>
+          <p:nvCxnSpPr>
+            <p:cNvPr id="62" name="Connettore 1 89">
+              <a:extLst>
+                <a:ext uri="{FF2B5EF4-FFF2-40B4-BE49-F238E27FC236}">
+                  <a16:creationId xmlns:a16="http://schemas.microsoft.com/office/drawing/2014/main" id="{F48CAAD3-75C5-4BB7-B257-96CFB43EF792}"/>
+                </a:ext>
+              </a:extLst>
+            </p:cNvPr>
+            <p:cNvCxnSpPr/>
+            <p:nvPr/>
+          </p:nvCxnSpPr>
+          <p:spPr>
+            <a:xfrm>
+              <a:off x="4611000" y="4462747"/>
+              <a:ext cx="648072" cy="0"/>
+            </a:xfrm>
+            <a:prstGeom prst="line">
+              <a:avLst/>
+            </a:prstGeom>
+            <a:ln>
+              <a:prstDash val="dash"/>
+            </a:ln>
+          </p:spPr>
+          <p:style>
+            <a:lnRef idx="1">
+              <a:schemeClr val="accent1"/>
+            </a:lnRef>
+            <a:fillRef idx="0">
+              <a:schemeClr val="accent1"/>
+            </a:fillRef>
+            <a:effectRef idx="0">
+              <a:schemeClr val="accent1"/>
+            </a:effectRef>
+            <a:fontRef idx="minor">
+              <a:schemeClr val="tx1"/>
+            </a:fontRef>
+          </p:style>
+        </p:cxnSp>
+        <p:sp>
+          <p:nvSpPr>
+            <p:cNvPr id="63" name="Triangolo isoscele 90">
+              <a:extLst>
+                <a:ext uri="{FF2B5EF4-FFF2-40B4-BE49-F238E27FC236}">
+                  <a16:creationId xmlns:a16="http://schemas.microsoft.com/office/drawing/2014/main" id="{AF488512-D72F-4838-B42F-BA5F8A22CAC8}"/>
+                </a:ext>
+              </a:extLst>
+            </p:cNvPr>
+            <p:cNvSpPr/>
+            <p:nvPr/>
+          </p:nvSpPr>
+          <p:spPr>
+            <a:xfrm rot="16200000">
+              <a:off x="4618592" y="4393115"/>
+              <a:ext cx="86434" cy="139263"/>
+            </a:xfrm>
+            <a:prstGeom prst="triangle">
+              <a:avLst/>
+            </a:prstGeom>
+            <a:solidFill>
+              <a:schemeClr val="bg1"/>
+            </a:solidFill>
+            <a:ln/>
+          </p:spPr>
+          <p:style>
+            <a:lnRef idx="1">
+              <a:schemeClr val="accent5"/>
+            </a:lnRef>
+            <a:fillRef idx="2">
+              <a:schemeClr val="accent5"/>
+            </a:fillRef>
+            <a:effectRef idx="1">
+              <a:schemeClr val="accent5"/>
+            </a:effectRef>
+            <a:fontRef idx="minor">
+              <a:schemeClr val="dk1"/>
+            </a:fontRef>
+          </p:style>
+          <p:txBody>
+            <a:bodyPr rtlCol="0" anchor="ctr"/>
+            <a:lstStyle/>
+            <a:p>
+              <a:pPr algn="ctr"/>
+              <a:endParaRPr lang="en-GB" sz="1200"/>
+            </a:p>
+          </p:txBody>
+        </p:sp>
+      </p:grpSp>
+      <p:sp>
+        <p:nvSpPr>
+          <p:cNvPr id="64" name="CasellaDiTesto 67">
+            <a:extLst>
+              <a:ext uri="{FF2B5EF4-FFF2-40B4-BE49-F238E27FC236}">
+                <a16:creationId xmlns:a16="http://schemas.microsoft.com/office/drawing/2014/main" id="{F1BDD3D1-E510-4488-A2B4-553ED3257DFA}"/>
+              </a:ext>
+            </a:extLst>
+          </p:cNvPr>
+          <p:cNvSpPr txBox="1"/>
+          <p:nvPr/>
+        </p:nvSpPr>
+        <p:spPr>
+          <a:xfrm>
+            <a:off x="3010083" y="2920500"/>
+            <a:ext cx="1042080" cy="584775"/>
+          </a:xfrm>
+          <a:prstGeom prst="rect">
+            <a:avLst/>
+          </a:prstGeom>
+          <a:noFill/>
+        </p:spPr>
+        <p:txBody>
+          <a:bodyPr wrap="none" rtlCol="0">
+            <a:spAutoFit/>
+          </a:bodyPr>
+          <a:lstStyle/>
+          <a:p>
+            <a:r>
+              <a:rPr lang="it-IT" sz="1600" dirty="0" err="1"/>
+              <a:t>atCell</a:t>
+            </a:r>
+            <a:r>
+              <a:rPr lang="it-IT" sz="1600" dirty="0"/>
+              <a:t>(X,Y)</a:t>
+            </a:r>
+          </a:p>
+          <a:p>
+            <a:r>
+              <a:rPr lang="it-IT" sz="1600" dirty="0" err="1"/>
+              <a:t>walkBreak</a:t>
+            </a:r>
+            <a:endParaRPr lang="en-GB" sz="1600" dirty="0"/>
+          </a:p>
+        </p:txBody>
+      </p:sp>
+      <p:cxnSp>
+        <p:nvCxnSpPr>
+          <p:cNvPr id="65" name="Connettore 2 92">
+            <a:extLst>
+              <a:ext uri="{FF2B5EF4-FFF2-40B4-BE49-F238E27FC236}">
+                <a16:creationId xmlns:a16="http://schemas.microsoft.com/office/drawing/2014/main" id="{FFBCD3FC-DD5F-449F-80C1-3D5867A58D88}"/>
+              </a:ext>
+            </a:extLst>
+          </p:cNvPr>
+          <p:cNvCxnSpPr>
+            <a:cxnSpLocks/>
+          </p:cNvCxnSpPr>
+          <p:nvPr/>
+        </p:nvCxnSpPr>
+        <p:spPr>
+          <a:xfrm>
+            <a:off x="2305693" y="4162230"/>
+            <a:ext cx="668682" cy="3098"/>
+          </a:xfrm>
+          <a:prstGeom prst="straightConnector1">
+            <a:avLst/>
+          </a:prstGeom>
+          <a:ln>
+            <a:prstDash val="lgDash"/>
+            <a:tailEnd type="arrow"/>
+          </a:ln>
+        </p:spPr>
+        <p:style>
+          <a:lnRef idx="1">
+            <a:schemeClr val="accent1"/>
+          </a:lnRef>
+          <a:fillRef idx="0">
+            <a:schemeClr val="accent1"/>
+          </a:fillRef>
+          <a:effectRef idx="0">
+            <a:schemeClr val="accent1"/>
+          </a:effectRef>
+          <a:fontRef idx="minor">
+            <a:schemeClr val="tx1"/>
+          </a:fontRef>
+        </p:style>
+      </p:cxnSp>
+      <p:sp>
+        <p:nvSpPr>
+          <p:cNvPr id="69" name="CasellaDiTesto 68">
+            <a:extLst>
+              <a:ext uri="{FF2B5EF4-FFF2-40B4-BE49-F238E27FC236}">
+                <a16:creationId xmlns:a16="http://schemas.microsoft.com/office/drawing/2014/main" id="{FAA2BD5C-EA3B-4B02-8741-CBAAC3462CBF}"/>
+              </a:ext>
+            </a:extLst>
+          </p:cNvPr>
+          <p:cNvSpPr txBox="1"/>
+          <p:nvPr/>
+        </p:nvSpPr>
+        <p:spPr>
+          <a:xfrm>
+            <a:off x="284493" y="297300"/>
+            <a:ext cx="3251496" cy="646331"/>
+          </a:xfrm>
+          <a:prstGeom prst="rect">
+            <a:avLst/>
+          </a:prstGeom>
+          <a:noFill/>
+          <a:ln>
+            <a:solidFill>
+              <a:schemeClr val="accent1"/>
+            </a:solidFill>
+          </a:ln>
+        </p:spPr>
+        <p:txBody>
+          <a:bodyPr wrap="square" rtlCol="0">
+            <a:spAutoFit/>
+          </a:bodyPr>
+          <a:lstStyle/>
+          <a:p>
+            <a:r>
+              <a:rPr lang="it-IT" dirty="0"/>
+              <a:t>SPRINT1</a:t>
+            </a:r>
+          </a:p>
+          <a:p>
+            <a:r>
+              <a:rPr lang="it-IT" dirty="0"/>
+              <a:t>Architettura Logica</a:t>
+            </a:r>
+          </a:p>
+        </p:txBody>
+      </p:sp>
+    </p:spTree>
+    <p:extLst>
+      <p:ext uri="{BB962C8B-B14F-4D97-AF65-F5344CB8AC3E}">
+        <p14:creationId xmlns:p14="http://schemas.microsoft.com/office/powerpoint/2010/main" val="1870093576"/>
+      </p:ext>
+    </p:extLst>
+  </p:cSld>
+  <p:clrMapOvr>
+    <a:masterClrMapping/>
+  </p:clrMapOvr>
+</p:sld>
+</file>
+
+<file path=ppt/slides/slide5.xml><?xml version="1.0" encoding="utf-8"?>
+<p:sld xmlns:a="http://schemas.openxmlformats.org/drawingml/2006/main" xmlns:r="http://schemas.openxmlformats.org/officeDocument/2006/relationships" xmlns:p="http://schemas.openxmlformats.org/presentationml/2006/main">
+  <p:cSld>
+    <p:spTree>
+      <p:nvGrpSpPr>
+        <p:cNvPr id="1" name=""/>
+        <p:cNvGrpSpPr/>
+        <p:nvPr/>
+      </p:nvGrpSpPr>
+      <p:grpSpPr>
+        <a:xfrm>
+          <a:off x="0" y="0"/>
+          <a:ext cx="0" cy="0"/>
+          <a:chOff x="0" y="0"/>
+          <a:chExt cx="0" cy="0"/>
+        </a:xfrm>
+      </p:grpSpPr>
+      <p:sp>
+        <p:nvSpPr>
+          <p:cNvPr id="3" name="Segnaposto numero diapositiva 2"/>
+          <p:cNvSpPr>
+            <a:spLocks noGrp="1"/>
+          </p:cNvSpPr>
+          <p:nvPr>
+            <p:ph type="sldNum" sz="quarter" idx="12"/>
+          </p:nvPr>
+        </p:nvSpPr>
+        <p:spPr/>
+        <p:txBody>
+          <a:bodyPr/>
+          <a:lstStyle/>
+          <a:p>
+            <a:fld id="{6F6A5AB3-AF76-4EC9-853D-D4C335162C13}" type="slidenum">
+              <a:rPr lang="en-GB" smtClean="0"/>
+              <a:t>5</a:t>
+            </a:fld>
+            <a:endParaRPr lang="en-GB"/>
+          </a:p>
+        </p:txBody>
+      </p:sp>
+      <p:sp>
+        <p:nvSpPr>
+          <p:cNvPr id="19" name="CasellaDiTesto 18"/>
+          <p:cNvSpPr txBox="1"/>
+          <p:nvPr/>
+        </p:nvSpPr>
+        <p:spPr>
+          <a:xfrm>
+            <a:off x="6439369" y="3363013"/>
+            <a:ext cx="583558" cy="369332"/>
+          </a:xfrm>
+          <a:prstGeom prst="rect">
+            <a:avLst/>
+          </a:prstGeom>
+          <a:noFill/>
+        </p:spPr>
+        <p:txBody>
+          <a:bodyPr wrap="none" rtlCol="0">
+            <a:spAutoFit/>
+          </a:bodyPr>
+          <a:lstStyle/>
+          <a:p>
+            <a:r>
+              <a:rPr lang="it-IT" dirty="0" err="1"/>
+              <a:t>step</a:t>
+            </a:r>
+            <a:endParaRPr lang="en-GB" sz="2000" dirty="0"/>
+          </a:p>
+        </p:txBody>
+      </p:sp>
+      <p:grpSp>
+        <p:nvGrpSpPr>
+          <p:cNvPr id="88" name="Gruppo 87"/>
+          <p:cNvGrpSpPr/>
+          <p:nvPr/>
+        </p:nvGrpSpPr>
+        <p:grpSpPr>
+          <a:xfrm>
+            <a:off x="5370285" y="2207827"/>
+            <a:ext cx="5407314" cy="3616607"/>
+            <a:chOff x="3846285" y="3068960"/>
+            <a:chExt cx="5407314" cy="3616607"/>
+          </a:xfrm>
+        </p:grpSpPr>
+        <p:sp>
+          <p:nvSpPr>
+            <p:cNvPr id="45" name="Rettangolo arrotondato 44"/>
+            <p:cNvSpPr/>
+            <p:nvPr/>
+          </p:nvSpPr>
+          <p:spPr>
+            <a:xfrm>
+              <a:off x="5926336" y="3481992"/>
+              <a:ext cx="3038152" cy="2899336"/>
+            </a:xfrm>
+            <a:prstGeom prst="roundRect">
+              <a:avLst/>
+            </a:prstGeom>
+            <a:solidFill>
+              <a:srgbClr val="CCFFCC"/>
+            </a:solidFill>
+          </p:spPr>
+          <p:style>
+            <a:lnRef idx="2">
+              <a:schemeClr val="accent1">
+                <a:shade val="50000"/>
+              </a:schemeClr>
+            </a:lnRef>
+            <a:fillRef idx="1">
+              <a:schemeClr val="accent1"/>
+            </a:fillRef>
+            <a:effectRef idx="0">
+              <a:schemeClr val="accent1"/>
+            </a:effectRef>
+            <a:fontRef idx="minor">
+              <a:schemeClr val="lt1"/>
+            </a:fontRef>
+          </p:style>
+          <p:txBody>
+            <a:bodyPr rtlCol="0" anchor="ctr"/>
+            <a:lstStyle/>
+            <a:p>
+              <a:pPr algn="ctr"/>
+              <a:endParaRPr lang="en-GB"/>
+            </a:p>
+          </p:txBody>
+        </p:sp>
+        <p:sp>
+          <p:nvSpPr>
+            <p:cNvPr id="4" name="Rettangolo arrotondato 3"/>
+            <p:cNvSpPr/>
+            <p:nvPr/>
+          </p:nvSpPr>
+          <p:spPr>
+            <a:xfrm>
+              <a:off x="6346955" y="5428292"/>
+              <a:ext cx="881175" cy="776894"/>
+            </a:xfrm>
+            <a:prstGeom prst="roundRect">
+              <a:avLst/>
+            </a:prstGeom>
+            <a:solidFill>
+              <a:srgbClr val="FFFF00"/>
+            </a:solidFill>
+          </p:spPr>
+          <p:style>
+            <a:lnRef idx="2">
+              <a:schemeClr val="accent1">
+                <a:shade val="50000"/>
+              </a:schemeClr>
+            </a:lnRef>
+            <a:fillRef idx="1">
+              <a:schemeClr val="accent1"/>
+            </a:fillRef>
+            <a:effectRef idx="0">
+              <a:schemeClr val="accent1"/>
+            </a:effectRef>
+            <a:fontRef idx="minor">
+              <a:schemeClr val="lt1"/>
+            </a:fontRef>
+          </p:style>
+          <p:txBody>
+            <a:bodyPr rtlCol="0" anchor="ctr"/>
+            <a:lstStyle/>
+            <a:p>
+              <a:pPr algn="ctr"/>
+              <a:endParaRPr lang="en-GB"/>
+            </a:p>
+          </p:txBody>
+        </p:sp>
+        <p:sp>
+          <p:nvSpPr>
+            <p:cNvPr id="5" name="Rettangolo arrotondato 4"/>
+            <p:cNvSpPr/>
+            <p:nvPr/>
+          </p:nvSpPr>
+          <p:spPr>
+            <a:xfrm>
+              <a:off x="7229763" y="5416498"/>
+              <a:ext cx="1169863" cy="776894"/>
+            </a:xfrm>
+            <a:prstGeom prst="roundRect">
+              <a:avLst/>
+            </a:prstGeom>
+            <a:solidFill>
+              <a:srgbClr val="FFFF00"/>
+            </a:solidFill>
+          </p:spPr>
+          <p:style>
+            <a:lnRef idx="2">
+              <a:schemeClr val="accent1">
+                <a:shade val="50000"/>
+              </a:schemeClr>
+            </a:lnRef>
+            <a:fillRef idx="1">
+              <a:schemeClr val="accent1"/>
+            </a:fillRef>
+            <a:effectRef idx="0">
+              <a:schemeClr val="accent1"/>
+            </a:effectRef>
+            <a:fontRef idx="minor">
+              <a:schemeClr val="lt1"/>
+            </a:fontRef>
+          </p:style>
+          <p:txBody>
+            <a:bodyPr rtlCol="0" anchor="ctr"/>
+            <a:lstStyle/>
+            <a:p>
+              <a:pPr algn="ctr"/>
+              <a:endParaRPr lang="en-GB"/>
+            </a:p>
+          </p:txBody>
+        </p:sp>
+        <p:grpSp>
+          <p:nvGrpSpPr>
+            <p:cNvPr id="6" name="Gruppo 5"/>
+            <p:cNvGrpSpPr/>
+            <p:nvPr/>
+          </p:nvGrpSpPr>
+          <p:grpSpPr>
+            <a:xfrm>
+              <a:off x="7814850" y="5441267"/>
+              <a:ext cx="512661" cy="451653"/>
+              <a:chOff x="2441713" y="1277482"/>
+              <a:chExt cx="812663" cy="763297"/>
+            </a:xfrm>
+          </p:grpSpPr>
+          <p:sp>
+            <p:nvSpPr>
+              <p:cNvPr id="7" name="Parallelogramma 6"/>
+              <p:cNvSpPr/>
+              <p:nvPr/>
+            </p:nvSpPr>
+            <p:spPr>
+              <a:xfrm flipV="1">
+                <a:off x="2897719" y="1707426"/>
+                <a:ext cx="356657" cy="288677"/>
+              </a:xfrm>
+              <a:prstGeom prst="parallelogram">
+                <a:avLst/>
+              </a:prstGeom>
+              <a:solidFill>
+                <a:srgbClr val="FFCCFF"/>
+              </a:solidFill>
+              <a:ln/>
+            </p:spPr>
+            <p:style>
+              <a:lnRef idx="1">
+                <a:schemeClr val="accent5"/>
+              </a:lnRef>
+              <a:fillRef idx="2">
+                <a:schemeClr val="accent5"/>
+              </a:fillRef>
+              <a:effectRef idx="1">
+                <a:schemeClr val="accent5"/>
+              </a:effectRef>
+              <a:fontRef idx="minor">
+                <a:schemeClr val="dk1"/>
+              </a:fontRef>
+            </p:style>
+            <p:txBody>
+              <a:bodyPr rtlCol="0" anchor="ctr"/>
+              <a:lstStyle/>
+              <a:p>
+                <a:pPr algn="ctr"/>
+                <a:endParaRPr lang="en-GB" sz="1200"/>
+              </a:p>
+            </p:txBody>
+          </p:sp>
+          <p:sp>
+            <p:nvSpPr>
+              <p:cNvPr id="8" name="Ovale 7"/>
+              <p:cNvSpPr/>
+              <p:nvPr/>
+            </p:nvSpPr>
+            <p:spPr>
+              <a:xfrm>
+                <a:off x="2441713" y="1320699"/>
+                <a:ext cx="749721" cy="720080"/>
+              </a:xfrm>
+              <a:prstGeom prst="ellipse">
+                <a:avLst/>
+              </a:prstGeom>
+              <a:solidFill>
+                <a:srgbClr val="FFCCFF"/>
+              </a:solidFill>
+              <a:ln/>
+            </p:spPr>
+            <p:style>
+              <a:lnRef idx="1">
+                <a:schemeClr val="accent5"/>
+              </a:lnRef>
+              <a:fillRef idx="2">
+                <a:schemeClr val="accent5"/>
+              </a:fillRef>
+              <a:effectRef idx="1">
+                <a:schemeClr val="accent5"/>
+              </a:effectRef>
+              <a:fontRef idx="minor">
+                <a:schemeClr val="dk1"/>
+              </a:fontRef>
+            </p:style>
+            <p:txBody>
+              <a:bodyPr rtlCol="0" anchor="ctr"/>
+              <a:lstStyle/>
+              <a:p>
+                <a:pPr algn="ctr"/>
+                <a:r>
+                  <a:rPr lang="en-GB" sz="1200" dirty="0"/>
+                  <a:t> </a:t>
+                </a:r>
+              </a:p>
+            </p:txBody>
+          </p:sp>
+          <p:sp>
+            <p:nvSpPr>
+              <p:cNvPr id="9" name="Triangolo isoscele 8"/>
+              <p:cNvSpPr/>
+              <p:nvPr/>
+            </p:nvSpPr>
+            <p:spPr>
+              <a:xfrm rot="16200000">
+                <a:off x="2749151" y="1251067"/>
+                <a:ext cx="86434" cy="139263"/>
+              </a:xfrm>
+              <a:prstGeom prst="triangle">
+                <a:avLst/>
+              </a:prstGeom>
+              <a:solidFill>
+                <a:srgbClr val="FF0000"/>
+              </a:solidFill>
+              <a:ln/>
+            </p:spPr>
+            <p:style>
+              <a:lnRef idx="1">
+                <a:schemeClr val="accent5"/>
+              </a:lnRef>
+              <a:fillRef idx="2">
+                <a:schemeClr val="accent5"/>
+              </a:fillRef>
+              <a:effectRef idx="1">
+                <a:schemeClr val="accent5"/>
+              </a:effectRef>
+              <a:fontRef idx="minor">
+                <a:schemeClr val="dk1"/>
+              </a:fontRef>
+            </p:style>
+            <p:txBody>
+              <a:bodyPr rtlCol="0" anchor="ctr"/>
+              <a:lstStyle/>
+              <a:p>
+                <a:pPr algn="ctr"/>
+                <a:endParaRPr lang="en-GB" sz="1200"/>
+              </a:p>
+            </p:txBody>
+          </p:sp>
+        </p:grpSp>
+        <p:grpSp>
+          <p:nvGrpSpPr>
+            <p:cNvPr id="10" name="Gruppo 9"/>
+            <p:cNvGrpSpPr/>
+            <p:nvPr/>
+          </p:nvGrpSpPr>
+          <p:grpSpPr>
+            <a:xfrm>
+              <a:off x="6249747" y="3515325"/>
+              <a:ext cx="1696867" cy="1234655"/>
+              <a:chOff x="2460219" y="2004003"/>
+              <a:chExt cx="1696867" cy="1234655"/>
+            </a:xfrm>
+          </p:grpSpPr>
+          <p:sp>
+            <p:nvSpPr>
+              <p:cNvPr id="11" name="Triangolo isoscele 10"/>
+              <p:cNvSpPr/>
+              <p:nvPr/>
+            </p:nvSpPr>
+            <p:spPr>
+              <a:xfrm rot="5400000">
+                <a:off x="3220535" y="2242777"/>
+                <a:ext cx="998084" cy="875019"/>
+              </a:xfrm>
+              <a:prstGeom prst="triangle">
+                <a:avLst/>
+              </a:prstGeom>
+              <a:solidFill>
+                <a:srgbClr val="CCFF66"/>
+              </a:solidFill>
+              <a:ln/>
+            </p:spPr>
+            <p:style>
+              <a:lnRef idx="1">
+                <a:schemeClr val="accent5"/>
+              </a:lnRef>
+              <a:fillRef idx="2">
+                <a:schemeClr val="accent5"/>
+              </a:fillRef>
+              <a:effectRef idx="1">
+                <a:schemeClr val="accent5"/>
+              </a:effectRef>
+              <a:fontRef idx="minor">
+                <a:schemeClr val="dk1"/>
+              </a:fontRef>
+            </p:style>
+            <p:txBody>
+              <a:bodyPr rtlCol="0" anchor="ctr"/>
+              <a:lstStyle/>
+              <a:p>
+                <a:pPr algn="ctr"/>
+                <a:endParaRPr lang="en-GB" sz="1200"/>
+              </a:p>
+            </p:txBody>
+          </p:sp>
+          <p:grpSp>
+            <p:nvGrpSpPr>
+              <p:cNvPr id="12" name="Gruppo 82">
+                <a:extLst>
+                  <a:ext uri="{FF2B5EF4-FFF2-40B4-BE49-F238E27FC236}">
+                    <a16:creationId xmlns:a16="http://schemas.microsoft.com/office/drawing/2014/main" id="{12D969AC-9EB0-4CF5-9EE5-D0DD7ACA9C72}"/>
+                  </a:ext>
+                </a:extLst>
+              </p:cNvPr>
+              <p:cNvGrpSpPr/>
+              <p:nvPr/>
+            </p:nvGrpSpPr>
+            <p:grpSpPr>
+              <a:xfrm>
+                <a:off x="2460219" y="2004003"/>
+                <a:ext cx="1409184" cy="1234655"/>
+                <a:chOff x="1194666" y="2417771"/>
+                <a:chExt cx="866156" cy="763297"/>
+              </a:xfrm>
+            </p:grpSpPr>
+            <p:sp>
+              <p:nvSpPr>
+                <p:cNvPr id="14" name="Ovale 38">
+                  <a:extLst>
+                    <a:ext uri="{FF2B5EF4-FFF2-40B4-BE49-F238E27FC236}">
+                      <a16:creationId xmlns:a16="http://schemas.microsoft.com/office/drawing/2014/main" id="{0EB3DE65-C1E4-4AD3-B909-2646317ECA68}"/>
+                    </a:ext>
+                  </a:extLst>
+                </p:cNvPr>
+                <p:cNvSpPr/>
+                <p:nvPr/>
+              </p:nvSpPr>
+              <p:spPr>
+                <a:xfrm>
+                  <a:off x="1311101" y="2460988"/>
+                  <a:ext cx="749721" cy="720080"/>
+                </a:xfrm>
+                <a:prstGeom prst="ellipse">
+                  <a:avLst/>
+                </a:prstGeom>
+                <a:solidFill>
+                  <a:srgbClr val="FFCCFF"/>
+                </a:solidFill>
+                <a:ln/>
+              </p:spPr>
+              <p:style>
+                <a:lnRef idx="1">
+                  <a:schemeClr val="accent5"/>
+                </a:lnRef>
+                <a:fillRef idx="2">
+                  <a:schemeClr val="accent5"/>
+                </a:fillRef>
+                <a:effectRef idx="1">
+                  <a:schemeClr val="accent5"/>
+                </a:effectRef>
+                <a:fontRef idx="minor">
+                  <a:schemeClr val="dk1"/>
+                </a:fontRef>
+              </p:style>
+              <p:txBody>
+                <a:bodyPr rtlCol="0" anchor="ctr"/>
+                <a:lstStyle/>
+                <a:p>
+                  <a:pPr algn="ctr"/>
+                  <a:r>
+                    <a:rPr lang="en-GB" sz="1200" dirty="0"/>
+                    <a:t> </a:t>
+                  </a:r>
+                </a:p>
+              </p:txBody>
+            </p:sp>
+            <p:sp>
+              <p:nvSpPr>
+                <p:cNvPr id="15" name="Rettangolo 39">
+                  <a:extLst>
+                    <a:ext uri="{FF2B5EF4-FFF2-40B4-BE49-F238E27FC236}">
+                      <a16:creationId xmlns:a16="http://schemas.microsoft.com/office/drawing/2014/main" id="{AAF0ABD1-BB2B-450B-9369-91FF5B4CE129}"/>
+                    </a:ext>
+                  </a:extLst>
+                </p:cNvPr>
+                <p:cNvSpPr/>
+                <p:nvPr/>
+              </p:nvSpPr>
+              <p:spPr>
+                <a:xfrm>
+                  <a:off x="1194666" y="2699711"/>
+                  <a:ext cx="281433" cy="211952"/>
+                </a:xfrm>
+                <a:prstGeom prst="rect">
+                  <a:avLst/>
+                </a:prstGeom>
+                <a:solidFill>
+                  <a:srgbClr val="FFCCFF"/>
+                </a:solidFill>
+                <a:ln/>
+              </p:spPr>
+              <p:style>
+                <a:lnRef idx="1">
+                  <a:schemeClr val="accent5"/>
+                </a:lnRef>
+                <a:fillRef idx="2">
+                  <a:schemeClr val="accent5"/>
+                </a:fillRef>
+                <a:effectRef idx="1">
+                  <a:schemeClr val="accent5"/>
+                </a:effectRef>
+                <a:fontRef idx="minor">
+                  <a:schemeClr val="dk1"/>
+                </a:fontRef>
+              </p:style>
+              <p:txBody>
+                <a:bodyPr rtlCol="0" anchor="ctr"/>
+                <a:lstStyle/>
+                <a:p>
+                  <a:pPr algn="ctr"/>
+                  <a:endParaRPr lang="en-GB" sz="1200"/>
+                </a:p>
+              </p:txBody>
+            </p:sp>
+            <p:sp>
+              <p:nvSpPr>
+                <p:cNvPr id="16" name="Triangolo isoscele 42">
+                  <a:extLst>
+                    <a:ext uri="{FF2B5EF4-FFF2-40B4-BE49-F238E27FC236}">
+                      <a16:creationId xmlns:a16="http://schemas.microsoft.com/office/drawing/2014/main" id="{34D1AFB1-88AB-4A6C-9824-2CF6DE11BF7C}"/>
+                    </a:ext>
+                  </a:extLst>
+                </p:cNvPr>
+                <p:cNvSpPr/>
+                <p:nvPr/>
+              </p:nvSpPr>
+              <p:spPr>
+                <a:xfrm rot="16200000">
+                  <a:off x="1618539" y="2391356"/>
+                  <a:ext cx="86434" cy="139263"/>
+                </a:xfrm>
+                <a:prstGeom prst="triangle">
+                  <a:avLst/>
+                </a:prstGeom>
+                <a:solidFill>
+                  <a:srgbClr val="FF0000"/>
+                </a:solidFill>
+                <a:ln/>
+              </p:spPr>
+              <p:style>
+                <a:lnRef idx="1">
+                  <a:schemeClr val="accent5"/>
+                </a:lnRef>
+                <a:fillRef idx="2">
+                  <a:schemeClr val="accent5"/>
+                </a:fillRef>
+                <a:effectRef idx="1">
+                  <a:schemeClr val="accent5"/>
+                </a:effectRef>
+                <a:fontRef idx="minor">
+                  <a:schemeClr val="dk1"/>
+                </a:fontRef>
+              </p:style>
+              <p:txBody>
+                <a:bodyPr rtlCol="0" anchor="ctr"/>
+                <a:lstStyle/>
+                <a:p>
+                  <a:pPr algn="ctr"/>
+                  <a:endParaRPr lang="en-GB" sz="1200"/>
+                </a:p>
+              </p:txBody>
+            </p:sp>
+          </p:grpSp>
+          <p:sp>
+            <p:nvSpPr>
+              <p:cNvPr id="13" name="Rettangolo 12"/>
+              <p:cNvSpPr/>
+              <p:nvPr/>
+            </p:nvSpPr>
+            <p:spPr>
+              <a:xfrm>
+                <a:off x="2697729" y="2458538"/>
+                <a:ext cx="1176412" cy="369332"/>
+              </a:xfrm>
+              <a:prstGeom prst="rect">
+                <a:avLst/>
+              </a:prstGeom>
+            </p:spPr>
+            <p:txBody>
+              <a:bodyPr wrap="none">
+                <a:spAutoFit/>
+              </a:bodyPr>
+              <a:lstStyle/>
+              <a:p>
+                <a:r>
+                  <a:rPr lang="en-GB" dirty="0" err="1"/>
+                  <a:t>basicrobot</a:t>
+                </a:r>
+                <a:endParaRPr lang="en-GB" dirty="0"/>
+              </a:p>
+            </p:txBody>
+          </p:sp>
+        </p:grpSp>
+        <p:sp>
+          <p:nvSpPr>
+            <p:cNvPr id="18" name="Rettangolo 17"/>
+            <p:cNvSpPr/>
+            <p:nvPr/>
+          </p:nvSpPr>
+          <p:spPr>
+            <a:xfrm>
+              <a:off x="5038211" y="3641067"/>
+              <a:ext cx="1085554" cy="369332"/>
+            </a:xfrm>
+            <a:prstGeom prst="rect">
+              <a:avLst/>
+            </a:prstGeom>
+          </p:spPr>
+          <p:txBody>
+            <a:bodyPr wrap="none">
+              <a:spAutoFit/>
+            </a:bodyPr>
+            <a:lstStyle/>
+            <a:p>
+              <a:r>
+                <a:rPr lang="en-GB" dirty="0" err="1"/>
+                <a:t>cmd</a:t>
+              </a:r>
+              <a:r>
+                <a:rPr lang="en-GB" dirty="0"/>
+                <a:t>( M ) </a:t>
+              </a:r>
+            </a:p>
+          </p:txBody>
+        </p:sp>
+        <p:grpSp>
+          <p:nvGrpSpPr>
+            <p:cNvPr id="20" name="Gruppo 19"/>
+            <p:cNvGrpSpPr/>
+            <p:nvPr/>
+          </p:nvGrpSpPr>
+          <p:grpSpPr>
+            <a:xfrm>
+              <a:off x="3846285" y="4604217"/>
+              <a:ext cx="2167217" cy="86434"/>
+              <a:chOff x="3091855" y="4419530"/>
+              <a:chExt cx="2167217" cy="86434"/>
+            </a:xfrm>
+          </p:grpSpPr>
+          <p:cxnSp>
+            <p:nvCxnSpPr>
+              <p:cNvPr id="21" name="Connettore 1 20"/>
+              <p:cNvCxnSpPr>
+                <a:cxnSpLocks/>
+              </p:cNvCxnSpPr>
+              <p:nvPr/>
+            </p:nvCxnSpPr>
+            <p:spPr>
+              <a:xfrm>
+                <a:off x="3152979" y="4462747"/>
+                <a:ext cx="2106093" cy="0"/>
+              </a:xfrm>
+              <a:prstGeom prst="line">
+                <a:avLst/>
+              </a:prstGeom>
+              <a:ln>
+                <a:prstDash val="dash"/>
+              </a:ln>
+            </p:spPr>
+            <p:style>
+              <a:lnRef idx="1">
+                <a:schemeClr val="accent1"/>
+              </a:lnRef>
+              <a:fillRef idx="0">
+                <a:schemeClr val="accent1"/>
+              </a:fillRef>
+              <a:effectRef idx="0">
+                <a:schemeClr val="accent1"/>
+              </a:effectRef>
+              <a:fontRef idx="minor">
+                <a:schemeClr val="tx1"/>
+              </a:fontRef>
+            </p:style>
+          </p:cxnSp>
+          <p:sp>
+            <p:nvSpPr>
+              <p:cNvPr id="22" name="Triangolo isoscele 21"/>
+              <p:cNvSpPr/>
+              <p:nvPr/>
+            </p:nvSpPr>
+            <p:spPr>
+              <a:xfrm rot="16200000">
+                <a:off x="3118270" y="4393115"/>
+                <a:ext cx="86434" cy="139263"/>
+              </a:xfrm>
+              <a:prstGeom prst="triangle">
+                <a:avLst/>
+              </a:prstGeom>
+              <a:solidFill>
+                <a:schemeClr val="bg1"/>
+              </a:solidFill>
+              <a:ln/>
+            </p:spPr>
+            <p:style>
+              <a:lnRef idx="1">
+                <a:schemeClr val="accent5"/>
+              </a:lnRef>
+              <a:fillRef idx="2">
+                <a:schemeClr val="accent5"/>
+              </a:fillRef>
+              <a:effectRef idx="1">
+                <a:schemeClr val="accent5"/>
+              </a:effectRef>
+              <a:fontRef idx="minor">
+                <a:schemeClr val="dk1"/>
+              </a:fontRef>
+            </p:style>
+            <p:txBody>
+              <a:bodyPr rtlCol="0" anchor="ctr"/>
+              <a:lstStyle/>
+              <a:p>
+                <a:pPr algn="ctr"/>
+                <a:endParaRPr lang="en-GB" sz="1200"/>
+              </a:p>
+            </p:txBody>
+          </p:sp>
+        </p:grpSp>
+        <p:sp>
+          <p:nvSpPr>
+            <p:cNvPr id="23" name="CasellaDiTesto 22"/>
+            <p:cNvSpPr txBox="1"/>
+            <p:nvPr/>
+          </p:nvSpPr>
+          <p:spPr>
+            <a:xfrm>
+              <a:off x="4726549" y="4743919"/>
+              <a:ext cx="984885" cy="584775"/>
+            </a:xfrm>
+            <a:prstGeom prst="rect">
+              <a:avLst/>
+            </a:prstGeom>
+            <a:noFill/>
+          </p:spPr>
+          <p:txBody>
+            <a:bodyPr wrap="none" rtlCol="0">
+              <a:spAutoFit/>
+            </a:bodyPr>
+            <a:lstStyle/>
+            <a:p>
+              <a:r>
+                <a:rPr lang="it-IT" sz="1600" dirty="0" err="1"/>
+                <a:t>stepDone</a:t>
+              </a:r>
+              <a:endParaRPr lang="it-IT" sz="1600" dirty="0"/>
+            </a:p>
+            <a:p>
+              <a:r>
+                <a:rPr lang="it-IT" sz="1600" dirty="0" err="1"/>
+                <a:t>stepFail</a:t>
+              </a:r>
+              <a:endParaRPr lang="en-GB" sz="1600" dirty="0"/>
+            </a:p>
+          </p:txBody>
+        </p:sp>
+        <p:grpSp>
+          <p:nvGrpSpPr>
+            <p:cNvPr id="24" name="Gruppo 23"/>
+            <p:cNvGrpSpPr/>
+            <p:nvPr/>
+          </p:nvGrpSpPr>
+          <p:grpSpPr>
+            <a:xfrm>
+              <a:off x="3907409" y="4258878"/>
+              <a:ext cx="2212934" cy="86434"/>
+              <a:chOff x="3403313" y="4220922"/>
+              <a:chExt cx="2212934" cy="86434"/>
+            </a:xfrm>
+          </p:grpSpPr>
+          <p:sp>
+            <p:nvSpPr>
+              <p:cNvPr id="25" name="Triangolo isoscele 24"/>
+              <p:cNvSpPr/>
+              <p:nvPr/>
+            </p:nvSpPr>
+            <p:spPr>
+              <a:xfrm rot="5400000" flipH="1">
+                <a:off x="5503399" y="4194507"/>
+                <a:ext cx="86434" cy="139263"/>
+              </a:xfrm>
+              <a:prstGeom prst="triangle">
+                <a:avLst/>
+              </a:prstGeom>
+              <a:solidFill>
+                <a:schemeClr val="bg1"/>
+              </a:solidFill>
+              <a:ln/>
+            </p:spPr>
+            <p:style>
+              <a:lnRef idx="1">
+                <a:schemeClr val="accent5"/>
+              </a:lnRef>
+              <a:fillRef idx="2">
+                <a:schemeClr val="accent5"/>
+              </a:fillRef>
+              <a:effectRef idx="1">
+                <a:schemeClr val="accent5"/>
+              </a:effectRef>
+              <a:fontRef idx="minor">
+                <a:schemeClr val="dk1"/>
+              </a:fontRef>
+            </p:style>
+            <p:txBody>
+              <a:bodyPr rtlCol="0" anchor="ctr"/>
+              <a:lstStyle/>
+              <a:p>
+                <a:pPr algn="ctr"/>
+                <a:endParaRPr lang="en-GB" sz="1200"/>
+              </a:p>
+            </p:txBody>
+          </p:sp>
+          <p:cxnSp>
+            <p:nvCxnSpPr>
+              <p:cNvPr id="26" name="Connettore 1 25"/>
+              <p:cNvCxnSpPr>
+                <a:cxnSpLocks/>
+                <a:endCxn id="25" idx="3"/>
+              </p:cNvCxnSpPr>
+              <p:nvPr/>
+            </p:nvCxnSpPr>
+            <p:spPr>
+              <a:xfrm>
+                <a:off x="3403313" y="4264139"/>
+                <a:ext cx="2073672" cy="0"/>
+              </a:xfrm>
+              <a:prstGeom prst="line">
+                <a:avLst/>
+              </a:prstGeom>
+            </p:spPr>
+            <p:style>
+              <a:lnRef idx="1">
+                <a:schemeClr val="accent1"/>
+              </a:lnRef>
+              <a:fillRef idx="0">
+                <a:schemeClr val="accent1"/>
+              </a:fillRef>
+              <a:effectRef idx="0">
+                <a:schemeClr val="accent1"/>
+              </a:effectRef>
+              <a:fontRef idx="minor">
+                <a:schemeClr val="tx1"/>
+              </a:fontRef>
+            </p:style>
+          </p:cxnSp>
+        </p:grpSp>
+        <p:grpSp>
+          <p:nvGrpSpPr>
+            <p:cNvPr id="27" name="Gruppo 26"/>
+            <p:cNvGrpSpPr/>
+            <p:nvPr/>
+          </p:nvGrpSpPr>
+          <p:grpSpPr>
+            <a:xfrm flipH="1">
+              <a:off x="6127808" y="3397042"/>
+              <a:ext cx="592487" cy="258092"/>
+              <a:chOff x="5133975" y="5295900"/>
+              <a:chExt cx="342900" cy="238125"/>
+            </a:xfrm>
+          </p:grpSpPr>
+          <p:sp>
+            <p:nvSpPr>
+              <p:cNvPr id="28" name="Figura a mano libera 27"/>
+              <p:cNvSpPr/>
+              <p:nvPr/>
+            </p:nvSpPr>
+            <p:spPr>
+              <a:xfrm>
+                <a:off x="5133975" y="5295900"/>
+                <a:ext cx="342900" cy="238125"/>
+              </a:xfrm>
+              <a:custGeom>
+                <a:avLst/>
+                <a:gdLst>
+                  <a:gd name="connsiteX0" fmla="*/ 0 w 342900"/>
+                  <a:gd name="connsiteY0" fmla="*/ 142875 h 238125"/>
+                  <a:gd name="connsiteX1" fmla="*/ 28575 w 342900"/>
+                  <a:gd name="connsiteY1" fmla="*/ 38100 h 238125"/>
+                  <a:gd name="connsiteX2" fmla="*/ 47625 w 342900"/>
+                  <a:gd name="connsiteY2" fmla="*/ 9525 h 238125"/>
+                  <a:gd name="connsiteX3" fmla="*/ 76200 w 342900"/>
+                  <a:gd name="connsiteY3" fmla="*/ 0 h 238125"/>
+                  <a:gd name="connsiteX4" fmla="*/ 104775 w 342900"/>
+                  <a:gd name="connsiteY4" fmla="*/ 9525 h 238125"/>
+                  <a:gd name="connsiteX5" fmla="*/ 142875 w 342900"/>
+                  <a:gd name="connsiteY5" fmla="*/ 95250 h 238125"/>
+                  <a:gd name="connsiteX6" fmla="*/ 161925 w 342900"/>
+                  <a:gd name="connsiteY6" fmla="*/ 152400 h 238125"/>
+                  <a:gd name="connsiteX7" fmla="*/ 171450 w 342900"/>
+                  <a:gd name="connsiteY7" fmla="*/ 180975 h 238125"/>
+                  <a:gd name="connsiteX8" fmla="*/ 209550 w 342900"/>
+                  <a:gd name="connsiteY8" fmla="*/ 238125 h 238125"/>
+                  <a:gd name="connsiteX9" fmla="*/ 238125 w 342900"/>
+                  <a:gd name="connsiteY9" fmla="*/ 180975 h 238125"/>
+                  <a:gd name="connsiteX10" fmla="*/ 266700 w 342900"/>
+                  <a:gd name="connsiteY10" fmla="*/ 104775 h 238125"/>
+                  <a:gd name="connsiteX11" fmla="*/ 342900 w 342900"/>
+                  <a:gd name="connsiteY11" fmla="*/ 85725 h 238125"/>
+                </a:gdLst>
+                <a:ahLst/>
+                <a:cxnLst>
+                  <a:cxn ang="0">
+                    <a:pos x="connsiteX0" y="connsiteY0"/>
+                  </a:cxn>
+                  <a:cxn ang="0">
+                    <a:pos x="connsiteX1" y="connsiteY1"/>
+                  </a:cxn>
+                  <a:cxn ang="0">
+                    <a:pos x="connsiteX2" y="connsiteY2"/>
+                  </a:cxn>
+                  <a:cxn ang="0">
+                    <a:pos x="connsiteX3" y="connsiteY3"/>
+                  </a:cxn>
+                  <a:cxn ang="0">
+                    <a:pos x="connsiteX4" y="connsiteY4"/>
+                  </a:cxn>
+                  <a:cxn ang="0">
+                    <a:pos x="connsiteX5" y="connsiteY5"/>
+                  </a:cxn>
+                  <a:cxn ang="0">
+                    <a:pos x="connsiteX6" y="connsiteY6"/>
+                  </a:cxn>
+                  <a:cxn ang="0">
+                    <a:pos x="connsiteX7" y="connsiteY7"/>
+                  </a:cxn>
+                  <a:cxn ang="0">
+                    <a:pos x="connsiteX8" y="connsiteY8"/>
+                  </a:cxn>
+                  <a:cxn ang="0">
+                    <a:pos x="connsiteX9" y="connsiteY9"/>
+                  </a:cxn>
+                  <a:cxn ang="0">
+                    <a:pos x="connsiteX10" y="connsiteY10"/>
+                  </a:cxn>
+                  <a:cxn ang="0">
+                    <a:pos x="connsiteX11" y="connsiteY11"/>
+                  </a:cxn>
+                </a:cxnLst>
+                <a:rect l="l" t="t" r="r" b="b"/>
+                <a:pathLst>
+                  <a:path w="342900" h="238125">
+                    <a:moveTo>
+                      <a:pt x="0" y="142875"/>
+                    </a:moveTo>
+                    <a:cubicBezTo>
+                      <a:pt x="5112" y="117315"/>
+                      <a:pt x="14764" y="58817"/>
+                      <a:pt x="28575" y="38100"/>
+                    </a:cubicBezTo>
+                    <a:cubicBezTo>
+                      <a:pt x="34925" y="28575"/>
+                      <a:pt x="38686" y="16676"/>
+                      <a:pt x="47625" y="9525"/>
+                    </a:cubicBezTo>
+                    <a:cubicBezTo>
+                      <a:pt x="55465" y="3253"/>
+                      <a:pt x="66675" y="3175"/>
+                      <a:pt x="76200" y="0"/>
+                    </a:cubicBezTo>
+                    <a:cubicBezTo>
+                      <a:pt x="85725" y="3175"/>
+                      <a:pt x="96935" y="3253"/>
+                      <a:pt x="104775" y="9525"/>
+                    </a:cubicBezTo>
+                    <a:cubicBezTo>
+                      <a:pt x="125358" y="25992"/>
+                      <a:pt x="137054" y="77787"/>
+                      <a:pt x="142875" y="95250"/>
+                    </a:cubicBezTo>
+                    <a:lnTo>
+                      <a:pt x="161925" y="152400"/>
+                    </a:lnTo>
+                    <a:cubicBezTo>
+                      <a:pt x="165100" y="161925"/>
+                      <a:pt x="169481" y="171130"/>
+                      <a:pt x="171450" y="180975"/>
+                    </a:cubicBezTo>
+                    <a:cubicBezTo>
+                      <a:pt x="182944" y="238445"/>
+                      <a:pt x="165616" y="223480"/>
+                      <a:pt x="209550" y="238125"/>
+                    </a:cubicBezTo>
+                    <a:cubicBezTo>
+                      <a:pt x="228174" y="210189"/>
+                      <a:pt x="230238" y="212523"/>
+                      <a:pt x="238125" y="180975"/>
+                    </a:cubicBezTo>
+                    <a:cubicBezTo>
+                      <a:pt x="243105" y="161054"/>
+                      <a:pt x="243471" y="119293"/>
+                      <a:pt x="266700" y="104775"/>
+                    </a:cubicBezTo>
+                    <a:cubicBezTo>
+                      <a:pt x="300393" y="83717"/>
+                      <a:pt x="313092" y="85725"/>
+                      <a:pt x="342900" y="85725"/>
+                    </a:cubicBezTo>
+                  </a:path>
+                </a:pathLst>
+              </a:custGeom>
+              <a:noFill/>
+              <a:ln>
+                <a:solidFill>
+                  <a:srgbClr val="C00000"/>
+                </a:solidFill>
+              </a:ln>
+            </p:spPr>
+            <p:style>
+              <a:lnRef idx="2">
+                <a:schemeClr val="accent1">
+                  <a:shade val="50000"/>
+                </a:schemeClr>
+              </a:lnRef>
+              <a:fillRef idx="1">
+                <a:schemeClr val="accent1"/>
+              </a:fillRef>
+              <a:effectRef idx="0">
+                <a:schemeClr val="accent1"/>
+              </a:effectRef>
+              <a:fontRef idx="minor">
+                <a:schemeClr val="lt1"/>
+              </a:fontRef>
+            </p:style>
+            <p:txBody>
+              <a:bodyPr rtlCol="0" anchor="ctr"/>
+              <a:lstStyle/>
+              <a:p>
+                <a:pPr algn="ctr"/>
+                <a:endParaRPr lang="it-IT"/>
+              </a:p>
+            </p:txBody>
+          </p:sp>
+          <p:sp>
+            <p:nvSpPr>
+              <p:cNvPr id="29" name="Figura a mano libera 28"/>
+              <p:cNvSpPr/>
+              <p:nvPr/>
+            </p:nvSpPr>
+            <p:spPr>
+              <a:xfrm>
+                <a:off x="5400675" y="5353050"/>
+                <a:ext cx="66675" cy="38100"/>
+              </a:xfrm>
+              <a:custGeom>
+                <a:avLst/>
+                <a:gdLst>
+                  <a:gd name="connsiteX0" fmla="*/ 66675 w 66675"/>
+                  <a:gd name="connsiteY0" fmla="*/ 38100 h 38100"/>
+                  <a:gd name="connsiteX1" fmla="*/ 0 w 66675"/>
+                  <a:gd name="connsiteY1" fmla="*/ 0 h 38100"/>
+                </a:gdLst>
+                <a:ahLst/>
+                <a:cxnLst>
+                  <a:cxn ang="0">
+                    <a:pos x="connsiteX0" y="connsiteY0"/>
+                  </a:cxn>
+                  <a:cxn ang="0">
+                    <a:pos x="connsiteX1" y="connsiteY1"/>
+                  </a:cxn>
+                </a:cxnLst>
+                <a:rect l="l" t="t" r="r" b="b"/>
+                <a:pathLst>
+                  <a:path w="66675" h="38100">
+                    <a:moveTo>
+                      <a:pt x="66675" y="38100"/>
+                    </a:moveTo>
+                    <a:cubicBezTo>
+                      <a:pt x="12962" y="5872"/>
+                      <a:pt x="35609" y="17804"/>
+                      <a:pt x="0" y="0"/>
+                    </a:cubicBezTo>
+                  </a:path>
+                </a:pathLst>
+              </a:custGeom>
+              <a:noFill/>
+              <a:ln>
+                <a:solidFill>
+                  <a:srgbClr val="C00000"/>
+                </a:solidFill>
+              </a:ln>
+            </p:spPr>
+            <p:style>
+              <a:lnRef idx="2">
+                <a:schemeClr val="accent1">
+                  <a:shade val="50000"/>
+                </a:schemeClr>
+              </a:lnRef>
+              <a:fillRef idx="1">
+                <a:schemeClr val="accent1"/>
+              </a:fillRef>
+              <a:effectRef idx="0">
+                <a:schemeClr val="accent1"/>
+              </a:effectRef>
+              <a:fontRef idx="minor">
+                <a:schemeClr val="lt1"/>
+              </a:fontRef>
+            </p:style>
+            <p:txBody>
+              <a:bodyPr rtlCol="0" anchor="ctr"/>
+              <a:lstStyle/>
+              <a:p>
+                <a:pPr algn="ctr"/>
+                <a:endParaRPr lang="it-IT"/>
+              </a:p>
+            </p:txBody>
+          </p:sp>
+          <p:sp>
+            <p:nvSpPr>
+              <p:cNvPr id="30" name="Figura a mano libera 29"/>
+              <p:cNvSpPr/>
+              <p:nvPr/>
+            </p:nvSpPr>
+            <p:spPr>
+              <a:xfrm>
+                <a:off x="5419725" y="5381625"/>
+                <a:ext cx="47625" cy="57150"/>
+              </a:xfrm>
+              <a:custGeom>
+                <a:avLst/>
+                <a:gdLst>
+                  <a:gd name="connsiteX0" fmla="*/ 47625 w 47625"/>
+                  <a:gd name="connsiteY0" fmla="*/ 0 h 57150"/>
+                  <a:gd name="connsiteX1" fmla="*/ 0 w 47625"/>
+                  <a:gd name="connsiteY1" fmla="*/ 57150 h 57150"/>
+                </a:gdLst>
+                <a:ahLst/>
+                <a:cxnLst>
+                  <a:cxn ang="0">
+                    <a:pos x="connsiteX0" y="connsiteY0"/>
+                  </a:cxn>
+                  <a:cxn ang="0">
+                    <a:pos x="connsiteX1" y="connsiteY1"/>
+                  </a:cxn>
+                </a:cxnLst>
+                <a:rect l="l" t="t" r="r" b="b"/>
+                <a:pathLst>
+                  <a:path w="47625" h="57150">
+                    <a:moveTo>
+                      <a:pt x="47625" y="0"/>
+                    </a:moveTo>
+                    <a:cubicBezTo>
+                      <a:pt x="15397" y="53713"/>
+                      <a:pt x="35609" y="39346"/>
+                      <a:pt x="0" y="57150"/>
+                    </a:cubicBezTo>
+                  </a:path>
+                </a:pathLst>
+              </a:custGeom>
+              <a:noFill/>
+              <a:ln>
+                <a:solidFill>
+                  <a:srgbClr val="C00000"/>
+                </a:solidFill>
+              </a:ln>
+            </p:spPr>
+            <p:style>
+              <a:lnRef idx="2">
+                <a:schemeClr val="accent1">
+                  <a:shade val="50000"/>
+                </a:schemeClr>
+              </a:lnRef>
+              <a:fillRef idx="1">
+                <a:schemeClr val="accent1"/>
+              </a:fillRef>
+              <a:effectRef idx="0">
+                <a:schemeClr val="accent1"/>
+              </a:effectRef>
+              <a:fontRef idx="minor">
+                <a:schemeClr val="lt1"/>
+              </a:fontRef>
+            </p:style>
+            <p:txBody>
+              <a:bodyPr rtlCol="0" anchor="ctr"/>
+              <a:lstStyle/>
+              <a:p>
+                <a:pPr algn="ctr"/>
+                <a:endParaRPr lang="it-IT"/>
+              </a:p>
+            </p:txBody>
+          </p:sp>
+        </p:grpSp>
+        <p:sp>
+          <p:nvSpPr>
+            <p:cNvPr id="31" name="Rettangolo 30"/>
+            <p:cNvSpPr/>
+            <p:nvPr/>
+          </p:nvSpPr>
+          <p:spPr>
+            <a:xfrm>
+              <a:off x="5184396" y="3305289"/>
+              <a:ext cx="965201" cy="369332"/>
+            </a:xfrm>
+            <a:prstGeom prst="rect">
+              <a:avLst/>
+            </a:prstGeom>
+          </p:spPr>
+          <p:txBody>
+            <a:bodyPr wrap="none">
+              <a:spAutoFit/>
+            </a:bodyPr>
+            <a:lstStyle/>
+            <a:p>
+              <a:r>
+                <a:rPr lang="en-GB" dirty="0"/>
+                <a:t>obstacle</a:t>
+              </a:r>
+            </a:p>
+          </p:txBody>
+        </p:sp>
+        <p:grpSp>
+          <p:nvGrpSpPr>
+            <p:cNvPr id="32" name="Gruppo 31"/>
+            <p:cNvGrpSpPr/>
+            <p:nvPr/>
+          </p:nvGrpSpPr>
+          <p:grpSpPr>
+            <a:xfrm>
+              <a:off x="6643199" y="5441267"/>
+              <a:ext cx="558683" cy="519971"/>
+              <a:chOff x="4403491" y="4276791"/>
+              <a:chExt cx="749721" cy="720080"/>
+            </a:xfrm>
+          </p:grpSpPr>
+          <p:sp>
+            <p:nvSpPr>
+              <p:cNvPr id="33" name="Ovale 33">
+                <a:extLst>
+                  <a:ext uri="{FF2B5EF4-FFF2-40B4-BE49-F238E27FC236}">
+                    <a16:creationId xmlns:a16="http://schemas.microsoft.com/office/drawing/2014/main" id="{A4E6BBEC-1E11-48AC-9881-2BCB8F6CF48A}"/>
+                  </a:ext>
+                </a:extLst>
+              </p:cNvPr>
+              <p:cNvSpPr/>
+              <p:nvPr/>
+            </p:nvSpPr>
+            <p:spPr>
+              <a:xfrm>
+                <a:off x="4403491" y="4276791"/>
+                <a:ext cx="749721" cy="720080"/>
+              </a:xfrm>
+              <a:prstGeom prst="ellipse">
+                <a:avLst/>
+              </a:prstGeom>
+              <a:ln/>
+            </p:spPr>
+            <p:style>
+              <a:lnRef idx="1">
+                <a:schemeClr val="accent5"/>
+              </a:lnRef>
+              <a:fillRef idx="2">
+                <a:schemeClr val="accent5"/>
+              </a:fillRef>
+              <a:effectRef idx="1">
+                <a:schemeClr val="accent5"/>
+              </a:effectRef>
+              <a:fontRef idx="minor">
+                <a:schemeClr val="dk1"/>
+              </a:fontRef>
+            </p:style>
+            <p:txBody>
+              <a:bodyPr rtlCol="0" anchor="ctr"/>
+              <a:lstStyle/>
+              <a:p>
+                <a:pPr algn="ctr"/>
+                <a:r>
+                  <a:rPr lang="en-GB" sz="1200" dirty="0"/>
+                  <a:t> </a:t>
+                </a:r>
+              </a:p>
+            </p:txBody>
+          </p:sp>
+          <p:cxnSp>
+            <p:nvCxnSpPr>
+              <p:cNvPr id="34" name="Connettore 2 126">
+                <a:extLst>
+                  <a:ext uri="{FF2B5EF4-FFF2-40B4-BE49-F238E27FC236}">
+                    <a16:creationId xmlns:a16="http://schemas.microsoft.com/office/drawing/2014/main" id="{36CC678F-7232-496B-B9F9-4DE6B53CD494}"/>
+                  </a:ext>
+                </a:extLst>
+              </p:cNvPr>
+              <p:cNvCxnSpPr/>
+              <p:nvPr/>
+            </p:nvCxnSpPr>
+            <p:spPr>
+              <a:xfrm flipH="1">
+                <a:off x="4764885" y="4403661"/>
+                <a:ext cx="13466" cy="393101"/>
+              </a:xfrm>
+              <a:prstGeom prst="straightConnector1">
+                <a:avLst/>
+              </a:prstGeom>
+              <a:ln>
+                <a:solidFill>
+                  <a:srgbClr val="C00000"/>
+                </a:solidFill>
+                <a:prstDash val="lgDash"/>
+                <a:tailEnd type="arrow"/>
+              </a:ln>
+            </p:spPr>
+            <p:style>
+              <a:lnRef idx="1">
+                <a:schemeClr val="accent1"/>
+              </a:lnRef>
+              <a:fillRef idx="0">
+                <a:schemeClr val="accent1"/>
+              </a:fillRef>
+              <a:effectRef idx="0">
+                <a:schemeClr val="accent1"/>
+              </a:effectRef>
+              <a:fontRef idx="minor">
+                <a:schemeClr val="tx1"/>
+              </a:fontRef>
+            </p:style>
+          </p:cxnSp>
+        </p:grpSp>
+        <p:sp>
+          <p:nvSpPr>
+            <p:cNvPr id="35" name="Ovale 33">
+              <a:extLst>
+                <a:ext uri="{FF2B5EF4-FFF2-40B4-BE49-F238E27FC236}">
+                  <a16:creationId xmlns:a16="http://schemas.microsoft.com/office/drawing/2014/main" id="{A4E6BBEC-1E11-48AC-9881-2BCB8F6CF48A}"/>
+                </a:ext>
+              </a:extLst>
+            </p:cNvPr>
+            <p:cNvSpPr/>
+            <p:nvPr/>
+          </p:nvSpPr>
+          <p:spPr>
+            <a:xfrm>
+              <a:off x="6822033" y="4749980"/>
+              <a:ext cx="749721" cy="720080"/>
+            </a:xfrm>
+            <a:prstGeom prst="ellipse">
+              <a:avLst/>
+            </a:prstGeom>
+            <a:ln/>
+          </p:spPr>
+          <p:style>
+            <a:lnRef idx="1">
+              <a:schemeClr val="accent5"/>
+            </a:lnRef>
+            <a:fillRef idx="2">
+              <a:schemeClr val="accent5"/>
+            </a:fillRef>
+            <a:effectRef idx="1">
+              <a:schemeClr val="accent5"/>
+            </a:effectRef>
+            <a:fontRef idx="minor">
+              <a:schemeClr val="dk1"/>
+            </a:fontRef>
+          </p:style>
+          <p:txBody>
+            <a:bodyPr rtlCol="0" anchor="ctr"/>
+            <a:lstStyle/>
+            <a:p>
+              <a:pPr algn="ctr"/>
+              <a:r>
+                <a:rPr lang="en-GB" sz="1200" dirty="0"/>
+                <a:t> </a:t>
+              </a:r>
+            </a:p>
+          </p:txBody>
+        </p:sp>
+        <p:sp>
+          <p:nvSpPr>
+            <p:cNvPr id="36" name="Rettangolo 35"/>
+            <p:cNvSpPr/>
+            <p:nvPr/>
+          </p:nvSpPr>
+          <p:spPr>
+            <a:xfrm>
+              <a:off x="6926933" y="4890295"/>
+              <a:ext cx="1314655" cy="338554"/>
+            </a:xfrm>
+            <a:prstGeom prst="rect">
+              <a:avLst/>
+            </a:prstGeom>
+          </p:spPr>
+          <p:txBody>
+            <a:bodyPr wrap="none">
+              <a:spAutoFit/>
+            </a:bodyPr>
+            <a:lstStyle/>
+            <a:p>
+              <a:r>
+                <a:rPr lang="en-GB" sz="1600" dirty="0" err="1"/>
+                <a:t>robotSupport</a:t>
+              </a:r>
+              <a:endParaRPr lang="en-GB" sz="1600" dirty="0"/>
+            </a:p>
+          </p:txBody>
+        </p:sp>
+        <p:sp>
+          <p:nvSpPr>
+            <p:cNvPr id="37" name="Rettangolo 36"/>
+            <p:cNvSpPr/>
+            <p:nvPr/>
+          </p:nvSpPr>
+          <p:spPr>
+            <a:xfrm>
+              <a:off x="5725037" y="5503077"/>
+              <a:ext cx="1285929" cy="215444"/>
+            </a:xfrm>
+            <a:prstGeom prst="rect">
+              <a:avLst/>
+            </a:prstGeom>
+          </p:spPr>
+          <p:txBody>
+            <a:bodyPr wrap="none">
+              <a:spAutoFit/>
+            </a:bodyPr>
+            <a:lstStyle/>
+            <a:p>
+              <a:r>
+                <a:rPr lang="en-GB" sz="800" dirty="0" err="1">
+                  <a:latin typeface="Arial" panose="020B0604020202020204" pitchFamily="34" charset="0"/>
+                  <a:cs typeface="Arial" panose="020B0604020202020204" pitchFamily="34" charset="0"/>
+                </a:rPr>
+                <a:t>virtualRobotSupportQak</a:t>
+              </a:r>
+              <a:endParaRPr lang="en-GB" sz="800" dirty="0">
+                <a:latin typeface="Arial" panose="020B0604020202020204" pitchFamily="34" charset="0"/>
+                <a:cs typeface="Arial" panose="020B0604020202020204" pitchFamily="34" charset="0"/>
+              </a:endParaRPr>
+            </a:p>
+          </p:txBody>
+        </p:sp>
+        <p:sp>
+          <p:nvSpPr>
+            <p:cNvPr id="38" name="Rectangle 5">
+              <a:extLst>
+                <a:ext uri="{FF2B5EF4-FFF2-40B4-BE49-F238E27FC236}">
+                  <a16:creationId xmlns:a16="http://schemas.microsoft.com/office/drawing/2014/main" id="{DFDC7F0A-882C-4149-983D-9A958C225794}"/>
+                </a:ext>
+              </a:extLst>
+            </p:cNvPr>
+            <p:cNvSpPr>
+              <a:spLocks noChangeArrowheads="1"/>
+            </p:cNvSpPr>
+            <p:nvPr/>
+          </p:nvSpPr>
+          <p:spPr bwMode="auto">
+            <a:xfrm>
+              <a:off x="5926336" y="5872663"/>
+              <a:ext cx="716863" cy="215444"/>
+            </a:xfrm>
+            <a:prstGeom prst="rect">
+              <a:avLst/>
+            </a:prstGeom>
+            <a:noFill/>
+          </p:spPr>
+          <p:txBody>
+            <a:bodyPr wrap="none" rtlCol="0">
+              <a:spAutoFit/>
+            </a:bodyPr>
+            <a:lstStyle/>
+            <a:p>
+              <a:r>
+                <a:rPr lang="en-US" altLang="en-US" sz="800" dirty="0">
+                  <a:latin typeface="Arial" panose="020B0604020202020204" pitchFamily="34" charset="0"/>
+                  <a:cs typeface="Arial" panose="020B0604020202020204" pitchFamily="34" charset="0"/>
+                </a:rPr>
+                <a:t>TCP socket</a:t>
+              </a:r>
+            </a:p>
+          </p:txBody>
+        </p:sp>
+        <p:sp>
+          <p:nvSpPr>
+            <p:cNvPr id="39" name="Ovale 33">
+              <a:extLst>
+                <a:ext uri="{FF2B5EF4-FFF2-40B4-BE49-F238E27FC236}">
+                  <a16:creationId xmlns:a16="http://schemas.microsoft.com/office/drawing/2014/main" id="{3D0173EE-08DD-4F1E-9226-740254360410}"/>
+                </a:ext>
+              </a:extLst>
+            </p:cNvPr>
+            <p:cNvSpPr/>
+            <p:nvPr/>
+          </p:nvSpPr>
+          <p:spPr>
+            <a:xfrm>
+              <a:off x="6444215" y="5823727"/>
+              <a:ext cx="312930" cy="275021"/>
+            </a:xfrm>
+            <a:prstGeom prst="ellipse">
+              <a:avLst/>
+            </a:prstGeom>
+            <a:ln/>
+          </p:spPr>
+          <p:style>
+            <a:lnRef idx="1">
+              <a:schemeClr val="accent5"/>
+            </a:lnRef>
+            <a:fillRef idx="2">
+              <a:schemeClr val="accent5"/>
+            </a:fillRef>
+            <a:effectRef idx="1">
+              <a:schemeClr val="accent5"/>
+            </a:effectRef>
+            <a:fontRef idx="minor">
+              <a:schemeClr val="dk1"/>
+            </a:fontRef>
+          </p:style>
+          <p:txBody>
+            <a:bodyPr rtlCol="0" anchor="ctr"/>
+            <a:lstStyle/>
+            <a:p>
+              <a:pPr algn="ctr"/>
+              <a:r>
+                <a:rPr lang="en-GB" sz="1200" dirty="0"/>
+                <a:t> </a:t>
+              </a:r>
+            </a:p>
+          </p:txBody>
+        </p:sp>
+        <p:sp>
+          <p:nvSpPr>
+            <p:cNvPr id="40" name="Ovale 33">
+              <a:extLst>
+                <a:ext uri="{FF2B5EF4-FFF2-40B4-BE49-F238E27FC236}">
+                  <a16:creationId xmlns:a16="http://schemas.microsoft.com/office/drawing/2014/main" id="{A4E6BBEC-1E11-48AC-9881-2BCB8F6CF48A}"/>
+                </a:ext>
+              </a:extLst>
+            </p:cNvPr>
+            <p:cNvSpPr/>
+            <p:nvPr/>
+          </p:nvSpPr>
+          <p:spPr>
+            <a:xfrm>
+              <a:off x="7278154" y="5457755"/>
+              <a:ext cx="461901" cy="469630"/>
+            </a:xfrm>
+            <a:prstGeom prst="ellipse">
+              <a:avLst/>
+            </a:prstGeom>
+            <a:ln/>
+          </p:spPr>
+          <p:style>
+            <a:lnRef idx="1">
+              <a:schemeClr val="accent5"/>
+            </a:lnRef>
+            <a:fillRef idx="2">
+              <a:schemeClr val="accent5"/>
+            </a:fillRef>
+            <a:effectRef idx="1">
+              <a:schemeClr val="accent5"/>
+            </a:effectRef>
+            <a:fontRef idx="minor">
+              <a:schemeClr val="dk1"/>
+            </a:fontRef>
+          </p:style>
+          <p:txBody>
+            <a:bodyPr rtlCol="0" anchor="ctr"/>
+            <a:lstStyle/>
+            <a:p>
+              <a:pPr algn="ctr"/>
+              <a:r>
+                <a:rPr lang="en-GB" sz="1200" dirty="0"/>
+                <a:t> </a:t>
+              </a:r>
+            </a:p>
+          </p:txBody>
+        </p:sp>
+        <p:sp>
+          <p:nvSpPr>
+            <p:cNvPr id="41" name="Rettangolo 40"/>
+            <p:cNvSpPr/>
+            <p:nvPr/>
+          </p:nvSpPr>
+          <p:spPr>
+            <a:xfrm>
+              <a:off x="7159713" y="5536312"/>
+              <a:ext cx="776175" cy="215444"/>
+            </a:xfrm>
+            <a:prstGeom prst="rect">
+              <a:avLst/>
+            </a:prstGeom>
+          </p:spPr>
+          <p:txBody>
+            <a:bodyPr wrap="none">
+              <a:spAutoFit/>
+            </a:bodyPr>
+            <a:lstStyle/>
+            <a:p>
+              <a:r>
+                <a:rPr lang="en-GB" sz="800" dirty="0" err="1">
+                  <a:latin typeface="Arial" panose="020B0604020202020204" pitchFamily="34" charset="0"/>
+                  <a:cs typeface="Arial" panose="020B0604020202020204" pitchFamily="34" charset="0"/>
+                </a:rPr>
+                <a:t>mbotSupport</a:t>
+              </a:r>
+              <a:endParaRPr lang="en-GB" sz="800" dirty="0">
+                <a:latin typeface="Arial" panose="020B0604020202020204" pitchFamily="34" charset="0"/>
+                <a:cs typeface="Arial" panose="020B0604020202020204" pitchFamily="34" charset="0"/>
+              </a:endParaRPr>
+            </a:p>
+          </p:txBody>
+        </p:sp>
+        <p:sp>
+          <p:nvSpPr>
+            <p:cNvPr id="42" name="Ovale 33">
+              <a:extLst>
+                <a:ext uri="{FF2B5EF4-FFF2-40B4-BE49-F238E27FC236}">
+                  <a16:creationId xmlns:a16="http://schemas.microsoft.com/office/drawing/2014/main" id="{3D0173EE-08DD-4F1E-9226-740254360410}"/>
+                </a:ext>
+              </a:extLst>
+            </p:cNvPr>
+            <p:cNvSpPr/>
+            <p:nvPr/>
+          </p:nvSpPr>
+          <p:spPr>
+            <a:xfrm>
+              <a:off x="7658931" y="5892920"/>
+              <a:ext cx="312930" cy="275021"/>
+            </a:xfrm>
+            <a:prstGeom prst="ellipse">
+              <a:avLst/>
+            </a:prstGeom>
+            <a:ln/>
+          </p:spPr>
+          <p:style>
+            <a:lnRef idx="1">
+              <a:schemeClr val="accent5"/>
+            </a:lnRef>
+            <a:fillRef idx="2">
+              <a:schemeClr val="accent5"/>
+            </a:fillRef>
+            <a:effectRef idx="1">
+              <a:schemeClr val="accent5"/>
+            </a:effectRef>
+            <a:fontRef idx="minor">
+              <a:schemeClr val="dk1"/>
+            </a:fontRef>
+          </p:style>
+          <p:txBody>
+            <a:bodyPr rtlCol="0" anchor="ctr"/>
+            <a:lstStyle/>
+            <a:p>
+              <a:pPr algn="ctr"/>
+              <a:r>
+                <a:rPr lang="en-GB" sz="1200" dirty="0"/>
+                <a:t> </a:t>
+              </a:r>
+            </a:p>
+          </p:txBody>
+        </p:sp>
+        <p:sp>
+          <p:nvSpPr>
+            <p:cNvPr id="43" name="Rectangle 5">
+              <a:extLst>
+                <a:ext uri="{FF2B5EF4-FFF2-40B4-BE49-F238E27FC236}">
+                  <a16:creationId xmlns:a16="http://schemas.microsoft.com/office/drawing/2014/main" id="{DFDC7F0A-882C-4149-983D-9A958C225794}"/>
+                </a:ext>
+              </a:extLst>
+            </p:cNvPr>
+            <p:cNvSpPr>
+              <a:spLocks noChangeArrowheads="1"/>
+            </p:cNvSpPr>
+            <p:nvPr/>
+          </p:nvSpPr>
+          <p:spPr bwMode="auto">
+            <a:xfrm>
+              <a:off x="7658931" y="5931782"/>
+              <a:ext cx="447558" cy="215444"/>
+            </a:xfrm>
+            <a:prstGeom prst="rect">
+              <a:avLst/>
+            </a:prstGeom>
+            <a:noFill/>
+          </p:spPr>
+          <p:txBody>
+            <a:bodyPr wrap="none" rtlCol="0">
+              <a:spAutoFit/>
+            </a:bodyPr>
+            <a:lstStyle/>
+            <a:p>
+              <a:r>
+                <a:rPr lang="en-US" altLang="en-US" sz="800" dirty="0">
+                  <a:latin typeface="Arial" panose="020B0604020202020204" pitchFamily="34" charset="0"/>
+                  <a:cs typeface="Arial" panose="020B0604020202020204" pitchFamily="34" charset="0"/>
+                </a:rPr>
+                <a:t>Serial</a:t>
+              </a:r>
+            </a:p>
+          </p:txBody>
+        </p:sp>
+        <p:sp>
+          <p:nvSpPr>
+            <p:cNvPr id="44" name="Rettangolo 43"/>
+            <p:cNvSpPr/>
+            <p:nvPr/>
+          </p:nvSpPr>
+          <p:spPr>
+            <a:xfrm>
+              <a:off x="7932403" y="5466838"/>
+              <a:ext cx="1321196" cy="215444"/>
+            </a:xfrm>
+            <a:prstGeom prst="rect">
+              <a:avLst/>
+            </a:prstGeom>
+            <a:noFill/>
+          </p:spPr>
+          <p:txBody>
+            <a:bodyPr wrap="none" rtlCol="0">
+              <a:spAutoFit/>
+            </a:bodyPr>
+            <a:lstStyle/>
+            <a:p>
+              <a:r>
+                <a:rPr lang="en-GB" sz="800" dirty="0" err="1">
+                  <a:latin typeface="Arial" panose="020B0604020202020204" pitchFamily="34" charset="0"/>
+                  <a:cs typeface="Arial" panose="020B0604020202020204" pitchFamily="34" charset="0"/>
+                </a:rPr>
+                <a:t>robotDataSourceArduino</a:t>
+              </a:r>
+              <a:endParaRPr lang="en-GB" sz="800" dirty="0">
+                <a:latin typeface="Arial" panose="020B0604020202020204" pitchFamily="34" charset="0"/>
+                <a:cs typeface="Arial" panose="020B0604020202020204" pitchFamily="34" charset="0"/>
+              </a:endParaRPr>
+            </a:p>
+          </p:txBody>
+        </p:sp>
+        <p:sp>
+          <p:nvSpPr>
+            <p:cNvPr id="46" name="Rettangolo 45"/>
+            <p:cNvSpPr/>
+            <p:nvPr/>
+          </p:nvSpPr>
+          <p:spPr>
+            <a:xfrm>
+              <a:off x="7860230" y="3308357"/>
+              <a:ext cx="1001747" cy="457200"/>
+            </a:xfrm>
+            <a:prstGeom prst="rect">
+              <a:avLst/>
+            </a:prstGeom>
+          </p:spPr>
+          <p:style>
+            <a:lnRef idx="1">
+              <a:schemeClr val="accent3"/>
+            </a:lnRef>
+            <a:fillRef idx="2">
+              <a:schemeClr val="accent3"/>
+            </a:fillRef>
+            <a:effectRef idx="1">
+              <a:schemeClr val="accent3"/>
+            </a:effectRef>
+            <a:fontRef idx="minor">
+              <a:schemeClr val="dk1"/>
+            </a:fontRef>
+          </p:style>
+          <p:txBody>
+            <a:bodyPr rtlCol="0" anchor="ctr"/>
+            <a:lstStyle/>
+            <a:p>
+              <a:pPr algn="ctr"/>
+              <a:r>
+                <a:rPr lang="it-IT" dirty="0"/>
+                <a:t>8020</a:t>
+              </a:r>
+              <a:endParaRPr lang="en-GB" dirty="0"/>
+            </a:p>
+          </p:txBody>
+        </p:sp>
+        <p:sp>
+          <p:nvSpPr>
+            <p:cNvPr id="47" name="Rettangolo 46"/>
+            <p:cNvSpPr/>
+            <p:nvPr/>
+          </p:nvSpPr>
+          <p:spPr>
+            <a:xfrm>
+              <a:off x="6484156" y="6228367"/>
+              <a:ext cx="1922512" cy="457200"/>
+            </a:xfrm>
+            <a:prstGeom prst="rect">
+              <a:avLst/>
+            </a:prstGeom>
+            <a:solidFill>
+              <a:srgbClr val="FFFF99"/>
+            </a:solidFill>
+          </p:spPr>
+          <p:style>
+            <a:lnRef idx="1">
+              <a:schemeClr val="accent1"/>
+            </a:lnRef>
+            <a:fillRef idx="2">
+              <a:schemeClr val="accent1"/>
+            </a:fillRef>
+            <a:effectRef idx="1">
+              <a:schemeClr val="accent1"/>
+            </a:effectRef>
+            <a:fontRef idx="minor">
+              <a:schemeClr val="dk1"/>
+            </a:fontRef>
+          </p:style>
+          <p:txBody>
+            <a:bodyPr rtlCol="0" anchor="ctr"/>
+            <a:lstStyle/>
+            <a:p>
+              <a:pPr algn="ctr"/>
+              <a:r>
+                <a:rPr lang="en-GB" dirty="0" err="1"/>
+                <a:t>ctxbasicrobot</a:t>
+              </a:r>
+              <a:endParaRPr lang="en-GB" dirty="0">
+                <a:solidFill>
+                  <a:schemeClr val="tx1"/>
+                </a:solidFill>
+              </a:endParaRPr>
+            </a:p>
+          </p:txBody>
+        </p:sp>
+        <p:cxnSp>
+          <p:nvCxnSpPr>
+            <p:cNvPr id="67" name="Connettore 1 66"/>
+            <p:cNvCxnSpPr/>
+            <p:nvPr/>
+          </p:nvCxnSpPr>
+          <p:spPr>
+            <a:xfrm>
+              <a:off x="5416239" y="3068960"/>
+              <a:ext cx="3548234" cy="0"/>
+            </a:xfrm>
+            <a:prstGeom prst="line">
+              <a:avLst/>
+            </a:prstGeom>
+            <a:ln w="38100"/>
+          </p:spPr>
+          <p:style>
+            <a:lnRef idx="1">
+              <a:schemeClr val="accent1"/>
+            </a:lnRef>
+            <a:fillRef idx="0">
+              <a:schemeClr val="accent1"/>
+            </a:fillRef>
+            <a:effectRef idx="0">
+              <a:schemeClr val="accent1"/>
+            </a:effectRef>
+            <a:fontRef idx="minor">
+              <a:schemeClr val="tx1"/>
+            </a:fontRef>
+          </p:style>
+        </p:cxnSp>
+      </p:grpSp>
+      <p:sp>
+        <p:nvSpPr>
+          <p:cNvPr id="68" name="CasellaDiTesto 67"/>
+          <p:cNvSpPr txBox="1"/>
+          <p:nvPr/>
+        </p:nvSpPr>
+        <p:spPr>
+          <a:xfrm>
+            <a:off x="2662965" y="1507375"/>
+            <a:ext cx="2763053" cy="646331"/>
+          </a:xfrm>
+          <a:prstGeom prst="rect">
+            <a:avLst/>
+          </a:prstGeom>
+          <a:noFill/>
+        </p:spPr>
+        <p:txBody>
+          <a:bodyPr wrap="square" rtlCol="0">
+            <a:spAutoFit/>
+          </a:bodyPr>
+          <a:lstStyle/>
+          <a:p>
+            <a:r>
+              <a:rPr lang="it-IT" dirty="0" err="1">
+                <a:solidFill>
+                  <a:srgbClr val="FF0000"/>
+                </a:solidFill>
+              </a:rPr>
+              <a:t>project</a:t>
+            </a:r>
+            <a:endParaRPr lang="en-GB" dirty="0">
+              <a:solidFill>
+                <a:srgbClr val="FF0000"/>
+              </a:solidFill>
+            </a:endParaRPr>
+          </a:p>
+          <a:p>
+            <a:r>
+              <a:rPr lang="en-GB" i="1" dirty="0">
+                <a:solidFill>
+                  <a:srgbClr val="FF0000"/>
+                </a:solidFill>
+              </a:rPr>
+              <a:t>it.unibo.iss.sprint_1</a:t>
+            </a:r>
+          </a:p>
+        </p:txBody>
+      </p:sp>
+      <p:cxnSp>
+        <p:nvCxnSpPr>
+          <p:cNvPr id="75" name="Connettore 1 74"/>
+          <p:cNvCxnSpPr>
+            <a:cxnSpLocks/>
+          </p:cNvCxnSpPr>
+          <p:nvPr/>
+        </p:nvCxnSpPr>
+        <p:spPr>
+          <a:xfrm flipH="1">
+            <a:off x="4318162" y="2207827"/>
+            <a:ext cx="2622079" cy="3388007"/>
+          </a:xfrm>
+          <a:prstGeom prst="line">
+            <a:avLst/>
+          </a:prstGeom>
+          <a:ln w="38100"/>
+        </p:spPr>
+        <p:style>
+          <a:lnRef idx="1">
+            <a:schemeClr val="accent1"/>
+          </a:lnRef>
+          <a:fillRef idx="0">
+            <a:schemeClr val="accent1"/>
+          </a:fillRef>
+          <a:effectRef idx="0">
+            <a:schemeClr val="accent1"/>
+          </a:effectRef>
+          <a:fontRef idx="minor">
+            <a:schemeClr val="tx1"/>
+          </a:fontRef>
+        </p:style>
+      </p:cxnSp>
+      <p:grpSp>
+        <p:nvGrpSpPr>
+          <p:cNvPr id="86" name="Gruppo 85"/>
+          <p:cNvGrpSpPr/>
+          <p:nvPr/>
+        </p:nvGrpSpPr>
+        <p:grpSpPr>
+          <a:xfrm>
+            <a:off x="2726394" y="2334960"/>
+            <a:ext cx="2120677" cy="2414706"/>
+            <a:chOff x="2502047" y="1378758"/>
+            <a:chExt cx="2120677" cy="2414706"/>
+          </a:xfrm>
+        </p:grpSpPr>
+        <p:sp>
+          <p:nvSpPr>
+            <p:cNvPr id="48" name="Rettangolo arrotondato 3">
+              <a:extLst>
+                <a:ext uri="{FF2B5EF4-FFF2-40B4-BE49-F238E27FC236}">
+                  <a16:creationId xmlns:a16="http://schemas.microsoft.com/office/drawing/2014/main" id="{9E0A19CE-001B-4E02-AC1D-390C8200D550}"/>
+                </a:ext>
+              </a:extLst>
+            </p:cNvPr>
+            <p:cNvSpPr/>
+            <p:nvPr/>
+          </p:nvSpPr>
+          <p:spPr>
+            <a:xfrm>
+              <a:off x="2502047" y="1535994"/>
+              <a:ext cx="2120677" cy="2010050"/>
+            </a:xfrm>
+            <a:prstGeom prst="roundRect">
+              <a:avLst/>
+            </a:prstGeom>
+            <a:solidFill>
+              <a:srgbClr val="CCFFCC"/>
+            </a:solidFill>
+          </p:spPr>
+          <p:style>
+            <a:lnRef idx="2">
+              <a:schemeClr val="accent1">
+                <a:shade val="50000"/>
+              </a:schemeClr>
+            </a:lnRef>
+            <a:fillRef idx="1">
+              <a:schemeClr val="accent1"/>
+            </a:fillRef>
+            <a:effectRef idx="0">
+              <a:schemeClr val="accent1"/>
+            </a:effectRef>
+            <a:fontRef idx="minor">
+              <a:schemeClr val="lt1"/>
+            </a:fontRef>
+          </p:style>
+          <p:txBody>
+            <a:bodyPr rot="0" spcFirstLastPara="0" vertOverflow="overflow" horzOverflow="overflow" vert="horz" wrap="square" lIns="91440" tIns="45720" rIns="91440" bIns="45720" numCol="1" spcCol="0" rtlCol="0" fromWordArt="0" anchor="ctr" anchorCtr="0" forceAA="0" compatLnSpc="1">
+              <a:prstTxWarp prst="textNoShape">
+                <a:avLst/>
+              </a:prstTxWarp>
+              <a:noAutofit/>
+            </a:bodyPr>
+            <a:lstStyle/>
+            <a:p>
+              <a:pPr algn="ctr"/>
+              <a:endParaRPr lang="it-IT" dirty="0"/>
+            </a:p>
+          </p:txBody>
+        </p:sp>
+        <p:sp>
+          <p:nvSpPr>
+            <p:cNvPr id="49" name="Rettangolo 11">
+              <a:extLst>
+                <a:ext uri="{FF2B5EF4-FFF2-40B4-BE49-F238E27FC236}">
+                  <a16:creationId xmlns:a16="http://schemas.microsoft.com/office/drawing/2014/main" id="{F88BC2D4-A3F6-4457-98A9-8A0DD865223A}"/>
+                </a:ext>
+              </a:extLst>
+            </p:cNvPr>
+            <p:cNvSpPr/>
+            <p:nvPr/>
+          </p:nvSpPr>
+          <p:spPr>
+            <a:xfrm>
+              <a:off x="2597346" y="3336264"/>
+              <a:ext cx="1922512" cy="457200"/>
+            </a:xfrm>
+            <a:prstGeom prst="rect">
+              <a:avLst/>
+            </a:prstGeom>
+            <a:solidFill>
+              <a:srgbClr val="FFFF99"/>
+            </a:solidFill>
+          </p:spPr>
+          <p:style>
+            <a:lnRef idx="1">
+              <a:schemeClr val="accent1"/>
+            </a:lnRef>
+            <a:fillRef idx="2">
+              <a:schemeClr val="accent1"/>
+            </a:fillRef>
+            <a:effectRef idx="1">
+              <a:schemeClr val="accent1"/>
+            </a:effectRef>
+            <a:fontRef idx="minor">
+              <a:schemeClr val="dk1"/>
+            </a:fontRef>
+          </p:style>
+          <p:txBody>
+            <a:bodyPr rtlCol="0" anchor="ctr"/>
+            <a:lstStyle/>
+            <a:p>
+              <a:pPr algn="ctr"/>
+              <a:r>
+                <a:rPr lang="en-GB" dirty="0" err="1"/>
+                <a:t>ctxwaiter</a:t>
+              </a:r>
+              <a:endParaRPr lang="en-GB" dirty="0">
+                <a:solidFill>
+                  <a:schemeClr val="tx1"/>
+                </a:solidFill>
+              </a:endParaRPr>
+            </a:p>
+          </p:txBody>
+        </p:sp>
+        <p:sp>
+          <p:nvSpPr>
+            <p:cNvPr id="57" name="Rettangolo 12">
+              <a:extLst>
+                <a:ext uri="{FF2B5EF4-FFF2-40B4-BE49-F238E27FC236}">
+                  <a16:creationId xmlns:a16="http://schemas.microsoft.com/office/drawing/2014/main" id="{17FB0BCB-7C2E-4398-8165-EC12FE31C316}"/>
+                </a:ext>
+              </a:extLst>
+            </p:cNvPr>
+            <p:cNvSpPr/>
+            <p:nvPr/>
+          </p:nvSpPr>
+          <p:spPr>
+            <a:xfrm>
+              <a:off x="3112055" y="1378758"/>
+              <a:ext cx="864096" cy="360040"/>
+            </a:xfrm>
+            <a:prstGeom prst="rect">
+              <a:avLst/>
+            </a:prstGeom>
+          </p:spPr>
+          <p:style>
+            <a:lnRef idx="1">
+              <a:schemeClr val="accent3"/>
+            </a:lnRef>
+            <a:fillRef idx="2">
+              <a:schemeClr val="accent3"/>
+            </a:fillRef>
+            <a:effectRef idx="1">
+              <a:schemeClr val="accent3"/>
+            </a:effectRef>
+            <a:fontRef idx="minor">
+              <a:schemeClr val="dk1"/>
+            </a:fontRef>
+          </p:style>
+          <p:txBody>
+            <a:bodyPr rot="0" spcFirstLastPara="0" vertOverflow="overflow" horzOverflow="overflow" vert="horz" wrap="square" lIns="91440" tIns="45720" rIns="91440" bIns="45720" numCol="1" spcCol="0" rtlCol="0" fromWordArt="0" anchor="ctr" anchorCtr="0" forceAA="0" compatLnSpc="1">
+              <a:prstTxWarp prst="textNoShape">
+                <a:avLst/>
+              </a:prstTxWarp>
+              <a:noAutofit/>
+            </a:bodyPr>
+            <a:lstStyle/>
+            <a:p>
+              <a:pPr algn="ctr"/>
+              <a:r>
+                <a:rPr lang="it-IT" dirty="0"/>
+                <a:t>8050</a:t>
+              </a:r>
+            </a:p>
+          </p:txBody>
+        </p:sp>
+        <p:grpSp>
+          <p:nvGrpSpPr>
+            <p:cNvPr id="60" name="Gruppo 44">
+              <a:extLst>
+                <a:ext uri="{FF2B5EF4-FFF2-40B4-BE49-F238E27FC236}">
+                  <a16:creationId xmlns:a16="http://schemas.microsoft.com/office/drawing/2014/main" id="{A4004772-1637-4B7E-9CFD-20C42E645980}"/>
+                </a:ext>
+              </a:extLst>
+            </p:cNvPr>
+            <p:cNvGrpSpPr/>
+            <p:nvPr/>
+          </p:nvGrpSpPr>
+          <p:grpSpPr>
+            <a:xfrm>
+              <a:off x="2779099" y="1945577"/>
+              <a:ext cx="1701946" cy="1234656"/>
+              <a:chOff x="2455140" y="2004001"/>
+              <a:chExt cx="1701946" cy="1234656"/>
+            </a:xfrm>
+          </p:grpSpPr>
+          <p:sp>
+            <p:nvSpPr>
+              <p:cNvPr id="61" name="Triangolo isoscele 45">
+                <a:extLst>
+                  <a:ext uri="{FF2B5EF4-FFF2-40B4-BE49-F238E27FC236}">
+                    <a16:creationId xmlns:a16="http://schemas.microsoft.com/office/drawing/2014/main" id="{870C13EE-5A25-4015-927D-98DDB820DCD5}"/>
+                  </a:ext>
+                </a:extLst>
+              </p:cNvPr>
+              <p:cNvSpPr/>
+              <p:nvPr/>
+            </p:nvSpPr>
+            <p:spPr>
+              <a:xfrm rot="5400000">
+                <a:off x="3220535" y="2242777"/>
+                <a:ext cx="998084" cy="875019"/>
+              </a:xfrm>
+              <a:prstGeom prst="triangle">
+                <a:avLst/>
+              </a:prstGeom>
+              <a:solidFill>
+                <a:srgbClr val="CCFF66"/>
+              </a:solidFill>
+              <a:ln/>
+            </p:spPr>
+            <p:style>
+              <a:lnRef idx="1">
+                <a:schemeClr val="accent5"/>
+              </a:lnRef>
+              <a:fillRef idx="2">
+                <a:schemeClr val="accent5"/>
+              </a:fillRef>
+              <a:effectRef idx="1">
+                <a:schemeClr val="accent5"/>
+              </a:effectRef>
+              <a:fontRef idx="minor">
+                <a:schemeClr val="dk1"/>
+              </a:fontRef>
+            </p:style>
+            <p:txBody>
+              <a:bodyPr rtlCol="0" anchor="ctr"/>
+              <a:lstStyle/>
+              <a:p>
+                <a:pPr algn="ctr"/>
+                <a:endParaRPr lang="en-GB" sz="1200"/>
+              </a:p>
+            </p:txBody>
+          </p:sp>
+          <p:grpSp>
+            <p:nvGrpSpPr>
+              <p:cNvPr id="62" name="Gruppo 82">
+                <a:extLst>
+                  <a:ext uri="{FF2B5EF4-FFF2-40B4-BE49-F238E27FC236}">
+                    <a16:creationId xmlns:a16="http://schemas.microsoft.com/office/drawing/2014/main" id="{DE0F64D2-B940-4CA6-9453-9AE274285244}"/>
+                  </a:ext>
+                </a:extLst>
+              </p:cNvPr>
+              <p:cNvGrpSpPr/>
+              <p:nvPr/>
+            </p:nvGrpSpPr>
+            <p:grpSpPr>
+              <a:xfrm>
+                <a:off x="2460218" y="2004001"/>
+                <a:ext cx="1409185" cy="1234656"/>
+                <a:chOff x="1194666" y="2417771"/>
+                <a:chExt cx="866157" cy="763298"/>
+              </a:xfrm>
+            </p:grpSpPr>
+            <p:sp>
+              <p:nvSpPr>
+                <p:cNvPr id="64" name="Ovale 38">
+                  <a:extLst>
+                    <a:ext uri="{FF2B5EF4-FFF2-40B4-BE49-F238E27FC236}">
+                      <a16:creationId xmlns:a16="http://schemas.microsoft.com/office/drawing/2014/main" id="{71702CB6-D6EB-4DD4-B3E0-0075BEA89598}"/>
+                    </a:ext>
+                  </a:extLst>
+                </p:cNvPr>
+                <p:cNvSpPr/>
+                <p:nvPr/>
+              </p:nvSpPr>
+              <p:spPr>
+                <a:xfrm>
+                  <a:off x="1311102" y="2460989"/>
+                  <a:ext cx="749721" cy="720080"/>
+                </a:xfrm>
+                <a:prstGeom prst="ellipse">
+                  <a:avLst/>
+                </a:prstGeom>
+                <a:solidFill>
+                  <a:srgbClr val="FFCCFF"/>
+                </a:solidFill>
+                <a:ln/>
+              </p:spPr>
+              <p:style>
+                <a:lnRef idx="1">
+                  <a:schemeClr val="accent5"/>
+                </a:lnRef>
+                <a:fillRef idx="2">
+                  <a:schemeClr val="accent5"/>
+                </a:fillRef>
+                <a:effectRef idx="1">
+                  <a:schemeClr val="accent5"/>
+                </a:effectRef>
+                <a:fontRef idx="minor">
+                  <a:schemeClr val="dk1"/>
+                </a:fontRef>
+              </p:style>
+              <p:txBody>
+                <a:bodyPr rtlCol="0" anchor="ctr"/>
+                <a:lstStyle/>
+                <a:p>
+                  <a:pPr algn="ctr"/>
+                  <a:r>
+                    <a:rPr lang="en-GB" sz="1200" dirty="0"/>
+                    <a:t> </a:t>
+                  </a:r>
+                </a:p>
+              </p:txBody>
+            </p:sp>
+            <p:sp>
+              <p:nvSpPr>
+                <p:cNvPr id="65" name="Rettangolo 39">
+                  <a:extLst>
+                    <a:ext uri="{FF2B5EF4-FFF2-40B4-BE49-F238E27FC236}">
+                      <a16:creationId xmlns:a16="http://schemas.microsoft.com/office/drawing/2014/main" id="{AC70EAEE-AC80-40A4-A08C-ED59FECAA652}"/>
+                    </a:ext>
+                  </a:extLst>
+                </p:cNvPr>
+                <p:cNvSpPr/>
+                <p:nvPr/>
+              </p:nvSpPr>
+              <p:spPr>
+                <a:xfrm>
+                  <a:off x="1194666" y="2699711"/>
+                  <a:ext cx="281433" cy="211952"/>
+                </a:xfrm>
+                <a:prstGeom prst="rect">
+                  <a:avLst/>
+                </a:prstGeom>
+                <a:solidFill>
+                  <a:srgbClr val="FFCCFF"/>
+                </a:solidFill>
+                <a:ln/>
+              </p:spPr>
+              <p:style>
+                <a:lnRef idx="1">
+                  <a:schemeClr val="accent5"/>
+                </a:lnRef>
+                <a:fillRef idx="2">
+                  <a:schemeClr val="accent5"/>
+                </a:fillRef>
+                <a:effectRef idx="1">
+                  <a:schemeClr val="accent5"/>
+                </a:effectRef>
+                <a:fontRef idx="minor">
+                  <a:schemeClr val="dk1"/>
+                </a:fontRef>
+              </p:style>
+              <p:txBody>
+                <a:bodyPr rtlCol="0" anchor="ctr"/>
+                <a:lstStyle/>
+                <a:p>
+                  <a:pPr algn="ctr"/>
+                  <a:endParaRPr lang="en-GB" sz="1200"/>
+                </a:p>
+              </p:txBody>
+            </p:sp>
+            <p:sp>
+              <p:nvSpPr>
+                <p:cNvPr id="66" name="Triangolo isoscele 42">
+                  <a:extLst>
+                    <a:ext uri="{FF2B5EF4-FFF2-40B4-BE49-F238E27FC236}">
+                      <a16:creationId xmlns:a16="http://schemas.microsoft.com/office/drawing/2014/main" id="{F9E99C5B-1B88-458E-8C33-2833796851D2}"/>
+                    </a:ext>
+                  </a:extLst>
+                </p:cNvPr>
+                <p:cNvSpPr/>
+                <p:nvPr/>
+              </p:nvSpPr>
+              <p:spPr>
+                <a:xfrm rot="16200000">
+                  <a:off x="1618539" y="2391356"/>
+                  <a:ext cx="86434" cy="139263"/>
+                </a:xfrm>
+                <a:prstGeom prst="triangle">
+                  <a:avLst/>
+                </a:prstGeom>
+                <a:solidFill>
+                  <a:srgbClr val="FF0000"/>
+                </a:solidFill>
+                <a:ln/>
+              </p:spPr>
+              <p:style>
+                <a:lnRef idx="1">
+                  <a:schemeClr val="accent5"/>
+                </a:lnRef>
+                <a:fillRef idx="2">
+                  <a:schemeClr val="accent5"/>
+                </a:fillRef>
+                <a:effectRef idx="1">
+                  <a:schemeClr val="accent5"/>
+                </a:effectRef>
+                <a:fontRef idx="minor">
+                  <a:schemeClr val="dk1"/>
+                </a:fontRef>
+              </p:style>
+              <p:txBody>
+                <a:bodyPr rtlCol="0" anchor="ctr"/>
+                <a:lstStyle/>
+                <a:p>
+                  <a:pPr algn="ctr"/>
+                  <a:endParaRPr lang="en-GB" sz="1200"/>
+                </a:p>
+              </p:txBody>
+            </p:sp>
+          </p:grpSp>
+          <p:sp>
+            <p:nvSpPr>
+              <p:cNvPr id="63" name="Rettangolo 47">
+                <a:extLst>
+                  <a:ext uri="{FF2B5EF4-FFF2-40B4-BE49-F238E27FC236}">
+                    <a16:creationId xmlns:a16="http://schemas.microsoft.com/office/drawing/2014/main" id="{4C496436-8FD3-4EC1-BA96-FBEBBE485566}"/>
+                  </a:ext>
+                </a:extLst>
+              </p:cNvPr>
+              <p:cNvSpPr/>
+              <p:nvPr/>
+            </p:nvSpPr>
+            <p:spPr>
+              <a:xfrm>
+                <a:off x="2455140" y="2458538"/>
+                <a:ext cx="1400320" cy="369332"/>
+              </a:xfrm>
+              <a:prstGeom prst="rect">
+                <a:avLst/>
+              </a:prstGeom>
+            </p:spPr>
+            <p:txBody>
+              <a:bodyPr wrap="none">
+                <a:spAutoFit/>
+              </a:bodyPr>
+              <a:lstStyle/>
+              <a:p>
+                <a:r>
+                  <a:rPr lang="en-GB" dirty="0" err="1"/>
+                  <a:t>waiterwalker</a:t>
+                </a:r>
+                <a:endParaRPr lang="en-GB" dirty="0"/>
+              </a:p>
+            </p:txBody>
+          </p:sp>
+        </p:grpSp>
+      </p:grpSp>
+      <p:cxnSp>
+        <p:nvCxnSpPr>
+          <p:cNvPr id="17" name="Connettore 2 16"/>
+          <p:cNvCxnSpPr>
+            <a:cxnSpLocks/>
+          </p:cNvCxnSpPr>
+          <p:nvPr/>
+        </p:nvCxnSpPr>
+        <p:spPr>
+          <a:xfrm>
+            <a:off x="5431409" y="3149265"/>
+            <a:ext cx="2321228" cy="0"/>
+          </a:xfrm>
+          <a:prstGeom prst="straightConnector1">
+            <a:avLst/>
+          </a:prstGeom>
+          <a:ln>
+            <a:prstDash val="lgDash"/>
+            <a:tailEnd type="arrow"/>
+          </a:ln>
+        </p:spPr>
+        <p:style>
+          <a:lnRef idx="1">
+            <a:schemeClr val="accent1"/>
+          </a:lnRef>
+          <a:fillRef idx="0">
+            <a:schemeClr val="accent1"/>
+          </a:fillRef>
+          <a:effectRef idx="0">
+            <a:schemeClr val="accent1"/>
+          </a:effectRef>
+          <a:fontRef idx="minor">
+            <a:schemeClr val="tx1"/>
+          </a:fontRef>
+        </p:style>
+      </p:cxnSp>
+      <p:sp>
+        <p:nvSpPr>
+          <p:cNvPr id="84" name="CasellaDiTesto 83">
+            <a:extLst>
+              <a:ext uri="{FF2B5EF4-FFF2-40B4-BE49-F238E27FC236}">
+                <a16:creationId xmlns:a16="http://schemas.microsoft.com/office/drawing/2014/main" id="{7CB4C4D0-D941-442D-A870-13466BAB2C87}"/>
+              </a:ext>
+            </a:extLst>
+          </p:cNvPr>
+          <p:cNvSpPr txBox="1"/>
+          <p:nvPr/>
+        </p:nvSpPr>
+        <p:spPr>
+          <a:xfrm>
+            <a:off x="578877" y="516270"/>
+            <a:ext cx="3251496" cy="646331"/>
+          </a:xfrm>
+          <a:prstGeom prst="rect">
+            <a:avLst/>
+          </a:prstGeom>
+          <a:noFill/>
+          <a:ln>
+            <a:solidFill>
+              <a:schemeClr val="accent1"/>
+            </a:solidFill>
+          </a:ln>
+        </p:spPr>
+        <p:txBody>
+          <a:bodyPr wrap="square" rtlCol="0">
+            <a:spAutoFit/>
+          </a:bodyPr>
+          <a:lstStyle/>
+          <a:p>
+            <a:r>
+              <a:rPr lang="it-IT" dirty="0"/>
+              <a:t>SPRINT1</a:t>
+            </a:r>
+          </a:p>
+          <a:p>
+            <a:r>
+              <a:rPr lang="it-IT" dirty="0"/>
+              <a:t>Progetto</a:t>
+            </a:r>
+          </a:p>
+        </p:txBody>
+      </p:sp>
+      <p:sp>
+        <p:nvSpPr>
+          <p:cNvPr id="87" name="CasellaDiTesto 86">
+            <a:extLst>
+              <a:ext uri="{FF2B5EF4-FFF2-40B4-BE49-F238E27FC236}">
+                <a16:creationId xmlns:a16="http://schemas.microsoft.com/office/drawing/2014/main" id="{57D20B6B-DF5A-4FEA-AEDC-D39F93C8F686}"/>
+              </a:ext>
+            </a:extLst>
+          </p:cNvPr>
+          <p:cNvSpPr txBox="1"/>
+          <p:nvPr/>
+        </p:nvSpPr>
+        <p:spPr>
+          <a:xfrm>
+            <a:off x="4779210" y="5130503"/>
+            <a:ext cx="2577950" cy="646331"/>
+          </a:xfrm>
+          <a:prstGeom prst="rect">
+            <a:avLst/>
+          </a:prstGeom>
+          <a:noFill/>
+        </p:spPr>
+        <p:txBody>
+          <a:bodyPr wrap="none" rtlCol="0">
+            <a:spAutoFit/>
+          </a:bodyPr>
+          <a:lstStyle/>
+          <a:p>
+            <a:r>
+              <a:rPr lang="it-IT" dirty="0" err="1">
+                <a:solidFill>
+                  <a:srgbClr val="FF0000"/>
+                </a:solidFill>
+              </a:rPr>
+              <a:t>project</a:t>
+            </a:r>
+            <a:endParaRPr lang="en-GB" dirty="0">
+              <a:solidFill>
+                <a:srgbClr val="FF0000"/>
+              </a:solidFill>
+            </a:endParaRPr>
+          </a:p>
+          <a:p>
+            <a:r>
+              <a:rPr lang="en-GB" i="1" dirty="0">
+                <a:solidFill>
+                  <a:srgbClr val="FF0000"/>
+                </a:solidFill>
+              </a:rPr>
+              <a:t>it.unibo.qak20.basicrobot</a:t>
+            </a:r>
+          </a:p>
+        </p:txBody>
+      </p:sp>
+      <p:cxnSp>
+        <p:nvCxnSpPr>
+          <p:cNvPr id="90" name="Connettore 1 20">
+            <a:extLst>
+              <a:ext uri="{FF2B5EF4-FFF2-40B4-BE49-F238E27FC236}">
+                <a16:creationId xmlns:a16="http://schemas.microsoft.com/office/drawing/2014/main" id="{B0C0308F-80BE-449E-9BA7-78C29D58AA22}"/>
+              </a:ext>
+            </a:extLst>
+          </p:cNvPr>
+          <p:cNvCxnSpPr>
+            <a:cxnSpLocks/>
+            <a:stCxn id="91" idx="3"/>
+          </p:cNvCxnSpPr>
+          <p:nvPr/>
+        </p:nvCxnSpPr>
+        <p:spPr>
+          <a:xfrm>
+            <a:off x="1409532" y="3743393"/>
+            <a:ext cx="1459784" cy="0"/>
+          </a:xfrm>
+          <a:prstGeom prst="line">
+            <a:avLst/>
+          </a:prstGeom>
+          <a:ln>
+            <a:prstDash val="dash"/>
+          </a:ln>
+        </p:spPr>
+        <p:style>
+          <a:lnRef idx="1">
+            <a:schemeClr val="accent1"/>
+          </a:lnRef>
+          <a:fillRef idx="0">
+            <a:schemeClr val="accent1"/>
+          </a:fillRef>
+          <a:effectRef idx="0">
+            <a:schemeClr val="accent1"/>
+          </a:effectRef>
+          <a:fontRef idx="minor">
+            <a:schemeClr val="tx1"/>
+          </a:fontRef>
+        </p:style>
+      </p:cxnSp>
+      <p:sp>
+        <p:nvSpPr>
+          <p:cNvPr id="91" name="Triangolo isoscele 90">
+            <a:extLst>
+              <a:ext uri="{FF2B5EF4-FFF2-40B4-BE49-F238E27FC236}">
+                <a16:creationId xmlns:a16="http://schemas.microsoft.com/office/drawing/2014/main" id="{1517C091-4C4D-4FB7-AA5A-E546C482FE43}"/>
+              </a:ext>
+            </a:extLst>
+          </p:cNvPr>
+          <p:cNvSpPr/>
+          <p:nvPr/>
+        </p:nvSpPr>
+        <p:spPr>
+          <a:xfrm rot="16200000">
+            <a:off x="1296683" y="3673761"/>
+            <a:ext cx="86434" cy="139263"/>
+          </a:xfrm>
+          <a:prstGeom prst="triangle">
+            <a:avLst/>
+          </a:prstGeom>
+          <a:solidFill>
+            <a:schemeClr val="bg1"/>
+          </a:solidFill>
+          <a:ln/>
+        </p:spPr>
+        <p:style>
+          <a:lnRef idx="1">
+            <a:schemeClr val="accent5"/>
+          </a:lnRef>
+          <a:fillRef idx="2">
+            <a:schemeClr val="accent5"/>
+          </a:fillRef>
+          <a:effectRef idx="1">
+            <a:schemeClr val="accent5"/>
+          </a:effectRef>
+          <a:fontRef idx="minor">
+            <a:schemeClr val="dk1"/>
+          </a:fontRef>
+        </p:style>
+        <p:txBody>
+          <a:bodyPr rtlCol="0" anchor="ctr"/>
+          <a:lstStyle/>
+          <a:p>
+            <a:pPr algn="ctr"/>
+            <a:endParaRPr lang="en-GB" sz="1200"/>
+          </a:p>
+        </p:txBody>
+      </p:sp>
+      <p:sp>
+        <p:nvSpPr>
+          <p:cNvPr id="92" name="CasellaDiTesto 91">
+            <a:extLst>
+              <a:ext uri="{FF2B5EF4-FFF2-40B4-BE49-F238E27FC236}">
+                <a16:creationId xmlns:a16="http://schemas.microsoft.com/office/drawing/2014/main" id="{02AF43DA-7609-4ED3-A126-80BB06CEF4E3}"/>
+              </a:ext>
+            </a:extLst>
+          </p:cNvPr>
+          <p:cNvSpPr txBox="1"/>
+          <p:nvPr/>
+        </p:nvSpPr>
+        <p:spPr>
+          <a:xfrm>
+            <a:off x="1407644" y="3888847"/>
+            <a:ext cx="1042080" cy="584775"/>
+          </a:xfrm>
+          <a:prstGeom prst="rect">
+            <a:avLst/>
+          </a:prstGeom>
+          <a:noFill/>
+        </p:spPr>
+        <p:txBody>
+          <a:bodyPr wrap="none" rtlCol="0">
+            <a:spAutoFit/>
+          </a:bodyPr>
+          <a:lstStyle/>
+          <a:p>
+            <a:r>
+              <a:rPr lang="it-IT" sz="1600" dirty="0" err="1"/>
+              <a:t>atCell</a:t>
+            </a:r>
+            <a:endParaRPr lang="it-IT" sz="1600" dirty="0"/>
+          </a:p>
+          <a:p>
+            <a:r>
+              <a:rPr lang="it-IT" sz="1600" dirty="0" err="1"/>
+              <a:t>walkBreak</a:t>
+            </a:r>
+            <a:endParaRPr lang="en-GB" sz="1600" dirty="0"/>
+          </a:p>
+        </p:txBody>
+      </p:sp>
+      <p:sp>
+        <p:nvSpPr>
+          <p:cNvPr id="93" name="Triangolo isoscele 92">
+            <a:extLst>
+              <a:ext uri="{FF2B5EF4-FFF2-40B4-BE49-F238E27FC236}">
+                <a16:creationId xmlns:a16="http://schemas.microsoft.com/office/drawing/2014/main" id="{5B4E522E-E3C8-42F0-AB03-C7ECFD0F8911}"/>
+              </a:ext>
+            </a:extLst>
+          </p:cNvPr>
+          <p:cNvSpPr/>
+          <p:nvPr/>
+        </p:nvSpPr>
+        <p:spPr>
+          <a:xfrm rot="5400000" flipH="1">
+            <a:off x="2810041" y="3115359"/>
+            <a:ext cx="86434" cy="139263"/>
+          </a:xfrm>
+          <a:prstGeom prst="triangle">
+            <a:avLst/>
+          </a:prstGeom>
+          <a:solidFill>
+            <a:schemeClr val="bg1"/>
+          </a:solidFill>
+          <a:ln/>
+        </p:spPr>
+        <p:style>
+          <a:lnRef idx="1">
+            <a:schemeClr val="accent5"/>
+          </a:lnRef>
+          <a:fillRef idx="2">
+            <a:schemeClr val="accent5"/>
+          </a:fillRef>
+          <a:effectRef idx="1">
+            <a:schemeClr val="accent5"/>
+          </a:effectRef>
+          <a:fontRef idx="minor">
+            <a:schemeClr val="dk1"/>
+          </a:fontRef>
+        </p:style>
+        <p:txBody>
+          <a:bodyPr rtlCol="0" anchor="ctr"/>
+          <a:lstStyle/>
+          <a:p>
+            <a:pPr algn="ctr"/>
+            <a:endParaRPr lang="en-GB" sz="1200"/>
+          </a:p>
+        </p:txBody>
+      </p:sp>
+      <p:cxnSp>
+        <p:nvCxnSpPr>
+          <p:cNvPr id="94" name="Connettore 1 25">
+            <a:extLst>
+              <a:ext uri="{FF2B5EF4-FFF2-40B4-BE49-F238E27FC236}">
+                <a16:creationId xmlns:a16="http://schemas.microsoft.com/office/drawing/2014/main" id="{3DF8708C-6517-4230-8C57-0A07AA2E5B66}"/>
+              </a:ext>
+            </a:extLst>
+          </p:cNvPr>
+          <p:cNvCxnSpPr>
+            <a:cxnSpLocks/>
+            <a:endCxn id="93" idx="3"/>
+          </p:cNvCxnSpPr>
+          <p:nvPr/>
+        </p:nvCxnSpPr>
+        <p:spPr>
+          <a:xfrm>
+            <a:off x="1339900" y="3184991"/>
+            <a:ext cx="1443727" cy="0"/>
+          </a:xfrm>
+          <a:prstGeom prst="line">
+            <a:avLst/>
+          </a:prstGeom>
+        </p:spPr>
+        <p:style>
+          <a:lnRef idx="1">
+            <a:schemeClr val="accent1"/>
+          </a:lnRef>
+          <a:fillRef idx="0">
+            <a:schemeClr val="accent1"/>
+          </a:fillRef>
+          <a:effectRef idx="0">
+            <a:schemeClr val="accent1"/>
+          </a:effectRef>
+          <a:fontRef idx="minor">
+            <a:schemeClr val="tx1"/>
+          </a:fontRef>
+        </p:style>
+      </p:cxnSp>
+      <p:sp>
+        <p:nvSpPr>
+          <p:cNvPr id="95" name="CasellaDiTesto 94">
+            <a:extLst>
+              <a:ext uri="{FF2B5EF4-FFF2-40B4-BE49-F238E27FC236}">
+                <a16:creationId xmlns:a16="http://schemas.microsoft.com/office/drawing/2014/main" id="{4B1BD6C9-7448-4F38-A2FB-75693D5DA495}"/>
+              </a:ext>
+            </a:extLst>
+          </p:cNvPr>
+          <p:cNvSpPr txBox="1"/>
+          <p:nvPr/>
+        </p:nvSpPr>
+        <p:spPr>
+          <a:xfrm>
+            <a:off x="1454146" y="2692536"/>
+            <a:ext cx="1129284" cy="338554"/>
+          </a:xfrm>
+          <a:prstGeom prst="rect">
+            <a:avLst/>
+          </a:prstGeom>
+          <a:noFill/>
+        </p:spPr>
+        <p:txBody>
+          <a:bodyPr wrap="none" rtlCol="0">
+            <a:spAutoFit/>
+          </a:bodyPr>
+          <a:lstStyle/>
+          <a:p>
+            <a:r>
+              <a:rPr lang="it-IT" sz="1600" dirty="0" err="1"/>
+              <a:t>movetoCell</a:t>
+            </a:r>
+            <a:endParaRPr lang="en-GB" sz="1600" dirty="0"/>
+          </a:p>
+        </p:txBody>
+      </p:sp>
+    </p:spTree>
+    <p:extLst>
+      <p:ext uri="{BB962C8B-B14F-4D97-AF65-F5344CB8AC3E}">
+        <p14:creationId xmlns:p14="http://schemas.microsoft.com/office/powerpoint/2010/main" val="3330846974"/>
+      </p:ext>
+    </p:extLst>
+  </p:cSld>
+  <p:clrMapOvr>
+    <a:masterClrMapping/>
+  </p:clrMapOvr>
+  <p:timing>
+    <p:tnLst>
+      <p:par>
+        <p:cTn id="1" dur="indefinite" restart="never" nodeType="tmRoot">
+          <p:childTnLst>
+            <p:seq concurrent="1" nextAc="seek">
+              <p:cTn id="2" dur="indefinite" nodeType="mainSeq">
+                <p:childTnLst>
+                  <p:par>
+                    <p:cTn id="3" fill="hold">
+                      <p:stCondLst>
+                        <p:cond delay="indefinite"/>
+                      </p:stCondLst>
+                      <p:childTnLst>
+                        <p:par>
+                          <p:cTn id="4" fill="hold">
+                            <p:stCondLst>
+                              <p:cond delay="0"/>
+                            </p:stCondLst>
+                            <p:childTnLst>
+                              <p:par>
+                                <p:cTn id="5" presetID="2" presetClass="entr" presetSubtype="4" fill="hold" grpId="0" nodeType="clickEffect">
+                                  <p:stCondLst>
+                                    <p:cond delay="0"/>
+                                  </p:stCondLst>
+                                  <p:childTnLst>
+                                    <p:set>
+                                      <p:cBhvr>
+                                        <p:cTn id="6" dur="1" fill="hold">
+                                          <p:stCondLst>
+                                            <p:cond delay="0"/>
+                                          </p:stCondLst>
+                                        </p:cTn>
+                                        <p:tgtEl>
+                                          <p:spTgt spid="3"/>
+                                        </p:tgtEl>
+                                        <p:attrNameLst>
+                                          <p:attrName>style.visibility</p:attrName>
+                                        </p:attrNameLst>
+                                      </p:cBhvr>
+                                      <p:to>
+                                        <p:strVal val="visible"/>
+                                      </p:to>
+                                    </p:set>
+                                    <p:anim calcmode="lin" valueType="num">
+                                      <p:cBhvr additive="base">
+                                        <p:cTn id="7" dur="500" fill="hold"/>
+                                        <p:tgtEl>
+                                          <p:spTgt spid="3"/>
+                                        </p:tgtEl>
+                                        <p:attrNameLst>
+                                          <p:attrName>ppt_x</p:attrName>
+                                        </p:attrNameLst>
+                                      </p:cBhvr>
+                                      <p:tavLst>
+                                        <p:tav tm="0">
+                                          <p:val>
+                                            <p:strVal val="#ppt_x"/>
+                                          </p:val>
+                                        </p:tav>
+                                        <p:tav tm="100000">
+                                          <p:val>
+                                            <p:strVal val="#ppt_x"/>
+                                          </p:val>
+                                        </p:tav>
+                                      </p:tavLst>
+                                    </p:anim>
+                                    <p:anim calcmode="lin" valueType="num">
+                                      <p:cBhvr additive="base">
+                                        <p:cTn id="8" dur="500" fill="hold"/>
+                                        <p:tgtEl>
+                                          <p:spTgt spid="3"/>
+                                        </p:tgtEl>
+                                        <p:attrNameLst>
+                                          <p:attrName>ppt_y</p:attrName>
+                                        </p:attrNameLst>
+                                      </p:cBhvr>
+                                      <p:tavLst>
+                                        <p:tav tm="0">
+                                          <p:val>
+                                            <p:strVal val="1+#ppt_h/2"/>
+                                          </p:val>
+                                        </p:tav>
+                                        <p:tav tm="100000">
+                                          <p:val>
+                                            <p:strVal val="#ppt_y"/>
+                                          </p:val>
+                                        </p:tav>
+                                      </p:tavLst>
+                                    </p:anim>
+                                  </p:childTnLst>
+                                </p:cTn>
+                              </p:par>
+                              <p:par>
+                                <p:cTn id="9" presetID="2" presetClass="entr" presetSubtype="4" fill="hold" grpId="0" nodeType="withEffect">
+                                  <p:stCondLst>
+                                    <p:cond delay="0"/>
+                                  </p:stCondLst>
+                                  <p:childTnLst>
+                                    <p:set>
+                                      <p:cBhvr>
+                                        <p:cTn id="10" dur="1" fill="hold">
+                                          <p:stCondLst>
+                                            <p:cond delay="0"/>
+                                          </p:stCondLst>
+                                        </p:cTn>
+                                        <p:tgtEl>
+                                          <p:spTgt spid="19"/>
+                                        </p:tgtEl>
+                                        <p:attrNameLst>
+                                          <p:attrName>style.visibility</p:attrName>
+                                        </p:attrNameLst>
+                                      </p:cBhvr>
+                                      <p:to>
+                                        <p:strVal val="visible"/>
+                                      </p:to>
+                                    </p:set>
+                                    <p:anim calcmode="lin" valueType="num">
+                                      <p:cBhvr additive="base">
+                                        <p:cTn id="11" dur="500" fill="hold"/>
+                                        <p:tgtEl>
+                                          <p:spTgt spid="19"/>
+                                        </p:tgtEl>
+                                        <p:attrNameLst>
+                                          <p:attrName>ppt_x</p:attrName>
+                                        </p:attrNameLst>
+                                      </p:cBhvr>
+                                      <p:tavLst>
+                                        <p:tav tm="0">
+                                          <p:val>
+                                            <p:strVal val="#ppt_x"/>
+                                          </p:val>
+                                        </p:tav>
+                                        <p:tav tm="100000">
+                                          <p:val>
+                                            <p:strVal val="#ppt_x"/>
+                                          </p:val>
+                                        </p:tav>
+                                      </p:tavLst>
+                                    </p:anim>
+                                    <p:anim calcmode="lin" valueType="num">
+                                      <p:cBhvr additive="base">
+                                        <p:cTn id="12" dur="500" fill="hold"/>
+                                        <p:tgtEl>
+                                          <p:spTgt spid="19"/>
+                                        </p:tgtEl>
+                                        <p:attrNameLst>
+                                          <p:attrName>ppt_y</p:attrName>
+                                        </p:attrNameLst>
+                                      </p:cBhvr>
+                                      <p:tavLst>
+                                        <p:tav tm="0">
+                                          <p:val>
+                                            <p:strVal val="1+#ppt_h/2"/>
+                                          </p:val>
+                                        </p:tav>
+                                        <p:tav tm="100000">
+                                          <p:val>
+                                            <p:strVal val="#ppt_y"/>
+                                          </p:val>
+                                        </p:tav>
+                                      </p:tavLst>
+                                    </p:anim>
+                                  </p:childTnLst>
+                                </p:cTn>
+                              </p:par>
+                              <p:par>
+                                <p:cTn id="13" presetID="2" presetClass="entr" presetSubtype="4" fill="hold" nodeType="withEffect">
+                                  <p:stCondLst>
+                                    <p:cond delay="0"/>
+                                  </p:stCondLst>
+                                  <p:childTnLst>
+                                    <p:set>
+                                      <p:cBhvr>
+                                        <p:cTn id="14" dur="1" fill="hold">
+                                          <p:stCondLst>
+                                            <p:cond delay="0"/>
+                                          </p:stCondLst>
+                                        </p:cTn>
+                                        <p:tgtEl>
+                                          <p:spTgt spid="88"/>
+                                        </p:tgtEl>
+                                        <p:attrNameLst>
+                                          <p:attrName>style.visibility</p:attrName>
+                                        </p:attrNameLst>
+                                      </p:cBhvr>
+                                      <p:to>
+                                        <p:strVal val="visible"/>
+                                      </p:to>
+                                    </p:set>
+                                    <p:anim calcmode="lin" valueType="num">
+                                      <p:cBhvr additive="base">
+                                        <p:cTn id="15" dur="500" fill="hold"/>
+                                        <p:tgtEl>
+                                          <p:spTgt spid="88"/>
+                                        </p:tgtEl>
+                                        <p:attrNameLst>
+                                          <p:attrName>ppt_x</p:attrName>
+                                        </p:attrNameLst>
+                                      </p:cBhvr>
+                                      <p:tavLst>
+                                        <p:tav tm="0">
+                                          <p:val>
+                                            <p:strVal val="#ppt_x"/>
+                                          </p:val>
+                                        </p:tav>
+                                        <p:tav tm="100000">
+                                          <p:val>
+                                            <p:strVal val="#ppt_x"/>
+                                          </p:val>
+                                        </p:tav>
+                                      </p:tavLst>
+                                    </p:anim>
+                                    <p:anim calcmode="lin" valueType="num">
+                                      <p:cBhvr additive="base">
+                                        <p:cTn id="16" dur="500" fill="hold"/>
+                                        <p:tgtEl>
+                                          <p:spTgt spid="88"/>
+                                        </p:tgtEl>
+                                        <p:attrNameLst>
+                                          <p:attrName>ppt_y</p:attrName>
+                                        </p:attrNameLst>
+                                      </p:cBhvr>
+                                      <p:tavLst>
+                                        <p:tav tm="0">
+                                          <p:val>
+                                            <p:strVal val="1+#ppt_h/2"/>
+                                          </p:val>
+                                        </p:tav>
+                                        <p:tav tm="100000">
+                                          <p:val>
+                                            <p:strVal val="#ppt_y"/>
+                                          </p:val>
+                                        </p:tav>
+                                      </p:tavLst>
+                                    </p:anim>
+                                  </p:childTnLst>
+                                </p:cTn>
+                              </p:par>
+                              <p:par>
+                                <p:cTn id="17" presetID="2" presetClass="entr" presetSubtype="4" fill="hold" nodeType="withEffect">
+                                  <p:stCondLst>
+                                    <p:cond delay="0"/>
+                                  </p:stCondLst>
+                                  <p:childTnLst>
+                                    <p:set>
+                                      <p:cBhvr>
+                                        <p:cTn id="18" dur="1" fill="hold">
+                                          <p:stCondLst>
+                                            <p:cond delay="0"/>
+                                          </p:stCondLst>
+                                        </p:cTn>
+                                        <p:tgtEl>
+                                          <p:spTgt spid="17"/>
+                                        </p:tgtEl>
+                                        <p:attrNameLst>
+                                          <p:attrName>style.visibility</p:attrName>
+                                        </p:attrNameLst>
+                                      </p:cBhvr>
+                                      <p:to>
+                                        <p:strVal val="visible"/>
+                                      </p:to>
+                                    </p:set>
+                                    <p:anim calcmode="lin" valueType="num">
+                                      <p:cBhvr additive="base">
+                                        <p:cTn id="19" dur="500" fill="hold"/>
+                                        <p:tgtEl>
+                                          <p:spTgt spid="17"/>
+                                        </p:tgtEl>
+                                        <p:attrNameLst>
+                                          <p:attrName>ppt_x</p:attrName>
+                                        </p:attrNameLst>
+                                      </p:cBhvr>
+                                      <p:tavLst>
+                                        <p:tav tm="0">
+                                          <p:val>
+                                            <p:strVal val="#ppt_x"/>
+                                          </p:val>
+                                        </p:tav>
+                                        <p:tav tm="100000">
+                                          <p:val>
+                                            <p:strVal val="#ppt_x"/>
+                                          </p:val>
+                                        </p:tav>
+                                      </p:tavLst>
+                                    </p:anim>
+                                    <p:anim calcmode="lin" valueType="num">
+                                      <p:cBhvr additive="base">
+                                        <p:cTn id="20" dur="500" fill="hold"/>
+                                        <p:tgtEl>
+                                          <p:spTgt spid="17"/>
+                                        </p:tgtEl>
+                                        <p:attrNameLst>
+                                          <p:attrName>ppt_y</p:attrName>
+                                        </p:attrNameLst>
+                                      </p:cBhvr>
+                                      <p:tavLst>
+                                        <p:tav tm="0">
+                                          <p:val>
+                                            <p:strVal val="1+#ppt_h/2"/>
+                                          </p:val>
+                                        </p:tav>
+                                        <p:tav tm="100000">
+                                          <p:val>
+                                            <p:strVal val="#ppt_y"/>
+                                          </p:val>
+                                        </p:tav>
+                                      </p:tavLst>
+                                    </p:anim>
+                                  </p:childTnLst>
+                                </p:cTn>
+                              </p:par>
+                            </p:childTnLst>
+                          </p:cTn>
+                        </p:par>
+                      </p:childTnLst>
+                    </p:cTn>
+                  </p:par>
+                  <p:par>
+                    <p:cTn id="21" fill="hold">
+                      <p:stCondLst>
+                        <p:cond delay="indefinite"/>
+                      </p:stCondLst>
+                      <p:childTnLst>
+                        <p:par>
+                          <p:cTn id="22" fill="hold">
+                            <p:stCondLst>
+                              <p:cond delay="0"/>
+                            </p:stCondLst>
+                            <p:childTnLst>
+                              <p:par>
+                                <p:cTn id="23" presetID="2" presetClass="entr" presetSubtype="4" fill="hold" nodeType="clickEffect">
+                                  <p:stCondLst>
+                                    <p:cond delay="0"/>
+                                  </p:stCondLst>
+                                  <p:childTnLst>
+                                    <p:set>
+                                      <p:cBhvr>
+                                        <p:cTn id="24" dur="1" fill="hold">
+                                          <p:stCondLst>
+                                            <p:cond delay="0"/>
+                                          </p:stCondLst>
+                                        </p:cTn>
+                                        <p:tgtEl>
+                                          <p:spTgt spid="86"/>
+                                        </p:tgtEl>
+                                        <p:attrNameLst>
+                                          <p:attrName>style.visibility</p:attrName>
+                                        </p:attrNameLst>
+                                      </p:cBhvr>
+                                      <p:to>
+                                        <p:strVal val="visible"/>
+                                      </p:to>
+                                    </p:set>
+                                    <p:anim calcmode="lin" valueType="num">
+                                      <p:cBhvr additive="base">
+                                        <p:cTn id="25" dur="500" fill="hold"/>
+                                        <p:tgtEl>
+                                          <p:spTgt spid="86"/>
+                                        </p:tgtEl>
+                                        <p:attrNameLst>
+                                          <p:attrName>ppt_x</p:attrName>
+                                        </p:attrNameLst>
+                                      </p:cBhvr>
+                                      <p:tavLst>
+                                        <p:tav tm="0">
+                                          <p:val>
+                                            <p:strVal val="#ppt_x"/>
+                                          </p:val>
+                                        </p:tav>
+                                        <p:tav tm="100000">
+                                          <p:val>
+                                            <p:strVal val="#ppt_x"/>
+                                          </p:val>
+                                        </p:tav>
+                                      </p:tavLst>
+                                    </p:anim>
+                                    <p:anim calcmode="lin" valueType="num">
+                                      <p:cBhvr additive="base">
+                                        <p:cTn id="26" dur="500" fill="hold"/>
+                                        <p:tgtEl>
+                                          <p:spTgt spid="86"/>
+                                        </p:tgtEl>
+                                        <p:attrNameLst>
+                                          <p:attrName>ppt_y</p:attrName>
+                                        </p:attrNameLst>
+                                      </p:cBhvr>
+                                      <p:tavLst>
+                                        <p:tav tm="0">
+                                          <p:val>
+                                            <p:strVal val="1+#ppt_h/2"/>
+                                          </p:val>
+                                        </p:tav>
+                                        <p:tav tm="100000">
+                                          <p:val>
+                                            <p:strVal val="#ppt_y"/>
+                                          </p:val>
+                                        </p:tav>
+                                      </p:tavLst>
+                                    </p:anim>
+                                  </p:childTnLst>
+                                </p:cTn>
+                              </p:par>
+                              <p:par>
+                                <p:cTn id="27" presetID="2" presetClass="entr" presetSubtype="4" fill="hold" nodeType="withEffect">
+                                  <p:stCondLst>
+                                    <p:cond delay="0"/>
+                                  </p:stCondLst>
+                                  <p:childTnLst>
+                                    <p:set>
+                                      <p:cBhvr>
+                                        <p:cTn id="28" dur="1" fill="hold">
+                                          <p:stCondLst>
+                                            <p:cond delay="0"/>
+                                          </p:stCondLst>
+                                        </p:cTn>
+                                        <p:tgtEl>
+                                          <p:spTgt spid="75"/>
+                                        </p:tgtEl>
+                                        <p:attrNameLst>
+                                          <p:attrName>style.visibility</p:attrName>
+                                        </p:attrNameLst>
+                                      </p:cBhvr>
+                                      <p:to>
+                                        <p:strVal val="visible"/>
+                                      </p:to>
+                                    </p:set>
+                                    <p:anim calcmode="lin" valueType="num">
+                                      <p:cBhvr additive="base">
+                                        <p:cTn id="29" dur="500" fill="hold"/>
+                                        <p:tgtEl>
+                                          <p:spTgt spid="75"/>
+                                        </p:tgtEl>
+                                        <p:attrNameLst>
+                                          <p:attrName>ppt_x</p:attrName>
+                                        </p:attrNameLst>
+                                      </p:cBhvr>
+                                      <p:tavLst>
+                                        <p:tav tm="0">
+                                          <p:val>
+                                            <p:strVal val="#ppt_x"/>
+                                          </p:val>
+                                        </p:tav>
+                                        <p:tav tm="100000">
+                                          <p:val>
+                                            <p:strVal val="#ppt_x"/>
+                                          </p:val>
+                                        </p:tav>
+                                      </p:tavLst>
+                                    </p:anim>
+                                    <p:anim calcmode="lin" valueType="num">
+                                      <p:cBhvr additive="base">
+                                        <p:cTn id="30" dur="500" fill="hold"/>
+                                        <p:tgtEl>
+                                          <p:spTgt spid="75"/>
+                                        </p:tgtEl>
+                                        <p:attrNameLst>
+                                          <p:attrName>ppt_y</p:attrName>
+                                        </p:attrNameLst>
+                                      </p:cBhvr>
+                                      <p:tavLst>
+                                        <p:tav tm="0">
+                                          <p:val>
+                                            <p:strVal val="1+#ppt_h/2"/>
+                                          </p:val>
+                                        </p:tav>
+                                        <p:tav tm="100000">
+                                          <p:val>
+                                            <p:strVal val="#ppt_y"/>
+                                          </p:val>
+                                        </p:tav>
+                                      </p:tavLst>
+                                    </p:anim>
+                                  </p:childTnLst>
+                                </p:cTn>
+                              </p:par>
+                            </p:childTnLst>
+                          </p:cTn>
+                        </p:par>
+                      </p:childTnLst>
+                    </p:cTn>
+                  </p:par>
+                  <p:par>
+                    <p:cTn id="31" fill="hold">
+                      <p:stCondLst>
+                        <p:cond delay="indefinite"/>
+                      </p:stCondLst>
+                      <p:childTnLst>
+                        <p:par>
+                          <p:cTn id="32" fill="hold">
+                            <p:stCondLst>
+                              <p:cond delay="0"/>
+                            </p:stCondLst>
+                            <p:childTnLst>
+                              <p:par>
+                                <p:cTn id="33" presetID="2" presetClass="entr" presetSubtype="4" fill="hold" grpId="0" nodeType="clickEffect">
+                                  <p:stCondLst>
+                                    <p:cond delay="0"/>
+                                  </p:stCondLst>
+                                  <p:childTnLst>
+                                    <p:set>
+                                      <p:cBhvr>
+                                        <p:cTn id="34" dur="1" fill="hold">
+                                          <p:stCondLst>
+                                            <p:cond delay="0"/>
+                                          </p:stCondLst>
+                                        </p:cTn>
+                                        <p:tgtEl>
+                                          <p:spTgt spid="68"/>
+                                        </p:tgtEl>
+                                        <p:attrNameLst>
+                                          <p:attrName>style.visibility</p:attrName>
+                                        </p:attrNameLst>
+                                      </p:cBhvr>
+                                      <p:to>
+                                        <p:strVal val="visible"/>
+                                      </p:to>
+                                    </p:set>
+                                    <p:anim calcmode="lin" valueType="num">
+                                      <p:cBhvr additive="base">
+                                        <p:cTn id="35" dur="500" fill="hold"/>
+                                        <p:tgtEl>
+                                          <p:spTgt spid="68"/>
+                                        </p:tgtEl>
+                                        <p:attrNameLst>
+                                          <p:attrName>ppt_x</p:attrName>
+                                        </p:attrNameLst>
+                                      </p:cBhvr>
+                                      <p:tavLst>
+                                        <p:tav tm="0">
+                                          <p:val>
+                                            <p:strVal val="#ppt_x"/>
+                                          </p:val>
+                                        </p:tav>
+                                        <p:tav tm="100000">
+                                          <p:val>
+                                            <p:strVal val="#ppt_x"/>
+                                          </p:val>
+                                        </p:tav>
+                                      </p:tavLst>
+                                    </p:anim>
+                                    <p:anim calcmode="lin" valueType="num">
+                                      <p:cBhvr additive="base">
+                                        <p:cTn id="36" dur="500" fill="hold"/>
+                                        <p:tgtEl>
+                                          <p:spTgt spid="68"/>
+                                        </p:tgtEl>
+                                        <p:attrNameLst>
+                                          <p:attrName>ppt_y</p:attrName>
+                                        </p:attrNameLst>
+                                      </p:cBhvr>
+                                      <p:tavLst>
+                                        <p:tav tm="0">
+                                          <p:val>
+                                            <p:strVal val="1+#ppt_h/2"/>
+                                          </p:val>
+                                        </p:tav>
+                                        <p:tav tm="100000">
+                                          <p:val>
+                                            <p:strVal val="#ppt_y"/>
+                                          </p:val>
+                                        </p:tav>
+                                      </p:tavLst>
+                                    </p:anim>
+                                  </p:childTnLst>
+                                </p:cTn>
+                              </p:par>
+                              <p:par>
+                                <p:cTn id="37" presetID="2" presetClass="entr" presetSubtype="4" fill="hold" grpId="0" nodeType="withEffect">
+                                  <p:stCondLst>
+                                    <p:cond delay="0"/>
+                                  </p:stCondLst>
+                                  <p:childTnLst>
+                                    <p:set>
+                                      <p:cBhvr>
+                                        <p:cTn id="38" dur="1" fill="hold">
+                                          <p:stCondLst>
+                                            <p:cond delay="0"/>
+                                          </p:stCondLst>
+                                        </p:cTn>
+                                        <p:tgtEl>
+                                          <p:spTgt spid="87"/>
+                                        </p:tgtEl>
+                                        <p:attrNameLst>
+                                          <p:attrName>style.visibility</p:attrName>
+                                        </p:attrNameLst>
+                                      </p:cBhvr>
+                                      <p:to>
+                                        <p:strVal val="visible"/>
+                                      </p:to>
+                                    </p:set>
+                                    <p:anim calcmode="lin" valueType="num">
+                                      <p:cBhvr additive="base">
+                                        <p:cTn id="39" dur="500" fill="hold"/>
+                                        <p:tgtEl>
+                                          <p:spTgt spid="87"/>
+                                        </p:tgtEl>
+                                        <p:attrNameLst>
+                                          <p:attrName>ppt_x</p:attrName>
+                                        </p:attrNameLst>
+                                      </p:cBhvr>
+                                      <p:tavLst>
+                                        <p:tav tm="0">
+                                          <p:val>
+                                            <p:strVal val="#ppt_x"/>
+                                          </p:val>
+                                        </p:tav>
+                                        <p:tav tm="100000">
+                                          <p:val>
+                                            <p:strVal val="#ppt_x"/>
+                                          </p:val>
+                                        </p:tav>
+                                      </p:tavLst>
+                                    </p:anim>
+                                    <p:anim calcmode="lin" valueType="num">
+                                      <p:cBhvr additive="base">
+                                        <p:cTn id="40" dur="500" fill="hold"/>
+                                        <p:tgtEl>
+                                          <p:spTgt spid="87"/>
+                                        </p:tgtEl>
+                                        <p:attrNameLst>
+                                          <p:attrName>ppt_y</p:attrName>
+                                        </p:attrNameLst>
+                                      </p:cBhvr>
+                                      <p:tavLst>
+                                        <p:tav tm="0">
+                                          <p:val>
+                                            <p:strVal val="1+#ppt_h/2"/>
+                                          </p:val>
+                                        </p:tav>
+                                        <p:tav tm="100000">
+                                          <p:val>
+                                            <p:strVal val="#ppt_y"/>
+                                          </p:val>
+                                        </p:tav>
+                                      </p:tavLst>
+                                    </p:anim>
+                                  </p:childTnLst>
+                                </p:cTn>
+                              </p:par>
+                            </p:childTnLst>
+                          </p:cTn>
+                        </p:par>
+                      </p:childTnLst>
+                    </p:cTn>
+                  </p:par>
+                </p:childTnLst>
+              </p:cTn>
+              <p:prevCondLst>
+                <p:cond evt="onPrev" delay="0">
+                  <p:tgtEl>
+                    <p:sldTgt/>
+                  </p:tgtEl>
+                </p:cond>
+              </p:prevCondLst>
+              <p:nextCondLst>
+                <p:cond evt="onNext" delay="0">
+                  <p:tgtEl>
+                    <p:sldTgt/>
+                  </p:tgtEl>
+                </p:cond>
+              </p:nextCondLst>
+            </p:seq>
+          </p:childTnLst>
+        </p:cTn>
+      </p:par>
+    </p:tnLst>
+    <p:bldLst>
+      <p:bldP spid="3" grpId="0"/>
+      <p:bldP spid="19" grpId="0"/>
+      <p:bldP spid="68" grpId="0"/>
+      <p:bldP spid="87" grpId="0"/>
+    </p:bldLst>
+  </p:timing>
 </p:sld>
 </file>
 

--- a/DOCUMENTS/Diagrammi.pptx
+++ b/DOCUMENTS/Diagrammi.pptx
@@ -5,7 +5,7 @@
     <p:sldMasterId id="2147483648" r:id="rId1"/>
   </p:sldMasterIdLst>
   <p:notesMasterIdLst>
-    <p:notesMasterId r:id="rId7"/>
+    <p:notesMasterId r:id="rId8"/>
   </p:notesMasterIdLst>
   <p:sldIdLst>
     <p:sldId id="256" r:id="rId2"/>
@@ -13,6 +13,7 @@
     <p:sldId id="258" r:id="rId4"/>
     <p:sldId id="259" r:id="rId5"/>
     <p:sldId id="353" r:id="rId6"/>
+    <p:sldId id="354" r:id="rId7"/>
   </p:sldIdLst>
   <p:sldSz cx="12192000" cy="6858000"/>
   <p:notesSz cx="6858000" cy="9144000"/>
@@ -201,7 +202,7 @@
           <a:p>
             <a:fld id="{840E2AAB-1006-4BA7-817F-86A01148584B}" type="datetimeFigureOut">
               <a:rPr lang="it-IT" smtClean="0"/>
-              <a:t>27/06/2020</a:t>
+              <a:t>30/06/2020</a:t>
             </a:fld>
             <a:endParaRPr lang="it-IT"/>
           </a:p>
@@ -615,7 +616,7 @@
           <a:p>
             <a:fld id="{0210BBF0-42E9-4380-BF75-9938A7ED37A5}" type="datetimeFigureOut">
               <a:rPr lang="it-IT" smtClean="0"/>
-              <a:t>27/06/2020</a:t>
+              <a:t>30/06/2020</a:t>
             </a:fld>
             <a:endParaRPr lang="it-IT"/>
           </a:p>
@@ -813,7 +814,7 @@
           <a:p>
             <a:fld id="{0210BBF0-42E9-4380-BF75-9938A7ED37A5}" type="datetimeFigureOut">
               <a:rPr lang="it-IT" smtClean="0"/>
-              <a:t>27/06/2020</a:t>
+              <a:t>30/06/2020</a:t>
             </a:fld>
             <a:endParaRPr lang="it-IT"/>
           </a:p>
@@ -1021,7 +1022,7 @@
           <a:p>
             <a:fld id="{0210BBF0-42E9-4380-BF75-9938A7ED37A5}" type="datetimeFigureOut">
               <a:rPr lang="it-IT" smtClean="0"/>
-              <a:t>27/06/2020</a:t>
+              <a:t>30/06/2020</a:t>
             </a:fld>
             <a:endParaRPr lang="it-IT"/>
           </a:p>
@@ -1219,7 +1220,7 @@
           <a:p>
             <a:fld id="{0210BBF0-42E9-4380-BF75-9938A7ED37A5}" type="datetimeFigureOut">
               <a:rPr lang="it-IT" smtClean="0"/>
-              <a:t>27/06/2020</a:t>
+              <a:t>30/06/2020</a:t>
             </a:fld>
             <a:endParaRPr lang="it-IT"/>
           </a:p>
@@ -1494,7 +1495,7 @@
           <a:p>
             <a:fld id="{0210BBF0-42E9-4380-BF75-9938A7ED37A5}" type="datetimeFigureOut">
               <a:rPr lang="it-IT" smtClean="0"/>
-              <a:t>27/06/2020</a:t>
+              <a:t>30/06/2020</a:t>
             </a:fld>
             <a:endParaRPr lang="it-IT"/>
           </a:p>
@@ -1759,7 +1760,7 @@
           <a:p>
             <a:fld id="{0210BBF0-42E9-4380-BF75-9938A7ED37A5}" type="datetimeFigureOut">
               <a:rPr lang="it-IT" smtClean="0"/>
-              <a:t>27/06/2020</a:t>
+              <a:t>30/06/2020</a:t>
             </a:fld>
             <a:endParaRPr lang="it-IT"/>
           </a:p>
@@ -2171,7 +2172,7 @@
           <a:p>
             <a:fld id="{0210BBF0-42E9-4380-BF75-9938A7ED37A5}" type="datetimeFigureOut">
               <a:rPr lang="it-IT" smtClean="0"/>
-              <a:t>27/06/2020</a:t>
+              <a:t>30/06/2020</a:t>
             </a:fld>
             <a:endParaRPr lang="it-IT"/>
           </a:p>
@@ -2312,7 +2313,7 @@
           <a:p>
             <a:fld id="{0210BBF0-42E9-4380-BF75-9938A7ED37A5}" type="datetimeFigureOut">
               <a:rPr lang="it-IT" smtClean="0"/>
-              <a:t>27/06/2020</a:t>
+              <a:t>30/06/2020</a:t>
             </a:fld>
             <a:endParaRPr lang="it-IT"/>
           </a:p>
@@ -2425,7 +2426,7 @@
           <a:p>
             <a:fld id="{0210BBF0-42E9-4380-BF75-9938A7ED37A5}" type="datetimeFigureOut">
               <a:rPr lang="it-IT" smtClean="0"/>
-              <a:t>27/06/2020</a:t>
+              <a:t>30/06/2020</a:t>
             </a:fld>
             <a:endParaRPr lang="it-IT"/>
           </a:p>
@@ -2736,7 +2737,7 @@
           <a:p>
             <a:fld id="{0210BBF0-42E9-4380-BF75-9938A7ED37A5}" type="datetimeFigureOut">
               <a:rPr lang="it-IT" smtClean="0"/>
-              <a:t>27/06/2020</a:t>
+              <a:t>30/06/2020</a:t>
             </a:fld>
             <a:endParaRPr lang="it-IT"/>
           </a:p>
@@ -3024,7 +3025,7 @@
           <a:p>
             <a:fld id="{0210BBF0-42E9-4380-BF75-9938A7ED37A5}" type="datetimeFigureOut">
               <a:rPr lang="it-IT" smtClean="0"/>
-              <a:t>27/06/2020</a:t>
+              <a:t>30/06/2020</a:t>
             </a:fld>
             <a:endParaRPr lang="it-IT"/>
           </a:p>
@@ -3265,7 +3266,7 @@
           <a:p>
             <a:fld id="{0210BBF0-42E9-4380-BF75-9938A7ED37A5}" type="datetimeFigureOut">
               <a:rPr lang="it-IT" smtClean="0"/>
-              <a:t>27/06/2020</a:t>
+              <a:t>30/06/2020</a:t>
             </a:fld>
             <a:endParaRPr lang="it-IT"/>
           </a:p>
@@ -12680,7 +12681,7 @@
               <a:lstStyle/>
               <a:p>
                 <a:pPr algn="ctr"/>
-                <a:endParaRPr lang="en-GB" sz="1200">
+                <a:endParaRPr lang="en-GB" sz="1200" dirty="0">
                   <a:solidFill>
                     <a:schemeClr val="dk1"/>
                   </a:solidFill>
@@ -16910,6 +16911,3013 @@
 </p:sld>
 </file>
 
+<file path=ppt/slides/slide6.xml><?xml version="1.0" encoding="utf-8"?>
+<p:sld xmlns:a="http://schemas.openxmlformats.org/drawingml/2006/main" xmlns:r="http://schemas.openxmlformats.org/officeDocument/2006/relationships" xmlns:p="http://schemas.openxmlformats.org/presentationml/2006/main">
+  <p:cSld>
+    <p:spTree>
+      <p:nvGrpSpPr>
+        <p:cNvPr id="1" name=""/>
+        <p:cNvGrpSpPr/>
+        <p:nvPr/>
+      </p:nvGrpSpPr>
+      <p:grpSpPr>
+        <a:xfrm>
+          <a:off x="0" y="0"/>
+          <a:ext cx="0" cy="0"/>
+          <a:chOff x="0" y="0"/>
+          <a:chExt cx="0" cy="0"/>
+        </a:xfrm>
+      </p:grpSpPr>
+      <p:sp>
+        <p:nvSpPr>
+          <p:cNvPr id="69" name="CasellaDiTesto 68">
+            <a:extLst>
+              <a:ext uri="{FF2B5EF4-FFF2-40B4-BE49-F238E27FC236}">
+                <a16:creationId xmlns:a16="http://schemas.microsoft.com/office/drawing/2014/main" id="{FAA2BD5C-EA3B-4B02-8741-CBAAC3462CBF}"/>
+              </a:ext>
+            </a:extLst>
+          </p:cNvPr>
+          <p:cNvSpPr txBox="1"/>
+          <p:nvPr/>
+        </p:nvSpPr>
+        <p:spPr>
+          <a:xfrm>
+            <a:off x="284493" y="297300"/>
+            <a:ext cx="3251496" cy="646331"/>
+          </a:xfrm>
+          <a:prstGeom prst="rect">
+            <a:avLst/>
+          </a:prstGeom>
+          <a:noFill/>
+          <a:ln>
+            <a:solidFill>
+              <a:schemeClr val="accent1"/>
+            </a:solidFill>
+          </a:ln>
+        </p:spPr>
+        <p:txBody>
+          <a:bodyPr wrap="square" rtlCol="0">
+            <a:spAutoFit/>
+          </a:bodyPr>
+          <a:lstStyle/>
+          <a:p>
+            <a:r>
+              <a:rPr lang="it-IT" dirty="0"/>
+              <a:t>SPRINT2</a:t>
+            </a:r>
+          </a:p>
+          <a:p>
+            <a:r>
+              <a:rPr lang="it-IT" dirty="0"/>
+              <a:t>Architettura Logica</a:t>
+            </a:r>
+          </a:p>
+        </p:txBody>
+      </p:sp>
+      <p:grpSp>
+        <p:nvGrpSpPr>
+          <p:cNvPr id="110" name="Gruppo 109">
+            <a:extLst>
+              <a:ext uri="{FF2B5EF4-FFF2-40B4-BE49-F238E27FC236}">
+                <a16:creationId xmlns:a16="http://schemas.microsoft.com/office/drawing/2014/main" id="{F846BEF0-0F98-4489-835D-393FC91E382C}"/>
+              </a:ext>
+            </a:extLst>
+          </p:cNvPr>
+          <p:cNvGrpSpPr/>
+          <p:nvPr/>
+        </p:nvGrpSpPr>
+        <p:grpSpPr>
+          <a:xfrm>
+            <a:off x="1047142" y="1584056"/>
+            <a:ext cx="10097715" cy="3689888"/>
+            <a:chOff x="113085" y="1420592"/>
+            <a:chExt cx="11570531" cy="4280687"/>
+          </a:xfrm>
+        </p:grpSpPr>
+        <p:grpSp>
+          <p:nvGrpSpPr>
+            <p:cNvPr id="5" name="Gruppo 4">
+              <a:extLst>
+                <a:ext uri="{FF2B5EF4-FFF2-40B4-BE49-F238E27FC236}">
+                  <a16:creationId xmlns:a16="http://schemas.microsoft.com/office/drawing/2014/main" id="{CCB2259A-136F-4FC8-A98F-09F9B8EC5F83}"/>
+                </a:ext>
+              </a:extLst>
+            </p:cNvPr>
+            <p:cNvGrpSpPr/>
+            <p:nvPr/>
+          </p:nvGrpSpPr>
+          <p:grpSpPr>
+            <a:xfrm>
+              <a:off x="9986749" y="1979821"/>
+              <a:ext cx="1696867" cy="1234655"/>
+              <a:chOff x="2460219" y="2004003"/>
+              <a:chExt cx="1696867" cy="1234655"/>
+            </a:xfrm>
+          </p:grpSpPr>
+          <p:sp>
+            <p:nvSpPr>
+              <p:cNvPr id="6" name="Triangolo isoscele 5">
+                <a:extLst>
+                  <a:ext uri="{FF2B5EF4-FFF2-40B4-BE49-F238E27FC236}">
+                    <a16:creationId xmlns:a16="http://schemas.microsoft.com/office/drawing/2014/main" id="{DB68498C-9CC5-4A38-9BCB-02DAB3B8E45F}"/>
+                  </a:ext>
+                </a:extLst>
+              </p:cNvPr>
+              <p:cNvSpPr/>
+              <p:nvPr/>
+            </p:nvSpPr>
+            <p:spPr>
+              <a:xfrm rot="5400000">
+                <a:off x="3220535" y="2242777"/>
+                <a:ext cx="998084" cy="875019"/>
+              </a:xfrm>
+              <a:prstGeom prst="triangle">
+                <a:avLst/>
+              </a:prstGeom>
+              <a:solidFill>
+                <a:srgbClr val="CCFF66"/>
+              </a:solidFill>
+              <a:ln/>
+            </p:spPr>
+            <p:style>
+              <a:lnRef idx="1">
+                <a:schemeClr val="accent5"/>
+              </a:lnRef>
+              <a:fillRef idx="2">
+                <a:schemeClr val="accent5"/>
+              </a:fillRef>
+              <a:effectRef idx="1">
+                <a:schemeClr val="accent5"/>
+              </a:effectRef>
+              <a:fontRef idx="minor">
+                <a:schemeClr val="dk1"/>
+              </a:fontRef>
+            </p:style>
+            <p:txBody>
+              <a:bodyPr rtlCol="0" anchor="ctr"/>
+              <a:lstStyle/>
+              <a:p>
+                <a:pPr algn="ctr"/>
+                <a:endParaRPr lang="en-GB" sz="1200">
+                  <a:solidFill>
+                    <a:schemeClr val="dk1"/>
+                  </a:solidFill>
+                </a:endParaRPr>
+              </a:p>
+            </p:txBody>
+          </p:sp>
+          <p:grpSp>
+            <p:nvGrpSpPr>
+              <p:cNvPr id="7" name="Gruppo 82">
+                <a:extLst>
+                  <a:ext uri="{FF2B5EF4-FFF2-40B4-BE49-F238E27FC236}">
+                    <a16:creationId xmlns:a16="http://schemas.microsoft.com/office/drawing/2014/main" id="{03711F09-1510-4BE0-950D-178D02A9CCE3}"/>
+                  </a:ext>
+                </a:extLst>
+              </p:cNvPr>
+              <p:cNvGrpSpPr/>
+              <p:nvPr/>
+            </p:nvGrpSpPr>
+            <p:grpSpPr>
+              <a:xfrm>
+                <a:off x="2460219" y="2004003"/>
+                <a:ext cx="1409184" cy="1234655"/>
+                <a:chOff x="1194666" y="2417771"/>
+                <a:chExt cx="866156" cy="763297"/>
+              </a:xfrm>
+            </p:grpSpPr>
+            <p:sp>
+              <p:nvSpPr>
+                <p:cNvPr id="9" name="Ovale 38">
+                  <a:extLst>
+                    <a:ext uri="{FF2B5EF4-FFF2-40B4-BE49-F238E27FC236}">
+                      <a16:creationId xmlns:a16="http://schemas.microsoft.com/office/drawing/2014/main" id="{A8681FB9-5108-4504-B8F9-14DD9B8DA9F2}"/>
+                    </a:ext>
+                  </a:extLst>
+                </p:cNvPr>
+                <p:cNvSpPr/>
+                <p:nvPr/>
+              </p:nvSpPr>
+              <p:spPr>
+                <a:xfrm>
+                  <a:off x="1311101" y="2460988"/>
+                  <a:ext cx="749721" cy="720080"/>
+                </a:xfrm>
+                <a:prstGeom prst="ellipse">
+                  <a:avLst/>
+                </a:prstGeom>
+                <a:solidFill>
+                  <a:srgbClr val="FFCCFF"/>
+                </a:solidFill>
+                <a:ln/>
+              </p:spPr>
+              <p:style>
+                <a:lnRef idx="1">
+                  <a:schemeClr val="accent5"/>
+                </a:lnRef>
+                <a:fillRef idx="2">
+                  <a:schemeClr val="accent5"/>
+                </a:fillRef>
+                <a:effectRef idx="1">
+                  <a:schemeClr val="accent5"/>
+                </a:effectRef>
+                <a:fontRef idx="minor">
+                  <a:schemeClr val="dk1"/>
+                </a:fontRef>
+              </p:style>
+              <p:txBody>
+                <a:bodyPr rtlCol="0" anchor="ctr"/>
+                <a:lstStyle/>
+                <a:p>
+                  <a:pPr algn="ctr"/>
+                  <a:r>
+                    <a:rPr lang="en-GB" sz="1200" dirty="0"/>
+                    <a:t> </a:t>
+                  </a:r>
+                </a:p>
+              </p:txBody>
+            </p:sp>
+            <p:sp>
+              <p:nvSpPr>
+                <p:cNvPr id="10" name="Rettangolo 39">
+                  <a:extLst>
+                    <a:ext uri="{FF2B5EF4-FFF2-40B4-BE49-F238E27FC236}">
+                      <a16:creationId xmlns:a16="http://schemas.microsoft.com/office/drawing/2014/main" id="{C09FB3C0-F6B9-4AEF-8DC4-A83B9ACC1969}"/>
+                    </a:ext>
+                  </a:extLst>
+                </p:cNvPr>
+                <p:cNvSpPr/>
+                <p:nvPr/>
+              </p:nvSpPr>
+              <p:spPr>
+                <a:xfrm>
+                  <a:off x="1194666" y="2699711"/>
+                  <a:ext cx="281433" cy="211952"/>
+                </a:xfrm>
+                <a:prstGeom prst="rect">
+                  <a:avLst/>
+                </a:prstGeom>
+                <a:solidFill>
+                  <a:srgbClr val="FFCCFF"/>
+                </a:solidFill>
+                <a:ln/>
+              </p:spPr>
+              <p:style>
+                <a:lnRef idx="1">
+                  <a:schemeClr val="accent5"/>
+                </a:lnRef>
+                <a:fillRef idx="2">
+                  <a:schemeClr val="accent5"/>
+                </a:fillRef>
+                <a:effectRef idx="1">
+                  <a:schemeClr val="accent5"/>
+                </a:effectRef>
+                <a:fontRef idx="minor">
+                  <a:schemeClr val="dk1"/>
+                </a:fontRef>
+              </p:style>
+              <p:txBody>
+                <a:bodyPr rtlCol="0" anchor="ctr"/>
+                <a:lstStyle/>
+                <a:p>
+                  <a:pPr algn="ctr"/>
+                  <a:endParaRPr lang="en-GB" sz="1200"/>
+                </a:p>
+              </p:txBody>
+            </p:sp>
+            <p:sp>
+              <p:nvSpPr>
+                <p:cNvPr id="11" name="Triangolo isoscele 42">
+                  <a:extLst>
+                    <a:ext uri="{FF2B5EF4-FFF2-40B4-BE49-F238E27FC236}">
+                      <a16:creationId xmlns:a16="http://schemas.microsoft.com/office/drawing/2014/main" id="{E4062397-D89C-4F19-8E7A-A269C9A311C2}"/>
+                    </a:ext>
+                  </a:extLst>
+                </p:cNvPr>
+                <p:cNvSpPr/>
+                <p:nvPr/>
+              </p:nvSpPr>
+              <p:spPr>
+                <a:xfrm rot="16200000">
+                  <a:off x="1618539" y="2391356"/>
+                  <a:ext cx="86434" cy="139263"/>
+                </a:xfrm>
+                <a:prstGeom prst="triangle">
+                  <a:avLst/>
+                </a:prstGeom>
+                <a:solidFill>
+                  <a:srgbClr val="FF0000"/>
+                </a:solidFill>
+                <a:ln/>
+              </p:spPr>
+              <p:style>
+                <a:lnRef idx="1">
+                  <a:schemeClr val="accent5"/>
+                </a:lnRef>
+                <a:fillRef idx="2">
+                  <a:schemeClr val="accent5"/>
+                </a:fillRef>
+                <a:effectRef idx="1">
+                  <a:schemeClr val="accent5"/>
+                </a:effectRef>
+                <a:fontRef idx="minor">
+                  <a:schemeClr val="dk1"/>
+                </a:fontRef>
+              </p:style>
+              <p:txBody>
+                <a:bodyPr rtlCol="0" anchor="ctr"/>
+                <a:lstStyle/>
+                <a:p>
+                  <a:pPr algn="ctr"/>
+                  <a:endParaRPr lang="en-GB" sz="1200">
+                    <a:solidFill>
+                      <a:schemeClr val="dk1"/>
+                    </a:solidFill>
+                  </a:endParaRPr>
+                </a:p>
+              </p:txBody>
+            </p:sp>
+          </p:grpSp>
+          <p:sp>
+            <p:nvSpPr>
+              <p:cNvPr id="8" name="Rettangolo 7">
+                <a:extLst>
+                  <a:ext uri="{FF2B5EF4-FFF2-40B4-BE49-F238E27FC236}">
+                    <a16:creationId xmlns:a16="http://schemas.microsoft.com/office/drawing/2014/main" id="{28EB2732-E0D8-45E9-8BE9-68617370B196}"/>
+                  </a:ext>
+                </a:extLst>
+              </p:cNvPr>
+              <p:cNvSpPr/>
+              <p:nvPr/>
+            </p:nvSpPr>
+            <p:spPr>
+              <a:xfrm>
+                <a:off x="2697729" y="2458538"/>
+                <a:ext cx="1044838" cy="369332"/>
+              </a:xfrm>
+              <a:prstGeom prst="rect">
+                <a:avLst/>
+              </a:prstGeom>
+            </p:spPr>
+            <p:txBody>
+              <a:bodyPr wrap="none">
+                <a:spAutoFit/>
+              </a:bodyPr>
+              <a:lstStyle/>
+              <a:p>
+                <a:r>
+                  <a:rPr lang="en-GB" dirty="0" err="1"/>
+                  <a:t>basicrobot</a:t>
+                </a:r>
+                <a:endParaRPr lang="en-GB" dirty="0"/>
+              </a:p>
+            </p:txBody>
+          </p:sp>
+        </p:grpSp>
+        <p:sp>
+          <p:nvSpPr>
+            <p:cNvPr id="15" name="CasellaDiTesto 67">
+              <a:extLst>
+                <a:ext uri="{FF2B5EF4-FFF2-40B4-BE49-F238E27FC236}">
+                  <a16:creationId xmlns:a16="http://schemas.microsoft.com/office/drawing/2014/main" id="{A289E2A0-5DB5-45C4-81F2-CD29D1A80D84}"/>
+                </a:ext>
+              </a:extLst>
+            </p:cNvPr>
+            <p:cNvSpPr txBox="1"/>
+            <p:nvPr/>
+          </p:nvSpPr>
+          <p:spPr>
+            <a:xfrm>
+              <a:off x="8911529" y="2109758"/>
+              <a:ext cx="568970" cy="357056"/>
+            </a:xfrm>
+            <a:prstGeom prst="rect">
+              <a:avLst/>
+            </a:prstGeom>
+            <a:noFill/>
+          </p:spPr>
+          <p:txBody>
+            <a:bodyPr wrap="none" rtlCol="0">
+              <a:spAutoFit/>
+            </a:bodyPr>
+            <a:lstStyle/>
+            <a:p>
+              <a:r>
+                <a:rPr lang="it-IT" sz="1400" dirty="0"/>
+                <a:t>step</a:t>
+              </a:r>
+              <a:endParaRPr lang="en-GB" sz="2000" dirty="0"/>
+            </a:p>
+          </p:txBody>
+        </p:sp>
+        <p:grpSp>
+          <p:nvGrpSpPr>
+            <p:cNvPr id="16" name="Gruppo 75">
+              <a:extLst>
+                <a:ext uri="{FF2B5EF4-FFF2-40B4-BE49-F238E27FC236}">
+                  <a16:creationId xmlns:a16="http://schemas.microsoft.com/office/drawing/2014/main" id="{B7461CAE-55E6-48E0-A09A-38BD98B3389D}"/>
+                </a:ext>
+              </a:extLst>
+            </p:cNvPr>
+            <p:cNvGrpSpPr/>
+            <p:nvPr/>
+          </p:nvGrpSpPr>
+          <p:grpSpPr>
+            <a:xfrm rot="1719965" flipH="1">
+              <a:off x="9879938" y="1698267"/>
+              <a:ext cx="592487" cy="258092"/>
+              <a:chOff x="5133975" y="5295900"/>
+              <a:chExt cx="342900" cy="238125"/>
+            </a:xfrm>
+          </p:grpSpPr>
+          <p:sp>
+            <p:nvSpPr>
+              <p:cNvPr id="17" name="Figura a mano libera 76">
+                <a:extLst>
+                  <a:ext uri="{FF2B5EF4-FFF2-40B4-BE49-F238E27FC236}">
+                    <a16:creationId xmlns:a16="http://schemas.microsoft.com/office/drawing/2014/main" id="{AF88C660-A346-4976-9939-2E20DF9E568A}"/>
+                  </a:ext>
+                </a:extLst>
+              </p:cNvPr>
+              <p:cNvSpPr/>
+              <p:nvPr/>
+            </p:nvSpPr>
+            <p:spPr>
+              <a:xfrm>
+                <a:off x="5133975" y="5295900"/>
+                <a:ext cx="342900" cy="238125"/>
+              </a:xfrm>
+              <a:custGeom>
+                <a:avLst/>
+                <a:gdLst>
+                  <a:gd name="connsiteX0" fmla="*/ 0 w 342900"/>
+                  <a:gd name="connsiteY0" fmla="*/ 142875 h 238125"/>
+                  <a:gd name="connsiteX1" fmla="*/ 28575 w 342900"/>
+                  <a:gd name="connsiteY1" fmla="*/ 38100 h 238125"/>
+                  <a:gd name="connsiteX2" fmla="*/ 47625 w 342900"/>
+                  <a:gd name="connsiteY2" fmla="*/ 9525 h 238125"/>
+                  <a:gd name="connsiteX3" fmla="*/ 76200 w 342900"/>
+                  <a:gd name="connsiteY3" fmla="*/ 0 h 238125"/>
+                  <a:gd name="connsiteX4" fmla="*/ 104775 w 342900"/>
+                  <a:gd name="connsiteY4" fmla="*/ 9525 h 238125"/>
+                  <a:gd name="connsiteX5" fmla="*/ 142875 w 342900"/>
+                  <a:gd name="connsiteY5" fmla="*/ 95250 h 238125"/>
+                  <a:gd name="connsiteX6" fmla="*/ 161925 w 342900"/>
+                  <a:gd name="connsiteY6" fmla="*/ 152400 h 238125"/>
+                  <a:gd name="connsiteX7" fmla="*/ 171450 w 342900"/>
+                  <a:gd name="connsiteY7" fmla="*/ 180975 h 238125"/>
+                  <a:gd name="connsiteX8" fmla="*/ 209550 w 342900"/>
+                  <a:gd name="connsiteY8" fmla="*/ 238125 h 238125"/>
+                  <a:gd name="connsiteX9" fmla="*/ 238125 w 342900"/>
+                  <a:gd name="connsiteY9" fmla="*/ 180975 h 238125"/>
+                  <a:gd name="connsiteX10" fmla="*/ 266700 w 342900"/>
+                  <a:gd name="connsiteY10" fmla="*/ 104775 h 238125"/>
+                  <a:gd name="connsiteX11" fmla="*/ 342900 w 342900"/>
+                  <a:gd name="connsiteY11" fmla="*/ 85725 h 238125"/>
+                </a:gdLst>
+                <a:ahLst/>
+                <a:cxnLst>
+                  <a:cxn ang="0">
+                    <a:pos x="connsiteX0" y="connsiteY0"/>
+                  </a:cxn>
+                  <a:cxn ang="0">
+                    <a:pos x="connsiteX1" y="connsiteY1"/>
+                  </a:cxn>
+                  <a:cxn ang="0">
+                    <a:pos x="connsiteX2" y="connsiteY2"/>
+                  </a:cxn>
+                  <a:cxn ang="0">
+                    <a:pos x="connsiteX3" y="connsiteY3"/>
+                  </a:cxn>
+                  <a:cxn ang="0">
+                    <a:pos x="connsiteX4" y="connsiteY4"/>
+                  </a:cxn>
+                  <a:cxn ang="0">
+                    <a:pos x="connsiteX5" y="connsiteY5"/>
+                  </a:cxn>
+                  <a:cxn ang="0">
+                    <a:pos x="connsiteX6" y="connsiteY6"/>
+                  </a:cxn>
+                  <a:cxn ang="0">
+                    <a:pos x="connsiteX7" y="connsiteY7"/>
+                  </a:cxn>
+                  <a:cxn ang="0">
+                    <a:pos x="connsiteX8" y="connsiteY8"/>
+                  </a:cxn>
+                  <a:cxn ang="0">
+                    <a:pos x="connsiteX9" y="connsiteY9"/>
+                  </a:cxn>
+                  <a:cxn ang="0">
+                    <a:pos x="connsiteX10" y="connsiteY10"/>
+                  </a:cxn>
+                  <a:cxn ang="0">
+                    <a:pos x="connsiteX11" y="connsiteY11"/>
+                  </a:cxn>
+                </a:cxnLst>
+                <a:rect l="l" t="t" r="r" b="b"/>
+                <a:pathLst>
+                  <a:path w="342900" h="238125">
+                    <a:moveTo>
+                      <a:pt x="0" y="142875"/>
+                    </a:moveTo>
+                    <a:cubicBezTo>
+                      <a:pt x="5112" y="117315"/>
+                      <a:pt x="14764" y="58817"/>
+                      <a:pt x="28575" y="38100"/>
+                    </a:cubicBezTo>
+                    <a:cubicBezTo>
+                      <a:pt x="34925" y="28575"/>
+                      <a:pt x="38686" y="16676"/>
+                      <a:pt x="47625" y="9525"/>
+                    </a:cubicBezTo>
+                    <a:cubicBezTo>
+                      <a:pt x="55465" y="3253"/>
+                      <a:pt x="66675" y="3175"/>
+                      <a:pt x="76200" y="0"/>
+                    </a:cubicBezTo>
+                    <a:cubicBezTo>
+                      <a:pt x="85725" y="3175"/>
+                      <a:pt x="96935" y="3253"/>
+                      <a:pt x="104775" y="9525"/>
+                    </a:cubicBezTo>
+                    <a:cubicBezTo>
+                      <a:pt x="125358" y="25992"/>
+                      <a:pt x="137054" y="77787"/>
+                      <a:pt x="142875" y="95250"/>
+                    </a:cubicBezTo>
+                    <a:lnTo>
+                      <a:pt x="161925" y="152400"/>
+                    </a:lnTo>
+                    <a:cubicBezTo>
+                      <a:pt x="165100" y="161925"/>
+                      <a:pt x="169481" y="171130"/>
+                      <a:pt x="171450" y="180975"/>
+                    </a:cubicBezTo>
+                    <a:cubicBezTo>
+                      <a:pt x="182944" y="238445"/>
+                      <a:pt x="165616" y="223480"/>
+                      <a:pt x="209550" y="238125"/>
+                    </a:cubicBezTo>
+                    <a:cubicBezTo>
+                      <a:pt x="228174" y="210189"/>
+                      <a:pt x="230238" y="212523"/>
+                      <a:pt x="238125" y="180975"/>
+                    </a:cubicBezTo>
+                    <a:cubicBezTo>
+                      <a:pt x="243105" y="161054"/>
+                      <a:pt x="243471" y="119293"/>
+                      <a:pt x="266700" y="104775"/>
+                    </a:cubicBezTo>
+                    <a:cubicBezTo>
+                      <a:pt x="300393" y="83717"/>
+                      <a:pt x="313092" y="85725"/>
+                      <a:pt x="342900" y="85725"/>
+                    </a:cubicBezTo>
+                  </a:path>
+                </a:pathLst>
+              </a:custGeom>
+              <a:noFill/>
+              <a:ln>
+                <a:solidFill>
+                  <a:srgbClr val="C00000"/>
+                </a:solidFill>
+              </a:ln>
+            </p:spPr>
+            <p:style>
+              <a:lnRef idx="2">
+                <a:schemeClr val="accent1">
+                  <a:shade val="50000"/>
+                </a:schemeClr>
+              </a:lnRef>
+              <a:fillRef idx="1">
+                <a:schemeClr val="accent1"/>
+              </a:fillRef>
+              <a:effectRef idx="0">
+                <a:schemeClr val="accent1"/>
+              </a:effectRef>
+              <a:fontRef idx="minor">
+                <a:schemeClr val="lt1"/>
+              </a:fontRef>
+            </p:style>
+            <p:txBody>
+              <a:bodyPr rtlCol="0" anchor="ctr"/>
+              <a:lstStyle/>
+              <a:p>
+                <a:pPr algn="ctr"/>
+                <a:endParaRPr lang="it-IT"/>
+              </a:p>
+            </p:txBody>
+          </p:sp>
+          <p:sp>
+            <p:nvSpPr>
+              <p:cNvPr id="18" name="Figura a mano libera 77">
+                <a:extLst>
+                  <a:ext uri="{FF2B5EF4-FFF2-40B4-BE49-F238E27FC236}">
+                    <a16:creationId xmlns:a16="http://schemas.microsoft.com/office/drawing/2014/main" id="{850A228D-0D00-4297-B0B0-4BF428A56763}"/>
+                  </a:ext>
+                </a:extLst>
+              </p:cNvPr>
+              <p:cNvSpPr/>
+              <p:nvPr/>
+            </p:nvSpPr>
+            <p:spPr>
+              <a:xfrm>
+                <a:off x="5400675" y="5353050"/>
+                <a:ext cx="66675" cy="38100"/>
+              </a:xfrm>
+              <a:custGeom>
+                <a:avLst/>
+                <a:gdLst>
+                  <a:gd name="connsiteX0" fmla="*/ 66675 w 66675"/>
+                  <a:gd name="connsiteY0" fmla="*/ 38100 h 38100"/>
+                  <a:gd name="connsiteX1" fmla="*/ 0 w 66675"/>
+                  <a:gd name="connsiteY1" fmla="*/ 0 h 38100"/>
+                </a:gdLst>
+                <a:ahLst/>
+                <a:cxnLst>
+                  <a:cxn ang="0">
+                    <a:pos x="connsiteX0" y="connsiteY0"/>
+                  </a:cxn>
+                  <a:cxn ang="0">
+                    <a:pos x="connsiteX1" y="connsiteY1"/>
+                  </a:cxn>
+                </a:cxnLst>
+                <a:rect l="l" t="t" r="r" b="b"/>
+                <a:pathLst>
+                  <a:path w="66675" h="38100">
+                    <a:moveTo>
+                      <a:pt x="66675" y="38100"/>
+                    </a:moveTo>
+                    <a:cubicBezTo>
+                      <a:pt x="12962" y="5872"/>
+                      <a:pt x="35609" y="17804"/>
+                      <a:pt x="0" y="0"/>
+                    </a:cubicBezTo>
+                  </a:path>
+                </a:pathLst>
+              </a:custGeom>
+              <a:noFill/>
+              <a:ln>
+                <a:solidFill>
+                  <a:srgbClr val="C00000"/>
+                </a:solidFill>
+              </a:ln>
+            </p:spPr>
+            <p:style>
+              <a:lnRef idx="2">
+                <a:schemeClr val="accent1">
+                  <a:shade val="50000"/>
+                </a:schemeClr>
+              </a:lnRef>
+              <a:fillRef idx="1">
+                <a:schemeClr val="accent1"/>
+              </a:fillRef>
+              <a:effectRef idx="0">
+                <a:schemeClr val="accent1"/>
+              </a:effectRef>
+              <a:fontRef idx="minor">
+                <a:schemeClr val="lt1"/>
+              </a:fontRef>
+            </p:style>
+            <p:txBody>
+              <a:bodyPr rtlCol="0" anchor="ctr"/>
+              <a:lstStyle/>
+              <a:p>
+                <a:pPr algn="ctr"/>
+                <a:endParaRPr lang="it-IT"/>
+              </a:p>
+            </p:txBody>
+          </p:sp>
+          <p:sp>
+            <p:nvSpPr>
+              <p:cNvPr id="19" name="Figura a mano libera 78">
+                <a:extLst>
+                  <a:ext uri="{FF2B5EF4-FFF2-40B4-BE49-F238E27FC236}">
+                    <a16:creationId xmlns:a16="http://schemas.microsoft.com/office/drawing/2014/main" id="{5F599F88-E310-477F-A4FF-8705FEC865AD}"/>
+                  </a:ext>
+                </a:extLst>
+              </p:cNvPr>
+              <p:cNvSpPr/>
+              <p:nvPr/>
+            </p:nvSpPr>
+            <p:spPr>
+              <a:xfrm>
+                <a:off x="5419725" y="5381625"/>
+                <a:ext cx="47625" cy="57150"/>
+              </a:xfrm>
+              <a:custGeom>
+                <a:avLst/>
+                <a:gdLst>
+                  <a:gd name="connsiteX0" fmla="*/ 47625 w 47625"/>
+                  <a:gd name="connsiteY0" fmla="*/ 0 h 57150"/>
+                  <a:gd name="connsiteX1" fmla="*/ 0 w 47625"/>
+                  <a:gd name="connsiteY1" fmla="*/ 57150 h 57150"/>
+                </a:gdLst>
+                <a:ahLst/>
+                <a:cxnLst>
+                  <a:cxn ang="0">
+                    <a:pos x="connsiteX0" y="connsiteY0"/>
+                  </a:cxn>
+                  <a:cxn ang="0">
+                    <a:pos x="connsiteX1" y="connsiteY1"/>
+                  </a:cxn>
+                </a:cxnLst>
+                <a:rect l="l" t="t" r="r" b="b"/>
+                <a:pathLst>
+                  <a:path w="47625" h="57150">
+                    <a:moveTo>
+                      <a:pt x="47625" y="0"/>
+                    </a:moveTo>
+                    <a:cubicBezTo>
+                      <a:pt x="15397" y="53713"/>
+                      <a:pt x="35609" y="39346"/>
+                      <a:pt x="0" y="57150"/>
+                    </a:cubicBezTo>
+                  </a:path>
+                </a:pathLst>
+              </a:custGeom>
+              <a:noFill/>
+              <a:ln>
+                <a:solidFill>
+                  <a:srgbClr val="C00000"/>
+                </a:solidFill>
+              </a:ln>
+            </p:spPr>
+            <p:style>
+              <a:lnRef idx="2">
+                <a:schemeClr val="accent1">
+                  <a:shade val="50000"/>
+                </a:schemeClr>
+              </a:lnRef>
+              <a:fillRef idx="1">
+                <a:schemeClr val="accent1"/>
+              </a:fillRef>
+              <a:effectRef idx="0">
+                <a:schemeClr val="accent1"/>
+              </a:effectRef>
+              <a:fontRef idx="minor">
+                <a:schemeClr val="lt1"/>
+              </a:fontRef>
+            </p:style>
+            <p:txBody>
+              <a:bodyPr rtlCol="0" anchor="ctr"/>
+              <a:lstStyle/>
+              <a:p>
+                <a:pPr algn="ctr"/>
+                <a:endParaRPr lang="it-IT"/>
+              </a:p>
+            </p:txBody>
+          </p:sp>
+        </p:grpSp>
+        <p:sp>
+          <p:nvSpPr>
+            <p:cNvPr id="20" name="Rettangolo 79">
+              <a:extLst>
+                <a:ext uri="{FF2B5EF4-FFF2-40B4-BE49-F238E27FC236}">
+                  <a16:creationId xmlns:a16="http://schemas.microsoft.com/office/drawing/2014/main" id="{8B0D73E3-6D7D-4139-8849-7EEFFDA0F0FA}"/>
+                </a:ext>
+              </a:extLst>
+            </p:cNvPr>
+            <p:cNvSpPr/>
+            <p:nvPr/>
+          </p:nvSpPr>
+          <p:spPr>
+            <a:xfrm>
+              <a:off x="10174296" y="1420592"/>
+              <a:ext cx="793551" cy="307777"/>
+            </a:xfrm>
+            <a:prstGeom prst="rect">
+              <a:avLst/>
+            </a:prstGeom>
+          </p:spPr>
+          <p:txBody>
+            <a:bodyPr wrap="none">
+              <a:spAutoFit/>
+            </a:bodyPr>
+            <a:lstStyle/>
+            <a:p>
+              <a:r>
+                <a:rPr lang="en-GB" sz="1400" dirty="0"/>
+                <a:t>obstacle</a:t>
+              </a:r>
+              <a:endParaRPr lang="en-GB" dirty="0"/>
+            </a:p>
+          </p:txBody>
+        </p:sp>
+        <p:cxnSp>
+          <p:nvCxnSpPr>
+            <p:cNvPr id="37" name="Connettore 2 92">
+              <a:extLst>
+                <a:ext uri="{FF2B5EF4-FFF2-40B4-BE49-F238E27FC236}">
+                  <a16:creationId xmlns:a16="http://schemas.microsoft.com/office/drawing/2014/main" id="{455DABA2-950A-4F62-B4B1-A9DB9EB34ED4}"/>
+                </a:ext>
+              </a:extLst>
+            </p:cNvPr>
+            <p:cNvCxnSpPr>
+              <a:cxnSpLocks/>
+            </p:cNvCxnSpPr>
+            <p:nvPr/>
+          </p:nvCxnSpPr>
+          <p:spPr>
+            <a:xfrm flipV="1">
+              <a:off x="8503375" y="2064198"/>
+              <a:ext cx="1156402" cy="13280"/>
+            </a:xfrm>
+            <a:prstGeom prst="straightConnector1">
+              <a:avLst/>
+            </a:prstGeom>
+            <a:ln>
+              <a:prstDash val="lgDash"/>
+              <a:tailEnd type="arrow"/>
+            </a:ln>
+          </p:spPr>
+          <p:style>
+            <a:lnRef idx="1">
+              <a:schemeClr val="accent1"/>
+            </a:lnRef>
+            <a:fillRef idx="0">
+              <a:schemeClr val="accent1"/>
+            </a:fillRef>
+            <a:effectRef idx="0">
+              <a:schemeClr val="accent1"/>
+            </a:effectRef>
+            <a:fontRef idx="minor">
+              <a:schemeClr val="tx1"/>
+            </a:fontRef>
+          </p:style>
+        </p:cxnSp>
+        <p:grpSp>
+          <p:nvGrpSpPr>
+            <p:cNvPr id="39" name="Gruppo 38">
+              <a:extLst>
+                <a:ext uri="{FF2B5EF4-FFF2-40B4-BE49-F238E27FC236}">
+                  <a16:creationId xmlns:a16="http://schemas.microsoft.com/office/drawing/2014/main" id="{EDB0A3C4-E125-44BB-9C92-B21D51DC55DB}"/>
+                </a:ext>
+              </a:extLst>
+            </p:cNvPr>
+            <p:cNvGrpSpPr/>
+            <p:nvPr/>
+          </p:nvGrpSpPr>
+          <p:grpSpPr>
+            <a:xfrm>
+              <a:off x="6633293" y="1966540"/>
+              <a:ext cx="1696867" cy="1234655"/>
+              <a:chOff x="2460219" y="2004003"/>
+              <a:chExt cx="1696867" cy="1234655"/>
+            </a:xfrm>
+          </p:grpSpPr>
+          <p:sp>
+            <p:nvSpPr>
+              <p:cNvPr id="40" name="Triangolo isoscele 39">
+                <a:extLst>
+                  <a:ext uri="{FF2B5EF4-FFF2-40B4-BE49-F238E27FC236}">
+                    <a16:creationId xmlns:a16="http://schemas.microsoft.com/office/drawing/2014/main" id="{AF71783D-FF24-4C79-8A55-327095F8499B}"/>
+                  </a:ext>
+                </a:extLst>
+              </p:cNvPr>
+              <p:cNvSpPr/>
+              <p:nvPr/>
+            </p:nvSpPr>
+            <p:spPr>
+              <a:xfrm rot="5400000">
+                <a:off x="3220535" y="2242777"/>
+                <a:ext cx="998084" cy="875019"/>
+              </a:xfrm>
+              <a:prstGeom prst="triangle">
+                <a:avLst/>
+              </a:prstGeom>
+              <a:solidFill>
+                <a:srgbClr val="CCFF66"/>
+              </a:solidFill>
+              <a:ln/>
+            </p:spPr>
+            <p:style>
+              <a:lnRef idx="1">
+                <a:schemeClr val="accent5"/>
+              </a:lnRef>
+              <a:fillRef idx="2">
+                <a:schemeClr val="accent5"/>
+              </a:fillRef>
+              <a:effectRef idx="1">
+                <a:schemeClr val="accent5"/>
+              </a:effectRef>
+              <a:fontRef idx="minor">
+                <a:schemeClr val="dk1"/>
+              </a:fontRef>
+            </p:style>
+            <p:txBody>
+              <a:bodyPr rtlCol="0" anchor="ctr"/>
+              <a:lstStyle/>
+              <a:p>
+                <a:pPr algn="ctr"/>
+                <a:endParaRPr lang="en-GB" sz="1200">
+                  <a:solidFill>
+                    <a:schemeClr val="dk1"/>
+                  </a:solidFill>
+                </a:endParaRPr>
+              </a:p>
+            </p:txBody>
+          </p:sp>
+          <p:grpSp>
+            <p:nvGrpSpPr>
+              <p:cNvPr id="41" name="Gruppo 82">
+                <a:extLst>
+                  <a:ext uri="{FF2B5EF4-FFF2-40B4-BE49-F238E27FC236}">
+                    <a16:creationId xmlns:a16="http://schemas.microsoft.com/office/drawing/2014/main" id="{5FE52F0B-34AD-47AB-9285-51E82A3A9E4F}"/>
+                  </a:ext>
+                </a:extLst>
+              </p:cNvPr>
+              <p:cNvGrpSpPr/>
+              <p:nvPr/>
+            </p:nvGrpSpPr>
+            <p:grpSpPr>
+              <a:xfrm>
+                <a:off x="2460219" y="2004003"/>
+                <a:ext cx="1409184" cy="1234655"/>
+                <a:chOff x="1194666" y="2417771"/>
+                <a:chExt cx="866156" cy="763297"/>
+              </a:xfrm>
+            </p:grpSpPr>
+            <p:sp>
+              <p:nvSpPr>
+                <p:cNvPr id="43" name="Ovale 38">
+                  <a:extLst>
+                    <a:ext uri="{FF2B5EF4-FFF2-40B4-BE49-F238E27FC236}">
+                      <a16:creationId xmlns:a16="http://schemas.microsoft.com/office/drawing/2014/main" id="{342B7337-FAF7-46D2-BB2F-F94BE17F1DF8}"/>
+                    </a:ext>
+                  </a:extLst>
+                </p:cNvPr>
+                <p:cNvSpPr/>
+                <p:nvPr/>
+              </p:nvSpPr>
+              <p:spPr>
+                <a:xfrm>
+                  <a:off x="1311101" y="2460988"/>
+                  <a:ext cx="749721" cy="720080"/>
+                </a:xfrm>
+                <a:prstGeom prst="ellipse">
+                  <a:avLst/>
+                </a:prstGeom>
+                <a:solidFill>
+                  <a:srgbClr val="FFCCFF"/>
+                </a:solidFill>
+                <a:ln/>
+              </p:spPr>
+              <p:style>
+                <a:lnRef idx="1">
+                  <a:schemeClr val="accent5"/>
+                </a:lnRef>
+                <a:fillRef idx="2">
+                  <a:schemeClr val="accent5"/>
+                </a:fillRef>
+                <a:effectRef idx="1">
+                  <a:schemeClr val="accent5"/>
+                </a:effectRef>
+                <a:fontRef idx="minor">
+                  <a:schemeClr val="dk1"/>
+                </a:fontRef>
+              </p:style>
+              <p:txBody>
+                <a:bodyPr rtlCol="0" anchor="ctr"/>
+                <a:lstStyle/>
+                <a:p>
+                  <a:pPr algn="ctr"/>
+                  <a:r>
+                    <a:rPr lang="en-GB" sz="1200" dirty="0"/>
+                    <a:t> </a:t>
+                  </a:r>
+                </a:p>
+              </p:txBody>
+            </p:sp>
+            <p:sp>
+              <p:nvSpPr>
+                <p:cNvPr id="44" name="Rettangolo 39">
+                  <a:extLst>
+                    <a:ext uri="{FF2B5EF4-FFF2-40B4-BE49-F238E27FC236}">
+                      <a16:creationId xmlns:a16="http://schemas.microsoft.com/office/drawing/2014/main" id="{BCC2E644-D864-44FF-9741-9D0D1B43CBD6}"/>
+                    </a:ext>
+                  </a:extLst>
+                </p:cNvPr>
+                <p:cNvSpPr/>
+                <p:nvPr/>
+              </p:nvSpPr>
+              <p:spPr>
+                <a:xfrm>
+                  <a:off x="1194666" y="2699711"/>
+                  <a:ext cx="281433" cy="211952"/>
+                </a:xfrm>
+                <a:prstGeom prst="rect">
+                  <a:avLst/>
+                </a:prstGeom>
+                <a:solidFill>
+                  <a:srgbClr val="FFCCFF"/>
+                </a:solidFill>
+                <a:ln/>
+              </p:spPr>
+              <p:style>
+                <a:lnRef idx="1">
+                  <a:schemeClr val="accent5"/>
+                </a:lnRef>
+                <a:fillRef idx="2">
+                  <a:schemeClr val="accent5"/>
+                </a:fillRef>
+                <a:effectRef idx="1">
+                  <a:schemeClr val="accent5"/>
+                </a:effectRef>
+                <a:fontRef idx="minor">
+                  <a:schemeClr val="dk1"/>
+                </a:fontRef>
+              </p:style>
+              <p:txBody>
+                <a:bodyPr rtlCol="0" anchor="ctr"/>
+                <a:lstStyle/>
+                <a:p>
+                  <a:pPr algn="ctr"/>
+                  <a:endParaRPr lang="en-GB" sz="1200"/>
+                </a:p>
+              </p:txBody>
+            </p:sp>
+            <p:sp>
+              <p:nvSpPr>
+                <p:cNvPr id="45" name="Triangolo isoscele 42">
+                  <a:extLst>
+                    <a:ext uri="{FF2B5EF4-FFF2-40B4-BE49-F238E27FC236}">
+                      <a16:creationId xmlns:a16="http://schemas.microsoft.com/office/drawing/2014/main" id="{545D3B1A-15B2-4CA0-B4A1-352AF8652519}"/>
+                    </a:ext>
+                  </a:extLst>
+                </p:cNvPr>
+                <p:cNvSpPr/>
+                <p:nvPr/>
+              </p:nvSpPr>
+              <p:spPr>
+                <a:xfrm rot="16200000">
+                  <a:off x="1618539" y="2391356"/>
+                  <a:ext cx="86434" cy="139263"/>
+                </a:xfrm>
+                <a:prstGeom prst="triangle">
+                  <a:avLst/>
+                </a:prstGeom>
+                <a:solidFill>
+                  <a:srgbClr val="FF0000"/>
+                </a:solidFill>
+                <a:ln/>
+              </p:spPr>
+              <p:style>
+                <a:lnRef idx="1">
+                  <a:schemeClr val="accent5"/>
+                </a:lnRef>
+                <a:fillRef idx="2">
+                  <a:schemeClr val="accent5"/>
+                </a:fillRef>
+                <a:effectRef idx="1">
+                  <a:schemeClr val="accent5"/>
+                </a:effectRef>
+                <a:fontRef idx="minor">
+                  <a:schemeClr val="dk1"/>
+                </a:fontRef>
+              </p:style>
+              <p:txBody>
+                <a:bodyPr rtlCol="0" anchor="ctr"/>
+                <a:lstStyle/>
+                <a:p>
+                  <a:pPr algn="ctr"/>
+                  <a:endParaRPr lang="en-GB" sz="1200">
+                    <a:solidFill>
+                      <a:schemeClr val="dk1"/>
+                    </a:solidFill>
+                  </a:endParaRPr>
+                </a:p>
+              </p:txBody>
+            </p:sp>
+          </p:grpSp>
+          <p:sp>
+            <p:nvSpPr>
+              <p:cNvPr id="42" name="Rettangolo 41">
+                <a:extLst>
+                  <a:ext uri="{FF2B5EF4-FFF2-40B4-BE49-F238E27FC236}">
+                    <a16:creationId xmlns:a16="http://schemas.microsoft.com/office/drawing/2014/main" id="{81A9AA82-2059-4945-9252-915C335CA6E6}"/>
+                  </a:ext>
+                </a:extLst>
+              </p:cNvPr>
+              <p:cNvSpPr/>
+              <p:nvPr/>
+            </p:nvSpPr>
+            <p:spPr>
+              <a:xfrm>
+                <a:off x="2635583" y="2458538"/>
+                <a:ext cx="1400320" cy="369332"/>
+              </a:xfrm>
+              <a:prstGeom prst="rect">
+                <a:avLst/>
+              </a:prstGeom>
+            </p:spPr>
+            <p:txBody>
+              <a:bodyPr wrap="none">
+                <a:spAutoFit/>
+              </a:bodyPr>
+              <a:lstStyle/>
+              <a:p>
+                <a:r>
+                  <a:rPr lang="en-GB" dirty="0" err="1"/>
+                  <a:t>waiterwalker</a:t>
+                </a:r>
+                <a:endParaRPr lang="en-GB" dirty="0"/>
+              </a:p>
+            </p:txBody>
+          </p:sp>
+        </p:grpSp>
+        <p:grpSp>
+          <p:nvGrpSpPr>
+            <p:cNvPr id="48" name="Gruppo 56">
+              <a:extLst>
+                <a:ext uri="{FF2B5EF4-FFF2-40B4-BE49-F238E27FC236}">
+                  <a16:creationId xmlns:a16="http://schemas.microsoft.com/office/drawing/2014/main" id="{DB13407C-3FB6-4190-8E03-D1335F07E2DD}"/>
+                </a:ext>
+              </a:extLst>
+            </p:cNvPr>
+            <p:cNvGrpSpPr/>
+            <p:nvPr/>
+          </p:nvGrpSpPr>
+          <p:grpSpPr>
+            <a:xfrm>
+              <a:off x="8503375" y="2398140"/>
+              <a:ext cx="1246006" cy="186933"/>
+              <a:chOff x="4586473" y="4245346"/>
+              <a:chExt cx="667405" cy="86434"/>
+            </a:xfrm>
+          </p:grpSpPr>
+          <p:sp>
+            <p:nvSpPr>
+              <p:cNvPr id="49" name="Freccia a destra 58">
+                <a:extLst>
+                  <a:ext uri="{FF2B5EF4-FFF2-40B4-BE49-F238E27FC236}">
+                    <a16:creationId xmlns:a16="http://schemas.microsoft.com/office/drawing/2014/main" id="{39DD38D6-1415-422A-9148-0D5B4A8973FD}"/>
+                  </a:ext>
+                </a:extLst>
+              </p:cNvPr>
+              <p:cNvSpPr/>
+              <p:nvPr/>
+            </p:nvSpPr>
+            <p:spPr>
+              <a:xfrm>
+                <a:off x="4586473" y="4251518"/>
+                <a:ext cx="577147" cy="80262"/>
+              </a:xfrm>
+              <a:prstGeom prst="rightArrow">
+                <a:avLst/>
+              </a:prstGeom>
+            </p:spPr>
+            <p:style>
+              <a:lnRef idx="1">
+                <a:schemeClr val="accent1"/>
+              </a:lnRef>
+              <a:fillRef idx="2">
+                <a:schemeClr val="accent1"/>
+              </a:fillRef>
+              <a:effectRef idx="1">
+                <a:schemeClr val="accent1"/>
+              </a:effectRef>
+              <a:fontRef idx="minor">
+                <a:schemeClr val="dk1"/>
+              </a:fontRef>
+            </p:style>
+            <p:txBody>
+              <a:bodyPr rtlCol="0" anchor="ctr"/>
+              <a:lstStyle/>
+              <a:p>
+                <a:pPr algn="ctr"/>
+                <a:endParaRPr lang="en-GB"/>
+              </a:p>
+            </p:txBody>
+          </p:sp>
+          <p:sp>
+            <p:nvSpPr>
+              <p:cNvPr id="50" name="Triangolo isoscele 76">
+                <a:extLst>
+                  <a:ext uri="{FF2B5EF4-FFF2-40B4-BE49-F238E27FC236}">
+                    <a16:creationId xmlns:a16="http://schemas.microsoft.com/office/drawing/2014/main" id="{74B3EFB6-B795-4852-AA41-0A7CD08515C4}"/>
+                  </a:ext>
+                </a:extLst>
+              </p:cNvPr>
+              <p:cNvSpPr/>
+              <p:nvPr/>
+            </p:nvSpPr>
+            <p:spPr>
+              <a:xfrm rot="5400000" flipH="1">
+                <a:off x="5141030" y="4218931"/>
+                <a:ext cx="86434" cy="139263"/>
+              </a:xfrm>
+              <a:prstGeom prst="triangle">
+                <a:avLst/>
+              </a:prstGeom>
+              <a:solidFill>
+                <a:schemeClr val="bg1"/>
+              </a:solidFill>
+              <a:ln/>
+            </p:spPr>
+            <p:style>
+              <a:lnRef idx="1">
+                <a:schemeClr val="accent5"/>
+              </a:lnRef>
+              <a:fillRef idx="2">
+                <a:schemeClr val="accent5"/>
+              </a:fillRef>
+              <a:effectRef idx="1">
+                <a:schemeClr val="accent5"/>
+              </a:effectRef>
+              <a:fontRef idx="minor">
+                <a:schemeClr val="dk1"/>
+              </a:fontRef>
+            </p:style>
+            <p:txBody>
+              <a:bodyPr rtlCol="0" anchor="ctr"/>
+              <a:lstStyle/>
+              <a:p>
+                <a:pPr algn="ctr"/>
+                <a:endParaRPr lang="en-GB" sz="1200">
+                  <a:solidFill>
+                    <a:schemeClr val="dk1"/>
+                  </a:solidFill>
+                </a:endParaRPr>
+              </a:p>
+            </p:txBody>
+          </p:sp>
+        </p:grpSp>
+        <p:grpSp>
+          <p:nvGrpSpPr>
+            <p:cNvPr id="51" name="Gruppo 87">
+              <a:extLst>
+                <a:ext uri="{FF2B5EF4-FFF2-40B4-BE49-F238E27FC236}">
+                  <a16:creationId xmlns:a16="http://schemas.microsoft.com/office/drawing/2014/main" id="{A0B9DA95-CDCA-4B37-BDBE-3076C77C93DF}"/>
+                </a:ext>
+              </a:extLst>
+            </p:cNvPr>
+            <p:cNvGrpSpPr/>
+            <p:nvPr/>
+          </p:nvGrpSpPr>
+          <p:grpSpPr>
+            <a:xfrm>
+              <a:off x="8473428" y="2710264"/>
+              <a:ext cx="1275955" cy="195464"/>
+              <a:chOff x="4592177" y="4419530"/>
+              <a:chExt cx="666895" cy="86434"/>
+            </a:xfrm>
+          </p:grpSpPr>
+          <p:cxnSp>
+            <p:nvCxnSpPr>
+              <p:cNvPr id="52" name="Connettore 1 89">
+                <a:extLst>
+                  <a:ext uri="{FF2B5EF4-FFF2-40B4-BE49-F238E27FC236}">
+                    <a16:creationId xmlns:a16="http://schemas.microsoft.com/office/drawing/2014/main" id="{BD5F6243-E497-4744-9AB3-C0341D740EC9}"/>
+                  </a:ext>
+                </a:extLst>
+              </p:cNvPr>
+              <p:cNvCxnSpPr/>
+              <p:nvPr/>
+            </p:nvCxnSpPr>
+            <p:spPr>
+              <a:xfrm>
+                <a:off x="4611000" y="4462747"/>
+                <a:ext cx="648072" cy="0"/>
+              </a:xfrm>
+              <a:prstGeom prst="line">
+                <a:avLst/>
+              </a:prstGeom>
+              <a:ln>
+                <a:prstDash val="dash"/>
+              </a:ln>
+            </p:spPr>
+            <p:style>
+              <a:lnRef idx="1">
+                <a:schemeClr val="accent1"/>
+              </a:lnRef>
+              <a:fillRef idx="0">
+                <a:schemeClr val="accent1"/>
+              </a:fillRef>
+              <a:effectRef idx="0">
+                <a:schemeClr val="accent1"/>
+              </a:effectRef>
+              <a:fontRef idx="minor">
+                <a:schemeClr val="tx1"/>
+              </a:fontRef>
+            </p:style>
+          </p:cxnSp>
+          <p:sp>
+            <p:nvSpPr>
+              <p:cNvPr id="53" name="Triangolo isoscele 90">
+                <a:extLst>
+                  <a:ext uri="{FF2B5EF4-FFF2-40B4-BE49-F238E27FC236}">
+                    <a16:creationId xmlns:a16="http://schemas.microsoft.com/office/drawing/2014/main" id="{ED7EFD8B-9E2F-40AD-9C0B-904ACE2A0C1D}"/>
+                  </a:ext>
+                </a:extLst>
+              </p:cNvPr>
+              <p:cNvSpPr/>
+              <p:nvPr/>
+            </p:nvSpPr>
+            <p:spPr>
+              <a:xfrm rot="16200000">
+                <a:off x="4618592" y="4393115"/>
+                <a:ext cx="86434" cy="139263"/>
+              </a:xfrm>
+              <a:prstGeom prst="triangle">
+                <a:avLst/>
+              </a:prstGeom>
+              <a:solidFill>
+                <a:schemeClr val="bg1"/>
+              </a:solidFill>
+              <a:ln/>
+            </p:spPr>
+            <p:style>
+              <a:lnRef idx="1">
+                <a:schemeClr val="accent5"/>
+              </a:lnRef>
+              <a:fillRef idx="2">
+                <a:schemeClr val="accent5"/>
+              </a:fillRef>
+              <a:effectRef idx="1">
+                <a:schemeClr val="accent5"/>
+              </a:effectRef>
+              <a:fontRef idx="minor">
+                <a:schemeClr val="dk1"/>
+              </a:fontRef>
+            </p:style>
+            <p:txBody>
+              <a:bodyPr rtlCol="0" anchor="ctr"/>
+              <a:lstStyle/>
+              <a:p>
+                <a:pPr algn="ctr"/>
+                <a:endParaRPr lang="en-GB" sz="1200"/>
+              </a:p>
+            </p:txBody>
+          </p:sp>
+        </p:grpSp>
+        <p:sp>
+          <p:nvSpPr>
+            <p:cNvPr id="54" name="CasellaDiTesto 67">
+              <a:extLst>
+                <a:ext uri="{FF2B5EF4-FFF2-40B4-BE49-F238E27FC236}">
+                  <a16:creationId xmlns:a16="http://schemas.microsoft.com/office/drawing/2014/main" id="{AE8A07C8-C7E2-4B34-A9E2-16D3276E25EF}"/>
+                </a:ext>
+              </a:extLst>
+            </p:cNvPr>
+            <p:cNvSpPr txBox="1"/>
+            <p:nvPr/>
+          </p:nvSpPr>
+          <p:spPr>
+            <a:xfrm>
+              <a:off x="8674892" y="2941811"/>
+              <a:ext cx="1015316" cy="606994"/>
+            </a:xfrm>
+            <a:prstGeom prst="rect">
+              <a:avLst/>
+            </a:prstGeom>
+            <a:noFill/>
+          </p:spPr>
+          <p:txBody>
+            <a:bodyPr wrap="none" rtlCol="0">
+              <a:spAutoFit/>
+            </a:bodyPr>
+            <a:lstStyle/>
+            <a:p>
+              <a:r>
+                <a:rPr lang="it-IT" sz="1400" dirty="0" err="1"/>
+                <a:t>stepDone</a:t>
+              </a:r>
+              <a:endParaRPr lang="it-IT" sz="1400" dirty="0"/>
+            </a:p>
+            <a:p>
+              <a:r>
+                <a:rPr lang="it-IT" sz="1400" dirty="0" err="1"/>
+                <a:t>stepFail</a:t>
+              </a:r>
+              <a:endParaRPr lang="en-GB" sz="1400" dirty="0"/>
+            </a:p>
+          </p:txBody>
+        </p:sp>
+        <p:sp>
+          <p:nvSpPr>
+            <p:cNvPr id="55" name="CasellaDiTesto 67">
+              <a:extLst>
+                <a:ext uri="{FF2B5EF4-FFF2-40B4-BE49-F238E27FC236}">
+                  <a16:creationId xmlns:a16="http://schemas.microsoft.com/office/drawing/2014/main" id="{0604F9C8-E38D-464E-A7A8-B32772DFE484}"/>
+                </a:ext>
+              </a:extLst>
+            </p:cNvPr>
+            <p:cNvSpPr txBox="1"/>
+            <p:nvPr/>
+          </p:nvSpPr>
+          <p:spPr>
+            <a:xfrm>
+              <a:off x="8896404" y="1658036"/>
+              <a:ext cx="569779" cy="357056"/>
+            </a:xfrm>
+            <a:prstGeom prst="rect">
+              <a:avLst/>
+            </a:prstGeom>
+            <a:noFill/>
+          </p:spPr>
+          <p:txBody>
+            <a:bodyPr wrap="none" rtlCol="0">
+              <a:spAutoFit/>
+            </a:bodyPr>
+            <a:lstStyle/>
+            <a:p>
+              <a:r>
+                <a:rPr lang="it-IT" sz="1400" dirty="0" err="1"/>
+                <a:t>cmd</a:t>
+              </a:r>
+              <a:endParaRPr lang="en-GB" sz="2000" dirty="0"/>
+            </a:p>
+          </p:txBody>
+        </p:sp>
+        <p:sp>
+          <p:nvSpPr>
+            <p:cNvPr id="57" name="CasellaDiTesto 67">
+              <a:extLst>
+                <a:ext uri="{FF2B5EF4-FFF2-40B4-BE49-F238E27FC236}">
+                  <a16:creationId xmlns:a16="http://schemas.microsoft.com/office/drawing/2014/main" id="{57E3D22E-7DA6-4A47-88E4-FECBFB74F0AA}"/>
+                </a:ext>
+              </a:extLst>
+            </p:cNvPr>
+            <p:cNvSpPr txBox="1"/>
+            <p:nvPr/>
+          </p:nvSpPr>
+          <p:spPr>
+            <a:xfrm>
+              <a:off x="5071949" y="1854276"/>
+              <a:ext cx="1529918" cy="357056"/>
+            </a:xfrm>
+            <a:prstGeom prst="rect">
+              <a:avLst/>
+            </a:prstGeom>
+            <a:noFill/>
+          </p:spPr>
+          <p:txBody>
+            <a:bodyPr wrap="none" rtlCol="0">
+              <a:spAutoFit/>
+            </a:bodyPr>
+            <a:lstStyle/>
+            <a:p>
+              <a:r>
+                <a:rPr lang="it-IT" sz="1400" dirty="0" err="1"/>
+                <a:t>movetoCell</a:t>
+              </a:r>
+              <a:r>
+                <a:rPr lang="it-IT" sz="1400" dirty="0"/>
+                <a:t>(X,Y)</a:t>
+              </a:r>
+              <a:endParaRPr lang="en-GB" dirty="0"/>
+            </a:p>
+          </p:txBody>
+        </p:sp>
+        <p:grpSp>
+          <p:nvGrpSpPr>
+            <p:cNvPr id="58" name="Gruppo 56">
+              <a:extLst>
+                <a:ext uri="{FF2B5EF4-FFF2-40B4-BE49-F238E27FC236}">
+                  <a16:creationId xmlns:a16="http://schemas.microsoft.com/office/drawing/2014/main" id="{2115073D-F661-4B4B-A5E1-281694498F31}"/>
+                </a:ext>
+              </a:extLst>
+            </p:cNvPr>
+            <p:cNvGrpSpPr/>
+            <p:nvPr/>
+          </p:nvGrpSpPr>
+          <p:grpSpPr>
+            <a:xfrm>
+              <a:off x="5156967" y="2259328"/>
+              <a:ext cx="1246006" cy="186933"/>
+              <a:chOff x="4586473" y="4245346"/>
+              <a:chExt cx="667405" cy="86434"/>
+            </a:xfrm>
+          </p:grpSpPr>
+          <p:sp>
+            <p:nvSpPr>
+              <p:cNvPr id="59" name="Freccia a destra 58">
+                <a:extLst>
+                  <a:ext uri="{FF2B5EF4-FFF2-40B4-BE49-F238E27FC236}">
+                    <a16:creationId xmlns:a16="http://schemas.microsoft.com/office/drawing/2014/main" id="{8F66DA4B-B00A-46C9-B043-7AA6B4ED9C93}"/>
+                  </a:ext>
+                </a:extLst>
+              </p:cNvPr>
+              <p:cNvSpPr/>
+              <p:nvPr/>
+            </p:nvSpPr>
+            <p:spPr>
+              <a:xfrm>
+                <a:off x="4586473" y="4251518"/>
+                <a:ext cx="577147" cy="80262"/>
+              </a:xfrm>
+              <a:prstGeom prst="rightArrow">
+                <a:avLst/>
+              </a:prstGeom>
+            </p:spPr>
+            <p:style>
+              <a:lnRef idx="1">
+                <a:schemeClr val="accent1"/>
+              </a:lnRef>
+              <a:fillRef idx="2">
+                <a:schemeClr val="accent1"/>
+              </a:fillRef>
+              <a:effectRef idx="1">
+                <a:schemeClr val="accent1"/>
+              </a:effectRef>
+              <a:fontRef idx="minor">
+                <a:schemeClr val="dk1"/>
+              </a:fontRef>
+            </p:style>
+            <p:txBody>
+              <a:bodyPr rtlCol="0" anchor="ctr"/>
+              <a:lstStyle/>
+              <a:p>
+                <a:pPr algn="ctr"/>
+                <a:endParaRPr lang="en-GB"/>
+              </a:p>
+            </p:txBody>
+          </p:sp>
+          <p:sp>
+            <p:nvSpPr>
+              <p:cNvPr id="60" name="Triangolo isoscele 76">
+                <a:extLst>
+                  <a:ext uri="{FF2B5EF4-FFF2-40B4-BE49-F238E27FC236}">
+                    <a16:creationId xmlns:a16="http://schemas.microsoft.com/office/drawing/2014/main" id="{F5B2140E-C135-43E9-BAB5-149DBF62FB02}"/>
+                  </a:ext>
+                </a:extLst>
+              </p:cNvPr>
+              <p:cNvSpPr/>
+              <p:nvPr/>
+            </p:nvSpPr>
+            <p:spPr>
+              <a:xfrm rot="5400000" flipH="1">
+                <a:off x="5141030" y="4218931"/>
+                <a:ext cx="86434" cy="139263"/>
+              </a:xfrm>
+              <a:prstGeom prst="triangle">
+                <a:avLst/>
+              </a:prstGeom>
+              <a:solidFill>
+                <a:schemeClr val="bg1"/>
+              </a:solidFill>
+              <a:ln/>
+            </p:spPr>
+            <p:style>
+              <a:lnRef idx="1">
+                <a:schemeClr val="accent5"/>
+              </a:lnRef>
+              <a:fillRef idx="2">
+                <a:schemeClr val="accent5"/>
+              </a:fillRef>
+              <a:effectRef idx="1">
+                <a:schemeClr val="accent5"/>
+              </a:effectRef>
+              <a:fontRef idx="minor">
+                <a:schemeClr val="dk1"/>
+              </a:fontRef>
+            </p:style>
+            <p:txBody>
+              <a:bodyPr rtlCol="0" anchor="ctr"/>
+              <a:lstStyle/>
+              <a:p>
+                <a:pPr algn="ctr"/>
+                <a:endParaRPr lang="en-GB" sz="1200">
+                  <a:solidFill>
+                    <a:schemeClr val="dk1"/>
+                  </a:solidFill>
+                </a:endParaRPr>
+              </a:p>
+            </p:txBody>
+          </p:sp>
+        </p:grpSp>
+        <p:grpSp>
+          <p:nvGrpSpPr>
+            <p:cNvPr id="61" name="Gruppo 87">
+              <a:extLst>
+                <a:ext uri="{FF2B5EF4-FFF2-40B4-BE49-F238E27FC236}">
+                  <a16:creationId xmlns:a16="http://schemas.microsoft.com/office/drawing/2014/main" id="{ECB84A5C-CC08-474A-81E1-F67CBBEDF7A9}"/>
+                </a:ext>
+              </a:extLst>
+            </p:cNvPr>
+            <p:cNvGrpSpPr/>
+            <p:nvPr/>
+          </p:nvGrpSpPr>
+          <p:grpSpPr>
+            <a:xfrm>
+              <a:off x="5083632" y="2702863"/>
+              <a:ext cx="1275955" cy="195464"/>
+              <a:chOff x="4592177" y="4419530"/>
+              <a:chExt cx="666895" cy="86434"/>
+            </a:xfrm>
+          </p:grpSpPr>
+          <p:cxnSp>
+            <p:nvCxnSpPr>
+              <p:cNvPr id="62" name="Connettore 1 89">
+                <a:extLst>
+                  <a:ext uri="{FF2B5EF4-FFF2-40B4-BE49-F238E27FC236}">
+                    <a16:creationId xmlns:a16="http://schemas.microsoft.com/office/drawing/2014/main" id="{F48CAAD3-75C5-4BB7-B257-96CFB43EF792}"/>
+                  </a:ext>
+                </a:extLst>
+              </p:cNvPr>
+              <p:cNvCxnSpPr/>
+              <p:nvPr/>
+            </p:nvCxnSpPr>
+            <p:spPr>
+              <a:xfrm>
+                <a:off x="4611000" y="4462747"/>
+                <a:ext cx="648072" cy="0"/>
+              </a:xfrm>
+              <a:prstGeom prst="line">
+                <a:avLst/>
+              </a:prstGeom>
+              <a:ln>
+                <a:prstDash val="dash"/>
+              </a:ln>
+            </p:spPr>
+            <p:style>
+              <a:lnRef idx="1">
+                <a:schemeClr val="accent1"/>
+              </a:lnRef>
+              <a:fillRef idx="0">
+                <a:schemeClr val="accent1"/>
+              </a:fillRef>
+              <a:effectRef idx="0">
+                <a:schemeClr val="accent1"/>
+              </a:effectRef>
+              <a:fontRef idx="minor">
+                <a:schemeClr val="tx1"/>
+              </a:fontRef>
+            </p:style>
+          </p:cxnSp>
+          <p:sp>
+            <p:nvSpPr>
+              <p:cNvPr id="63" name="Triangolo isoscele 90">
+                <a:extLst>
+                  <a:ext uri="{FF2B5EF4-FFF2-40B4-BE49-F238E27FC236}">
+                    <a16:creationId xmlns:a16="http://schemas.microsoft.com/office/drawing/2014/main" id="{AF488512-D72F-4838-B42F-BA5F8A22CAC8}"/>
+                  </a:ext>
+                </a:extLst>
+              </p:cNvPr>
+              <p:cNvSpPr/>
+              <p:nvPr/>
+            </p:nvSpPr>
+            <p:spPr>
+              <a:xfrm rot="16200000">
+                <a:off x="4618592" y="4393115"/>
+                <a:ext cx="86434" cy="139263"/>
+              </a:xfrm>
+              <a:prstGeom prst="triangle">
+                <a:avLst/>
+              </a:prstGeom>
+              <a:solidFill>
+                <a:schemeClr val="bg1"/>
+              </a:solidFill>
+              <a:ln/>
+            </p:spPr>
+            <p:style>
+              <a:lnRef idx="1">
+                <a:schemeClr val="accent5"/>
+              </a:lnRef>
+              <a:fillRef idx="2">
+                <a:schemeClr val="accent5"/>
+              </a:fillRef>
+              <a:effectRef idx="1">
+                <a:schemeClr val="accent5"/>
+              </a:effectRef>
+              <a:fontRef idx="minor">
+                <a:schemeClr val="dk1"/>
+              </a:fontRef>
+            </p:style>
+            <p:txBody>
+              <a:bodyPr rtlCol="0" anchor="ctr"/>
+              <a:lstStyle/>
+              <a:p>
+                <a:pPr algn="ctr"/>
+                <a:endParaRPr lang="en-GB" sz="1200"/>
+              </a:p>
+            </p:txBody>
+          </p:sp>
+        </p:grpSp>
+        <p:sp>
+          <p:nvSpPr>
+            <p:cNvPr id="64" name="CasellaDiTesto 67">
+              <a:extLst>
+                <a:ext uri="{FF2B5EF4-FFF2-40B4-BE49-F238E27FC236}">
+                  <a16:creationId xmlns:a16="http://schemas.microsoft.com/office/drawing/2014/main" id="{F1BDD3D1-E510-4488-A2B4-553ED3257DFA}"/>
+                </a:ext>
+              </a:extLst>
+            </p:cNvPr>
+            <p:cNvSpPr txBox="1"/>
+            <p:nvPr/>
+          </p:nvSpPr>
+          <p:spPr>
+            <a:xfrm>
+              <a:off x="5285096" y="2890020"/>
+              <a:ext cx="1073579" cy="606994"/>
+            </a:xfrm>
+            <a:prstGeom prst="rect">
+              <a:avLst/>
+            </a:prstGeom>
+            <a:noFill/>
+          </p:spPr>
+          <p:txBody>
+            <a:bodyPr wrap="none" rtlCol="0">
+              <a:spAutoFit/>
+            </a:bodyPr>
+            <a:lstStyle/>
+            <a:p>
+              <a:r>
+                <a:rPr lang="it-IT" sz="1400" dirty="0" err="1"/>
+                <a:t>atCell</a:t>
+              </a:r>
+              <a:r>
+                <a:rPr lang="it-IT" sz="1400" dirty="0"/>
+                <a:t>(X,Y)</a:t>
+              </a:r>
+            </a:p>
+            <a:p>
+              <a:r>
+                <a:rPr lang="it-IT" sz="1400" dirty="0" err="1"/>
+                <a:t>walkBreak</a:t>
+              </a:r>
+              <a:endParaRPr lang="en-GB" sz="1400" dirty="0"/>
+            </a:p>
+          </p:txBody>
+        </p:sp>
+        <p:grpSp>
+          <p:nvGrpSpPr>
+            <p:cNvPr id="56" name="Gruppo 55">
+              <a:extLst>
+                <a:ext uri="{FF2B5EF4-FFF2-40B4-BE49-F238E27FC236}">
+                  <a16:creationId xmlns:a16="http://schemas.microsoft.com/office/drawing/2014/main" id="{08FCCC36-C1E2-4F07-BEDD-FE6E528D49C1}"/>
+                </a:ext>
+              </a:extLst>
+            </p:cNvPr>
+            <p:cNvGrpSpPr/>
+            <p:nvPr/>
+          </p:nvGrpSpPr>
+          <p:grpSpPr>
+            <a:xfrm>
+              <a:off x="3148039" y="1979821"/>
+              <a:ext cx="1696867" cy="1234655"/>
+              <a:chOff x="2460219" y="2004003"/>
+              <a:chExt cx="1696867" cy="1234655"/>
+            </a:xfrm>
+          </p:grpSpPr>
+          <p:sp>
+            <p:nvSpPr>
+              <p:cNvPr id="66" name="Triangolo isoscele 65">
+                <a:extLst>
+                  <a:ext uri="{FF2B5EF4-FFF2-40B4-BE49-F238E27FC236}">
+                    <a16:creationId xmlns:a16="http://schemas.microsoft.com/office/drawing/2014/main" id="{18C585BC-9D72-49D9-AA05-A2A6502FB1F2}"/>
+                  </a:ext>
+                </a:extLst>
+              </p:cNvPr>
+              <p:cNvSpPr/>
+              <p:nvPr/>
+            </p:nvSpPr>
+            <p:spPr>
+              <a:xfrm rot="5400000">
+                <a:off x="3220535" y="2242777"/>
+                <a:ext cx="998084" cy="875019"/>
+              </a:xfrm>
+              <a:prstGeom prst="triangle">
+                <a:avLst/>
+              </a:prstGeom>
+              <a:solidFill>
+                <a:srgbClr val="CCFF66"/>
+              </a:solidFill>
+              <a:ln/>
+            </p:spPr>
+            <p:style>
+              <a:lnRef idx="1">
+                <a:schemeClr val="accent5"/>
+              </a:lnRef>
+              <a:fillRef idx="2">
+                <a:schemeClr val="accent5"/>
+              </a:fillRef>
+              <a:effectRef idx="1">
+                <a:schemeClr val="accent5"/>
+              </a:effectRef>
+              <a:fontRef idx="minor">
+                <a:schemeClr val="dk1"/>
+              </a:fontRef>
+            </p:style>
+            <p:txBody>
+              <a:bodyPr rtlCol="0" anchor="ctr"/>
+              <a:lstStyle/>
+              <a:p>
+                <a:pPr algn="ctr"/>
+                <a:endParaRPr lang="en-GB" sz="1200">
+                  <a:solidFill>
+                    <a:schemeClr val="dk1"/>
+                  </a:solidFill>
+                </a:endParaRPr>
+              </a:p>
+            </p:txBody>
+          </p:sp>
+          <p:grpSp>
+            <p:nvGrpSpPr>
+              <p:cNvPr id="67" name="Gruppo 82">
+                <a:extLst>
+                  <a:ext uri="{FF2B5EF4-FFF2-40B4-BE49-F238E27FC236}">
+                    <a16:creationId xmlns:a16="http://schemas.microsoft.com/office/drawing/2014/main" id="{E0003C95-2426-41AF-AD9D-1569BD95E365}"/>
+                  </a:ext>
+                </a:extLst>
+              </p:cNvPr>
+              <p:cNvGrpSpPr/>
+              <p:nvPr/>
+            </p:nvGrpSpPr>
+            <p:grpSpPr>
+              <a:xfrm>
+                <a:off x="2460219" y="2004003"/>
+                <a:ext cx="1409184" cy="1234655"/>
+                <a:chOff x="1194666" y="2417771"/>
+                <a:chExt cx="866156" cy="763297"/>
+              </a:xfrm>
+            </p:grpSpPr>
+            <p:sp>
+              <p:nvSpPr>
+                <p:cNvPr id="70" name="Ovale 38">
+                  <a:extLst>
+                    <a:ext uri="{FF2B5EF4-FFF2-40B4-BE49-F238E27FC236}">
+                      <a16:creationId xmlns:a16="http://schemas.microsoft.com/office/drawing/2014/main" id="{6F4EFC25-28DC-40B8-BBAA-D7E7AD6C27F8}"/>
+                    </a:ext>
+                  </a:extLst>
+                </p:cNvPr>
+                <p:cNvSpPr/>
+                <p:nvPr/>
+              </p:nvSpPr>
+              <p:spPr>
+                <a:xfrm>
+                  <a:off x="1311101" y="2460988"/>
+                  <a:ext cx="749721" cy="720080"/>
+                </a:xfrm>
+                <a:prstGeom prst="ellipse">
+                  <a:avLst/>
+                </a:prstGeom>
+                <a:solidFill>
+                  <a:srgbClr val="FFCCFF"/>
+                </a:solidFill>
+                <a:ln/>
+              </p:spPr>
+              <p:style>
+                <a:lnRef idx="1">
+                  <a:schemeClr val="accent5"/>
+                </a:lnRef>
+                <a:fillRef idx="2">
+                  <a:schemeClr val="accent5"/>
+                </a:fillRef>
+                <a:effectRef idx="1">
+                  <a:schemeClr val="accent5"/>
+                </a:effectRef>
+                <a:fontRef idx="minor">
+                  <a:schemeClr val="dk1"/>
+                </a:fontRef>
+              </p:style>
+              <p:txBody>
+                <a:bodyPr rtlCol="0" anchor="ctr"/>
+                <a:lstStyle/>
+                <a:p>
+                  <a:pPr algn="ctr"/>
+                  <a:r>
+                    <a:rPr lang="en-GB" sz="1200" dirty="0"/>
+                    <a:t> </a:t>
+                  </a:r>
+                </a:p>
+              </p:txBody>
+            </p:sp>
+            <p:sp>
+              <p:nvSpPr>
+                <p:cNvPr id="71" name="Rettangolo 39">
+                  <a:extLst>
+                    <a:ext uri="{FF2B5EF4-FFF2-40B4-BE49-F238E27FC236}">
+                      <a16:creationId xmlns:a16="http://schemas.microsoft.com/office/drawing/2014/main" id="{6F01CC38-704F-43F9-9844-EFC274130250}"/>
+                    </a:ext>
+                  </a:extLst>
+                </p:cNvPr>
+                <p:cNvSpPr/>
+                <p:nvPr/>
+              </p:nvSpPr>
+              <p:spPr>
+                <a:xfrm>
+                  <a:off x="1194666" y="2699711"/>
+                  <a:ext cx="281433" cy="211952"/>
+                </a:xfrm>
+                <a:prstGeom prst="rect">
+                  <a:avLst/>
+                </a:prstGeom>
+                <a:solidFill>
+                  <a:srgbClr val="FFCCFF"/>
+                </a:solidFill>
+                <a:ln/>
+              </p:spPr>
+              <p:style>
+                <a:lnRef idx="1">
+                  <a:schemeClr val="accent5"/>
+                </a:lnRef>
+                <a:fillRef idx="2">
+                  <a:schemeClr val="accent5"/>
+                </a:fillRef>
+                <a:effectRef idx="1">
+                  <a:schemeClr val="accent5"/>
+                </a:effectRef>
+                <a:fontRef idx="minor">
+                  <a:schemeClr val="dk1"/>
+                </a:fontRef>
+              </p:style>
+              <p:txBody>
+                <a:bodyPr rtlCol="0" anchor="ctr"/>
+                <a:lstStyle/>
+                <a:p>
+                  <a:pPr algn="ctr"/>
+                  <a:endParaRPr lang="en-GB" sz="1200"/>
+                </a:p>
+              </p:txBody>
+            </p:sp>
+            <p:sp>
+              <p:nvSpPr>
+                <p:cNvPr id="72" name="Triangolo isoscele 42">
+                  <a:extLst>
+                    <a:ext uri="{FF2B5EF4-FFF2-40B4-BE49-F238E27FC236}">
+                      <a16:creationId xmlns:a16="http://schemas.microsoft.com/office/drawing/2014/main" id="{74691BF3-B443-4845-B82C-989B098C7A0F}"/>
+                    </a:ext>
+                  </a:extLst>
+                </p:cNvPr>
+                <p:cNvSpPr/>
+                <p:nvPr/>
+              </p:nvSpPr>
+              <p:spPr>
+                <a:xfrm rot="16200000">
+                  <a:off x="1618539" y="2391356"/>
+                  <a:ext cx="86434" cy="139263"/>
+                </a:xfrm>
+                <a:prstGeom prst="triangle">
+                  <a:avLst/>
+                </a:prstGeom>
+                <a:solidFill>
+                  <a:srgbClr val="FF0000"/>
+                </a:solidFill>
+                <a:ln/>
+              </p:spPr>
+              <p:style>
+                <a:lnRef idx="1">
+                  <a:schemeClr val="accent5"/>
+                </a:lnRef>
+                <a:fillRef idx="2">
+                  <a:schemeClr val="accent5"/>
+                </a:fillRef>
+                <a:effectRef idx="1">
+                  <a:schemeClr val="accent5"/>
+                </a:effectRef>
+                <a:fontRef idx="minor">
+                  <a:schemeClr val="dk1"/>
+                </a:fontRef>
+              </p:style>
+              <p:txBody>
+                <a:bodyPr rtlCol="0" anchor="ctr"/>
+                <a:lstStyle/>
+                <a:p>
+                  <a:pPr algn="ctr"/>
+                  <a:endParaRPr lang="en-GB" sz="1200">
+                    <a:solidFill>
+                      <a:schemeClr val="dk1"/>
+                    </a:solidFill>
+                  </a:endParaRPr>
+                </a:p>
+              </p:txBody>
+            </p:sp>
+          </p:grpSp>
+          <p:sp>
+            <p:nvSpPr>
+              <p:cNvPr id="68" name="Rettangolo 67">
+                <a:extLst>
+                  <a:ext uri="{FF2B5EF4-FFF2-40B4-BE49-F238E27FC236}">
+                    <a16:creationId xmlns:a16="http://schemas.microsoft.com/office/drawing/2014/main" id="{8B74C966-A014-4EC8-8DD0-DB6D891EF2F2}"/>
+                  </a:ext>
+                </a:extLst>
+              </p:cNvPr>
+              <p:cNvSpPr/>
+              <p:nvPr/>
+            </p:nvSpPr>
+            <p:spPr>
+              <a:xfrm>
+                <a:off x="2635583" y="2458538"/>
+                <a:ext cx="1215141" cy="369332"/>
+              </a:xfrm>
+              <a:prstGeom prst="rect">
+                <a:avLst/>
+              </a:prstGeom>
+            </p:spPr>
+            <p:txBody>
+              <a:bodyPr wrap="none">
+                <a:spAutoFit/>
+              </a:bodyPr>
+              <a:lstStyle/>
+              <a:p>
+                <a:r>
+                  <a:rPr lang="en-GB" dirty="0" err="1"/>
+                  <a:t>waiterlogic</a:t>
+                </a:r>
+                <a:endParaRPr lang="en-GB" dirty="0"/>
+              </a:p>
+            </p:txBody>
+          </p:sp>
+        </p:grpSp>
+        <p:grpSp>
+          <p:nvGrpSpPr>
+            <p:cNvPr id="73" name="Gruppo 72">
+              <a:extLst>
+                <a:ext uri="{FF2B5EF4-FFF2-40B4-BE49-F238E27FC236}">
+                  <a16:creationId xmlns:a16="http://schemas.microsoft.com/office/drawing/2014/main" id="{21748BA0-D787-441F-A9E3-219B9685F26F}"/>
+                </a:ext>
+              </a:extLst>
+            </p:cNvPr>
+            <p:cNvGrpSpPr/>
+            <p:nvPr/>
+          </p:nvGrpSpPr>
+          <p:grpSpPr>
+            <a:xfrm>
+              <a:off x="3190402" y="4536529"/>
+              <a:ext cx="1696867" cy="1164750"/>
+              <a:chOff x="6349393" y="1966105"/>
+              <a:chExt cx="1696867" cy="1164750"/>
+            </a:xfrm>
+          </p:grpSpPr>
+          <p:sp>
+            <p:nvSpPr>
+              <p:cNvPr id="74" name="Triangolo isoscele 73">
+                <a:extLst>
+                  <a:ext uri="{FF2B5EF4-FFF2-40B4-BE49-F238E27FC236}">
+                    <a16:creationId xmlns:a16="http://schemas.microsoft.com/office/drawing/2014/main" id="{29B34CE7-13D0-489C-B532-5ACE7996F2F0}"/>
+                  </a:ext>
+                </a:extLst>
+              </p:cNvPr>
+              <p:cNvSpPr/>
+              <p:nvPr/>
+            </p:nvSpPr>
+            <p:spPr>
+              <a:xfrm rot="5400000">
+                <a:off x="7109709" y="2134974"/>
+                <a:ext cx="998084" cy="875019"/>
+              </a:xfrm>
+              <a:prstGeom prst="triangle">
+                <a:avLst/>
+              </a:prstGeom>
+              <a:solidFill>
+                <a:srgbClr val="CCFF66"/>
+              </a:solidFill>
+              <a:ln/>
+            </p:spPr>
+            <p:style>
+              <a:lnRef idx="1">
+                <a:schemeClr val="accent5"/>
+              </a:lnRef>
+              <a:fillRef idx="2">
+                <a:schemeClr val="accent5"/>
+              </a:fillRef>
+              <a:effectRef idx="1">
+                <a:schemeClr val="accent5"/>
+              </a:effectRef>
+              <a:fontRef idx="minor">
+                <a:schemeClr val="dk1"/>
+              </a:fontRef>
+            </p:style>
+            <p:txBody>
+              <a:bodyPr rtlCol="0" anchor="ctr"/>
+              <a:lstStyle/>
+              <a:p>
+                <a:pPr algn="ctr"/>
+                <a:endParaRPr lang="en-GB" sz="1200">
+                  <a:solidFill>
+                    <a:schemeClr val="dk1"/>
+                  </a:solidFill>
+                </a:endParaRPr>
+              </a:p>
+            </p:txBody>
+          </p:sp>
+          <p:sp>
+            <p:nvSpPr>
+              <p:cNvPr id="75" name="Ovale 38">
+                <a:extLst>
+                  <a:ext uri="{FF2B5EF4-FFF2-40B4-BE49-F238E27FC236}">
+                    <a16:creationId xmlns:a16="http://schemas.microsoft.com/office/drawing/2014/main" id="{DC93A049-566F-4656-B791-D2028C6183A8}"/>
+                  </a:ext>
+                </a:extLst>
+              </p:cNvPr>
+              <p:cNvSpPr/>
+              <p:nvPr/>
+            </p:nvSpPr>
+            <p:spPr>
+              <a:xfrm>
+                <a:off x="6538826" y="1966105"/>
+                <a:ext cx="1219751" cy="1164750"/>
+              </a:xfrm>
+              <a:prstGeom prst="ellipse">
+                <a:avLst/>
+              </a:prstGeom>
+              <a:solidFill>
+                <a:srgbClr val="FFCCFF"/>
+              </a:solidFill>
+              <a:ln/>
+            </p:spPr>
+            <p:style>
+              <a:lnRef idx="1">
+                <a:schemeClr val="accent5"/>
+              </a:lnRef>
+              <a:fillRef idx="2">
+                <a:schemeClr val="accent5"/>
+              </a:fillRef>
+              <a:effectRef idx="1">
+                <a:schemeClr val="accent5"/>
+              </a:effectRef>
+              <a:fontRef idx="minor">
+                <a:schemeClr val="dk1"/>
+              </a:fontRef>
+            </p:style>
+            <p:txBody>
+              <a:bodyPr rtlCol="0" anchor="ctr"/>
+              <a:lstStyle/>
+              <a:p>
+                <a:pPr algn="ctr"/>
+                <a:r>
+                  <a:rPr lang="en-GB" sz="1200" dirty="0"/>
+                  <a:t> </a:t>
+                </a:r>
+              </a:p>
+            </p:txBody>
+          </p:sp>
+          <p:sp>
+            <p:nvSpPr>
+              <p:cNvPr id="76" name="Rettangolo 39">
+                <a:extLst>
+                  <a:ext uri="{FF2B5EF4-FFF2-40B4-BE49-F238E27FC236}">
+                    <a16:creationId xmlns:a16="http://schemas.microsoft.com/office/drawing/2014/main" id="{DEBF7A12-B298-465A-8B3E-A2D4880553D8}"/>
+                  </a:ext>
+                </a:extLst>
+              </p:cNvPr>
+              <p:cNvSpPr/>
+              <p:nvPr/>
+            </p:nvSpPr>
+            <p:spPr>
+              <a:xfrm>
+                <a:off x="6349393" y="2352246"/>
+                <a:ext cx="457875" cy="342838"/>
+              </a:xfrm>
+              <a:prstGeom prst="rect">
+                <a:avLst/>
+              </a:prstGeom>
+              <a:solidFill>
+                <a:srgbClr val="FFCCFF"/>
+              </a:solidFill>
+              <a:ln/>
+            </p:spPr>
+            <p:style>
+              <a:lnRef idx="1">
+                <a:schemeClr val="accent5"/>
+              </a:lnRef>
+              <a:fillRef idx="2">
+                <a:schemeClr val="accent5"/>
+              </a:fillRef>
+              <a:effectRef idx="1">
+                <a:schemeClr val="accent5"/>
+              </a:effectRef>
+              <a:fontRef idx="minor">
+                <a:schemeClr val="dk1"/>
+              </a:fontRef>
+            </p:style>
+            <p:txBody>
+              <a:bodyPr rtlCol="0" anchor="ctr"/>
+              <a:lstStyle/>
+              <a:p>
+                <a:pPr algn="ctr"/>
+                <a:endParaRPr lang="en-GB" sz="1200"/>
+              </a:p>
+            </p:txBody>
+          </p:sp>
+          <p:sp>
+            <p:nvSpPr>
+              <p:cNvPr id="77" name="Rettangolo 76">
+                <a:extLst>
+                  <a:ext uri="{FF2B5EF4-FFF2-40B4-BE49-F238E27FC236}">
+                    <a16:creationId xmlns:a16="http://schemas.microsoft.com/office/drawing/2014/main" id="{BD2C7552-E6BC-4B47-BCB9-A8A8F654E835}"/>
+                  </a:ext>
+                </a:extLst>
+              </p:cNvPr>
+              <p:cNvSpPr/>
+              <p:nvPr/>
+            </p:nvSpPr>
+            <p:spPr>
+              <a:xfrm>
+                <a:off x="6755579" y="2350735"/>
+                <a:ext cx="914033" cy="369332"/>
+              </a:xfrm>
+              <a:prstGeom prst="rect">
+                <a:avLst/>
+              </a:prstGeom>
+            </p:spPr>
+            <p:txBody>
+              <a:bodyPr wrap="none">
+                <a:spAutoFit/>
+              </a:bodyPr>
+              <a:lstStyle/>
+              <a:p>
+                <a:pPr algn="ctr"/>
+                <a:r>
+                  <a:rPr lang="en-GB" dirty="0"/>
+                  <a:t>barman</a:t>
+                </a:r>
+              </a:p>
+            </p:txBody>
+          </p:sp>
+        </p:grpSp>
+        <p:cxnSp>
+          <p:nvCxnSpPr>
+            <p:cNvPr id="78" name="Connettore 2 92">
+              <a:extLst>
+                <a:ext uri="{FF2B5EF4-FFF2-40B4-BE49-F238E27FC236}">
+                  <a16:creationId xmlns:a16="http://schemas.microsoft.com/office/drawing/2014/main" id="{4EDA6F7A-254C-45F8-B841-C06E105A1B3D}"/>
+                </a:ext>
+              </a:extLst>
+            </p:cNvPr>
+            <p:cNvCxnSpPr>
+              <a:cxnSpLocks/>
+            </p:cNvCxnSpPr>
+            <p:nvPr/>
+          </p:nvCxnSpPr>
+          <p:spPr>
+            <a:xfrm>
+              <a:off x="3318203" y="3192607"/>
+              <a:ext cx="0" cy="1343922"/>
+            </a:xfrm>
+            <a:prstGeom prst="straightConnector1">
+              <a:avLst/>
+            </a:prstGeom>
+            <a:ln>
+              <a:prstDash val="lgDash"/>
+              <a:tailEnd type="arrow"/>
+            </a:ln>
+          </p:spPr>
+          <p:style>
+            <a:lnRef idx="1">
+              <a:schemeClr val="accent1"/>
+            </a:lnRef>
+            <a:fillRef idx="0">
+              <a:schemeClr val="accent1"/>
+            </a:fillRef>
+            <a:effectRef idx="0">
+              <a:schemeClr val="accent1"/>
+            </a:effectRef>
+            <a:fontRef idx="minor">
+              <a:schemeClr val="tx1"/>
+            </a:fontRef>
+          </p:style>
+        </p:cxnSp>
+        <p:cxnSp>
+          <p:nvCxnSpPr>
+            <p:cNvPr id="79" name="Connettore 2 92">
+              <a:extLst>
+                <a:ext uri="{FF2B5EF4-FFF2-40B4-BE49-F238E27FC236}">
+                  <a16:creationId xmlns:a16="http://schemas.microsoft.com/office/drawing/2014/main" id="{8624D2CD-40A5-47CF-8388-63CDDD73EA2B}"/>
+                </a:ext>
+              </a:extLst>
+            </p:cNvPr>
+            <p:cNvCxnSpPr>
+              <a:cxnSpLocks/>
+            </p:cNvCxnSpPr>
+            <p:nvPr/>
+          </p:nvCxnSpPr>
+          <p:spPr>
+            <a:xfrm flipV="1">
+              <a:off x="4449759" y="3272663"/>
+              <a:ext cx="0" cy="1195122"/>
+            </a:xfrm>
+            <a:prstGeom prst="straightConnector1">
+              <a:avLst/>
+            </a:prstGeom>
+            <a:ln>
+              <a:prstDash val="lgDash"/>
+              <a:tailEnd type="arrow"/>
+            </a:ln>
+          </p:spPr>
+          <p:style>
+            <a:lnRef idx="1">
+              <a:schemeClr val="accent1"/>
+            </a:lnRef>
+            <a:fillRef idx="0">
+              <a:schemeClr val="accent1"/>
+            </a:fillRef>
+            <a:effectRef idx="0">
+              <a:schemeClr val="accent1"/>
+            </a:effectRef>
+            <a:fontRef idx="minor">
+              <a:schemeClr val="tx1"/>
+            </a:fontRef>
+          </p:style>
+        </p:cxnSp>
+        <p:sp>
+          <p:nvSpPr>
+            <p:cNvPr id="80" name="CasellaDiTesto 79">
+              <a:extLst>
+                <a:ext uri="{FF2B5EF4-FFF2-40B4-BE49-F238E27FC236}">
+                  <a16:creationId xmlns:a16="http://schemas.microsoft.com/office/drawing/2014/main" id="{2B26B760-F82A-4B49-BC34-9A7ADAAA6FB9}"/>
+                </a:ext>
+              </a:extLst>
+            </p:cNvPr>
+            <p:cNvSpPr txBox="1"/>
+            <p:nvPr/>
+          </p:nvSpPr>
+          <p:spPr>
+            <a:xfrm>
+              <a:off x="1673866" y="3774710"/>
+              <a:ext cx="1555333" cy="357056"/>
+            </a:xfrm>
+            <a:prstGeom prst="rect">
+              <a:avLst/>
+            </a:prstGeom>
+            <a:noFill/>
+          </p:spPr>
+          <p:txBody>
+            <a:bodyPr wrap="square" rtlCol="0">
+              <a:spAutoFit/>
+            </a:bodyPr>
+            <a:lstStyle/>
+            <a:p>
+              <a:r>
+                <a:rPr lang="it-IT" sz="1400" dirty="0" err="1"/>
+                <a:t>order</a:t>
+              </a:r>
+              <a:r>
+                <a:rPr lang="it-IT" sz="1400" dirty="0"/>
+                <a:t>(CID, TEA)</a:t>
+              </a:r>
+            </a:p>
+          </p:txBody>
+        </p:sp>
+        <p:sp>
+          <p:nvSpPr>
+            <p:cNvPr id="81" name="CasellaDiTesto 80">
+              <a:extLst>
+                <a:ext uri="{FF2B5EF4-FFF2-40B4-BE49-F238E27FC236}">
+                  <a16:creationId xmlns:a16="http://schemas.microsoft.com/office/drawing/2014/main" id="{C1C4CD57-2751-4FDA-B6AF-50A6320CD307}"/>
+                </a:ext>
+              </a:extLst>
+            </p:cNvPr>
+            <p:cNvSpPr txBox="1"/>
+            <p:nvPr/>
+          </p:nvSpPr>
+          <p:spPr>
+            <a:xfrm>
+              <a:off x="4581880" y="3981537"/>
+              <a:ext cx="2051408" cy="364461"/>
+            </a:xfrm>
+            <a:prstGeom prst="rect">
+              <a:avLst/>
+            </a:prstGeom>
+            <a:noFill/>
+          </p:spPr>
+          <p:txBody>
+            <a:bodyPr wrap="square" rtlCol="0">
+              <a:spAutoFit/>
+            </a:bodyPr>
+            <a:lstStyle/>
+            <a:p>
+              <a:r>
+                <a:rPr lang="it-IT" sz="1400" dirty="0" err="1"/>
+                <a:t>orderReady</a:t>
+              </a:r>
+              <a:r>
+                <a:rPr lang="it-IT" sz="1400" dirty="0"/>
+                <a:t>(CID, TEA)</a:t>
+              </a:r>
+            </a:p>
+          </p:txBody>
+        </p:sp>
+        <p:grpSp>
+          <p:nvGrpSpPr>
+            <p:cNvPr id="82" name="Gruppo 81">
+              <a:extLst>
+                <a:ext uri="{FF2B5EF4-FFF2-40B4-BE49-F238E27FC236}">
+                  <a16:creationId xmlns:a16="http://schemas.microsoft.com/office/drawing/2014/main" id="{A3A759A8-2595-47AF-933C-7BB59D223D4A}"/>
+                </a:ext>
+              </a:extLst>
+            </p:cNvPr>
+            <p:cNvGrpSpPr/>
+            <p:nvPr/>
+          </p:nvGrpSpPr>
+          <p:grpSpPr>
+            <a:xfrm>
+              <a:off x="113085" y="2027857"/>
+              <a:ext cx="1696867" cy="1164750"/>
+              <a:chOff x="2680234" y="3945052"/>
+              <a:chExt cx="1696867" cy="1164750"/>
+            </a:xfrm>
+          </p:grpSpPr>
+          <p:sp>
+            <p:nvSpPr>
+              <p:cNvPr id="83" name="Triangolo isoscele 82">
+                <a:extLst>
+                  <a:ext uri="{FF2B5EF4-FFF2-40B4-BE49-F238E27FC236}">
+                    <a16:creationId xmlns:a16="http://schemas.microsoft.com/office/drawing/2014/main" id="{783A867A-8040-4874-BD23-E9BB230585C8}"/>
+                  </a:ext>
+                </a:extLst>
+              </p:cNvPr>
+              <p:cNvSpPr/>
+              <p:nvPr/>
+            </p:nvSpPr>
+            <p:spPr>
+              <a:xfrm rot="5400000">
+                <a:off x="3440550" y="4113921"/>
+                <a:ext cx="998084" cy="875019"/>
+              </a:xfrm>
+              <a:prstGeom prst="triangle">
+                <a:avLst/>
+              </a:prstGeom>
+              <a:solidFill>
+                <a:srgbClr val="CCFF66"/>
+              </a:solidFill>
+              <a:ln/>
+            </p:spPr>
+            <p:style>
+              <a:lnRef idx="1">
+                <a:schemeClr val="accent5"/>
+              </a:lnRef>
+              <a:fillRef idx="2">
+                <a:schemeClr val="accent5"/>
+              </a:fillRef>
+              <a:effectRef idx="1">
+                <a:schemeClr val="accent5"/>
+              </a:effectRef>
+              <a:fontRef idx="minor">
+                <a:schemeClr val="dk1"/>
+              </a:fontRef>
+            </p:style>
+            <p:txBody>
+              <a:bodyPr rtlCol="0" anchor="ctr"/>
+              <a:lstStyle/>
+              <a:p>
+                <a:pPr algn="ctr"/>
+                <a:endParaRPr lang="en-GB" sz="1200">
+                  <a:solidFill>
+                    <a:schemeClr val="dk1"/>
+                  </a:solidFill>
+                </a:endParaRPr>
+              </a:p>
+            </p:txBody>
+          </p:sp>
+          <p:sp>
+            <p:nvSpPr>
+              <p:cNvPr id="84" name="Ovale 83">
+                <a:extLst>
+                  <a:ext uri="{FF2B5EF4-FFF2-40B4-BE49-F238E27FC236}">
+                    <a16:creationId xmlns:a16="http://schemas.microsoft.com/office/drawing/2014/main" id="{4C76E5BA-F4FE-4150-9110-96149E41843B}"/>
+                  </a:ext>
+                </a:extLst>
+              </p:cNvPr>
+              <p:cNvSpPr/>
+              <p:nvPr/>
+            </p:nvSpPr>
+            <p:spPr>
+              <a:xfrm>
+                <a:off x="2869667" y="3945052"/>
+                <a:ext cx="1219751" cy="1164750"/>
+              </a:xfrm>
+              <a:prstGeom prst="ellipse">
+                <a:avLst/>
+              </a:prstGeom>
+              <a:solidFill>
+                <a:srgbClr val="FFCCFF"/>
+              </a:solidFill>
+              <a:ln/>
+            </p:spPr>
+            <p:style>
+              <a:lnRef idx="1">
+                <a:schemeClr val="accent5"/>
+              </a:lnRef>
+              <a:fillRef idx="2">
+                <a:schemeClr val="accent5"/>
+              </a:fillRef>
+              <a:effectRef idx="1">
+                <a:schemeClr val="accent5"/>
+              </a:effectRef>
+              <a:fontRef idx="minor">
+                <a:schemeClr val="dk1"/>
+              </a:fontRef>
+            </p:style>
+            <p:txBody>
+              <a:bodyPr rtlCol="0" anchor="ctr"/>
+              <a:lstStyle/>
+              <a:p>
+                <a:pPr algn="ctr"/>
+                <a:r>
+                  <a:rPr lang="en-GB" sz="1200" dirty="0"/>
+                  <a:t> </a:t>
+                </a:r>
+              </a:p>
+            </p:txBody>
+          </p:sp>
+          <p:sp>
+            <p:nvSpPr>
+              <p:cNvPr id="85" name="Rettangolo 84">
+                <a:extLst>
+                  <a:ext uri="{FF2B5EF4-FFF2-40B4-BE49-F238E27FC236}">
+                    <a16:creationId xmlns:a16="http://schemas.microsoft.com/office/drawing/2014/main" id="{8AB8975A-076B-4965-B9B8-AFB0D1523FA7}"/>
+                  </a:ext>
+                </a:extLst>
+              </p:cNvPr>
+              <p:cNvSpPr/>
+              <p:nvPr/>
+            </p:nvSpPr>
+            <p:spPr>
+              <a:xfrm>
+                <a:off x="2680234" y="4331193"/>
+                <a:ext cx="457875" cy="342838"/>
+              </a:xfrm>
+              <a:prstGeom prst="rect">
+                <a:avLst/>
+              </a:prstGeom>
+              <a:solidFill>
+                <a:srgbClr val="FFCCFF"/>
+              </a:solidFill>
+              <a:ln/>
+            </p:spPr>
+            <p:style>
+              <a:lnRef idx="1">
+                <a:schemeClr val="accent5"/>
+              </a:lnRef>
+              <a:fillRef idx="2">
+                <a:schemeClr val="accent5"/>
+              </a:fillRef>
+              <a:effectRef idx="1">
+                <a:schemeClr val="accent5"/>
+              </a:effectRef>
+              <a:fontRef idx="minor">
+                <a:schemeClr val="dk1"/>
+              </a:fontRef>
+            </p:style>
+            <p:txBody>
+              <a:bodyPr rtlCol="0" anchor="ctr"/>
+              <a:lstStyle/>
+              <a:p>
+                <a:pPr algn="ctr"/>
+                <a:endParaRPr lang="en-GB" sz="1200"/>
+              </a:p>
+            </p:txBody>
+          </p:sp>
+          <p:sp>
+            <p:nvSpPr>
+              <p:cNvPr id="86" name="Rettangolo 85">
+                <a:extLst>
+                  <a:ext uri="{FF2B5EF4-FFF2-40B4-BE49-F238E27FC236}">
+                    <a16:creationId xmlns:a16="http://schemas.microsoft.com/office/drawing/2014/main" id="{48CEDC13-9A93-4D49-8F4D-10E19C4A7751}"/>
+                  </a:ext>
+                </a:extLst>
+              </p:cNvPr>
+              <p:cNvSpPr/>
+              <p:nvPr/>
+            </p:nvSpPr>
+            <p:spPr>
+              <a:xfrm>
+                <a:off x="2896801" y="4329682"/>
+                <a:ext cx="1069524" cy="369332"/>
+              </a:xfrm>
+              <a:prstGeom prst="rect">
+                <a:avLst/>
+              </a:prstGeom>
+            </p:spPr>
+            <p:txBody>
+              <a:bodyPr wrap="none">
+                <a:spAutoFit/>
+              </a:bodyPr>
+              <a:lstStyle/>
+              <a:p>
+                <a:r>
+                  <a:rPr lang="en-GB" dirty="0" err="1"/>
+                  <a:t>smartbell</a:t>
+                </a:r>
+                <a:endParaRPr lang="en-GB" dirty="0"/>
+              </a:p>
+            </p:txBody>
+          </p:sp>
+        </p:grpSp>
+        <p:grpSp>
+          <p:nvGrpSpPr>
+            <p:cNvPr id="87" name="Gruppo 56">
+              <a:extLst>
+                <a:ext uri="{FF2B5EF4-FFF2-40B4-BE49-F238E27FC236}">
+                  <a16:creationId xmlns:a16="http://schemas.microsoft.com/office/drawing/2014/main" id="{FD166AAE-ADDF-4C41-AD90-97121041EA35}"/>
+                </a:ext>
+              </a:extLst>
+            </p:cNvPr>
+            <p:cNvGrpSpPr/>
+            <p:nvPr/>
+          </p:nvGrpSpPr>
+          <p:grpSpPr>
+            <a:xfrm>
+              <a:off x="1638152" y="2294225"/>
+              <a:ext cx="1594842" cy="118262"/>
+              <a:chOff x="4586473" y="4245346"/>
+              <a:chExt cx="667405" cy="86434"/>
+            </a:xfrm>
+          </p:grpSpPr>
+          <p:sp>
+            <p:nvSpPr>
+              <p:cNvPr id="88" name="Freccia a destra 58">
+                <a:extLst>
+                  <a:ext uri="{FF2B5EF4-FFF2-40B4-BE49-F238E27FC236}">
+                    <a16:creationId xmlns:a16="http://schemas.microsoft.com/office/drawing/2014/main" id="{65BBD38F-B94A-4E07-92CC-C3A0B22E27E4}"/>
+                  </a:ext>
+                </a:extLst>
+              </p:cNvPr>
+              <p:cNvSpPr/>
+              <p:nvPr/>
+            </p:nvSpPr>
+            <p:spPr>
+              <a:xfrm>
+                <a:off x="4586473" y="4251518"/>
+                <a:ext cx="577147" cy="80262"/>
+              </a:xfrm>
+              <a:prstGeom prst="rightArrow">
+                <a:avLst/>
+              </a:prstGeom>
+            </p:spPr>
+            <p:style>
+              <a:lnRef idx="1">
+                <a:schemeClr val="accent1"/>
+              </a:lnRef>
+              <a:fillRef idx="2">
+                <a:schemeClr val="accent1"/>
+              </a:fillRef>
+              <a:effectRef idx="1">
+                <a:schemeClr val="accent1"/>
+              </a:effectRef>
+              <a:fontRef idx="minor">
+                <a:schemeClr val="dk1"/>
+              </a:fontRef>
+            </p:style>
+            <p:txBody>
+              <a:bodyPr rtlCol="0" anchor="ctr"/>
+              <a:lstStyle/>
+              <a:p>
+                <a:pPr algn="ctr"/>
+                <a:endParaRPr lang="en-GB"/>
+              </a:p>
+            </p:txBody>
+          </p:sp>
+          <p:sp>
+            <p:nvSpPr>
+              <p:cNvPr id="89" name="Triangolo isoscele 76">
+                <a:extLst>
+                  <a:ext uri="{FF2B5EF4-FFF2-40B4-BE49-F238E27FC236}">
+                    <a16:creationId xmlns:a16="http://schemas.microsoft.com/office/drawing/2014/main" id="{0AA122CA-3A58-49EF-8394-DD42E9328AAD}"/>
+                  </a:ext>
+                </a:extLst>
+              </p:cNvPr>
+              <p:cNvSpPr/>
+              <p:nvPr/>
+            </p:nvSpPr>
+            <p:spPr>
+              <a:xfrm rot="5400000" flipH="1">
+                <a:off x="5141030" y="4218931"/>
+                <a:ext cx="86434" cy="139263"/>
+              </a:xfrm>
+              <a:prstGeom prst="triangle">
+                <a:avLst/>
+              </a:prstGeom>
+              <a:solidFill>
+                <a:schemeClr val="bg1"/>
+              </a:solidFill>
+              <a:ln/>
+            </p:spPr>
+            <p:style>
+              <a:lnRef idx="1">
+                <a:schemeClr val="accent5"/>
+              </a:lnRef>
+              <a:fillRef idx="2">
+                <a:schemeClr val="accent5"/>
+              </a:fillRef>
+              <a:effectRef idx="1">
+                <a:schemeClr val="accent5"/>
+              </a:effectRef>
+              <a:fontRef idx="minor">
+                <a:schemeClr val="dk1"/>
+              </a:fontRef>
+            </p:style>
+            <p:txBody>
+              <a:bodyPr rtlCol="0" anchor="ctr"/>
+              <a:lstStyle/>
+              <a:p>
+                <a:pPr algn="ctr"/>
+                <a:endParaRPr lang="en-GB" sz="1200">
+                  <a:solidFill>
+                    <a:schemeClr val="dk1"/>
+                  </a:solidFill>
+                </a:endParaRPr>
+              </a:p>
+            </p:txBody>
+          </p:sp>
+        </p:grpSp>
+        <p:grpSp>
+          <p:nvGrpSpPr>
+            <p:cNvPr id="90" name="Gruppo 87">
+              <a:extLst>
+                <a:ext uri="{FF2B5EF4-FFF2-40B4-BE49-F238E27FC236}">
+                  <a16:creationId xmlns:a16="http://schemas.microsoft.com/office/drawing/2014/main" id="{DEC90801-4A51-4634-9C34-40CE0643111D}"/>
+                </a:ext>
+              </a:extLst>
+            </p:cNvPr>
+            <p:cNvGrpSpPr/>
+            <p:nvPr/>
+          </p:nvGrpSpPr>
+          <p:grpSpPr>
+            <a:xfrm>
+              <a:off x="1596206" y="2858033"/>
+              <a:ext cx="1600507" cy="170634"/>
+              <a:chOff x="4592177" y="4419530"/>
+              <a:chExt cx="666895" cy="86434"/>
+            </a:xfrm>
+          </p:grpSpPr>
+          <p:cxnSp>
+            <p:nvCxnSpPr>
+              <p:cNvPr id="91" name="Connettore 1 89">
+                <a:extLst>
+                  <a:ext uri="{FF2B5EF4-FFF2-40B4-BE49-F238E27FC236}">
+                    <a16:creationId xmlns:a16="http://schemas.microsoft.com/office/drawing/2014/main" id="{878E60D4-38CD-42F8-93FC-9D04BA3DC61B}"/>
+                  </a:ext>
+                </a:extLst>
+              </p:cNvPr>
+              <p:cNvCxnSpPr/>
+              <p:nvPr/>
+            </p:nvCxnSpPr>
+            <p:spPr>
+              <a:xfrm>
+                <a:off x="4611000" y="4462747"/>
+                <a:ext cx="648072" cy="0"/>
+              </a:xfrm>
+              <a:prstGeom prst="line">
+                <a:avLst/>
+              </a:prstGeom>
+              <a:ln>
+                <a:prstDash val="dash"/>
+              </a:ln>
+            </p:spPr>
+            <p:style>
+              <a:lnRef idx="1">
+                <a:schemeClr val="accent1"/>
+              </a:lnRef>
+              <a:fillRef idx="0">
+                <a:schemeClr val="accent1"/>
+              </a:fillRef>
+              <a:effectRef idx="0">
+                <a:schemeClr val="accent1"/>
+              </a:effectRef>
+              <a:fontRef idx="minor">
+                <a:schemeClr val="tx1"/>
+              </a:fontRef>
+            </p:style>
+          </p:cxnSp>
+          <p:sp>
+            <p:nvSpPr>
+              <p:cNvPr id="92" name="Triangolo isoscele 90">
+                <a:extLst>
+                  <a:ext uri="{FF2B5EF4-FFF2-40B4-BE49-F238E27FC236}">
+                    <a16:creationId xmlns:a16="http://schemas.microsoft.com/office/drawing/2014/main" id="{3CFD54EC-77F1-4ACF-8DBC-AEB17C8B9D9E}"/>
+                  </a:ext>
+                </a:extLst>
+              </p:cNvPr>
+              <p:cNvSpPr/>
+              <p:nvPr/>
+            </p:nvSpPr>
+            <p:spPr>
+              <a:xfrm rot="16200000">
+                <a:off x="4618592" y="4393115"/>
+                <a:ext cx="86434" cy="139263"/>
+              </a:xfrm>
+              <a:prstGeom prst="triangle">
+                <a:avLst/>
+              </a:prstGeom>
+              <a:solidFill>
+                <a:schemeClr val="bg1"/>
+              </a:solidFill>
+              <a:ln/>
+            </p:spPr>
+            <p:style>
+              <a:lnRef idx="1">
+                <a:schemeClr val="accent5"/>
+              </a:lnRef>
+              <a:fillRef idx="2">
+                <a:schemeClr val="accent5"/>
+              </a:fillRef>
+              <a:effectRef idx="1">
+                <a:schemeClr val="accent5"/>
+              </a:effectRef>
+              <a:fontRef idx="minor">
+                <a:schemeClr val="dk1"/>
+              </a:fontRef>
+            </p:style>
+            <p:txBody>
+              <a:bodyPr rtlCol="0" anchor="ctr"/>
+              <a:lstStyle/>
+              <a:p>
+                <a:pPr algn="ctr"/>
+                <a:endParaRPr lang="en-GB" sz="1200"/>
+              </a:p>
+            </p:txBody>
+          </p:sp>
+        </p:grpSp>
+        <p:sp>
+          <p:nvSpPr>
+            <p:cNvPr id="93" name="CasellaDiTesto 92">
+              <a:extLst>
+                <a:ext uri="{FF2B5EF4-FFF2-40B4-BE49-F238E27FC236}">
+                  <a16:creationId xmlns:a16="http://schemas.microsoft.com/office/drawing/2014/main" id="{018F263B-E458-4C9C-AC30-68C64E80272C}"/>
+                </a:ext>
+              </a:extLst>
+            </p:cNvPr>
+            <p:cNvSpPr txBox="1"/>
+            <p:nvPr/>
+          </p:nvSpPr>
+          <p:spPr>
+            <a:xfrm>
+              <a:off x="1658319" y="1854050"/>
+              <a:ext cx="1532086" cy="307777"/>
+            </a:xfrm>
+            <a:prstGeom prst="rect">
+              <a:avLst/>
+            </a:prstGeom>
+            <a:noFill/>
+          </p:spPr>
+          <p:txBody>
+            <a:bodyPr wrap="none" rtlCol="0">
+              <a:spAutoFit/>
+            </a:bodyPr>
+            <a:lstStyle/>
+            <a:p>
+              <a:r>
+                <a:rPr lang="it-IT" sz="1400" dirty="0" err="1"/>
+                <a:t>enterRequest</a:t>
+              </a:r>
+              <a:r>
+                <a:rPr lang="it-IT" sz="1400" dirty="0"/>
+                <a:t>(CID)</a:t>
+              </a:r>
+            </a:p>
+          </p:txBody>
+        </p:sp>
+        <p:sp>
+          <p:nvSpPr>
+            <p:cNvPr id="94" name="CasellaDiTesto 93">
+              <a:extLst>
+                <a:ext uri="{FF2B5EF4-FFF2-40B4-BE49-F238E27FC236}">
+                  <a16:creationId xmlns:a16="http://schemas.microsoft.com/office/drawing/2014/main" id="{00D2B03B-1F27-4EDB-8C00-B2C2F705E9E2}"/>
+                </a:ext>
+              </a:extLst>
+            </p:cNvPr>
+            <p:cNvSpPr txBox="1"/>
+            <p:nvPr/>
+          </p:nvSpPr>
+          <p:spPr>
+            <a:xfrm>
+              <a:off x="1836181" y="3063535"/>
+              <a:ext cx="1361757" cy="357056"/>
+            </a:xfrm>
+            <a:prstGeom prst="rect">
+              <a:avLst/>
+            </a:prstGeom>
+            <a:noFill/>
+          </p:spPr>
+          <p:txBody>
+            <a:bodyPr wrap="square" rtlCol="0">
+              <a:spAutoFit/>
+            </a:bodyPr>
+            <a:lstStyle/>
+            <a:p>
+              <a:r>
+                <a:rPr lang="it-IT" sz="1400" dirty="0" err="1"/>
+                <a:t>answer</a:t>
+              </a:r>
+              <a:r>
+                <a:rPr lang="it-IT" sz="1400" dirty="0"/>
+                <a:t>(TIME)</a:t>
+              </a:r>
+            </a:p>
+          </p:txBody>
+        </p:sp>
+        <p:sp>
+          <p:nvSpPr>
+            <p:cNvPr id="108" name="Triangolo isoscele 42">
+              <a:extLst>
+                <a:ext uri="{FF2B5EF4-FFF2-40B4-BE49-F238E27FC236}">
+                  <a16:creationId xmlns:a16="http://schemas.microsoft.com/office/drawing/2014/main" id="{CB9B48A2-F0F4-44EB-B980-133664DE369B}"/>
+                </a:ext>
+              </a:extLst>
+            </p:cNvPr>
+            <p:cNvSpPr/>
+            <p:nvPr/>
+          </p:nvSpPr>
+          <p:spPr>
+            <a:xfrm rot="16200000">
+              <a:off x="3899982" y="4424403"/>
+              <a:ext cx="139809" cy="226573"/>
+            </a:xfrm>
+            <a:prstGeom prst="triangle">
+              <a:avLst/>
+            </a:prstGeom>
+            <a:solidFill>
+              <a:srgbClr val="FF0000"/>
+            </a:solidFill>
+            <a:ln/>
+          </p:spPr>
+          <p:style>
+            <a:lnRef idx="1">
+              <a:schemeClr val="accent5"/>
+            </a:lnRef>
+            <a:fillRef idx="2">
+              <a:schemeClr val="accent5"/>
+            </a:fillRef>
+            <a:effectRef idx="1">
+              <a:schemeClr val="accent5"/>
+            </a:effectRef>
+            <a:fontRef idx="minor">
+              <a:schemeClr val="dk1"/>
+            </a:fontRef>
+          </p:style>
+          <p:txBody>
+            <a:bodyPr rtlCol="0" anchor="ctr"/>
+            <a:lstStyle/>
+            <a:p>
+              <a:pPr algn="ctr"/>
+              <a:endParaRPr lang="en-GB" sz="1200">
+                <a:solidFill>
+                  <a:schemeClr val="dk1"/>
+                </a:solidFill>
+              </a:endParaRPr>
+            </a:p>
+          </p:txBody>
+        </p:sp>
+        <p:sp>
+          <p:nvSpPr>
+            <p:cNvPr id="109" name="Triangolo isoscele 42">
+              <a:extLst>
+                <a:ext uri="{FF2B5EF4-FFF2-40B4-BE49-F238E27FC236}">
+                  <a16:creationId xmlns:a16="http://schemas.microsoft.com/office/drawing/2014/main" id="{F4652558-4D51-4024-8AB8-37498F2320DD}"/>
+                </a:ext>
+              </a:extLst>
+            </p:cNvPr>
+            <p:cNvSpPr/>
+            <p:nvPr/>
+          </p:nvSpPr>
+          <p:spPr>
+            <a:xfrm rot="16200000">
+              <a:off x="738806" y="1923158"/>
+              <a:ext cx="139809" cy="226573"/>
+            </a:xfrm>
+            <a:prstGeom prst="triangle">
+              <a:avLst/>
+            </a:prstGeom>
+            <a:solidFill>
+              <a:srgbClr val="FF0000"/>
+            </a:solidFill>
+            <a:ln/>
+          </p:spPr>
+          <p:style>
+            <a:lnRef idx="1">
+              <a:schemeClr val="accent5"/>
+            </a:lnRef>
+            <a:fillRef idx="2">
+              <a:schemeClr val="accent5"/>
+            </a:fillRef>
+            <a:effectRef idx="1">
+              <a:schemeClr val="accent5"/>
+            </a:effectRef>
+            <a:fontRef idx="minor">
+              <a:schemeClr val="dk1"/>
+            </a:fontRef>
+          </p:style>
+          <p:txBody>
+            <a:bodyPr rtlCol="0" anchor="ctr"/>
+            <a:lstStyle/>
+            <a:p>
+              <a:pPr algn="ctr"/>
+              <a:endParaRPr lang="en-GB" sz="1200">
+                <a:solidFill>
+                  <a:schemeClr val="dk1"/>
+                </a:solidFill>
+              </a:endParaRPr>
+            </a:p>
+          </p:txBody>
+        </p:sp>
+      </p:grpSp>
+    </p:spTree>
+    <p:extLst>
+      <p:ext uri="{BB962C8B-B14F-4D97-AF65-F5344CB8AC3E}">
+        <p14:creationId xmlns:p14="http://schemas.microsoft.com/office/powerpoint/2010/main" val="3602317542"/>
+      </p:ext>
+    </p:extLst>
+  </p:cSld>
+  <p:clrMapOvr>
+    <a:masterClrMapping/>
+  </p:clrMapOvr>
+</p:sld>
+</file>
+
 <file path=ppt/theme/theme1.xml><?xml version="1.0" encoding="utf-8"?>
 <a:theme xmlns:a="http://schemas.openxmlformats.org/drawingml/2006/main" name="Tema di Office">
   <a:themeElements>

--- a/DOCUMENTS/Diagrammi.pptx
+++ b/DOCUMENTS/Diagrammi.pptx
@@ -5,7 +5,7 @@
     <p:sldMasterId id="2147483648" r:id="rId1"/>
   </p:sldMasterIdLst>
   <p:notesMasterIdLst>
-    <p:notesMasterId r:id="rId8"/>
+    <p:notesMasterId r:id="rId9"/>
   </p:notesMasterIdLst>
   <p:sldIdLst>
     <p:sldId id="256" r:id="rId2"/>
@@ -14,6 +14,7 @@
     <p:sldId id="259" r:id="rId5"/>
     <p:sldId id="353" r:id="rId6"/>
     <p:sldId id="354" r:id="rId7"/>
+    <p:sldId id="355" r:id="rId8"/>
   </p:sldIdLst>
   <p:sldSz cx="12192000" cy="6858000"/>
   <p:notesSz cx="6858000" cy="9144000"/>
@@ -202,7 +203,7 @@
           <a:p>
             <a:fld id="{840E2AAB-1006-4BA7-817F-86A01148584B}" type="datetimeFigureOut">
               <a:rPr lang="it-IT" smtClean="0"/>
-              <a:t>30/06/2020</a:t>
+              <a:t>04/07/2020</a:t>
             </a:fld>
             <a:endParaRPr lang="it-IT"/>
           </a:p>
@@ -616,7 +617,7 @@
           <a:p>
             <a:fld id="{0210BBF0-42E9-4380-BF75-9938A7ED37A5}" type="datetimeFigureOut">
               <a:rPr lang="it-IT" smtClean="0"/>
-              <a:t>30/06/2020</a:t>
+              <a:t>04/07/2020</a:t>
             </a:fld>
             <a:endParaRPr lang="it-IT"/>
           </a:p>
@@ -814,7 +815,7 @@
           <a:p>
             <a:fld id="{0210BBF0-42E9-4380-BF75-9938A7ED37A5}" type="datetimeFigureOut">
               <a:rPr lang="it-IT" smtClean="0"/>
-              <a:t>30/06/2020</a:t>
+              <a:t>04/07/2020</a:t>
             </a:fld>
             <a:endParaRPr lang="it-IT"/>
           </a:p>
@@ -1022,7 +1023,7 @@
           <a:p>
             <a:fld id="{0210BBF0-42E9-4380-BF75-9938A7ED37A5}" type="datetimeFigureOut">
               <a:rPr lang="it-IT" smtClean="0"/>
-              <a:t>30/06/2020</a:t>
+              <a:t>04/07/2020</a:t>
             </a:fld>
             <a:endParaRPr lang="it-IT"/>
           </a:p>
@@ -1220,7 +1221,7 @@
           <a:p>
             <a:fld id="{0210BBF0-42E9-4380-BF75-9938A7ED37A5}" type="datetimeFigureOut">
               <a:rPr lang="it-IT" smtClean="0"/>
-              <a:t>30/06/2020</a:t>
+              <a:t>04/07/2020</a:t>
             </a:fld>
             <a:endParaRPr lang="it-IT"/>
           </a:p>
@@ -1495,7 +1496,7 @@
           <a:p>
             <a:fld id="{0210BBF0-42E9-4380-BF75-9938A7ED37A5}" type="datetimeFigureOut">
               <a:rPr lang="it-IT" smtClean="0"/>
-              <a:t>30/06/2020</a:t>
+              <a:t>04/07/2020</a:t>
             </a:fld>
             <a:endParaRPr lang="it-IT"/>
           </a:p>
@@ -1760,7 +1761,7 @@
           <a:p>
             <a:fld id="{0210BBF0-42E9-4380-BF75-9938A7ED37A5}" type="datetimeFigureOut">
               <a:rPr lang="it-IT" smtClean="0"/>
-              <a:t>30/06/2020</a:t>
+              <a:t>04/07/2020</a:t>
             </a:fld>
             <a:endParaRPr lang="it-IT"/>
           </a:p>
@@ -2172,7 +2173,7 @@
           <a:p>
             <a:fld id="{0210BBF0-42E9-4380-BF75-9938A7ED37A5}" type="datetimeFigureOut">
               <a:rPr lang="it-IT" smtClean="0"/>
-              <a:t>30/06/2020</a:t>
+              <a:t>04/07/2020</a:t>
             </a:fld>
             <a:endParaRPr lang="it-IT"/>
           </a:p>
@@ -2313,7 +2314,7 @@
           <a:p>
             <a:fld id="{0210BBF0-42E9-4380-BF75-9938A7ED37A5}" type="datetimeFigureOut">
               <a:rPr lang="it-IT" smtClean="0"/>
-              <a:t>30/06/2020</a:t>
+              <a:t>04/07/2020</a:t>
             </a:fld>
             <a:endParaRPr lang="it-IT"/>
           </a:p>
@@ -2426,7 +2427,7 @@
           <a:p>
             <a:fld id="{0210BBF0-42E9-4380-BF75-9938A7ED37A5}" type="datetimeFigureOut">
               <a:rPr lang="it-IT" smtClean="0"/>
-              <a:t>30/06/2020</a:t>
+              <a:t>04/07/2020</a:t>
             </a:fld>
             <a:endParaRPr lang="it-IT"/>
           </a:p>
@@ -2737,7 +2738,7 @@
           <a:p>
             <a:fld id="{0210BBF0-42E9-4380-BF75-9938A7ED37A5}" type="datetimeFigureOut">
               <a:rPr lang="it-IT" smtClean="0"/>
-              <a:t>30/06/2020</a:t>
+              <a:t>04/07/2020</a:t>
             </a:fld>
             <a:endParaRPr lang="it-IT"/>
           </a:p>
@@ -3025,7 +3026,7 @@
           <a:p>
             <a:fld id="{0210BBF0-42E9-4380-BF75-9938A7ED37A5}" type="datetimeFigureOut">
               <a:rPr lang="it-IT" smtClean="0"/>
-              <a:t>30/06/2020</a:t>
+              <a:t>04/07/2020</a:t>
             </a:fld>
             <a:endParaRPr lang="it-IT"/>
           </a:p>
@@ -3266,7 +3267,7 @@
           <a:p>
             <a:fld id="{0210BBF0-42E9-4380-BF75-9938A7ED37A5}" type="datetimeFigureOut">
               <a:rPr lang="it-IT" smtClean="0"/>
-              <a:t>30/06/2020</a:t>
+              <a:t>04/07/2020</a:t>
             </a:fld>
             <a:endParaRPr lang="it-IT"/>
           </a:p>
@@ -19918,6 +19919,4886 @@
 </p:sld>
 </file>
 
+<file path=ppt/slides/slide7.xml><?xml version="1.0" encoding="utf-8"?>
+<p:sld xmlns:a="http://schemas.openxmlformats.org/drawingml/2006/main" xmlns:r="http://schemas.openxmlformats.org/officeDocument/2006/relationships" xmlns:p="http://schemas.openxmlformats.org/presentationml/2006/main">
+  <p:cSld>
+    <p:spTree>
+      <p:nvGrpSpPr>
+        <p:cNvPr id="1" name=""/>
+        <p:cNvGrpSpPr/>
+        <p:nvPr/>
+      </p:nvGrpSpPr>
+      <p:grpSpPr>
+        <a:xfrm>
+          <a:off x="0" y="0"/>
+          <a:ext cx="0" cy="0"/>
+          <a:chOff x="0" y="0"/>
+          <a:chExt cx="0" cy="0"/>
+        </a:xfrm>
+      </p:grpSpPr>
+      <p:grpSp>
+        <p:nvGrpSpPr>
+          <p:cNvPr id="71" name="Gruppo 70">
+            <a:extLst>
+              <a:ext uri="{FF2B5EF4-FFF2-40B4-BE49-F238E27FC236}">
+                <a16:creationId xmlns:a16="http://schemas.microsoft.com/office/drawing/2014/main" id="{BA9BDF81-94D2-4CCA-BE53-4763ECB9EEBB}"/>
+              </a:ext>
+            </a:extLst>
+          </p:cNvPr>
+          <p:cNvGrpSpPr/>
+          <p:nvPr/>
+        </p:nvGrpSpPr>
+        <p:grpSpPr>
+          <a:xfrm>
+            <a:off x="1090211" y="2163512"/>
+            <a:ext cx="5646491" cy="2638515"/>
+            <a:chOff x="1533915" y="344932"/>
+            <a:chExt cx="6848127" cy="3349366"/>
+          </a:xfrm>
+        </p:grpSpPr>
+        <p:sp>
+          <p:nvSpPr>
+            <p:cNvPr id="72" name="Rettangolo arrotondato 3">
+              <a:extLst>
+                <a:ext uri="{FF2B5EF4-FFF2-40B4-BE49-F238E27FC236}">
+                  <a16:creationId xmlns:a16="http://schemas.microsoft.com/office/drawing/2014/main" id="{078DEE61-8D00-4D19-B614-F5A7ACD5FB5F}"/>
+                </a:ext>
+              </a:extLst>
+            </p:cNvPr>
+            <p:cNvSpPr/>
+            <p:nvPr/>
+          </p:nvSpPr>
+          <p:spPr>
+            <a:xfrm>
+              <a:off x="1533915" y="495017"/>
+              <a:ext cx="6848127" cy="3071597"/>
+            </a:xfrm>
+            <a:prstGeom prst="roundRect">
+              <a:avLst/>
+            </a:prstGeom>
+            <a:solidFill>
+              <a:srgbClr val="CCFFCC"/>
+            </a:solidFill>
+          </p:spPr>
+          <p:style>
+            <a:lnRef idx="2">
+              <a:schemeClr val="accent1">
+                <a:shade val="50000"/>
+              </a:schemeClr>
+            </a:lnRef>
+            <a:fillRef idx="1">
+              <a:schemeClr val="accent1"/>
+            </a:fillRef>
+            <a:effectRef idx="0">
+              <a:schemeClr val="accent1"/>
+            </a:effectRef>
+            <a:fontRef idx="minor">
+              <a:schemeClr val="lt1"/>
+            </a:fontRef>
+          </p:style>
+          <p:txBody>
+            <a:bodyPr rot="0" spcFirstLastPara="0" vertOverflow="overflow" horzOverflow="overflow" vert="horz" wrap="square" lIns="91440" tIns="45720" rIns="91440" bIns="45720" numCol="1" spcCol="0" rtlCol="0" fromWordArt="0" anchor="ctr" anchorCtr="0" forceAA="0" compatLnSpc="1">
+              <a:prstTxWarp prst="textNoShape">
+                <a:avLst/>
+              </a:prstTxWarp>
+              <a:noAutofit/>
+            </a:bodyPr>
+            <a:lstStyle/>
+            <a:p>
+              <a:pPr algn="ctr"/>
+              <a:endParaRPr lang="it-IT" dirty="0"/>
+            </a:p>
+          </p:txBody>
+        </p:sp>
+        <p:sp>
+          <p:nvSpPr>
+            <p:cNvPr id="73" name="Rettangolo 11">
+              <a:extLst>
+                <a:ext uri="{FF2B5EF4-FFF2-40B4-BE49-F238E27FC236}">
+                  <a16:creationId xmlns:a16="http://schemas.microsoft.com/office/drawing/2014/main" id="{1856EB5A-5602-4F80-A80A-1778F0B8AB06}"/>
+                </a:ext>
+              </a:extLst>
+            </p:cNvPr>
+            <p:cNvSpPr/>
+            <p:nvPr/>
+          </p:nvSpPr>
+          <p:spPr>
+            <a:xfrm>
+              <a:off x="5039778" y="3371801"/>
+              <a:ext cx="1777284" cy="322497"/>
+            </a:xfrm>
+            <a:prstGeom prst="rect">
+              <a:avLst/>
+            </a:prstGeom>
+            <a:solidFill>
+              <a:srgbClr val="FFFF99"/>
+            </a:solidFill>
+          </p:spPr>
+          <p:style>
+            <a:lnRef idx="1">
+              <a:schemeClr val="accent1"/>
+            </a:lnRef>
+            <a:fillRef idx="2">
+              <a:schemeClr val="accent1"/>
+            </a:fillRef>
+            <a:effectRef idx="1">
+              <a:schemeClr val="accent1"/>
+            </a:effectRef>
+            <a:fontRef idx="minor">
+              <a:schemeClr val="dk1"/>
+            </a:fontRef>
+          </p:style>
+          <p:txBody>
+            <a:bodyPr rtlCol="0" anchor="ctr"/>
+            <a:lstStyle/>
+            <a:p>
+              <a:pPr algn="ctr"/>
+              <a:r>
+                <a:rPr lang="en-GB" sz="1600" dirty="0" err="1"/>
+                <a:t>ctxwaiter</a:t>
+              </a:r>
+              <a:endParaRPr lang="en-GB" dirty="0">
+                <a:solidFill>
+                  <a:schemeClr val="tx1"/>
+                </a:solidFill>
+              </a:endParaRPr>
+            </a:p>
+          </p:txBody>
+        </p:sp>
+        <p:sp>
+          <p:nvSpPr>
+            <p:cNvPr id="74" name="Rettangolo 12">
+              <a:extLst>
+                <a:ext uri="{FF2B5EF4-FFF2-40B4-BE49-F238E27FC236}">
+                  <a16:creationId xmlns:a16="http://schemas.microsoft.com/office/drawing/2014/main" id="{10D15607-1E61-434F-BB2B-3C0E30C1B763}"/>
+                </a:ext>
+              </a:extLst>
+            </p:cNvPr>
+            <p:cNvSpPr/>
+            <p:nvPr/>
+          </p:nvSpPr>
+          <p:spPr>
+            <a:xfrm>
+              <a:off x="3151439" y="344932"/>
+              <a:ext cx="864096" cy="360040"/>
+            </a:xfrm>
+            <a:prstGeom prst="rect">
+              <a:avLst/>
+            </a:prstGeom>
+          </p:spPr>
+          <p:style>
+            <a:lnRef idx="1">
+              <a:schemeClr val="accent3"/>
+            </a:lnRef>
+            <a:fillRef idx="2">
+              <a:schemeClr val="accent3"/>
+            </a:fillRef>
+            <a:effectRef idx="1">
+              <a:schemeClr val="accent3"/>
+            </a:effectRef>
+            <a:fontRef idx="minor">
+              <a:schemeClr val="dk1"/>
+            </a:fontRef>
+          </p:style>
+          <p:txBody>
+            <a:bodyPr rot="0" spcFirstLastPara="0" vertOverflow="overflow" horzOverflow="overflow" vert="horz" wrap="square" lIns="91440" tIns="45720" rIns="91440" bIns="45720" numCol="1" spcCol="0" rtlCol="0" fromWordArt="0" anchor="ctr" anchorCtr="0" forceAA="0" compatLnSpc="1">
+              <a:prstTxWarp prst="textNoShape">
+                <a:avLst/>
+              </a:prstTxWarp>
+              <a:noAutofit/>
+            </a:bodyPr>
+            <a:lstStyle/>
+            <a:p>
+              <a:pPr algn="ctr"/>
+              <a:r>
+                <a:rPr lang="it-IT" sz="1600" dirty="0"/>
+                <a:t>8050</a:t>
+              </a:r>
+              <a:endParaRPr lang="it-IT" dirty="0"/>
+            </a:p>
+          </p:txBody>
+        </p:sp>
+        <p:grpSp>
+          <p:nvGrpSpPr>
+            <p:cNvPr id="76" name="Gruppo 44">
+              <a:extLst>
+                <a:ext uri="{FF2B5EF4-FFF2-40B4-BE49-F238E27FC236}">
+                  <a16:creationId xmlns:a16="http://schemas.microsoft.com/office/drawing/2014/main" id="{58A80BF4-E3A4-428F-BAE3-0D13F6DCDA47}"/>
+                </a:ext>
+              </a:extLst>
+            </p:cNvPr>
+            <p:cNvGrpSpPr/>
+            <p:nvPr/>
+          </p:nvGrpSpPr>
+          <p:grpSpPr>
+            <a:xfrm>
+              <a:off x="2784177" y="1945576"/>
+              <a:ext cx="1696868" cy="1234656"/>
+              <a:chOff x="2460218" y="2004001"/>
+              <a:chExt cx="1696868" cy="1234656"/>
+            </a:xfrm>
+          </p:grpSpPr>
+          <p:sp>
+            <p:nvSpPr>
+              <p:cNvPr id="77" name="Triangolo isoscele 45">
+                <a:extLst>
+                  <a:ext uri="{FF2B5EF4-FFF2-40B4-BE49-F238E27FC236}">
+                    <a16:creationId xmlns:a16="http://schemas.microsoft.com/office/drawing/2014/main" id="{65AECDF3-9482-40B0-9AB1-7DD8FC830E8B}"/>
+                  </a:ext>
+                </a:extLst>
+              </p:cNvPr>
+              <p:cNvSpPr/>
+              <p:nvPr/>
+            </p:nvSpPr>
+            <p:spPr>
+              <a:xfrm rot="5400000">
+                <a:off x="3220535" y="2242777"/>
+                <a:ext cx="998084" cy="875019"/>
+              </a:xfrm>
+              <a:prstGeom prst="triangle">
+                <a:avLst/>
+              </a:prstGeom>
+              <a:solidFill>
+                <a:srgbClr val="CCFF66"/>
+              </a:solidFill>
+              <a:ln/>
+            </p:spPr>
+            <p:style>
+              <a:lnRef idx="1">
+                <a:schemeClr val="accent5"/>
+              </a:lnRef>
+              <a:fillRef idx="2">
+                <a:schemeClr val="accent5"/>
+              </a:fillRef>
+              <a:effectRef idx="1">
+                <a:schemeClr val="accent5"/>
+              </a:effectRef>
+              <a:fontRef idx="minor">
+                <a:schemeClr val="dk1"/>
+              </a:fontRef>
+            </p:style>
+            <p:txBody>
+              <a:bodyPr rtlCol="0" anchor="ctr"/>
+              <a:lstStyle/>
+              <a:p>
+                <a:pPr algn="ctr"/>
+                <a:endParaRPr lang="en-GB" sz="1200"/>
+              </a:p>
+            </p:txBody>
+          </p:sp>
+          <p:grpSp>
+            <p:nvGrpSpPr>
+              <p:cNvPr id="78" name="Gruppo 82">
+                <a:extLst>
+                  <a:ext uri="{FF2B5EF4-FFF2-40B4-BE49-F238E27FC236}">
+                    <a16:creationId xmlns:a16="http://schemas.microsoft.com/office/drawing/2014/main" id="{98F97228-3F59-412D-89A3-9630EE5FB626}"/>
+                  </a:ext>
+                </a:extLst>
+              </p:cNvPr>
+              <p:cNvGrpSpPr/>
+              <p:nvPr/>
+            </p:nvGrpSpPr>
+            <p:grpSpPr>
+              <a:xfrm>
+                <a:off x="2460218" y="2004001"/>
+                <a:ext cx="1409185" cy="1234656"/>
+                <a:chOff x="1194666" y="2417771"/>
+                <a:chExt cx="866157" cy="763298"/>
+              </a:xfrm>
+            </p:grpSpPr>
+            <p:sp>
+              <p:nvSpPr>
+                <p:cNvPr id="80" name="Ovale 38">
+                  <a:extLst>
+                    <a:ext uri="{FF2B5EF4-FFF2-40B4-BE49-F238E27FC236}">
+                      <a16:creationId xmlns:a16="http://schemas.microsoft.com/office/drawing/2014/main" id="{0CDCCE5E-F52C-4A6C-ABA3-DFB3AAA78E49}"/>
+                    </a:ext>
+                  </a:extLst>
+                </p:cNvPr>
+                <p:cNvSpPr/>
+                <p:nvPr/>
+              </p:nvSpPr>
+              <p:spPr>
+                <a:xfrm>
+                  <a:off x="1311102" y="2460989"/>
+                  <a:ext cx="749721" cy="720080"/>
+                </a:xfrm>
+                <a:prstGeom prst="ellipse">
+                  <a:avLst/>
+                </a:prstGeom>
+                <a:solidFill>
+                  <a:srgbClr val="FFCCFF"/>
+                </a:solidFill>
+                <a:ln/>
+              </p:spPr>
+              <p:style>
+                <a:lnRef idx="1">
+                  <a:schemeClr val="accent5"/>
+                </a:lnRef>
+                <a:fillRef idx="2">
+                  <a:schemeClr val="accent5"/>
+                </a:fillRef>
+                <a:effectRef idx="1">
+                  <a:schemeClr val="accent5"/>
+                </a:effectRef>
+                <a:fontRef idx="minor">
+                  <a:schemeClr val="dk1"/>
+                </a:fontRef>
+              </p:style>
+              <p:txBody>
+                <a:bodyPr rtlCol="0" anchor="ctr"/>
+                <a:lstStyle/>
+                <a:p>
+                  <a:pPr algn="ctr"/>
+                  <a:r>
+                    <a:rPr lang="en-GB" sz="1200" dirty="0"/>
+                    <a:t> </a:t>
+                  </a:r>
+                </a:p>
+              </p:txBody>
+            </p:sp>
+            <p:sp>
+              <p:nvSpPr>
+                <p:cNvPr id="81" name="Rettangolo 39">
+                  <a:extLst>
+                    <a:ext uri="{FF2B5EF4-FFF2-40B4-BE49-F238E27FC236}">
+                      <a16:creationId xmlns:a16="http://schemas.microsoft.com/office/drawing/2014/main" id="{5B95FC2C-E475-4033-B112-581A59019BF5}"/>
+                    </a:ext>
+                  </a:extLst>
+                </p:cNvPr>
+                <p:cNvSpPr/>
+                <p:nvPr/>
+              </p:nvSpPr>
+              <p:spPr>
+                <a:xfrm>
+                  <a:off x="1194666" y="2699711"/>
+                  <a:ext cx="281433" cy="211952"/>
+                </a:xfrm>
+                <a:prstGeom prst="rect">
+                  <a:avLst/>
+                </a:prstGeom>
+                <a:solidFill>
+                  <a:srgbClr val="FFCCFF"/>
+                </a:solidFill>
+                <a:ln/>
+              </p:spPr>
+              <p:style>
+                <a:lnRef idx="1">
+                  <a:schemeClr val="accent5"/>
+                </a:lnRef>
+                <a:fillRef idx="2">
+                  <a:schemeClr val="accent5"/>
+                </a:fillRef>
+                <a:effectRef idx="1">
+                  <a:schemeClr val="accent5"/>
+                </a:effectRef>
+                <a:fontRef idx="minor">
+                  <a:schemeClr val="dk1"/>
+                </a:fontRef>
+              </p:style>
+              <p:txBody>
+                <a:bodyPr rtlCol="0" anchor="ctr"/>
+                <a:lstStyle/>
+                <a:p>
+                  <a:pPr algn="ctr"/>
+                  <a:endParaRPr lang="en-GB" sz="1200" dirty="0"/>
+                </a:p>
+              </p:txBody>
+            </p:sp>
+            <p:sp>
+              <p:nvSpPr>
+                <p:cNvPr id="82" name="Triangolo isoscele 42">
+                  <a:extLst>
+                    <a:ext uri="{FF2B5EF4-FFF2-40B4-BE49-F238E27FC236}">
+                      <a16:creationId xmlns:a16="http://schemas.microsoft.com/office/drawing/2014/main" id="{CCD0B918-9751-413C-9CC0-A89FDB12E365}"/>
+                    </a:ext>
+                  </a:extLst>
+                </p:cNvPr>
+                <p:cNvSpPr/>
+                <p:nvPr/>
+              </p:nvSpPr>
+              <p:spPr>
+                <a:xfrm rot="16200000">
+                  <a:off x="1618539" y="2391356"/>
+                  <a:ext cx="86434" cy="139263"/>
+                </a:xfrm>
+                <a:prstGeom prst="triangle">
+                  <a:avLst/>
+                </a:prstGeom>
+                <a:solidFill>
+                  <a:srgbClr val="FF0000"/>
+                </a:solidFill>
+                <a:ln/>
+              </p:spPr>
+              <p:style>
+                <a:lnRef idx="1">
+                  <a:schemeClr val="accent5"/>
+                </a:lnRef>
+                <a:fillRef idx="2">
+                  <a:schemeClr val="accent5"/>
+                </a:fillRef>
+                <a:effectRef idx="1">
+                  <a:schemeClr val="accent5"/>
+                </a:effectRef>
+                <a:fontRef idx="minor">
+                  <a:schemeClr val="dk1"/>
+                </a:fontRef>
+              </p:style>
+              <p:txBody>
+                <a:bodyPr rtlCol="0" anchor="ctr"/>
+                <a:lstStyle/>
+                <a:p>
+                  <a:pPr algn="ctr"/>
+                  <a:endParaRPr lang="en-GB" sz="1200"/>
+                </a:p>
+              </p:txBody>
+            </p:sp>
+          </p:grpSp>
+          <p:sp>
+            <p:nvSpPr>
+              <p:cNvPr id="79" name="Rettangolo 47">
+                <a:extLst>
+                  <a:ext uri="{FF2B5EF4-FFF2-40B4-BE49-F238E27FC236}">
+                    <a16:creationId xmlns:a16="http://schemas.microsoft.com/office/drawing/2014/main" id="{53CAAF0C-AAA8-4758-9F3F-EABE0E53C4DF}"/>
+                  </a:ext>
+                </a:extLst>
+              </p:cNvPr>
+              <p:cNvSpPr/>
+              <p:nvPr/>
+            </p:nvSpPr>
+            <p:spPr>
+              <a:xfrm>
+                <a:off x="2584632" y="2426203"/>
+                <a:ext cx="1199069" cy="390696"/>
+              </a:xfrm>
+              <a:prstGeom prst="rect">
+                <a:avLst/>
+              </a:prstGeom>
+            </p:spPr>
+            <p:txBody>
+              <a:bodyPr wrap="none">
+                <a:spAutoFit/>
+              </a:bodyPr>
+              <a:lstStyle/>
+              <a:p>
+                <a:r>
+                  <a:rPr lang="en-GB" sz="1400" dirty="0" err="1"/>
+                  <a:t>waiterlogic</a:t>
+                </a:r>
+                <a:endParaRPr lang="en-GB" dirty="0"/>
+              </a:p>
+            </p:txBody>
+          </p:sp>
+        </p:grpSp>
+      </p:grpSp>
+      <p:sp>
+        <p:nvSpPr>
+          <p:cNvPr id="3" name="Segnaposto numero diapositiva 2"/>
+          <p:cNvSpPr>
+            <a:spLocks noGrp="1"/>
+          </p:cNvSpPr>
+          <p:nvPr>
+            <p:ph type="sldNum" sz="quarter" idx="12"/>
+          </p:nvPr>
+        </p:nvSpPr>
+        <p:spPr/>
+        <p:txBody>
+          <a:bodyPr/>
+          <a:lstStyle/>
+          <a:p>
+            <a:fld id="{6F6A5AB3-AF76-4EC9-853D-D4C335162C13}" type="slidenum">
+              <a:rPr lang="en-GB" smtClean="0"/>
+              <a:t>7</a:t>
+            </a:fld>
+            <a:endParaRPr lang="en-GB"/>
+          </a:p>
+        </p:txBody>
+      </p:sp>
+      <p:sp>
+        <p:nvSpPr>
+          <p:cNvPr id="84" name="CasellaDiTesto 83">
+            <a:extLst>
+              <a:ext uri="{FF2B5EF4-FFF2-40B4-BE49-F238E27FC236}">
+                <a16:creationId xmlns:a16="http://schemas.microsoft.com/office/drawing/2014/main" id="{7CB4C4D0-D941-442D-A870-13466BAB2C87}"/>
+              </a:ext>
+            </a:extLst>
+          </p:cNvPr>
+          <p:cNvSpPr txBox="1"/>
+          <p:nvPr/>
+        </p:nvSpPr>
+        <p:spPr>
+          <a:xfrm>
+            <a:off x="578877" y="516270"/>
+            <a:ext cx="3251496" cy="646331"/>
+          </a:xfrm>
+          <a:prstGeom prst="rect">
+            <a:avLst/>
+          </a:prstGeom>
+          <a:noFill/>
+          <a:ln>
+            <a:solidFill>
+              <a:schemeClr val="accent1"/>
+            </a:solidFill>
+          </a:ln>
+        </p:spPr>
+        <p:txBody>
+          <a:bodyPr wrap="square" rtlCol="0">
+            <a:spAutoFit/>
+          </a:bodyPr>
+          <a:lstStyle/>
+          <a:p>
+            <a:r>
+              <a:rPr lang="it-IT" dirty="0"/>
+              <a:t>SPRINT2</a:t>
+            </a:r>
+          </a:p>
+          <a:p>
+            <a:r>
+              <a:rPr lang="it-IT" dirty="0"/>
+              <a:t>Progetto</a:t>
+            </a:r>
+          </a:p>
+        </p:txBody>
+      </p:sp>
+      <p:sp>
+        <p:nvSpPr>
+          <p:cNvPr id="19" name="CasellaDiTesto 18"/>
+          <p:cNvSpPr txBox="1"/>
+          <p:nvPr/>
+        </p:nvSpPr>
+        <p:spPr>
+          <a:xfrm>
+            <a:off x="7387205" y="3642810"/>
+            <a:ext cx="496546" cy="307777"/>
+          </a:xfrm>
+          <a:prstGeom prst="rect">
+            <a:avLst/>
+          </a:prstGeom>
+          <a:noFill/>
+        </p:spPr>
+        <p:txBody>
+          <a:bodyPr wrap="none" rtlCol="0">
+            <a:spAutoFit/>
+          </a:bodyPr>
+          <a:lstStyle/>
+          <a:p>
+            <a:r>
+              <a:rPr lang="it-IT" sz="1400" dirty="0" err="1"/>
+              <a:t>step</a:t>
+            </a:r>
+            <a:endParaRPr lang="en-GB" sz="2000" dirty="0"/>
+          </a:p>
+        </p:txBody>
+      </p:sp>
+      <p:grpSp>
+        <p:nvGrpSpPr>
+          <p:cNvPr id="88" name="Gruppo 87"/>
+          <p:cNvGrpSpPr/>
+          <p:nvPr/>
+        </p:nvGrpSpPr>
+        <p:grpSpPr>
+          <a:xfrm>
+            <a:off x="6505712" y="2918966"/>
+            <a:ext cx="4458499" cy="2662866"/>
+            <a:chOff x="3846285" y="3305289"/>
+            <a:chExt cx="5407314" cy="3380278"/>
+          </a:xfrm>
+        </p:grpSpPr>
+        <p:sp>
+          <p:nvSpPr>
+            <p:cNvPr id="45" name="Rettangolo arrotondato 44"/>
+            <p:cNvSpPr/>
+            <p:nvPr/>
+          </p:nvSpPr>
+          <p:spPr>
+            <a:xfrm>
+              <a:off x="5926336" y="3481992"/>
+              <a:ext cx="3038152" cy="2899336"/>
+            </a:xfrm>
+            <a:prstGeom prst="roundRect">
+              <a:avLst/>
+            </a:prstGeom>
+            <a:solidFill>
+              <a:srgbClr val="CCFFCC"/>
+            </a:solidFill>
+          </p:spPr>
+          <p:style>
+            <a:lnRef idx="2">
+              <a:schemeClr val="accent1">
+                <a:shade val="50000"/>
+              </a:schemeClr>
+            </a:lnRef>
+            <a:fillRef idx="1">
+              <a:schemeClr val="accent1"/>
+            </a:fillRef>
+            <a:effectRef idx="0">
+              <a:schemeClr val="accent1"/>
+            </a:effectRef>
+            <a:fontRef idx="minor">
+              <a:schemeClr val="lt1"/>
+            </a:fontRef>
+          </p:style>
+          <p:txBody>
+            <a:bodyPr rtlCol="0" anchor="ctr"/>
+            <a:lstStyle/>
+            <a:p>
+              <a:pPr algn="ctr"/>
+              <a:endParaRPr lang="en-GB"/>
+            </a:p>
+          </p:txBody>
+        </p:sp>
+        <p:sp>
+          <p:nvSpPr>
+            <p:cNvPr id="4" name="Rettangolo arrotondato 3"/>
+            <p:cNvSpPr/>
+            <p:nvPr/>
+          </p:nvSpPr>
+          <p:spPr>
+            <a:xfrm>
+              <a:off x="6346955" y="5428292"/>
+              <a:ext cx="881175" cy="776894"/>
+            </a:xfrm>
+            <a:prstGeom prst="roundRect">
+              <a:avLst/>
+            </a:prstGeom>
+            <a:solidFill>
+              <a:srgbClr val="FFFF00"/>
+            </a:solidFill>
+          </p:spPr>
+          <p:style>
+            <a:lnRef idx="2">
+              <a:schemeClr val="accent1">
+                <a:shade val="50000"/>
+              </a:schemeClr>
+            </a:lnRef>
+            <a:fillRef idx="1">
+              <a:schemeClr val="accent1"/>
+            </a:fillRef>
+            <a:effectRef idx="0">
+              <a:schemeClr val="accent1"/>
+            </a:effectRef>
+            <a:fontRef idx="minor">
+              <a:schemeClr val="lt1"/>
+            </a:fontRef>
+          </p:style>
+          <p:txBody>
+            <a:bodyPr rtlCol="0" anchor="ctr"/>
+            <a:lstStyle/>
+            <a:p>
+              <a:pPr algn="ctr"/>
+              <a:endParaRPr lang="en-GB"/>
+            </a:p>
+          </p:txBody>
+        </p:sp>
+        <p:sp>
+          <p:nvSpPr>
+            <p:cNvPr id="5" name="Rettangolo arrotondato 4"/>
+            <p:cNvSpPr/>
+            <p:nvPr/>
+          </p:nvSpPr>
+          <p:spPr>
+            <a:xfrm>
+              <a:off x="7229763" y="5416498"/>
+              <a:ext cx="1169863" cy="776894"/>
+            </a:xfrm>
+            <a:prstGeom prst="roundRect">
+              <a:avLst/>
+            </a:prstGeom>
+            <a:solidFill>
+              <a:srgbClr val="FFFF00"/>
+            </a:solidFill>
+          </p:spPr>
+          <p:style>
+            <a:lnRef idx="2">
+              <a:schemeClr val="accent1">
+                <a:shade val="50000"/>
+              </a:schemeClr>
+            </a:lnRef>
+            <a:fillRef idx="1">
+              <a:schemeClr val="accent1"/>
+            </a:fillRef>
+            <a:effectRef idx="0">
+              <a:schemeClr val="accent1"/>
+            </a:effectRef>
+            <a:fontRef idx="minor">
+              <a:schemeClr val="lt1"/>
+            </a:fontRef>
+          </p:style>
+          <p:txBody>
+            <a:bodyPr rtlCol="0" anchor="ctr"/>
+            <a:lstStyle/>
+            <a:p>
+              <a:pPr algn="ctr"/>
+              <a:endParaRPr lang="en-GB"/>
+            </a:p>
+          </p:txBody>
+        </p:sp>
+        <p:grpSp>
+          <p:nvGrpSpPr>
+            <p:cNvPr id="6" name="Gruppo 5"/>
+            <p:cNvGrpSpPr/>
+            <p:nvPr/>
+          </p:nvGrpSpPr>
+          <p:grpSpPr>
+            <a:xfrm>
+              <a:off x="7814850" y="5441267"/>
+              <a:ext cx="512661" cy="451653"/>
+              <a:chOff x="2441713" y="1277482"/>
+              <a:chExt cx="812663" cy="763297"/>
+            </a:xfrm>
+          </p:grpSpPr>
+          <p:sp>
+            <p:nvSpPr>
+              <p:cNvPr id="7" name="Parallelogramma 6"/>
+              <p:cNvSpPr/>
+              <p:nvPr/>
+            </p:nvSpPr>
+            <p:spPr>
+              <a:xfrm flipV="1">
+                <a:off x="2897719" y="1707426"/>
+                <a:ext cx="356657" cy="288677"/>
+              </a:xfrm>
+              <a:prstGeom prst="parallelogram">
+                <a:avLst/>
+              </a:prstGeom>
+              <a:solidFill>
+                <a:srgbClr val="FFCCFF"/>
+              </a:solidFill>
+              <a:ln/>
+            </p:spPr>
+            <p:style>
+              <a:lnRef idx="1">
+                <a:schemeClr val="accent5"/>
+              </a:lnRef>
+              <a:fillRef idx="2">
+                <a:schemeClr val="accent5"/>
+              </a:fillRef>
+              <a:effectRef idx="1">
+                <a:schemeClr val="accent5"/>
+              </a:effectRef>
+              <a:fontRef idx="minor">
+                <a:schemeClr val="dk1"/>
+              </a:fontRef>
+            </p:style>
+            <p:txBody>
+              <a:bodyPr rtlCol="0" anchor="ctr"/>
+              <a:lstStyle/>
+              <a:p>
+                <a:pPr algn="ctr"/>
+                <a:endParaRPr lang="en-GB" sz="1200"/>
+              </a:p>
+            </p:txBody>
+          </p:sp>
+          <p:sp>
+            <p:nvSpPr>
+              <p:cNvPr id="8" name="Ovale 7"/>
+              <p:cNvSpPr/>
+              <p:nvPr/>
+            </p:nvSpPr>
+            <p:spPr>
+              <a:xfrm>
+                <a:off x="2441713" y="1320699"/>
+                <a:ext cx="749721" cy="720080"/>
+              </a:xfrm>
+              <a:prstGeom prst="ellipse">
+                <a:avLst/>
+              </a:prstGeom>
+              <a:solidFill>
+                <a:srgbClr val="FFCCFF"/>
+              </a:solidFill>
+              <a:ln/>
+            </p:spPr>
+            <p:style>
+              <a:lnRef idx="1">
+                <a:schemeClr val="accent5"/>
+              </a:lnRef>
+              <a:fillRef idx="2">
+                <a:schemeClr val="accent5"/>
+              </a:fillRef>
+              <a:effectRef idx="1">
+                <a:schemeClr val="accent5"/>
+              </a:effectRef>
+              <a:fontRef idx="minor">
+                <a:schemeClr val="dk1"/>
+              </a:fontRef>
+            </p:style>
+            <p:txBody>
+              <a:bodyPr rtlCol="0" anchor="ctr"/>
+              <a:lstStyle/>
+              <a:p>
+                <a:pPr algn="ctr"/>
+                <a:r>
+                  <a:rPr lang="en-GB" sz="1200" dirty="0"/>
+                  <a:t> </a:t>
+                </a:r>
+              </a:p>
+            </p:txBody>
+          </p:sp>
+          <p:sp>
+            <p:nvSpPr>
+              <p:cNvPr id="9" name="Triangolo isoscele 8"/>
+              <p:cNvSpPr/>
+              <p:nvPr/>
+            </p:nvSpPr>
+            <p:spPr>
+              <a:xfrm rot="16200000">
+                <a:off x="2749151" y="1251067"/>
+                <a:ext cx="86434" cy="139263"/>
+              </a:xfrm>
+              <a:prstGeom prst="triangle">
+                <a:avLst/>
+              </a:prstGeom>
+              <a:solidFill>
+                <a:srgbClr val="FF0000"/>
+              </a:solidFill>
+              <a:ln/>
+            </p:spPr>
+            <p:style>
+              <a:lnRef idx="1">
+                <a:schemeClr val="accent5"/>
+              </a:lnRef>
+              <a:fillRef idx="2">
+                <a:schemeClr val="accent5"/>
+              </a:fillRef>
+              <a:effectRef idx="1">
+                <a:schemeClr val="accent5"/>
+              </a:effectRef>
+              <a:fontRef idx="minor">
+                <a:schemeClr val="dk1"/>
+              </a:fontRef>
+            </p:style>
+            <p:txBody>
+              <a:bodyPr rtlCol="0" anchor="ctr"/>
+              <a:lstStyle/>
+              <a:p>
+                <a:pPr algn="ctr"/>
+                <a:endParaRPr lang="en-GB" sz="1200"/>
+              </a:p>
+            </p:txBody>
+          </p:sp>
+        </p:grpSp>
+        <p:grpSp>
+          <p:nvGrpSpPr>
+            <p:cNvPr id="10" name="Gruppo 9"/>
+            <p:cNvGrpSpPr/>
+            <p:nvPr/>
+          </p:nvGrpSpPr>
+          <p:grpSpPr>
+            <a:xfrm>
+              <a:off x="6249747" y="3515325"/>
+              <a:ext cx="1696867" cy="1234655"/>
+              <a:chOff x="2460219" y="2004003"/>
+              <a:chExt cx="1696867" cy="1234655"/>
+            </a:xfrm>
+          </p:grpSpPr>
+          <p:sp>
+            <p:nvSpPr>
+              <p:cNvPr id="11" name="Triangolo isoscele 10"/>
+              <p:cNvSpPr/>
+              <p:nvPr/>
+            </p:nvSpPr>
+            <p:spPr>
+              <a:xfrm rot="5400000">
+                <a:off x="3220535" y="2242777"/>
+                <a:ext cx="998084" cy="875019"/>
+              </a:xfrm>
+              <a:prstGeom prst="triangle">
+                <a:avLst/>
+              </a:prstGeom>
+              <a:solidFill>
+                <a:srgbClr val="CCFF66"/>
+              </a:solidFill>
+              <a:ln/>
+            </p:spPr>
+            <p:style>
+              <a:lnRef idx="1">
+                <a:schemeClr val="accent5"/>
+              </a:lnRef>
+              <a:fillRef idx="2">
+                <a:schemeClr val="accent5"/>
+              </a:fillRef>
+              <a:effectRef idx="1">
+                <a:schemeClr val="accent5"/>
+              </a:effectRef>
+              <a:fontRef idx="minor">
+                <a:schemeClr val="dk1"/>
+              </a:fontRef>
+            </p:style>
+            <p:txBody>
+              <a:bodyPr rtlCol="0" anchor="ctr"/>
+              <a:lstStyle/>
+              <a:p>
+                <a:pPr algn="ctr"/>
+                <a:endParaRPr lang="en-GB" sz="1200"/>
+              </a:p>
+            </p:txBody>
+          </p:sp>
+          <p:grpSp>
+            <p:nvGrpSpPr>
+              <p:cNvPr id="12" name="Gruppo 82">
+                <a:extLst>
+                  <a:ext uri="{FF2B5EF4-FFF2-40B4-BE49-F238E27FC236}">
+                    <a16:creationId xmlns:a16="http://schemas.microsoft.com/office/drawing/2014/main" id="{12D969AC-9EB0-4CF5-9EE5-D0DD7ACA9C72}"/>
+                  </a:ext>
+                </a:extLst>
+              </p:cNvPr>
+              <p:cNvGrpSpPr/>
+              <p:nvPr/>
+            </p:nvGrpSpPr>
+            <p:grpSpPr>
+              <a:xfrm>
+                <a:off x="2460219" y="2004003"/>
+                <a:ext cx="1409184" cy="1234655"/>
+                <a:chOff x="1194666" y="2417771"/>
+                <a:chExt cx="866156" cy="763297"/>
+              </a:xfrm>
+            </p:grpSpPr>
+            <p:sp>
+              <p:nvSpPr>
+                <p:cNvPr id="14" name="Ovale 38">
+                  <a:extLst>
+                    <a:ext uri="{FF2B5EF4-FFF2-40B4-BE49-F238E27FC236}">
+                      <a16:creationId xmlns:a16="http://schemas.microsoft.com/office/drawing/2014/main" id="{0EB3DE65-C1E4-4AD3-B909-2646317ECA68}"/>
+                    </a:ext>
+                  </a:extLst>
+                </p:cNvPr>
+                <p:cNvSpPr/>
+                <p:nvPr/>
+              </p:nvSpPr>
+              <p:spPr>
+                <a:xfrm>
+                  <a:off x="1311101" y="2460988"/>
+                  <a:ext cx="749721" cy="720080"/>
+                </a:xfrm>
+                <a:prstGeom prst="ellipse">
+                  <a:avLst/>
+                </a:prstGeom>
+                <a:solidFill>
+                  <a:srgbClr val="FFCCFF"/>
+                </a:solidFill>
+                <a:ln/>
+              </p:spPr>
+              <p:style>
+                <a:lnRef idx="1">
+                  <a:schemeClr val="accent5"/>
+                </a:lnRef>
+                <a:fillRef idx="2">
+                  <a:schemeClr val="accent5"/>
+                </a:fillRef>
+                <a:effectRef idx="1">
+                  <a:schemeClr val="accent5"/>
+                </a:effectRef>
+                <a:fontRef idx="minor">
+                  <a:schemeClr val="dk1"/>
+                </a:fontRef>
+              </p:style>
+              <p:txBody>
+                <a:bodyPr rtlCol="0" anchor="ctr"/>
+                <a:lstStyle/>
+                <a:p>
+                  <a:pPr algn="ctr"/>
+                  <a:r>
+                    <a:rPr lang="en-GB" sz="1200" dirty="0"/>
+                    <a:t> </a:t>
+                  </a:r>
+                </a:p>
+              </p:txBody>
+            </p:sp>
+            <p:sp>
+              <p:nvSpPr>
+                <p:cNvPr id="15" name="Rettangolo 39">
+                  <a:extLst>
+                    <a:ext uri="{FF2B5EF4-FFF2-40B4-BE49-F238E27FC236}">
+                      <a16:creationId xmlns:a16="http://schemas.microsoft.com/office/drawing/2014/main" id="{AAF0ABD1-BB2B-450B-9369-91FF5B4CE129}"/>
+                    </a:ext>
+                  </a:extLst>
+                </p:cNvPr>
+                <p:cNvSpPr/>
+                <p:nvPr/>
+              </p:nvSpPr>
+              <p:spPr>
+                <a:xfrm>
+                  <a:off x="1194666" y="2699711"/>
+                  <a:ext cx="281433" cy="211952"/>
+                </a:xfrm>
+                <a:prstGeom prst="rect">
+                  <a:avLst/>
+                </a:prstGeom>
+                <a:solidFill>
+                  <a:srgbClr val="FFCCFF"/>
+                </a:solidFill>
+                <a:ln/>
+              </p:spPr>
+              <p:style>
+                <a:lnRef idx="1">
+                  <a:schemeClr val="accent5"/>
+                </a:lnRef>
+                <a:fillRef idx="2">
+                  <a:schemeClr val="accent5"/>
+                </a:fillRef>
+                <a:effectRef idx="1">
+                  <a:schemeClr val="accent5"/>
+                </a:effectRef>
+                <a:fontRef idx="minor">
+                  <a:schemeClr val="dk1"/>
+                </a:fontRef>
+              </p:style>
+              <p:txBody>
+                <a:bodyPr rtlCol="0" anchor="ctr"/>
+                <a:lstStyle/>
+                <a:p>
+                  <a:pPr algn="ctr"/>
+                  <a:endParaRPr lang="en-GB" sz="1200"/>
+                </a:p>
+              </p:txBody>
+            </p:sp>
+            <p:sp>
+              <p:nvSpPr>
+                <p:cNvPr id="16" name="Triangolo isoscele 42">
+                  <a:extLst>
+                    <a:ext uri="{FF2B5EF4-FFF2-40B4-BE49-F238E27FC236}">
+                      <a16:creationId xmlns:a16="http://schemas.microsoft.com/office/drawing/2014/main" id="{34D1AFB1-88AB-4A6C-9824-2CF6DE11BF7C}"/>
+                    </a:ext>
+                  </a:extLst>
+                </p:cNvPr>
+                <p:cNvSpPr/>
+                <p:nvPr/>
+              </p:nvSpPr>
+              <p:spPr>
+                <a:xfrm rot="16200000">
+                  <a:off x="1618539" y="2391356"/>
+                  <a:ext cx="86434" cy="139263"/>
+                </a:xfrm>
+                <a:prstGeom prst="triangle">
+                  <a:avLst/>
+                </a:prstGeom>
+                <a:solidFill>
+                  <a:srgbClr val="FF0000"/>
+                </a:solidFill>
+                <a:ln/>
+              </p:spPr>
+              <p:style>
+                <a:lnRef idx="1">
+                  <a:schemeClr val="accent5"/>
+                </a:lnRef>
+                <a:fillRef idx="2">
+                  <a:schemeClr val="accent5"/>
+                </a:fillRef>
+                <a:effectRef idx="1">
+                  <a:schemeClr val="accent5"/>
+                </a:effectRef>
+                <a:fontRef idx="minor">
+                  <a:schemeClr val="dk1"/>
+                </a:fontRef>
+              </p:style>
+              <p:txBody>
+                <a:bodyPr rtlCol="0" anchor="ctr"/>
+                <a:lstStyle/>
+                <a:p>
+                  <a:pPr algn="ctr"/>
+                  <a:endParaRPr lang="en-GB" sz="1200"/>
+                </a:p>
+              </p:txBody>
+            </p:sp>
+          </p:grpSp>
+          <p:sp>
+            <p:nvSpPr>
+              <p:cNvPr id="13" name="Rettangolo 12"/>
+              <p:cNvSpPr/>
+              <p:nvPr/>
+            </p:nvSpPr>
+            <p:spPr>
+              <a:xfrm>
+                <a:off x="2697728" y="2458538"/>
+                <a:ext cx="1293085" cy="429765"/>
+              </a:xfrm>
+              <a:prstGeom prst="rect">
+                <a:avLst/>
+              </a:prstGeom>
+            </p:spPr>
+            <p:txBody>
+              <a:bodyPr wrap="none">
+                <a:spAutoFit/>
+              </a:bodyPr>
+              <a:lstStyle/>
+              <a:p>
+                <a:r>
+                  <a:rPr lang="en-GB" sz="1600" dirty="0" err="1"/>
+                  <a:t>basicrobot</a:t>
+                </a:r>
+                <a:endParaRPr lang="en-GB" dirty="0"/>
+              </a:p>
+            </p:txBody>
+          </p:sp>
+        </p:grpSp>
+        <p:sp>
+          <p:nvSpPr>
+            <p:cNvPr id="18" name="Rettangolo 17"/>
+            <p:cNvSpPr/>
+            <p:nvPr/>
+          </p:nvSpPr>
+          <p:spPr>
+            <a:xfrm>
+              <a:off x="5038211" y="3641067"/>
+              <a:ext cx="1067721" cy="390696"/>
+            </a:xfrm>
+            <a:prstGeom prst="rect">
+              <a:avLst/>
+            </a:prstGeom>
+          </p:spPr>
+          <p:txBody>
+            <a:bodyPr wrap="none">
+              <a:spAutoFit/>
+            </a:bodyPr>
+            <a:lstStyle/>
+            <a:p>
+              <a:r>
+                <a:rPr lang="en-GB" sz="1400" dirty="0" err="1"/>
+                <a:t>cmd</a:t>
+              </a:r>
+              <a:r>
+                <a:rPr lang="en-GB" sz="1400" dirty="0"/>
+                <a:t>( M ) </a:t>
+              </a:r>
+            </a:p>
+          </p:txBody>
+        </p:sp>
+        <p:grpSp>
+          <p:nvGrpSpPr>
+            <p:cNvPr id="20" name="Gruppo 19"/>
+            <p:cNvGrpSpPr/>
+            <p:nvPr/>
+          </p:nvGrpSpPr>
+          <p:grpSpPr>
+            <a:xfrm>
+              <a:off x="3846285" y="4604217"/>
+              <a:ext cx="2167217" cy="86434"/>
+              <a:chOff x="3091855" y="4419530"/>
+              <a:chExt cx="2167217" cy="86434"/>
+            </a:xfrm>
+          </p:grpSpPr>
+          <p:cxnSp>
+            <p:nvCxnSpPr>
+              <p:cNvPr id="21" name="Connettore 1 20"/>
+              <p:cNvCxnSpPr>
+                <a:cxnSpLocks/>
+              </p:cNvCxnSpPr>
+              <p:nvPr/>
+            </p:nvCxnSpPr>
+            <p:spPr>
+              <a:xfrm>
+                <a:off x="3152979" y="4462747"/>
+                <a:ext cx="2106093" cy="0"/>
+              </a:xfrm>
+              <a:prstGeom prst="line">
+                <a:avLst/>
+              </a:prstGeom>
+              <a:ln>
+                <a:prstDash val="dash"/>
+              </a:ln>
+            </p:spPr>
+            <p:style>
+              <a:lnRef idx="1">
+                <a:schemeClr val="accent1"/>
+              </a:lnRef>
+              <a:fillRef idx="0">
+                <a:schemeClr val="accent1"/>
+              </a:fillRef>
+              <a:effectRef idx="0">
+                <a:schemeClr val="accent1"/>
+              </a:effectRef>
+              <a:fontRef idx="minor">
+                <a:schemeClr val="tx1"/>
+              </a:fontRef>
+            </p:style>
+          </p:cxnSp>
+          <p:sp>
+            <p:nvSpPr>
+              <p:cNvPr id="22" name="Triangolo isoscele 21"/>
+              <p:cNvSpPr/>
+              <p:nvPr/>
+            </p:nvSpPr>
+            <p:spPr>
+              <a:xfrm rot="16200000">
+                <a:off x="3118270" y="4393115"/>
+                <a:ext cx="86434" cy="139263"/>
+              </a:xfrm>
+              <a:prstGeom prst="triangle">
+                <a:avLst/>
+              </a:prstGeom>
+              <a:solidFill>
+                <a:schemeClr val="bg1"/>
+              </a:solidFill>
+              <a:ln/>
+            </p:spPr>
+            <p:style>
+              <a:lnRef idx="1">
+                <a:schemeClr val="accent5"/>
+              </a:lnRef>
+              <a:fillRef idx="2">
+                <a:schemeClr val="accent5"/>
+              </a:fillRef>
+              <a:effectRef idx="1">
+                <a:schemeClr val="accent5"/>
+              </a:effectRef>
+              <a:fontRef idx="minor">
+                <a:schemeClr val="dk1"/>
+              </a:fontRef>
+            </p:style>
+            <p:txBody>
+              <a:bodyPr rtlCol="0" anchor="ctr"/>
+              <a:lstStyle/>
+              <a:p>
+                <a:pPr algn="ctr"/>
+                <a:endParaRPr lang="en-GB" sz="1200"/>
+              </a:p>
+            </p:txBody>
+          </p:sp>
+        </p:grpSp>
+        <p:sp>
+          <p:nvSpPr>
+            <p:cNvPr id="23" name="CasellaDiTesto 22"/>
+            <p:cNvSpPr txBox="1"/>
+            <p:nvPr/>
+          </p:nvSpPr>
+          <p:spPr>
+            <a:xfrm>
+              <a:off x="4726549" y="4743919"/>
+              <a:ext cx="1074642" cy="664182"/>
+            </a:xfrm>
+            <a:prstGeom prst="rect">
+              <a:avLst/>
+            </a:prstGeom>
+            <a:noFill/>
+          </p:spPr>
+          <p:txBody>
+            <a:bodyPr wrap="none" rtlCol="0">
+              <a:spAutoFit/>
+            </a:bodyPr>
+            <a:lstStyle/>
+            <a:p>
+              <a:r>
+                <a:rPr lang="it-IT" sz="1400" dirty="0" err="1"/>
+                <a:t>stepDone</a:t>
+              </a:r>
+              <a:endParaRPr lang="it-IT" sz="1400" dirty="0"/>
+            </a:p>
+            <a:p>
+              <a:r>
+                <a:rPr lang="it-IT" sz="1400" dirty="0" err="1"/>
+                <a:t>stepFail</a:t>
+              </a:r>
+              <a:endParaRPr lang="en-GB" sz="1400" dirty="0"/>
+            </a:p>
+          </p:txBody>
+        </p:sp>
+        <p:grpSp>
+          <p:nvGrpSpPr>
+            <p:cNvPr id="24" name="Gruppo 23"/>
+            <p:cNvGrpSpPr/>
+            <p:nvPr/>
+          </p:nvGrpSpPr>
+          <p:grpSpPr>
+            <a:xfrm>
+              <a:off x="3907409" y="4258878"/>
+              <a:ext cx="2212934" cy="86434"/>
+              <a:chOff x="3403313" y="4220922"/>
+              <a:chExt cx="2212934" cy="86434"/>
+            </a:xfrm>
+          </p:grpSpPr>
+          <p:sp>
+            <p:nvSpPr>
+              <p:cNvPr id="25" name="Triangolo isoscele 24"/>
+              <p:cNvSpPr/>
+              <p:nvPr/>
+            </p:nvSpPr>
+            <p:spPr>
+              <a:xfrm rot="5400000" flipH="1">
+                <a:off x="5503399" y="4194507"/>
+                <a:ext cx="86434" cy="139263"/>
+              </a:xfrm>
+              <a:prstGeom prst="triangle">
+                <a:avLst/>
+              </a:prstGeom>
+              <a:solidFill>
+                <a:schemeClr val="bg1"/>
+              </a:solidFill>
+              <a:ln/>
+            </p:spPr>
+            <p:style>
+              <a:lnRef idx="1">
+                <a:schemeClr val="accent5"/>
+              </a:lnRef>
+              <a:fillRef idx="2">
+                <a:schemeClr val="accent5"/>
+              </a:fillRef>
+              <a:effectRef idx="1">
+                <a:schemeClr val="accent5"/>
+              </a:effectRef>
+              <a:fontRef idx="minor">
+                <a:schemeClr val="dk1"/>
+              </a:fontRef>
+            </p:style>
+            <p:txBody>
+              <a:bodyPr rtlCol="0" anchor="ctr"/>
+              <a:lstStyle/>
+              <a:p>
+                <a:pPr algn="ctr"/>
+                <a:endParaRPr lang="en-GB" sz="1200"/>
+              </a:p>
+            </p:txBody>
+          </p:sp>
+          <p:cxnSp>
+            <p:nvCxnSpPr>
+              <p:cNvPr id="26" name="Connettore 1 25"/>
+              <p:cNvCxnSpPr>
+                <a:cxnSpLocks/>
+                <a:endCxn id="25" idx="3"/>
+              </p:cNvCxnSpPr>
+              <p:nvPr/>
+            </p:nvCxnSpPr>
+            <p:spPr>
+              <a:xfrm>
+                <a:off x="3403313" y="4264139"/>
+                <a:ext cx="2073672" cy="0"/>
+              </a:xfrm>
+              <a:prstGeom prst="line">
+                <a:avLst/>
+              </a:prstGeom>
+            </p:spPr>
+            <p:style>
+              <a:lnRef idx="1">
+                <a:schemeClr val="accent1"/>
+              </a:lnRef>
+              <a:fillRef idx="0">
+                <a:schemeClr val="accent1"/>
+              </a:fillRef>
+              <a:effectRef idx="0">
+                <a:schemeClr val="accent1"/>
+              </a:effectRef>
+              <a:fontRef idx="minor">
+                <a:schemeClr val="tx1"/>
+              </a:fontRef>
+            </p:style>
+          </p:cxnSp>
+        </p:grpSp>
+        <p:grpSp>
+          <p:nvGrpSpPr>
+            <p:cNvPr id="27" name="Gruppo 26"/>
+            <p:cNvGrpSpPr/>
+            <p:nvPr/>
+          </p:nvGrpSpPr>
+          <p:grpSpPr>
+            <a:xfrm flipH="1">
+              <a:off x="6127808" y="3397042"/>
+              <a:ext cx="592487" cy="258092"/>
+              <a:chOff x="5133975" y="5295900"/>
+              <a:chExt cx="342900" cy="238125"/>
+            </a:xfrm>
+          </p:grpSpPr>
+          <p:sp>
+            <p:nvSpPr>
+              <p:cNvPr id="28" name="Figura a mano libera 27"/>
+              <p:cNvSpPr/>
+              <p:nvPr/>
+            </p:nvSpPr>
+            <p:spPr>
+              <a:xfrm>
+                <a:off x="5133975" y="5295900"/>
+                <a:ext cx="342900" cy="238125"/>
+              </a:xfrm>
+              <a:custGeom>
+                <a:avLst/>
+                <a:gdLst>
+                  <a:gd name="connsiteX0" fmla="*/ 0 w 342900"/>
+                  <a:gd name="connsiteY0" fmla="*/ 142875 h 238125"/>
+                  <a:gd name="connsiteX1" fmla="*/ 28575 w 342900"/>
+                  <a:gd name="connsiteY1" fmla="*/ 38100 h 238125"/>
+                  <a:gd name="connsiteX2" fmla="*/ 47625 w 342900"/>
+                  <a:gd name="connsiteY2" fmla="*/ 9525 h 238125"/>
+                  <a:gd name="connsiteX3" fmla="*/ 76200 w 342900"/>
+                  <a:gd name="connsiteY3" fmla="*/ 0 h 238125"/>
+                  <a:gd name="connsiteX4" fmla="*/ 104775 w 342900"/>
+                  <a:gd name="connsiteY4" fmla="*/ 9525 h 238125"/>
+                  <a:gd name="connsiteX5" fmla="*/ 142875 w 342900"/>
+                  <a:gd name="connsiteY5" fmla="*/ 95250 h 238125"/>
+                  <a:gd name="connsiteX6" fmla="*/ 161925 w 342900"/>
+                  <a:gd name="connsiteY6" fmla="*/ 152400 h 238125"/>
+                  <a:gd name="connsiteX7" fmla="*/ 171450 w 342900"/>
+                  <a:gd name="connsiteY7" fmla="*/ 180975 h 238125"/>
+                  <a:gd name="connsiteX8" fmla="*/ 209550 w 342900"/>
+                  <a:gd name="connsiteY8" fmla="*/ 238125 h 238125"/>
+                  <a:gd name="connsiteX9" fmla="*/ 238125 w 342900"/>
+                  <a:gd name="connsiteY9" fmla="*/ 180975 h 238125"/>
+                  <a:gd name="connsiteX10" fmla="*/ 266700 w 342900"/>
+                  <a:gd name="connsiteY10" fmla="*/ 104775 h 238125"/>
+                  <a:gd name="connsiteX11" fmla="*/ 342900 w 342900"/>
+                  <a:gd name="connsiteY11" fmla="*/ 85725 h 238125"/>
+                </a:gdLst>
+                <a:ahLst/>
+                <a:cxnLst>
+                  <a:cxn ang="0">
+                    <a:pos x="connsiteX0" y="connsiteY0"/>
+                  </a:cxn>
+                  <a:cxn ang="0">
+                    <a:pos x="connsiteX1" y="connsiteY1"/>
+                  </a:cxn>
+                  <a:cxn ang="0">
+                    <a:pos x="connsiteX2" y="connsiteY2"/>
+                  </a:cxn>
+                  <a:cxn ang="0">
+                    <a:pos x="connsiteX3" y="connsiteY3"/>
+                  </a:cxn>
+                  <a:cxn ang="0">
+                    <a:pos x="connsiteX4" y="connsiteY4"/>
+                  </a:cxn>
+                  <a:cxn ang="0">
+                    <a:pos x="connsiteX5" y="connsiteY5"/>
+                  </a:cxn>
+                  <a:cxn ang="0">
+                    <a:pos x="connsiteX6" y="connsiteY6"/>
+                  </a:cxn>
+                  <a:cxn ang="0">
+                    <a:pos x="connsiteX7" y="connsiteY7"/>
+                  </a:cxn>
+                  <a:cxn ang="0">
+                    <a:pos x="connsiteX8" y="connsiteY8"/>
+                  </a:cxn>
+                  <a:cxn ang="0">
+                    <a:pos x="connsiteX9" y="connsiteY9"/>
+                  </a:cxn>
+                  <a:cxn ang="0">
+                    <a:pos x="connsiteX10" y="connsiteY10"/>
+                  </a:cxn>
+                  <a:cxn ang="0">
+                    <a:pos x="connsiteX11" y="connsiteY11"/>
+                  </a:cxn>
+                </a:cxnLst>
+                <a:rect l="l" t="t" r="r" b="b"/>
+                <a:pathLst>
+                  <a:path w="342900" h="238125">
+                    <a:moveTo>
+                      <a:pt x="0" y="142875"/>
+                    </a:moveTo>
+                    <a:cubicBezTo>
+                      <a:pt x="5112" y="117315"/>
+                      <a:pt x="14764" y="58817"/>
+                      <a:pt x="28575" y="38100"/>
+                    </a:cubicBezTo>
+                    <a:cubicBezTo>
+                      <a:pt x="34925" y="28575"/>
+                      <a:pt x="38686" y="16676"/>
+                      <a:pt x="47625" y="9525"/>
+                    </a:cubicBezTo>
+                    <a:cubicBezTo>
+                      <a:pt x="55465" y="3253"/>
+                      <a:pt x="66675" y="3175"/>
+                      <a:pt x="76200" y="0"/>
+                    </a:cubicBezTo>
+                    <a:cubicBezTo>
+                      <a:pt x="85725" y="3175"/>
+                      <a:pt x="96935" y="3253"/>
+                      <a:pt x="104775" y="9525"/>
+                    </a:cubicBezTo>
+                    <a:cubicBezTo>
+                      <a:pt x="125358" y="25992"/>
+                      <a:pt x="137054" y="77787"/>
+                      <a:pt x="142875" y="95250"/>
+                    </a:cubicBezTo>
+                    <a:lnTo>
+                      <a:pt x="161925" y="152400"/>
+                    </a:lnTo>
+                    <a:cubicBezTo>
+                      <a:pt x="165100" y="161925"/>
+                      <a:pt x="169481" y="171130"/>
+                      <a:pt x="171450" y="180975"/>
+                    </a:cubicBezTo>
+                    <a:cubicBezTo>
+                      <a:pt x="182944" y="238445"/>
+                      <a:pt x="165616" y="223480"/>
+                      <a:pt x="209550" y="238125"/>
+                    </a:cubicBezTo>
+                    <a:cubicBezTo>
+                      <a:pt x="228174" y="210189"/>
+                      <a:pt x="230238" y="212523"/>
+                      <a:pt x="238125" y="180975"/>
+                    </a:cubicBezTo>
+                    <a:cubicBezTo>
+                      <a:pt x="243105" y="161054"/>
+                      <a:pt x="243471" y="119293"/>
+                      <a:pt x="266700" y="104775"/>
+                    </a:cubicBezTo>
+                    <a:cubicBezTo>
+                      <a:pt x="300393" y="83717"/>
+                      <a:pt x="313092" y="85725"/>
+                      <a:pt x="342900" y="85725"/>
+                    </a:cubicBezTo>
+                  </a:path>
+                </a:pathLst>
+              </a:custGeom>
+              <a:noFill/>
+              <a:ln>
+                <a:solidFill>
+                  <a:srgbClr val="C00000"/>
+                </a:solidFill>
+              </a:ln>
+            </p:spPr>
+            <p:style>
+              <a:lnRef idx="2">
+                <a:schemeClr val="accent1">
+                  <a:shade val="50000"/>
+                </a:schemeClr>
+              </a:lnRef>
+              <a:fillRef idx="1">
+                <a:schemeClr val="accent1"/>
+              </a:fillRef>
+              <a:effectRef idx="0">
+                <a:schemeClr val="accent1"/>
+              </a:effectRef>
+              <a:fontRef idx="minor">
+                <a:schemeClr val="lt1"/>
+              </a:fontRef>
+            </p:style>
+            <p:txBody>
+              <a:bodyPr rtlCol="0" anchor="ctr"/>
+              <a:lstStyle/>
+              <a:p>
+                <a:pPr algn="ctr"/>
+                <a:endParaRPr lang="it-IT"/>
+              </a:p>
+            </p:txBody>
+          </p:sp>
+          <p:sp>
+            <p:nvSpPr>
+              <p:cNvPr id="29" name="Figura a mano libera 28"/>
+              <p:cNvSpPr/>
+              <p:nvPr/>
+            </p:nvSpPr>
+            <p:spPr>
+              <a:xfrm>
+                <a:off x="5400675" y="5353050"/>
+                <a:ext cx="66675" cy="38100"/>
+              </a:xfrm>
+              <a:custGeom>
+                <a:avLst/>
+                <a:gdLst>
+                  <a:gd name="connsiteX0" fmla="*/ 66675 w 66675"/>
+                  <a:gd name="connsiteY0" fmla="*/ 38100 h 38100"/>
+                  <a:gd name="connsiteX1" fmla="*/ 0 w 66675"/>
+                  <a:gd name="connsiteY1" fmla="*/ 0 h 38100"/>
+                </a:gdLst>
+                <a:ahLst/>
+                <a:cxnLst>
+                  <a:cxn ang="0">
+                    <a:pos x="connsiteX0" y="connsiteY0"/>
+                  </a:cxn>
+                  <a:cxn ang="0">
+                    <a:pos x="connsiteX1" y="connsiteY1"/>
+                  </a:cxn>
+                </a:cxnLst>
+                <a:rect l="l" t="t" r="r" b="b"/>
+                <a:pathLst>
+                  <a:path w="66675" h="38100">
+                    <a:moveTo>
+                      <a:pt x="66675" y="38100"/>
+                    </a:moveTo>
+                    <a:cubicBezTo>
+                      <a:pt x="12962" y="5872"/>
+                      <a:pt x="35609" y="17804"/>
+                      <a:pt x="0" y="0"/>
+                    </a:cubicBezTo>
+                  </a:path>
+                </a:pathLst>
+              </a:custGeom>
+              <a:noFill/>
+              <a:ln>
+                <a:solidFill>
+                  <a:srgbClr val="C00000"/>
+                </a:solidFill>
+              </a:ln>
+            </p:spPr>
+            <p:style>
+              <a:lnRef idx="2">
+                <a:schemeClr val="accent1">
+                  <a:shade val="50000"/>
+                </a:schemeClr>
+              </a:lnRef>
+              <a:fillRef idx="1">
+                <a:schemeClr val="accent1"/>
+              </a:fillRef>
+              <a:effectRef idx="0">
+                <a:schemeClr val="accent1"/>
+              </a:effectRef>
+              <a:fontRef idx="minor">
+                <a:schemeClr val="lt1"/>
+              </a:fontRef>
+            </p:style>
+            <p:txBody>
+              <a:bodyPr rtlCol="0" anchor="ctr"/>
+              <a:lstStyle/>
+              <a:p>
+                <a:pPr algn="ctr"/>
+                <a:endParaRPr lang="it-IT" dirty="0"/>
+              </a:p>
+            </p:txBody>
+          </p:sp>
+          <p:sp>
+            <p:nvSpPr>
+              <p:cNvPr id="30" name="Figura a mano libera 29"/>
+              <p:cNvSpPr/>
+              <p:nvPr/>
+            </p:nvSpPr>
+            <p:spPr>
+              <a:xfrm>
+                <a:off x="5419725" y="5381625"/>
+                <a:ext cx="47625" cy="57150"/>
+              </a:xfrm>
+              <a:custGeom>
+                <a:avLst/>
+                <a:gdLst>
+                  <a:gd name="connsiteX0" fmla="*/ 47625 w 47625"/>
+                  <a:gd name="connsiteY0" fmla="*/ 0 h 57150"/>
+                  <a:gd name="connsiteX1" fmla="*/ 0 w 47625"/>
+                  <a:gd name="connsiteY1" fmla="*/ 57150 h 57150"/>
+                </a:gdLst>
+                <a:ahLst/>
+                <a:cxnLst>
+                  <a:cxn ang="0">
+                    <a:pos x="connsiteX0" y="connsiteY0"/>
+                  </a:cxn>
+                  <a:cxn ang="0">
+                    <a:pos x="connsiteX1" y="connsiteY1"/>
+                  </a:cxn>
+                </a:cxnLst>
+                <a:rect l="l" t="t" r="r" b="b"/>
+                <a:pathLst>
+                  <a:path w="47625" h="57150">
+                    <a:moveTo>
+                      <a:pt x="47625" y="0"/>
+                    </a:moveTo>
+                    <a:cubicBezTo>
+                      <a:pt x="15397" y="53713"/>
+                      <a:pt x="35609" y="39346"/>
+                      <a:pt x="0" y="57150"/>
+                    </a:cubicBezTo>
+                  </a:path>
+                </a:pathLst>
+              </a:custGeom>
+              <a:noFill/>
+              <a:ln>
+                <a:solidFill>
+                  <a:srgbClr val="C00000"/>
+                </a:solidFill>
+              </a:ln>
+            </p:spPr>
+            <p:style>
+              <a:lnRef idx="2">
+                <a:schemeClr val="accent1">
+                  <a:shade val="50000"/>
+                </a:schemeClr>
+              </a:lnRef>
+              <a:fillRef idx="1">
+                <a:schemeClr val="accent1"/>
+              </a:fillRef>
+              <a:effectRef idx="0">
+                <a:schemeClr val="accent1"/>
+              </a:effectRef>
+              <a:fontRef idx="minor">
+                <a:schemeClr val="lt1"/>
+              </a:fontRef>
+            </p:style>
+            <p:txBody>
+              <a:bodyPr rtlCol="0" anchor="ctr"/>
+              <a:lstStyle/>
+              <a:p>
+                <a:pPr algn="ctr"/>
+                <a:endParaRPr lang="it-IT"/>
+              </a:p>
+            </p:txBody>
+          </p:sp>
+        </p:grpSp>
+        <p:sp>
+          <p:nvSpPr>
+            <p:cNvPr id="31" name="Rettangolo 30"/>
+            <p:cNvSpPr/>
+            <p:nvPr/>
+          </p:nvSpPr>
+          <p:spPr>
+            <a:xfrm>
+              <a:off x="5184396" y="3305289"/>
+              <a:ext cx="962427" cy="390696"/>
+            </a:xfrm>
+            <a:prstGeom prst="rect">
+              <a:avLst/>
+            </a:prstGeom>
+          </p:spPr>
+          <p:txBody>
+            <a:bodyPr wrap="none">
+              <a:spAutoFit/>
+            </a:bodyPr>
+            <a:lstStyle/>
+            <a:p>
+              <a:r>
+                <a:rPr lang="en-GB" sz="1400" dirty="0"/>
+                <a:t>obstacle</a:t>
+              </a:r>
+            </a:p>
+          </p:txBody>
+        </p:sp>
+        <p:grpSp>
+          <p:nvGrpSpPr>
+            <p:cNvPr id="32" name="Gruppo 31"/>
+            <p:cNvGrpSpPr/>
+            <p:nvPr/>
+          </p:nvGrpSpPr>
+          <p:grpSpPr>
+            <a:xfrm>
+              <a:off x="6643199" y="5441267"/>
+              <a:ext cx="558683" cy="519971"/>
+              <a:chOff x="4403491" y="4276791"/>
+              <a:chExt cx="749721" cy="720080"/>
+            </a:xfrm>
+          </p:grpSpPr>
+          <p:sp>
+            <p:nvSpPr>
+              <p:cNvPr id="33" name="Ovale 33">
+                <a:extLst>
+                  <a:ext uri="{FF2B5EF4-FFF2-40B4-BE49-F238E27FC236}">
+                    <a16:creationId xmlns:a16="http://schemas.microsoft.com/office/drawing/2014/main" id="{A4E6BBEC-1E11-48AC-9881-2BCB8F6CF48A}"/>
+                  </a:ext>
+                </a:extLst>
+              </p:cNvPr>
+              <p:cNvSpPr/>
+              <p:nvPr/>
+            </p:nvSpPr>
+            <p:spPr>
+              <a:xfrm>
+                <a:off x="4403491" y="4276791"/>
+                <a:ext cx="749721" cy="720080"/>
+              </a:xfrm>
+              <a:prstGeom prst="ellipse">
+                <a:avLst/>
+              </a:prstGeom>
+              <a:ln/>
+            </p:spPr>
+            <p:style>
+              <a:lnRef idx="1">
+                <a:schemeClr val="accent5"/>
+              </a:lnRef>
+              <a:fillRef idx="2">
+                <a:schemeClr val="accent5"/>
+              </a:fillRef>
+              <a:effectRef idx="1">
+                <a:schemeClr val="accent5"/>
+              </a:effectRef>
+              <a:fontRef idx="minor">
+                <a:schemeClr val="dk1"/>
+              </a:fontRef>
+            </p:style>
+            <p:txBody>
+              <a:bodyPr rtlCol="0" anchor="ctr"/>
+              <a:lstStyle/>
+              <a:p>
+                <a:pPr algn="ctr"/>
+                <a:r>
+                  <a:rPr lang="en-GB" sz="1200" dirty="0"/>
+                  <a:t> </a:t>
+                </a:r>
+              </a:p>
+            </p:txBody>
+          </p:sp>
+          <p:cxnSp>
+            <p:nvCxnSpPr>
+              <p:cNvPr id="34" name="Connettore 2 126">
+                <a:extLst>
+                  <a:ext uri="{FF2B5EF4-FFF2-40B4-BE49-F238E27FC236}">
+                    <a16:creationId xmlns:a16="http://schemas.microsoft.com/office/drawing/2014/main" id="{36CC678F-7232-496B-B9F9-4DE6B53CD494}"/>
+                  </a:ext>
+                </a:extLst>
+              </p:cNvPr>
+              <p:cNvCxnSpPr/>
+              <p:nvPr/>
+            </p:nvCxnSpPr>
+            <p:spPr>
+              <a:xfrm flipH="1">
+                <a:off x="4764885" y="4403661"/>
+                <a:ext cx="13466" cy="393101"/>
+              </a:xfrm>
+              <a:prstGeom prst="straightConnector1">
+                <a:avLst/>
+              </a:prstGeom>
+              <a:ln>
+                <a:solidFill>
+                  <a:srgbClr val="C00000"/>
+                </a:solidFill>
+                <a:prstDash val="lgDash"/>
+                <a:tailEnd type="arrow"/>
+              </a:ln>
+            </p:spPr>
+            <p:style>
+              <a:lnRef idx="1">
+                <a:schemeClr val="accent1"/>
+              </a:lnRef>
+              <a:fillRef idx="0">
+                <a:schemeClr val="accent1"/>
+              </a:fillRef>
+              <a:effectRef idx="0">
+                <a:schemeClr val="accent1"/>
+              </a:effectRef>
+              <a:fontRef idx="minor">
+                <a:schemeClr val="tx1"/>
+              </a:fontRef>
+            </p:style>
+          </p:cxnSp>
+        </p:grpSp>
+        <p:sp>
+          <p:nvSpPr>
+            <p:cNvPr id="35" name="Ovale 33">
+              <a:extLst>
+                <a:ext uri="{FF2B5EF4-FFF2-40B4-BE49-F238E27FC236}">
+                  <a16:creationId xmlns:a16="http://schemas.microsoft.com/office/drawing/2014/main" id="{A4E6BBEC-1E11-48AC-9881-2BCB8F6CF48A}"/>
+                </a:ext>
+              </a:extLst>
+            </p:cNvPr>
+            <p:cNvSpPr/>
+            <p:nvPr/>
+          </p:nvSpPr>
+          <p:spPr>
+            <a:xfrm>
+              <a:off x="6822033" y="4749980"/>
+              <a:ext cx="749721" cy="720080"/>
+            </a:xfrm>
+            <a:prstGeom prst="ellipse">
+              <a:avLst/>
+            </a:prstGeom>
+            <a:ln/>
+          </p:spPr>
+          <p:style>
+            <a:lnRef idx="1">
+              <a:schemeClr val="accent5"/>
+            </a:lnRef>
+            <a:fillRef idx="2">
+              <a:schemeClr val="accent5"/>
+            </a:fillRef>
+            <a:effectRef idx="1">
+              <a:schemeClr val="accent5"/>
+            </a:effectRef>
+            <a:fontRef idx="minor">
+              <a:schemeClr val="dk1"/>
+            </a:fontRef>
+          </p:style>
+          <p:txBody>
+            <a:bodyPr rtlCol="0" anchor="ctr"/>
+            <a:lstStyle/>
+            <a:p>
+              <a:pPr algn="ctr"/>
+              <a:r>
+                <a:rPr lang="en-GB" sz="1200" dirty="0"/>
+                <a:t> </a:t>
+              </a:r>
+            </a:p>
+          </p:txBody>
+        </p:sp>
+        <p:sp>
+          <p:nvSpPr>
+            <p:cNvPr id="36" name="Rettangolo 35"/>
+            <p:cNvSpPr/>
+            <p:nvPr/>
+          </p:nvSpPr>
+          <p:spPr>
+            <a:xfrm>
+              <a:off x="6926933" y="4890295"/>
+              <a:ext cx="1421944" cy="390696"/>
+            </a:xfrm>
+            <a:prstGeom prst="rect">
+              <a:avLst/>
+            </a:prstGeom>
+          </p:spPr>
+          <p:txBody>
+            <a:bodyPr wrap="none">
+              <a:spAutoFit/>
+            </a:bodyPr>
+            <a:lstStyle/>
+            <a:p>
+              <a:r>
+                <a:rPr lang="en-GB" sz="1400" dirty="0" err="1"/>
+                <a:t>robotSupport</a:t>
+              </a:r>
+              <a:endParaRPr lang="en-GB" sz="1600" dirty="0"/>
+            </a:p>
+          </p:txBody>
+        </p:sp>
+        <p:sp>
+          <p:nvSpPr>
+            <p:cNvPr id="37" name="Rettangolo 36"/>
+            <p:cNvSpPr/>
+            <p:nvPr/>
+          </p:nvSpPr>
+          <p:spPr>
+            <a:xfrm>
+              <a:off x="5725037" y="5503077"/>
+              <a:ext cx="1285929" cy="215444"/>
+            </a:xfrm>
+            <a:prstGeom prst="rect">
+              <a:avLst/>
+            </a:prstGeom>
+          </p:spPr>
+          <p:txBody>
+            <a:bodyPr wrap="none">
+              <a:spAutoFit/>
+            </a:bodyPr>
+            <a:lstStyle/>
+            <a:p>
+              <a:r>
+                <a:rPr lang="en-GB" sz="800" dirty="0" err="1">
+                  <a:latin typeface="Arial" panose="020B0604020202020204" pitchFamily="34" charset="0"/>
+                  <a:cs typeface="Arial" panose="020B0604020202020204" pitchFamily="34" charset="0"/>
+                </a:rPr>
+                <a:t>virtualRobotSupportQak</a:t>
+              </a:r>
+              <a:endParaRPr lang="en-GB" sz="800" dirty="0">
+                <a:latin typeface="Arial" panose="020B0604020202020204" pitchFamily="34" charset="0"/>
+                <a:cs typeface="Arial" panose="020B0604020202020204" pitchFamily="34" charset="0"/>
+              </a:endParaRPr>
+            </a:p>
+          </p:txBody>
+        </p:sp>
+        <p:sp>
+          <p:nvSpPr>
+            <p:cNvPr id="38" name="Rectangle 5">
+              <a:extLst>
+                <a:ext uri="{FF2B5EF4-FFF2-40B4-BE49-F238E27FC236}">
+                  <a16:creationId xmlns:a16="http://schemas.microsoft.com/office/drawing/2014/main" id="{DFDC7F0A-882C-4149-983D-9A958C225794}"/>
+                </a:ext>
+              </a:extLst>
+            </p:cNvPr>
+            <p:cNvSpPr>
+              <a:spLocks noChangeArrowheads="1"/>
+            </p:cNvSpPr>
+            <p:nvPr/>
+          </p:nvSpPr>
+          <p:spPr bwMode="auto">
+            <a:xfrm>
+              <a:off x="5904219" y="5985351"/>
+              <a:ext cx="716863" cy="215444"/>
+            </a:xfrm>
+            <a:prstGeom prst="rect">
+              <a:avLst/>
+            </a:prstGeom>
+            <a:noFill/>
+          </p:spPr>
+          <p:txBody>
+            <a:bodyPr wrap="none" rtlCol="0">
+              <a:spAutoFit/>
+            </a:bodyPr>
+            <a:lstStyle/>
+            <a:p>
+              <a:r>
+                <a:rPr lang="en-US" altLang="en-US" sz="800" dirty="0">
+                  <a:latin typeface="Arial" panose="020B0604020202020204" pitchFamily="34" charset="0"/>
+                  <a:cs typeface="Arial" panose="020B0604020202020204" pitchFamily="34" charset="0"/>
+                </a:rPr>
+                <a:t>TCP socket</a:t>
+              </a:r>
+            </a:p>
+          </p:txBody>
+        </p:sp>
+        <p:sp>
+          <p:nvSpPr>
+            <p:cNvPr id="39" name="Ovale 33">
+              <a:extLst>
+                <a:ext uri="{FF2B5EF4-FFF2-40B4-BE49-F238E27FC236}">
+                  <a16:creationId xmlns:a16="http://schemas.microsoft.com/office/drawing/2014/main" id="{3D0173EE-08DD-4F1E-9226-740254360410}"/>
+                </a:ext>
+              </a:extLst>
+            </p:cNvPr>
+            <p:cNvSpPr/>
+            <p:nvPr/>
+          </p:nvSpPr>
+          <p:spPr>
+            <a:xfrm>
+              <a:off x="6444215" y="5823727"/>
+              <a:ext cx="312930" cy="275021"/>
+            </a:xfrm>
+            <a:prstGeom prst="ellipse">
+              <a:avLst/>
+            </a:prstGeom>
+            <a:ln/>
+          </p:spPr>
+          <p:style>
+            <a:lnRef idx="1">
+              <a:schemeClr val="accent5"/>
+            </a:lnRef>
+            <a:fillRef idx="2">
+              <a:schemeClr val="accent5"/>
+            </a:fillRef>
+            <a:effectRef idx="1">
+              <a:schemeClr val="accent5"/>
+            </a:effectRef>
+            <a:fontRef idx="minor">
+              <a:schemeClr val="dk1"/>
+            </a:fontRef>
+          </p:style>
+          <p:txBody>
+            <a:bodyPr rtlCol="0" anchor="ctr"/>
+            <a:lstStyle/>
+            <a:p>
+              <a:pPr algn="ctr"/>
+              <a:r>
+                <a:rPr lang="en-GB" sz="1200" dirty="0"/>
+                <a:t> </a:t>
+              </a:r>
+            </a:p>
+          </p:txBody>
+        </p:sp>
+        <p:sp>
+          <p:nvSpPr>
+            <p:cNvPr id="40" name="Ovale 33">
+              <a:extLst>
+                <a:ext uri="{FF2B5EF4-FFF2-40B4-BE49-F238E27FC236}">
+                  <a16:creationId xmlns:a16="http://schemas.microsoft.com/office/drawing/2014/main" id="{A4E6BBEC-1E11-48AC-9881-2BCB8F6CF48A}"/>
+                </a:ext>
+              </a:extLst>
+            </p:cNvPr>
+            <p:cNvSpPr/>
+            <p:nvPr/>
+          </p:nvSpPr>
+          <p:spPr>
+            <a:xfrm>
+              <a:off x="7278154" y="5457755"/>
+              <a:ext cx="461901" cy="469630"/>
+            </a:xfrm>
+            <a:prstGeom prst="ellipse">
+              <a:avLst/>
+            </a:prstGeom>
+            <a:ln/>
+          </p:spPr>
+          <p:style>
+            <a:lnRef idx="1">
+              <a:schemeClr val="accent5"/>
+            </a:lnRef>
+            <a:fillRef idx="2">
+              <a:schemeClr val="accent5"/>
+            </a:fillRef>
+            <a:effectRef idx="1">
+              <a:schemeClr val="accent5"/>
+            </a:effectRef>
+            <a:fontRef idx="minor">
+              <a:schemeClr val="dk1"/>
+            </a:fontRef>
+          </p:style>
+          <p:txBody>
+            <a:bodyPr rtlCol="0" anchor="ctr"/>
+            <a:lstStyle/>
+            <a:p>
+              <a:pPr algn="ctr"/>
+              <a:r>
+                <a:rPr lang="en-GB" sz="1200" dirty="0"/>
+                <a:t> </a:t>
+              </a:r>
+            </a:p>
+          </p:txBody>
+        </p:sp>
+        <p:sp>
+          <p:nvSpPr>
+            <p:cNvPr id="41" name="Rettangolo 40"/>
+            <p:cNvSpPr/>
+            <p:nvPr/>
+          </p:nvSpPr>
+          <p:spPr>
+            <a:xfrm>
+              <a:off x="7159713" y="5536312"/>
+              <a:ext cx="776175" cy="215444"/>
+            </a:xfrm>
+            <a:prstGeom prst="rect">
+              <a:avLst/>
+            </a:prstGeom>
+          </p:spPr>
+          <p:txBody>
+            <a:bodyPr wrap="none">
+              <a:spAutoFit/>
+            </a:bodyPr>
+            <a:lstStyle/>
+            <a:p>
+              <a:r>
+                <a:rPr lang="en-GB" sz="800" dirty="0" err="1">
+                  <a:latin typeface="Arial" panose="020B0604020202020204" pitchFamily="34" charset="0"/>
+                  <a:cs typeface="Arial" panose="020B0604020202020204" pitchFamily="34" charset="0"/>
+                </a:rPr>
+                <a:t>mbotSupport</a:t>
+              </a:r>
+              <a:endParaRPr lang="en-GB" sz="800" dirty="0">
+                <a:latin typeface="Arial" panose="020B0604020202020204" pitchFamily="34" charset="0"/>
+                <a:cs typeface="Arial" panose="020B0604020202020204" pitchFamily="34" charset="0"/>
+              </a:endParaRPr>
+            </a:p>
+          </p:txBody>
+        </p:sp>
+        <p:sp>
+          <p:nvSpPr>
+            <p:cNvPr id="42" name="Ovale 33">
+              <a:extLst>
+                <a:ext uri="{FF2B5EF4-FFF2-40B4-BE49-F238E27FC236}">
+                  <a16:creationId xmlns:a16="http://schemas.microsoft.com/office/drawing/2014/main" id="{3D0173EE-08DD-4F1E-9226-740254360410}"/>
+                </a:ext>
+              </a:extLst>
+            </p:cNvPr>
+            <p:cNvSpPr/>
+            <p:nvPr/>
+          </p:nvSpPr>
+          <p:spPr>
+            <a:xfrm>
+              <a:off x="7658931" y="5892920"/>
+              <a:ext cx="312930" cy="275021"/>
+            </a:xfrm>
+            <a:prstGeom prst="ellipse">
+              <a:avLst/>
+            </a:prstGeom>
+            <a:ln/>
+          </p:spPr>
+          <p:style>
+            <a:lnRef idx="1">
+              <a:schemeClr val="accent5"/>
+            </a:lnRef>
+            <a:fillRef idx="2">
+              <a:schemeClr val="accent5"/>
+            </a:fillRef>
+            <a:effectRef idx="1">
+              <a:schemeClr val="accent5"/>
+            </a:effectRef>
+            <a:fontRef idx="minor">
+              <a:schemeClr val="dk1"/>
+            </a:fontRef>
+          </p:style>
+          <p:txBody>
+            <a:bodyPr rtlCol="0" anchor="ctr"/>
+            <a:lstStyle/>
+            <a:p>
+              <a:pPr algn="ctr"/>
+              <a:r>
+                <a:rPr lang="en-GB" sz="1200" dirty="0"/>
+                <a:t> </a:t>
+              </a:r>
+            </a:p>
+          </p:txBody>
+        </p:sp>
+        <p:sp>
+          <p:nvSpPr>
+            <p:cNvPr id="43" name="Rectangle 5">
+              <a:extLst>
+                <a:ext uri="{FF2B5EF4-FFF2-40B4-BE49-F238E27FC236}">
+                  <a16:creationId xmlns:a16="http://schemas.microsoft.com/office/drawing/2014/main" id="{DFDC7F0A-882C-4149-983D-9A958C225794}"/>
+                </a:ext>
+              </a:extLst>
+            </p:cNvPr>
+            <p:cNvSpPr>
+              <a:spLocks noChangeArrowheads="1"/>
+            </p:cNvSpPr>
+            <p:nvPr/>
+          </p:nvSpPr>
+          <p:spPr bwMode="auto">
+            <a:xfrm>
+              <a:off x="7648748" y="5919933"/>
+              <a:ext cx="447559" cy="215444"/>
+            </a:xfrm>
+            <a:prstGeom prst="rect">
+              <a:avLst/>
+            </a:prstGeom>
+            <a:noFill/>
+          </p:spPr>
+          <p:txBody>
+            <a:bodyPr wrap="none" rtlCol="0">
+              <a:spAutoFit/>
+            </a:bodyPr>
+            <a:lstStyle/>
+            <a:p>
+              <a:r>
+                <a:rPr lang="en-US" altLang="en-US" sz="800" dirty="0">
+                  <a:latin typeface="Arial" panose="020B0604020202020204" pitchFamily="34" charset="0"/>
+                  <a:cs typeface="Arial" panose="020B0604020202020204" pitchFamily="34" charset="0"/>
+                </a:rPr>
+                <a:t>Serial</a:t>
+              </a:r>
+            </a:p>
+          </p:txBody>
+        </p:sp>
+        <p:sp>
+          <p:nvSpPr>
+            <p:cNvPr id="44" name="Rettangolo 43"/>
+            <p:cNvSpPr/>
+            <p:nvPr/>
+          </p:nvSpPr>
+          <p:spPr>
+            <a:xfrm>
+              <a:off x="7932403" y="5466838"/>
+              <a:ext cx="1321196" cy="215444"/>
+            </a:xfrm>
+            <a:prstGeom prst="rect">
+              <a:avLst/>
+            </a:prstGeom>
+            <a:noFill/>
+          </p:spPr>
+          <p:txBody>
+            <a:bodyPr wrap="none" rtlCol="0">
+              <a:spAutoFit/>
+            </a:bodyPr>
+            <a:lstStyle/>
+            <a:p>
+              <a:r>
+                <a:rPr lang="en-GB" sz="800" dirty="0" err="1">
+                  <a:latin typeface="Arial" panose="020B0604020202020204" pitchFamily="34" charset="0"/>
+                  <a:cs typeface="Arial" panose="020B0604020202020204" pitchFamily="34" charset="0"/>
+                </a:rPr>
+                <a:t>robotDataSourceArduino</a:t>
+              </a:r>
+              <a:endParaRPr lang="en-GB" sz="800" dirty="0">
+                <a:latin typeface="Arial" panose="020B0604020202020204" pitchFamily="34" charset="0"/>
+                <a:cs typeface="Arial" panose="020B0604020202020204" pitchFamily="34" charset="0"/>
+              </a:endParaRPr>
+            </a:p>
+          </p:txBody>
+        </p:sp>
+        <p:sp>
+          <p:nvSpPr>
+            <p:cNvPr id="46" name="Rettangolo 45"/>
+            <p:cNvSpPr/>
+            <p:nvPr/>
+          </p:nvSpPr>
+          <p:spPr>
+            <a:xfrm>
+              <a:off x="7860230" y="3308357"/>
+              <a:ext cx="1001747" cy="457200"/>
+            </a:xfrm>
+            <a:prstGeom prst="rect">
+              <a:avLst/>
+            </a:prstGeom>
+          </p:spPr>
+          <p:style>
+            <a:lnRef idx="1">
+              <a:schemeClr val="accent3"/>
+            </a:lnRef>
+            <a:fillRef idx="2">
+              <a:schemeClr val="accent3"/>
+            </a:fillRef>
+            <a:effectRef idx="1">
+              <a:schemeClr val="accent3"/>
+            </a:effectRef>
+            <a:fontRef idx="minor">
+              <a:schemeClr val="dk1"/>
+            </a:fontRef>
+          </p:style>
+          <p:txBody>
+            <a:bodyPr rtlCol="0" anchor="ctr"/>
+            <a:lstStyle/>
+            <a:p>
+              <a:pPr algn="ctr"/>
+              <a:r>
+                <a:rPr lang="it-IT" sz="1600" dirty="0"/>
+                <a:t>8020</a:t>
+              </a:r>
+              <a:endParaRPr lang="en-GB" dirty="0"/>
+            </a:p>
+          </p:txBody>
+        </p:sp>
+        <p:sp>
+          <p:nvSpPr>
+            <p:cNvPr id="47" name="Rettangolo 46"/>
+            <p:cNvSpPr/>
+            <p:nvPr/>
+          </p:nvSpPr>
+          <p:spPr>
+            <a:xfrm>
+              <a:off x="6484156" y="6228367"/>
+              <a:ext cx="1922512" cy="457200"/>
+            </a:xfrm>
+            <a:prstGeom prst="rect">
+              <a:avLst/>
+            </a:prstGeom>
+            <a:solidFill>
+              <a:srgbClr val="FFFF99"/>
+            </a:solidFill>
+          </p:spPr>
+          <p:style>
+            <a:lnRef idx="1">
+              <a:schemeClr val="accent1"/>
+            </a:lnRef>
+            <a:fillRef idx="2">
+              <a:schemeClr val="accent1"/>
+            </a:fillRef>
+            <a:effectRef idx="1">
+              <a:schemeClr val="accent1"/>
+            </a:effectRef>
+            <a:fontRef idx="minor">
+              <a:schemeClr val="dk1"/>
+            </a:fontRef>
+          </p:style>
+          <p:txBody>
+            <a:bodyPr rtlCol="0" anchor="ctr"/>
+            <a:lstStyle/>
+            <a:p>
+              <a:pPr algn="ctr"/>
+              <a:r>
+                <a:rPr lang="en-GB" sz="1600" dirty="0" err="1"/>
+                <a:t>ctxbasicrobot</a:t>
+              </a:r>
+              <a:endParaRPr lang="en-GB" dirty="0">
+                <a:solidFill>
+                  <a:schemeClr val="tx1"/>
+                </a:solidFill>
+              </a:endParaRPr>
+            </a:p>
+          </p:txBody>
+        </p:sp>
+      </p:grpSp>
+      <p:sp>
+        <p:nvSpPr>
+          <p:cNvPr id="68" name="CasellaDiTesto 67"/>
+          <p:cNvSpPr txBox="1"/>
+          <p:nvPr/>
+        </p:nvSpPr>
+        <p:spPr>
+          <a:xfrm>
+            <a:off x="1296813" y="1328854"/>
+            <a:ext cx="2925629" cy="584775"/>
+          </a:xfrm>
+          <a:prstGeom prst="rect">
+            <a:avLst/>
+          </a:prstGeom>
+          <a:noFill/>
+        </p:spPr>
+        <p:txBody>
+          <a:bodyPr wrap="square" rtlCol="0">
+            <a:spAutoFit/>
+          </a:bodyPr>
+          <a:lstStyle/>
+          <a:p>
+            <a:r>
+              <a:rPr lang="it-IT" sz="1600" dirty="0" err="1">
+                <a:solidFill>
+                  <a:srgbClr val="FF0000"/>
+                </a:solidFill>
+              </a:rPr>
+              <a:t>project</a:t>
+            </a:r>
+            <a:endParaRPr lang="en-GB" sz="1600" dirty="0">
+              <a:solidFill>
+                <a:srgbClr val="FF0000"/>
+              </a:solidFill>
+            </a:endParaRPr>
+          </a:p>
+          <a:p>
+            <a:r>
+              <a:rPr lang="en-GB" sz="1600" i="1" dirty="0">
+                <a:solidFill>
+                  <a:srgbClr val="FF0000"/>
+                </a:solidFill>
+              </a:rPr>
+              <a:t>it.unibo.iss.sprint2</a:t>
+            </a:r>
+          </a:p>
+        </p:txBody>
+      </p:sp>
+      <p:grpSp>
+        <p:nvGrpSpPr>
+          <p:cNvPr id="60" name="Gruppo 44">
+            <a:extLst>
+              <a:ext uri="{FF2B5EF4-FFF2-40B4-BE49-F238E27FC236}">
+                <a16:creationId xmlns:a16="http://schemas.microsoft.com/office/drawing/2014/main" id="{A4004772-1637-4B7E-9CFD-20C42E645980}"/>
+              </a:ext>
+            </a:extLst>
+          </p:cNvPr>
+          <p:cNvGrpSpPr/>
+          <p:nvPr/>
+        </p:nvGrpSpPr>
+        <p:grpSpPr>
+          <a:xfrm>
+            <a:off x="4966223" y="3278803"/>
+            <a:ext cx="1399120" cy="972619"/>
+            <a:chOff x="2460218" y="2004001"/>
+            <a:chExt cx="1696868" cy="1234656"/>
+          </a:xfrm>
+        </p:grpSpPr>
+        <p:sp>
+          <p:nvSpPr>
+            <p:cNvPr id="61" name="Triangolo isoscele 45">
+              <a:extLst>
+                <a:ext uri="{FF2B5EF4-FFF2-40B4-BE49-F238E27FC236}">
+                  <a16:creationId xmlns:a16="http://schemas.microsoft.com/office/drawing/2014/main" id="{870C13EE-5A25-4015-927D-98DDB820DCD5}"/>
+                </a:ext>
+              </a:extLst>
+            </p:cNvPr>
+            <p:cNvSpPr/>
+            <p:nvPr/>
+          </p:nvSpPr>
+          <p:spPr>
+            <a:xfrm rot="5400000">
+              <a:off x="3220535" y="2242777"/>
+              <a:ext cx="998084" cy="875019"/>
+            </a:xfrm>
+            <a:prstGeom prst="triangle">
+              <a:avLst/>
+            </a:prstGeom>
+            <a:solidFill>
+              <a:srgbClr val="CCFF66"/>
+            </a:solidFill>
+            <a:ln/>
+          </p:spPr>
+          <p:style>
+            <a:lnRef idx="1">
+              <a:schemeClr val="accent5"/>
+            </a:lnRef>
+            <a:fillRef idx="2">
+              <a:schemeClr val="accent5"/>
+            </a:fillRef>
+            <a:effectRef idx="1">
+              <a:schemeClr val="accent5"/>
+            </a:effectRef>
+            <a:fontRef idx="minor">
+              <a:schemeClr val="dk1"/>
+            </a:fontRef>
+          </p:style>
+          <p:txBody>
+            <a:bodyPr rtlCol="0" anchor="ctr"/>
+            <a:lstStyle/>
+            <a:p>
+              <a:pPr algn="ctr"/>
+              <a:endParaRPr lang="en-GB" sz="1200"/>
+            </a:p>
+          </p:txBody>
+        </p:sp>
+        <p:grpSp>
+          <p:nvGrpSpPr>
+            <p:cNvPr id="62" name="Gruppo 82">
+              <a:extLst>
+                <a:ext uri="{FF2B5EF4-FFF2-40B4-BE49-F238E27FC236}">
+                  <a16:creationId xmlns:a16="http://schemas.microsoft.com/office/drawing/2014/main" id="{DE0F64D2-B940-4CA6-9453-9AE274285244}"/>
+                </a:ext>
+              </a:extLst>
+            </p:cNvPr>
+            <p:cNvGrpSpPr/>
+            <p:nvPr/>
+          </p:nvGrpSpPr>
+          <p:grpSpPr>
+            <a:xfrm>
+              <a:off x="2460218" y="2004001"/>
+              <a:ext cx="1409185" cy="1234656"/>
+              <a:chOff x="1194666" y="2417771"/>
+              <a:chExt cx="866157" cy="763298"/>
+            </a:xfrm>
+          </p:grpSpPr>
+          <p:sp>
+            <p:nvSpPr>
+              <p:cNvPr id="64" name="Ovale 38">
+                <a:extLst>
+                  <a:ext uri="{FF2B5EF4-FFF2-40B4-BE49-F238E27FC236}">
+                    <a16:creationId xmlns:a16="http://schemas.microsoft.com/office/drawing/2014/main" id="{71702CB6-D6EB-4DD4-B3E0-0075BEA89598}"/>
+                  </a:ext>
+                </a:extLst>
+              </p:cNvPr>
+              <p:cNvSpPr/>
+              <p:nvPr/>
+            </p:nvSpPr>
+            <p:spPr>
+              <a:xfrm>
+                <a:off x="1311102" y="2460989"/>
+                <a:ext cx="749721" cy="720080"/>
+              </a:xfrm>
+              <a:prstGeom prst="ellipse">
+                <a:avLst/>
+              </a:prstGeom>
+              <a:solidFill>
+                <a:srgbClr val="FFCCFF"/>
+              </a:solidFill>
+              <a:ln/>
+            </p:spPr>
+            <p:style>
+              <a:lnRef idx="1">
+                <a:schemeClr val="accent5"/>
+              </a:lnRef>
+              <a:fillRef idx="2">
+                <a:schemeClr val="accent5"/>
+              </a:fillRef>
+              <a:effectRef idx="1">
+                <a:schemeClr val="accent5"/>
+              </a:effectRef>
+              <a:fontRef idx="minor">
+                <a:schemeClr val="dk1"/>
+              </a:fontRef>
+            </p:style>
+            <p:txBody>
+              <a:bodyPr rtlCol="0" anchor="ctr"/>
+              <a:lstStyle/>
+              <a:p>
+                <a:pPr algn="ctr"/>
+                <a:r>
+                  <a:rPr lang="en-GB" sz="1200" dirty="0"/>
+                  <a:t> </a:t>
+                </a:r>
+              </a:p>
+            </p:txBody>
+          </p:sp>
+          <p:sp>
+            <p:nvSpPr>
+              <p:cNvPr id="65" name="Rettangolo 39">
+                <a:extLst>
+                  <a:ext uri="{FF2B5EF4-FFF2-40B4-BE49-F238E27FC236}">
+                    <a16:creationId xmlns:a16="http://schemas.microsoft.com/office/drawing/2014/main" id="{AC70EAEE-AC80-40A4-A08C-ED59FECAA652}"/>
+                  </a:ext>
+                </a:extLst>
+              </p:cNvPr>
+              <p:cNvSpPr/>
+              <p:nvPr/>
+            </p:nvSpPr>
+            <p:spPr>
+              <a:xfrm>
+                <a:off x="1194666" y="2699711"/>
+                <a:ext cx="281433" cy="211952"/>
+              </a:xfrm>
+              <a:prstGeom prst="rect">
+                <a:avLst/>
+              </a:prstGeom>
+              <a:solidFill>
+                <a:srgbClr val="FFCCFF"/>
+              </a:solidFill>
+              <a:ln/>
+            </p:spPr>
+            <p:style>
+              <a:lnRef idx="1">
+                <a:schemeClr val="accent5"/>
+              </a:lnRef>
+              <a:fillRef idx="2">
+                <a:schemeClr val="accent5"/>
+              </a:fillRef>
+              <a:effectRef idx="1">
+                <a:schemeClr val="accent5"/>
+              </a:effectRef>
+              <a:fontRef idx="minor">
+                <a:schemeClr val="dk1"/>
+              </a:fontRef>
+            </p:style>
+            <p:txBody>
+              <a:bodyPr rtlCol="0" anchor="ctr"/>
+              <a:lstStyle/>
+              <a:p>
+                <a:pPr algn="ctr"/>
+                <a:endParaRPr lang="en-GB" sz="1200"/>
+              </a:p>
+            </p:txBody>
+          </p:sp>
+          <p:sp>
+            <p:nvSpPr>
+              <p:cNvPr id="66" name="Triangolo isoscele 42">
+                <a:extLst>
+                  <a:ext uri="{FF2B5EF4-FFF2-40B4-BE49-F238E27FC236}">
+                    <a16:creationId xmlns:a16="http://schemas.microsoft.com/office/drawing/2014/main" id="{F9E99C5B-1B88-458E-8C33-2833796851D2}"/>
+                  </a:ext>
+                </a:extLst>
+              </p:cNvPr>
+              <p:cNvSpPr/>
+              <p:nvPr/>
+            </p:nvSpPr>
+            <p:spPr>
+              <a:xfrm rot="16200000">
+                <a:off x="1618539" y="2391356"/>
+                <a:ext cx="86434" cy="139263"/>
+              </a:xfrm>
+              <a:prstGeom prst="triangle">
+                <a:avLst/>
+              </a:prstGeom>
+              <a:solidFill>
+                <a:srgbClr val="FF0000"/>
+              </a:solidFill>
+              <a:ln/>
+            </p:spPr>
+            <p:style>
+              <a:lnRef idx="1">
+                <a:schemeClr val="accent5"/>
+              </a:lnRef>
+              <a:fillRef idx="2">
+                <a:schemeClr val="accent5"/>
+              </a:fillRef>
+              <a:effectRef idx="1">
+                <a:schemeClr val="accent5"/>
+              </a:effectRef>
+              <a:fontRef idx="minor">
+                <a:schemeClr val="dk1"/>
+              </a:fontRef>
+            </p:style>
+            <p:txBody>
+              <a:bodyPr rtlCol="0" anchor="ctr"/>
+              <a:lstStyle/>
+              <a:p>
+                <a:pPr algn="ctr"/>
+                <a:endParaRPr lang="en-GB" sz="1200"/>
+              </a:p>
+            </p:txBody>
+          </p:sp>
+        </p:grpSp>
+        <p:sp>
+          <p:nvSpPr>
+            <p:cNvPr id="63" name="Rettangolo 47">
+              <a:extLst>
+                <a:ext uri="{FF2B5EF4-FFF2-40B4-BE49-F238E27FC236}">
+                  <a16:creationId xmlns:a16="http://schemas.microsoft.com/office/drawing/2014/main" id="{4C496436-8FD3-4EC1-BA96-FBEBBE485566}"/>
+                </a:ext>
+              </a:extLst>
+            </p:cNvPr>
+            <p:cNvSpPr/>
+            <p:nvPr/>
+          </p:nvSpPr>
+          <p:spPr>
+            <a:xfrm>
+              <a:off x="2579624" y="2470382"/>
+              <a:ext cx="1375518" cy="390696"/>
+            </a:xfrm>
+            <a:prstGeom prst="rect">
+              <a:avLst/>
+            </a:prstGeom>
+          </p:spPr>
+          <p:txBody>
+            <a:bodyPr wrap="none">
+              <a:spAutoFit/>
+            </a:bodyPr>
+            <a:lstStyle/>
+            <a:p>
+              <a:r>
+                <a:rPr lang="en-GB" sz="1400" dirty="0" err="1"/>
+                <a:t>waiterwalker</a:t>
+              </a:r>
+              <a:endParaRPr lang="en-GB" dirty="0"/>
+            </a:p>
+          </p:txBody>
+        </p:sp>
+      </p:grpSp>
+      <p:cxnSp>
+        <p:nvCxnSpPr>
+          <p:cNvPr id="17" name="Connettore 2 16"/>
+          <p:cNvCxnSpPr>
+            <a:cxnSpLocks/>
+          </p:cNvCxnSpPr>
+          <p:nvPr/>
+        </p:nvCxnSpPr>
+        <p:spPr>
+          <a:xfrm>
+            <a:off x="6556111" y="3474426"/>
+            <a:ext cx="1913925" cy="0"/>
+          </a:xfrm>
+          <a:prstGeom prst="straightConnector1">
+            <a:avLst/>
+          </a:prstGeom>
+          <a:ln>
+            <a:prstDash val="lgDash"/>
+            <a:tailEnd type="arrow"/>
+          </a:ln>
+        </p:spPr>
+        <p:style>
+          <a:lnRef idx="1">
+            <a:schemeClr val="accent1"/>
+          </a:lnRef>
+          <a:fillRef idx="0">
+            <a:schemeClr val="accent1"/>
+          </a:fillRef>
+          <a:effectRef idx="0">
+            <a:schemeClr val="accent1"/>
+          </a:effectRef>
+          <a:fontRef idx="minor">
+            <a:schemeClr val="tx1"/>
+          </a:fontRef>
+        </p:style>
+      </p:cxnSp>
+      <p:sp>
+        <p:nvSpPr>
+          <p:cNvPr id="87" name="CasellaDiTesto 86">
+            <a:extLst>
+              <a:ext uri="{FF2B5EF4-FFF2-40B4-BE49-F238E27FC236}">
+                <a16:creationId xmlns:a16="http://schemas.microsoft.com/office/drawing/2014/main" id="{57D20B6B-DF5A-4FEA-AEDC-D39F93C8F686}"/>
+              </a:ext>
+            </a:extLst>
+          </p:cNvPr>
+          <p:cNvSpPr txBox="1"/>
+          <p:nvPr/>
+        </p:nvSpPr>
+        <p:spPr>
+          <a:xfrm>
+            <a:off x="7883751" y="1615307"/>
+            <a:ext cx="2316660" cy="584775"/>
+          </a:xfrm>
+          <a:prstGeom prst="rect">
+            <a:avLst/>
+          </a:prstGeom>
+          <a:noFill/>
+        </p:spPr>
+        <p:txBody>
+          <a:bodyPr wrap="none" rtlCol="0">
+            <a:spAutoFit/>
+          </a:bodyPr>
+          <a:lstStyle/>
+          <a:p>
+            <a:r>
+              <a:rPr lang="it-IT" sz="1600" dirty="0" err="1">
+                <a:solidFill>
+                  <a:srgbClr val="FF0000"/>
+                </a:solidFill>
+              </a:rPr>
+              <a:t>project</a:t>
+            </a:r>
+            <a:endParaRPr lang="en-GB" sz="1600" dirty="0">
+              <a:solidFill>
+                <a:srgbClr val="FF0000"/>
+              </a:solidFill>
+            </a:endParaRPr>
+          </a:p>
+          <a:p>
+            <a:r>
+              <a:rPr lang="en-GB" sz="1600" i="1" dirty="0">
+                <a:solidFill>
+                  <a:srgbClr val="FF0000"/>
+                </a:solidFill>
+              </a:rPr>
+              <a:t>it.unibo.qak20.basicrobot</a:t>
+            </a:r>
+          </a:p>
+        </p:txBody>
+      </p:sp>
+      <p:cxnSp>
+        <p:nvCxnSpPr>
+          <p:cNvPr id="90" name="Connettore 1 20">
+            <a:extLst>
+              <a:ext uri="{FF2B5EF4-FFF2-40B4-BE49-F238E27FC236}">
+                <a16:creationId xmlns:a16="http://schemas.microsoft.com/office/drawing/2014/main" id="{B0C0308F-80BE-449E-9BA7-78C29D58AA22}"/>
+              </a:ext>
+            </a:extLst>
+          </p:cNvPr>
+          <p:cNvCxnSpPr>
+            <a:cxnSpLocks/>
+          </p:cNvCxnSpPr>
+          <p:nvPr/>
+        </p:nvCxnSpPr>
+        <p:spPr>
+          <a:xfrm>
+            <a:off x="3647806" y="3829829"/>
+            <a:ext cx="1203637" cy="0"/>
+          </a:xfrm>
+          <a:prstGeom prst="line">
+            <a:avLst/>
+          </a:prstGeom>
+          <a:ln>
+            <a:prstDash val="dash"/>
+          </a:ln>
+        </p:spPr>
+        <p:style>
+          <a:lnRef idx="1">
+            <a:schemeClr val="accent1"/>
+          </a:lnRef>
+          <a:fillRef idx="0">
+            <a:schemeClr val="accent1"/>
+          </a:fillRef>
+          <a:effectRef idx="0">
+            <a:schemeClr val="accent1"/>
+          </a:effectRef>
+          <a:fontRef idx="minor">
+            <a:schemeClr val="tx1"/>
+          </a:fontRef>
+        </p:style>
+      </p:cxnSp>
+      <p:sp>
+        <p:nvSpPr>
+          <p:cNvPr id="91" name="Triangolo isoscele 90">
+            <a:extLst>
+              <a:ext uri="{FF2B5EF4-FFF2-40B4-BE49-F238E27FC236}">
+                <a16:creationId xmlns:a16="http://schemas.microsoft.com/office/drawing/2014/main" id="{1517C091-4C4D-4FB7-AA5A-E546C482FE43}"/>
+              </a:ext>
+            </a:extLst>
+          </p:cNvPr>
+          <p:cNvSpPr/>
+          <p:nvPr/>
+        </p:nvSpPr>
+        <p:spPr>
+          <a:xfrm rot="16200000">
+            <a:off x="3663395" y="3773077"/>
+            <a:ext cx="68090" cy="114827"/>
+          </a:xfrm>
+          <a:prstGeom prst="triangle">
+            <a:avLst/>
+          </a:prstGeom>
+          <a:solidFill>
+            <a:schemeClr val="bg1"/>
+          </a:solidFill>
+          <a:ln/>
+        </p:spPr>
+        <p:style>
+          <a:lnRef idx="1">
+            <a:schemeClr val="accent5"/>
+          </a:lnRef>
+          <a:fillRef idx="2">
+            <a:schemeClr val="accent5"/>
+          </a:fillRef>
+          <a:effectRef idx="1">
+            <a:schemeClr val="accent5"/>
+          </a:effectRef>
+          <a:fontRef idx="minor">
+            <a:schemeClr val="dk1"/>
+          </a:fontRef>
+        </p:style>
+        <p:txBody>
+          <a:bodyPr rtlCol="0" anchor="ctr"/>
+          <a:lstStyle/>
+          <a:p>
+            <a:pPr algn="ctr"/>
+            <a:endParaRPr lang="en-GB" sz="1200"/>
+          </a:p>
+        </p:txBody>
+      </p:sp>
+      <p:sp>
+        <p:nvSpPr>
+          <p:cNvPr id="92" name="CasellaDiTesto 91">
+            <a:extLst>
+              <a:ext uri="{FF2B5EF4-FFF2-40B4-BE49-F238E27FC236}">
+                <a16:creationId xmlns:a16="http://schemas.microsoft.com/office/drawing/2014/main" id="{02AF43DA-7609-4ED3-A126-80BB06CEF4E3}"/>
+              </a:ext>
+            </a:extLst>
+          </p:cNvPr>
+          <p:cNvSpPr txBox="1"/>
+          <p:nvPr/>
+        </p:nvSpPr>
+        <p:spPr>
+          <a:xfrm>
+            <a:off x="3646250" y="3944412"/>
+            <a:ext cx="936923" cy="523220"/>
+          </a:xfrm>
+          <a:prstGeom prst="rect">
+            <a:avLst/>
+          </a:prstGeom>
+          <a:noFill/>
+        </p:spPr>
+        <p:txBody>
+          <a:bodyPr wrap="none" rtlCol="0">
+            <a:spAutoFit/>
+          </a:bodyPr>
+          <a:lstStyle/>
+          <a:p>
+            <a:r>
+              <a:rPr lang="it-IT" sz="1400" dirty="0" err="1"/>
+              <a:t>atCell</a:t>
+            </a:r>
+            <a:endParaRPr lang="it-IT" sz="1400" dirty="0"/>
+          </a:p>
+          <a:p>
+            <a:r>
+              <a:rPr lang="it-IT" sz="1400" dirty="0" err="1"/>
+              <a:t>walkBreak</a:t>
+            </a:r>
+            <a:endParaRPr lang="en-GB" sz="1400" dirty="0"/>
+          </a:p>
+        </p:txBody>
+      </p:sp>
+      <p:sp>
+        <p:nvSpPr>
+          <p:cNvPr id="93" name="Triangolo isoscele 92">
+            <a:extLst>
+              <a:ext uri="{FF2B5EF4-FFF2-40B4-BE49-F238E27FC236}">
+                <a16:creationId xmlns:a16="http://schemas.microsoft.com/office/drawing/2014/main" id="{5B4E522E-E3C8-42F0-AB03-C7ECFD0F8911}"/>
+              </a:ext>
+            </a:extLst>
+          </p:cNvPr>
+          <p:cNvSpPr/>
+          <p:nvPr/>
+        </p:nvSpPr>
+        <p:spPr>
+          <a:xfrm rot="5400000" flipH="1">
+            <a:off x="4698147" y="3603777"/>
+            <a:ext cx="68090" cy="114827"/>
+          </a:xfrm>
+          <a:prstGeom prst="triangle">
+            <a:avLst/>
+          </a:prstGeom>
+          <a:solidFill>
+            <a:schemeClr val="bg1"/>
+          </a:solidFill>
+          <a:ln/>
+        </p:spPr>
+        <p:style>
+          <a:lnRef idx="1">
+            <a:schemeClr val="accent5"/>
+          </a:lnRef>
+          <a:fillRef idx="2">
+            <a:schemeClr val="accent5"/>
+          </a:fillRef>
+          <a:effectRef idx="1">
+            <a:schemeClr val="accent5"/>
+          </a:effectRef>
+          <a:fontRef idx="minor">
+            <a:schemeClr val="dk1"/>
+          </a:fontRef>
+        </p:style>
+        <p:txBody>
+          <a:bodyPr rtlCol="0" anchor="ctr"/>
+          <a:lstStyle/>
+          <a:p>
+            <a:pPr algn="ctr"/>
+            <a:endParaRPr lang="en-GB" sz="1200"/>
+          </a:p>
+        </p:txBody>
+      </p:sp>
+      <p:cxnSp>
+        <p:nvCxnSpPr>
+          <p:cNvPr id="94" name="Connettore 1 25">
+            <a:extLst>
+              <a:ext uri="{FF2B5EF4-FFF2-40B4-BE49-F238E27FC236}">
+                <a16:creationId xmlns:a16="http://schemas.microsoft.com/office/drawing/2014/main" id="{3DF8708C-6517-4230-8C57-0A07AA2E5B66}"/>
+              </a:ext>
+            </a:extLst>
+          </p:cNvPr>
+          <p:cNvCxnSpPr>
+            <a:cxnSpLocks/>
+          </p:cNvCxnSpPr>
+          <p:nvPr/>
+        </p:nvCxnSpPr>
+        <p:spPr>
+          <a:xfrm>
+            <a:off x="3590393" y="3660529"/>
+            <a:ext cx="1190398" cy="0"/>
+          </a:xfrm>
+          <a:prstGeom prst="line">
+            <a:avLst/>
+          </a:prstGeom>
+        </p:spPr>
+        <p:style>
+          <a:lnRef idx="1">
+            <a:schemeClr val="accent1"/>
+          </a:lnRef>
+          <a:fillRef idx="0">
+            <a:schemeClr val="accent1"/>
+          </a:fillRef>
+          <a:effectRef idx="0">
+            <a:schemeClr val="accent1"/>
+          </a:effectRef>
+          <a:fontRef idx="minor">
+            <a:schemeClr val="tx1"/>
+          </a:fontRef>
+        </p:style>
+      </p:cxnSp>
+      <p:sp>
+        <p:nvSpPr>
+          <p:cNvPr id="95" name="CasellaDiTesto 94">
+            <a:extLst>
+              <a:ext uri="{FF2B5EF4-FFF2-40B4-BE49-F238E27FC236}">
+                <a16:creationId xmlns:a16="http://schemas.microsoft.com/office/drawing/2014/main" id="{4B1BD6C9-7448-4F38-A2FB-75693D5DA495}"/>
+              </a:ext>
+            </a:extLst>
+          </p:cNvPr>
+          <p:cNvSpPr txBox="1"/>
+          <p:nvPr/>
+        </p:nvSpPr>
+        <p:spPr>
+          <a:xfrm>
+            <a:off x="3684592" y="3272590"/>
+            <a:ext cx="1013034" cy="307777"/>
+          </a:xfrm>
+          <a:prstGeom prst="rect">
+            <a:avLst/>
+          </a:prstGeom>
+          <a:noFill/>
+        </p:spPr>
+        <p:txBody>
+          <a:bodyPr wrap="none" rtlCol="0">
+            <a:spAutoFit/>
+          </a:bodyPr>
+          <a:lstStyle/>
+          <a:p>
+            <a:r>
+              <a:rPr lang="it-IT" sz="1400" dirty="0" err="1"/>
+              <a:t>movetoCell</a:t>
+            </a:r>
+            <a:endParaRPr lang="en-GB" sz="1400" dirty="0"/>
+          </a:p>
+        </p:txBody>
+      </p:sp>
+      <p:sp>
+        <p:nvSpPr>
+          <p:cNvPr id="85" name="Triangolo isoscele 45">
+            <a:extLst>
+              <a:ext uri="{FF2B5EF4-FFF2-40B4-BE49-F238E27FC236}">
+                <a16:creationId xmlns:a16="http://schemas.microsoft.com/office/drawing/2014/main" id="{B5944D1C-F9E8-438D-B84C-DBFFE8EB7467}"/>
+              </a:ext>
+            </a:extLst>
+          </p:cNvPr>
+          <p:cNvSpPr/>
+          <p:nvPr/>
+        </p:nvSpPr>
+        <p:spPr>
+          <a:xfrm rot="5400000">
+            <a:off x="1720251" y="2701294"/>
+            <a:ext cx="786257" cy="721480"/>
+          </a:xfrm>
+          <a:prstGeom prst="triangle">
+            <a:avLst/>
+          </a:prstGeom>
+          <a:solidFill>
+            <a:srgbClr val="CCFF66"/>
+          </a:solidFill>
+          <a:ln/>
+        </p:spPr>
+        <p:style>
+          <a:lnRef idx="1">
+            <a:schemeClr val="accent5"/>
+          </a:lnRef>
+          <a:fillRef idx="2">
+            <a:schemeClr val="accent5"/>
+          </a:fillRef>
+          <a:effectRef idx="1">
+            <a:schemeClr val="accent5"/>
+          </a:effectRef>
+          <a:fontRef idx="minor">
+            <a:schemeClr val="dk1"/>
+          </a:fontRef>
+        </p:style>
+        <p:txBody>
+          <a:bodyPr rtlCol="0" anchor="ctr"/>
+          <a:lstStyle/>
+          <a:p>
+            <a:pPr algn="ctr"/>
+            <a:endParaRPr lang="en-GB" sz="1200"/>
+          </a:p>
+        </p:txBody>
+      </p:sp>
+      <p:sp>
+        <p:nvSpPr>
+          <p:cNvPr id="89" name="Ovale 38">
+            <a:extLst>
+              <a:ext uri="{FF2B5EF4-FFF2-40B4-BE49-F238E27FC236}">
+                <a16:creationId xmlns:a16="http://schemas.microsoft.com/office/drawing/2014/main" id="{BF2B9B48-07BF-4CBA-987C-B1DA88478361}"/>
+              </a:ext>
+            </a:extLst>
+          </p:cNvPr>
+          <p:cNvSpPr/>
+          <p:nvPr/>
+        </p:nvSpPr>
+        <p:spPr>
+          <a:xfrm>
+            <a:off x="1231194" y="2584349"/>
+            <a:ext cx="1005722" cy="917550"/>
+          </a:xfrm>
+          <a:prstGeom prst="ellipse">
+            <a:avLst/>
+          </a:prstGeom>
+          <a:solidFill>
+            <a:srgbClr val="FFCCFF"/>
+          </a:solidFill>
+          <a:ln/>
+        </p:spPr>
+        <p:style>
+          <a:lnRef idx="1">
+            <a:schemeClr val="accent5"/>
+          </a:lnRef>
+          <a:fillRef idx="2">
+            <a:schemeClr val="accent5"/>
+          </a:fillRef>
+          <a:effectRef idx="1">
+            <a:schemeClr val="accent5"/>
+          </a:effectRef>
+          <a:fontRef idx="minor">
+            <a:schemeClr val="dk1"/>
+          </a:fontRef>
+        </p:style>
+        <p:txBody>
+          <a:bodyPr rtlCol="0" anchor="ctr"/>
+          <a:lstStyle/>
+          <a:p>
+            <a:pPr algn="ctr"/>
+            <a:r>
+              <a:rPr lang="en-GB" sz="1200" dirty="0"/>
+              <a:t> </a:t>
+            </a:r>
+          </a:p>
+        </p:txBody>
+      </p:sp>
+      <p:sp>
+        <p:nvSpPr>
+          <p:cNvPr id="96" name="Triangolo isoscele 42">
+            <a:extLst>
+              <a:ext uri="{FF2B5EF4-FFF2-40B4-BE49-F238E27FC236}">
+                <a16:creationId xmlns:a16="http://schemas.microsoft.com/office/drawing/2014/main" id="{E6DAC3D9-EE5D-4A9D-A844-5EA6AD777F07}"/>
+              </a:ext>
+            </a:extLst>
+          </p:cNvPr>
+          <p:cNvSpPr/>
+          <p:nvPr/>
+        </p:nvSpPr>
+        <p:spPr>
+          <a:xfrm rot="16200000">
+            <a:off x="1646514" y="2490939"/>
+            <a:ext cx="110137" cy="186816"/>
+          </a:xfrm>
+          <a:prstGeom prst="triangle">
+            <a:avLst/>
+          </a:prstGeom>
+          <a:solidFill>
+            <a:srgbClr val="FF0000"/>
+          </a:solidFill>
+          <a:ln/>
+        </p:spPr>
+        <p:style>
+          <a:lnRef idx="1">
+            <a:schemeClr val="accent5"/>
+          </a:lnRef>
+          <a:fillRef idx="2">
+            <a:schemeClr val="accent5"/>
+          </a:fillRef>
+          <a:effectRef idx="1">
+            <a:schemeClr val="accent5"/>
+          </a:effectRef>
+          <a:fontRef idx="minor">
+            <a:schemeClr val="dk1"/>
+          </a:fontRef>
+        </p:style>
+        <p:txBody>
+          <a:bodyPr rtlCol="0" anchor="ctr"/>
+          <a:lstStyle/>
+          <a:p>
+            <a:pPr algn="ctr"/>
+            <a:endParaRPr lang="en-GB" sz="1200"/>
+          </a:p>
+        </p:txBody>
+      </p:sp>
+      <p:sp>
+        <p:nvSpPr>
+          <p:cNvPr id="102" name="Rettangolo 39">
+            <a:extLst>
+              <a:ext uri="{FF2B5EF4-FFF2-40B4-BE49-F238E27FC236}">
+                <a16:creationId xmlns:a16="http://schemas.microsoft.com/office/drawing/2014/main" id="{2701851A-BE65-4B0E-99A5-58BD3963FA61}"/>
+              </a:ext>
+            </a:extLst>
+          </p:cNvPr>
+          <p:cNvSpPr/>
+          <p:nvPr/>
+        </p:nvSpPr>
+        <p:spPr>
+          <a:xfrm>
+            <a:off x="1066091" y="2885946"/>
+            <a:ext cx="377532" cy="270076"/>
+          </a:xfrm>
+          <a:prstGeom prst="rect">
+            <a:avLst/>
+          </a:prstGeom>
+          <a:solidFill>
+            <a:srgbClr val="FFCCFF"/>
+          </a:solidFill>
+          <a:ln/>
+        </p:spPr>
+        <p:style>
+          <a:lnRef idx="1">
+            <a:schemeClr val="accent5"/>
+          </a:lnRef>
+          <a:fillRef idx="2">
+            <a:schemeClr val="accent5"/>
+          </a:fillRef>
+          <a:effectRef idx="1">
+            <a:schemeClr val="accent5"/>
+          </a:effectRef>
+          <a:fontRef idx="minor">
+            <a:schemeClr val="dk1"/>
+          </a:fontRef>
+        </p:style>
+        <p:txBody>
+          <a:bodyPr rtlCol="0" anchor="ctr"/>
+          <a:lstStyle/>
+          <a:p>
+            <a:pPr algn="ctr"/>
+            <a:endParaRPr lang="en-GB" sz="1200" dirty="0"/>
+          </a:p>
+        </p:txBody>
+      </p:sp>
+      <p:sp>
+        <p:nvSpPr>
+          <p:cNvPr id="97" name="Rettangolo 47">
+            <a:extLst>
+              <a:ext uri="{FF2B5EF4-FFF2-40B4-BE49-F238E27FC236}">
+                <a16:creationId xmlns:a16="http://schemas.microsoft.com/office/drawing/2014/main" id="{C9663FF6-CC9C-4ADF-8EF4-F7120BD85A53}"/>
+              </a:ext>
+            </a:extLst>
+          </p:cNvPr>
+          <p:cNvSpPr/>
+          <p:nvPr/>
+        </p:nvSpPr>
+        <p:spPr>
+          <a:xfrm>
+            <a:off x="1051519" y="2920029"/>
+            <a:ext cx="1762983" cy="307777"/>
+          </a:xfrm>
+          <a:prstGeom prst="rect">
+            <a:avLst/>
+          </a:prstGeom>
+        </p:spPr>
+        <p:txBody>
+          <a:bodyPr wrap="none">
+            <a:spAutoFit/>
+          </a:bodyPr>
+          <a:lstStyle/>
+          <a:p>
+            <a:r>
+              <a:rPr lang="en-GB" sz="1400" dirty="0" err="1"/>
+              <a:t>maxstaytimeobserver</a:t>
+            </a:r>
+            <a:endParaRPr lang="en-GB" dirty="0"/>
+          </a:p>
+        </p:txBody>
+      </p:sp>
+      <p:grpSp>
+        <p:nvGrpSpPr>
+          <p:cNvPr id="103" name="Gruppo 102">
+            <a:extLst>
+              <a:ext uri="{FF2B5EF4-FFF2-40B4-BE49-F238E27FC236}">
+                <a16:creationId xmlns:a16="http://schemas.microsoft.com/office/drawing/2014/main" id="{7A2B561B-A113-4E36-BE5B-8AD7AC019B88}"/>
+              </a:ext>
+            </a:extLst>
+          </p:cNvPr>
+          <p:cNvGrpSpPr/>
+          <p:nvPr/>
+        </p:nvGrpSpPr>
+        <p:grpSpPr>
+          <a:xfrm>
+            <a:off x="2474119" y="4863267"/>
+            <a:ext cx="1703461" cy="1490567"/>
+            <a:chOff x="1825760" y="1137791"/>
+            <a:chExt cx="3001874" cy="2743549"/>
+          </a:xfrm>
+        </p:grpSpPr>
+        <p:sp>
+          <p:nvSpPr>
+            <p:cNvPr id="104" name="Rettangolo arrotondato 3">
+              <a:extLst>
+                <a:ext uri="{FF2B5EF4-FFF2-40B4-BE49-F238E27FC236}">
+                  <a16:creationId xmlns:a16="http://schemas.microsoft.com/office/drawing/2014/main" id="{30382736-AE53-4800-B889-5D4FE96B7AFC}"/>
+                </a:ext>
+              </a:extLst>
+            </p:cNvPr>
+            <p:cNvSpPr/>
+            <p:nvPr/>
+          </p:nvSpPr>
+          <p:spPr>
+            <a:xfrm>
+              <a:off x="1825760" y="1137791"/>
+              <a:ext cx="3001874" cy="2644855"/>
+            </a:xfrm>
+            <a:prstGeom prst="roundRect">
+              <a:avLst/>
+            </a:prstGeom>
+            <a:solidFill>
+              <a:srgbClr val="CCFFCC"/>
+            </a:solidFill>
+          </p:spPr>
+          <p:style>
+            <a:lnRef idx="2">
+              <a:schemeClr val="accent1">
+                <a:shade val="50000"/>
+              </a:schemeClr>
+            </a:lnRef>
+            <a:fillRef idx="1">
+              <a:schemeClr val="accent1"/>
+            </a:fillRef>
+            <a:effectRef idx="0">
+              <a:schemeClr val="accent1"/>
+            </a:effectRef>
+            <a:fontRef idx="minor">
+              <a:schemeClr val="lt1"/>
+            </a:fontRef>
+          </p:style>
+          <p:txBody>
+            <a:bodyPr rot="0" spcFirstLastPara="0" vertOverflow="overflow" horzOverflow="overflow" vert="horz" wrap="square" lIns="91440" tIns="45720" rIns="91440" bIns="45720" numCol="1" spcCol="0" rtlCol="0" fromWordArt="0" anchor="ctr" anchorCtr="0" forceAA="0" compatLnSpc="1">
+              <a:prstTxWarp prst="textNoShape">
+                <a:avLst/>
+              </a:prstTxWarp>
+              <a:noAutofit/>
+            </a:bodyPr>
+            <a:lstStyle/>
+            <a:p>
+              <a:pPr algn="ctr"/>
+              <a:endParaRPr lang="it-IT" dirty="0"/>
+            </a:p>
+          </p:txBody>
+        </p:sp>
+        <p:sp>
+          <p:nvSpPr>
+            <p:cNvPr id="105" name="Rettangolo 11">
+              <a:extLst>
+                <a:ext uri="{FF2B5EF4-FFF2-40B4-BE49-F238E27FC236}">
+                  <a16:creationId xmlns:a16="http://schemas.microsoft.com/office/drawing/2014/main" id="{B5985ABA-8723-4F08-850E-C5F13DC47FE1}"/>
+                </a:ext>
+              </a:extLst>
+            </p:cNvPr>
+            <p:cNvSpPr/>
+            <p:nvPr/>
+          </p:nvSpPr>
+          <p:spPr>
+            <a:xfrm>
+              <a:off x="2121441" y="3336265"/>
+              <a:ext cx="2398418" cy="545075"/>
+            </a:xfrm>
+            <a:prstGeom prst="rect">
+              <a:avLst/>
+            </a:prstGeom>
+            <a:solidFill>
+              <a:srgbClr val="FFFF99"/>
+            </a:solidFill>
+          </p:spPr>
+          <p:style>
+            <a:lnRef idx="1">
+              <a:schemeClr val="accent1"/>
+            </a:lnRef>
+            <a:fillRef idx="2">
+              <a:schemeClr val="accent1"/>
+            </a:fillRef>
+            <a:effectRef idx="1">
+              <a:schemeClr val="accent1"/>
+            </a:effectRef>
+            <a:fontRef idx="minor">
+              <a:schemeClr val="dk1"/>
+            </a:fontRef>
+          </p:style>
+          <p:txBody>
+            <a:bodyPr rtlCol="0" anchor="ctr"/>
+            <a:lstStyle/>
+            <a:p>
+              <a:pPr algn="ctr"/>
+              <a:r>
+                <a:rPr lang="en-GB" sz="1200" dirty="0" err="1"/>
+                <a:t>ctxbarman</a:t>
+              </a:r>
+              <a:endParaRPr lang="en-GB" sz="1400" dirty="0">
+                <a:solidFill>
+                  <a:schemeClr val="tx1"/>
+                </a:solidFill>
+              </a:endParaRPr>
+            </a:p>
+          </p:txBody>
+        </p:sp>
+        <p:grpSp>
+          <p:nvGrpSpPr>
+            <p:cNvPr id="107" name="Gruppo 44">
+              <a:extLst>
+                <a:ext uri="{FF2B5EF4-FFF2-40B4-BE49-F238E27FC236}">
+                  <a16:creationId xmlns:a16="http://schemas.microsoft.com/office/drawing/2014/main" id="{75BF0793-AA53-467A-B03B-8B16F39834B1}"/>
+                </a:ext>
+              </a:extLst>
+            </p:cNvPr>
+            <p:cNvGrpSpPr/>
+            <p:nvPr/>
+          </p:nvGrpSpPr>
+          <p:grpSpPr>
+            <a:xfrm>
+              <a:off x="2784176" y="1945574"/>
+              <a:ext cx="1696868" cy="1234660"/>
+              <a:chOff x="2460217" y="2003999"/>
+              <a:chExt cx="1696868" cy="1234660"/>
+            </a:xfrm>
+          </p:grpSpPr>
+          <p:sp>
+            <p:nvSpPr>
+              <p:cNvPr id="108" name="Triangolo isoscele 45">
+                <a:extLst>
+                  <a:ext uri="{FF2B5EF4-FFF2-40B4-BE49-F238E27FC236}">
+                    <a16:creationId xmlns:a16="http://schemas.microsoft.com/office/drawing/2014/main" id="{26D2E880-0E0D-40F2-8D0E-251832CF035E}"/>
+                  </a:ext>
+                </a:extLst>
+              </p:cNvPr>
+              <p:cNvSpPr/>
+              <p:nvPr/>
+            </p:nvSpPr>
+            <p:spPr>
+              <a:xfrm rot="5400000">
+                <a:off x="3220533" y="2242778"/>
+                <a:ext cx="998086" cy="875019"/>
+              </a:xfrm>
+              <a:prstGeom prst="triangle">
+                <a:avLst/>
+              </a:prstGeom>
+              <a:solidFill>
+                <a:srgbClr val="CCFF66"/>
+              </a:solidFill>
+              <a:ln/>
+            </p:spPr>
+            <p:style>
+              <a:lnRef idx="1">
+                <a:schemeClr val="accent5"/>
+              </a:lnRef>
+              <a:fillRef idx="2">
+                <a:schemeClr val="accent5"/>
+              </a:fillRef>
+              <a:effectRef idx="1">
+                <a:schemeClr val="accent5"/>
+              </a:effectRef>
+              <a:fontRef idx="minor">
+                <a:schemeClr val="dk1"/>
+              </a:fontRef>
+            </p:style>
+            <p:txBody>
+              <a:bodyPr rtlCol="0" anchor="ctr"/>
+              <a:lstStyle/>
+              <a:p>
+                <a:pPr algn="ctr"/>
+                <a:endParaRPr lang="en-GB" sz="1200"/>
+              </a:p>
+            </p:txBody>
+          </p:sp>
+          <p:grpSp>
+            <p:nvGrpSpPr>
+              <p:cNvPr id="109" name="Gruppo 82">
+                <a:extLst>
+                  <a:ext uri="{FF2B5EF4-FFF2-40B4-BE49-F238E27FC236}">
+                    <a16:creationId xmlns:a16="http://schemas.microsoft.com/office/drawing/2014/main" id="{29DE6E77-ED68-4F1C-A5DC-00295C8F09B4}"/>
+                  </a:ext>
+                </a:extLst>
+              </p:cNvPr>
+              <p:cNvGrpSpPr/>
+              <p:nvPr/>
+            </p:nvGrpSpPr>
+            <p:grpSpPr>
+              <a:xfrm>
+                <a:off x="2460217" y="2003999"/>
+                <a:ext cx="1409186" cy="1234660"/>
+                <a:chOff x="1194666" y="2417771"/>
+                <a:chExt cx="866158" cy="763301"/>
+              </a:xfrm>
+            </p:grpSpPr>
+            <p:sp>
+              <p:nvSpPr>
+                <p:cNvPr id="111" name="Ovale 38">
+                  <a:extLst>
+                    <a:ext uri="{FF2B5EF4-FFF2-40B4-BE49-F238E27FC236}">
+                      <a16:creationId xmlns:a16="http://schemas.microsoft.com/office/drawing/2014/main" id="{417FC44D-596B-4AE4-A8E5-4DAFF5877C0E}"/>
+                    </a:ext>
+                  </a:extLst>
+                </p:cNvPr>
+                <p:cNvSpPr/>
+                <p:nvPr/>
+              </p:nvSpPr>
+              <p:spPr>
+                <a:xfrm>
+                  <a:off x="1311104" y="2460992"/>
+                  <a:ext cx="749720" cy="720080"/>
+                </a:xfrm>
+                <a:prstGeom prst="ellipse">
+                  <a:avLst/>
+                </a:prstGeom>
+                <a:solidFill>
+                  <a:srgbClr val="FFCCFF"/>
+                </a:solidFill>
+                <a:ln/>
+              </p:spPr>
+              <p:style>
+                <a:lnRef idx="1">
+                  <a:schemeClr val="accent5"/>
+                </a:lnRef>
+                <a:fillRef idx="2">
+                  <a:schemeClr val="accent5"/>
+                </a:fillRef>
+                <a:effectRef idx="1">
+                  <a:schemeClr val="accent5"/>
+                </a:effectRef>
+                <a:fontRef idx="minor">
+                  <a:schemeClr val="dk1"/>
+                </a:fontRef>
+              </p:style>
+              <p:txBody>
+                <a:bodyPr rtlCol="0" anchor="ctr"/>
+                <a:lstStyle/>
+                <a:p>
+                  <a:pPr algn="ctr"/>
+                  <a:r>
+                    <a:rPr lang="en-GB" sz="1200" dirty="0"/>
+                    <a:t> </a:t>
+                  </a:r>
+                </a:p>
+              </p:txBody>
+            </p:sp>
+            <p:sp>
+              <p:nvSpPr>
+                <p:cNvPr id="112" name="Rettangolo 39">
+                  <a:extLst>
+                    <a:ext uri="{FF2B5EF4-FFF2-40B4-BE49-F238E27FC236}">
+                      <a16:creationId xmlns:a16="http://schemas.microsoft.com/office/drawing/2014/main" id="{99491EF7-FD3B-4295-BB32-13FC647DA8DA}"/>
+                    </a:ext>
+                  </a:extLst>
+                </p:cNvPr>
+                <p:cNvSpPr/>
+                <p:nvPr/>
+              </p:nvSpPr>
+              <p:spPr>
+                <a:xfrm>
+                  <a:off x="1194666" y="2699713"/>
+                  <a:ext cx="281432" cy="211953"/>
+                </a:xfrm>
+                <a:prstGeom prst="rect">
+                  <a:avLst/>
+                </a:prstGeom>
+                <a:solidFill>
+                  <a:srgbClr val="FFCCFF"/>
+                </a:solidFill>
+                <a:ln/>
+              </p:spPr>
+              <p:style>
+                <a:lnRef idx="1">
+                  <a:schemeClr val="accent5"/>
+                </a:lnRef>
+                <a:fillRef idx="2">
+                  <a:schemeClr val="accent5"/>
+                </a:fillRef>
+                <a:effectRef idx="1">
+                  <a:schemeClr val="accent5"/>
+                </a:effectRef>
+                <a:fontRef idx="minor">
+                  <a:schemeClr val="dk1"/>
+                </a:fontRef>
+              </p:style>
+              <p:txBody>
+                <a:bodyPr rtlCol="0" anchor="ctr"/>
+                <a:lstStyle/>
+                <a:p>
+                  <a:pPr algn="ctr"/>
+                  <a:endParaRPr lang="en-GB" sz="1200" dirty="0"/>
+                </a:p>
+              </p:txBody>
+            </p:sp>
+            <p:sp>
+              <p:nvSpPr>
+                <p:cNvPr id="113" name="Triangolo isoscele 42">
+                  <a:extLst>
+                    <a:ext uri="{FF2B5EF4-FFF2-40B4-BE49-F238E27FC236}">
+                      <a16:creationId xmlns:a16="http://schemas.microsoft.com/office/drawing/2014/main" id="{CA29B95D-B16C-4043-B247-5660D130CF01}"/>
+                    </a:ext>
+                  </a:extLst>
+                </p:cNvPr>
+                <p:cNvSpPr/>
+                <p:nvPr/>
+              </p:nvSpPr>
+              <p:spPr>
+                <a:xfrm rot="16200000">
+                  <a:off x="1618539" y="2391356"/>
+                  <a:ext cx="86434" cy="139263"/>
+                </a:xfrm>
+                <a:prstGeom prst="triangle">
+                  <a:avLst/>
+                </a:prstGeom>
+                <a:solidFill>
+                  <a:srgbClr val="FF0000"/>
+                </a:solidFill>
+                <a:ln/>
+              </p:spPr>
+              <p:style>
+                <a:lnRef idx="1">
+                  <a:schemeClr val="accent5"/>
+                </a:lnRef>
+                <a:fillRef idx="2">
+                  <a:schemeClr val="accent5"/>
+                </a:fillRef>
+                <a:effectRef idx="1">
+                  <a:schemeClr val="accent5"/>
+                </a:effectRef>
+                <a:fontRef idx="minor">
+                  <a:schemeClr val="dk1"/>
+                </a:fontRef>
+              </p:style>
+              <p:txBody>
+                <a:bodyPr rtlCol="0" anchor="ctr"/>
+                <a:lstStyle/>
+                <a:p>
+                  <a:pPr algn="ctr"/>
+                  <a:endParaRPr lang="en-GB" sz="1200"/>
+                </a:p>
+              </p:txBody>
+            </p:sp>
+          </p:grpSp>
+          <p:sp>
+            <p:nvSpPr>
+              <p:cNvPr id="110" name="Rettangolo 47">
+                <a:extLst>
+                  <a:ext uri="{FF2B5EF4-FFF2-40B4-BE49-F238E27FC236}">
+                    <a16:creationId xmlns:a16="http://schemas.microsoft.com/office/drawing/2014/main" id="{C8295B95-3D0D-403C-ADF8-02768B15B496}"/>
+                  </a:ext>
+                </a:extLst>
+              </p:cNvPr>
+              <p:cNvSpPr/>
+              <p:nvPr/>
+            </p:nvSpPr>
+            <p:spPr>
+              <a:xfrm>
+                <a:off x="2637815" y="2346811"/>
+                <a:ext cx="1325417" cy="566497"/>
+              </a:xfrm>
+              <a:prstGeom prst="rect">
+                <a:avLst/>
+              </a:prstGeom>
+            </p:spPr>
+            <p:txBody>
+              <a:bodyPr wrap="none">
+                <a:spAutoFit/>
+              </a:bodyPr>
+              <a:lstStyle/>
+              <a:p>
+                <a:r>
+                  <a:rPr lang="en-GB" sz="1400" dirty="0"/>
+                  <a:t>barman</a:t>
+                </a:r>
+                <a:endParaRPr lang="en-GB" dirty="0"/>
+              </a:p>
+            </p:txBody>
+          </p:sp>
+        </p:grpSp>
+      </p:grpSp>
+      <p:grpSp>
+        <p:nvGrpSpPr>
+          <p:cNvPr id="114" name="Gruppo 113">
+            <a:extLst>
+              <a:ext uri="{FF2B5EF4-FFF2-40B4-BE49-F238E27FC236}">
+                <a16:creationId xmlns:a16="http://schemas.microsoft.com/office/drawing/2014/main" id="{636058A4-CB4D-4C4E-BCF6-2AE514630769}"/>
+              </a:ext>
+            </a:extLst>
+          </p:cNvPr>
+          <p:cNvGrpSpPr/>
+          <p:nvPr/>
+        </p:nvGrpSpPr>
+        <p:grpSpPr>
+          <a:xfrm>
+            <a:off x="687771" y="4846209"/>
+            <a:ext cx="1585171" cy="1510494"/>
+            <a:chOff x="1825760" y="1137791"/>
+            <a:chExt cx="3001874" cy="2743549"/>
+          </a:xfrm>
+        </p:grpSpPr>
+        <p:sp>
+          <p:nvSpPr>
+            <p:cNvPr id="115" name="Rettangolo arrotondato 3">
+              <a:extLst>
+                <a:ext uri="{FF2B5EF4-FFF2-40B4-BE49-F238E27FC236}">
+                  <a16:creationId xmlns:a16="http://schemas.microsoft.com/office/drawing/2014/main" id="{DC14F140-661F-46A3-A21F-CF944F7298EA}"/>
+                </a:ext>
+              </a:extLst>
+            </p:cNvPr>
+            <p:cNvSpPr/>
+            <p:nvPr/>
+          </p:nvSpPr>
+          <p:spPr>
+            <a:xfrm>
+              <a:off x="1825760" y="1137791"/>
+              <a:ext cx="3001874" cy="2644855"/>
+            </a:xfrm>
+            <a:prstGeom prst="roundRect">
+              <a:avLst/>
+            </a:prstGeom>
+            <a:solidFill>
+              <a:srgbClr val="CCFFCC"/>
+            </a:solidFill>
+          </p:spPr>
+          <p:style>
+            <a:lnRef idx="2">
+              <a:schemeClr val="accent1">
+                <a:shade val="50000"/>
+              </a:schemeClr>
+            </a:lnRef>
+            <a:fillRef idx="1">
+              <a:schemeClr val="accent1"/>
+            </a:fillRef>
+            <a:effectRef idx="0">
+              <a:schemeClr val="accent1"/>
+            </a:effectRef>
+            <a:fontRef idx="minor">
+              <a:schemeClr val="lt1"/>
+            </a:fontRef>
+          </p:style>
+          <p:txBody>
+            <a:bodyPr rot="0" spcFirstLastPara="0" vertOverflow="overflow" horzOverflow="overflow" vert="horz" wrap="square" lIns="91440" tIns="45720" rIns="91440" bIns="45720" numCol="1" spcCol="0" rtlCol="0" fromWordArt="0" anchor="ctr" anchorCtr="0" forceAA="0" compatLnSpc="1">
+              <a:prstTxWarp prst="textNoShape">
+                <a:avLst/>
+              </a:prstTxWarp>
+              <a:noAutofit/>
+            </a:bodyPr>
+            <a:lstStyle/>
+            <a:p>
+              <a:pPr algn="ctr"/>
+              <a:endParaRPr lang="it-IT" dirty="0"/>
+            </a:p>
+          </p:txBody>
+        </p:sp>
+        <p:sp>
+          <p:nvSpPr>
+            <p:cNvPr id="116" name="Rettangolo 11">
+              <a:extLst>
+                <a:ext uri="{FF2B5EF4-FFF2-40B4-BE49-F238E27FC236}">
+                  <a16:creationId xmlns:a16="http://schemas.microsoft.com/office/drawing/2014/main" id="{BC8C16E2-E4AF-47C0-83E0-98517C61B591}"/>
+                </a:ext>
+              </a:extLst>
+            </p:cNvPr>
+            <p:cNvSpPr/>
+            <p:nvPr/>
+          </p:nvSpPr>
+          <p:spPr>
+            <a:xfrm>
+              <a:off x="2121441" y="3336265"/>
+              <a:ext cx="2398418" cy="545075"/>
+            </a:xfrm>
+            <a:prstGeom prst="rect">
+              <a:avLst/>
+            </a:prstGeom>
+            <a:solidFill>
+              <a:srgbClr val="FFFF99"/>
+            </a:solidFill>
+          </p:spPr>
+          <p:style>
+            <a:lnRef idx="1">
+              <a:schemeClr val="accent1"/>
+            </a:lnRef>
+            <a:fillRef idx="2">
+              <a:schemeClr val="accent1"/>
+            </a:fillRef>
+            <a:effectRef idx="1">
+              <a:schemeClr val="accent1"/>
+            </a:effectRef>
+            <a:fontRef idx="minor">
+              <a:schemeClr val="dk1"/>
+            </a:fontRef>
+          </p:style>
+          <p:txBody>
+            <a:bodyPr rtlCol="0" anchor="ctr"/>
+            <a:lstStyle/>
+            <a:p>
+              <a:pPr algn="ctr"/>
+              <a:r>
+                <a:rPr lang="en-GB" sz="1200" dirty="0" err="1"/>
+                <a:t>ctxsmartbell</a:t>
+              </a:r>
+              <a:endParaRPr lang="en-GB" sz="1400" dirty="0">
+                <a:solidFill>
+                  <a:schemeClr val="tx1"/>
+                </a:solidFill>
+              </a:endParaRPr>
+            </a:p>
+          </p:txBody>
+        </p:sp>
+        <p:grpSp>
+          <p:nvGrpSpPr>
+            <p:cNvPr id="117" name="Gruppo 44">
+              <a:extLst>
+                <a:ext uri="{FF2B5EF4-FFF2-40B4-BE49-F238E27FC236}">
+                  <a16:creationId xmlns:a16="http://schemas.microsoft.com/office/drawing/2014/main" id="{6E7219EA-046B-473C-88A7-7141992E80D4}"/>
+                </a:ext>
+              </a:extLst>
+            </p:cNvPr>
+            <p:cNvGrpSpPr/>
+            <p:nvPr/>
+          </p:nvGrpSpPr>
+          <p:grpSpPr>
+            <a:xfrm>
+              <a:off x="2784176" y="1945574"/>
+              <a:ext cx="1835668" cy="1234660"/>
+              <a:chOff x="2460217" y="2003999"/>
+              <a:chExt cx="1835668" cy="1234660"/>
+            </a:xfrm>
+          </p:grpSpPr>
+          <p:sp>
+            <p:nvSpPr>
+              <p:cNvPr id="118" name="Triangolo isoscele 45">
+                <a:extLst>
+                  <a:ext uri="{FF2B5EF4-FFF2-40B4-BE49-F238E27FC236}">
+                    <a16:creationId xmlns:a16="http://schemas.microsoft.com/office/drawing/2014/main" id="{AC5C3AB4-4ED0-4C8F-BA13-C258DF99138F}"/>
+                  </a:ext>
+                </a:extLst>
+              </p:cNvPr>
+              <p:cNvSpPr/>
+              <p:nvPr/>
+            </p:nvSpPr>
+            <p:spPr>
+              <a:xfrm rot="5400000">
+                <a:off x="3220533" y="2242778"/>
+                <a:ext cx="998086" cy="875019"/>
+              </a:xfrm>
+              <a:prstGeom prst="triangle">
+                <a:avLst/>
+              </a:prstGeom>
+              <a:solidFill>
+                <a:srgbClr val="CCFF66"/>
+              </a:solidFill>
+              <a:ln/>
+            </p:spPr>
+            <p:style>
+              <a:lnRef idx="1">
+                <a:schemeClr val="accent5"/>
+              </a:lnRef>
+              <a:fillRef idx="2">
+                <a:schemeClr val="accent5"/>
+              </a:fillRef>
+              <a:effectRef idx="1">
+                <a:schemeClr val="accent5"/>
+              </a:effectRef>
+              <a:fontRef idx="minor">
+                <a:schemeClr val="dk1"/>
+              </a:fontRef>
+            </p:style>
+            <p:txBody>
+              <a:bodyPr rtlCol="0" anchor="ctr"/>
+              <a:lstStyle/>
+              <a:p>
+                <a:pPr algn="ctr"/>
+                <a:endParaRPr lang="en-GB" sz="1200"/>
+              </a:p>
+            </p:txBody>
+          </p:sp>
+          <p:grpSp>
+            <p:nvGrpSpPr>
+              <p:cNvPr id="119" name="Gruppo 82">
+                <a:extLst>
+                  <a:ext uri="{FF2B5EF4-FFF2-40B4-BE49-F238E27FC236}">
+                    <a16:creationId xmlns:a16="http://schemas.microsoft.com/office/drawing/2014/main" id="{EC47C023-E226-47D4-9DA9-9167C3B6427C}"/>
+                  </a:ext>
+                </a:extLst>
+              </p:cNvPr>
+              <p:cNvGrpSpPr/>
+              <p:nvPr/>
+            </p:nvGrpSpPr>
+            <p:grpSpPr>
+              <a:xfrm>
+                <a:off x="2460217" y="2003999"/>
+                <a:ext cx="1409186" cy="1234660"/>
+                <a:chOff x="1194666" y="2417771"/>
+                <a:chExt cx="866158" cy="763301"/>
+              </a:xfrm>
+            </p:grpSpPr>
+            <p:sp>
+              <p:nvSpPr>
+                <p:cNvPr id="121" name="Ovale 38">
+                  <a:extLst>
+                    <a:ext uri="{FF2B5EF4-FFF2-40B4-BE49-F238E27FC236}">
+                      <a16:creationId xmlns:a16="http://schemas.microsoft.com/office/drawing/2014/main" id="{BCEEC209-F8AA-43A8-9BFB-4B5285EDF44C}"/>
+                    </a:ext>
+                  </a:extLst>
+                </p:cNvPr>
+                <p:cNvSpPr/>
+                <p:nvPr/>
+              </p:nvSpPr>
+              <p:spPr>
+                <a:xfrm>
+                  <a:off x="1311104" y="2460992"/>
+                  <a:ext cx="749720" cy="720080"/>
+                </a:xfrm>
+                <a:prstGeom prst="ellipse">
+                  <a:avLst/>
+                </a:prstGeom>
+                <a:solidFill>
+                  <a:srgbClr val="FFCCFF"/>
+                </a:solidFill>
+                <a:ln/>
+              </p:spPr>
+              <p:style>
+                <a:lnRef idx="1">
+                  <a:schemeClr val="accent5"/>
+                </a:lnRef>
+                <a:fillRef idx="2">
+                  <a:schemeClr val="accent5"/>
+                </a:fillRef>
+                <a:effectRef idx="1">
+                  <a:schemeClr val="accent5"/>
+                </a:effectRef>
+                <a:fontRef idx="minor">
+                  <a:schemeClr val="dk1"/>
+                </a:fontRef>
+              </p:style>
+              <p:txBody>
+                <a:bodyPr rtlCol="0" anchor="ctr"/>
+                <a:lstStyle/>
+                <a:p>
+                  <a:pPr algn="ctr"/>
+                  <a:r>
+                    <a:rPr lang="en-GB" sz="1200" dirty="0"/>
+                    <a:t> </a:t>
+                  </a:r>
+                </a:p>
+              </p:txBody>
+            </p:sp>
+            <p:sp>
+              <p:nvSpPr>
+                <p:cNvPr id="122" name="Rettangolo 39">
+                  <a:extLst>
+                    <a:ext uri="{FF2B5EF4-FFF2-40B4-BE49-F238E27FC236}">
+                      <a16:creationId xmlns:a16="http://schemas.microsoft.com/office/drawing/2014/main" id="{3B589A14-9513-42A3-8804-DCCBA9BB838F}"/>
+                    </a:ext>
+                  </a:extLst>
+                </p:cNvPr>
+                <p:cNvSpPr/>
+                <p:nvPr/>
+              </p:nvSpPr>
+              <p:spPr>
+                <a:xfrm>
+                  <a:off x="1194666" y="2699713"/>
+                  <a:ext cx="281432" cy="211953"/>
+                </a:xfrm>
+                <a:prstGeom prst="rect">
+                  <a:avLst/>
+                </a:prstGeom>
+                <a:solidFill>
+                  <a:srgbClr val="FFCCFF"/>
+                </a:solidFill>
+                <a:ln/>
+              </p:spPr>
+              <p:style>
+                <a:lnRef idx="1">
+                  <a:schemeClr val="accent5"/>
+                </a:lnRef>
+                <a:fillRef idx="2">
+                  <a:schemeClr val="accent5"/>
+                </a:fillRef>
+                <a:effectRef idx="1">
+                  <a:schemeClr val="accent5"/>
+                </a:effectRef>
+                <a:fontRef idx="minor">
+                  <a:schemeClr val="dk1"/>
+                </a:fontRef>
+              </p:style>
+              <p:txBody>
+                <a:bodyPr rtlCol="0" anchor="ctr"/>
+                <a:lstStyle/>
+                <a:p>
+                  <a:pPr algn="ctr"/>
+                  <a:endParaRPr lang="en-GB" sz="1200" dirty="0"/>
+                </a:p>
+              </p:txBody>
+            </p:sp>
+            <p:sp>
+              <p:nvSpPr>
+                <p:cNvPr id="123" name="Triangolo isoscele 42">
+                  <a:extLst>
+                    <a:ext uri="{FF2B5EF4-FFF2-40B4-BE49-F238E27FC236}">
+                      <a16:creationId xmlns:a16="http://schemas.microsoft.com/office/drawing/2014/main" id="{B4FC77BC-4649-4FB7-A8EC-636507567CBE}"/>
+                    </a:ext>
+                  </a:extLst>
+                </p:cNvPr>
+                <p:cNvSpPr/>
+                <p:nvPr/>
+              </p:nvSpPr>
+              <p:spPr>
+                <a:xfrm rot="16200000">
+                  <a:off x="1618539" y="2391356"/>
+                  <a:ext cx="86434" cy="139263"/>
+                </a:xfrm>
+                <a:prstGeom prst="triangle">
+                  <a:avLst/>
+                </a:prstGeom>
+                <a:solidFill>
+                  <a:srgbClr val="FF0000"/>
+                </a:solidFill>
+                <a:ln/>
+              </p:spPr>
+              <p:style>
+                <a:lnRef idx="1">
+                  <a:schemeClr val="accent5"/>
+                </a:lnRef>
+                <a:fillRef idx="2">
+                  <a:schemeClr val="accent5"/>
+                </a:fillRef>
+                <a:effectRef idx="1">
+                  <a:schemeClr val="accent5"/>
+                </a:effectRef>
+                <a:fontRef idx="minor">
+                  <a:schemeClr val="dk1"/>
+                </a:fontRef>
+              </p:style>
+              <p:txBody>
+                <a:bodyPr rtlCol="0" anchor="ctr"/>
+                <a:lstStyle/>
+                <a:p>
+                  <a:pPr algn="ctr"/>
+                  <a:endParaRPr lang="en-GB" sz="1200"/>
+                </a:p>
+              </p:txBody>
+            </p:sp>
+          </p:grpSp>
+          <p:sp>
+            <p:nvSpPr>
+              <p:cNvPr id="120" name="Rettangolo 47">
+                <a:extLst>
+                  <a:ext uri="{FF2B5EF4-FFF2-40B4-BE49-F238E27FC236}">
+                    <a16:creationId xmlns:a16="http://schemas.microsoft.com/office/drawing/2014/main" id="{C328E3B7-973D-4BE0-90B1-78423FDEA414}"/>
+                  </a:ext>
+                </a:extLst>
+              </p:cNvPr>
+              <p:cNvSpPr/>
+              <p:nvPr/>
+            </p:nvSpPr>
+            <p:spPr>
+              <a:xfrm>
+                <a:off x="2637816" y="2346810"/>
+                <a:ext cx="1658069" cy="559023"/>
+              </a:xfrm>
+              <a:prstGeom prst="rect">
+                <a:avLst/>
+              </a:prstGeom>
+            </p:spPr>
+            <p:txBody>
+              <a:bodyPr wrap="none">
+                <a:spAutoFit/>
+              </a:bodyPr>
+              <a:lstStyle/>
+              <a:p>
+                <a:r>
+                  <a:rPr lang="en-GB" sz="1400" dirty="0" err="1"/>
+                  <a:t>smartbell</a:t>
+                </a:r>
+                <a:endParaRPr lang="en-GB" dirty="0"/>
+              </a:p>
+            </p:txBody>
+          </p:sp>
+        </p:grpSp>
+      </p:grpSp>
+      <p:sp>
+        <p:nvSpPr>
+          <p:cNvPr id="53" name="Rettangolo con angoli arrotondati 52">
+            <a:extLst>
+              <a:ext uri="{FF2B5EF4-FFF2-40B4-BE49-F238E27FC236}">
+                <a16:creationId xmlns:a16="http://schemas.microsoft.com/office/drawing/2014/main" id="{06DB4108-105A-46C9-BC35-9B93062557E6}"/>
+              </a:ext>
+            </a:extLst>
+          </p:cNvPr>
+          <p:cNvSpPr/>
+          <p:nvPr/>
+        </p:nvSpPr>
+        <p:spPr>
+          <a:xfrm>
+            <a:off x="7231517" y="2248899"/>
+            <a:ext cx="3865751" cy="4032068"/>
+          </a:xfrm>
+          <a:prstGeom prst="roundRect">
+            <a:avLst/>
+          </a:prstGeom>
+          <a:noFill/>
+        </p:spPr>
+        <p:style>
+          <a:lnRef idx="2">
+            <a:schemeClr val="accent1"/>
+          </a:lnRef>
+          <a:fillRef idx="1">
+            <a:schemeClr val="lt1"/>
+          </a:fillRef>
+          <a:effectRef idx="0">
+            <a:schemeClr val="accent1"/>
+          </a:effectRef>
+          <a:fontRef idx="minor">
+            <a:schemeClr val="dk1"/>
+          </a:fontRef>
+        </p:style>
+        <p:txBody>
+          <a:bodyPr rtlCol="0" anchor="ctr"/>
+          <a:lstStyle/>
+          <a:p>
+            <a:pPr algn="ctr"/>
+            <a:endParaRPr lang="it-IT"/>
+          </a:p>
+        </p:txBody>
+      </p:sp>
+      <p:sp>
+        <p:nvSpPr>
+          <p:cNvPr id="124" name="Rettangolo con angoli arrotondati 123">
+            <a:extLst>
+              <a:ext uri="{FF2B5EF4-FFF2-40B4-BE49-F238E27FC236}">
+                <a16:creationId xmlns:a16="http://schemas.microsoft.com/office/drawing/2014/main" id="{9A28C027-274B-43EA-98E9-0571E953BF7C}"/>
+              </a:ext>
+            </a:extLst>
+          </p:cNvPr>
+          <p:cNvSpPr/>
+          <p:nvPr/>
+        </p:nvSpPr>
+        <p:spPr>
+          <a:xfrm>
+            <a:off x="579064" y="1864512"/>
+            <a:ext cx="6313510" cy="4685572"/>
+          </a:xfrm>
+          <a:prstGeom prst="roundRect">
+            <a:avLst/>
+          </a:prstGeom>
+          <a:noFill/>
+        </p:spPr>
+        <p:style>
+          <a:lnRef idx="2">
+            <a:schemeClr val="accent1"/>
+          </a:lnRef>
+          <a:fillRef idx="1">
+            <a:schemeClr val="lt1"/>
+          </a:fillRef>
+          <a:effectRef idx="0">
+            <a:schemeClr val="accent1"/>
+          </a:effectRef>
+          <a:fontRef idx="minor">
+            <a:schemeClr val="dk1"/>
+          </a:fontRef>
+        </p:style>
+        <p:txBody>
+          <a:bodyPr rtlCol="0" anchor="ctr"/>
+          <a:lstStyle/>
+          <a:p>
+            <a:pPr algn="ctr"/>
+            <a:endParaRPr lang="it-IT"/>
+          </a:p>
+        </p:txBody>
+      </p:sp>
+      <p:sp>
+        <p:nvSpPr>
+          <p:cNvPr id="131" name="Figura a mano libera 27">
+            <a:extLst>
+              <a:ext uri="{FF2B5EF4-FFF2-40B4-BE49-F238E27FC236}">
+                <a16:creationId xmlns:a16="http://schemas.microsoft.com/office/drawing/2014/main" id="{DB5C9BE6-C8A2-4320-8B0C-3156B3F0743B}"/>
+              </a:ext>
+            </a:extLst>
+          </p:cNvPr>
+          <p:cNvSpPr/>
+          <p:nvPr/>
+        </p:nvSpPr>
+        <p:spPr>
+          <a:xfrm rot="7748347" flipH="1">
+            <a:off x="2885146" y="3338360"/>
+            <a:ext cx="488524" cy="203316"/>
+          </a:xfrm>
+          <a:custGeom>
+            <a:avLst/>
+            <a:gdLst>
+              <a:gd name="connsiteX0" fmla="*/ 0 w 342900"/>
+              <a:gd name="connsiteY0" fmla="*/ 142875 h 238125"/>
+              <a:gd name="connsiteX1" fmla="*/ 28575 w 342900"/>
+              <a:gd name="connsiteY1" fmla="*/ 38100 h 238125"/>
+              <a:gd name="connsiteX2" fmla="*/ 47625 w 342900"/>
+              <a:gd name="connsiteY2" fmla="*/ 9525 h 238125"/>
+              <a:gd name="connsiteX3" fmla="*/ 76200 w 342900"/>
+              <a:gd name="connsiteY3" fmla="*/ 0 h 238125"/>
+              <a:gd name="connsiteX4" fmla="*/ 104775 w 342900"/>
+              <a:gd name="connsiteY4" fmla="*/ 9525 h 238125"/>
+              <a:gd name="connsiteX5" fmla="*/ 142875 w 342900"/>
+              <a:gd name="connsiteY5" fmla="*/ 95250 h 238125"/>
+              <a:gd name="connsiteX6" fmla="*/ 161925 w 342900"/>
+              <a:gd name="connsiteY6" fmla="*/ 152400 h 238125"/>
+              <a:gd name="connsiteX7" fmla="*/ 171450 w 342900"/>
+              <a:gd name="connsiteY7" fmla="*/ 180975 h 238125"/>
+              <a:gd name="connsiteX8" fmla="*/ 209550 w 342900"/>
+              <a:gd name="connsiteY8" fmla="*/ 238125 h 238125"/>
+              <a:gd name="connsiteX9" fmla="*/ 238125 w 342900"/>
+              <a:gd name="connsiteY9" fmla="*/ 180975 h 238125"/>
+              <a:gd name="connsiteX10" fmla="*/ 266700 w 342900"/>
+              <a:gd name="connsiteY10" fmla="*/ 104775 h 238125"/>
+              <a:gd name="connsiteX11" fmla="*/ 342900 w 342900"/>
+              <a:gd name="connsiteY11" fmla="*/ 85725 h 238125"/>
+            </a:gdLst>
+            <a:ahLst/>
+            <a:cxnLst>
+              <a:cxn ang="0">
+                <a:pos x="connsiteX0" y="connsiteY0"/>
+              </a:cxn>
+              <a:cxn ang="0">
+                <a:pos x="connsiteX1" y="connsiteY1"/>
+              </a:cxn>
+              <a:cxn ang="0">
+                <a:pos x="connsiteX2" y="connsiteY2"/>
+              </a:cxn>
+              <a:cxn ang="0">
+                <a:pos x="connsiteX3" y="connsiteY3"/>
+              </a:cxn>
+              <a:cxn ang="0">
+                <a:pos x="connsiteX4" y="connsiteY4"/>
+              </a:cxn>
+              <a:cxn ang="0">
+                <a:pos x="connsiteX5" y="connsiteY5"/>
+              </a:cxn>
+              <a:cxn ang="0">
+                <a:pos x="connsiteX6" y="connsiteY6"/>
+              </a:cxn>
+              <a:cxn ang="0">
+                <a:pos x="connsiteX7" y="connsiteY7"/>
+              </a:cxn>
+              <a:cxn ang="0">
+                <a:pos x="connsiteX8" y="connsiteY8"/>
+              </a:cxn>
+              <a:cxn ang="0">
+                <a:pos x="connsiteX9" y="connsiteY9"/>
+              </a:cxn>
+              <a:cxn ang="0">
+                <a:pos x="connsiteX10" y="connsiteY10"/>
+              </a:cxn>
+              <a:cxn ang="0">
+                <a:pos x="connsiteX11" y="connsiteY11"/>
+              </a:cxn>
+            </a:cxnLst>
+            <a:rect l="l" t="t" r="r" b="b"/>
+            <a:pathLst>
+              <a:path w="342900" h="238125">
+                <a:moveTo>
+                  <a:pt x="0" y="142875"/>
+                </a:moveTo>
+                <a:cubicBezTo>
+                  <a:pt x="5112" y="117315"/>
+                  <a:pt x="14764" y="58817"/>
+                  <a:pt x="28575" y="38100"/>
+                </a:cubicBezTo>
+                <a:cubicBezTo>
+                  <a:pt x="34925" y="28575"/>
+                  <a:pt x="38686" y="16676"/>
+                  <a:pt x="47625" y="9525"/>
+                </a:cubicBezTo>
+                <a:cubicBezTo>
+                  <a:pt x="55465" y="3253"/>
+                  <a:pt x="66675" y="3175"/>
+                  <a:pt x="76200" y="0"/>
+                </a:cubicBezTo>
+                <a:cubicBezTo>
+                  <a:pt x="85725" y="3175"/>
+                  <a:pt x="96935" y="3253"/>
+                  <a:pt x="104775" y="9525"/>
+                </a:cubicBezTo>
+                <a:cubicBezTo>
+                  <a:pt x="125358" y="25992"/>
+                  <a:pt x="137054" y="77787"/>
+                  <a:pt x="142875" y="95250"/>
+                </a:cubicBezTo>
+                <a:lnTo>
+                  <a:pt x="161925" y="152400"/>
+                </a:lnTo>
+                <a:cubicBezTo>
+                  <a:pt x="165100" y="161925"/>
+                  <a:pt x="169481" y="171130"/>
+                  <a:pt x="171450" y="180975"/>
+                </a:cubicBezTo>
+                <a:cubicBezTo>
+                  <a:pt x="182944" y="238445"/>
+                  <a:pt x="165616" y="223480"/>
+                  <a:pt x="209550" y="238125"/>
+                </a:cubicBezTo>
+                <a:cubicBezTo>
+                  <a:pt x="228174" y="210189"/>
+                  <a:pt x="230238" y="212523"/>
+                  <a:pt x="238125" y="180975"/>
+                </a:cubicBezTo>
+                <a:cubicBezTo>
+                  <a:pt x="243105" y="161054"/>
+                  <a:pt x="243471" y="119293"/>
+                  <a:pt x="266700" y="104775"/>
+                </a:cubicBezTo>
+                <a:cubicBezTo>
+                  <a:pt x="300393" y="83717"/>
+                  <a:pt x="313092" y="85725"/>
+                  <a:pt x="342900" y="85725"/>
+                </a:cubicBezTo>
+              </a:path>
+            </a:pathLst>
+          </a:custGeom>
+          <a:noFill/>
+          <a:ln>
+            <a:solidFill>
+              <a:srgbClr val="C00000"/>
+            </a:solidFill>
+          </a:ln>
+        </p:spPr>
+        <p:style>
+          <a:lnRef idx="2">
+            <a:schemeClr val="accent1">
+              <a:shade val="50000"/>
+            </a:schemeClr>
+          </a:lnRef>
+          <a:fillRef idx="1">
+            <a:schemeClr val="accent1"/>
+          </a:fillRef>
+          <a:effectRef idx="0">
+            <a:schemeClr val="accent1"/>
+          </a:effectRef>
+          <a:fontRef idx="minor">
+            <a:schemeClr val="lt1"/>
+          </a:fontRef>
+        </p:style>
+        <p:txBody>
+          <a:bodyPr rtlCol="0" anchor="ctr"/>
+          <a:lstStyle/>
+          <a:p>
+            <a:pPr algn="ctr"/>
+            <a:endParaRPr lang="it-IT"/>
+          </a:p>
+        </p:txBody>
+      </p:sp>
+      <p:sp>
+        <p:nvSpPr>
+          <p:cNvPr id="132" name="Figura a mano libera 28">
+            <a:extLst>
+              <a:ext uri="{FF2B5EF4-FFF2-40B4-BE49-F238E27FC236}">
+                <a16:creationId xmlns:a16="http://schemas.microsoft.com/office/drawing/2014/main" id="{7D6976FD-2408-4437-8A88-0E3D49E8A6BB}"/>
+              </a:ext>
+            </a:extLst>
+          </p:cNvPr>
+          <p:cNvSpPr/>
+          <p:nvPr/>
+        </p:nvSpPr>
+        <p:spPr>
+          <a:xfrm rot="11813235" flipH="1">
+            <a:off x="3235132" y="3236831"/>
+            <a:ext cx="94991" cy="32531"/>
+          </a:xfrm>
+          <a:custGeom>
+            <a:avLst/>
+            <a:gdLst>
+              <a:gd name="connsiteX0" fmla="*/ 66675 w 66675"/>
+              <a:gd name="connsiteY0" fmla="*/ 38100 h 38100"/>
+              <a:gd name="connsiteX1" fmla="*/ 0 w 66675"/>
+              <a:gd name="connsiteY1" fmla="*/ 0 h 38100"/>
+            </a:gdLst>
+            <a:ahLst/>
+            <a:cxnLst>
+              <a:cxn ang="0">
+                <a:pos x="connsiteX0" y="connsiteY0"/>
+              </a:cxn>
+              <a:cxn ang="0">
+                <a:pos x="connsiteX1" y="connsiteY1"/>
+              </a:cxn>
+            </a:cxnLst>
+            <a:rect l="l" t="t" r="r" b="b"/>
+            <a:pathLst>
+              <a:path w="66675" h="38100">
+                <a:moveTo>
+                  <a:pt x="66675" y="38100"/>
+                </a:moveTo>
+                <a:cubicBezTo>
+                  <a:pt x="12962" y="5872"/>
+                  <a:pt x="35609" y="17804"/>
+                  <a:pt x="0" y="0"/>
+                </a:cubicBezTo>
+              </a:path>
+            </a:pathLst>
+          </a:custGeom>
+          <a:noFill/>
+          <a:ln>
+            <a:solidFill>
+              <a:srgbClr val="C00000"/>
+            </a:solidFill>
+          </a:ln>
+        </p:spPr>
+        <p:style>
+          <a:lnRef idx="2">
+            <a:schemeClr val="accent1">
+              <a:shade val="50000"/>
+            </a:schemeClr>
+          </a:lnRef>
+          <a:fillRef idx="1">
+            <a:schemeClr val="accent1"/>
+          </a:fillRef>
+          <a:effectRef idx="0">
+            <a:schemeClr val="accent1"/>
+          </a:effectRef>
+          <a:fontRef idx="minor">
+            <a:schemeClr val="lt1"/>
+          </a:fontRef>
+        </p:style>
+        <p:txBody>
+          <a:bodyPr rtlCol="0" anchor="ctr"/>
+          <a:lstStyle/>
+          <a:p>
+            <a:pPr algn="ctr"/>
+            <a:endParaRPr lang="it-IT"/>
+          </a:p>
+        </p:txBody>
+      </p:sp>
+      <p:sp>
+        <p:nvSpPr>
+          <p:cNvPr id="133" name="Figura a mano libera 28">
+            <a:extLst>
+              <a:ext uri="{FF2B5EF4-FFF2-40B4-BE49-F238E27FC236}">
+                <a16:creationId xmlns:a16="http://schemas.microsoft.com/office/drawing/2014/main" id="{B9842875-8003-4944-B4D9-4A7090B450A9}"/>
+              </a:ext>
+            </a:extLst>
+          </p:cNvPr>
+          <p:cNvSpPr/>
+          <p:nvPr/>
+        </p:nvSpPr>
+        <p:spPr>
+          <a:xfrm rot="4837243" flipH="1">
+            <a:off x="3297276" y="3281221"/>
+            <a:ext cx="94991" cy="32531"/>
+          </a:xfrm>
+          <a:custGeom>
+            <a:avLst/>
+            <a:gdLst>
+              <a:gd name="connsiteX0" fmla="*/ 66675 w 66675"/>
+              <a:gd name="connsiteY0" fmla="*/ 38100 h 38100"/>
+              <a:gd name="connsiteX1" fmla="*/ 0 w 66675"/>
+              <a:gd name="connsiteY1" fmla="*/ 0 h 38100"/>
+            </a:gdLst>
+            <a:ahLst/>
+            <a:cxnLst>
+              <a:cxn ang="0">
+                <a:pos x="connsiteX0" y="connsiteY0"/>
+              </a:cxn>
+              <a:cxn ang="0">
+                <a:pos x="connsiteX1" y="connsiteY1"/>
+              </a:cxn>
+            </a:cxnLst>
+            <a:rect l="l" t="t" r="r" b="b"/>
+            <a:pathLst>
+              <a:path w="66675" h="38100">
+                <a:moveTo>
+                  <a:pt x="66675" y="38100"/>
+                </a:moveTo>
+                <a:cubicBezTo>
+                  <a:pt x="12962" y="5872"/>
+                  <a:pt x="35609" y="17804"/>
+                  <a:pt x="0" y="0"/>
+                </a:cubicBezTo>
+              </a:path>
+            </a:pathLst>
+          </a:custGeom>
+          <a:noFill/>
+          <a:ln>
+            <a:solidFill>
+              <a:srgbClr val="C00000"/>
+            </a:solidFill>
+          </a:ln>
+        </p:spPr>
+        <p:style>
+          <a:lnRef idx="2">
+            <a:schemeClr val="accent1">
+              <a:shade val="50000"/>
+            </a:schemeClr>
+          </a:lnRef>
+          <a:fillRef idx="1">
+            <a:schemeClr val="accent1"/>
+          </a:fillRef>
+          <a:effectRef idx="0">
+            <a:schemeClr val="accent1"/>
+          </a:effectRef>
+          <a:fontRef idx="minor">
+            <a:schemeClr val="lt1"/>
+          </a:fontRef>
+        </p:style>
+        <p:txBody>
+          <a:bodyPr rtlCol="0" anchor="ctr"/>
+          <a:lstStyle/>
+          <a:p>
+            <a:pPr algn="ctr"/>
+            <a:endParaRPr lang="it-IT"/>
+          </a:p>
+        </p:txBody>
+      </p:sp>
+      <p:cxnSp>
+        <p:nvCxnSpPr>
+          <p:cNvPr id="134" name="Connettore 2 133">
+            <a:extLst>
+              <a:ext uri="{FF2B5EF4-FFF2-40B4-BE49-F238E27FC236}">
+                <a16:creationId xmlns:a16="http://schemas.microsoft.com/office/drawing/2014/main" id="{AC96467A-A286-4270-B6CB-F17BDDF2F565}"/>
+              </a:ext>
+            </a:extLst>
+          </p:cNvPr>
+          <p:cNvCxnSpPr>
+            <a:cxnSpLocks/>
+            <a:stCxn id="89" idx="4"/>
+            <a:endCxn id="81" idx="1"/>
+          </p:cNvCxnSpPr>
+          <p:nvPr/>
+        </p:nvCxnSpPr>
+        <p:spPr>
+          <a:xfrm>
+            <a:off x="1734055" y="3501899"/>
+            <a:ext cx="387035" cy="416840"/>
+          </a:xfrm>
+          <a:prstGeom prst="straightConnector1">
+            <a:avLst/>
+          </a:prstGeom>
+          <a:ln>
+            <a:prstDash val="lgDash"/>
+            <a:tailEnd type="arrow"/>
+          </a:ln>
+        </p:spPr>
+        <p:style>
+          <a:lnRef idx="1">
+            <a:schemeClr val="accent1"/>
+          </a:lnRef>
+          <a:fillRef idx="0">
+            <a:schemeClr val="accent1"/>
+          </a:fillRef>
+          <a:effectRef idx="0">
+            <a:schemeClr val="accent1"/>
+          </a:effectRef>
+          <a:fontRef idx="minor">
+            <a:schemeClr val="tx1"/>
+          </a:fontRef>
+        </p:style>
+      </p:cxnSp>
+      <p:sp>
+        <p:nvSpPr>
+          <p:cNvPr id="136" name="CasellaDiTesto 135">
+            <a:extLst>
+              <a:ext uri="{FF2B5EF4-FFF2-40B4-BE49-F238E27FC236}">
+                <a16:creationId xmlns:a16="http://schemas.microsoft.com/office/drawing/2014/main" id="{403D8631-90C0-431A-A61E-98ADB26F4CA3}"/>
+              </a:ext>
+            </a:extLst>
+          </p:cNvPr>
+          <p:cNvSpPr txBox="1"/>
+          <p:nvPr/>
+        </p:nvSpPr>
+        <p:spPr>
+          <a:xfrm>
+            <a:off x="579064" y="3710842"/>
+            <a:ext cx="1561646" cy="246221"/>
+          </a:xfrm>
+          <a:prstGeom prst="rect">
+            <a:avLst/>
+          </a:prstGeom>
+          <a:noFill/>
+        </p:spPr>
+        <p:txBody>
+          <a:bodyPr wrap="none" rtlCol="0">
+            <a:spAutoFit/>
+          </a:bodyPr>
+          <a:lstStyle/>
+          <a:p>
+            <a:r>
+              <a:rPr lang="it-IT" sz="1000" dirty="0" err="1"/>
+              <a:t>maxStayTime</a:t>
+            </a:r>
+            <a:r>
+              <a:rPr lang="it-IT" sz="1000" dirty="0"/>
+              <a:t>(CID,CSTATE)</a:t>
+            </a:r>
+            <a:endParaRPr lang="en-GB" sz="1000" dirty="0"/>
+          </a:p>
+        </p:txBody>
+      </p:sp>
+      <p:grpSp>
+        <p:nvGrpSpPr>
+          <p:cNvPr id="69" name="Gruppo 68">
+            <a:extLst>
+              <a:ext uri="{FF2B5EF4-FFF2-40B4-BE49-F238E27FC236}">
+                <a16:creationId xmlns:a16="http://schemas.microsoft.com/office/drawing/2014/main" id="{7EE00515-0C16-4EBD-9681-05357E7DD69B}"/>
+              </a:ext>
+            </a:extLst>
+          </p:cNvPr>
+          <p:cNvGrpSpPr/>
+          <p:nvPr/>
+        </p:nvGrpSpPr>
+        <p:grpSpPr>
+          <a:xfrm>
+            <a:off x="1962094" y="2529278"/>
+            <a:ext cx="1277914" cy="426870"/>
+            <a:chOff x="1775482" y="2771880"/>
+            <a:chExt cx="1277914" cy="426870"/>
+          </a:xfrm>
+        </p:grpSpPr>
+        <p:sp>
+          <p:nvSpPr>
+            <p:cNvPr id="59" name="Scorrimento verticale 58">
+              <a:extLst>
+                <a:ext uri="{FF2B5EF4-FFF2-40B4-BE49-F238E27FC236}">
+                  <a16:creationId xmlns:a16="http://schemas.microsoft.com/office/drawing/2014/main" id="{ACADE6F3-5BC0-470D-8899-8295BE64C30D}"/>
+                </a:ext>
+              </a:extLst>
+            </p:cNvPr>
+            <p:cNvSpPr/>
+            <p:nvPr/>
+          </p:nvSpPr>
+          <p:spPr>
+            <a:xfrm>
+              <a:off x="1780431" y="2771880"/>
+              <a:ext cx="305847" cy="426870"/>
+            </a:xfrm>
+            <a:prstGeom prst="verticalScroll">
+              <a:avLst/>
+            </a:prstGeom>
+          </p:spPr>
+          <p:style>
+            <a:lnRef idx="2">
+              <a:schemeClr val="accent1"/>
+            </a:lnRef>
+            <a:fillRef idx="1">
+              <a:schemeClr val="lt1"/>
+            </a:fillRef>
+            <a:effectRef idx="0">
+              <a:schemeClr val="accent1"/>
+            </a:effectRef>
+            <a:fontRef idx="minor">
+              <a:schemeClr val="dk1"/>
+            </a:fontRef>
+          </p:style>
+          <p:txBody>
+            <a:bodyPr rtlCol="0" anchor="ctr"/>
+            <a:lstStyle/>
+            <a:p>
+              <a:pPr algn="ctr"/>
+              <a:endParaRPr lang="it-IT"/>
+            </a:p>
+          </p:txBody>
+        </p:sp>
+        <p:sp>
+          <p:nvSpPr>
+            <p:cNvPr id="137" name="CasellaDiTesto 136">
+              <a:extLst>
+                <a:ext uri="{FF2B5EF4-FFF2-40B4-BE49-F238E27FC236}">
+                  <a16:creationId xmlns:a16="http://schemas.microsoft.com/office/drawing/2014/main" id="{EC530084-1FB2-458D-AC08-A23616F713A8}"/>
+                </a:ext>
+              </a:extLst>
+            </p:cNvPr>
+            <p:cNvSpPr txBox="1"/>
+            <p:nvPr/>
+          </p:nvSpPr>
+          <p:spPr>
+            <a:xfrm>
+              <a:off x="1775482" y="2843530"/>
+              <a:ext cx="1277914" cy="261610"/>
+            </a:xfrm>
+            <a:prstGeom prst="rect">
+              <a:avLst/>
+            </a:prstGeom>
+            <a:noFill/>
+          </p:spPr>
+          <p:txBody>
+            <a:bodyPr wrap="none" rtlCol="0">
+              <a:spAutoFit/>
+            </a:bodyPr>
+            <a:lstStyle/>
+            <a:p>
+              <a:r>
+                <a:rPr lang="it-IT" sz="1100" dirty="0"/>
+                <a:t>clientsituationkb.pl</a:t>
+              </a:r>
+              <a:endParaRPr lang="en-GB" sz="1100" dirty="0"/>
+            </a:p>
+          </p:txBody>
+        </p:sp>
+      </p:grpSp>
+      <p:grpSp>
+        <p:nvGrpSpPr>
+          <p:cNvPr id="138" name="Gruppo 137">
+            <a:extLst>
+              <a:ext uri="{FF2B5EF4-FFF2-40B4-BE49-F238E27FC236}">
+                <a16:creationId xmlns:a16="http://schemas.microsoft.com/office/drawing/2014/main" id="{EDE1BC43-5A75-46A0-9AA2-0DC4032CEE66}"/>
+              </a:ext>
+            </a:extLst>
+          </p:cNvPr>
+          <p:cNvGrpSpPr/>
+          <p:nvPr/>
+        </p:nvGrpSpPr>
+        <p:grpSpPr>
+          <a:xfrm>
+            <a:off x="2335156" y="4083262"/>
+            <a:ext cx="957313" cy="426870"/>
+            <a:chOff x="1775482" y="2771880"/>
+            <a:chExt cx="957313" cy="426870"/>
+          </a:xfrm>
+        </p:grpSpPr>
+        <p:sp>
+          <p:nvSpPr>
+            <p:cNvPr id="139" name="Scorrimento verticale 138">
+              <a:extLst>
+                <a:ext uri="{FF2B5EF4-FFF2-40B4-BE49-F238E27FC236}">
+                  <a16:creationId xmlns:a16="http://schemas.microsoft.com/office/drawing/2014/main" id="{FC416B8F-FBF0-473E-901B-4542AEF7C689}"/>
+                </a:ext>
+              </a:extLst>
+            </p:cNvPr>
+            <p:cNvSpPr/>
+            <p:nvPr/>
+          </p:nvSpPr>
+          <p:spPr>
+            <a:xfrm>
+              <a:off x="1780431" y="2771880"/>
+              <a:ext cx="305847" cy="426870"/>
+            </a:xfrm>
+            <a:prstGeom prst="verticalScroll">
+              <a:avLst/>
+            </a:prstGeom>
+          </p:spPr>
+          <p:style>
+            <a:lnRef idx="2">
+              <a:schemeClr val="accent1"/>
+            </a:lnRef>
+            <a:fillRef idx="1">
+              <a:schemeClr val="lt1"/>
+            </a:fillRef>
+            <a:effectRef idx="0">
+              <a:schemeClr val="accent1"/>
+            </a:effectRef>
+            <a:fontRef idx="minor">
+              <a:schemeClr val="dk1"/>
+            </a:fontRef>
+          </p:style>
+          <p:txBody>
+            <a:bodyPr rtlCol="0" anchor="ctr"/>
+            <a:lstStyle/>
+            <a:p>
+              <a:pPr algn="ctr"/>
+              <a:endParaRPr lang="it-IT"/>
+            </a:p>
+          </p:txBody>
+        </p:sp>
+        <p:sp>
+          <p:nvSpPr>
+            <p:cNvPr id="140" name="CasellaDiTesto 139">
+              <a:extLst>
+                <a:ext uri="{FF2B5EF4-FFF2-40B4-BE49-F238E27FC236}">
+                  <a16:creationId xmlns:a16="http://schemas.microsoft.com/office/drawing/2014/main" id="{E9D1DE33-E7F5-43E8-B3F1-1C123CE18760}"/>
+                </a:ext>
+              </a:extLst>
+            </p:cNvPr>
+            <p:cNvSpPr txBox="1"/>
+            <p:nvPr/>
+          </p:nvSpPr>
+          <p:spPr>
+            <a:xfrm>
+              <a:off x="1775482" y="2843530"/>
+              <a:ext cx="957313" cy="261610"/>
+            </a:xfrm>
+            <a:prstGeom prst="rect">
+              <a:avLst/>
+            </a:prstGeom>
+            <a:noFill/>
+          </p:spPr>
+          <p:txBody>
+            <a:bodyPr wrap="none" rtlCol="0">
+              <a:spAutoFit/>
+            </a:bodyPr>
+            <a:lstStyle/>
+            <a:p>
+              <a:r>
+                <a:rPr lang="it-IT" sz="1100" dirty="0"/>
+                <a:t>tearoomkb.pl</a:t>
+              </a:r>
+              <a:endParaRPr lang="en-GB" sz="1100" dirty="0"/>
+            </a:p>
+          </p:txBody>
+        </p:sp>
+      </p:grpSp>
+    </p:spTree>
+    <p:extLst>
+      <p:ext uri="{BB962C8B-B14F-4D97-AF65-F5344CB8AC3E}">
+        <p14:creationId xmlns:p14="http://schemas.microsoft.com/office/powerpoint/2010/main" val="4028728919"/>
+      </p:ext>
+    </p:extLst>
+  </p:cSld>
+  <p:clrMapOvr>
+    <a:masterClrMapping/>
+  </p:clrMapOvr>
+  <p:timing>
+    <p:tnLst>
+      <p:par>
+        <p:cTn id="1" dur="indefinite" restart="never" nodeType="tmRoot">
+          <p:childTnLst>
+            <p:seq concurrent="1" nextAc="seek">
+              <p:cTn id="2" dur="indefinite" nodeType="mainSeq">
+                <p:childTnLst>
+                  <p:par>
+                    <p:cTn id="3" fill="hold">
+                      <p:stCondLst>
+                        <p:cond delay="indefinite"/>
+                      </p:stCondLst>
+                      <p:childTnLst>
+                        <p:par>
+                          <p:cTn id="4" fill="hold">
+                            <p:stCondLst>
+                              <p:cond delay="0"/>
+                            </p:stCondLst>
+                            <p:childTnLst>
+                              <p:par>
+                                <p:cTn id="5" presetID="2" presetClass="entr" presetSubtype="4" fill="hold" grpId="0" nodeType="clickEffect">
+                                  <p:stCondLst>
+                                    <p:cond delay="0"/>
+                                  </p:stCondLst>
+                                  <p:childTnLst>
+                                    <p:set>
+                                      <p:cBhvr>
+                                        <p:cTn id="6" dur="1" fill="hold">
+                                          <p:stCondLst>
+                                            <p:cond delay="0"/>
+                                          </p:stCondLst>
+                                        </p:cTn>
+                                        <p:tgtEl>
+                                          <p:spTgt spid="3"/>
+                                        </p:tgtEl>
+                                        <p:attrNameLst>
+                                          <p:attrName>style.visibility</p:attrName>
+                                        </p:attrNameLst>
+                                      </p:cBhvr>
+                                      <p:to>
+                                        <p:strVal val="visible"/>
+                                      </p:to>
+                                    </p:set>
+                                    <p:anim calcmode="lin" valueType="num">
+                                      <p:cBhvr additive="base">
+                                        <p:cTn id="7" dur="500" fill="hold"/>
+                                        <p:tgtEl>
+                                          <p:spTgt spid="3"/>
+                                        </p:tgtEl>
+                                        <p:attrNameLst>
+                                          <p:attrName>ppt_x</p:attrName>
+                                        </p:attrNameLst>
+                                      </p:cBhvr>
+                                      <p:tavLst>
+                                        <p:tav tm="0">
+                                          <p:val>
+                                            <p:strVal val="#ppt_x"/>
+                                          </p:val>
+                                        </p:tav>
+                                        <p:tav tm="100000">
+                                          <p:val>
+                                            <p:strVal val="#ppt_x"/>
+                                          </p:val>
+                                        </p:tav>
+                                      </p:tavLst>
+                                    </p:anim>
+                                    <p:anim calcmode="lin" valueType="num">
+                                      <p:cBhvr additive="base">
+                                        <p:cTn id="8" dur="500" fill="hold"/>
+                                        <p:tgtEl>
+                                          <p:spTgt spid="3"/>
+                                        </p:tgtEl>
+                                        <p:attrNameLst>
+                                          <p:attrName>ppt_y</p:attrName>
+                                        </p:attrNameLst>
+                                      </p:cBhvr>
+                                      <p:tavLst>
+                                        <p:tav tm="0">
+                                          <p:val>
+                                            <p:strVal val="1+#ppt_h/2"/>
+                                          </p:val>
+                                        </p:tav>
+                                        <p:tav tm="100000">
+                                          <p:val>
+                                            <p:strVal val="#ppt_y"/>
+                                          </p:val>
+                                        </p:tav>
+                                      </p:tavLst>
+                                    </p:anim>
+                                  </p:childTnLst>
+                                </p:cTn>
+                              </p:par>
+                            </p:childTnLst>
+                          </p:cTn>
+                        </p:par>
+                      </p:childTnLst>
+                    </p:cTn>
+                  </p:par>
+                </p:childTnLst>
+              </p:cTn>
+              <p:prevCondLst>
+                <p:cond evt="onPrev" delay="0">
+                  <p:tgtEl>
+                    <p:sldTgt/>
+                  </p:tgtEl>
+                </p:cond>
+              </p:prevCondLst>
+              <p:nextCondLst>
+                <p:cond evt="onNext" delay="0">
+                  <p:tgtEl>
+                    <p:sldTgt/>
+                  </p:tgtEl>
+                </p:cond>
+              </p:nextCondLst>
+            </p:seq>
+          </p:childTnLst>
+        </p:cTn>
+      </p:par>
+    </p:tnLst>
+    <p:bldLst>
+      <p:bldP spid="3" grpId="0"/>
+    </p:bldLst>
+  </p:timing>
+</p:sld>
+</file>
+
 <file path=ppt/theme/theme1.xml><?xml version="1.0" encoding="utf-8"?>
 <a:theme xmlns:a="http://schemas.openxmlformats.org/drawingml/2006/main" name="Tema di Office">
   <a:themeElements>

--- a/DOCUMENTS/Diagrammi.pptx
+++ b/DOCUMENTS/Diagrammi.pptx
@@ -5,7 +5,7 @@
     <p:sldMasterId id="2147483648" r:id="rId1"/>
   </p:sldMasterIdLst>
   <p:notesMasterIdLst>
-    <p:notesMasterId r:id="rId9"/>
+    <p:notesMasterId r:id="rId10"/>
   </p:notesMasterIdLst>
   <p:sldIdLst>
     <p:sldId id="256" r:id="rId2"/>
@@ -15,6 +15,7 @@
     <p:sldId id="353" r:id="rId6"/>
     <p:sldId id="354" r:id="rId7"/>
     <p:sldId id="355" r:id="rId8"/>
+    <p:sldId id="356" r:id="rId9"/>
   </p:sldIdLst>
   <p:sldSz cx="12192000" cy="6858000"/>
   <p:notesSz cx="6858000" cy="9144000"/>
@@ -203,7 +204,7 @@
           <a:p>
             <a:fld id="{840E2AAB-1006-4BA7-817F-86A01148584B}" type="datetimeFigureOut">
               <a:rPr lang="it-IT" smtClean="0"/>
-              <a:t>04/07/2020</a:t>
+              <a:t>10/07/2020</a:t>
             </a:fld>
             <a:endParaRPr lang="it-IT"/>
           </a:p>
@@ -617,7 +618,7 @@
           <a:p>
             <a:fld id="{0210BBF0-42E9-4380-BF75-9938A7ED37A5}" type="datetimeFigureOut">
               <a:rPr lang="it-IT" smtClean="0"/>
-              <a:t>04/07/2020</a:t>
+              <a:t>10/07/2020</a:t>
             </a:fld>
             <a:endParaRPr lang="it-IT"/>
           </a:p>
@@ -815,7 +816,7 @@
           <a:p>
             <a:fld id="{0210BBF0-42E9-4380-BF75-9938A7ED37A5}" type="datetimeFigureOut">
               <a:rPr lang="it-IT" smtClean="0"/>
-              <a:t>04/07/2020</a:t>
+              <a:t>10/07/2020</a:t>
             </a:fld>
             <a:endParaRPr lang="it-IT"/>
           </a:p>
@@ -1023,7 +1024,7 @@
           <a:p>
             <a:fld id="{0210BBF0-42E9-4380-BF75-9938A7ED37A5}" type="datetimeFigureOut">
               <a:rPr lang="it-IT" smtClean="0"/>
-              <a:t>04/07/2020</a:t>
+              <a:t>10/07/2020</a:t>
             </a:fld>
             <a:endParaRPr lang="it-IT"/>
           </a:p>
@@ -1221,7 +1222,7 @@
           <a:p>
             <a:fld id="{0210BBF0-42E9-4380-BF75-9938A7ED37A5}" type="datetimeFigureOut">
               <a:rPr lang="it-IT" smtClean="0"/>
-              <a:t>04/07/2020</a:t>
+              <a:t>10/07/2020</a:t>
             </a:fld>
             <a:endParaRPr lang="it-IT"/>
           </a:p>
@@ -1496,7 +1497,7 @@
           <a:p>
             <a:fld id="{0210BBF0-42E9-4380-BF75-9938A7ED37A5}" type="datetimeFigureOut">
               <a:rPr lang="it-IT" smtClean="0"/>
-              <a:t>04/07/2020</a:t>
+              <a:t>10/07/2020</a:t>
             </a:fld>
             <a:endParaRPr lang="it-IT"/>
           </a:p>
@@ -1761,7 +1762,7 @@
           <a:p>
             <a:fld id="{0210BBF0-42E9-4380-BF75-9938A7ED37A5}" type="datetimeFigureOut">
               <a:rPr lang="it-IT" smtClean="0"/>
-              <a:t>04/07/2020</a:t>
+              <a:t>10/07/2020</a:t>
             </a:fld>
             <a:endParaRPr lang="it-IT"/>
           </a:p>
@@ -2173,7 +2174,7 @@
           <a:p>
             <a:fld id="{0210BBF0-42E9-4380-BF75-9938A7ED37A5}" type="datetimeFigureOut">
               <a:rPr lang="it-IT" smtClean="0"/>
-              <a:t>04/07/2020</a:t>
+              <a:t>10/07/2020</a:t>
             </a:fld>
             <a:endParaRPr lang="it-IT"/>
           </a:p>
@@ -2314,7 +2315,7 @@
           <a:p>
             <a:fld id="{0210BBF0-42E9-4380-BF75-9938A7ED37A5}" type="datetimeFigureOut">
               <a:rPr lang="it-IT" smtClean="0"/>
-              <a:t>04/07/2020</a:t>
+              <a:t>10/07/2020</a:t>
             </a:fld>
             <a:endParaRPr lang="it-IT"/>
           </a:p>
@@ -2427,7 +2428,7 @@
           <a:p>
             <a:fld id="{0210BBF0-42E9-4380-BF75-9938A7ED37A5}" type="datetimeFigureOut">
               <a:rPr lang="it-IT" smtClean="0"/>
-              <a:t>04/07/2020</a:t>
+              <a:t>10/07/2020</a:t>
             </a:fld>
             <a:endParaRPr lang="it-IT"/>
           </a:p>
@@ -2738,7 +2739,7 @@
           <a:p>
             <a:fld id="{0210BBF0-42E9-4380-BF75-9938A7ED37A5}" type="datetimeFigureOut">
               <a:rPr lang="it-IT" smtClean="0"/>
-              <a:t>04/07/2020</a:t>
+              <a:t>10/07/2020</a:t>
             </a:fld>
             <a:endParaRPr lang="it-IT"/>
           </a:p>
@@ -3026,7 +3027,7 @@
           <a:p>
             <a:fld id="{0210BBF0-42E9-4380-BF75-9938A7ED37A5}" type="datetimeFigureOut">
               <a:rPr lang="it-IT" smtClean="0"/>
-              <a:t>04/07/2020</a:t>
+              <a:t>10/07/2020</a:t>
             </a:fld>
             <a:endParaRPr lang="it-IT"/>
           </a:p>
@@ -3267,7 +3268,7 @@
           <a:p>
             <a:fld id="{0210BBF0-42E9-4380-BF75-9938A7ED37A5}" type="datetimeFigureOut">
               <a:rPr lang="it-IT" smtClean="0"/>
-              <a:t>04/07/2020</a:t>
+              <a:t>10/07/2020</a:t>
             </a:fld>
             <a:endParaRPr lang="it-IT"/>
           </a:p>
@@ -24799,6 +24800,5955 @@
 </p:sld>
 </file>
 
+<file path=ppt/slides/slide8.xml><?xml version="1.0" encoding="utf-8"?>
+<p:sld xmlns:a="http://schemas.openxmlformats.org/drawingml/2006/main" xmlns:r="http://schemas.openxmlformats.org/officeDocument/2006/relationships" xmlns:p="http://schemas.openxmlformats.org/presentationml/2006/main">
+  <p:cSld>
+    <p:spTree>
+      <p:nvGrpSpPr>
+        <p:cNvPr id="1" name=""/>
+        <p:cNvGrpSpPr/>
+        <p:nvPr/>
+      </p:nvGrpSpPr>
+      <p:grpSpPr>
+        <a:xfrm>
+          <a:off x="0" y="0"/>
+          <a:ext cx="0" cy="0"/>
+          <a:chOff x="0" y="0"/>
+          <a:chExt cx="0" cy="0"/>
+        </a:xfrm>
+      </p:grpSpPr>
+      <p:grpSp>
+        <p:nvGrpSpPr>
+          <p:cNvPr id="71" name="Gruppo 70">
+            <a:extLst>
+              <a:ext uri="{FF2B5EF4-FFF2-40B4-BE49-F238E27FC236}">
+                <a16:creationId xmlns:a16="http://schemas.microsoft.com/office/drawing/2014/main" id="{BA9BDF81-94D2-4CCA-BE53-4763ECB9EEBB}"/>
+              </a:ext>
+            </a:extLst>
+          </p:cNvPr>
+          <p:cNvGrpSpPr/>
+          <p:nvPr/>
+        </p:nvGrpSpPr>
+        <p:grpSpPr>
+          <a:xfrm>
+            <a:off x="3052191" y="2163512"/>
+            <a:ext cx="4825364" cy="3845409"/>
+            <a:chOff x="1533915" y="344932"/>
+            <a:chExt cx="6848127" cy="5343655"/>
+          </a:xfrm>
+        </p:grpSpPr>
+        <p:sp>
+          <p:nvSpPr>
+            <p:cNvPr id="72" name="Rettangolo arrotondato 3">
+              <a:extLst>
+                <a:ext uri="{FF2B5EF4-FFF2-40B4-BE49-F238E27FC236}">
+                  <a16:creationId xmlns:a16="http://schemas.microsoft.com/office/drawing/2014/main" id="{078DEE61-8D00-4D19-B614-F5A7ACD5FB5F}"/>
+                </a:ext>
+              </a:extLst>
+            </p:cNvPr>
+            <p:cNvSpPr/>
+            <p:nvPr/>
+          </p:nvSpPr>
+          <p:spPr>
+            <a:xfrm>
+              <a:off x="1533915" y="495016"/>
+              <a:ext cx="6848127" cy="5076667"/>
+            </a:xfrm>
+            <a:prstGeom prst="roundRect">
+              <a:avLst/>
+            </a:prstGeom>
+            <a:solidFill>
+              <a:srgbClr val="CCFFCC"/>
+            </a:solidFill>
+          </p:spPr>
+          <p:style>
+            <a:lnRef idx="2">
+              <a:schemeClr val="accent1">
+                <a:shade val="50000"/>
+              </a:schemeClr>
+            </a:lnRef>
+            <a:fillRef idx="1">
+              <a:schemeClr val="accent1"/>
+            </a:fillRef>
+            <a:effectRef idx="0">
+              <a:schemeClr val="accent1"/>
+            </a:effectRef>
+            <a:fontRef idx="minor">
+              <a:schemeClr val="lt1"/>
+            </a:fontRef>
+          </p:style>
+          <p:txBody>
+            <a:bodyPr rot="0" spcFirstLastPara="0" vertOverflow="overflow" horzOverflow="overflow" vert="horz" wrap="square" lIns="91440" tIns="45720" rIns="91440" bIns="45720" numCol="1" spcCol="0" rtlCol="0" fromWordArt="0" anchor="ctr" anchorCtr="0" forceAA="0" compatLnSpc="1">
+              <a:prstTxWarp prst="textNoShape">
+                <a:avLst/>
+              </a:prstTxWarp>
+              <a:noAutofit/>
+            </a:bodyPr>
+            <a:lstStyle/>
+            <a:p>
+              <a:pPr algn="ctr"/>
+              <a:endParaRPr lang="it-IT" dirty="0"/>
+            </a:p>
+          </p:txBody>
+        </p:sp>
+        <p:sp>
+          <p:nvSpPr>
+            <p:cNvPr id="73" name="Rettangolo 11">
+              <a:extLst>
+                <a:ext uri="{FF2B5EF4-FFF2-40B4-BE49-F238E27FC236}">
+                  <a16:creationId xmlns:a16="http://schemas.microsoft.com/office/drawing/2014/main" id="{1856EB5A-5602-4F80-A80A-1778F0B8AB06}"/>
+                </a:ext>
+              </a:extLst>
+            </p:cNvPr>
+            <p:cNvSpPr/>
+            <p:nvPr/>
+          </p:nvSpPr>
+          <p:spPr>
+            <a:xfrm>
+              <a:off x="5121249" y="5366090"/>
+              <a:ext cx="1777284" cy="322497"/>
+            </a:xfrm>
+            <a:prstGeom prst="rect">
+              <a:avLst/>
+            </a:prstGeom>
+            <a:solidFill>
+              <a:srgbClr val="FFFF99"/>
+            </a:solidFill>
+          </p:spPr>
+          <p:style>
+            <a:lnRef idx="1">
+              <a:schemeClr val="accent1"/>
+            </a:lnRef>
+            <a:fillRef idx="2">
+              <a:schemeClr val="accent1"/>
+            </a:fillRef>
+            <a:effectRef idx="1">
+              <a:schemeClr val="accent1"/>
+            </a:effectRef>
+            <a:fontRef idx="minor">
+              <a:schemeClr val="dk1"/>
+            </a:fontRef>
+          </p:style>
+          <p:txBody>
+            <a:bodyPr rtlCol="0" anchor="ctr"/>
+            <a:lstStyle/>
+            <a:p>
+              <a:pPr algn="ctr"/>
+              <a:r>
+                <a:rPr lang="en-GB" sz="1600" dirty="0" err="1"/>
+                <a:t>ctxwaiter</a:t>
+              </a:r>
+              <a:endParaRPr lang="en-GB" dirty="0">
+                <a:solidFill>
+                  <a:schemeClr val="tx1"/>
+                </a:solidFill>
+              </a:endParaRPr>
+            </a:p>
+          </p:txBody>
+        </p:sp>
+        <p:sp>
+          <p:nvSpPr>
+            <p:cNvPr id="74" name="Rettangolo 12">
+              <a:extLst>
+                <a:ext uri="{FF2B5EF4-FFF2-40B4-BE49-F238E27FC236}">
+                  <a16:creationId xmlns:a16="http://schemas.microsoft.com/office/drawing/2014/main" id="{10D15607-1E61-434F-BB2B-3C0E30C1B763}"/>
+                </a:ext>
+              </a:extLst>
+            </p:cNvPr>
+            <p:cNvSpPr/>
+            <p:nvPr/>
+          </p:nvSpPr>
+          <p:spPr>
+            <a:xfrm>
+              <a:off x="3151439" y="344932"/>
+              <a:ext cx="864096" cy="360040"/>
+            </a:xfrm>
+            <a:prstGeom prst="rect">
+              <a:avLst/>
+            </a:prstGeom>
+          </p:spPr>
+          <p:style>
+            <a:lnRef idx="1">
+              <a:schemeClr val="accent3"/>
+            </a:lnRef>
+            <a:fillRef idx="2">
+              <a:schemeClr val="accent3"/>
+            </a:fillRef>
+            <a:effectRef idx="1">
+              <a:schemeClr val="accent3"/>
+            </a:effectRef>
+            <a:fontRef idx="minor">
+              <a:schemeClr val="dk1"/>
+            </a:fontRef>
+          </p:style>
+          <p:txBody>
+            <a:bodyPr rot="0" spcFirstLastPara="0" vertOverflow="overflow" horzOverflow="overflow" vert="horz" wrap="square" lIns="91440" tIns="45720" rIns="91440" bIns="45720" numCol="1" spcCol="0" rtlCol="0" fromWordArt="0" anchor="ctr" anchorCtr="0" forceAA="0" compatLnSpc="1">
+              <a:prstTxWarp prst="textNoShape">
+                <a:avLst/>
+              </a:prstTxWarp>
+              <a:noAutofit/>
+            </a:bodyPr>
+            <a:lstStyle/>
+            <a:p>
+              <a:pPr algn="ctr"/>
+              <a:r>
+                <a:rPr lang="it-IT" sz="1600" dirty="0"/>
+                <a:t>8050</a:t>
+              </a:r>
+              <a:endParaRPr lang="it-IT" dirty="0"/>
+            </a:p>
+          </p:txBody>
+        </p:sp>
+        <p:grpSp>
+          <p:nvGrpSpPr>
+            <p:cNvPr id="76" name="Gruppo 44">
+              <a:extLst>
+                <a:ext uri="{FF2B5EF4-FFF2-40B4-BE49-F238E27FC236}">
+                  <a16:creationId xmlns:a16="http://schemas.microsoft.com/office/drawing/2014/main" id="{58A80BF4-E3A4-428F-BAE3-0D13F6DCDA47}"/>
+                </a:ext>
+              </a:extLst>
+            </p:cNvPr>
+            <p:cNvGrpSpPr/>
+            <p:nvPr/>
+          </p:nvGrpSpPr>
+          <p:grpSpPr>
+            <a:xfrm>
+              <a:off x="2784177" y="1945576"/>
+              <a:ext cx="1696868" cy="1234656"/>
+              <a:chOff x="2460218" y="2004001"/>
+              <a:chExt cx="1696868" cy="1234656"/>
+            </a:xfrm>
+          </p:grpSpPr>
+          <p:sp>
+            <p:nvSpPr>
+              <p:cNvPr id="77" name="Triangolo isoscele 45">
+                <a:extLst>
+                  <a:ext uri="{FF2B5EF4-FFF2-40B4-BE49-F238E27FC236}">
+                    <a16:creationId xmlns:a16="http://schemas.microsoft.com/office/drawing/2014/main" id="{65AECDF3-9482-40B0-9AB1-7DD8FC830E8B}"/>
+                  </a:ext>
+                </a:extLst>
+              </p:cNvPr>
+              <p:cNvSpPr/>
+              <p:nvPr/>
+            </p:nvSpPr>
+            <p:spPr>
+              <a:xfrm rot="5400000">
+                <a:off x="3220535" y="2242777"/>
+                <a:ext cx="998084" cy="875019"/>
+              </a:xfrm>
+              <a:prstGeom prst="triangle">
+                <a:avLst/>
+              </a:prstGeom>
+              <a:solidFill>
+                <a:srgbClr val="CCFF66"/>
+              </a:solidFill>
+              <a:ln/>
+            </p:spPr>
+            <p:style>
+              <a:lnRef idx="1">
+                <a:schemeClr val="accent5"/>
+              </a:lnRef>
+              <a:fillRef idx="2">
+                <a:schemeClr val="accent5"/>
+              </a:fillRef>
+              <a:effectRef idx="1">
+                <a:schemeClr val="accent5"/>
+              </a:effectRef>
+              <a:fontRef idx="minor">
+                <a:schemeClr val="dk1"/>
+              </a:fontRef>
+            </p:style>
+            <p:txBody>
+              <a:bodyPr rtlCol="0" anchor="ctr"/>
+              <a:lstStyle/>
+              <a:p>
+                <a:pPr algn="ctr"/>
+                <a:endParaRPr lang="en-GB" sz="1200"/>
+              </a:p>
+            </p:txBody>
+          </p:sp>
+          <p:grpSp>
+            <p:nvGrpSpPr>
+              <p:cNvPr id="78" name="Gruppo 82">
+                <a:extLst>
+                  <a:ext uri="{FF2B5EF4-FFF2-40B4-BE49-F238E27FC236}">
+                    <a16:creationId xmlns:a16="http://schemas.microsoft.com/office/drawing/2014/main" id="{98F97228-3F59-412D-89A3-9630EE5FB626}"/>
+                  </a:ext>
+                </a:extLst>
+              </p:cNvPr>
+              <p:cNvGrpSpPr/>
+              <p:nvPr/>
+            </p:nvGrpSpPr>
+            <p:grpSpPr>
+              <a:xfrm>
+                <a:off x="2460218" y="2004001"/>
+                <a:ext cx="1409185" cy="1234656"/>
+                <a:chOff x="1194666" y="2417771"/>
+                <a:chExt cx="866157" cy="763298"/>
+              </a:xfrm>
+            </p:grpSpPr>
+            <p:sp>
+              <p:nvSpPr>
+                <p:cNvPr id="80" name="Ovale 38">
+                  <a:extLst>
+                    <a:ext uri="{FF2B5EF4-FFF2-40B4-BE49-F238E27FC236}">
+                      <a16:creationId xmlns:a16="http://schemas.microsoft.com/office/drawing/2014/main" id="{0CDCCE5E-F52C-4A6C-ABA3-DFB3AAA78E49}"/>
+                    </a:ext>
+                  </a:extLst>
+                </p:cNvPr>
+                <p:cNvSpPr/>
+                <p:nvPr/>
+              </p:nvSpPr>
+              <p:spPr>
+                <a:xfrm>
+                  <a:off x="1311102" y="2460989"/>
+                  <a:ext cx="749721" cy="720080"/>
+                </a:xfrm>
+                <a:prstGeom prst="ellipse">
+                  <a:avLst/>
+                </a:prstGeom>
+                <a:solidFill>
+                  <a:srgbClr val="FFCCFF"/>
+                </a:solidFill>
+                <a:ln/>
+              </p:spPr>
+              <p:style>
+                <a:lnRef idx="1">
+                  <a:schemeClr val="accent5"/>
+                </a:lnRef>
+                <a:fillRef idx="2">
+                  <a:schemeClr val="accent5"/>
+                </a:fillRef>
+                <a:effectRef idx="1">
+                  <a:schemeClr val="accent5"/>
+                </a:effectRef>
+                <a:fontRef idx="minor">
+                  <a:schemeClr val="dk1"/>
+                </a:fontRef>
+              </p:style>
+              <p:txBody>
+                <a:bodyPr rtlCol="0" anchor="ctr"/>
+                <a:lstStyle/>
+                <a:p>
+                  <a:pPr algn="ctr"/>
+                  <a:r>
+                    <a:rPr lang="en-GB" sz="1200" dirty="0"/>
+                    <a:t> </a:t>
+                  </a:r>
+                </a:p>
+              </p:txBody>
+            </p:sp>
+            <p:sp>
+              <p:nvSpPr>
+                <p:cNvPr id="81" name="Rettangolo 39">
+                  <a:extLst>
+                    <a:ext uri="{FF2B5EF4-FFF2-40B4-BE49-F238E27FC236}">
+                      <a16:creationId xmlns:a16="http://schemas.microsoft.com/office/drawing/2014/main" id="{5B95FC2C-E475-4033-B112-581A59019BF5}"/>
+                    </a:ext>
+                  </a:extLst>
+                </p:cNvPr>
+                <p:cNvSpPr/>
+                <p:nvPr/>
+              </p:nvSpPr>
+              <p:spPr>
+                <a:xfrm>
+                  <a:off x="1194666" y="2699711"/>
+                  <a:ext cx="281433" cy="211952"/>
+                </a:xfrm>
+                <a:prstGeom prst="rect">
+                  <a:avLst/>
+                </a:prstGeom>
+                <a:solidFill>
+                  <a:srgbClr val="FFCCFF"/>
+                </a:solidFill>
+                <a:ln/>
+              </p:spPr>
+              <p:style>
+                <a:lnRef idx="1">
+                  <a:schemeClr val="accent5"/>
+                </a:lnRef>
+                <a:fillRef idx="2">
+                  <a:schemeClr val="accent5"/>
+                </a:fillRef>
+                <a:effectRef idx="1">
+                  <a:schemeClr val="accent5"/>
+                </a:effectRef>
+                <a:fontRef idx="minor">
+                  <a:schemeClr val="dk1"/>
+                </a:fontRef>
+              </p:style>
+              <p:txBody>
+                <a:bodyPr rtlCol="0" anchor="ctr"/>
+                <a:lstStyle/>
+                <a:p>
+                  <a:pPr algn="ctr"/>
+                  <a:endParaRPr lang="en-GB" sz="1200" dirty="0"/>
+                </a:p>
+              </p:txBody>
+            </p:sp>
+            <p:sp>
+              <p:nvSpPr>
+                <p:cNvPr id="82" name="Triangolo isoscele 42">
+                  <a:extLst>
+                    <a:ext uri="{FF2B5EF4-FFF2-40B4-BE49-F238E27FC236}">
+                      <a16:creationId xmlns:a16="http://schemas.microsoft.com/office/drawing/2014/main" id="{CCD0B918-9751-413C-9CC0-A89FDB12E365}"/>
+                    </a:ext>
+                  </a:extLst>
+                </p:cNvPr>
+                <p:cNvSpPr/>
+                <p:nvPr/>
+              </p:nvSpPr>
+              <p:spPr>
+                <a:xfrm rot="16200000">
+                  <a:off x="1618539" y="2391356"/>
+                  <a:ext cx="86434" cy="139263"/>
+                </a:xfrm>
+                <a:prstGeom prst="triangle">
+                  <a:avLst/>
+                </a:prstGeom>
+                <a:solidFill>
+                  <a:srgbClr val="FF0000"/>
+                </a:solidFill>
+                <a:ln/>
+              </p:spPr>
+              <p:style>
+                <a:lnRef idx="1">
+                  <a:schemeClr val="accent5"/>
+                </a:lnRef>
+                <a:fillRef idx="2">
+                  <a:schemeClr val="accent5"/>
+                </a:fillRef>
+                <a:effectRef idx="1">
+                  <a:schemeClr val="accent5"/>
+                </a:effectRef>
+                <a:fontRef idx="minor">
+                  <a:schemeClr val="dk1"/>
+                </a:fontRef>
+              </p:style>
+              <p:txBody>
+                <a:bodyPr rtlCol="0" anchor="ctr"/>
+                <a:lstStyle/>
+                <a:p>
+                  <a:pPr algn="ctr"/>
+                  <a:endParaRPr lang="en-GB" sz="1200"/>
+                </a:p>
+              </p:txBody>
+            </p:sp>
+          </p:grpSp>
+          <p:sp>
+            <p:nvSpPr>
+              <p:cNvPr id="79" name="Rettangolo 47">
+                <a:extLst>
+                  <a:ext uri="{FF2B5EF4-FFF2-40B4-BE49-F238E27FC236}">
+                    <a16:creationId xmlns:a16="http://schemas.microsoft.com/office/drawing/2014/main" id="{53CAAF0C-AAA8-4758-9F3F-EABE0E53C4DF}"/>
+                  </a:ext>
+                </a:extLst>
+              </p:cNvPr>
+              <p:cNvSpPr/>
+              <p:nvPr/>
+            </p:nvSpPr>
+            <p:spPr>
+              <a:xfrm>
+                <a:off x="2584632" y="2426203"/>
+                <a:ext cx="1199069" cy="390696"/>
+              </a:xfrm>
+              <a:prstGeom prst="rect">
+                <a:avLst/>
+              </a:prstGeom>
+            </p:spPr>
+            <p:txBody>
+              <a:bodyPr wrap="none">
+                <a:spAutoFit/>
+              </a:bodyPr>
+              <a:lstStyle/>
+              <a:p>
+                <a:r>
+                  <a:rPr lang="en-GB" sz="1400" dirty="0" err="1"/>
+                  <a:t>waiterlogic</a:t>
+                </a:r>
+                <a:endParaRPr lang="en-GB" dirty="0"/>
+              </a:p>
+            </p:txBody>
+          </p:sp>
+        </p:grpSp>
+      </p:grpSp>
+      <p:sp>
+        <p:nvSpPr>
+          <p:cNvPr id="84" name="CasellaDiTesto 83">
+            <a:extLst>
+              <a:ext uri="{FF2B5EF4-FFF2-40B4-BE49-F238E27FC236}">
+                <a16:creationId xmlns:a16="http://schemas.microsoft.com/office/drawing/2014/main" id="{7CB4C4D0-D941-442D-A870-13466BAB2C87}"/>
+              </a:ext>
+            </a:extLst>
+          </p:cNvPr>
+          <p:cNvSpPr txBox="1"/>
+          <p:nvPr/>
+        </p:nvSpPr>
+        <p:spPr>
+          <a:xfrm>
+            <a:off x="617991" y="358923"/>
+            <a:ext cx="1133484" cy="646331"/>
+          </a:xfrm>
+          <a:prstGeom prst="rect">
+            <a:avLst/>
+          </a:prstGeom>
+          <a:noFill/>
+          <a:ln>
+            <a:solidFill>
+              <a:schemeClr val="accent1"/>
+            </a:solidFill>
+          </a:ln>
+        </p:spPr>
+        <p:txBody>
+          <a:bodyPr wrap="square" rtlCol="0">
+            <a:spAutoFit/>
+          </a:bodyPr>
+          <a:lstStyle/>
+          <a:p>
+            <a:r>
+              <a:rPr lang="it-IT" dirty="0"/>
+              <a:t>SPRINT3</a:t>
+            </a:r>
+          </a:p>
+          <a:p>
+            <a:r>
+              <a:rPr lang="it-IT" dirty="0"/>
+              <a:t>Progetto</a:t>
+            </a:r>
+          </a:p>
+        </p:txBody>
+      </p:sp>
+      <p:sp>
+        <p:nvSpPr>
+          <p:cNvPr id="19" name="CasellaDiTesto 18"/>
+          <p:cNvSpPr txBox="1"/>
+          <p:nvPr/>
+        </p:nvSpPr>
+        <p:spPr>
+          <a:xfrm>
+            <a:off x="8337123" y="3642810"/>
+            <a:ext cx="496546" cy="307777"/>
+          </a:xfrm>
+          <a:prstGeom prst="rect">
+            <a:avLst/>
+          </a:prstGeom>
+          <a:noFill/>
+        </p:spPr>
+        <p:txBody>
+          <a:bodyPr wrap="none" rtlCol="0">
+            <a:spAutoFit/>
+          </a:bodyPr>
+          <a:lstStyle/>
+          <a:p>
+            <a:r>
+              <a:rPr lang="it-IT" sz="1400" dirty="0" err="1"/>
+              <a:t>step</a:t>
+            </a:r>
+            <a:endParaRPr lang="en-GB" sz="2000" dirty="0"/>
+          </a:p>
+        </p:txBody>
+      </p:sp>
+      <p:grpSp>
+        <p:nvGrpSpPr>
+          <p:cNvPr id="88" name="Gruppo 87"/>
+          <p:cNvGrpSpPr/>
+          <p:nvPr/>
+        </p:nvGrpSpPr>
+        <p:grpSpPr>
+          <a:xfrm>
+            <a:off x="7659824" y="2918966"/>
+            <a:ext cx="4458499" cy="2662866"/>
+            <a:chOff x="3846285" y="3305289"/>
+            <a:chExt cx="5407314" cy="3380278"/>
+          </a:xfrm>
+        </p:grpSpPr>
+        <p:sp>
+          <p:nvSpPr>
+            <p:cNvPr id="45" name="Rettangolo arrotondato 44"/>
+            <p:cNvSpPr/>
+            <p:nvPr/>
+          </p:nvSpPr>
+          <p:spPr>
+            <a:xfrm>
+              <a:off x="5926336" y="3481992"/>
+              <a:ext cx="3038152" cy="2899336"/>
+            </a:xfrm>
+            <a:prstGeom prst="roundRect">
+              <a:avLst/>
+            </a:prstGeom>
+            <a:solidFill>
+              <a:srgbClr val="CCFFCC"/>
+            </a:solidFill>
+          </p:spPr>
+          <p:style>
+            <a:lnRef idx="2">
+              <a:schemeClr val="accent1">
+                <a:shade val="50000"/>
+              </a:schemeClr>
+            </a:lnRef>
+            <a:fillRef idx="1">
+              <a:schemeClr val="accent1"/>
+            </a:fillRef>
+            <a:effectRef idx="0">
+              <a:schemeClr val="accent1"/>
+            </a:effectRef>
+            <a:fontRef idx="minor">
+              <a:schemeClr val="lt1"/>
+            </a:fontRef>
+          </p:style>
+          <p:txBody>
+            <a:bodyPr rtlCol="0" anchor="ctr"/>
+            <a:lstStyle/>
+            <a:p>
+              <a:pPr algn="ctr"/>
+              <a:endParaRPr lang="en-GB"/>
+            </a:p>
+          </p:txBody>
+        </p:sp>
+        <p:sp>
+          <p:nvSpPr>
+            <p:cNvPr id="4" name="Rettangolo arrotondato 3"/>
+            <p:cNvSpPr/>
+            <p:nvPr/>
+          </p:nvSpPr>
+          <p:spPr>
+            <a:xfrm>
+              <a:off x="6346955" y="5428292"/>
+              <a:ext cx="881175" cy="776894"/>
+            </a:xfrm>
+            <a:prstGeom prst="roundRect">
+              <a:avLst/>
+            </a:prstGeom>
+            <a:solidFill>
+              <a:srgbClr val="FFFF00"/>
+            </a:solidFill>
+          </p:spPr>
+          <p:style>
+            <a:lnRef idx="2">
+              <a:schemeClr val="accent1">
+                <a:shade val="50000"/>
+              </a:schemeClr>
+            </a:lnRef>
+            <a:fillRef idx="1">
+              <a:schemeClr val="accent1"/>
+            </a:fillRef>
+            <a:effectRef idx="0">
+              <a:schemeClr val="accent1"/>
+            </a:effectRef>
+            <a:fontRef idx="minor">
+              <a:schemeClr val="lt1"/>
+            </a:fontRef>
+          </p:style>
+          <p:txBody>
+            <a:bodyPr rtlCol="0" anchor="ctr"/>
+            <a:lstStyle/>
+            <a:p>
+              <a:pPr algn="ctr"/>
+              <a:endParaRPr lang="en-GB"/>
+            </a:p>
+          </p:txBody>
+        </p:sp>
+        <p:sp>
+          <p:nvSpPr>
+            <p:cNvPr id="5" name="Rettangolo arrotondato 4"/>
+            <p:cNvSpPr/>
+            <p:nvPr/>
+          </p:nvSpPr>
+          <p:spPr>
+            <a:xfrm>
+              <a:off x="7229763" y="5416498"/>
+              <a:ext cx="1169863" cy="776894"/>
+            </a:xfrm>
+            <a:prstGeom prst="roundRect">
+              <a:avLst/>
+            </a:prstGeom>
+            <a:solidFill>
+              <a:srgbClr val="FFFF00"/>
+            </a:solidFill>
+          </p:spPr>
+          <p:style>
+            <a:lnRef idx="2">
+              <a:schemeClr val="accent1">
+                <a:shade val="50000"/>
+              </a:schemeClr>
+            </a:lnRef>
+            <a:fillRef idx="1">
+              <a:schemeClr val="accent1"/>
+            </a:fillRef>
+            <a:effectRef idx="0">
+              <a:schemeClr val="accent1"/>
+            </a:effectRef>
+            <a:fontRef idx="minor">
+              <a:schemeClr val="lt1"/>
+            </a:fontRef>
+          </p:style>
+          <p:txBody>
+            <a:bodyPr rtlCol="0" anchor="ctr"/>
+            <a:lstStyle/>
+            <a:p>
+              <a:pPr algn="ctr"/>
+              <a:endParaRPr lang="en-GB"/>
+            </a:p>
+          </p:txBody>
+        </p:sp>
+        <p:grpSp>
+          <p:nvGrpSpPr>
+            <p:cNvPr id="6" name="Gruppo 5"/>
+            <p:cNvGrpSpPr/>
+            <p:nvPr/>
+          </p:nvGrpSpPr>
+          <p:grpSpPr>
+            <a:xfrm>
+              <a:off x="7814850" y="5441267"/>
+              <a:ext cx="512661" cy="451653"/>
+              <a:chOff x="2441713" y="1277482"/>
+              <a:chExt cx="812663" cy="763297"/>
+            </a:xfrm>
+          </p:grpSpPr>
+          <p:sp>
+            <p:nvSpPr>
+              <p:cNvPr id="7" name="Parallelogramma 6"/>
+              <p:cNvSpPr/>
+              <p:nvPr/>
+            </p:nvSpPr>
+            <p:spPr>
+              <a:xfrm flipV="1">
+                <a:off x="2897719" y="1707426"/>
+                <a:ext cx="356657" cy="288677"/>
+              </a:xfrm>
+              <a:prstGeom prst="parallelogram">
+                <a:avLst/>
+              </a:prstGeom>
+              <a:solidFill>
+                <a:srgbClr val="FFCCFF"/>
+              </a:solidFill>
+              <a:ln/>
+            </p:spPr>
+            <p:style>
+              <a:lnRef idx="1">
+                <a:schemeClr val="accent5"/>
+              </a:lnRef>
+              <a:fillRef idx="2">
+                <a:schemeClr val="accent5"/>
+              </a:fillRef>
+              <a:effectRef idx="1">
+                <a:schemeClr val="accent5"/>
+              </a:effectRef>
+              <a:fontRef idx="minor">
+                <a:schemeClr val="dk1"/>
+              </a:fontRef>
+            </p:style>
+            <p:txBody>
+              <a:bodyPr rtlCol="0" anchor="ctr"/>
+              <a:lstStyle/>
+              <a:p>
+                <a:pPr algn="ctr"/>
+                <a:endParaRPr lang="en-GB" sz="1200"/>
+              </a:p>
+            </p:txBody>
+          </p:sp>
+          <p:sp>
+            <p:nvSpPr>
+              <p:cNvPr id="8" name="Ovale 7"/>
+              <p:cNvSpPr/>
+              <p:nvPr/>
+            </p:nvSpPr>
+            <p:spPr>
+              <a:xfrm>
+                <a:off x="2441713" y="1320699"/>
+                <a:ext cx="749721" cy="720080"/>
+              </a:xfrm>
+              <a:prstGeom prst="ellipse">
+                <a:avLst/>
+              </a:prstGeom>
+              <a:solidFill>
+                <a:srgbClr val="FFCCFF"/>
+              </a:solidFill>
+              <a:ln/>
+            </p:spPr>
+            <p:style>
+              <a:lnRef idx="1">
+                <a:schemeClr val="accent5"/>
+              </a:lnRef>
+              <a:fillRef idx="2">
+                <a:schemeClr val="accent5"/>
+              </a:fillRef>
+              <a:effectRef idx="1">
+                <a:schemeClr val="accent5"/>
+              </a:effectRef>
+              <a:fontRef idx="minor">
+                <a:schemeClr val="dk1"/>
+              </a:fontRef>
+            </p:style>
+            <p:txBody>
+              <a:bodyPr rtlCol="0" anchor="ctr"/>
+              <a:lstStyle/>
+              <a:p>
+                <a:pPr algn="ctr"/>
+                <a:r>
+                  <a:rPr lang="en-GB" sz="1200" dirty="0"/>
+                  <a:t> </a:t>
+                </a:r>
+              </a:p>
+            </p:txBody>
+          </p:sp>
+          <p:sp>
+            <p:nvSpPr>
+              <p:cNvPr id="9" name="Triangolo isoscele 8"/>
+              <p:cNvSpPr/>
+              <p:nvPr/>
+            </p:nvSpPr>
+            <p:spPr>
+              <a:xfrm rot="16200000">
+                <a:off x="2749151" y="1251067"/>
+                <a:ext cx="86434" cy="139263"/>
+              </a:xfrm>
+              <a:prstGeom prst="triangle">
+                <a:avLst/>
+              </a:prstGeom>
+              <a:solidFill>
+                <a:srgbClr val="FF0000"/>
+              </a:solidFill>
+              <a:ln/>
+            </p:spPr>
+            <p:style>
+              <a:lnRef idx="1">
+                <a:schemeClr val="accent5"/>
+              </a:lnRef>
+              <a:fillRef idx="2">
+                <a:schemeClr val="accent5"/>
+              </a:fillRef>
+              <a:effectRef idx="1">
+                <a:schemeClr val="accent5"/>
+              </a:effectRef>
+              <a:fontRef idx="minor">
+                <a:schemeClr val="dk1"/>
+              </a:fontRef>
+            </p:style>
+            <p:txBody>
+              <a:bodyPr rtlCol="0" anchor="ctr"/>
+              <a:lstStyle/>
+              <a:p>
+                <a:pPr algn="ctr"/>
+                <a:endParaRPr lang="en-GB" sz="1200"/>
+              </a:p>
+            </p:txBody>
+          </p:sp>
+        </p:grpSp>
+        <p:grpSp>
+          <p:nvGrpSpPr>
+            <p:cNvPr id="10" name="Gruppo 9"/>
+            <p:cNvGrpSpPr/>
+            <p:nvPr/>
+          </p:nvGrpSpPr>
+          <p:grpSpPr>
+            <a:xfrm>
+              <a:off x="6249747" y="3515325"/>
+              <a:ext cx="1696867" cy="1234655"/>
+              <a:chOff x="2460219" y="2004003"/>
+              <a:chExt cx="1696867" cy="1234655"/>
+            </a:xfrm>
+          </p:grpSpPr>
+          <p:sp>
+            <p:nvSpPr>
+              <p:cNvPr id="11" name="Triangolo isoscele 10"/>
+              <p:cNvSpPr/>
+              <p:nvPr/>
+            </p:nvSpPr>
+            <p:spPr>
+              <a:xfrm rot="5400000">
+                <a:off x="3220535" y="2242777"/>
+                <a:ext cx="998084" cy="875019"/>
+              </a:xfrm>
+              <a:prstGeom prst="triangle">
+                <a:avLst/>
+              </a:prstGeom>
+              <a:solidFill>
+                <a:srgbClr val="CCFF66"/>
+              </a:solidFill>
+              <a:ln/>
+            </p:spPr>
+            <p:style>
+              <a:lnRef idx="1">
+                <a:schemeClr val="accent5"/>
+              </a:lnRef>
+              <a:fillRef idx="2">
+                <a:schemeClr val="accent5"/>
+              </a:fillRef>
+              <a:effectRef idx="1">
+                <a:schemeClr val="accent5"/>
+              </a:effectRef>
+              <a:fontRef idx="minor">
+                <a:schemeClr val="dk1"/>
+              </a:fontRef>
+            </p:style>
+            <p:txBody>
+              <a:bodyPr rtlCol="0" anchor="ctr"/>
+              <a:lstStyle/>
+              <a:p>
+                <a:pPr algn="ctr"/>
+                <a:endParaRPr lang="en-GB" sz="1200"/>
+              </a:p>
+            </p:txBody>
+          </p:sp>
+          <p:grpSp>
+            <p:nvGrpSpPr>
+              <p:cNvPr id="12" name="Gruppo 82">
+                <a:extLst>
+                  <a:ext uri="{FF2B5EF4-FFF2-40B4-BE49-F238E27FC236}">
+                    <a16:creationId xmlns:a16="http://schemas.microsoft.com/office/drawing/2014/main" id="{12D969AC-9EB0-4CF5-9EE5-D0DD7ACA9C72}"/>
+                  </a:ext>
+                </a:extLst>
+              </p:cNvPr>
+              <p:cNvGrpSpPr/>
+              <p:nvPr/>
+            </p:nvGrpSpPr>
+            <p:grpSpPr>
+              <a:xfrm>
+                <a:off x="2460219" y="2004003"/>
+                <a:ext cx="1409184" cy="1234655"/>
+                <a:chOff x="1194666" y="2417771"/>
+                <a:chExt cx="866156" cy="763297"/>
+              </a:xfrm>
+            </p:grpSpPr>
+            <p:sp>
+              <p:nvSpPr>
+                <p:cNvPr id="14" name="Ovale 38">
+                  <a:extLst>
+                    <a:ext uri="{FF2B5EF4-FFF2-40B4-BE49-F238E27FC236}">
+                      <a16:creationId xmlns:a16="http://schemas.microsoft.com/office/drawing/2014/main" id="{0EB3DE65-C1E4-4AD3-B909-2646317ECA68}"/>
+                    </a:ext>
+                  </a:extLst>
+                </p:cNvPr>
+                <p:cNvSpPr/>
+                <p:nvPr/>
+              </p:nvSpPr>
+              <p:spPr>
+                <a:xfrm>
+                  <a:off x="1311101" y="2460988"/>
+                  <a:ext cx="749721" cy="720080"/>
+                </a:xfrm>
+                <a:prstGeom prst="ellipse">
+                  <a:avLst/>
+                </a:prstGeom>
+                <a:solidFill>
+                  <a:srgbClr val="FFCCFF"/>
+                </a:solidFill>
+                <a:ln/>
+              </p:spPr>
+              <p:style>
+                <a:lnRef idx="1">
+                  <a:schemeClr val="accent5"/>
+                </a:lnRef>
+                <a:fillRef idx="2">
+                  <a:schemeClr val="accent5"/>
+                </a:fillRef>
+                <a:effectRef idx="1">
+                  <a:schemeClr val="accent5"/>
+                </a:effectRef>
+                <a:fontRef idx="minor">
+                  <a:schemeClr val="dk1"/>
+                </a:fontRef>
+              </p:style>
+              <p:txBody>
+                <a:bodyPr rtlCol="0" anchor="ctr"/>
+                <a:lstStyle/>
+                <a:p>
+                  <a:pPr algn="ctr"/>
+                  <a:r>
+                    <a:rPr lang="en-GB" sz="1200" dirty="0"/>
+                    <a:t> </a:t>
+                  </a:r>
+                </a:p>
+              </p:txBody>
+            </p:sp>
+            <p:sp>
+              <p:nvSpPr>
+                <p:cNvPr id="15" name="Rettangolo 39">
+                  <a:extLst>
+                    <a:ext uri="{FF2B5EF4-FFF2-40B4-BE49-F238E27FC236}">
+                      <a16:creationId xmlns:a16="http://schemas.microsoft.com/office/drawing/2014/main" id="{AAF0ABD1-BB2B-450B-9369-91FF5B4CE129}"/>
+                    </a:ext>
+                  </a:extLst>
+                </p:cNvPr>
+                <p:cNvSpPr/>
+                <p:nvPr/>
+              </p:nvSpPr>
+              <p:spPr>
+                <a:xfrm>
+                  <a:off x="1194666" y="2699711"/>
+                  <a:ext cx="281433" cy="211952"/>
+                </a:xfrm>
+                <a:prstGeom prst="rect">
+                  <a:avLst/>
+                </a:prstGeom>
+                <a:solidFill>
+                  <a:srgbClr val="FFCCFF"/>
+                </a:solidFill>
+                <a:ln/>
+              </p:spPr>
+              <p:style>
+                <a:lnRef idx="1">
+                  <a:schemeClr val="accent5"/>
+                </a:lnRef>
+                <a:fillRef idx="2">
+                  <a:schemeClr val="accent5"/>
+                </a:fillRef>
+                <a:effectRef idx="1">
+                  <a:schemeClr val="accent5"/>
+                </a:effectRef>
+                <a:fontRef idx="minor">
+                  <a:schemeClr val="dk1"/>
+                </a:fontRef>
+              </p:style>
+              <p:txBody>
+                <a:bodyPr rtlCol="0" anchor="ctr"/>
+                <a:lstStyle/>
+                <a:p>
+                  <a:pPr algn="ctr"/>
+                  <a:endParaRPr lang="en-GB" sz="1200"/>
+                </a:p>
+              </p:txBody>
+            </p:sp>
+            <p:sp>
+              <p:nvSpPr>
+                <p:cNvPr id="16" name="Triangolo isoscele 42">
+                  <a:extLst>
+                    <a:ext uri="{FF2B5EF4-FFF2-40B4-BE49-F238E27FC236}">
+                      <a16:creationId xmlns:a16="http://schemas.microsoft.com/office/drawing/2014/main" id="{34D1AFB1-88AB-4A6C-9824-2CF6DE11BF7C}"/>
+                    </a:ext>
+                  </a:extLst>
+                </p:cNvPr>
+                <p:cNvSpPr/>
+                <p:nvPr/>
+              </p:nvSpPr>
+              <p:spPr>
+                <a:xfrm rot="16200000">
+                  <a:off x="1618539" y="2391356"/>
+                  <a:ext cx="86434" cy="139263"/>
+                </a:xfrm>
+                <a:prstGeom prst="triangle">
+                  <a:avLst/>
+                </a:prstGeom>
+                <a:solidFill>
+                  <a:srgbClr val="FF0000"/>
+                </a:solidFill>
+                <a:ln/>
+              </p:spPr>
+              <p:style>
+                <a:lnRef idx="1">
+                  <a:schemeClr val="accent5"/>
+                </a:lnRef>
+                <a:fillRef idx="2">
+                  <a:schemeClr val="accent5"/>
+                </a:fillRef>
+                <a:effectRef idx="1">
+                  <a:schemeClr val="accent5"/>
+                </a:effectRef>
+                <a:fontRef idx="minor">
+                  <a:schemeClr val="dk1"/>
+                </a:fontRef>
+              </p:style>
+              <p:txBody>
+                <a:bodyPr rtlCol="0" anchor="ctr"/>
+                <a:lstStyle/>
+                <a:p>
+                  <a:pPr algn="ctr"/>
+                  <a:endParaRPr lang="en-GB" sz="1200"/>
+                </a:p>
+              </p:txBody>
+            </p:sp>
+          </p:grpSp>
+          <p:sp>
+            <p:nvSpPr>
+              <p:cNvPr id="13" name="Rettangolo 12"/>
+              <p:cNvSpPr/>
+              <p:nvPr/>
+            </p:nvSpPr>
+            <p:spPr>
+              <a:xfrm>
+                <a:off x="2697728" y="2458538"/>
+                <a:ext cx="1293085" cy="429765"/>
+              </a:xfrm>
+              <a:prstGeom prst="rect">
+                <a:avLst/>
+              </a:prstGeom>
+            </p:spPr>
+            <p:txBody>
+              <a:bodyPr wrap="none">
+                <a:spAutoFit/>
+              </a:bodyPr>
+              <a:lstStyle/>
+              <a:p>
+                <a:r>
+                  <a:rPr lang="en-GB" sz="1600" dirty="0" err="1"/>
+                  <a:t>basicrobot</a:t>
+                </a:r>
+                <a:endParaRPr lang="en-GB" dirty="0"/>
+              </a:p>
+            </p:txBody>
+          </p:sp>
+        </p:grpSp>
+        <p:sp>
+          <p:nvSpPr>
+            <p:cNvPr id="18" name="Rettangolo 17"/>
+            <p:cNvSpPr/>
+            <p:nvPr/>
+          </p:nvSpPr>
+          <p:spPr>
+            <a:xfrm>
+              <a:off x="5038211" y="3641067"/>
+              <a:ext cx="1067721" cy="390696"/>
+            </a:xfrm>
+            <a:prstGeom prst="rect">
+              <a:avLst/>
+            </a:prstGeom>
+          </p:spPr>
+          <p:txBody>
+            <a:bodyPr wrap="none">
+              <a:spAutoFit/>
+            </a:bodyPr>
+            <a:lstStyle/>
+            <a:p>
+              <a:r>
+                <a:rPr lang="en-GB" sz="1400" dirty="0" err="1"/>
+                <a:t>cmd</a:t>
+              </a:r>
+              <a:r>
+                <a:rPr lang="en-GB" sz="1400" dirty="0"/>
+                <a:t>( M ) </a:t>
+              </a:r>
+            </a:p>
+          </p:txBody>
+        </p:sp>
+        <p:grpSp>
+          <p:nvGrpSpPr>
+            <p:cNvPr id="20" name="Gruppo 19"/>
+            <p:cNvGrpSpPr/>
+            <p:nvPr/>
+          </p:nvGrpSpPr>
+          <p:grpSpPr>
+            <a:xfrm>
+              <a:off x="3846285" y="4604217"/>
+              <a:ext cx="2167217" cy="86434"/>
+              <a:chOff x="3091855" y="4419530"/>
+              <a:chExt cx="2167217" cy="86434"/>
+            </a:xfrm>
+          </p:grpSpPr>
+          <p:cxnSp>
+            <p:nvCxnSpPr>
+              <p:cNvPr id="21" name="Connettore 1 20"/>
+              <p:cNvCxnSpPr>
+                <a:cxnSpLocks/>
+              </p:cNvCxnSpPr>
+              <p:nvPr/>
+            </p:nvCxnSpPr>
+            <p:spPr>
+              <a:xfrm>
+                <a:off x="3152979" y="4462747"/>
+                <a:ext cx="2106093" cy="0"/>
+              </a:xfrm>
+              <a:prstGeom prst="line">
+                <a:avLst/>
+              </a:prstGeom>
+              <a:ln>
+                <a:prstDash val="dash"/>
+              </a:ln>
+            </p:spPr>
+            <p:style>
+              <a:lnRef idx="1">
+                <a:schemeClr val="accent1"/>
+              </a:lnRef>
+              <a:fillRef idx="0">
+                <a:schemeClr val="accent1"/>
+              </a:fillRef>
+              <a:effectRef idx="0">
+                <a:schemeClr val="accent1"/>
+              </a:effectRef>
+              <a:fontRef idx="minor">
+                <a:schemeClr val="tx1"/>
+              </a:fontRef>
+            </p:style>
+          </p:cxnSp>
+          <p:sp>
+            <p:nvSpPr>
+              <p:cNvPr id="22" name="Triangolo isoscele 21"/>
+              <p:cNvSpPr/>
+              <p:nvPr/>
+            </p:nvSpPr>
+            <p:spPr>
+              <a:xfrm rot="16200000">
+                <a:off x="3118270" y="4393115"/>
+                <a:ext cx="86434" cy="139263"/>
+              </a:xfrm>
+              <a:prstGeom prst="triangle">
+                <a:avLst/>
+              </a:prstGeom>
+              <a:solidFill>
+                <a:schemeClr val="bg1"/>
+              </a:solidFill>
+              <a:ln/>
+            </p:spPr>
+            <p:style>
+              <a:lnRef idx="1">
+                <a:schemeClr val="accent5"/>
+              </a:lnRef>
+              <a:fillRef idx="2">
+                <a:schemeClr val="accent5"/>
+              </a:fillRef>
+              <a:effectRef idx="1">
+                <a:schemeClr val="accent5"/>
+              </a:effectRef>
+              <a:fontRef idx="minor">
+                <a:schemeClr val="dk1"/>
+              </a:fontRef>
+            </p:style>
+            <p:txBody>
+              <a:bodyPr rtlCol="0" anchor="ctr"/>
+              <a:lstStyle/>
+              <a:p>
+                <a:pPr algn="ctr"/>
+                <a:endParaRPr lang="en-GB" sz="1200"/>
+              </a:p>
+            </p:txBody>
+          </p:sp>
+        </p:grpSp>
+        <p:sp>
+          <p:nvSpPr>
+            <p:cNvPr id="23" name="CasellaDiTesto 22"/>
+            <p:cNvSpPr txBox="1"/>
+            <p:nvPr/>
+          </p:nvSpPr>
+          <p:spPr>
+            <a:xfrm>
+              <a:off x="4726549" y="4743919"/>
+              <a:ext cx="1074642" cy="664182"/>
+            </a:xfrm>
+            <a:prstGeom prst="rect">
+              <a:avLst/>
+            </a:prstGeom>
+            <a:noFill/>
+          </p:spPr>
+          <p:txBody>
+            <a:bodyPr wrap="none" rtlCol="0">
+              <a:spAutoFit/>
+            </a:bodyPr>
+            <a:lstStyle/>
+            <a:p>
+              <a:r>
+                <a:rPr lang="it-IT" sz="1400" dirty="0" err="1"/>
+                <a:t>stepDone</a:t>
+              </a:r>
+              <a:endParaRPr lang="it-IT" sz="1400" dirty="0"/>
+            </a:p>
+            <a:p>
+              <a:r>
+                <a:rPr lang="it-IT" sz="1400" dirty="0" err="1"/>
+                <a:t>stepFail</a:t>
+              </a:r>
+              <a:endParaRPr lang="en-GB" sz="1400" dirty="0"/>
+            </a:p>
+          </p:txBody>
+        </p:sp>
+        <p:grpSp>
+          <p:nvGrpSpPr>
+            <p:cNvPr id="24" name="Gruppo 23"/>
+            <p:cNvGrpSpPr/>
+            <p:nvPr/>
+          </p:nvGrpSpPr>
+          <p:grpSpPr>
+            <a:xfrm>
+              <a:off x="3907409" y="4258878"/>
+              <a:ext cx="2212934" cy="86434"/>
+              <a:chOff x="3403313" y="4220922"/>
+              <a:chExt cx="2212934" cy="86434"/>
+            </a:xfrm>
+          </p:grpSpPr>
+          <p:sp>
+            <p:nvSpPr>
+              <p:cNvPr id="25" name="Triangolo isoscele 24"/>
+              <p:cNvSpPr/>
+              <p:nvPr/>
+            </p:nvSpPr>
+            <p:spPr>
+              <a:xfrm rot="5400000" flipH="1">
+                <a:off x="5503399" y="4194507"/>
+                <a:ext cx="86434" cy="139263"/>
+              </a:xfrm>
+              <a:prstGeom prst="triangle">
+                <a:avLst/>
+              </a:prstGeom>
+              <a:solidFill>
+                <a:schemeClr val="bg1"/>
+              </a:solidFill>
+              <a:ln/>
+            </p:spPr>
+            <p:style>
+              <a:lnRef idx="1">
+                <a:schemeClr val="accent5"/>
+              </a:lnRef>
+              <a:fillRef idx="2">
+                <a:schemeClr val="accent5"/>
+              </a:fillRef>
+              <a:effectRef idx="1">
+                <a:schemeClr val="accent5"/>
+              </a:effectRef>
+              <a:fontRef idx="minor">
+                <a:schemeClr val="dk1"/>
+              </a:fontRef>
+            </p:style>
+            <p:txBody>
+              <a:bodyPr rtlCol="0" anchor="ctr"/>
+              <a:lstStyle/>
+              <a:p>
+                <a:pPr algn="ctr"/>
+                <a:endParaRPr lang="en-GB" sz="1200"/>
+              </a:p>
+            </p:txBody>
+          </p:sp>
+          <p:cxnSp>
+            <p:nvCxnSpPr>
+              <p:cNvPr id="26" name="Connettore 1 25"/>
+              <p:cNvCxnSpPr>
+                <a:cxnSpLocks/>
+                <a:endCxn id="25" idx="3"/>
+              </p:cNvCxnSpPr>
+              <p:nvPr/>
+            </p:nvCxnSpPr>
+            <p:spPr>
+              <a:xfrm>
+                <a:off x="3403313" y="4264139"/>
+                <a:ext cx="2073672" cy="0"/>
+              </a:xfrm>
+              <a:prstGeom prst="line">
+                <a:avLst/>
+              </a:prstGeom>
+            </p:spPr>
+            <p:style>
+              <a:lnRef idx="1">
+                <a:schemeClr val="accent1"/>
+              </a:lnRef>
+              <a:fillRef idx="0">
+                <a:schemeClr val="accent1"/>
+              </a:fillRef>
+              <a:effectRef idx="0">
+                <a:schemeClr val="accent1"/>
+              </a:effectRef>
+              <a:fontRef idx="minor">
+                <a:schemeClr val="tx1"/>
+              </a:fontRef>
+            </p:style>
+          </p:cxnSp>
+        </p:grpSp>
+        <p:grpSp>
+          <p:nvGrpSpPr>
+            <p:cNvPr id="27" name="Gruppo 26"/>
+            <p:cNvGrpSpPr/>
+            <p:nvPr/>
+          </p:nvGrpSpPr>
+          <p:grpSpPr>
+            <a:xfrm flipH="1">
+              <a:off x="6127808" y="3397042"/>
+              <a:ext cx="592487" cy="258092"/>
+              <a:chOff x="5133975" y="5295900"/>
+              <a:chExt cx="342900" cy="238125"/>
+            </a:xfrm>
+          </p:grpSpPr>
+          <p:sp>
+            <p:nvSpPr>
+              <p:cNvPr id="28" name="Figura a mano libera 27"/>
+              <p:cNvSpPr/>
+              <p:nvPr/>
+            </p:nvSpPr>
+            <p:spPr>
+              <a:xfrm>
+                <a:off x="5133975" y="5295900"/>
+                <a:ext cx="342900" cy="238125"/>
+              </a:xfrm>
+              <a:custGeom>
+                <a:avLst/>
+                <a:gdLst>
+                  <a:gd name="connsiteX0" fmla="*/ 0 w 342900"/>
+                  <a:gd name="connsiteY0" fmla="*/ 142875 h 238125"/>
+                  <a:gd name="connsiteX1" fmla="*/ 28575 w 342900"/>
+                  <a:gd name="connsiteY1" fmla="*/ 38100 h 238125"/>
+                  <a:gd name="connsiteX2" fmla="*/ 47625 w 342900"/>
+                  <a:gd name="connsiteY2" fmla="*/ 9525 h 238125"/>
+                  <a:gd name="connsiteX3" fmla="*/ 76200 w 342900"/>
+                  <a:gd name="connsiteY3" fmla="*/ 0 h 238125"/>
+                  <a:gd name="connsiteX4" fmla="*/ 104775 w 342900"/>
+                  <a:gd name="connsiteY4" fmla="*/ 9525 h 238125"/>
+                  <a:gd name="connsiteX5" fmla="*/ 142875 w 342900"/>
+                  <a:gd name="connsiteY5" fmla="*/ 95250 h 238125"/>
+                  <a:gd name="connsiteX6" fmla="*/ 161925 w 342900"/>
+                  <a:gd name="connsiteY6" fmla="*/ 152400 h 238125"/>
+                  <a:gd name="connsiteX7" fmla="*/ 171450 w 342900"/>
+                  <a:gd name="connsiteY7" fmla="*/ 180975 h 238125"/>
+                  <a:gd name="connsiteX8" fmla="*/ 209550 w 342900"/>
+                  <a:gd name="connsiteY8" fmla="*/ 238125 h 238125"/>
+                  <a:gd name="connsiteX9" fmla="*/ 238125 w 342900"/>
+                  <a:gd name="connsiteY9" fmla="*/ 180975 h 238125"/>
+                  <a:gd name="connsiteX10" fmla="*/ 266700 w 342900"/>
+                  <a:gd name="connsiteY10" fmla="*/ 104775 h 238125"/>
+                  <a:gd name="connsiteX11" fmla="*/ 342900 w 342900"/>
+                  <a:gd name="connsiteY11" fmla="*/ 85725 h 238125"/>
+                </a:gdLst>
+                <a:ahLst/>
+                <a:cxnLst>
+                  <a:cxn ang="0">
+                    <a:pos x="connsiteX0" y="connsiteY0"/>
+                  </a:cxn>
+                  <a:cxn ang="0">
+                    <a:pos x="connsiteX1" y="connsiteY1"/>
+                  </a:cxn>
+                  <a:cxn ang="0">
+                    <a:pos x="connsiteX2" y="connsiteY2"/>
+                  </a:cxn>
+                  <a:cxn ang="0">
+                    <a:pos x="connsiteX3" y="connsiteY3"/>
+                  </a:cxn>
+                  <a:cxn ang="0">
+                    <a:pos x="connsiteX4" y="connsiteY4"/>
+                  </a:cxn>
+                  <a:cxn ang="0">
+                    <a:pos x="connsiteX5" y="connsiteY5"/>
+                  </a:cxn>
+                  <a:cxn ang="0">
+                    <a:pos x="connsiteX6" y="connsiteY6"/>
+                  </a:cxn>
+                  <a:cxn ang="0">
+                    <a:pos x="connsiteX7" y="connsiteY7"/>
+                  </a:cxn>
+                  <a:cxn ang="0">
+                    <a:pos x="connsiteX8" y="connsiteY8"/>
+                  </a:cxn>
+                  <a:cxn ang="0">
+                    <a:pos x="connsiteX9" y="connsiteY9"/>
+                  </a:cxn>
+                  <a:cxn ang="0">
+                    <a:pos x="connsiteX10" y="connsiteY10"/>
+                  </a:cxn>
+                  <a:cxn ang="0">
+                    <a:pos x="connsiteX11" y="connsiteY11"/>
+                  </a:cxn>
+                </a:cxnLst>
+                <a:rect l="l" t="t" r="r" b="b"/>
+                <a:pathLst>
+                  <a:path w="342900" h="238125">
+                    <a:moveTo>
+                      <a:pt x="0" y="142875"/>
+                    </a:moveTo>
+                    <a:cubicBezTo>
+                      <a:pt x="5112" y="117315"/>
+                      <a:pt x="14764" y="58817"/>
+                      <a:pt x="28575" y="38100"/>
+                    </a:cubicBezTo>
+                    <a:cubicBezTo>
+                      <a:pt x="34925" y="28575"/>
+                      <a:pt x="38686" y="16676"/>
+                      <a:pt x="47625" y="9525"/>
+                    </a:cubicBezTo>
+                    <a:cubicBezTo>
+                      <a:pt x="55465" y="3253"/>
+                      <a:pt x="66675" y="3175"/>
+                      <a:pt x="76200" y="0"/>
+                    </a:cubicBezTo>
+                    <a:cubicBezTo>
+                      <a:pt x="85725" y="3175"/>
+                      <a:pt x="96935" y="3253"/>
+                      <a:pt x="104775" y="9525"/>
+                    </a:cubicBezTo>
+                    <a:cubicBezTo>
+                      <a:pt x="125358" y="25992"/>
+                      <a:pt x="137054" y="77787"/>
+                      <a:pt x="142875" y="95250"/>
+                    </a:cubicBezTo>
+                    <a:lnTo>
+                      <a:pt x="161925" y="152400"/>
+                    </a:lnTo>
+                    <a:cubicBezTo>
+                      <a:pt x="165100" y="161925"/>
+                      <a:pt x="169481" y="171130"/>
+                      <a:pt x="171450" y="180975"/>
+                    </a:cubicBezTo>
+                    <a:cubicBezTo>
+                      <a:pt x="182944" y="238445"/>
+                      <a:pt x="165616" y="223480"/>
+                      <a:pt x="209550" y="238125"/>
+                    </a:cubicBezTo>
+                    <a:cubicBezTo>
+                      <a:pt x="228174" y="210189"/>
+                      <a:pt x="230238" y="212523"/>
+                      <a:pt x="238125" y="180975"/>
+                    </a:cubicBezTo>
+                    <a:cubicBezTo>
+                      <a:pt x="243105" y="161054"/>
+                      <a:pt x="243471" y="119293"/>
+                      <a:pt x="266700" y="104775"/>
+                    </a:cubicBezTo>
+                    <a:cubicBezTo>
+                      <a:pt x="300393" y="83717"/>
+                      <a:pt x="313092" y="85725"/>
+                      <a:pt x="342900" y="85725"/>
+                    </a:cubicBezTo>
+                  </a:path>
+                </a:pathLst>
+              </a:custGeom>
+              <a:noFill/>
+              <a:ln>
+                <a:solidFill>
+                  <a:srgbClr val="C00000"/>
+                </a:solidFill>
+              </a:ln>
+            </p:spPr>
+            <p:style>
+              <a:lnRef idx="2">
+                <a:schemeClr val="accent1">
+                  <a:shade val="50000"/>
+                </a:schemeClr>
+              </a:lnRef>
+              <a:fillRef idx="1">
+                <a:schemeClr val="accent1"/>
+              </a:fillRef>
+              <a:effectRef idx="0">
+                <a:schemeClr val="accent1"/>
+              </a:effectRef>
+              <a:fontRef idx="minor">
+                <a:schemeClr val="lt1"/>
+              </a:fontRef>
+            </p:style>
+            <p:txBody>
+              <a:bodyPr rtlCol="0" anchor="ctr"/>
+              <a:lstStyle/>
+              <a:p>
+                <a:pPr algn="ctr"/>
+                <a:endParaRPr lang="it-IT"/>
+              </a:p>
+            </p:txBody>
+          </p:sp>
+          <p:sp>
+            <p:nvSpPr>
+              <p:cNvPr id="29" name="Figura a mano libera 28"/>
+              <p:cNvSpPr/>
+              <p:nvPr/>
+            </p:nvSpPr>
+            <p:spPr>
+              <a:xfrm>
+                <a:off x="5400675" y="5353050"/>
+                <a:ext cx="66675" cy="38100"/>
+              </a:xfrm>
+              <a:custGeom>
+                <a:avLst/>
+                <a:gdLst>
+                  <a:gd name="connsiteX0" fmla="*/ 66675 w 66675"/>
+                  <a:gd name="connsiteY0" fmla="*/ 38100 h 38100"/>
+                  <a:gd name="connsiteX1" fmla="*/ 0 w 66675"/>
+                  <a:gd name="connsiteY1" fmla="*/ 0 h 38100"/>
+                </a:gdLst>
+                <a:ahLst/>
+                <a:cxnLst>
+                  <a:cxn ang="0">
+                    <a:pos x="connsiteX0" y="connsiteY0"/>
+                  </a:cxn>
+                  <a:cxn ang="0">
+                    <a:pos x="connsiteX1" y="connsiteY1"/>
+                  </a:cxn>
+                </a:cxnLst>
+                <a:rect l="l" t="t" r="r" b="b"/>
+                <a:pathLst>
+                  <a:path w="66675" h="38100">
+                    <a:moveTo>
+                      <a:pt x="66675" y="38100"/>
+                    </a:moveTo>
+                    <a:cubicBezTo>
+                      <a:pt x="12962" y="5872"/>
+                      <a:pt x="35609" y="17804"/>
+                      <a:pt x="0" y="0"/>
+                    </a:cubicBezTo>
+                  </a:path>
+                </a:pathLst>
+              </a:custGeom>
+              <a:noFill/>
+              <a:ln>
+                <a:solidFill>
+                  <a:srgbClr val="C00000"/>
+                </a:solidFill>
+              </a:ln>
+            </p:spPr>
+            <p:style>
+              <a:lnRef idx="2">
+                <a:schemeClr val="accent1">
+                  <a:shade val="50000"/>
+                </a:schemeClr>
+              </a:lnRef>
+              <a:fillRef idx="1">
+                <a:schemeClr val="accent1"/>
+              </a:fillRef>
+              <a:effectRef idx="0">
+                <a:schemeClr val="accent1"/>
+              </a:effectRef>
+              <a:fontRef idx="minor">
+                <a:schemeClr val="lt1"/>
+              </a:fontRef>
+            </p:style>
+            <p:txBody>
+              <a:bodyPr rtlCol="0" anchor="ctr"/>
+              <a:lstStyle/>
+              <a:p>
+                <a:pPr algn="ctr"/>
+                <a:endParaRPr lang="it-IT" dirty="0"/>
+              </a:p>
+            </p:txBody>
+          </p:sp>
+          <p:sp>
+            <p:nvSpPr>
+              <p:cNvPr id="30" name="Figura a mano libera 29"/>
+              <p:cNvSpPr/>
+              <p:nvPr/>
+            </p:nvSpPr>
+            <p:spPr>
+              <a:xfrm>
+                <a:off x="5419725" y="5381625"/>
+                <a:ext cx="47625" cy="57150"/>
+              </a:xfrm>
+              <a:custGeom>
+                <a:avLst/>
+                <a:gdLst>
+                  <a:gd name="connsiteX0" fmla="*/ 47625 w 47625"/>
+                  <a:gd name="connsiteY0" fmla="*/ 0 h 57150"/>
+                  <a:gd name="connsiteX1" fmla="*/ 0 w 47625"/>
+                  <a:gd name="connsiteY1" fmla="*/ 57150 h 57150"/>
+                </a:gdLst>
+                <a:ahLst/>
+                <a:cxnLst>
+                  <a:cxn ang="0">
+                    <a:pos x="connsiteX0" y="connsiteY0"/>
+                  </a:cxn>
+                  <a:cxn ang="0">
+                    <a:pos x="connsiteX1" y="connsiteY1"/>
+                  </a:cxn>
+                </a:cxnLst>
+                <a:rect l="l" t="t" r="r" b="b"/>
+                <a:pathLst>
+                  <a:path w="47625" h="57150">
+                    <a:moveTo>
+                      <a:pt x="47625" y="0"/>
+                    </a:moveTo>
+                    <a:cubicBezTo>
+                      <a:pt x="15397" y="53713"/>
+                      <a:pt x="35609" y="39346"/>
+                      <a:pt x="0" y="57150"/>
+                    </a:cubicBezTo>
+                  </a:path>
+                </a:pathLst>
+              </a:custGeom>
+              <a:noFill/>
+              <a:ln>
+                <a:solidFill>
+                  <a:srgbClr val="C00000"/>
+                </a:solidFill>
+              </a:ln>
+            </p:spPr>
+            <p:style>
+              <a:lnRef idx="2">
+                <a:schemeClr val="accent1">
+                  <a:shade val="50000"/>
+                </a:schemeClr>
+              </a:lnRef>
+              <a:fillRef idx="1">
+                <a:schemeClr val="accent1"/>
+              </a:fillRef>
+              <a:effectRef idx="0">
+                <a:schemeClr val="accent1"/>
+              </a:effectRef>
+              <a:fontRef idx="minor">
+                <a:schemeClr val="lt1"/>
+              </a:fontRef>
+            </p:style>
+            <p:txBody>
+              <a:bodyPr rtlCol="0" anchor="ctr"/>
+              <a:lstStyle/>
+              <a:p>
+                <a:pPr algn="ctr"/>
+                <a:endParaRPr lang="it-IT"/>
+              </a:p>
+            </p:txBody>
+          </p:sp>
+        </p:grpSp>
+        <p:sp>
+          <p:nvSpPr>
+            <p:cNvPr id="31" name="Rettangolo 30"/>
+            <p:cNvSpPr/>
+            <p:nvPr/>
+          </p:nvSpPr>
+          <p:spPr>
+            <a:xfrm>
+              <a:off x="5184396" y="3305289"/>
+              <a:ext cx="962427" cy="390696"/>
+            </a:xfrm>
+            <a:prstGeom prst="rect">
+              <a:avLst/>
+            </a:prstGeom>
+          </p:spPr>
+          <p:txBody>
+            <a:bodyPr wrap="none">
+              <a:spAutoFit/>
+            </a:bodyPr>
+            <a:lstStyle/>
+            <a:p>
+              <a:r>
+                <a:rPr lang="en-GB" sz="1400" dirty="0"/>
+                <a:t>obstacle</a:t>
+              </a:r>
+            </a:p>
+          </p:txBody>
+        </p:sp>
+        <p:grpSp>
+          <p:nvGrpSpPr>
+            <p:cNvPr id="32" name="Gruppo 31"/>
+            <p:cNvGrpSpPr/>
+            <p:nvPr/>
+          </p:nvGrpSpPr>
+          <p:grpSpPr>
+            <a:xfrm>
+              <a:off x="6643199" y="5441267"/>
+              <a:ext cx="558683" cy="519971"/>
+              <a:chOff x="4403491" y="4276791"/>
+              <a:chExt cx="749721" cy="720080"/>
+            </a:xfrm>
+          </p:grpSpPr>
+          <p:sp>
+            <p:nvSpPr>
+              <p:cNvPr id="33" name="Ovale 33">
+                <a:extLst>
+                  <a:ext uri="{FF2B5EF4-FFF2-40B4-BE49-F238E27FC236}">
+                    <a16:creationId xmlns:a16="http://schemas.microsoft.com/office/drawing/2014/main" id="{A4E6BBEC-1E11-48AC-9881-2BCB8F6CF48A}"/>
+                  </a:ext>
+                </a:extLst>
+              </p:cNvPr>
+              <p:cNvSpPr/>
+              <p:nvPr/>
+            </p:nvSpPr>
+            <p:spPr>
+              <a:xfrm>
+                <a:off x="4403491" y="4276791"/>
+                <a:ext cx="749721" cy="720080"/>
+              </a:xfrm>
+              <a:prstGeom prst="ellipse">
+                <a:avLst/>
+              </a:prstGeom>
+              <a:ln/>
+            </p:spPr>
+            <p:style>
+              <a:lnRef idx="1">
+                <a:schemeClr val="accent5"/>
+              </a:lnRef>
+              <a:fillRef idx="2">
+                <a:schemeClr val="accent5"/>
+              </a:fillRef>
+              <a:effectRef idx="1">
+                <a:schemeClr val="accent5"/>
+              </a:effectRef>
+              <a:fontRef idx="minor">
+                <a:schemeClr val="dk1"/>
+              </a:fontRef>
+            </p:style>
+            <p:txBody>
+              <a:bodyPr rtlCol="0" anchor="ctr"/>
+              <a:lstStyle/>
+              <a:p>
+                <a:pPr algn="ctr"/>
+                <a:r>
+                  <a:rPr lang="en-GB" sz="1200" dirty="0"/>
+                  <a:t> </a:t>
+                </a:r>
+              </a:p>
+            </p:txBody>
+          </p:sp>
+          <p:cxnSp>
+            <p:nvCxnSpPr>
+              <p:cNvPr id="34" name="Connettore 2 126">
+                <a:extLst>
+                  <a:ext uri="{FF2B5EF4-FFF2-40B4-BE49-F238E27FC236}">
+                    <a16:creationId xmlns:a16="http://schemas.microsoft.com/office/drawing/2014/main" id="{36CC678F-7232-496B-B9F9-4DE6B53CD494}"/>
+                  </a:ext>
+                </a:extLst>
+              </p:cNvPr>
+              <p:cNvCxnSpPr/>
+              <p:nvPr/>
+            </p:nvCxnSpPr>
+            <p:spPr>
+              <a:xfrm flipH="1">
+                <a:off x="4764885" y="4403661"/>
+                <a:ext cx="13466" cy="393101"/>
+              </a:xfrm>
+              <a:prstGeom prst="straightConnector1">
+                <a:avLst/>
+              </a:prstGeom>
+              <a:ln>
+                <a:solidFill>
+                  <a:srgbClr val="C00000"/>
+                </a:solidFill>
+                <a:prstDash val="lgDash"/>
+                <a:tailEnd type="arrow"/>
+              </a:ln>
+            </p:spPr>
+            <p:style>
+              <a:lnRef idx="1">
+                <a:schemeClr val="accent1"/>
+              </a:lnRef>
+              <a:fillRef idx="0">
+                <a:schemeClr val="accent1"/>
+              </a:fillRef>
+              <a:effectRef idx="0">
+                <a:schemeClr val="accent1"/>
+              </a:effectRef>
+              <a:fontRef idx="minor">
+                <a:schemeClr val="tx1"/>
+              </a:fontRef>
+            </p:style>
+          </p:cxnSp>
+        </p:grpSp>
+        <p:sp>
+          <p:nvSpPr>
+            <p:cNvPr id="35" name="Ovale 33">
+              <a:extLst>
+                <a:ext uri="{FF2B5EF4-FFF2-40B4-BE49-F238E27FC236}">
+                  <a16:creationId xmlns:a16="http://schemas.microsoft.com/office/drawing/2014/main" id="{A4E6BBEC-1E11-48AC-9881-2BCB8F6CF48A}"/>
+                </a:ext>
+              </a:extLst>
+            </p:cNvPr>
+            <p:cNvSpPr/>
+            <p:nvPr/>
+          </p:nvSpPr>
+          <p:spPr>
+            <a:xfrm>
+              <a:off x="6822033" y="4749980"/>
+              <a:ext cx="749721" cy="720080"/>
+            </a:xfrm>
+            <a:prstGeom prst="ellipse">
+              <a:avLst/>
+            </a:prstGeom>
+            <a:ln/>
+          </p:spPr>
+          <p:style>
+            <a:lnRef idx="1">
+              <a:schemeClr val="accent5"/>
+            </a:lnRef>
+            <a:fillRef idx="2">
+              <a:schemeClr val="accent5"/>
+            </a:fillRef>
+            <a:effectRef idx="1">
+              <a:schemeClr val="accent5"/>
+            </a:effectRef>
+            <a:fontRef idx="minor">
+              <a:schemeClr val="dk1"/>
+            </a:fontRef>
+          </p:style>
+          <p:txBody>
+            <a:bodyPr rtlCol="0" anchor="ctr"/>
+            <a:lstStyle/>
+            <a:p>
+              <a:pPr algn="ctr"/>
+              <a:r>
+                <a:rPr lang="en-GB" sz="1200" dirty="0"/>
+                <a:t> </a:t>
+              </a:r>
+            </a:p>
+          </p:txBody>
+        </p:sp>
+        <p:sp>
+          <p:nvSpPr>
+            <p:cNvPr id="36" name="Rettangolo 35"/>
+            <p:cNvSpPr/>
+            <p:nvPr/>
+          </p:nvSpPr>
+          <p:spPr>
+            <a:xfrm>
+              <a:off x="6926933" y="4890295"/>
+              <a:ext cx="1421944" cy="390696"/>
+            </a:xfrm>
+            <a:prstGeom prst="rect">
+              <a:avLst/>
+            </a:prstGeom>
+          </p:spPr>
+          <p:txBody>
+            <a:bodyPr wrap="none">
+              <a:spAutoFit/>
+            </a:bodyPr>
+            <a:lstStyle/>
+            <a:p>
+              <a:r>
+                <a:rPr lang="en-GB" sz="1400" dirty="0" err="1"/>
+                <a:t>robotSupport</a:t>
+              </a:r>
+              <a:endParaRPr lang="en-GB" sz="1600" dirty="0"/>
+            </a:p>
+          </p:txBody>
+        </p:sp>
+        <p:sp>
+          <p:nvSpPr>
+            <p:cNvPr id="37" name="Rettangolo 36"/>
+            <p:cNvSpPr/>
+            <p:nvPr/>
+          </p:nvSpPr>
+          <p:spPr>
+            <a:xfrm>
+              <a:off x="5725037" y="5503077"/>
+              <a:ext cx="1285929" cy="215444"/>
+            </a:xfrm>
+            <a:prstGeom prst="rect">
+              <a:avLst/>
+            </a:prstGeom>
+          </p:spPr>
+          <p:txBody>
+            <a:bodyPr wrap="none">
+              <a:spAutoFit/>
+            </a:bodyPr>
+            <a:lstStyle/>
+            <a:p>
+              <a:r>
+                <a:rPr lang="en-GB" sz="800" dirty="0" err="1">
+                  <a:latin typeface="Arial" panose="020B0604020202020204" pitchFamily="34" charset="0"/>
+                  <a:cs typeface="Arial" panose="020B0604020202020204" pitchFamily="34" charset="0"/>
+                </a:rPr>
+                <a:t>virtualRobotSupportQak</a:t>
+              </a:r>
+              <a:endParaRPr lang="en-GB" sz="800" dirty="0">
+                <a:latin typeface="Arial" panose="020B0604020202020204" pitchFamily="34" charset="0"/>
+                <a:cs typeface="Arial" panose="020B0604020202020204" pitchFamily="34" charset="0"/>
+              </a:endParaRPr>
+            </a:p>
+          </p:txBody>
+        </p:sp>
+        <p:sp>
+          <p:nvSpPr>
+            <p:cNvPr id="38" name="Rectangle 5">
+              <a:extLst>
+                <a:ext uri="{FF2B5EF4-FFF2-40B4-BE49-F238E27FC236}">
+                  <a16:creationId xmlns:a16="http://schemas.microsoft.com/office/drawing/2014/main" id="{DFDC7F0A-882C-4149-983D-9A958C225794}"/>
+                </a:ext>
+              </a:extLst>
+            </p:cNvPr>
+            <p:cNvSpPr>
+              <a:spLocks noChangeArrowheads="1"/>
+            </p:cNvSpPr>
+            <p:nvPr/>
+          </p:nvSpPr>
+          <p:spPr bwMode="auto">
+            <a:xfrm>
+              <a:off x="5904219" y="5985351"/>
+              <a:ext cx="716863" cy="215444"/>
+            </a:xfrm>
+            <a:prstGeom prst="rect">
+              <a:avLst/>
+            </a:prstGeom>
+            <a:noFill/>
+          </p:spPr>
+          <p:txBody>
+            <a:bodyPr wrap="none" rtlCol="0">
+              <a:spAutoFit/>
+            </a:bodyPr>
+            <a:lstStyle/>
+            <a:p>
+              <a:r>
+                <a:rPr lang="en-US" altLang="en-US" sz="800" dirty="0">
+                  <a:latin typeface="Arial" panose="020B0604020202020204" pitchFamily="34" charset="0"/>
+                  <a:cs typeface="Arial" panose="020B0604020202020204" pitchFamily="34" charset="0"/>
+                </a:rPr>
+                <a:t>TCP socket</a:t>
+              </a:r>
+            </a:p>
+          </p:txBody>
+        </p:sp>
+        <p:sp>
+          <p:nvSpPr>
+            <p:cNvPr id="39" name="Ovale 33">
+              <a:extLst>
+                <a:ext uri="{FF2B5EF4-FFF2-40B4-BE49-F238E27FC236}">
+                  <a16:creationId xmlns:a16="http://schemas.microsoft.com/office/drawing/2014/main" id="{3D0173EE-08DD-4F1E-9226-740254360410}"/>
+                </a:ext>
+              </a:extLst>
+            </p:cNvPr>
+            <p:cNvSpPr/>
+            <p:nvPr/>
+          </p:nvSpPr>
+          <p:spPr>
+            <a:xfrm>
+              <a:off x="6444215" y="5823727"/>
+              <a:ext cx="312930" cy="275021"/>
+            </a:xfrm>
+            <a:prstGeom prst="ellipse">
+              <a:avLst/>
+            </a:prstGeom>
+            <a:ln/>
+          </p:spPr>
+          <p:style>
+            <a:lnRef idx="1">
+              <a:schemeClr val="accent5"/>
+            </a:lnRef>
+            <a:fillRef idx="2">
+              <a:schemeClr val="accent5"/>
+            </a:fillRef>
+            <a:effectRef idx="1">
+              <a:schemeClr val="accent5"/>
+            </a:effectRef>
+            <a:fontRef idx="minor">
+              <a:schemeClr val="dk1"/>
+            </a:fontRef>
+          </p:style>
+          <p:txBody>
+            <a:bodyPr rtlCol="0" anchor="ctr"/>
+            <a:lstStyle/>
+            <a:p>
+              <a:pPr algn="ctr"/>
+              <a:r>
+                <a:rPr lang="en-GB" sz="1200" dirty="0"/>
+                <a:t> </a:t>
+              </a:r>
+            </a:p>
+          </p:txBody>
+        </p:sp>
+        <p:sp>
+          <p:nvSpPr>
+            <p:cNvPr id="40" name="Ovale 33">
+              <a:extLst>
+                <a:ext uri="{FF2B5EF4-FFF2-40B4-BE49-F238E27FC236}">
+                  <a16:creationId xmlns:a16="http://schemas.microsoft.com/office/drawing/2014/main" id="{A4E6BBEC-1E11-48AC-9881-2BCB8F6CF48A}"/>
+                </a:ext>
+              </a:extLst>
+            </p:cNvPr>
+            <p:cNvSpPr/>
+            <p:nvPr/>
+          </p:nvSpPr>
+          <p:spPr>
+            <a:xfrm>
+              <a:off x="7278154" y="5457755"/>
+              <a:ext cx="461901" cy="469630"/>
+            </a:xfrm>
+            <a:prstGeom prst="ellipse">
+              <a:avLst/>
+            </a:prstGeom>
+            <a:ln/>
+          </p:spPr>
+          <p:style>
+            <a:lnRef idx="1">
+              <a:schemeClr val="accent5"/>
+            </a:lnRef>
+            <a:fillRef idx="2">
+              <a:schemeClr val="accent5"/>
+            </a:fillRef>
+            <a:effectRef idx="1">
+              <a:schemeClr val="accent5"/>
+            </a:effectRef>
+            <a:fontRef idx="minor">
+              <a:schemeClr val="dk1"/>
+            </a:fontRef>
+          </p:style>
+          <p:txBody>
+            <a:bodyPr rtlCol="0" anchor="ctr"/>
+            <a:lstStyle/>
+            <a:p>
+              <a:pPr algn="ctr"/>
+              <a:r>
+                <a:rPr lang="en-GB" sz="1200" dirty="0"/>
+                <a:t> </a:t>
+              </a:r>
+            </a:p>
+          </p:txBody>
+        </p:sp>
+        <p:sp>
+          <p:nvSpPr>
+            <p:cNvPr id="41" name="Rettangolo 40"/>
+            <p:cNvSpPr/>
+            <p:nvPr/>
+          </p:nvSpPr>
+          <p:spPr>
+            <a:xfrm>
+              <a:off x="7159713" y="5536312"/>
+              <a:ext cx="776175" cy="215444"/>
+            </a:xfrm>
+            <a:prstGeom prst="rect">
+              <a:avLst/>
+            </a:prstGeom>
+          </p:spPr>
+          <p:txBody>
+            <a:bodyPr wrap="none">
+              <a:spAutoFit/>
+            </a:bodyPr>
+            <a:lstStyle/>
+            <a:p>
+              <a:r>
+                <a:rPr lang="en-GB" sz="800" dirty="0" err="1">
+                  <a:latin typeface="Arial" panose="020B0604020202020204" pitchFamily="34" charset="0"/>
+                  <a:cs typeface="Arial" panose="020B0604020202020204" pitchFamily="34" charset="0"/>
+                </a:rPr>
+                <a:t>mbotSupport</a:t>
+              </a:r>
+              <a:endParaRPr lang="en-GB" sz="800" dirty="0">
+                <a:latin typeface="Arial" panose="020B0604020202020204" pitchFamily="34" charset="0"/>
+                <a:cs typeface="Arial" panose="020B0604020202020204" pitchFamily="34" charset="0"/>
+              </a:endParaRPr>
+            </a:p>
+          </p:txBody>
+        </p:sp>
+        <p:sp>
+          <p:nvSpPr>
+            <p:cNvPr id="42" name="Ovale 33">
+              <a:extLst>
+                <a:ext uri="{FF2B5EF4-FFF2-40B4-BE49-F238E27FC236}">
+                  <a16:creationId xmlns:a16="http://schemas.microsoft.com/office/drawing/2014/main" id="{3D0173EE-08DD-4F1E-9226-740254360410}"/>
+                </a:ext>
+              </a:extLst>
+            </p:cNvPr>
+            <p:cNvSpPr/>
+            <p:nvPr/>
+          </p:nvSpPr>
+          <p:spPr>
+            <a:xfrm>
+              <a:off x="7658931" y="5892920"/>
+              <a:ext cx="312930" cy="275021"/>
+            </a:xfrm>
+            <a:prstGeom prst="ellipse">
+              <a:avLst/>
+            </a:prstGeom>
+            <a:ln/>
+          </p:spPr>
+          <p:style>
+            <a:lnRef idx="1">
+              <a:schemeClr val="accent5"/>
+            </a:lnRef>
+            <a:fillRef idx="2">
+              <a:schemeClr val="accent5"/>
+            </a:fillRef>
+            <a:effectRef idx="1">
+              <a:schemeClr val="accent5"/>
+            </a:effectRef>
+            <a:fontRef idx="minor">
+              <a:schemeClr val="dk1"/>
+            </a:fontRef>
+          </p:style>
+          <p:txBody>
+            <a:bodyPr rtlCol="0" anchor="ctr"/>
+            <a:lstStyle/>
+            <a:p>
+              <a:pPr algn="ctr"/>
+              <a:r>
+                <a:rPr lang="en-GB" sz="1200" dirty="0"/>
+                <a:t> </a:t>
+              </a:r>
+            </a:p>
+          </p:txBody>
+        </p:sp>
+        <p:sp>
+          <p:nvSpPr>
+            <p:cNvPr id="43" name="Rectangle 5">
+              <a:extLst>
+                <a:ext uri="{FF2B5EF4-FFF2-40B4-BE49-F238E27FC236}">
+                  <a16:creationId xmlns:a16="http://schemas.microsoft.com/office/drawing/2014/main" id="{DFDC7F0A-882C-4149-983D-9A958C225794}"/>
+                </a:ext>
+              </a:extLst>
+            </p:cNvPr>
+            <p:cNvSpPr>
+              <a:spLocks noChangeArrowheads="1"/>
+            </p:cNvSpPr>
+            <p:nvPr/>
+          </p:nvSpPr>
+          <p:spPr bwMode="auto">
+            <a:xfrm>
+              <a:off x="7648748" y="5919933"/>
+              <a:ext cx="447559" cy="215444"/>
+            </a:xfrm>
+            <a:prstGeom prst="rect">
+              <a:avLst/>
+            </a:prstGeom>
+            <a:noFill/>
+          </p:spPr>
+          <p:txBody>
+            <a:bodyPr wrap="none" rtlCol="0">
+              <a:spAutoFit/>
+            </a:bodyPr>
+            <a:lstStyle/>
+            <a:p>
+              <a:r>
+                <a:rPr lang="en-US" altLang="en-US" sz="800" dirty="0">
+                  <a:latin typeface="Arial" panose="020B0604020202020204" pitchFamily="34" charset="0"/>
+                  <a:cs typeface="Arial" panose="020B0604020202020204" pitchFamily="34" charset="0"/>
+                </a:rPr>
+                <a:t>Serial</a:t>
+              </a:r>
+            </a:p>
+          </p:txBody>
+        </p:sp>
+        <p:sp>
+          <p:nvSpPr>
+            <p:cNvPr id="44" name="Rettangolo 43"/>
+            <p:cNvSpPr/>
+            <p:nvPr/>
+          </p:nvSpPr>
+          <p:spPr>
+            <a:xfrm>
+              <a:off x="7932403" y="5466838"/>
+              <a:ext cx="1321196" cy="215444"/>
+            </a:xfrm>
+            <a:prstGeom prst="rect">
+              <a:avLst/>
+            </a:prstGeom>
+            <a:noFill/>
+          </p:spPr>
+          <p:txBody>
+            <a:bodyPr wrap="none" rtlCol="0">
+              <a:spAutoFit/>
+            </a:bodyPr>
+            <a:lstStyle/>
+            <a:p>
+              <a:r>
+                <a:rPr lang="en-GB" sz="800" dirty="0" err="1">
+                  <a:latin typeface="Arial" panose="020B0604020202020204" pitchFamily="34" charset="0"/>
+                  <a:cs typeface="Arial" panose="020B0604020202020204" pitchFamily="34" charset="0"/>
+                </a:rPr>
+                <a:t>robotDataSourceArduino</a:t>
+              </a:r>
+              <a:endParaRPr lang="en-GB" sz="800" dirty="0">
+                <a:latin typeface="Arial" panose="020B0604020202020204" pitchFamily="34" charset="0"/>
+                <a:cs typeface="Arial" panose="020B0604020202020204" pitchFamily="34" charset="0"/>
+              </a:endParaRPr>
+            </a:p>
+          </p:txBody>
+        </p:sp>
+        <p:sp>
+          <p:nvSpPr>
+            <p:cNvPr id="46" name="Rettangolo 45"/>
+            <p:cNvSpPr/>
+            <p:nvPr/>
+          </p:nvSpPr>
+          <p:spPr>
+            <a:xfrm>
+              <a:off x="7860230" y="3308357"/>
+              <a:ext cx="1001747" cy="457200"/>
+            </a:xfrm>
+            <a:prstGeom prst="rect">
+              <a:avLst/>
+            </a:prstGeom>
+          </p:spPr>
+          <p:style>
+            <a:lnRef idx="1">
+              <a:schemeClr val="accent3"/>
+            </a:lnRef>
+            <a:fillRef idx="2">
+              <a:schemeClr val="accent3"/>
+            </a:fillRef>
+            <a:effectRef idx="1">
+              <a:schemeClr val="accent3"/>
+            </a:effectRef>
+            <a:fontRef idx="minor">
+              <a:schemeClr val="dk1"/>
+            </a:fontRef>
+          </p:style>
+          <p:txBody>
+            <a:bodyPr rtlCol="0" anchor="ctr"/>
+            <a:lstStyle/>
+            <a:p>
+              <a:pPr algn="ctr"/>
+              <a:r>
+                <a:rPr lang="it-IT" sz="1600" dirty="0"/>
+                <a:t>8020</a:t>
+              </a:r>
+              <a:endParaRPr lang="en-GB" dirty="0"/>
+            </a:p>
+          </p:txBody>
+        </p:sp>
+        <p:sp>
+          <p:nvSpPr>
+            <p:cNvPr id="47" name="Rettangolo 46"/>
+            <p:cNvSpPr/>
+            <p:nvPr/>
+          </p:nvSpPr>
+          <p:spPr>
+            <a:xfrm>
+              <a:off x="6484156" y="6228367"/>
+              <a:ext cx="1922512" cy="457200"/>
+            </a:xfrm>
+            <a:prstGeom prst="rect">
+              <a:avLst/>
+            </a:prstGeom>
+            <a:solidFill>
+              <a:srgbClr val="FFFF99"/>
+            </a:solidFill>
+          </p:spPr>
+          <p:style>
+            <a:lnRef idx="1">
+              <a:schemeClr val="accent1"/>
+            </a:lnRef>
+            <a:fillRef idx="2">
+              <a:schemeClr val="accent1"/>
+            </a:fillRef>
+            <a:effectRef idx="1">
+              <a:schemeClr val="accent1"/>
+            </a:effectRef>
+            <a:fontRef idx="minor">
+              <a:schemeClr val="dk1"/>
+            </a:fontRef>
+          </p:style>
+          <p:txBody>
+            <a:bodyPr rtlCol="0" anchor="ctr"/>
+            <a:lstStyle/>
+            <a:p>
+              <a:pPr algn="ctr"/>
+              <a:r>
+                <a:rPr lang="en-GB" sz="1600" dirty="0" err="1"/>
+                <a:t>ctxbasicrobot</a:t>
+              </a:r>
+              <a:endParaRPr lang="en-GB" dirty="0">
+                <a:solidFill>
+                  <a:schemeClr val="tx1"/>
+                </a:solidFill>
+              </a:endParaRPr>
+            </a:p>
+          </p:txBody>
+        </p:sp>
+      </p:grpSp>
+      <p:sp>
+        <p:nvSpPr>
+          <p:cNvPr id="68" name="CasellaDiTesto 67"/>
+          <p:cNvSpPr txBox="1"/>
+          <p:nvPr/>
+        </p:nvSpPr>
+        <p:spPr>
+          <a:xfrm>
+            <a:off x="4262282" y="1301943"/>
+            <a:ext cx="2925629" cy="584775"/>
+          </a:xfrm>
+          <a:prstGeom prst="rect">
+            <a:avLst/>
+          </a:prstGeom>
+          <a:noFill/>
+        </p:spPr>
+        <p:txBody>
+          <a:bodyPr wrap="square" rtlCol="0">
+            <a:spAutoFit/>
+          </a:bodyPr>
+          <a:lstStyle/>
+          <a:p>
+            <a:r>
+              <a:rPr lang="it-IT" sz="1600" dirty="0" err="1">
+                <a:solidFill>
+                  <a:srgbClr val="FF0000"/>
+                </a:solidFill>
+              </a:rPr>
+              <a:t>project</a:t>
+            </a:r>
+            <a:endParaRPr lang="en-GB" sz="1600" dirty="0">
+              <a:solidFill>
+                <a:srgbClr val="FF0000"/>
+              </a:solidFill>
+            </a:endParaRPr>
+          </a:p>
+          <a:p>
+            <a:r>
+              <a:rPr lang="en-GB" sz="1600" i="1" dirty="0">
+                <a:solidFill>
+                  <a:srgbClr val="FF0000"/>
+                </a:solidFill>
+              </a:rPr>
+              <a:t>it.unibo.iss.sprint3</a:t>
+            </a:r>
+          </a:p>
+        </p:txBody>
+      </p:sp>
+      <p:grpSp>
+        <p:nvGrpSpPr>
+          <p:cNvPr id="60" name="Gruppo 44">
+            <a:extLst>
+              <a:ext uri="{FF2B5EF4-FFF2-40B4-BE49-F238E27FC236}">
+                <a16:creationId xmlns:a16="http://schemas.microsoft.com/office/drawing/2014/main" id="{A4004772-1637-4B7E-9CFD-20C42E645980}"/>
+              </a:ext>
+            </a:extLst>
+          </p:cNvPr>
+          <p:cNvGrpSpPr/>
+          <p:nvPr/>
+        </p:nvGrpSpPr>
+        <p:grpSpPr>
+          <a:xfrm>
+            <a:off x="6723192" y="3269153"/>
+            <a:ext cx="1195656" cy="888485"/>
+            <a:chOff x="2460218" y="2004001"/>
+            <a:chExt cx="1696868" cy="1234656"/>
+          </a:xfrm>
+        </p:grpSpPr>
+        <p:sp>
+          <p:nvSpPr>
+            <p:cNvPr id="61" name="Triangolo isoscele 45">
+              <a:extLst>
+                <a:ext uri="{FF2B5EF4-FFF2-40B4-BE49-F238E27FC236}">
+                  <a16:creationId xmlns:a16="http://schemas.microsoft.com/office/drawing/2014/main" id="{870C13EE-5A25-4015-927D-98DDB820DCD5}"/>
+                </a:ext>
+              </a:extLst>
+            </p:cNvPr>
+            <p:cNvSpPr/>
+            <p:nvPr/>
+          </p:nvSpPr>
+          <p:spPr>
+            <a:xfrm rot="5400000">
+              <a:off x="3220535" y="2242777"/>
+              <a:ext cx="998084" cy="875019"/>
+            </a:xfrm>
+            <a:prstGeom prst="triangle">
+              <a:avLst/>
+            </a:prstGeom>
+            <a:solidFill>
+              <a:srgbClr val="CCFF66"/>
+            </a:solidFill>
+            <a:ln/>
+          </p:spPr>
+          <p:style>
+            <a:lnRef idx="1">
+              <a:schemeClr val="accent5"/>
+            </a:lnRef>
+            <a:fillRef idx="2">
+              <a:schemeClr val="accent5"/>
+            </a:fillRef>
+            <a:effectRef idx="1">
+              <a:schemeClr val="accent5"/>
+            </a:effectRef>
+            <a:fontRef idx="minor">
+              <a:schemeClr val="dk1"/>
+            </a:fontRef>
+          </p:style>
+          <p:txBody>
+            <a:bodyPr rtlCol="0" anchor="ctr"/>
+            <a:lstStyle/>
+            <a:p>
+              <a:pPr algn="ctr"/>
+              <a:endParaRPr lang="en-GB" sz="1200"/>
+            </a:p>
+          </p:txBody>
+        </p:sp>
+        <p:grpSp>
+          <p:nvGrpSpPr>
+            <p:cNvPr id="62" name="Gruppo 82">
+              <a:extLst>
+                <a:ext uri="{FF2B5EF4-FFF2-40B4-BE49-F238E27FC236}">
+                  <a16:creationId xmlns:a16="http://schemas.microsoft.com/office/drawing/2014/main" id="{DE0F64D2-B940-4CA6-9453-9AE274285244}"/>
+                </a:ext>
+              </a:extLst>
+            </p:cNvPr>
+            <p:cNvGrpSpPr/>
+            <p:nvPr/>
+          </p:nvGrpSpPr>
+          <p:grpSpPr>
+            <a:xfrm>
+              <a:off x="2460218" y="2004001"/>
+              <a:ext cx="1409185" cy="1234656"/>
+              <a:chOff x="1194666" y="2417771"/>
+              <a:chExt cx="866157" cy="763298"/>
+            </a:xfrm>
+          </p:grpSpPr>
+          <p:sp>
+            <p:nvSpPr>
+              <p:cNvPr id="64" name="Ovale 38">
+                <a:extLst>
+                  <a:ext uri="{FF2B5EF4-FFF2-40B4-BE49-F238E27FC236}">
+                    <a16:creationId xmlns:a16="http://schemas.microsoft.com/office/drawing/2014/main" id="{71702CB6-D6EB-4DD4-B3E0-0075BEA89598}"/>
+                  </a:ext>
+                </a:extLst>
+              </p:cNvPr>
+              <p:cNvSpPr/>
+              <p:nvPr/>
+            </p:nvSpPr>
+            <p:spPr>
+              <a:xfrm>
+                <a:off x="1311102" y="2460989"/>
+                <a:ext cx="749721" cy="720080"/>
+              </a:xfrm>
+              <a:prstGeom prst="ellipse">
+                <a:avLst/>
+              </a:prstGeom>
+              <a:solidFill>
+                <a:srgbClr val="FFCCFF"/>
+              </a:solidFill>
+              <a:ln/>
+            </p:spPr>
+            <p:style>
+              <a:lnRef idx="1">
+                <a:schemeClr val="accent5"/>
+              </a:lnRef>
+              <a:fillRef idx="2">
+                <a:schemeClr val="accent5"/>
+              </a:fillRef>
+              <a:effectRef idx="1">
+                <a:schemeClr val="accent5"/>
+              </a:effectRef>
+              <a:fontRef idx="minor">
+                <a:schemeClr val="dk1"/>
+              </a:fontRef>
+            </p:style>
+            <p:txBody>
+              <a:bodyPr rtlCol="0" anchor="ctr"/>
+              <a:lstStyle/>
+              <a:p>
+                <a:pPr algn="ctr"/>
+                <a:r>
+                  <a:rPr lang="en-GB" sz="1200" dirty="0"/>
+                  <a:t> </a:t>
+                </a:r>
+              </a:p>
+            </p:txBody>
+          </p:sp>
+          <p:sp>
+            <p:nvSpPr>
+              <p:cNvPr id="65" name="Rettangolo 39">
+                <a:extLst>
+                  <a:ext uri="{FF2B5EF4-FFF2-40B4-BE49-F238E27FC236}">
+                    <a16:creationId xmlns:a16="http://schemas.microsoft.com/office/drawing/2014/main" id="{AC70EAEE-AC80-40A4-A08C-ED59FECAA652}"/>
+                  </a:ext>
+                </a:extLst>
+              </p:cNvPr>
+              <p:cNvSpPr/>
+              <p:nvPr/>
+            </p:nvSpPr>
+            <p:spPr>
+              <a:xfrm>
+                <a:off x="1194666" y="2699711"/>
+                <a:ext cx="281433" cy="211952"/>
+              </a:xfrm>
+              <a:prstGeom prst="rect">
+                <a:avLst/>
+              </a:prstGeom>
+              <a:solidFill>
+                <a:srgbClr val="FFCCFF"/>
+              </a:solidFill>
+              <a:ln/>
+            </p:spPr>
+            <p:style>
+              <a:lnRef idx="1">
+                <a:schemeClr val="accent5"/>
+              </a:lnRef>
+              <a:fillRef idx="2">
+                <a:schemeClr val="accent5"/>
+              </a:fillRef>
+              <a:effectRef idx="1">
+                <a:schemeClr val="accent5"/>
+              </a:effectRef>
+              <a:fontRef idx="minor">
+                <a:schemeClr val="dk1"/>
+              </a:fontRef>
+            </p:style>
+            <p:txBody>
+              <a:bodyPr rtlCol="0" anchor="ctr"/>
+              <a:lstStyle/>
+              <a:p>
+                <a:pPr algn="ctr"/>
+                <a:endParaRPr lang="en-GB" sz="1200"/>
+              </a:p>
+            </p:txBody>
+          </p:sp>
+          <p:sp>
+            <p:nvSpPr>
+              <p:cNvPr id="66" name="Triangolo isoscele 42">
+                <a:extLst>
+                  <a:ext uri="{FF2B5EF4-FFF2-40B4-BE49-F238E27FC236}">
+                    <a16:creationId xmlns:a16="http://schemas.microsoft.com/office/drawing/2014/main" id="{F9E99C5B-1B88-458E-8C33-2833796851D2}"/>
+                  </a:ext>
+                </a:extLst>
+              </p:cNvPr>
+              <p:cNvSpPr/>
+              <p:nvPr/>
+            </p:nvSpPr>
+            <p:spPr>
+              <a:xfrm rot="16200000">
+                <a:off x="1618539" y="2391356"/>
+                <a:ext cx="86434" cy="139263"/>
+              </a:xfrm>
+              <a:prstGeom prst="triangle">
+                <a:avLst/>
+              </a:prstGeom>
+              <a:solidFill>
+                <a:srgbClr val="FF0000"/>
+              </a:solidFill>
+              <a:ln/>
+            </p:spPr>
+            <p:style>
+              <a:lnRef idx="1">
+                <a:schemeClr val="accent5"/>
+              </a:lnRef>
+              <a:fillRef idx="2">
+                <a:schemeClr val="accent5"/>
+              </a:fillRef>
+              <a:effectRef idx="1">
+                <a:schemeClr val="accent5"/>
+              </a:effectRef>
+              <a:fontRef idx="minor">
+                <a:schemeClr val="dk1"/>
+              </a:fontRef>
+            </p:style>
+            <p:txBody>
+              <a:bodyPr rtlCol="0" anchor="ctr"/>
+              <a:lstStyle/>
+              <a:p>
+                <a:pPr algn="ctr"/>
+                <a:endParaRPr lang="en-GB" sz="1200"/>
+              </a:p>
+            </p:txBody>
+          </p:sp>
+        </p:grpSp>
+        <p:sp>
+          <p:nvSpPr>
+            <p:cNvPr id="63" name="Rettangolo 47">
+              <a:extLst>
+                <a:ext uri="{FF2B5EF4-FFF2-40B4-BE49-F238E27FC236}">
+                  <a16:creationId xmlns:a16="http://schemas.microsoft.com/office/drawing/2014/main" id="{4C496436-8FD3-4EC1-BA96-FBEBBE485566}"/>
+                </a:ext>
+              </a:extLst>
+            </p:cNvPr>
+            <p:cNvSpPr/>
+            <p:nvPr/>
+          </p:nvSpPr>
+          <p:spPr>
+            <a:xfrm>
+              <a:off x="2579624" y="2470382"/>
+              <a:ext cx="1375518" cy="390696"/>
+            </a:xfrm>
+            <a:prstGeom prst="rect">
+              <a:avLst/>
+            </a:prstGeom>
+          </p:spPr>
+          <p:txBody>
+            <a:bodyPr wrap="none">
+              <a:spAutoFit/>
+            </a:bodyPr>
+            <a:lstStyle/>
+            <a:p>
+              <a:r>
+                <a:rPr lang="en-GB" sz="1400" dirty="0" err="1"/>
+                <a:t>waiterwalker</a:t>
+              </a:r>
+              <a:endParaRPr lang="en-GB" dirty="0"/>
+            </a:p>
+          </p:txBody>
+        </p:sp>
+      </p:grpSp>
+      <p:cxnSp>
+        <p:nvCxnSpPr>
+          <p:cNvPr id="17" name="Connettore 2 16"/>
+          <p:cNvCxnSpPr>
+            <a:cxnSpLocks/>
+          </p:cNvCxnSpPr>
+          <p:nvPr/>
+        </p:nvCxnSpPr>
+        <p:spPr>
+          <a:xfrm>
+            <a:off x="7648077" y="3474426"/>
+            <a:ext cx="1913925" cy="0"/>
+          </a:xfrm>
+          <a:prstGeom prst="straightConnector1">
+            <a:avLst/>
+          </a:prstGeom>
+          <a:ln>
+            <a:prstDash val="lgDash"/>
+            <a:tailEnd type="arrow"/>
+          </a:ln>
+        </p:spPr>
+        <p:style>
+          <a:lnRef idx="1">
+            <a:schemeClr val="accent1"/>
+          </a:lnRef>
+          <a:fillRef idx="0">
+            <a:schemeClr val="accent1"/>
+          </a:fillRef>
+          <a:effectRef idx="0">
+            <a:schemeClr val="accent1"/>
+          </a:effectRef>
+          <a:fontRef idx="minor">
+            <a:schemeClr val="tx1"/>
+          </a:fontRef>
+        </p:style>
+      </p:cxnSp>
+      <p:sp>
+        <p:nvSpPr>
+          <p:cNvPr id="87" name="CasellaDiTesto 86">
+            <a:extLst>
+              <a:ext uri="{FF2B5EF4-FFF2-40B4-BE49-F238E27FC236}">
+                <a16:creationId xmlns:a16="http://schemas.microsoft.com/office/drawing/2014/main" id="{57D20B6B-DF5A-4FEA-AEDC-D39F93C8F686}"/>
+              </a:ext>
+            </a:extLst>
+          </p:cNvPr>
+          <p:cNvSpPr txBox="1"/>
+          <p:nvPr/>
+        </p:nvSpPr>
+        <p:spPr>
+          <a:xfrm>
+            <a:off x="8833669" y="1615307"/>
+            <a:ext cx="2316660" cy="584775"/>
+          </a:xfrm>
+          <a:prstGeom prst="rect">
+            <a:avLst/>
+          </a:prstGeom>
+          <a:noFill/>
+        </p:spPr>
+        <p:txBody>
+          <a:bodyPr wrap="none" rtlCol="0">
+            <a:spAutoFit/>
+          </a:bodyPr>
+          <a:lstStyle/>
+          <a:p>
+            <a:r>
+              <a:rPr lang="it-IT" sz="1600" dirty="0" err="1">
+                <a:solidFill>
+                  <a:srgbClr val="FF0000"/>
+                </a:solidFill>
+              </a:rPr>
+              <a:t>project</a:t>
+            </a:r>
+            <a:endParaRPr lang="en-GB" sz="1600" dirty="0">
+              <a:solidFill>
+                <a:srgbClr val="FF0000"/>
+              </a:solidFill>
+            </a:endParaRPr>
+          </a:p>
+          <a:p>
+            <a:r>
+              <a:rPr lang="en-GB" sz="1600" i="1" dirty="0">
+                <a:solidFill>
+                  <a:srgbClr val="FF0000"/>
+                </a:solidFill>
+              </a:rPr>
+              <a:t>it.unibo.qak20.basicrobot</a:t>
+            </a:r>
+          </a:p>
+        </p:txBody>
+      </p:sp>
+      <p:cxnSp>
+        <p:nvCxnSpPr>
+          <p:cNvPr id="90" name="Connettore 1 20">
+            <a:extLst>
+              <a:ext uri="{FF2B5EF4-FFF2-40B4-BE49-F238E27FC236}">
+                <a16:creationId xmlns:a16="http://schemas.microsoft.com/office/drawing/2014/main" id="{B0C0308F-80BE-449E-9BA7-78C29D58AA22}"/>
+              </a:ext>
+            </a:extLst>
+          </p:cNvPr>
+          <p:cNvCxnSpPr>
+            <a:cxnSpLocks/>
+          </p:cNvCxnSpPr>
+          <p:nvPr/>
+        </p:nvCxnSpPr>
+        <p:spPr>
+          <a:xfrm>
+            <a:off x="5609785" y="3829829"/>
+            <a:ext cx="1028601" cy="0"/>
+          </a:xfrm>
+          <a:prstGeom prst="line">
+            <a:avLst/>
+          </a:prstGeom>
+          <a:ln>
+            <a:prstDash val="dash"/>
+          </a:ln>
+        </p:spPr>
+        <p:style>
+          <a:lnRef idx="1">
+            <a:schemeClr val="accent1"/>
+          </a:lnRef>
+          <a:fillRef idx="0">
+            <a:schemeClr val="accent1"/>
+          </a:fillRef>
+          <a:effectRef idx="0">
+            <a:schemeClr val="accent1"/>
+          </a:effectRef>
+          <a:fontRef idx="minor">
+            <a:schemeClr val="tx1"/>
+          </a:fontRef>
+        </p:style>
+      </p:cxnSp>
+      <p:sp>
+        <p:nvSpPr>
+          <p:cNvPr id="91" name="Triangolo isoscele 90">
+            <a:extLst>
+              <a:ext uri="{FF2B5EF4-FFF2-40B4-BE49-F238E27FC236}">
+                <a16:creationId xmlns:a16="http://schemas.microsoft.com/office/drawing/2014/main" id="{1517C091-4C4D-4FB7-AA5A-E546C482FE43}"/>
+              </a:ext>
+            </a:extLst>
+          </p:cNvPr>
+          <p:cNvSpPr/>
+          <p:nvPr/>
+        </p:nvSpPr>
+        <p:spPr>
+          <a:xfrm rot="16200000">
+            <a:off x="5619972" y="3778480"/>
+            <a:ext cx="62200" cy="98131"/>
+          </a:xfrm>
+          <a:prstGeom prst="triangle">
+            <a:avLst/>
+          </a:prstGeom>
+          <a:solidFill>
+            <a:schemeClr val="bg1"/>
+          </a:solidFill>
+          <a:ln/>
+        </p:spPr>
+        <p:style>
+          <a:lnRef idx="1">
+            <a:schemeClr val="accent5"/>
+          </a:lnRef>
+          <a:fillRef idx="2">
+            <a:schemeClr val="accent5"/>
+          </a:fillRef>
+          <a:effectRef idx="1">
+            <a:schemeClr val="accent5"/>
+          </a:effectRef>
+          <a:fontRef idx="minor">
+            <a:schemeClr val="dk1"/>
+          </a:fontRef>
+        </p:style>
+        <p:txBody>
+          <a:bodyPr rtlCol="0" anchor="ctr"/>
+          <a:lstStyle/>
+          <a:p>
+            <a:pPr algn="ctr"/>
+            <a:endParaRPr lang="en-GB" sz="1200"/>
+          </a:p>
+        </p:txBody>
+      </p:sp>
+      <p:sp>
+        <p:nvSpPr>
+          <p:cNvPr id="92" name="CasellaDiTesto 91">
+            <a:extLst>
+              <a:ext uri="{FF2B5EF4-FFF2-40B4-BE49-F238E27FC236}">
+                <a16:creationId xmlns:a16="http://schemas.microsoft.com/office/drawing/2014/main" id="{02AF43DA-7609-4ED3-A126-80BB06CEF4E3}"/>
+              </a:ext>
+            </a:extLst>
+          </p:cNvPr>
+          <p:cNvSpPr txBox="1"/>
+          <p:nvPr/>
+        </p:nvSpPr>
+        <p:spPr>
+          <a:xfrm>
+            <a:off x="5608229" y="3944412"/>
+            <a:ext cx="972143" cy="461665"/>
+          </a:xfrm>
+          <a:prstGeom prst="rect">
+            <a:avLst/>
+          </a:prstGeom>
+          <a:noFill/>
+        </p:spPr>
+        <p:txBody>
+          <a:bodyPr wrap="square" rtlCol="0">
+            <a:spAutoFit/>
+          </a:bodyPr>
+          <a:lstStyle/>
+          <a:p>
+            <a:r>
+              <a:rPr lang="it-IT" sz="1200" dirty="0" err="1"/>
+              <a:t>atCell</a:t>
+            </a:r>
+            <a:endParaRPr lang="it-IT" sz="1200" dirty="0"/>
+          </a:p>
+          <a:p>
+            <a:r>
+              <a:rPr lang="it-IT" sz="1200" dirty="0" err="1"/>
+              <a:t>walkBreak</a:t>
+            </a:r>
+            <a:endParaRPr lang="en-GB" sz="1200" dirty="0"/>
+          </a:p>
+        </p:txBody>
+      </p:sp>
+      <p:sp>
+        <p:nvSpPr>
+          <p:cNvPr id="93" name="Triangolo isoscele 92">
+            <a:extLst>
+              <a:ext uri="{FF2B5EF4-FFF2-40B4-BE49-F238E27FC236}">
+                <a16:creationId xmlns:a16="http://schemas.microsoft.com/office/drawing/2014/main" id="{5B4E522E-E3C8-42F0-AB03-C7ECFD0F8911}"/>
+              </a:ext>
+            </a:extLst>
+          </p:cNvPr>
+          <p:cNvSpPr/>
+          <p:nvPr/>
+        </p:nvSpPr>
+        <p:spPr>
+          <a:xfrm rot="5400000" flipH="1">
+            <a:off x="6654722" y="3609181"/>
+            <a:ext cx="62200" cy="98129"/>
+          </a:xfrm>
+          <a:prstGeom prst="triangle">
+            <a:avLst/>
+          </a:prstGeom>
+          <a:solidFill>
+            <a:schemeClr val="bg1"/>
+          </a:solidFill>
+          <a:ln/>
+        </p:spPr>
+        <p:style>
+          <a:lnRef idx="1">
+            <a:schemeClr val="accent5"/>
+          </a:lnRef>
+          <a:fillRef idx="2">
+            <a:schemeClr val="accent5"/>
+          </a:fillRef>
+          <a:effectRef idx="1">
+            <a:schemeClr val="accent5"/>
+          </a:effectRef>
+          <a:fontRef idx="minor">
+            <a:schemeClr val="dk1"/>
+          </a:fontRef>
+        </p:style>
+        <p:txBody>
+          <a:bodyPr rtlCol="0" anchor="ctr"/>
+          <a:lstStyle/>
+          <a:p>
+            <a:pPr algn="ctr"/>
+            <a:endParaRPr lang="en-GB" sz="1200"/>
+          </a:p>
+        </p:txBody>
+      </p:sp>
+      <p:cxnSp>
+        <p:nvCxnSpPr>
+          <p:cNvPr id="94" name="Connettore 1 25">
+            <a:extLst>
+              <a:ext uri="{FF2B5EF4-FFF2-40B4-BE49-F238E27FC236}">
+                <a16:creationId xmlns:a16="http://schemas.microsoft.com/office/drawing/2014/main" id="{3DF8708C-6517-4230-8C57-0A07AA2E5B66}"/>
+              </a:ext>
+            </a:extLst>
+          </p:cNvPr>
+          <p:cNvCxnSpPr>
+            <a:cxnSpLocks/>
+          </p:cNvCxnSpPr>
+          <p:nvPr/>
+        </p:nvCxnSpPr>
+        <p:spPr>
+          <a:xfrm>
+            <a:off x="5552372" y="3660529"/>
+            <a:ext cx="1017287" cy="0"/>
+          </a:xfrm>
+          <a:prstGeom prst="line">
+            <a:avLst/>
+          </a:prstGeom>
+        </p:spPr>
+        <p:style>
+          <a:lnRef idx="1">
+            <a:schemeClr val="accent1"/>
+          </a:lnRef>
+          <a:fillRef idx="0">
+            <a:schemeClr val="accent1"/>
+          </a:fillRef>
+          <a:effectRef idx="0">
+            <a:schemeClr val="accent1"/>
+          </a:effectRef>
+          <a:fontRef idx="minor">
+            <a:schemeClr val="tx1"/>
+          </a:fontRef>
+        </p:style>
+      </p:cxnSp>
+      <p:sp>
+        <p:nvSpPr>
+          <p:cNvPr id="95" name="CasellaDiTesto 94">
+            <a:extLst>
+              <a:ext uri="{FF2B5EF4-FFF2-40B4-BE49-F238E27FC236}">
+                <a16:creationId xmlns:a16="http://schemas.microsoft.com/office/drawing/2014/main" id="{4B1BD6C9-7448-4F38-A2FB-75693D5DA495}"/>
+              </a:ext>
+            </a:extLst>
+          </p:cNvPr>
+          <p:cNvSpPr txBox="1"/>
+          <p:nvPr/>
+        </p:nvSpPr>
+        <p:spPr>
+          <a:xfrm>
+            <a:off x="5646570" y="3272590"/>
+            <a:ext cx="1016207" cy="276999"/>
+          </a:xfrm>
+          <a:prstGeom prst="rect">
+            <a:avLst/>
+          </a:prstGeom>
+          <a:noFill/>
+        </p:spPr>
+        <p:txBody>
+          <a:bodyPr wrap="square" rtlCol="0">
+            <a:spAutoFit/>
+          </a:bodyPr>
+          <a:lstStyle/>
+          <a:p>
+            <a:r>
+              <a:rPr lang="it-IT" sz="1200" dirty="0" err="1"/>
+              <a:t>movetoCell</a:t>
+            </a:r>
+            <a:endParaRPr lang="en-GB" sz="1400" dirty="0"/>
+          </a:p>
+        </p:txBody>
+      </p:sp>
+      <p:sp>
+        <p:nvSpPr>
+          <p:cNvPr id="85" name="Triangolo isoscele 45">
+            <a:extLst>
+              <a:ext uri="{FF2B5EF4-FFF2-40B4-BE49-F238E27FC236}">
+                <a16:creationId xmlns:a16="http://schemas.microsoft.com/office/drawing/2014/main" id="{B5944D1C-F9E8-438D-B84C-DBFFE8EB7467}"/>
+              </a:ext>
+            </a:extLst>
+          </p:cNvPr>
+          <p:cNvSpPr/>
+          <p:nvPr/>
+        </p:nvSpPr>
+        <p:spPr>
+          <a:xfrm rot="5400000">
+            <a:off x="3663777" y="2719749"/>
+            <a:ext cx="718246" cy="616561"/>
+          </a:xfrm>
+          <a:prstGeom prst="triangle">
+            <a:avLst/>
+          </a:prstGeom>
+          <a:solidFill>
+            <a:srgbClr val="CCFF66"/>
+          </a:solidFill>
+          <a:ln/>
+        </p:spPr>
+        <p:style>
+          <a:lnRef idx="1">
+            <a:schemeClr val="accent5"/>
+          </a:lnRef>
+          <a:fillRef idx="2">
+            <a:schemeClr val="accent5"/>
+          </a:fillRef>
+          <a:effectRef idx="1">
+            <a:schemeClr val="accent5"/>
+          </a:effectRef>
+          <a:fontRef idx="minor">
+            <a:schemeClr val="dk1"/>
+          </a:fontRef>
+        </p:style>
+        <p:txBody>
+          <a:bodyPr rtlCol="0" anchor="ctr"/>
+          <a:lstStyle/>
+          <a:p>
+            <a:pPr algn="ctr"/>
+            <a:endParaRPr lang="en-GB" sz="1200"/>
+          </a:p>
+        </p:txBody>
+      </p:sp>
+      <p:sp>
+        <p:nvSpPr>
+          <p:cNvPr id="89" name="Ovale 38">
+            <a:extLst>
+              <a:ext uri="{FF2B5EF4-FFF2-40B4-BE49-F238E27FC236}">
+                <a16:creationId xmlns:a16="http://schemas.microsoft.com/office/drawing/2014/main" id="{BF2B9B48-07BF-4CBA-987C-B1DA88478361}"/>
+              </a:ext>
+            </a:extLst>
+          </p:cNvPr>
+          <p:cNvSpPr/>
+          <p:nvPr/>
+        </p:nvSpPr>
+        <p:spPr>
+          <a:xfrm>
+            <a:off x="3193173" y="2584349"/>
+            <a:ext cx="859467" cy="838179"/>
+          </a:xfrm>
+          <a:prstGeom prst="ellipse">
+            <a:avLst/>
+          </a:prstGeom>
+          <a:solidFill>
+            <a:srgbClr val="FFCCFF"/>
+          </a:solidFill>
+          <a:ln/>
+        </p:spPr>
+        <p:style>
+          <a:lnRef idx="1">
+            <a:schemeClr val="accent5"/>
+          </a:lnRef>
+          <a:fillRef idx="2">
+            <a:schemeClr val="accent5"/>
+          </a:fillRef>
+          <a:effectRef idx="1">
+            <a:schemeClr val="accent5"/>
+          </a:effectRef>
+          <a:fontRef idx="minor">
+            <a:schemeClr val="dk1"/>
+          </a:fontRef>
+        </p:style>
+        <p:txBody>
+          <a:bodyPr rtlCol="0" anchor="ctr"/>
+          <a:lstStyle/>
+          <a:p>
+            <a:pPr algn="ctr"/>
+            <a:r>
+              <a:rPr lang="en-GB" sz="1200" dirty="0"/>
+              <a:t> </a:t>
+            </a:r>
+          </a:p>
+        </p:txBody>
+      </p:sp>
+      <p:sp>
+        <p:nvSpPr>
+          <p:cNvPr id="96" name="Triangolo isoscele 42">
+            <a:extLst>
+              <a:ext uri="{FF2B5EF4-FFF2-40B4-BE49-F238E27FC236}">
+                <a16:creationId xmlns:a16="http://schemas.microsoft.com/office/drawing/2014/main" id="{E6DAC3D9-EE5D-4A9D-A844-5EA6AD777F07}"/>
+              </a:ext>
+            </a:extLst>
+          </p:cNvPr>
+          <p:cNvSpPr/>
+          <p:nvPr/>
+        </p:nvSpPr>
+        <p:spPr>
+          <a:xfrm rot="16200000">
+            <a:off x="3599675" y="2499758"/>
+            <a:ext cx="100610" cy="159651"/>
+          </a:xfrm>
+          <a:prstGeom prst="triangle">
+            <a:avLst/>
+          </a:prstGeom>
+          <a:solidFill>
+            <a:srgbClr val="FF0000"/>
+          </a:solidFill>
+          <a:ln/>
+        </p:spPr>
+        <p:style>
+          <a:lnRef idx="1">
+            <a:schemeClr val="accent5"/>
+          </a:lnRef>
+          <a:fillRef idx="2">
+            <a:schemeClr val="accent5"/>
+          </a:fillRef>
+          <a:effectRef idx="1">
+            <a:schemeClr val="accent5"/>
+          </a:effectRef>
+          <a:fontRef idx="minor">
+            <a:schemeClr val="dk1"/>
+          </a:fontRef>
+        </p:style>
+        <p:txBody>
+          <a:bodyPr rtlCol="0" anchor="ctr"/>
+          <a:lstStyle/>
+          <a:p>
+            <a:pPr algn="ctr"/>
+            <a:endParaRPr lang="en-GB" sz="1200"/>
+          </a:p>
+        </p:txBody>
+      </p:sp>
+      <p:sp>
+        <p:nvSpPr>
+          <p:cNvPr id="102" name="Rettangolo 39">
+            <a:extLst>
+              <a:ext uri="{FF2B5EF4-FFF2-40B4-BE49-F238E27FC236}">
+                <a16:creationId xmlns:a16="http://schemas.microsoft.com/office/drawing/2014/main" id="{2701851A-BE65-4B0E-99A5-58BD3963FA61}"/>
+              </a:ext>
+            </a:extLst>
+          </p:cNvPr>
+          <p:cNvSpPr/>
+          <p:nvPr/>
+        </p:nvSpPr>
+        <p:spPr>
+          <a:xfrm>
+            <a:off x="3028070" y="2885946"/>
+            <a:ext cx="322630" cy="246714"/>
+          </a:xfrm>
+          <a:prstGeom prst="rect">
+            <a:avLst/>
+          </a:prstGeom>
+          <a:solidFill>
+            <a:srgbClr val="FFCCFF"/>
+          </a:solidFill>
+          <a:ln/>
+        </p:spPr>
+        <p:style>
+          <a:lnRef idx="1">
+            <a:schemeClr val="accent5"/>
+          </a:lnRef>
+          <a:fillRef idx="2">
+            <a:schemeClr val="accent5"/>
+          </a:fillRef>
+          <a:effectRef idx="1">
+            <a:schemeClr val="accent5"/>
+          </a:effectRef>
+          <a:fontRef idx="minor">
+            <a:schemeClr val="dk1"/>
+          </a:fontRef>
+        </p:style>
+        <p:txBody>
+          <a:bodyPr rtlCol="0" anchor="ctr"/>
+          <a:lstStyle/>
+          <a:p>
+            <a:pPr algn="ctr"/>
+            <a:endParaRPr lang="en-GB" sz="1200" dirty="0"/>
+          </a:p>
+        </p:txBody>
+      </p:sp>
+      <p:sp>
+        <p:nvSpPr>
+          <p:cNvPr id="97" name="Rettangolo 47">
+            <a:extLst>
+              <a:ext uri="{FF2B5EF4-FFF2-40B4-BE49-F238E27FC236}">
+                <a16:creationId xmlns:a16="http://schemas.microsoft.com/office/drawing/2014/main" id="{C9663FF6-CC9C-4ADF-8EF4-F7120BD85A53}"/>
+              </a:ext>
+            </a:extLst>
+          </p:cNvPr>
+          <p:cNvSpPr/>
+          <p:nvPr/>
+        </p:nvSpPr>
+        <p:spPr>
+          <a:xfrm>
+            <a:off x="2967668" y="2920029"/>
+            <a:ext cx="1552435" cy="276999"/>
+          </a:xfrm>
+          <a:prstGeom prst="rect">
+            <a:avLst/>
+          </a:prstGeom>
+        </p:spPr>
+        <p:txBody>
+          <a:bodyPr wrap="square">
+            <a:spAutoFit/>
+          </a:bodyPr>
+          <a:lstStyle/>
+          <a:p>
+            <a:r>
+              <a:rPr lang="en-GB" sz="1200" dirty="0" err="1"/>
+              <a:t>maxstaytimeobserver</a:t>
+            </a:r>
+            <a:endParaRPr lang="en-GB" dirty="0"/>
+          </a:p>
+        </p:txBody>
+      </p:sp>
+      <p:grpSp>
+        <p:nvGrpSpPr>
+          <p:cNvPr id="107" name="Gruppo 44">
+            <a:extLst>
+              <a:ext uri="{FF2B5EF4-FFF2-40B4-BE49-F238E27FC236}">
+                <a16:creationId xmlns:a16="http://schemas.microsoft.com/office/drawing/2014/main" id="{75BF0793-AA53-467A-B03B-8B16F39834B1}"/>
+              </a:ext>
+            </a:extLst>
+          </p:cNvPr>
+          <p:cNvGrpSpPr/>
+          <p:nvPr/>
+        </p:nvGrpSpPr>
+        <p:grpSpPr>
+          <a:xfrm>
+            <a:off x="6780410" y="4911276"/>
+            <a:ext cx="822885" cy="612764"/>
+            <a:chOff x="2460217" y="2003999"/>
+            <a:chExt cx="1696868" cy="1234660"/>
+          </a:xfrm>
+        </p:grpSpPr>
+        <p:sp>
+          <p:nvSpPr>
+            <p:cNvPr id="108" name="Triangolo isoscele 45">
+              <a:extLst>
+                <a:ext uri="{FF2B5EF4-FFF2-40B4-BE49-F238E27FC236}">
+                  <a16:creationId xmlns:a16="http://schemas.microsoft.com/office/drawing/2014/main" id="{26D2E880-0E0D-40F2-8D0E-251832CF035E}"/>
+                </a:ext>
+              </a:extLst>
+            </p:cNvPr>
+            <p:cNvSpPr/>
+            <p:nvPr/>
+          </p:nvSpPr>
+          <p:spPr>
+            <a:xfrm rot="5400000">
+              <a:off x="3220533" y="2242778"/>
+              <a:ext cx="998086" cy="875019"/>
+            </a:xfrm>
+            <a:prstGeom prst="triangle">
+              <a:avLst/>
+            </a:prstGeom>
+            <a:solidFill>
+              <a:srgbClr val="CCFF66"/>
+            </a:solidFill>
+            <a:ln/>
+          </p:spPr>
+          <p:style>
+            <a:lnRef idx="1">
+              <a:schemeClr val="accent5"/>
+            </a:lnRef>
+            <a:fillRef idx="2">
+              <a:schemeClr val="accent5"/>
+            </a:fillRef>
+            <a:effectRef idx="1">
+              <a:schemeClr val="accent5"/>
+            </a:effectRef>
+            <a:fontRef idx="minor">
+              <a:schemeClr val="dk1"/>
+            </a:fontRef>
+          </p:style>
+          <p:txBody>
+            <a:bodyPr rtlCol="0" anchor="ctr"/>
+            <a:lstStyle/>
+            <a:p>
+              <a:pPr algn="ctr"/>
+              <a:endParaRPr lang="en-GB" sz="1200"/>
+            </a:p>
+          </p:txBody>
+        </p:sp>
+        <p:grpSp>
+          <p:nvGrpSpPr>
+            <p:cNvPr id="109" name="Gruppo 82">
+              <a:extLst>
+                <a:ext uri="{FF2B5EF4-FFF2-40B4-BE49-F238E27FC236}">
+                  <a16:creationId xmlns:a16="http://schemas.microsoft.com/office/drawing/2014/main" id="{29DE6E77-ED68-4F1C-A5DC-00295C8F09B4}"/>
+                </a:ext>
+              </a:extLst>
+            </p:cNvPr>
+            <p:cNvGrpSpPr/>
+            <p:nvPr/>
+          </p:nvGrpSpPr>
+          <p:grpSpPr>
+            <a:xfrm>
+              <a:off x="2460217" y="2003999"/>
+              <a:ext cx="1409186" cy="1234660"/>
+              <a:chOff x="1194666" y="2417771"/>
+              <a:chExt cx="866158" cy="763301"/>
+            </a:xfrm>
+          </p:grpSpPr>
+          <p:sp>
+            <p:nvSpPr>
+              <p:cNvPr id="111" name="Ovale 38">
+                <a:extLst>
+                  <a:ext uri="{FF2B5EF4-FFF2-40B4-BE49-F238E27FC236}">
+                    <a16:creationId xmlns:a16="http://schemas.microsoft.com/office/drawing/2014/main" id="{417FC44D-596B-4AE4-A8E5-4DAFF5877C0E}"/>
+                  </a:ext>
+                </a:extLst>
+              </p:cNvPr>
+              <p:cNvSpPr/>
+              <p:nvPr/>
+            </p:nvSpPr>
+            <p:spPr>
+              <a:xfrm>
+                <a:off x="1311104" y="2460992"/>
+                <a:ext cx="749720" cy="720080"/>
+              </a:xfrm>
+              <a:prstGeom prst="ellipse">
+                <a:avLst/>
+              </a:prstGeom>
+              <a:solidFill>
+                <a:srgbClr val="FFCCFF"/>
+              </a:solidFill>
+              <a:ln/>
+            </p:spPr>
+            <p:style>
+              <a:lnRef idx="1">
+                <a:schemeClr val="accent5"/>
+              </a:lnRef>
+              <a:fillRef idx="2">
+                <a:schemeClr val="accent5"/>
+              </a:fillRef>
+              <a:effectRef idx="1">
+                <a:schemeClr val="accent5"/>
+              </a:effectRef>
+              <a:fontRef idx="minor">
+                <a:schemeClr val="dk1"/>
+              </a:fontRef>
+            </p:style>
+            <p:txBody>
+              <a:bodyPr rtlCol="0" anchor="ctr"/>
+              <a:lstStyle/>
+              <a:p>
+                <a:pPr algn="ctr"/>
+                <a:r>
+                  <a:rPr lang="en-GB" sz="1200" dirty="0"/>
+                  <a:t> </a:t>
+                </a:r>
+              </a:p>
+            </p:txBody>
+          </p:sp>
+          <p:sp>
+            <p:nvSpPr>
+              <p:cNvPr id="112" name="Rettangolo 39">
+                <a:extLst>
+                  <a:ext uri="{FF2B5EF4-FFF2-40B4-BE49-F238E27FC236}">
+                    <a16:creationId xmlns:a16="http://schemas.microsoft.com/office/drawing/2014/main" id="{99491EF7-FD3B-4295-BB32-13FC647DA8DA}"/>
+                  </a:ext>
+                </a:extLst>
+              </p:cNvPr>
+              <p:cNvSpPr/>
+              <p:nvPr/>
+            </p:nvSpPr>
+            <p:spPr>
+              <a:xfrm>
+                <a:off x="1194666" y="2699713"/>
+                <a:ext cx="281432" cy="211953"/>
+              </a:xfrm>
+              <a:prstGeom prst="rect">
+                <a:avLst/>
+              </a:prstGeom>
+              <a:solidFill>
+                <a:srgbClr val="FFCCFF"/>
+              </a:solidFill>
+              <a:ln/>
+            </p:spPr>
+            <p:style>
+              <a:lnRef idx="1">
+                <a:schemeClr val="accent5"/>
+              </a:lnRef>
+              <a:fillRef idx="2">
+                <a:schemeClr val="accent5"/>
+              </a:fillRef>
+              <a:effectRef idx="1">
+                <a:schemeClr val="accent5"/>
+              </a:effectRef>
+              <a:fontRef idx="minor">
+                <a:schemeClr val="dk1"/>
+              </a:fontRef>
+            </p:style>
+            <p:txBody>
+              <a:bodyPr rtlCol="0" anchor="ctr"/>
+              <a:lstStyle/>
+              <a:p>
+                <a:pPr algn="ctr"/>
+                <a:endParaRPr lang="en-GB" sz="1200" dirty="0"/>
+              </a:p>
+            </p:txBody>
+          </p:sp>
+          <p:sp>
+            <p:nvSpPr>
+              <p:cNvPr id="113" name="Triangolo isoscele 42">
+                <a:extLst>
+                  <a:ext uri="{FF2B5EF4-FFF2-40B4-BE49-F238E27FC236}">
+                    <a16:creationId xmlns:a16="http://schemas.microsoft.com/office/drawing/2014/main" id="{CA29B95D-B16C-4043-B247-5660D130CF01}"/>
+                  </a:ext>
+                </a:extLst>
+              </p:cNvPr>
+              <p:cNvSpPr/>
+              <p:nvPr/>
+            </p:nvSpPr>
+            <p:spPr>
+              <a:xfrm rot="16200000">
+                <a:off x="1618539" y="2391356"/>
+                <a:ext cx="86434" cy="139263"/>
+              </a:xfrm>
+              <a:prstGeom prst="triangle">
+                <a:avLst/>
+              </a:prstGeom>
+              <a:solidFill>
+                <a:srgbClr val="FF0000"/>
+              </a:solidFill>
+              <a:ln/>
+            </p:spPr>
+            <p:style>
+              <a:lnRef idx="1">
+                <a:schemeClr val="accent5"/>
+              </a:lnRef>
+              <a:fillRef idx="2">
+                <a:schemeClr val="accent5"/>
+              </a:fillRef>
+              <a:effectRef idx="1">
+                <a:schemeClr val="accent5"/>
+              </a:effectRef>
+              <a:fontRef idx="minor">
+                <a:schemeClr val="dk1"/>
+              </a:fontRef>
+            </p:style>
+            <p:txBody>
+              <a:bodyPr rtlCol="0" anchor="ctr"/>
+              <a:lstStyle/>
+              <a:p>
+                <a:pPr algn="ctr"/>
+                <a:endParaRPr lang="en-GB" sz="1200"/>
+              </a:p>
+            </p:txBody>
+          </p:sp>
+        </p:grpSp>
+        <p:sp>
+          <p:nvSpPr>
+            <p:cNvPr id="110" name="Rettangolo 47">
+              <a:extLst>
+                <a:ext uri="{FF2B5EF4-FFF2-40B4-BE49-F238E27FC236}">
+                  <a16:creationId xmlns:a16="http://schemas.microsoft.com/office/drawing/2014/main" id="{C8295B95-3D0D-403C-ADF8-02768B15B496}"/>
+                </a:ext>
+              </a:extLst>
+            </p:cNvPr>
+            <p:cNvSpPr/>
+            <p:nvPr/>
+          </p:nvSpPr>
+          <p:spPr>
+            <a:xfrm>
+              <a:off x="2637815" y="2346811"/>
+              <a:ext cx="1379074" cy="558126"/>
+            </a:xfrm>
+            <a:prstGeom prst="rect">
+              <a:avLst/>
+            </a:prstGeom>
+          </p:spPr>
+          <p:txBody>
+            <a:bodyPr wrap="none">
+              <a:spAutoFit/>
+            </a:bodyPr>
+            <a:lstStyle/>
+            <a:p>
+              <a:r>
+                <a:rPr lang="en-GB" sz="1200" dirty="0"/>
+                <a:t>barman</a:t>
+              </a:r>
+              <a:endParaRPr lang="en-GB" dirty="0"/>
+            </a:p>
+          </p:txBody>
+        </p:sp>
+      </p:grpSp>
+      <p:grpSp>
+        <p:nvGrpSpPr>
+          <p:cNvPr id="117" name="Gruppo 44">
+            <a:extLst>
+              <a:ext uri="{FF2B5EF4-FFF2-40B4-BE49-F238E27FC236}">
+                <a16:creationId xmlns:a16="http://schemas.microsoft.com/office/drawing/2014/main" id="{6E7219EA-046B-473C-88A7-7141992E80D4}"/>
+              </a:ext>
+            </a:extLst>
+          </p:cNvPr>
+          <p:cNvGrpSpPr/>
+          <p:nvPr/>
+        </p:nvGrpSpPr>
+        <p:grpSpPr>
+          <a:xfrm>
+            <a:off x="5664682" y="4907019"/>
+            <a:ext cx="854716" cy="620955"/>
+            <a:chOff x="2460217" y="2003998"/>
+            <a:chExt cx="1894030" cy="1234658"/>
+          </a:xfrm>
+        </p:grpSpPr>
+        <p:sp>
+          <p:nvSpPr>
+            <p:cNvPr id="118" name="Triangolo isoscele 45">
+              <a:extLst>
+                <a:ext uri="{FF2B5EF4-FFF2-40B4-BE49-F238E27FC236}">
+                  <a16:creationId xmlns:a16="http://schemas.microsoft.com/office/drawing/2014/main" id="{AC5C3AB4-4ED0-4C8F-BA13-C258DF99138F}"/>
+                </a:ext>
+              </a:extLst>
+            </p:cNvPr>
+            <p:cNvSpPr/>
+            <p:nvPr/>
+          </p:nvSpPr>
+          <p:spPr>
+            <a:xfrm rot="5400000">
+              <a:off x="3220533" y="2242778"/>
+              <a:ext cx="998086" cy="875019"/>
+            </a:xfrm>
+            <a:prstGeom prst="triangle">
+              <a:avLst/>
+            </a:prstGeom>
+            <a:solidFill>
+              <a:srgbClr val="CCFF66"/>
+            </a:solidFill>
+            <a:ln/>
+          </p:spPr>
+          <p:style>
+            <a:lnRef idx="1">
+              <a:schemeClr val="accent5"/>
+            </a:lnRef>
+            <a:fillRef idx="2">
+              <a:schemeClr val="accent5"/>
+            </a:fillRef>
+            <a:effectRef idx="1">
+              <a:schemeClr val="accent5"/>
+            </a:effectRef>
+            <a:fontRef idx="minor">
+              <a:schemeClr val="dk1"/>
+            </a:fontRef>
+          </p:style>
+          <p:txBody>
+            <a:bodyPr rtlCol="0" anchor="ctr"/>
+            <a:lstStyle/>
+            <a:p>
+              <a:pPr algn="ctr"/>
+              <a:endParaRPr lang="en-GB" sz="1200"/>
+            </a:p>
+          </p:txBody>
+        </p:sp>
+        <p:grpSp>
+          <p:nvGrpSpPr>
+            <p:cNvPr id="119" name="Gruppo 82">
+              <a:extLst>
+                <a:ext uri="{FF2B5EF4-FFF2-40B4-BE49-F238E27FC236}">
+                  <a16:creationId xmlns:a16="http://schemas.microsoft.com/office/drawing/2014/main" id="{EC47C023-E226-47D4-9DA9-9167C3B6427C}"/>
+                </a:ext>
+              </a:extLst>
+            </p:cNvPr>
+            <p:cNvGrpSpPr/>
+            <p:nvPr/>
+          </p:nvGrpSpPr>
+          <p:grpSpPr>
+            <a:xfrm>
+              <a:off x="2460217" y="2003998"/>
+              <a:ext cx="1409186" cy="1234658"/>
+              <a:chOff x="1194666" y="2417771"/>
+              <a:chExt cx="866158" cy="763300"/>
+            </a:xfrm>
+          </p:grpSpPr>
+          <p:sp>
+            <p:nvSpPr>
+              <p:cNvPr id="121" name="Ovale 38">
+                <a:extLst>
+                  <a:ext uri="{FF2B5EF4-FFF2-40B4-BE49-F238E27FC236}">
+                    <a16:creationId xmlns:a16="http://schemas.microsoft.com/office/drawing/2014/main" id="{BCEEC209-F8AA-43A8-9BFB-4B5285EDF44C}"/>
+                  </a:ext>
+                </a:extLst>
+              </p:cNvPr>
+              <p:cNvSpPr/>
+              <p:nvPr/>
+            </p:nvSpPr>
+            <p:spPr>
+              <a:xfrm>
+                <a:off x="1311105" y="2460991"/>
+                <a:ext cx="749719" cy="720080"/>
+              </a:xfrm>
+              <a:prstGeom prst="ellipse">
+                <a:avLst/>
+              </a:prstGeom>
+              <a:solidFill>
+                <a:srgbClr val="FFCCFF"/>
+              </a:solidFill>
+              <a:ln/>
+            </p:spPr>
+            <p:style>
+              <a:lnRef idx="1">
+                <a:schemeClr val="accent5"/>
+              </a:lnRef>
+              <a:fillRef idx="2">
+                <a:schemeClr val="accent5"/>
+              </a:fillRef>
+              <a:effectRef idx="1">
+                <a:schemeClr val="accent5"/>
+              </a:effectRef>
+              <a:fontRef idx="minor">
+                <a:schemeClr val="dk1"/>
+              </a:fontRef>
+            </p:style>
+            <p:txBody>
+              <a:bodyPr rtlCol="0" anchor="ctr"/>
+              <a:lstStyle/>
+              <a:p>
+                <a:pPr algn="ctr"/>
+                <a:r>
+                  <a:rPr lang="en-GB" sz="1200" dirty="0"/>
+                  <a:t> </a:t>
+                </a:r>
+              </a:p>
+            </p:txBody>
+          </p:sp>
+          <p:sp>
+            <p:nvSpPr>
+              <p:cNvPr id="122" name="Rettangolo 39">
+                <a:extLst>
+                  <a:ext uri="{FF2B5EF4-FFF2-40B4-BE49-F238E27FC236}">
+                    <a16:creationId xmlns:a16="http://schemas.microsoft.com/office/drawing/2014/main" id="{3B589A14-9513-42A3-8804-DCCBA9BB838F}"/>
+                  </a:ext>
+                </a:extLst>
+              </p:cNvPr>
+              <p:cNvSpPr/>
+              <p:nvPr/>
+            </p:nvSpPr>
+            <p:spPr>
+              <a:xfrm>
+                <a:off x="1194666" y="2699713"/>
+                <a:ext cx="281432" cy="211953"/>
+              </a:xfrm>
+              <a:prstGeom prst="rect">
+                <a:avLst/>
+              </a:prstGeom>
+              <a:solidFill>
+                <a:srgbClr val="FFCCFF"/>
+              </a:solidFill>
+              <a:ln/>
+            </p:spPr>
+            <p:style>
+              <a:lnRef idx="1">
+                <a:schemeClr val="accent5"/>
+              </a:lnRef>
+              <a:fillRef idx="2">
+                <a:schemeClr val="accent5"/>
+              </a:fillRef>
+              <a:effectRef idx="1">
+                <a:schemeClr val="accent5"/>
+              </a:effectRef>
+              <a:fontRef idx="minor">
+                <a:schemeClr val="dk1"/>
+              </a:fontRef>
+            </p:style>
+            <p:txBody>
+              <a:bodyPr rtlCol="0" anchor="ctr"/>
+              <a:lstStyle/>
+              <a:p>
+                <a:pPr algn="ctr"/>
+                <a:endParaRPr lang="en-GB" sz="1200" dirty="0"/>
+              </a:p>
+            </p:txBody>
+          </p:sp>
+          <p:sp>
+            <p:nvSpPr>
+              <p:cNvPr id="123" name="Triangolo isoscele 42">
+                <a:extLst>
+                  <a:ext uri="{FF2B5EF4-FFF2-40B4-BE49-F238E27FC236}">
+                    <a16:creationId xmlns:a16="http://schemas.microsoft.com/office/drawing/2014/main" id="{B4FC77BC-4649-4FB7-A8EC-636507567CBE}"/>
+                  </a:ext>
+                </a:extLst>
+              </p:cNvPr>
+              <p:cNvSpPr/>
+              <p:nvPr/>
+            </p:nvSpPr>
+            <p:spPr>
+              <a:xfrm rot="16200000">
+                <a:off x="1618539" y="2391356"/>
+                <a:ext cx="86434" cy="139263"/>
+              </a:xfrm>
+              <a:prstGeom prst="triangle">
+                <a:avLst/>
+              </a:prstGeom>
+              <a:solidFill>
+                <a:srgbClr val="FF0000"/>
+              </a:solidFill>
+              <a:ln/>
+            </p:spPr>
+            <p:style>
+              <a:lnRef idx="1">
+                <a:schemeClr val="accent5"/>
+              </a:lnRef>
+              <a:fillRef idx="2">
+                <a:schemeClr val="accent5"/>
+              </a:fillRef>
+              <a:effectRef idx="1">
+                <a:schemeClr val="accent5"/>
+              </a:effectRef>
+              <a:fontRef idx="minor">
+                <a:schemeClr val="dk1"/>
+              </a:fontRef>
+            </p:style>
+            <p:txBody>
+              <a:bodyPr rtlCol="0" anchor="ctr"/>
+              <a:lstStyle/>
+              <a:p>
+                <a:pPr algn="ctr"/>
+                <a:endParaRPr lang="en-GB" sz="1200"/>
+              </a:p>
+            </p:txBody>
+          </p:sp>
+        </p:grpSp>
+        <p:sp>
+          <p:nvSpPr>
+            <p:cNvPr id="120" name="Rettangolo 47">
+              <a:extLst>
+                <a:ext uri="{FF2B5EF4-FFF2-40B4-BE49-F238E27FC236}">
+                  <a16:creationId xmlns:a16="http://schemas.microsoft.com/office/drawing/2014/main" id="{C328E3B7-973D-4BE0-90B1-78423FDEA414}"/>
+                </a:ext>
+              </a:extLst>
+            </p:cNvPr>
+            <p:cNvSpPr/>
+            <p:nvPr/>
+          </p:nvSpPr>
+          <p:spPr>
+            <a:xfrm>
+              <a:off x="2637816" y="2346810"/>
+              <a:ext cx="1716431" cy="550763"/>
+            </a:xfrm>
+            <a:prstGeom prst="rect">
+              <a:avLst/>
+            </a:prstGeom>
+          </p:spPr>
+          <p:txBody>
+            <a:bodyPr wrap="none">
+              <a:spAutoFit/>
+            </a:bodyPr>
+            <a:lstStyle/>
+            <a:p>
+              <a:r>
+                <a:rPr lang="en-GB" sz="1200" dirty="0" err="1"/>
+                <a:t>smartbell</a:t>
+              </a:r>
+              <a:endParaRPr lang="en-GB" dirty="0"/>
+            </a:p>
+          </p:txBody>
+        </p:sp>
+      </p:grpSp>
+      <p:sp>
+        <p:nvSpPr>
+          <p:cNvPr id="53" name="Rettangolo con angoli arrotondati 52">
+            <a:extLst>
+              <a:ext uri="{FF2B5EF4-FFF2-40B4-BE49-F238E27FC236}">
+                <a16:creationId xmlns:a16="http://schemas.microsoft.com/office/drawing/2014/main" id="{06DB4108-105A-46C9-BC35-9B93062557E6}"/>
+              </a:ext>
+            </a:extLst>
+          </p:cNvPr>
+          <p:cNvSpPr/>
+          <p:nvPr/>
+        </p:nvSpPr>
+        <p:spPr>
+          <a:xfrm>
+            <a:off x="8590492" y="2248899"/>
+            <a:ext cx="3456694" cy="3592608"/>
+          </a:xfrm>
+          <a:prstGeom prst="roundRect">
+            <a:avLst/>
+          </a:prstGeom>
+          <a:noFill/>
+        </p:spPr>
+        <p:style>
+          <a:lnRef idx="2">
+            <a:schemeClr val="accent1"/>
+          </a:lnRef>
+          <a:fillRef idx="1">
+            <a:schemeClr val="lt1"/>
+          </a:fillRef>
+          <a:effectRef idx="0">
+            <a:schemeClr val="accent1"/>
+          </a:effectRef>
+          <a:fontRef idx="minor">
+            <a:schemeClr val="dk1"/>
+          </a:fontRef>
+        </p:style>
+        <p:txBody>
+          <a:bodyPr rtlCol="0" anchor="ctr"/>
+          <a:lstStyle/>
+          <a:p>
+            <a:pPr algn="ctr"/>
+            <a:endParaRPr lang="it-IT"/>
+          </a:p>
+        </p:txBody>
+      </p:sp>
+      <p:sp>
+        <p:nvSpPr>
+          <p:cNvPr id="124" name="Rettangolo con angoli arrotondati 123">
+            <a:extLst>
+              <a:ext uri="{FF2B5EF4-FFF2-40B4-BE49-F238E27FC236}">
+                <a16:creationId xmlns:a16="http://schemas.microsoft.com/office/drawing/2014/main" id="{9A28C027-274B-43EA-98E9-0571E953BF7C}"/>
+              </a:ext>
+            </a:extLst>
+          </p:cNvPr>
+          <p:cNvSpPr/>
+          <p:nvPr/>
+        </p:nvSpPr>
+        <p:spPr>
+          <a:xfrm>
+            <a:off x="2831982" y="1864512"/>
+            <a:ext cx="5321733" cy="4280257"/>
+          </a:xfrm>
+          <a:prstGeom prst="roundRect">
+            <a:avLst/>
+          </a:prstGeom>
+          <a:noFill/>
+        </p:spPr>
+        <p:style>
+          <a:lnRef idx="2">
+            <a:schemeClr val="accent1"/>
+          </a:lnRef>
+          <a:fillRef idx="1">
+            <a:schemeClr val="lt1"/>
+          </a:fillRef>
+          <a:effectRef idx="0">
+            <a:schemeClr val="accent1"/>
+          </a:effectRef>
+          <a:fontRef idx="minor">
+            <a:schemeClr val="dk1"/>
+          </a:fontRef>
+        </p:style>
+        <p:txBody>
+          <a:bodyPr rtlCol="0" anchor="ctr"/>
+          <a:lstStyle/>
+          <a:p>
+            <a:pPr algn="ctr"/>
+            <a:endParaRPr lang="it-IT"/>
+          </a:p>
+        </p:txBody>
+      </p:sp>
+      <p:sp>
+        <p:nvSpPr>
+          <p:cNvPr id="131" name="Figura a mano libera 27">
+            <a:extLst>
+              <a:ext uri="{FF2B5EF4-FFF2-40B4-BE49-F238E27FC236}">
+                <a16:creationId xmlns:a16="http://schemas.microsoft.com/office/drawing/2014/main" id="{DB5C9BE6-C8A2-4320-8B0C-3156B3F0743B}"/>
+              </a:ext>
+            </a:extLst>
+          </p:cNvPr>
+          <p:cNvSpPr/>
+          <p:nvPr/>
+        </p:nvSpPr>
+        <p:spPr>
+          <a:xfrm rot="7748347" flipH="1">
+            <a:off x="4870125" y="3327423"/>
+            <a:ext cx="446265" cy="173749"/>
+          </a:xfrm>
+          <a:custGeom>
+            <a:avLst/>
+            <a:gdLst>
+              <a:gd name="connsiteX0" fmla="*/ 0 w 342900"/>
+              <a:gd name="connsiteY0" fmla="*/ 142875 h 238125"/>
+              <a:gd name="connsiteX1" fmla="*/ 28575 w 342900"/>
+              <a:gd name="connsiteY1" fmla="*/ 38100 h 238125"/>
+              <a:gd name="connsiteX2" fmla="*/ 47625 w 342900"/>
+              <a:gd name="connsiteY2" fmla="*/ 9525 h 238125"/>
+              <a:gd name="connsiteX3" fmla="*/ 76200 w 342900"/>
+              <a:gd name="connsiteY3" fmla="*/ 0 h 238125"/>
+              <a:gd name="connsiteX4" fmla="*/ 104775 w 342900"/>
+              <a:gd name="connsiteY4" fmla="*/ 9525 h 238125"/>
+              <a:gd name="connsiteX5" fmla="*/ 142875 w 342900"/>
+              <a:gd name="connsiteY5" fmla="*/ 95250 h 238125"/>
+              <a:gd name="connsiteX6" fmla="*/ 161925 w 342900"/>
+              <a:gd name="connsiteY6" fmla="*/ 152400 h 238125"/>
+              <a:gd name="connsiteX7" fmla="*/ 171450 w 342900"/>
+              <a:gd name="connsiteY7" fmla="*/ 180975 h 238125"/>
+              <a:gd name="connsiteX8" fmla="*/ 209550 w 342900"/>
+              <a:gd name="connsiteY8" fmla="*/ 238125 h 238125"/>
+              <a:gd name="connsiteX9" fmla="*/ 238125 w 342900"/>
+              <a:gd name="connsiteY9" fmla="*/ 180975 h 238125"/>
+              <a:gd name="connsiteX10" fmla="*/ 266700 w 342900"/>
+              <a:gd name="connsiteY10" fmla="*/ 104775 h 238125"/>
+              <a:gd name="connsiteX11" fmla="*/ 342900 w 342900"/>
+              <a:gd name="connsiteY11" fmla="*/ 85725 h 238125"/>
+            </a:gdLst>
+            <a:ahLst/>
+            <a:cxnLst>
+              <a:cxn ang="0">
+                <a:pos x="connsiteX0" y="connsiteY0"/>
+              </a:cxn>
+              <a:cxn ang="0">
+                <a:pos x="connsiteX1" y="connsiteY1"/>
+              </a:cxn>
+              <a:cxn ang="0">
+                <a:pos x="connsiteX2" y="connsiteY2"/>
+              </a:cxn>
+              <a:cxn ang="0">
+                <a:pos x="connsiteX3" y="connsiteY3"/>
+              </a:cxn>
+              <a:cxn ang="0">
+                <a:pos x="connsiteX4" y="connsiteY4"/>
+              </a:cxn>
+              <a:cxn ang="0">
+                <a:pos x="connsiteX5" y="connsiteY5"/>
+              </a:cxn>
+              <a:cxn ang="0">
+                <a:pos x="connsiteX6" y="connsiteY6"/>
+              </a:cxn>
+              <a:cxn ang="0">
+                <a:pos x="connsiteX7" y="connsiteY7"/>
+              </a:cxn>
+              <a:cxn ang="0">
+                <a:pos x="connsiteX8" y="connsiteY8"/>
+              </a:cxn>
+              <a:cxn ang="0">
+                <a:pos x="connsiteX9" y="connsiteY9"/>
+              </a:cxn>
+              <a:cxn ang="0">
+                <a:pos x="connsiteX10" y="connsiteY10"/>
+              </a:cxn>
+              <a:cxn ang="0">
+                <a:pos x="connsiteX11" y="connsiteY11"/>
+              </a:cxn>
+            </a:cxnLst>
+            <a:rect l="l" t="t" r="r" b="b"/>
+            <a:pathLst>
+              <a:path w="342900" h="238125">
+                <a:moveTo>
+                  <a:pt x="0" y="142875"/>
+                </a:moveTo>
+                <a:cubicBezTo>
+                  <a:pt x="5112" y="117315"/>
+                  <a:pt x="14764" y="58817"/>
+                  <a:pt x="28575" y="38100"/>
+                </a:cubicBezTo>
+                <a:cubicBezTo>
+                  <a:pt x="34925" y="28575"/>
+                  <a:pt x="38686" y="16676"/>
+                  <a:pt x="47625" y="9525"/>
+                </a:cubicBezTo>
+                <a:cubicBezTo>
+                  <a:pt x="55465" y="3253"/>
+                  <a:pt x="66675" y="3175"/>
+                  <a:pt x="76200" y="0"/>
+                </a:cubicBezTo>
+                <a:cubicBezTo>
+                  <a:pt x="85725" y="3175"/>
+                  <a:pt x="96935" y="3253"/>
+                  <a:pt x="104775" y="9525"/>
+                </a:cubicBezTo>
+                <a:cubicBezTo>
+                  <a:pt x="125358" y="25992"/>
+                  <a:pt x="137054" y="77787"/>
+                  <a:pt x="142875" y="95250"/>
+                </a:cubicBezTo>
+                <a:lnTo>
+                  <a:pt x="161925" y="152400"/>
+                </a:lnTo>
+                <a:cubicBezTo>
+                  <a:pt x="165100" y="161925"/>
+                  <a:pt x="169481" y="171130"/>
+                  <a:pt x="171450" y="180975"/>
+                </a:cubicBezTo>
+                <a:cubicBezTo>
+                  <a:pt x="182944" y="238445"/>
+                  <a:pt x="165616" y="223480"/>
+                  <a:pt x="209550" y="238125"/>
+                </a:cubicBezTo>
+                <a:cubicBezTo>
+                  <a:pt x="228174" y="210189"/>
+                  <a:pt x="230238" y="212523"/>
+                  <a:pt x="238125" y="180975"/>
+                </a:cubicBezTo>
+                <a:cubicBezTo>
+                  <a:pt x="243105" y="161054"/>
+                  <a:pt x="243471" y="119293"/>
+                  <a:pt x="266700" y="104775"/>
+                </a:cubicBezTo>
+                <a:cubicBezTo>
+                  <a:pt x="300393" y="83717"/>
+                  <a:pt x="313092" y="85725"/>
+                  <a:pt x="342900" y="85725"/>
+                </a:cubicBezTo>
+              </a:path>
+            </a:pathLst>
+          </a:custGeom>
+          <a:noFill/>
+          <a:ln>
+            <a:solidFill>
+              <a:srgbClr val="C00000"/>
+            </a:solidFill>
+          </a:ln>
+        </p:spPr>
+        <p:style>
+          <a:lnRef idx="2">
+            <a:schemeClr val="accent1">
+              <a:shade val="50000"/>
+            </a:schemeClr>
+          </a:lnRef>
+          <a:fillRef idx="1">
+            <a:schemeClr val="accent1"/>
+          </a:fillRef>
+          <a:effectRef idx="0">
+            <a:schemeClr val="accent1"/>
+          </a:effectRef>
+          <a:fontRef idx="minor">
+            <a:schemeClr val="lt1"/>
+          </a:fontRef>
+        </p:style>
+        <p:txBody>
+          <a:bodyPr rtlCol="0" anchor="ctr"/>
+          <a:lstStyle/>
+          <a:p>
+            <a:pPr algn="ctr"/>
+            <a:endParaRPr lang="it-IT"/>
+          </a:p>
+        </p:txBody>
+      </p:sp>
+      <p:sp>
+        <p:nvSpPr>
+          <p:cNvPr id="132" name="Figura a mano libera 28">
+            <a:extLst>
+              <a:ext uri="{FF2B5EF4-FFF2-40B4-BE49-F238E27FC236}">
+                <a16:creationId xmlns:a16="http://schemas.microsoft.com/office/drawing/2014/main" id="{7D6976FD-2408-4437-8A88-0E3D49E8A6BB}"/>
+              </a:ext>
+            </a:extLst>
+          </p:cNvPr>
+          <p:cNvSpPr/>
+          <p:nvPr/>
+        </p:nvSpPr>
+        <p:spPr>
+          <a:xfrm rot="11813235" flipH="1">
+            <a:off x="5195494" y="3234539"/>
+            <a:ext cx="81177" cy="45719"/>
+          </a:xfrm>
+          <a:custGeom>
+            <a:avLst/>
+            <a:gdLst>
+              <a:gd name="connsiteX0" fmla="*/ 66675 w 66675"/>
+              <a:gd name="connsiteY0" fmla="*/ 38100 h 38100"/>
+              <a:gd name="connsiteX1" fmla="*/ 0 w 66675"/>
+              <a:gd name="connsiteY1" fmla="*/ 0 h 38100"/>
+            </a:gdLst>
+            <a:ahLst/>
+            <a:cxnLst>
+              <a:cxn ang="0">
+                <a:pos x="connsiteX0" y="connsiteY0"/>
+              </a:cxn>
+              <a:cxn ang="0">
+                <a:pos x="connsiteX1" y="connsiteY1"/>
+              </a:cxn>
+            </a:cxnLst>
+            <a:rect l="l" t="t" r="r" b="b"/>
+            <a:pathLst>
+              <a:path w="66675" h="38100">
+                <a:moveTo>
+                  <a:pt x="66675" y="38100"/>
+                </a:moveTo>
+                <a:cubicBezTo>
+                  <a:pt x="12962" y="5872"/>
+                  <a:pt x="35609" y="17804"/>
+                  <a:pt x="0" y="0"/>
+                </a:cubicBezTo>
+              </a:path>
+            </a:pathLst>
+          </a:custGeom>
+          <a:noFill/>
+          <a:ln>
+            <a:solidFill>
+              <a:srgbClr val="C00000"/>
+            </a:solidFill>
+          </a:ln>
+        </p:spPr>
+        <p:style>
+          <a:lnRef idx="2">
+            <a:schemeClr val="accent1">
+              <a:shade val="50000"/>
+            </a:schemeClr>
+          </a:lnRef>
+          <a:fillRef idx="1">
+            <a:schemeClr val="accent1"/>
+          </a:fillRef>
+          <a:effectRef idx="0">
+            <a:schemeClr val="accent1"/>
+          </a:effectRef>
+          <a:fontRef idx="minor">
+            <a:schemeClr val="lt1"/>
+          </a:fontRef>
+        </p:style>
+        <p:txBody>
+          <a:bodyPr rtlCol="0" anchor="ctr"/>
+          <a:lstStyle/>
+          <a:p>
+            <a:pPr algn="ctr"/>
+            <a:endParaRPr lang="it-IT"/>
+          </a:p>
+        </p:txBody>
+      </p:sp>
+      <p:sp>
+        <p:nvSpPr>
+          <p:cNvPr id="133" name="Figura a mano libera 28">
+            <a:extLst>
+              <a:ext uri="{FF2B5EF4-FFF2-40B4-BE49-F238E27FC236}">
+                <a16:creationId xmlns:a16="http://schemas.microsoft.com/office/drawing/2014/main" id="{B9842875-8003-4944-B4D9-4A7090B450A9}"/>
+              </a:ext>
+            </a:extLst>
+          </p:cNvPr>
+          <p:cNvSpPr/>
+          <p:nvPr/>
+        </p:nvSpPr>
+        <p:spPr>
+          <a:xfrm rot="4837243" flipH="1">
+            <a:off x="5269199" y="3269498"/>
+            <a:ext cx="86774" cy="45719"/>
+          </a:xfrm>
+          <a:custGeom>
+            <a:avLst/>
+            <a:gdLst>
+              <a:gd name="connsiteX0" fmla="*/ 66675 w 66675"/>
+              <a:gd name="connsiteY0" fmla="*/ 38100 h 38100"/>
+              <a:gd name="connsiteX1" fmla="*/ 0 w 66675"/>
+              <a:gd name="connsiteY1" fmla="*/ 0 h 38100"/>
+            </a:gdLst>
+            <a:ahLst/>
+            <a:cxnLst>
+              <a:cxn ang="0">
+                <a:pos x="connsiteX0" y="connsiteY0"/>
+              </a:cxn>
+              <a:cxn ang="0">
+                <a:pos x="connsiteX1" y="connsiteY1"/>
+              </a:cxn>
+            </a:cxnLst>
+            <a:rect l="l" t="t" r="r" b="b"/>
+            <a:pathLst>
+              <a:path w="66675" h="38100">
+                <a:moveTo>
+                  <a:pt x="66675" y="38100"/>
+                </a:moveTo>
+                <a:cubicBezTo>
+                  <a:pt x="12962" y="5872"/>
+                  <a:pt x="35609" y="17804"/>
+                  <a:pt x="0" y="0"/>
+                </a:cubicBezTo>
+              </a:path>
+            </a:pathLst>
+          </a:custGeom>
+          <a:noFill/>
+          <a:ln>
+            <a:solidFill>
+              <a:srgbClr val="C00000"/>
+            </a:solidFill>
+          </a:ln>
+        </p:spPr>
+        <p:style>
+          <a:lnRef idx="2">
+            <a:schemeClr val="accent1">
+              <a:shade val="50000"/>
+            </a:schemeClr>
+          </a:lnRef>
+          <a:fillRef idx="1">
+            <a:schemeClr val="accent1"/>
+          </a:fillRef>
+          <a:effectRef idx="0">
+            <a:schemeClr val="accent1"/>
+          </a:effectRef>
+          <a:fontRef idx="minor">
+            <a:schemeClr val="lt1"/>
+          </a:fontRef>
+        </p:style>
+        <p:txBody>
+          <a:bodyPr rtlCol="0" anchor="ctr"/>
+          <a:lstStyle/>
+          <a:p>
+            <a:pPr algn="ctr"/>
+            <a:endParaRPr lang="it-IT"/>
+          </a:p>
+        </p:txBody>
+      </p:sp>
+      <p:cxnSp>
+        <p:nvCxnSpPr>
+          <p:cNvPr id="134" name="Connettore 2 133">
+            <a:extLst>
+              <a:ext uri="{FF2B5EF4-FFF2-40B4-BE49-F238E27FC236}">
+                <a16:creationId xmlns:a16="http://schemas.microsoft.com/office/drawing/2014/main" id="{AC96467A-A286-4270-B6CB-F17BDDF2F565}"/>
+              </a:ext>
+            </a:extLst>
+          </p:cNvPr>
+          <p:cNvCxnSpPr>
+            <a:cxnSpLocks/>
+            <a:stCxn id="89" idx="4"/>
+            <a:endCxn id="81" idx="1"/>
+          </p:cNvCxnSpPr>
+          <p:nvPr/>
+        </p:nvCxnSpPr>
+        <p:spPr>
+          <a:xfrm>
+            <a:off x="3622907" y="3422528"/>
+            <a:ext cx="310250" cy="344379"/>
+          </a:xfrm>
+          <a:prstGeom prst="straightConnector1">
+            <a:avLst/>
+          </a:prstGeom>
+          <a:ln>
+            <a:prstDash val="lgDash"/>
+            <a:tailEnd type="arrow"/>
+          </a:ln>
+        </p:spPr>
+        <p:style>
+          <a:lnRef idx="1">
+            <a:schemeClr val="accent1"/>
+          </a:lnRef>
+          <a:fillRef idx="0">
+            <a:schemeClr val="accent1"/>
+          </a:fillRef>
+          <a:effectRef idx="0">
+            <a:schemeClr val="accent1"/>
+          </a:effectRef>
+          <a:fontRef idx="minor">
+            <a:schemeClr val="tx1"/>
+          </a:fontRef>
+        </p:style>
+      </p:cxnSp>
+      <p:sp>
+        <p:nvSpPr>
+          <p:cNvPr id="136" name="CasellaDiTesto 135">
+            <a:extLst>
+              <a:ext uri="{FF2B5EF4-FFF2-40B4-BE49-F238E27FC236}">
+                <a16:creationId xmlns:a16="http://schemas.microsoft.com/office/drawing/2014/main" id="{403D8631-90C0-431A-A61E-98ADB26F4CA3}"/>
+              </a:ext>
+            </a:extLst>
+          </p:cNvPr>
+          <p:cNvSpPr txBox="1"/>
+          <p:nvPr/>
+        </p:nvSpPr>
+        <p:spPr>
+          <a:xfrm>
+            <a:off x="2997767" y="3586437"/>
+            <a:ext cx="904925" cy="246221"/>
+          </a:xfrm>
+          <a:prstGeom prst="rect">
+            <a:avLst/>
+          </a:prstGeom>
+          <a:noFill/>
+        </p:spPr>
+        <p:txBody>
+          <a:bodyPr wrap="square" rtlCol="0">
+            <a:spAutoFit/>
+          </a:bodyPr>
+          <a:lstStyle/>
+          <a:p>
+            <a:r>
+              <a:rPr lang="it-IT" sz="1000" dirty="0" err="1"/>
+              <a:t>maxStayTime</a:t>
+            </a:r>
+            <a:endParaRPr lang="en-GB" sz="1000" dirty="0"/>
+          </a:p>
+        </p:txBody>
+      </p:sp>
+      <p:grpSp>
+        <p:nvGrpSpPr>
+          <p:cNvPr id="69" name="Gruppo 68">
+            <a:extLst>
+              <a:ext uri="{FF2B5EF4-FFF2-40B4-BE49-F238E27FC236}">
+                <a16:creationId xmlns:a16="http://schemas.microsoft.com/office/drawing/2014/main" id="{7EE00515-0C16-4EBD-9681-05357E7DD69B}"/>
+              </a:ext>
+            </a:extLst>
+          </p:cNvPr>
+          <p:cNvGrpSpPr/>
+          <p:nvPr/>
+        </p:nvGrpSpPr>
+        <p:grpSpPr>
+          <a:xfrm>
+            <a:off x="3924073" y="2529278"/>
+            <a:ext cx="1092076" cy="389945"/>
+            <a:chOff x="1775482" y="2771880"/>
+            <a:chExt cx="1277914" cy="426870"/>
+          </a:xfrm>
+        </p:grpSpPr>
+        <p:sp>
+          <p:nvSpPr>
+            <p:cNvPr id="59" name="Scorrimento verticale 58">
+              <a:extLst>
+                <a:ext uri="{FF2B5EF4-FFF2-40B4-BE49-F238E27FC236}">
+                  <a16:creationId xmlns:a16="http://schemas.microsoft.com/office/drawing/2014/main" id="{ACADE6F3-5BC0-470D-8899-8295BE64C30D}"/>
+                </a:ext>
+              </a:extLst>
+            </p:cNvPr>
+            <p:cNvSpPr/>
+            <p:nvPr/>
+          </p:nvSpPr>
+          <p:spPr>
+            <a:xfrm>
+              <a:off x="1780431" y="2771880"/>
+              <a:ext cx="305847" cy="426870"/>
+            </a:xfrm>
+            <a:prstGeom prst="verticalScroll">
+              <a:avLst/>
+            </a:prstGeom>
+          </p:spPr>
+          <p:style>
+            <a:lnRef idx="2">
+              <a:schemeClr val="accent1"/>
+            </a:lnRef>
+            <a:fillRef idx="1">
+              <a:schemeClr val="lt1"/>
+            </a:fillRef>
+            <a:effectRef idx="0">
+              <a:schemeClr val="accent1"/>
+            </a:effectRef>
+            <a:fontRef idx="minor">
+              <a:schemeClr val="dk1"/>
+            </a:fontRef>
+          </p:style>
+          <p:txBody>
+            <a:bodyPr rtlCol="0" anchor="ctr"/>
+            <a:lstStyle/>
+            <a:p>
+              <a:pPr algn="ctr"/>
+              <a:endParaRPr lang="it-IT"/>
+            </a:p>
+          </p:txBody>
+        </p:sp>
+        <p:sp>
+          <p:nvSpPr>
+            <p:cNvPr id="137" name="CasellaDiTesto 136">
+              <a:extLst>
+                <a:ext uri="{FF2B5EF4-FFF2-40B4-BE49-F238E27FC236}">
+                  <a16:creationId xmlns:a16="http://schemas.microsoft.com/office/drawing/2014/main" id="{EC530084-1FB2-458D-AC08-A23616F713A8}"/>
+                </a:ext>
+              </a:extLst>
+            </p:cNvPr>
+            <p:cNvSpPr txBox="1"/>
+            <p:nvPr/>
+          </p:nvSpPr>
+          <p:spPr>
+            <a:xfrm>
+              <a:off x="1775482" y="2843530"/>
+              <a:ext cx="1277914" cy="261610"/>
+            </a:xfrm>
+            <a:prstGeom prst="rect">
+              <a:avLst/>
+            </a:prstGeom>
+            <a:noFill/>
+          </p:spPr>
+          <p:txBody>
+            <a:bodyPr wrap="none" rtlCol="0">
+              <a:spAutoFit/>
+            </a:bodyPr>
+            <a:lstStyle/>
+            <a:p>
+              <a:r>
+                <a:rPr lang="it-IT" sz="1100" dirty="0"/>
+                <a:t>clientsituationkb.pl</a:t>
+              </a:r>
+              <a:endParaRPr lang="en-GB" sz="1100" dirty="0"/>
+            </a:p>
+          </p:txBody>
+        </p:sp>
+      </p:grpSp>
+      <p:grpSp>
+        <p:nvGrpSpPr>
+          <p:cNvPr id="138" name="Gruppo 137">
+            <a:extLst>
+              <a:ext uri="{FF2B5EF4-FFF2-40B4-BE49-F238E27FC236}">
+                <a16:creationId xmlns:a16="http://schemas.microsoft.com/office/drawing/2014/main" id="{EDE1BC43-5A75-46A0-9AA2-0DC4032CEE66}"/>
+              </a:ext>
+            </a:extLst>
+          </p:cNvPr>
+          <p:cNvGrpSpPr/>
+          <p:nvPr/>
+        </p:nvGrpSpPr>
+        <p:grpSpPr>
+          <a:xfrm>
+            <a:off x="4297136" y="4083262"/>
+            <a:ext cx="818098" cy="389945"/>
+            <a:chOff x="1775482" y="2771880"/>
+            <a:chExt cx="957313" cy="426870"/>
+          </a:xfrm>
+        </p:grpSpPr>
+        <p:sp>
+          <p:nvSpPr>
+            <p:cNvPr id="139" name="Scorrimento verticale 138">
+              <a:extLst>
+                <a:ext uri="{FF2B5EF4-FFF2-40B4-BE49-F238E27FC236}">
+                  <a16:creationId xmlns:a16="http://schemas.microsoft.com/office/drawing/2014/main" id="{FC416B8F-FBF0-473E-901B-4542AEF7C689}"/>
+                </a:ext>
+              </a:extLst>
+            </p:cNvPr>
+            <p:cNvSpPr/>
+            <p:nvPr/>
+          </p:nvSpPr>
+          <p:spPr>
+            <a:xfrm>
+              <a:off x="1780431" y="2771880"/>
+              <a:ext cx="305847" cy="426870"/>
+            </a:xfrm>
+            <a:prstGeom prst="verticalScroll">
+              <a:avLst/>
+            </a:prstGeom>
+          </p:spPr>
+          <p:style>
+            <a:lnRef idx="2">
+              <a:schemeClr val="accent1"/>
+            </a:lnRef>
+            <a:fillRef idx="1">
+              <a:schemeClr val="lt1"/>
+            </a:fillRef>
+            <a:effectRef idx="0">
+              <a:schemeClr val="accent1"/>
+            </a:effectRef>
+            <a:fontRef idx="minor">
+              <a:schemeClr val="dk1"/>
+            </a:fontRef>
+          </p:style>
+          <p:txBody>
+            <a:bodyPr rtlCol="0" anchor="ctr"/>
+            <a:lstStyle/>
+            <a:p>
+              <a:pPr algn="ctr"/>
+              <a:endParaRPr lang="it-IT"/>
+            </a:p>
+          </p:txBody>
+        </p:sp>
+        <p:sp>
+          <p:nvSpPr>
+            <p:cNvPr id="140" name="CasellaDiTesto 139">
+              <a:extLst>
+                <a:ext uri="{FF2B5EF4-FFF2-40B4-BE49-F238E27FC236}">
+                  <a16:creationId xmlns:a16="http://schemas.microsoft.com/office/drawing/2014/main" id="{E9D1DE33-E7F5-43E8-B3F1-1C123CE18760}"/>
+                </a:ext>
+              </a:extLst>
+            </p:cNvPr>
+            <p:cNvSpPr txBox="1"/>
+            <p:nvPr/>
+          </p:nvSpPr>
+          <p:spPr>
+            <a:xfrm>
+              <a:off x="1775482" y="2843530"/>
+              <a:ext cx="957313" cy="261610"/>
+            </a:xfrm>
+            <a:prstGeom prst="rect">
+              <a:avLst/>
+            </a:prstGeom>
+            <a:noFill/>
+          </p:spPr>
+          <p:txBody>
+            <a:bodyPr wrap="none" rtlCol="0">
+              <a:spAutoFit/>
+            </a:bodyPr>
+            <a:lstStyle/>
+            <a:p>
+              <a:r>
+                <a:rPr lang="it-IT" sz="1100" dirty="0"/>
+                <a:t>tearoomkb.pl</a:t>
+              </a:r>
+              <a:endParaRPr lang="en-GB" sz="1100" dirty="0"/>
+            </a:p>
+          </p:txBody>
+        </p:sp>
+      </p:grpSp>
+      <p:grpSp>
+        <p:nvGrpSpPr>
+          <p:cNvPr id="125" name="Gruppo 44">
+            <a:extLst>
+              <a:ext uri="{FF2B5EF4-FFF2-40B4-BE49-F238E27FC236}">
+                <a16:creationId xmlns:a16="http://schemas.microsoft.com/office/drawing/2014/main" id="{0E1F2BED-8221-481A-8C2E-038652C612A4}"/>
+              </a:ext>
+            </a:extLst>
+          </p:cNvPr>
+          <p:cNvGrpSpPr/>
+          <p:nvPr/>
+        </p:nvGrpSpPr>
+        <p:grpSpPr>
+          <a:xfrm>
+            <a:off x="4053437" y="4905766"/>
+            <a:ext cx="855042" cy="612764"/>
+            <a:chOff x="2399821" y="2003999"/>
+            <a:chExt cx="1763179" cy="1234660"/>
+          </a:xfrm>
+        </p:grpSpPr>
+        <p:sp>
+          <p:nvSpPr>
+            <p:cNvPr id="126" name="Triangolo isoscele 45">
+              <a:extLst>
+                <a:ext uri="{FF2B5EF4-FFF2-40B4-BE49-F238E27FC236}">
+                  <a16:creationId xmlns:a16="http://schemas.microsoft.com/office/drawing/2014/main" id="{D0B4B0B8-B9A4-42C5-AEEC-281DA24F5FEF}"/>
+                </a:ext>
+              </a:extLst>
+            </p:cNvPr>
+            <p:cNvSpPr/>
+            <p:nvPr/>
+          </p:nvSpPr>
+          <p:spPr>
+            <a:xfrm rot="5400000">
+              <a:off x="3220533" y="2242778"/>
+              <a:ext cx="998086" cy="875019"/>
+            </a:xfrm>
+            <a:prstGeom prst="triangle">
+              <a:avLst/>
+            </a:prstGeom>
+            <a:solidFill>
+              <a:srgbClr val="CCFF66"/>
+            </a:solidFill>
+            <a:ln/>
+          </p:spPr>
+          <p:style>
+            <a:lnRef idx="1">
+              <a:schemeClr val="accent5"/>
+            </a:lnRef>
+            <a:fillRef idx="2">
+              <a:schemeClr val="accent5"/>
+            </a:fillRef>
+            <a:effectRef idx="1">
+              <a:schemeClr val="accent5"/>
+            </a:effectRef>
+            <a:fontRef idx="minor">
+              <a:schemeClr val="dk1"/>
+            </a:fontRef>
+          </p:style>
+          <p:txBody>
+            <a:bodyPr rtlCol="0" anchor="ctr"/>
+            <a:lstStyle/>
+            <a:p>
+              <a:pPr algn="ctr"/>
+              <a:endParaRPr lang="en-GB" sz="1200"/>
+            </a:p>
+          </p:txBody>
+        </p:sp>
+        <p:grpSp>
+          <p:nvGrpSpPr>
+            <p:cNvPr id="127" name="Gruppo 82">
+              <a:extLst>
+                <a:ext uri="{FF2B5EF4-FFF2-40B4-BE49-F238E27FC236}">
+                  <a16:creationId xmlns:a16="http://schemas.microsoft.com/office/drawing/2014/main" id="{048ADB93-F507-4BBC-9896-D1FAD3291D44}"/>
+                </a:ext>
+              </a:extLst>
+            </p:cNvPr>
+            <p:cNvGrpSpPr/>
+            <p:nvPr/>
+          </p:nvGrpSpPr>
+          <p:grpSpPr>
+            <a:xfrm>
+              <a:off x="2460217" y="2003999"/>
+              <a:ext cx="1409186" cy="1234660"/>
+              <a:chOff x="1194666" y="2417771"/>
+              <a:chExt cx="866158" cy="763301"/>
+            </a:xfrm>
+          </p:grpSpPr>
+          <p:sp>
+            <p:nvSpPr>
+              <p:cNvPr id="129" name="Ovale 38">
+                <a:extLst>
+                  <a:ext uri="{FF2B5EF4-FFF2-40B4-BE49-F238E27FC236}">
+                    <a16:creationId xmlns:a16="http://schemas.microsoft.com/office/drawing/2014/main" id="{AA87BA8F-B44B-4FE0-A29D-7DCEFCD6ADD0}"/>
+                  </a:ext>
+                </a:extLst>
+              </p:cNvPr>
+              <p:cNvSpPr/>
+              <p:nvPr/>
+            </p:nvSpPr>
+            <p:spPr>
+              <a:xfrm>
+                <a:off x="1311103" y="2460992"/>
+                <a:ext cx="749721" cy="720080"/>
+              </a:xfrm>
+              <a:prstGeom prst="ellipse">
+                <a:avLst/>
+              </a:prstGeom>
+              <a:solidFill>
+                <a:srgbClr val="FFCCFF"/>
+              </a:solidFill>
+              <a:ln/>
+            </p:spPr>
+            <p:style>
+              <a:lnRef idx="1">
+                <a:schemeClr val="accent5"/>
+              </a:lnRef>
+              <a:fillRef idx="2">
+                <a:schemeClr val="accent5"/>
+              </a:fillRef>
+              <a:effectRef idx="1">
+                <a:schemeClr val="accent5"/>
+              </a:effectRef>
+              <a:fontRef idx="minor">
+                <a:schemeClr val="dk1"/>
+              </a:fontRef>
+            </p:style>
+            <p:txBody>
+              <a:bodyPr rtlCol="0" anchor="ctr"/>
+              <a:lstStyle/>
+              <a:p>
+                <a:pPr algn="ctr"/>
+                <a:r>
+                  <a:rPr lang="en-GB" sz="1200" dirty="0"/>
+                  <a:t> </a:t>
+                </a:r>
+              </a:p>
+            </p:txBody>
+          </p:sp>
+          <p:sp>
+            <p:nvSpPr>
+              <p:cNvPr id="130" name="Rettangolo 39">
+                <a:extLst>
+                  <a:ext uri="{FF2B5EF4-FFF2-40B4-BE49-F238E27FC236}">
+                    <a16:creationId xmlns:a16="http://schemas.microsoft.com/office/drawing/2014/main" id="{EF904EFE-AEF0-4647-BE2C-FAFEC322FA74}"/>
+                  </a:ext>
+                </a:extLst>
+              </p:cNvPr>
+              <p:cNvSpPr/>
+              <p:nvPr/>
+            </p:nvSpPr>
+            <p:spPr>
+              <a:xfrm>
+                <a:off x="1194666" y="2699713"/>
+                <a:ext cx="281432" cy="211953"/>
+              </a:xfrm>
+              <a:prstGeom prst="rect">
+                <a:avLst/>
+              </a:prstGeom>
+              <a:solidFill>
+                <a:srgbClr val="FFCCFF"/>
+              </a:solidFill>
+              <a:ln/>
+            </p:spPr>
+            <p:style>
+              <a:lnRef idx="1">
+                <a:schemeClr val="accent5"/>
+              </a:lnRef>
+              <a:fillRef idx="2">
+                <a:schemeClr val="accent5"/>
+              </a:fillRef>
+              <a:effectRef idx="1">
+                <a:schemeClr val="accent5"/>
+              </a:effectRef>
+              <a:fontRef idx="minor">
+                <a:schemeClr val="dk1"/>
+              </a:fontRef>
+            </p:style>
+            <p:txBody>
+              <a:bodyPr rtlCol="0" anchor="ctr"/>
+              <a:lstStyle/>
+              <a:p>
+                <a:pPr algn="ctr"/>
+                <a:endParaRPr lang="en-GB" sz="1200" dirty="0"/>
+              </a:p>
+            </p:txBody>
+          </p:sp>
+          <p:sp>
+            <p:nvSpPr>
+              <p:cNvPr id="135" name="Triangolo isoscele 42">
+                <a:extLst>
+                  <a:ext uri="{FF2B5EF4-FFF2-40B4-BE49-F238E27FC236}">
+                    <a16:creationId xmlns:a16="http://schemas.microsoft.com/office/drawing/2014/main" id="{3AFC120A-FEAF-4386-A960-228B6E4D8E80}"/>
+                  </a:ext>
+                </a:extLst>
+              </p:cNvPr>
+              <p:cNvSpPr/>
+              <p:nvPr/>
+            </p:nvSpPr>
+            <p:spPr>
+              <a:xfrm rot="16200000">
+                <a:off x="1618539" y="2391356"/>
+                <a:ext cx="86434" cy="139263"/>
+              </a:xfrm>
+              <a:prstGeom prst="triangle">
+                <a:avLst/>
+              </a:prstGeom>
+              <a:solidFill>
+                <a:srgbClr val="FF0000"/>
+              </a:solidFill>
+              <a:ln/>
+            </p:spPr>
+            <p:style>
+              <a:lnRef idx="1">
+                <a:schemeClr val="accent5"/>
+              </a:lnRef>
+              <a:fillRef idx="2">
+                <a:schemeClr val="accent5"/>
+              </a:fillRef>
+              <a:effectRef idx="1">
+                <a:schemeClr val="accent5"/>
+              </a:effectRef>
+              <a:fontRef idx="minor">
+                <a:schemeClr val="dk1"/>
+              </a:fontRef>
+            </p:style>
+            <p:txBody>
+              <a:bodyPr rtlCol="0" anchor="ctr"/>
+              <a:lstStyle/>
+              <a:p>
+                <a:pPr algn="ctr"/>
+                <a:endParaRPr lang="en-GB" sz="1200"/>
+              </a:p>
+            </p:txBody>
+          </p:sp>
+        </p:grpSp>
+        <p:sp>
+          <p:nvSpPr>
+            <p:cNvPr id="128" name="Rettangolo 47">
+              <a:extLst>
+                <a:ext uri="{FF2B5EF4-FFF2-40B4-BE49-F238E27FC236}">
+                  <a16:creationId xmlns:a16="http://schemas.microsoft.com/office/drawing/2014/main" id="{D016E608-3E66-4531-AAD4-9417D2B29AE6}"/>
+                </a:ext>
+              </a:extLst>
+            </p:cNvPr>
+            <p:cNvSpPr/>
+            <p:nvPr/>
+          </p:nvSpPr>
+          <p:spPr>
+            <a:xfrm>
+              <a:off x="2399821" y="2346811"/>
+              <a:ext cx="1763179" cy="558126"/>
+            </a:xfrm>
+            <a:prstGeom prst="rect">
+              <a:avLst/>
+            </a:prstGeom>
+          </p:spPr>
+          <p:txBody>
+            <a:bodyPr wrap="none">
+              <a:spAutoFit/>
+            </a:bodyPr>
+            <a:lstStyle/>
+            <a:p>
+              <a:r>
+                <a:rPr lang="en-GB" sz="1200" dirty="0"/>
+                <a:t>simulator2</a:t>
+              </a:r>
+              <a:endParaRPr lang="en-GB" dirty="0"/>
+            </a:p>
+          </p:txBody>
+        </p:sp>
+      </p:grpSp>
+      <p:grpSp>
+        <p:nvGrpSpPr>
+          <p:cNvPr id="141" name="Gruppo 44">
+            <a:extLst>
+              <a:ext uri="{FF2B5EF4-FFF2-40B4-BE49-F238E27FC236}">
+                <a16:creationId xmlns:a16="http://schemas.microsoft.com/office/drawing/2014/main" id="{7C49E288-FEED-442B-8CF5-E1F5709C79C4}"/>
+              </a:ext>
+            </a:extLst>
+          </p:cNvPr>
+          <p:cNvGrpSpPr/>
+          <p:nvPr/>
+        </p:nvGrpSpPr>
+        <p:grpSpPr>
+          <a:xfrm>
+            <a:off x="3136360" y="4881342"/>
+            <a:ext cx="855042" cy="620955"/>
+            <a:chOff x="2342717" y="2003998"/>
+            <a:chExt cx="1894752" cy="1234658"/>
+          </a:xfrm>
+        </p:grpSpPr>
+        <p:sp>
+          <p:nvSpPr>
+            <p:cNvPr id="142" name="Triangolo isoscele 45">
+              <a:extLst>
+                <a:ext uri="{FF2B5EF4-FFF2-40B4-BE49-F238E27FC236}">
+                  <a16:creationId xmlns:a16="http://schemas.microsoft.com/office/drawing/2014/main" id="{B109583E-7A1E-403C-8C21-D4BF79EB21D2}"/>
+                </a:ext>
+              </a:extLst>
+            </p:cNvPr>
+            <p:cNvSpPr/>
+            <p:nvPr/>
+          </p:nvSpPr>
+          <p:spPr>
+            <a:xfrm rot="5400000">
+              <a:off x="3220533" y="2242778"/>
+              <a:ext cx="998086" cy="875019"/>
+            </a:xfrm>
+            <a:prstGeom prst="triangle">
+              <a:avLst/>
+            </a:prstGeom>
+            <a:solidFill>
+              <a:srgbClr val="CCFF66"/>
+            </a:solidFill>
+            <a:ln/>
+          </p:spPr>
+          <p:style>
+            <a:lnRef idx="1">
+              <a:schemeClr val="accent5"/>
+            </a:lnRef>
+            <a:fillRef idx="2">
+              <a:schemeClr val="accent5"/>
+            </a:fillRef>
+            <a:effectRef idx="1">
+              <a:schemeClr val="accent5"/>
+            </a:effectRef>
+            <a:fontRef idx="minor">
+              <a:schemeClr val="dk1"/>
+            </a:fontRef>
+          </p:style>
+          <p:txBody>
+            <a:bodyPr rtlCol="0" anchor="ctr"/>
+            <a:lstStyle/>
+            <a:p>
+              <a:pPr algn="ctr"/>
+              <a:endParaRPr lang="en-GB" sz="1200"/>
+            </a:p>
+          </p:txBody>
+        </p:sp>
+        <p:grpSp>
+          <p:nvGrpSpPr>
+            <p:cNvPr id="143" name="Gruppo 82">
+              <a:extLst>
+                <a:ext uri="{FF2B5EF4-FFF2-40B4-BE49-F238E27FC236}">
+                  <a16:creationId xmlns:a16="http://schemas.microsoft.com/office/drawing/2014/main" id="{7EB5AA92-4A4C-4567-B1C6-1343F197E6EC}"/>
+                </a:ext>
+              </a:extLst>
+            </p:cNvPr>
+            <p:cNvGrpSpPr/>
+            <p:nvPr/>
+          </p:nvGrpSpPr>
+          <p:grpSpPr>
+            <a:xfrm>
+              <a:off x="2460217" y="2003998"/>
+              <a:ext cx="1409186" cy="1234658"/>
+              <a:chOff x="1194666" y="2417771"/>
+              <a:chExt cx="866158" cy="763300"/>
+            </a:xfrm>
+          </p:grpSpPr>
+          <p:sp>
+            <p:nvSpPr>
+              <p:cNvPr id="145" name="Ovale 38">
+                <a:extLst>
+                  <a:ext uri="{FF2B5EF4-FFF2-40B4-BE49-F238E27FC236}">
+                    <a16:creationId xmlns:a16="http://schemas.microsoft.com/office/drawing/2014/main" id="{D1DD1F4F-7E98-4BAF-949D-044B9F911D81}"/>
+                  </a:ext>
+                </a:extLst>
+              </p:cNvPr>
+              <p:cNvSpPr/>
+              <p:nvPr/>
+            </p:nvSpPr>
+            <p:spPr>
+              <a:xfrm>
+                <a:off x="1311105" y="2460991"/>
+                <a:ext cx="749719" cy="720080"/>
+              </a:xfrm>
+              <a:prstGeom prst="ellipse">
+                <a:avLst/>
+              </a:prstGeom>
+              <a:solidFill>
+                <a:srgbClr val="FFCCFF"/>
+              </a:solidFill>
+              <a:ln/>
+            </p:spPr>
+            <p:style>
+              <a:lnRef idx="1">
+                <a:schemeClr val="accent5"/>
+              </a:lnRef>
+              <a:fillRef idx="2">
+                <a:schemeClr val="accent5"/>
+              </a:fillRef>
+              <a:effectRef idx="1">
+                <a:schemeClr val="accent5"/>
+              </a:effectRef>
+              <a:fontRef idx="minor">
+                <a:schemeClr val="dk1"/>
+              </a:fontRef>
+            </p:style>
+            <p:txBody>
+              <a:bodyPr rtlCol="0" anchor="ctr"/>
+              <a:lstStyle/>
+              <a:p>
+                <a:pPr algn="ctr"/>
+                <a:r>
+                  <a:rPr lang="en-GB" sz="1200" dirty="0"/>
+                  <a:t> </a:t>
+                </a:r>
+              </a:p>
+            </p:txBody>
+          </p:sp>
+          <p:sp>
+            <p:nvSpPr>
+              <p:cNvPr id="146" name="Rettangolo 39">
+                <a:extLst>
+                  <a:ext uri="{FF2B5EF4-FFF2-40B4-BE49-F238E27FC236}">
+                    <a16:creationId xmlns:a16="http://schemas.microsoft.com/office/drawing/2014/main" id="{33E160B0-68E6-43C9-BFB4-AEEFD7D57BD7}"/>
+                  </a:ext>
+                </a:extLst>
+              </p:cNvPr>
+              <p:cNvSpPr/>
+              <p:nvPr/>
+            </p:nvSpPr>
+            <p:spPr>
+              <a:xfrm>
+                <a:off x="1194666" y="2699713"/>
+                <a:ext cx="281432" cy="211953"/>
+              </a:xfrm>
+              <a:prstGeom prst="rect">
+                <a:avLst/>
+              </a:prstGeom>
+              <a:solidFill>
+                <a:srgbClr val="FFCCFF"/>
+              </a:solidFill>
+              <a:ln/>
+            </p:spPr>
+            <p:style>
+              <a:lnRef idx="1">
+                <a:schemeClr val="accent5"/>
+              </a:lnRef>
+              <a:fillRef idx="2">
+                <a:schemeClr val="accent5"/>
+              </a:fillRef>
+              <a:effectRef idx="1">
+                <a:schemeClr val="accent5"/>
+              </a:effectRef>
+              <a:fontRef idx="minor">
+                <a:schemeClr val="dk1"/>
+              </a:fontRef>
+            </p:style>
+            <p:txBody>
+              <a:bodyPr rtlCol="0" anchor="ctr"/>
+              <a:lstStyle/>
+              <a:p>
+                <a:pPr algn="ctr"/>
+                <a:endParaRPr lang="en-GB" sz="1200" dirty="0"/>
+              </a:p>
+            </p:txBody>
+          </p:sp>
+          <p:sp>
+            <p:nvSpPr>
+              <p:cNvPr id="147" name="Triangolo isoscele 42">
+                <a:extLst>
+                  <a:ext uri="{FF2B5EF4-FFF2-40B4-BE49-F238E27FC236}">
+                    <a16:creationId xmlns:a16="http://schemas.microsoft.com/office/drawing/2014/main" id="{A7A220C2-B8D4-4E28-967D-6A47EC78D8A2}"/>
+                  </a:ext>
+                </a:extLst>
+              </p:cNvPr>
+              <p:cNvSpPr/>
+              <p:nvPr/>
+            </p:nvSpPr>
+            <p:spPr>
+              <a:xfrm rot="16200000">
+                <a:off x="1618539" y="2391356"/>
+                <a:ext cx="86434" cy="139263"/>
+              </a:xfrm>
+              <a:prstGeom prst="triangle">
+                <a:avLst/>
+              </a:prstGeom>
+              <a:solidFill>
+                <a:srgbClr val="FF0000"/>
+              </a:solidFill>
+              <a:ln/>
+            </p:spPr>
+            <p:style>
+              <a:lnRef idx="1">
+                <a:schemeClr val="accent5"/>
+              </a:lnRef>
+              <a:fillRef idx="2">
+                <a:schemeClr val="accent5"/>
+              </a:fillRef>
+              <a:effectRef idx="1">
+                <a:schemeClr val="accent5"/>
+              </a:effectRef>
+              <a:fontRef idx="minor">
+                <a:schemeClr val="dk1"/>
+              </a:fontRef>
+            </p:style>
+            <p:txBody>
+              <a:bodyPr rtlCol="0" anchor="ctr"/>
+              <a:lstStyle/>
+              <a:p>
+                <a:pPr algn="ctr"/>
+                <a:endParaRPr lang="en-GB" sz="1200"/>
+              </a:p>
+            </p:txBody>
+          </p:sp>
+        </p:grpSp>
+        <p:sp>
+          <p:nvSpPr>
+            <p:cNvPr id="144" name="Rettangolo 47">
+              <a:extLst>
+                <a:ext uri="{FF2B5EF4-FFF2-40B4-BE49-F238E27FC236}">
+                  <a16:creationId xmlns:a16="http://schemas.microsoft.com/office/drawing/2014/main" id="{1087EA87-F369-449D-8009-1FB769C96BB6}"/>
+                </a:ext>
+              </a:extLst>
+            </p:cNvPr>
+            <p:cNvSpPr/>
+            <p:nvPr/>
+          </p:nvSpPr>
+          <p:spPr>
+            <a:xfrm>
+              <a:off x="2342717" y="2346810"/>
+              <a:ext cx="1894752" cy="550763"/>
+            </a:xfrm>
+            <a:prstGeom prst="rect">
+              <a:avLst/>
+            </a:prstGeom>
+          </p:spPr>
+          <p:txBody>
+            <a:bodyPr wrap="none">
+              <a:spAutoFit/>
+            </a:bodyPr>
+            <a:lstStyle/>
+            <a:p>
+              <a:r>
+                <a:rPr lang="en-GB" sz="1200" dirty="0"/>
+                <a:t>simulator1</a:t>
+              </a:r>
+              <a:endParaRPr lang="en-GB" dirty="0"/>
+            </a:p>
+          </p:txBody>
+        </p:sp>
+      </p:grpSp>
+      <p:pic>
+        <p:nvPicPr>
+          <p:cNvPr id="148" name="Picture 4" descr="100+ Smartphone Pictures | Download Free Images &amp; Stock Photos on ...">
+            <a:extLst>
+              <a:ext uri="{FF2B5EF4-FFF2-40B4-BE49-F238E27FC236}">
+                <a16:creationId xmlns:a16="http://schemas.microsoft.com/office/drawing/2014/main" id="{F91BAF4E-CA65-4455-809D-2F0422F4D3CA}"/>
+              </a:ext>
+            </a:extLst>
+          </p:cNvPr>
+          <p:cNvPicPr>
+            <a:picLocks noChangeAspect="1" noChangeArrowheads="1"/>
+          </p:cNvPicPr>
+          <p:nvPr/>
+        </p:nvPicPr>
+        <p:blipFill rotWithShape="1">
+          <a:blip r:embed="rId2" cstate="print">
+            <a:extLst>
+              <a:ext uri="{28A0092B-C50C-407E-A947-70E740481C1C}">
+                <a14:useLocalDpi xmlns:a14="http://schemas.microsoft.com/office/drawing/2010/main" val="0"/>
+              </a:ext>
+            </a:extLst>
+          </a:blip>
+          <a:srcRect l="19562" t="8617" r="30119"/>
+          <a:stretch/>
+        </p:blipFill>
+        <p:spPr bwMode="auto">
+          <a:xfrm>
+            <a:off x="617991" y="5484921"/>
+            <a:ext cx="935601" cy="1133327"/>
+          </a:xfrm>
+          <a:prstGeom prst="rect">
+            <a:avLst/>
+          </a:prstGeom>
+          <a:noFill/>
+          <a:extLst>
+            <a:ext uri="{909E8E84-426E-40DD-AFC4-6F175D3DCCD1}">
+              <a14:hiddenFill xmlns:a14="http://schemas.microsoft.com/office/drawing/2010/main">
+                <a:solidFill>
+                  <a:srgbClr val="FFFFFF"/>
+                </a:solidFill>
+              </a14:hiddenFill>
+            </a:ext>
+          </a:extLst>
+        </p:spPr>
+      </p:pic>
+      <p:pic>
+        <p:nvPicPr>
+          <p:cNvPr id="49" name="Immagine 48">
+            <a:extLst>
+              <a:ext uri="{FF2B5EF4-FFF2-40B4-BE49-F238E27FC236}">
+                <a16:creationId xmlns:a16="http://schemas.microsoft.com/office/drawing/2014/main" id="{0C45BAB3-5936-4FF5-B216-B35095ABD962}"/>
+              </a:ext>
+            </a:extLst>
+          </p:cNvPr>
+          <p:cNvPicPr>
+            <a:picLocks noChangeAspect="1"/>
+          </p:cNvPicPr>
+          <p:nvPr/>
+        </p:nvPicPr>
+        <p:blipFill rotWithShape="1">
+          <a:blip r:embed="rId3"/>
+          <a:srcRect l="9565" r="25383" b="3878"/>
+          <a:stretch/>
+        </p:blipFill>
+        <p:spPr>
+          <a:xfrm>
+            <a:off x="480842" y="3700765"/>
+            <a:ext cx="1366721" cy="1591366"/>
+          </a:xfrm>
+          <a:prstGeom prst="rect">
+            <a:avLst/>
+          </a:prstGeom>
+        </p:spPr>
+      </p:pic>
+      <p:sp>
+        <p:nvSpPr>
+          <p:cNvPr id="149" name="CasellaDiTesto 148">
+            <a:extLst>
+              <a:ext uri="{FF2B5EF4-FFF2-40B4-BE49-F238E27FC236}">
+                <a16:creationId xmlns:a16="http://schemas.microsoft.com/office/drawing/2014/main" id="{B93992D1-1B3A-4E3E-96FF-E4E42AD78232}"/>
+              </a:ext>
+            </a:extLst>
+          </p:cNvPr>
+          <p:cNvSpPr txBox="1"/>
+          <p:nvPr/>
+        </p:nvSpPr>
+        <p:spPr>
+          <a:xfrm>
+            <a:off x="523783" y="1301943"/>
+            <a:ext cx="2059619" cy="584775"/>
+          </a:xfrm>
+          <a:prstGeom prst="rect">
+            <a:avLst/>
+          </a:prstGeom>
+          <a:noFill/>
+        </p:spPr>
+        <p:txBody>
+          <a:bodyPr wrap="square" rtlCol="0">
+            <a:spAutoFit/>
+          </a:bodyPr>
+          <a:lstStyle/>
+          <a:p>
+            <a:r>
+              <a:rPr lang="it-IT" sz="1600" dirty="0" err="1">
+                <a:solidFill>
+                  <a:srgbClr val="FF0000"/>
+                </a:solidFill>
+              </a:rPr>
+              <a:t>project</a:t>
+            </a:r>
+            <a:endParaRPr lang="en-GB" sz="1600" dirty="0">
+              <a:solidFill>
+                <a:srgbClr val="FF0000"/>
+              </a:solidFill>
+            </a:endParaRPr>
+          </a:p>
+          <a:p>
+            <a:r>
+              <a:rPr lang="en-GB" sz="1600" i="1" dirty="0" err="1">
+                <a:solidFill>
+                  <a:srgbClr val="FF0000"/>
+                </a:solidFill>
+              </a:rPr>
+              <a:t>it.unibo.iss.clientWeb</a:t>
+            </a:r>
+            <a:endParaRPr lang="en-GB" sz="1600" i="1" dirty="0">
+              <a:solidFill>
+                <a:srgbClr val="FF0000"/>
+              </a:solidFill>
+            </a:endParaRPr>
+          </a:p>
+        </p:txBody>
+      </p:sp>
+      <p:sp>
+        <p:nvSpPr>
+          <p:cNvPr id="150" name="Rettangolo con angoli arrotondati 149">
+            <a:extLst>
+              <a:ext uri="{FF2B5EF4-FFF2-40B4-BE49-F238E27FC236}">
+                <a16:creationId xmlns:a16="http://schemas.microsoft.com/office/drawing/2014/main" id="{7A06324E-532E-46BE-BAE0-936906CD8743}"/>
+              </a:ext>
+            </a:extLst>
+          </p:cNvPr>
+          <p:cNvSpPr/>
+          <p:nvPr/>
+        </p:nvSpPr>
+        <p:spPr>
+          <a:xfrm>
+            <a:off x="121543" y="1908903"/>
+            <a:ext cx="2444940" cy="3399908"/>
+          </a:xfrm>
+          <a:prstGeom prst="roundRect">
+            <a:avLst/>
+          </a:prstGeom>
+          <a:noFill/>
+        </p:spPr>
+        <p:style>
+          <a:lnRef idx="2">
+            <a:schemeClr val="accent1"/>
+          </a:lnRef>
+          <a:fillRef idx="1">
+            <a:schemeClr val="lt1"/>
+          </a:fillRef>
+          <a:effectRef idx="0">
+            <a:schemeClr val="accent1"/>
+          </a:effectRef>
+          <a:fontRef idx="minor">
+            <a:schemeClr val="dk1"/>
+          </a:fontRef>
+        </p:style>
+        <p:txBody>
+          <a:bodyPr rtlCol="0" anchor="ctr"/>
+          <a:lstStyle/>
+          <a:p>
+            <a:pPr algn="ctr"/>
+            <a:endParaRPr lang="it-IT"/>
+          </a:p>
+        </p:txBody>
+      </p:sp>
+      <p:cxnSp>
+        <p:nvCxnSpPr>
+          <p:cNvPr id="151" name="Connettore 2 150">
+            <a:extLst>
+              <a:ext uri="{FF2B5EF4-FFF2-40B4-BE49-F238E27FC236}">
+                <a16:creationId xmlns:a16="http://schemas.microsoft.com/office/drawing/2014/main" id="{88DF656D-1D73-4267-B4B4-6D18C44041DB}"/>
+              </a:ext>
+            </a:extLst>
+          </p:cNvPr>
+          <p:cNvCxnSpPr>
+            <a:cxnSpLocks/>
+            <a:endCxn id="152" idx="7"/>
+          </p:cNvCxnSpPr>
+          <p:nvPr/>
+        </p:nvCxnSpPr>
+        <p:spPr>
+          <a:xfrm flipH="1" flipV="1">
+            <a:off x="957420" y="2830574"/>
+            <a:ext cx="6768" cy="902156"/>
+          </a:xfrm>
+          <a:prstGeom prst="straightConnector1">
+            <a:avLst/>
+          </a:prstGeom>
+          <a:ln>
+            <a:prstDash val="lgDash"/>
+            <a:tailEnd type="arrow"/>
+          </a:ln>
+        </p:spPr>
+        <p:style>
+          <a:lnRef idx="1">
+            <a:schemeClr val="accent1"/>
+          </a:lnRef>
+          <a:fillRef idx="0">
+            <a:schemeClr val="accent1"/>
+          </a:fillRef>
+          <a:effectRef idx="0">
+            <a:schemeClr val="accent1"/>
+          </a:effectRef>
+          <a:fontRef idx="minor">
+            <a:schemeClr val="tx1"/>
+          </a:fontRef>
+        </p:style>
+      </p:cxnSp>
+      <p:sp>
+        <p:nvSpPr>
+          <p:cNvPr id="152" name="Figura a mano libera 12">
+            <a:extLst>
+              <a:ext uri="{FF2B5EF4-FFF2-40B4-BE49-F238E27FC236}">
+                <a16:creationId xmlns:a16="http://schemas.microsoft.com/office/drawing/2014/main" id="{EBAFC759-7638-4C1A-B7D0-6B184ACC5827}"/>
+              </a:ext>
+            </a:extLst>
+          </p:cNvPr>
+          <p:cNvSpPr/>
+          <p:nvPr/>
+        </p:nvSpPr>
+        <p:spPr>
+          <a:xfrm>
+            <a:off x="712837" y="2290875"/>
+            <a:ext cx="840755" cy="539699"/>
+          </a:xfrm>
+          <a:custGeom>
+            <a:avLst/>
+            <a:gdLst>
+              <a:gd name="connsiteX0" fmla="*/ 168812 w 773723"/>
+              <a:gd name="connsiteY0" fmla="*/ 0 h 604911"/>
+              <a:gd name="connsiteX1" fmla="*/ 168812 w 773723"/>
+              <a:gd name="connsiteY1" fmla="*/ 0 h 604911"/>
+              <a:gd name="connsiteX2" fmla="*/ 28135 w 773723"/>
+              <a:gd name="connsiteY2" fmla="*/ 70339 h 604911"/>
+              <a:gd name="connsiteX3" fmla="*/ 0 w 773723"/>
+              <a:gd name="connsiteY3" fmla="*/ 112542 h 604911"/>
+              <a:gd name="connsiteX4" fmla="*/ 14068 w 773723"/>
+              <a:gd name="connsiteY4" fmla="*/ 492369 h 604911"/>
+              <a:gd name="connsiteX5" fmla="*/ 42203 w 773723"/>
+              <a:gd name="connsiteY5" fmla="*/ 520505 h 604911"/>
+              <a:gd name="connsiteX6" fmla="*/ 168812 w 773723"/>
+              <a:gd name="connsiteY6" fmla="*/ 576776 h 604911"/>
+              <a:gd name="connsiteX7" fmla="*/ 225083 w 773723"/>
+              <a:gd name="connsiteY7" fmla="*/ 604911 h 604911"/>
+              <a:gd name="connsiteX8" fmla="*/ 576775 w 773723"/>
+              <a:gd name="connsiteY8" fmla="*/ 590843 h 604911"/>
+              <a:gd name="connsiteX9" fmla="*/ 633046 w 773723"/>
+              <a:gd name="connsiteY9" fmla="*/ 393896 h 604911"/>
+              <a:gd name="connsiteX10" fmla="*/ 661181 w 773723"/>
+              <a:gd name="connsiteY10" fmla="*/ 365760 h 604911"/>
+              <a:gd name="connsiteX11" fmla="*/ 703385 w 773723"/>
+              <a:gd name="connsiteY11" fmla="*/ 337625 h 604911"/>
+              <a:gd name="connsiteX12" fmla="*/ 759655 w 773723"/>
+              <a:gd name="connsiteY12" fmla="*/ 295422 h 604911"/>
+              <a:gd name="connsiteX13" fmla="*/ 773723 w 773723"/>
+              <a:gd name="connsiteY13" fmla="*/ 253219 h 604911"/>
+              <a:gd name="connsiteX14" fmla="*/ 731520 w 773723"/>
+              <a:gd name="connsiteY14" fmla="*/ 154745 h 604911"/>
+              <a:gd name="connsiteX15" fmla="*/ 661181 w 773723"/>
+              <a:gd name="connsiteY15" fmla="*/ 84406 h 604911"/>
+              <a:gd name="connsiteX16" fmla="*/ 576775 w 773723"/>
+              <a:gd name="connsiteY16" fmla="*/ 28136 h 604911"/>
+              <a:gd name="connsiteX17" fmla="*/ 464234 w 773723"/>
+              <a:gd name="connsiteY17" fmla="*/ 42203 h 604911"/>
+              <a:gd name="connsiteX18" fmla="*/ 436098 w 773723"/>
+              <a:gd name="connsiteY18" fmla="*/ 70339 h 604911"/>
+              <a:gd name="connsiteX19" fmla="*/ 393895 w 773723"/>
+              <a:gd name="connsiteY19" fmla="*/ 84406 h 604911"/>
+              <a:gd name="connsiteX20" fmla="*/ 351692 w 773723"/>
+              <a:gd name="connsiteY20" fmla="*/ 70339 h 604911"/>
+              <a:gd name="connsiteX21" fmla="*/ 267286 w 773723"/>
+              <a:gd name="connsiteY21" fmla="*/ 56271 h 604911"/>
+              <a:gd name="connsiteX22" fmla="*/ 168812 w 773723"/>
+              <a:gd name="connsiteY22" fmla="*/ 0 h 604911"/>
+            </a:gdLst>
+            <a:ahLst/>
+            <a:cxnLst>
+              <a:cxn ang="0">
+                <a:pos x="connsiteX0" y="connsiteY0"/>
+              </a:cxn>
+              <a:cxn ang="0">
+                <a:pos x="connsiteX1" y="connsiteY1"/>
+              </a:cxn>
+              <a:cxn ang="0">
+                <a:pos x="connsiteX2" y="connsiteY2"/>
+              </a:cxn>
+              <a:cxn ang="0">
+                <a:pos x="connsiteX3" y="connsiteY3"/>
+              </a:cxn>
+              <a:cxn ang="0">
+                <a:pos x="connsiteX4" y="connsiteY4"/>
+              </a:cxn>
+              <a:cxn ang="0">
+                <a:pos x="connsiteX5" y="connsiteY5"/>
+              </a:cxn>
+              <a:cxn ang="0">
+                <a:pos x="connsiteX6" y="connsiteY6"/>
+              </a:cxn>
+              <a:cxn ang="0">
+                <a:pos x="connsiteX7" y="connsiteY7"/>
+              </a:cxn>
+              <a:cxn ang="0">
+                <a:pos x="connsiteX8" y="connsiteY8"/>
+              </a:cxn>
+              <a:cxn ang="0">
+                <a:pos x="connsiteX9" y="connsiteY9"/>
+              </a:cxn>
+              <a:cxn ang="0">
+                <a:pos x="connsiteX10" y="connsiteY10"/>
+              </a:cxn>
+              <a:cxn ang="0">
+                <a:pos x="connsiteX11" y="connsiteY11"/>
+              </a:cxn>
+              <a:cxn ang="0">
+                <a:pos x="connsiteX12" y="connsiteY12"/>
+              </a:cxn>
+              <a:cxn ang="0">
+                <a:pos x="connsiteX13" y="connsiteY13"/>
+              </a:cxn>
+              <a:cxn ang="0">
+                <a:pos x="connsiteX14" y="connsiteY14"/>
+              </a:cxn>
+              <a:cxn ang="0">
+                <a:pos x="connsiteX15" y="connsiteY15"/>
+              </a:cxn>
+              <a:cxn ang="0">
+                <a:pos x="connsiteX16" y="connsiteY16"/>
+              </a:cxn>
+              <a:cxn ang="0">
+                <a:pos x="connsiteX17" y="connsiteY17"/>
+              </a:cxn>
+              <a:cxn ang="0">
+                <a:pos x="connsiteX18" y="connsiteY18"/>
+              </a:cxn>
+              <a:cxn ang="0">
+                <a:pos x="connsiteX19" y="connsiteY19"/>
+              </a:cxn>
+              <a:cxn ang="0">
+                <a:pos x="connsiteX20" y="connsiteY20"/>
+              </a:cxn>
+              <a:cxn ang="0">
+                <a:pos x="connsiteX21" y="connsiteY21"/>
+              </a:cxn>
+              <a:cxn ang="0">
+                <a:pos x="connsiteX22" y="connsiteY22"/>
+              </a:cxn>
+            </a:cxnLst>
+            <a:rect l="l" t="t" r="r" b="b"/>
+            <a:pathLst>
+              <a:path w="773723" h="604911">
+                <a:moveTo>
+                  <a:pt x="168812" y="0"/>
+                </a:moveTo>
+                <a:lnTo>
+                  <a:pt x="168812" y="0"/>
+                </a:lnTo>
+                <a:cubicBezTo>
+                  <a:pt x="92586" y="28585"/>
+                  <a:pt x="68468" y="19923"/>
+                  <a:pt x="28135" y="70339"/>
+                </a:cubicBezTo>
+                <a:cubicBezTo>
+                  <a:pt x="17573" y="83541"/>
+                  <a:pt x="9378" y="98474"/>
+                  <a:pt x="0" y="112542"/>
+                </a:cubicBezTo>
+                <a:cubicBezTo>
+                  <a:pt x="4689" y="239151"/>
+                  <a:pt x="1031" y="366346"/>
+                  <a:pt x="14068" y="492369"/>
+                </a:cubicBezTo>
+                <a:cubicBezTo>
+                  <a:pt x="15433" y="505562"/>
+                  <a:pt x="31846" y="512219"/>
+                  <a:pt x="42203" y="520505"/>
+                </a:cubicBezTo>
+                <a:cubicBezTo>
+                  <a:pt x="111164" y="575674"/>
+                  <a:pt x="64716" y="524729"/>
+                  <a:pt x="168812" y="576776"/>
+                </a:cubicBezTo>
+                <a:lnTo>
+                  <a:pt x="225083" y="604911"/>
+                </a:lnTo>
+                <a:cubicBezTo>
+                  <a:pt x="342314" y="600222"/>
+                  <a:pt x="460118" y="603342"/>
+                  <a:pt x="576775" y="590843"/>
+                </a:cubicBezTo>
+                <a:cubicBezTo>
+                  <a:pt x="662467" y="581662"/>
+                  <a:pt x="629241" y="411651"/>
+                  <a:pt x="633046" y="393896"/>
+                </a:cubicBezTo>
+                <a:cubicBezTo>
+                  <a:pt x="635825" y="380927"/>
+                  <a:pt x="650824" y="374045"/>
+                  <a:pt x="661181" y="365760"/>
+                </a:cubicBezTo>
+                <a:cubicBezTo>
+                  <a:pt x="674384" y="355198"/>
+                  <a:pt x="689627" y="347452"/>
+                  <a:pt x="703385" y="337625"/>
+                </a:cubicBezTo>
+                <a:cubicBezTo>
+                  <a:pt x="722464" y="323997"/>
+                  <a:pt x="740898" y="309490"/>
+                  <a:pt x="759655" y="295422"/>
+                </a:cubicBezTo>
+                <a:cubicBezTo>
+                  <a:pt x="764344" y="281354"/>
+                  <a:pt x="773723" y="268048"/>
+                  <a:pt x="773723" y="253219"/>
+                </a:cubicBezTo>
+                <a:cubicBezTo>
+                  <a:pt x="773723" y="217181"/>
+                  <a:pt x="754492" y="180999"/>
+                  <a:pt x="731520" y="154745"/>
+                </a:cubicBezTo>
+                <a:cubicBezTo>
+                  <a:pt x="709685" y="129791"/>
+                  <a:pt x="688770" y="102799"/>
+                  <a:pt x="661181" y="84406"/>
+                </a:cubicBezTo>
+                <a:lnTo>
+                  <a:pt x="576775" y="28136"/>
+                </a:lnTo>
+                <a:cubicBezTo>
+                  <a:pt x="539261" y="32825"/>
+                  <a:pt x="500445" y="31340"/>
+                  <a:pt x="464234" y="42203"/>
+                </a:cubicBezTo>
+                <a:cubicBezTo>
+                  <a:pt x="451530" y="46014"/>
+                  <a:pt x="447471" y="63515"/>
+                  <a:pt x="436098" y="70339"/>
+                </a:cubicBezTo>
+                <a:cubicBezTo>
+                  <a:pt x="423383" y="77968"/>
+                  <a:pt x="407963" y="79717"/>
+                  <a:pt x="393895" y="84406"/>
+                </a:cubicBezTo>
+                <a:cubicBezTo>
+                  <a:pt x="379827" y="79717"/>
+                  <a:pt x="366167" y="73556"/>
+                  <a:pt x="351692" y="70339"/>
+                </a:cubicBezTo>
+                <a:cubicBezTo>
+                  <a:pt x="323848" y="64151"/>
+                  <a:pt x="294346" y="65291"/>
+                  <a:pt x="267286" y="56271"/>
+                </a:cubicBezTo>
+                <a:cubicBezTo>
+                  <a:pt x="167275" y="22934"/>
+                  <a:pt x="185224" y="9378"/>
+                  <a:pt x="168812" y="0"/>
+                </a:cubicBezTo>
+                <a:close/>
+              </a:path>
+            </a:pathLst>
+          </a:custGeom>
+          <a:solidFill>
+            <a:schemeClr val="bg1"/>
+          </a:solidFill>
+        </p:spPr>
+        <p:style>
+          <a:lnRef idx="2">
+            <a:schemeClr val="accent1">
+              <a:shade val="50000"/>
+            </a:schemeClr>
+          </a:lnRef>
+          <a:fillRef idx="1">
+            <a:schemeClr val="accent1"/>
+          </a:fillRef>
+          <a:effectRef idx="0">
+            <a:schemeClr val="accent1"/>
+          </a:effectRef>
+          <a:fontRef idx="minor">
+            <a:schemeClr val="lt1"/>
+          </a:fontRef>
+        </p:style>
+        <p:txBody>
+          <a:bodyPr rtlCol="0" anchor="ctr"/>
+          <a:lstStyle/>
+          <a:p>
+            <a:pPr algn="ctr"/>
+            <a:endParaRPr lang="en-GB"/>
+          </a:p>
+        </p:txBody>
+      </p:sp>
+      <p:sp>
+        <p:nvSpPr>
+          <p:cNvPr id="56" name="CasellaDiTesto 55">
+            <a:extLst>
+              <a:ext uri="{FF2B5EF4-FFF2-40B4-BE49-F238E27FC236}">
+                <a16:creationId xmlns:a16="http://schemas.microsoft.com/office/drawing/2014/main" id="{1E596E4B-6664-48FA-BA75-AB0E09F7139C}"/>
+              </a:ext>
+            </a:extLst>
+          </p:cNvPr>
+          <p:cNvSpPr txBox="1"/>
+          <p:nvPr/>
+        </p:nvSpPr>
+        <p:spPr>
+          <a:xfrm>
+            <a:off x="1722880" y="2817594"/>
+            <a:ext cx="978075" cy="276999"/>
+          </a:xfrm>
+          <a:prstGeom prst="rect">
+            <a:avLst/>
+          </a:prstGeom>
+          <a:noFill/>
+        </p:spPr>
+        <p:txBody>
+          <a:bodyPr wrap="square" rtlCol="0">
+            <a:spAutoFit/>
+          </a:bodyPr>
+          <a:lstStyle/>
+          <a:p>
+            <a:r>
+              <a:rPr lang="it-IT" sz="1200" dirty="0" err="1"/>
+              <a:t>proceed</a:t>
+            </a:r>
+            <a:endParaRPr lang="it-IT" sz="1200" dirty="0"/>
+          </a:p>
+        </p:txBody>
+      </p:sp>
+      <p:sp>
+        <p:nvSpPr>
+          <p:cNvPr id="153" name="CasellaDiTesto 152">
+            <a:extLst>
+              <a:ext uri="{FF2B5EF4-FFF2-40B4-BE49-F238E27FC236}">
+                <a16:creationId xmlns:a16="http://schemas.microsoft.com/office/drawing/2014/main" id="{00074C12-1AFE-47CE-BB56-F1B180F40646}"/>
+              </a:ext>
+            </a:extLst>
+          </p:cNvPr>
+          <p:cNvSpPr txBox="1"/>
+          <p:nvPr/>
+        </p:nvSpPr>
+        <p:spPr>
+          <a:xfrm>
+            <a:off x="649396" y="2444669"/>
+            <a:ext cx="1452218" cy="276999"/>
+          </a:xfrm>
+          <a:prstGeom prst="rect">
+            <a:avLst/>
+          </a:prstGeom>
+          <a:noFill/>
+        </p:spPr>
+        <p:txBody>
+          <a:bodyPr wrap="square" rtlCol="0">
+            <a:spAutoFit/>
+          </a:bodyPr>
+          <a:lstStyle/>
+          <a:p>
+            <a:r>
+              <a:rPr lang="it-IT" sz="1200" b="1" dirty="0"/>
+              <a:t>GuiController.java</a:t>
+            </a:r>
+          </a:p>
+        </p:txBody>
+      </p:sp>
+      <p:cxnSp>
+        <p:nvCxnSpPr>
+          <p:cNvPr id="154" name="Connettore 2 153">
+            <a:extLst>
+              <a:ext uri="{FF2B5EF4-FFF2-40B4-BE49-F238E27FC236}">
+                <a16:creationId xmlns:a16="http://schemas.microsoft.com/office/drawing/2014/main" id="{FF80CB22-61B2-4570-A299-DFB2EE70AB51}"/>
+              </a:ext>
+            </a:extLst>
+          </p:cNvPr>
+          <p:cNvCxnSpPr>
+            <a:cxnSpLocks/>
+          </p:cNvCxnSpPr>
+          <p:nvPr/>
+        </p:nvCxnSpPr>
+        <p:spPr>
+          <a:xfrm>
+            <a:off x="712837" y="2830574"/>
+            <a:ext cx="3527" cy="883184"/>
+          </a:xfrm>
+          <a:prstGeom prst="straightConnector1">
+            <a:avLst/>
+          </a:prstGeom>
+          <a:ln>
+            <a:prstDash val="lgDash"/>
+            <a:tailEnd type="arrow"/>
+          </a:ln>
+        </p:spPr>
+        <p:style>
+          <a:lnRef idx="1">
+            <a:schemeClr val="accent1"/>
+          </a:lnRef>
+          <a:fillRef idx="0">
+            <a:schemeClr val="accent1"/>
+          </a:fillRef>
+          <a:effectRef idx="0">
+            <a:schemeClr val="accent1"/>
+          </a:effectRef>
+          <a:fontRef idx="minor">
+            <a:schemeClr val="tx1"/>
+          </a:fontRef>
+        </p:style>
+      </p:cxnSp>
+      <p:cxnSp>
+        <p:nvCxnSpPr>
+          <p:cNvPr id="155" name="Connettore 2 154">
+            <a:extLst>
+              <a:ext uri="{FF2B5EF4-FFF2-40B4-BE49-F238E27FC236}">
+                <a16:creationId xmlns:a16="http://schemas.microsoft.com/office/drawing/2014/main" id="{97556089-2CB4-4443-AC12-7BD1F95F6109}"/>
+              </a:ext>
+            </a:extLst>
+          </p:cNvPr>
+          <p:cNvCxnSpPr>
+            <a:cxnSpLocks/>
+          </p:cNvCxnSpPr>
+          <p:nvPr/>
+        </p:nvCxnSpPr>
+        <p:spPr>
+          <a:xfrm>
+            <a:off x="1578180" y="2815567"/>
+            <a:ext cx="1389488" cy="0"/>
+          </a:xfrm>
+          <a:prstGeom prst="straightConnector1">
+            <a:avLst/>
+          </a:prstGeom>
+          <a:ln>
+            <a:prstDash val="lgDash"/>
+            <a:tailEnd type="arrow"/>
+          </a:ln>
+        </p:spPr>
+        <p:style>
+          <a:lnRef idx="1">
+            <a:schemeClr val="accent1"/>
+          </a:lnRef>
+          <a:fillRef idx="0">
+            <a:schemeClr val="accent1"/>
+          </a:fillRef>
+          <a:effectRef idx="0">
+            <a:schemeClr val="accent1"/>
+          </a:effectRef>
+          <a:fontRef idx="minor">
+            <a:schemeClr val="tx1"/>
+          </a:fontRef>
+        </p:style>
+      </p:cxnSp>
+      <p:cxnSp>
+        <p:nvCxnSpPr>
+          <p:cNvPr id="156" name="Connettore 2 155">
+            <a:extLst>
+              <a:ext uri="{FF2B5EF4-FFF2-40B4-BE49-F238E27FC236}">
+                <a16:creationId xmlns:a16="http://schemas.microsoft.com/office/drawing/2014/main" id="{3F95BB2E-50C0-4AB6-B9C3-E8AB684CCCC4}"/>
+              </a:ext>
+            </a:extLst>
+          </p:cNvPr>
+          <p:cNvCxnSpPr>
+            <a:cxnSpLocks/>
+          </p:cNvCxnSpPr>
+          <p:nvPr/>
+        </p:nvCxnSpPr>
+        <p:spPr>
+          <a:xfrm flipV="1">
+            <a:off x="1634896" y="2465457"/>
+            <a:ext cx="1362871" cy="908"/>
+          </a:xfrm>
+          <a:prstGeom prst="straightConnector1">
+            <a:avLst/>
+          </a:prstGeom>
+          <a:ln>
+            <a:prstDash val="lgDash"/>
+            <a:tailEnd type="arrow"/>
+          </a:ln>
+        </p:spPr>
+        <p:style>
+          <a:lnRef idx="1">
+            <a:schemeClr val="accent1"/>
+          </a:lnRef>
+          <a:fillRef idx="0">
+            <a:schemeClr val="accent1"/>
+          </a:fillRef>
+          <a:effectRef idx="0">
+            <a:schemeClr val="accent1"/>
+          </a:effectRef>
+          <a:fontRef idx="minor">
+            <a:schemeClr val="tx1"/>
+          </a:fontRef>
+        </p:style>
+      </p:cxnSp>
+      <p:sp>
+        <p:nvSpPr>
+          <p:cNvPr id="159" name="CasellaDiTesto 158">
+            <a:extLst>
+              <a:ext uri="{FF2B5EF4-FFF2-40B4-BE49-F238E27FC236}">
+                <a16:creationId xmlns:a16="http://schemas.microsoft.com/office/drawing/2014/main" id="{03A6BB62-8C07-4223-8EBB-5D6143DC5119}"/>
+              </a:ext>
+            </a:extLst>
+          </p:cNvPr>
+          <p:cNvSpPr txBox="1"/>
+          <p:nvPr/>
+        </p:nvSpPr>
+        <p:spPr>
+          <a:xfrm>
+            <a:off x="642010" y="3056307"/>
+            <a:ext cx="978075" cy="461665"/>
+          </a:xfrm>
+          <a:prstGeom prst="rect">
+            <a:avLst/>
+          </a:prstGeom>
+          <a:noFill/>
+        </p:spPr>
+        <p:txBody>
+          <a:bodyPr wrap="square" rtlCol="0">
+            <a:spAutoFit/>
+          </a:bodyPr>
+          <a:lstStyle/>
+          <a:p>
+            <a:r>
+              <a:rPr lang="it-IT" sz="1200" dirty="0" err="1"/>
+              <a:t>webSocket</a:t>
+            </a:r>
+            <a:endParaRPr lang="it-IT" sz="1200" dirty="0"/>
+          </a:p>
+          <a:p>
+            <a:r>
+              <a:rPr lang="it-IT" sz="1200" dirty="0"/>
+              <a:t>Interaction</a:t>
+            </a:r>
+          </a:p>
+        </p:txBody>
+      </p:sp>
+      <p:sp>
+        <p:nvSpPr>
+          <p:cNvPr id="160" name="CasellaDiTesto 159">
+            <a:extLst>
+              <a:ext uri="{FF2B5EF4-FFF2-40B4-BE49-F238E27FC236}">
+                <a16:creationId xmlns:a16="http://schemas.microsoft.com/office/drawing/2014/main" id="{F4608196-EF21-4FCC-A2FD-ED6AE662FE57}"/>
+              </a:ext>
+            </a:extLst>
+          </p:cNvPr>
+          <p:cNvSpPr txBox="1"/>
+          <p:nvPr/>
+        </p:nvSpPr>
+        <p:spPr>
+          <a:xfrm>
+            <a:off x="1751475" y="2160925"/>
+            <a:ext cx="978075" cy="276999"/>
+          </a:xfrm>
+          <a:prstGeom prst="rect">
+            <a:avLst/>
+          </a:prstGeom>
+          <a:noFill/>
+        </p:spPr>
+        <p:txBody>
+          <a:bodyPr wrap="square" rtlCol="0">
+            <a:spAutoFit/>
+          </a:bodyPr>
+          <a:lstStyle/>
+          <a:p>
+            <a:r>
+              <a:rPr lang="it-IT" sz="1200" dirty="0"/>
+              <a:t>ring(T)</a:t>
+            </a:r>
+          </a:p>
+        </p:txBody>
+      </p:sp>
+      <p:sp>
+        <p:nvSpPr>
+          <p:cNvPr id="161" name="CasellaDiTesto 160">
+            <a:extLst>
+              <a:ext uri="{FF2B5EF4-FFF2-40B4-BE49-F238E27FC236}">
+                <a16:creationId xmlns:a16="http://schemas.microsoft.com/office/drawing/2014/main" id="{89F1B0E4-2386-4EFC-8261-83A6DF040888}"/>
+              </a:ext>
+            </a:extLst>
+          </p:cNvPr>
+          <p:cNvSpPr txBox="1"/>
+          <p:nvPr/>
+        </p:nvSpPr>
+        <p:spPr>
+          <a:xfrm>
+            <a:off x="1317540" y="4730808"/>
+            <a:ext cx="1601902" cy="276999"/>
+          </a:xfrm>
+          <a:prstGeom prst="rect">
+            <a:avLst/>
+          </a:prstGeom>
+          <a:noFill/>
+        </p:spPr>
+        <p:txBody>
+          <a:bodyPr wrap="square" rtlCol="0">
+            <a:spAutoFit/>
+          </a:bodyPr>
+          <a:lstStyle/>
+          <a:p>
+            <a:r>
+              <a:rPr lang="it-IT" sz="1200" b="1" dirty="0"/>
+              <a:t>tearoomSocket.html</a:t>
+            </a:r>
+          </a:p>
+        </p:txBody>
+      </p:sp>
+    </p:spTree>
+    <p:extLst>
+      <p:ext uri="{BB962C8B-B14F-4D97-AF65-F5344CB8AC3E}">
+        <p14:creationId xmlns:p14="http://schemas.microsoft.com/office/powerpoint/2010/main" val="2519175076"/>
+      </p:ext>
+    </p:extLst>
+  </p:cSld>
+  <p:clrMapOvr>
+    <a:masterClrMapping/>
+  </p:clrMapOvr>
+  <p:timing>
+    <p:tnLst>
+      <p:par>
+        <p:cTn id="1" dur="indefinite" restart="never" nodeType="tmRoot">
+          <p:childTnLst>
+            <p:seq concurrent="1" nextAc="seek">
+              <p:cTn id="2" dur="indefinite" nodeType="mainSeq">
+                <p:childTnLst>
+                  <p:par>
+                    <p:cTn id="3" fill="hold">
+                      <p:stCondLst>
+                        <p:cond delay="indefinite"/>
+                        <p:cond evt="onBegin" delay="0">
+                          <p:tn val="2"/>
+                        </p:cond>
+                      </p:stCondLst>
+                      <p:childTnLst>
+                        <p:par>
+                          <p:cTn id="4" fill="hold">
+                            <p:stCondLst>
+                              <p:cond delay="0"/>
+                            </p:stCondLst>
+                            <p:childTnLst>
+                              <p:par>
+                                <p:cTn id="5" presetID="2" presetClass="entr" presetSubtype="4" fill="hold" nodeType="withEffect">
+                                  <p:stCondLst>
+                                    <p:cond delay="0"/>
+                                  </p:stCondLst>
+                                  <p:childTnLst>
+                                    <p:set>
+                                      <p:cBhvr>
+                                        <p:cTn id="6" dur="1" fill="hold">
+                                          <p:stCondLst>
+                                            <p:cond delay="0"/>
+                                          </p:stCondLst>
+                                        </p:cTn>
+                                        <p:tgtEl>
+                                          <p:spTgt spid="148"/>
+                                        </p:tgtEl>
+                                        <p:attrNameLst>
+                                          <p:attrName>style.visibility</p:attrName>
+                                        </p:attrNameLst>
+                                      </p:cBhvr>
+                                      <p:to>
+                                        <p:strVal val="visible"/>
+                                      </p:to>
+                                    </p:set>
+                                    <p:anim calcmode="lin" valueType="num">
+                                      <p:cBhvr additive="base">
+                                        <p:cTn id="7" dur="500" fill="hold"/>
+                                        <p:tgtEl>
+                                          <p:spTgt spid="148"/>
+                                        </p:tgtEl>
+                                        <p:attrNameLst>
+                                          <p:attrName>ppt_x</p:attrName>
+                                        </p:attrNameLst>
+                                      </p:cBhvr>
+                                      <p:tavLst>
+                                        <p:tav tm="0">
+                                          <p:val>
+                                            <p:strVal val="#ppt_x"/>
+                                          </p:val>
+                                        </p:tav>
+                                        <p:tav tm="100000">
+                                          <p:val>
+                                            <p:strVal val="#ppt_x"/>
+                                          </p:val>
+                                        </p:tav>
+                                      </p:tavLst>
+                                    </p:anim>
+                                    <p:anim calcmode="lin" valueType="num">
+                                      <p:cBhvr additive="base">
+                                        <p:cTn id="8" dur="500" fill="hold"/>
+                                        <p:tgtEl>
+                                          <p:spTgt spid="148"/>
+                                        </p:tgtEl>
+                                        <p:attrNameLst>
+                                          <p:attrName>ppt_y</p:attrName>
+                                        </p:attrNameLst>
+                                      </p:cBhvr>
+                                      <p:tavLst>
+                                        <p:tav tm="0">
+                                          <p:val>
+                                            <p:strVal val="1+#ppt_h/2"/>
+                                          </p:val>
+                                        </p:tav>
+                                        <p:tav tm="100000">
+                                          <p:val>
+                                            <p:strVal val="#ppt_y"/>
+                                          </p:val>
+                                        </p:tav>
+                                      </p:tavLst>
+                                    </p:anim>
+                                  </p:childTnLst>
+                                </p:cTn>
+                              </p:par>
+                            </p:childTnLst>
+                          </p:cTn>
+                        </p:par>
+                      </p:childTnLst>
+                    </p:cTn>
+                  </p:par>
+                </p:childTnLst>
+              </p:cTn>
+              <p:prevCondLst>
+                <p:cond evt="onPrev" delay="0">
+                  <p:tgtEl>
+                    <p:sldTgt/>
+                  </p:tgtEl>
+                </p:cond>
+              </p:prevCondLst>
+              <p:nextCondLst>
+                <p:cond evt="onNext" delay="0">
+                  <p:tgtEl>
+                    <p:sldTgt/>
+                  </p:tgtEl>
+                </p:cond>
+              </p:nextCondLst>
+            </p:seq>
+          </p:childTnLst>
+        </p:cTn>
+      </p:par>
+    </p:tnLst>
+  </p:timing>
+</p:sld>
+</file>
+
 <file path=ppt/theme/theme1.xml><?xml version="1.0" encoding="utf-8"?>
 <a:theme xmlns:a="http://schemas.openxmlformats.org/drawingml/2006/main" name="Tema di Office">
   <a:themeElements>

--- a/DOCUMENTS/Diagrammi.pptx
+++ b/DOCUMENTS/Diagrammi.pptx
@@ -5,7 +5,7 @@
     <p:sldMasterId id="2147483648" r:id="rId1"/>
   </p:sldMasterIdLst>
   <p:notesMasterIdLst>
-    <p:notesMasterId r:id="rId10"/>
+    <p:notesMasterId r:id="rId11"/>
   </p:notesMasterIdLst>
   <p:sldIdLst>
     <p:sldId id="256" r:id="rId2"/>
@@ -16,6 +16,7 @@
     <p:sldId id="354" r:id="rId7"/>
     <p:sldId id="355" r:id="rId8"/>
     <p:sldId id="356" r:id="rId9"/>
+    <p:sldId id="357" r:id="rId10"/>
   </p:sldIdLst>
   <p:sldSz cx="12192000" cy="6858000"/>
   <p:notesSz cx="6858000" cy="9144000"/>
@@ -204,7 +205,7 @@
           <a:p>
             <a:fld id="{840E2AAB-1006-4BA7-817F-86A01148584B}" type="datetimeFigureOut">
               <a:rPr lang="it-IT" smtClean="0"/>
-              <a:t>10/07/2020</a:t>
+              <a:t>16/07/2020</a:t>
             </a:fld>
             <a:endParaRPr lang="it-IT"/>
           </a:p>
@@ -618,7 +619,7 @@
           <a:p>
             <a:fld id="{0210BBF0-42E9-4380-BF75-9938A7ED37A5}" type="datetimeFigureOut">
               <a:rPr lang="it-IT" smtClean="0"/>
-              <a:t>10/07/2020</a:t>
+              <a:t>16/07/2020</a:t>
             </a:fld>
             <a:endParaRPr lang="it-IT"/>
           </a:p>
@@ -816,7 +817,7 @@
           <a:p>
             <a:fld id="{0210BBF0-42E9-4380-BF75-9938A7ED37A5}" type="datetimeFigureOut">
               <a:rPr lang="it-IT" smtClean="0"/>
-              <a:t>10/07/2020</a:t>
+              <a:t>16/07/2020</a:t>
             </a:fld>
             <a:endParaRPr lang="it-IT"/>
           </a:p>
@@ -1024,7 +1025,7 @@
           <a:p>
             <a:fld id="{0210BBF0-42E9-4380-BF75-9938A7ED37A5}" type="datetimeFigureOut">
               <a:rPr lang="it-IT" smtClean="0"/>
-              <a:t>10/07/2020</a:t>
+              <a:t>16/07/2020</a:t>
             </a:fld>
             <a:endParaRPr lang="it-IT"/>
           </a:p>
@@ -1222,7 +1223,7 @@
           <a:p>
             <a:fld id="{0210BBF0-42E9-4380-BF75-9938A7ED37A5}" type="datetimeFigureOut">
               <a:rPr lang="it-IT" smtClean="0"/>
-              <a:t>10/07/2020</a:t>
+              <a:t>16/07/2020</a:t>
             </a:fld>
             <a:endParaRPr lang="it-IT"/>
           </a:p>
@@ -1497,7 +1498,7 @@
           <a:p>
             <a:fld id="{0210BBF0-42E9-4380-BF75-9938A7ED37A5}" type="datetimeFigureOut">
               <a:rPr lang="it-IT" smtClean="0"/>
-              <a:t>10/07/2020</a:t>
+              <a:t>16/07/2020</a:t>
             </a:fld>
             <a:endParaRPr lang="it-IT"/>
           </a:p>
@@ -1762,7 +1763,7 @@
           <a:p>
             <a:fld id="{0210BBF0-42E9-4380-BF75-9938A7ED37A5}" type="datetimeFigureOut">
               <a:rPr lang="it-IT" smtClean="0"/>
-              <a:t>10/07/2020</a:t>
+              <a:t>16/07/2020</a:t>
             </a:fld>
             <a:endParaRPr lang="it-IT"/>
           </a:p>
@@ -2174,7 +2175,7 @@
           <a:p>
             <a:fld id="{0210BBF0-42E9-4380-BF75-9938A7ED37A5}" type="datetimeFigureOut">
               <a:rPr lang="it-IT" smtClean="0"/>
-              <a:t>10/07/2020</a:t>
+              <a:t>16/07/2020</a:t>
             </a:fld>
             <a:endParaRPr lang="it-IT"/>
           </a:p>
@@ -2315,7 +2316,7 @@
           <a:p>
             <a:fld id="{0210BBF0-42E9-4380-BF75-9938A7ED37A5}" type="datetimeFigureOut">
               <a:rPr lang="it-IT" smtClean="0"/>
-              <a:t>10/07/2020</a:t>
+              <a:t>16/07/2020</a:t>
             </a:fld>
             <a:endParaRPr lang="it-IT"/>
           </a:p>
@@ -2428,7 +2429,7 @@
           <a:p>
             <a:fld id="{0210BBF0-42E9-4380-BF75-9938A7ED37A5}" type="datetimeFigureOut">
               <a:rPr lang="it-IT" smtClean="0"/>
-              <a:t>10/07/2020</a:t>
+              <a:t>16/07/2020</a:t>
             </a:fld>
             <a:endParaRPr lang="it-IT"/>
           </a:p>
@@ -2739,7 +2740,7 @@
           <a:p>
             <a:fld id="{0210BBF0-42E9-4380-BF75-9938A7ED37A5}" type="datetimeFigureOut">
               <a:rPr lang="it-IT" smtClean="0"/>
-              <a:t>10/07/2020</a:t>
+              <a:t>16/07/2020</a:t>
             </a:fld>
             <a:endParaRPr lang="it-IT"/>
           </a:p>
@@ -3027,7 +3028,7 @@
           <a:p>
             <a:fld id="{0210BBF0-42E9-4380-BF75-9938A7ED37A5}" type="datetimeFigureOut">
               <a:rPr lang="it-IT" smtClean="0"/>
-              <a:t>10/07/2020</a:t>
+              <a:t>16/07/2020</a:t>
             </a:fld>
             <a:endParaRPr lang="it-IT"/>
           </a:p>
@@ -3268,7 +3269,7 @@
           <a:p>
             <a:fld id="{0210BBF0-42E9-4380-BF75-9938A7ED37A5}" type="datetimeFigureOut">
               <a:rPr lang="it-IT" smtClean="0"/>
-              <a:t>10/07/2020</a:t>
+              <a:t>16/07/2020</a:t>
             </a:fld>
             <a:endParaRPr lang="it-IT"/>
           </a:p>
@@ -30749,6 +30750,6089 @@
 </p:sld>
 </file>
 
+<file path=ppt/slides/slide9.xml><?xml version="1.0" encoding="utf-8"?>
+<p:sld xmlns:a="http://schemas.openxmlformats.org/drawingml/2006/main" xmlns:r="http://schemas.openxmlformats.org/officeDocument/2006/relationships" xmlns:p="http://schemas.openxmlformats.org/presentationml/2006/main">
+  <p:cSld>
+    <p:spTree>
+      <p:nvGrpSpPr>
+        <p:cNvPr id="1" name=""/>
+        <p:cNvGrpSpPr/>
+        <p:nvPr/>
+      </p:nvGrpSpPr>
+      <p:grpSpPr>
+        <a:xfrm>
+          <a:off x="0" y="0"/>
+          <a:ext cx="0" cy="0"/>
+          <a:chOff x="0" y="0"/>
+          <a:chExt cx="0" cy="0"/>
+        </a:xfrm>
+      </p:grpSpPr>
+      <p:grpSp>
+        <p:nvGrpSpPr>
+          <p:cNvPr id="71" name="Gruppo 70">
+            <a:extLst>
+              <a:ext uri="{FF2B5EF4-FFF2-40B4-BE49-F238E27FC236}">
+                <a16:creationId xmlns:a16="http://schemas.microsoft.com/office/drawing/2014/main" id="{BA9BDF81-94D2-4CCA-BE53-4763ECB9EEBB}"/>
+              </a:ext>
+            </a:extLst>
+          </p:cNvPr>
+          <p:cNvGrpSpPr/>
+          <p:nvPr/>
+        </p:nvGrpSpPr>
+        <p:grpSpPr>
+          <a:xfrm>
+            <a:off x="3052191" y="2163512"/>
+            <a:ext cx="4825364" cy="3845409"/>
+            <a:chOff x="1533915" y="344932"/>
+            <a:chExt cx="6848127" cy="5343655"/>
+          </a:xfrm>
+        </p:grpSpPr>
+        <p:sp>
+          <p:nvSpPr>
+            <p:cNvPr id="72" name="Rettangolo arrotondato 3">
+              <a:extLst>
+                <a:ext uri="{FF2B5EF4-FFF2-40B4-BE49-F238E27FC236}">
+                  <a16:creationId xmlns:a16="http://schemas.microsoft.com/office/drawing/2014/main" id="{078DEE61-8D00-4D19-B614-F5A7ACD5FB5F}"/>
+                </a:ext>
+              </a:extLst>
+            </p:cNvPr>
+            <p:cNvSpPr/>
+            <p:nvPr/>
+          </p:nvSpPr>
+          <p:spPr>
+            <a:xfrm>
+              <a:off x="1533915" y="495016"/>
+              <a:ext cx="6848127" cy="5076667"/>
+            </a:xfrm>
+            <a:prstGeom prst="roundRect">
+              <a:avLst/>
+            </a:prstGeom>
+            <a:solidFill>
+              <a:srgbClr val="CCFFCC"/>
+            </a:solidFill>
+          </p:spPr>
+          <p:style>
+            <a:lnRef idx="2">
+              <a:schemeClr val="accent1">
+                <a:shade val="50000"/>
+              </a:schemeClr>
+            </a:lnRef>
+            <a:fillRef idx="1">
+              <a:schemeClr val="accent1"/>
+            </a:fillRef>
+            <a:effectRef idx="0">
+              <a:schemeClr val="accent1"/>
+            </a:effectRef>
+            <a:fontRef idx="minor">
+              <a:schemeClr val="lt1"/>
+            </a:fontRef>
+          </p:style>
+          <p:txBody>
+            <a:bodyPr rot="0" spcFirstLastPara="0" vertOverflow="overflow" horzOverflow="overflow" vert="horz" wrap="square" lIns="91440" tIns="45720" rIns="91440" bIns="45720" numCol="1" spcCol="0" rtlCol="0" fromWordArt="0" anchor="ctr" anchorCtr="0" forceAA="0" compatLnSpc="1">
+              <a:prstTxWarp prst="textNoShape">
+                <a:avLst/>
+              </a:prstTxWarp>
+              <a:noAutofit/>
+            </a:bodyPr>
+            <a:lstStyle/>
+            <a:p>
+              <a:pPr algn="ctr"/>
+              <a:endParaRPr lang="it-IT" dirty="0"/>
+            </a:p>
+          </p:txBody>
+        </p:sp>
+        <p:sp>
+          <p:nvSpPr>
+            <p:cNvPr id="73" name="Rettangolo 11">
+              <a:extLst>
+                <a:ext uri="{FF2B5EF4-FFF2-40B4-BE49-F238E27FC236}">
+                  <a16:creationId xmlns:a16="http://schemas.microsoft.com/office/drawing/2014/main" id="{1856EB5A-5602-4F80-A80A-1778F0B8AB06}"/>
+                </a:ext>
+              </a:extLst>
+            </p:cNvPr>
+            <p:cNvSpPr/>
+            <p:nvPr/>
+          </p:nvSpPr>
+          <p:spPr>
+            <a:xfrm>
+              <a:off x="5121249" y="5366090"/>
+              <a:ext cx="1777284" cy="322497"/>
+            </a:xfrm>
+            <a:prstGeom prst="rect">
+              <a:avLst/>
+            </a:prstGeom>
+            <a:solidFill>
+              <a:srgbClr val="FFFF99"/>
+            </a:solidFill>
+          </p:spPr>
+          <p:style>
+            <a:lnRef idx="1">
+              <a:schemeClr val="accent1"/>
+            </a:lnRef>
+            <a:fillRef idx="2">
+              <a:schemeClr val="accent1"/>
+            </a:fillRef>
+            <a:effectRef idx="1">
+              <a:schemeClr val="accent1"/>
+            </a:effectRef>
+            <a:fontRef idx="minor">
+              <a:schemeClr val="dk1"/>
+            </a:fontRef>
+          </p:style>
+          <p:txBody>
+            <a:bodyPr rtlCol="0" anchor="ctr"/>
+            <a:lstStyle/>
+            <a:p>
+              <a:pPr algn="ctr"/>
+              <a:r>
+                <a:rPr lang="en-GB" sz="1600" dirty="0" err="1"/>
+                <a:t>ctxwaiter</a:t>
+              </a:r>
+              <a:endParaRPr lang="en-GB" dirty="0">
+                <a:solidFill>
+                  <a:schemeClr val="tx1"/>
+                </a:solidFill>
+              </a:endParaRPr>
+            </a:p>
+          </p:txBody>
+        </p:sp>
+        <p:sp>
+          <p:nvSpPr>
+            <p:cNvPr id="74" name="Rettangolo 12">
+              <a:extLst>
+                <a:ext uri="{FF2B5EF4-FFF2-40B4-BE49-F238E27FC236}">
+                  <a16:creationId xmlns:a16="http://schemas.microsoft.com/office/drawing/2014/main" id="{10D15607-1E61-434F-BB2B-3C0E30C1B763}"/>
+                </a:ext>
+              </a:extLst>
+            </p:cNvPr>
+            <p:cNvSpPr/>
+            <p:nvPr/>
+          </p:nvSpPr>
+          <p:spPr>
+            <a:xfrm>
+              <a:off x="3151439" y="344932"/>
+              <a:ext cx="864096" cy="360040"/>
+            </a:xfrm>
+            <a:prstGeom prst="rect">
+              <a:avLst/>
+            </a:prstGeom>
+          </p:spPr>
+          <p:style>
+            <a:lnRef idx="1">
+              <a:schemeClr val="accent3"/>
+            </a:lnRef>
+            <a:fillRef idx="2">
+              <a:schemeClr val="accent3"/>
+            </a:fillRef>
+            <a:effectRef idx="1">
+              <a:schemeClr val="accent3"/>
+            </a:effectRef>
+            <a:fontRef idx="minor">
+              <a:schemeClr val="dk1"/>
+            </a:fontRef>
+          </p:style>
+          <p:txBody>
+            <a:bodyPr rot="0" spcFirstLastPara="0" vertOverflow="overflow" horzOverflow="overflow" vert="horz" wrap="square" lIns="91440" tIns="45720" rIns="91440" bIns="45720" numCol="1" spcCol="0" rtlCol="0" fromWordArt="0" anchor="ctr" anchorCtr="0" forceAA="0" compatLnSpc="1">
+              <a:prstTxWarp prst="textNoShape">
+                <a:avLst/>
+              </a:prstTxWarp>
+              <a:noAutofit/>
+            </a:bodyPr>
+            <a:lstStyle/>
+            <a:p>
+              <a:pPr algn="ctr"/>
+              <a:r>
+                <a:rPr lang="it-IT" sz="1600" dirty="0"/>
+                <a:t>8050</a:t>
+              </a:r>
+              <a:endParaRPr lang="it-IT" dirty="0"/>
+            </a:p>
+          </p:txBody>
+        </p:sp>
+        <p:grpSp>
+          <p:nvGrpSpPr>
+            <p:cNvPr id="76" name="Gruppo 44">
+              <a:extLst>
+                <a:ext uri="{FF2B5EF4-FFF2-40B4-BE49-F238E27FC236}">
+                  <a16:creationId xmlns:a16="http://schemas.microsoft.com/office/drawing/2014/main" id="{58A80BF4-E3A4-428F-BAE3-0D13F6DCDA47}"/>
+                </a:ext>
+              </a:extLst>
+            </p:cNvPr>
+            <p:cNvGrpSpPr/>
+            <p:nvPr/>
+          </p:nvGrpSpPr>
+          <p:grpSpPr>
+            <a:xfrm>
+              <a:off x="2784177" y="1945576"/>
+              <a:ext cx="1696868" cy="1234656"/>
+              <a:chOff x="2460218" y="2004001"/>
+              <a:chExt cx="1696868" cy="1234656"/>
+            </a:xfrm>
+          </p:grpSpPr>
+          <p:sp>
+            <p:nvSpPr>
+              <p:cNvPr id="77" name="Triangolo isoscele 45">
+                <a:extLst>
+                  <a:ext uri="{FF2B5EF4-FFF2-40B4-BE49-F238E27FC236}">
+                    <a16:creationId xmlns:a16="http://schemas.microsoft.com/office/drawing/2014/main" id="{65AECDF3-9482-40B0-9AB1-7DD8FC830E8B}"/>
+                  </a:ext>
+                </a:extLst>
+              </p:cNvPr>
+              <p:cNvSpPr/>
+              <p:nvPr/>
+            </p:nvSpPr>
+            <p:spPr>
+              <a:xfrm rot="5400000">
+                <a:off x="3220535" y="2242777"/>
+                <a:ext cx="998084" cy="875019"/>
+              </a:xfrm>
+              <a:prstGeom prst="triangle">
+                <a:avLst/>
+              </a:prstGeom>
+              <a:solidFill>
+                <a:srgbClr val="CCFF66"/>
+              </a:solidFill>
+              <a:ln/>
+            </p:spPr>
+            <p:style>
+              <a:lnRef idx="1">
+                <a:schemeClr val="accent5"/>
+              </a:lnRef>
+              <a:fillRef idx="2">
+                <a:schemeClr val="accent5"/>
+              </a:fillRef>
+              <a:effectRef idx="1">
+                <a:schemeClr val="accent5"/>
+              </a:effectRef>
+              <a:fontRef idx="minor">
+                <a:schemeClr val="dk1"/>
+              </a:fontRef>
+            </p:style>
+            <p:txBody>
+              <a:bodyPr rtlCol="0" anchor="ctr"/>
+              <a:lstStyle/>
+              <a:p>
+                <a:pPr algn="ctr"/>
+                <a:endParaRPr lang="en-GB" sz="1200"/>
+              </a:p>
+            </p:txBody>
+          </p:sp>
+          <p:grpSp>
+            <p:nvGrpSpPr>
+              <p:cNvPr id="78" name="Gruppo 82">
+                <a:extLst>
+                  <a:ext uri="{FF2B5EF4-FFF2-40B4-BE49-F238E27FC236}">
+                    <a16:creationId xmlns:a16="http://schemas.microsoft.com/office/drawing/2014/main" id="{98F97228-3F59-412D-89A3-9630EE5FB626}"/>
+                  </a:ext>
+                </a:extLst>
+              </p:cNvPr>
+              <p:cNvGrpSpPr/>
+              <p:nvPr/>
+            </p:nvGrpSpPr>
+            <p:grpSpPr>
+              <a:xfrm>
+                <a:off x="2460218" y="2004001"/>
+                <a:ext cx="1409185" cy="1234656"/>
+                <a:chOff x="1194666" y="2417771"/>
+                <a:chExt cx="866157" cy="763298"/>
+              </a:xfrm>
+            </p:grpSpPr>
+            <p:sp>
+              <p:nvSpPr>
+                <p:cNvPr id="80" name="Ovale 38">
+                  <a:extLst>
+                    <a:ext uri="{FF2B5EF4-FFF2-40B4-BE49-F238E27FC236}">
+                      <a16:creationId xmlns:a16="http://schemas.microsoft.com/office/drawing/2014/main" id="{0CDCCE5E-F52C-4A6C-ABA3-DFB3AAA78E49}"/>
+                    </a:ext>
+                  </a:extLst>
+                </p:cNvPr>
+                <p:cNvSpPr/>
+                <p:nvPr/>
+              </p:nvSpPr>
+              <p:spPr>
+                <a:xfrm>
+                  <a:off x="1311102" y="2460989"/>
+                  <a:ext cx="749721" cy="720080"/>
+                </a:xfrm>
+                <a:prstGeom prst="ellipse">
+                  <a:avLst/>
+                </a:prstGeom>
+                <a:solidFill>
+                  <a:srgbClr val="FFCCFF"/>
+                </a:solidFill>
+                <a:ln/>
+              </p:spPr>
+              <p:style>
+                <a:lnRef idx="1">
+                  <a:schemeClr val="accent5"/>
+                </a:lnRef>
+                <a:fillRef idx="2">
+                  <a:schemeClr val="accent5"/>
+                </a:fillRef>
+                <a:effectRef idx="1">
+                  <a:schemeClr val="accent5"/>
+                </a:effectRef>
+                <a:fontRef idx="minor">
+                  <a:schemeClr val="dk1"/>
+                </a:fontRef>
+              </p:style>
+              <p:txBody>
+                <a:bodyPr rtlCol="0" anchor="ctr"/>
+                <a:lstStyle/>
+                <a:p>
+                  <a:pPr algn="ctr"/>
+                  <a:r>
+                    <a:rPr lang="en-GB" sz="1200" dirty="0"/>
+                    <a:t> </a:t>
+                  </a:r>
+                </a:p>
+              </p:txBody>
+            </p:sp>
+            <p:sp>
+              <p:nvSpPr>
+                <p:cNvPr id="81" name="Rettangolo 39">
+                  <a:extLst>
+                    <a:ext uri="{FF2B5EF4-FFF2-40B4-BE49-F238E27FC236}">
+                      <a16:creationId xmlns:a16="http://schemas.microsoft.com/office/drawing/2014/main" id="{5B95FC2C-E475-4033-B112-581A59019BF5}"/>
+                    </a:ext>
+                  </a:extLst>
+                </p:cNvPr>
+                <p:cNvSpPr/>
+                <p:nvPr/>
+              </p:nvSpPr>
+              <p:spPr>
+                <a:xfrm>
+                  <a:off x="1194666" y="2699711"/>
+                  <a:ext cx="281433" cy="211952"/>
+                </a:xfrm>
+                <a:prstGeom prst="rect">
+                  <a:avLst/>
+                </a:prstGeom>
+                <a:solidFill>
+                  <a:srgbClr val="FFCCFF"/>
+                </a:solidFill>
+                <a:ln/>
+              </p:spPr>
+              <p:style>
+                <a:lnRef idx="1">
+                  <a:schemeClr val="accent5"/>
+                </a:lnRef>
+                <a:fillRef idx="2">
+                  <a:schemeClr val="accent5"/>
+                </a:fillRef>
+                <a:effectRef idx="1">
+                  <a:schemeClr val="accent5"/>
+                </a:effectRef>
+                <a:fontRef idx="minor">
+                  <a:schemeClr val="dk1"/>
+                </a:fontRef>
+              </p:style>
+              <p:txBody>
+                <a:bodyPr rtlCol="0" anchor="ctr"/>
+                <a:lstStyle/>
+                <a:p>
+                  <a:pPr algn="ctr"/>
+                  <a:endParaRPr lang="en-GB" sz="1200" dirty="0"/>
+                </a:p>
+              </p:txBody>
+            </p:sp>
+            <p:sp>
+              <p:nvSpPr>
+                <p:cNvPr id="82" name="Triangolo isoscele 42">
+                  <a:extLst>
+                    <a:ext uri="{FF2B5EF4-FFF2-40B4-BE49-F238E27FC236}">
+                      <a16:creationId xmlns:a16="http://schemas.microsoft.com/office/drawing/2014/main" id="{CCD0B918-9751-413C-9CC0-A89FDB12E365}"/>
+                    </a:ext>
+                  </a:extLst>
+                </p:cNvPr>
+                <p:cNvSpPr/>
+                <p:nvPr/>
+              </p:nvSpPr>
+              <p:spPr>
+                <a:xfrm rot="16200000">
+                  <a:off x="1618539" y="2391356"/>
+                  <a:ext cx="86434" cy="139263"/>
+                </a:xfrm>
+                <a:prstGeom prst="triangle">
+                  <a:avLst/>
+                </a:prstGeom>
+                <a:solidFill>
+                  <a:srgbClr val="FF0000"/>
+                </a:solidFill>
+                <a:ln/>
+              </p:spPr>
+              <p:style>
+                <a:lnRef idx="1">
+                  <a:schemeClr val="accent5"/>
+                </a:lnRef>
+                <a:fillRef idx="2">
+                  <a:schemeClr val="accent5"/>
+                </a:fillRef>
+                <a:effectRef idx="1">
+                  <a:schemeClr val="accent5"/>
+                </a:effectRef>
+                <a:fontRef idx="minor">
+                  <a:schemeClr val="dk1"/>
+                </a:fontRef>
+              </p:style>
+              <p:txBody>
+                <a:bodyPr rtlCol="0" anchor="ctr"/>
+                <a:lstStyle/>
+                <a:p>
+                  <a:pPr algn="ctr"/>
+                  <a:endParaRPr lang="en-GB" sz="1200"/>
+                </a:p>
+              </p:txBody>
+            </p:sp>
+          </p:grpSp>
+          <p:sp>
+            <p:nvSpPr>
+              <p:cNvPr id="79" name="Rettangolo 47">
+                <a:extLst>
+                  <a:ext uri="{FF2B5EF4-FFF2-40B4-BE49-F238E27FC236}">
+                    <a16:creationId xmlns:a16="http://schemas.microsoft.com/office/drawing/2014/main" id="{53CAAF0C-AAA8-4758-9F3F-EABE0E53C4DF}"/>
+                  </a:ext>
+                </a:extLst>
+              </p:cNvPr>
+              <p:cNvSpPr/>
+              <p:nvPr/>
+            </p:nvSpPr>
+            <p:spPr>
+              <a:xfrm>
+                <a:off x="2584632" y="2426203"/>
+                <a:ext cx="1199069" cy="390696"/>
+              </a:xfrm>
+              <a:prstGeom prst="rect">
+                <a:avLst/>
+              </a:prstGeom>
+            </p:spPr>
+            <p:txBody>
+              <a:bodyPr wrap="none">
+                <a:spAutoFit/>
+              </a:bodyPr>
+              <a:lstStyle/>
+              <a:p>
+                <a:r>
+                  <a:rPr lang="en-GB" sz="1400" dirty="0" err="1"/>
+                  <a:t>waiterlogic</a:t>
+                </a:r>
+                <a:endParaRPr lang="en-GB" dirty="0"/>
+              </a:p>
+            </p:txBody>
+          </p:sp>
+        </p:grpSp>
+      </p:grpSp>
+      <p:sp>
+        <p:nvSpPr>
+          <p:cNvPr id="84" name="CasellaDiTesto 83">
+            <a:extLst>
+              <a:ext uri="{FF2B5EF4-FFF2-40B4-BE49-F238E27FC236}">
+                <a16:creationId xmlns:a16="http://schemas.microsoft.com/office/drawing/2014/main" id="{7CB4C4D0-D941-442D-A870-13466BAB2C87}"/>
+              </a:ext>
+            </a:extLst>
+          </p:cNvPr>
+          <p:cNvSpPr txBox="1"/>
+          <p:nvPr/>
+        </p:nvSpPr>
+        <p:spPr>
+          <a:xfrm>
+            <a:off x="617991" y="358923"/>
+            <a:ext cx="1133484" cy="646331"/>
+          </a:xfrm>
+          <a:prstGeom prst="rect">
+            <a:avLst/>
+          </a:prstGeom>
+          <a:noFill/>
+          <a:ln>
+            <a:solidFill>
+              <a:schemeClr val="accent1"/>
+            </a:solidFill>
+          </a:ln>
+        </p:spPr>
+        <p:txBody>
+          <a:bodyPr wrap="square" rtlCol="0">
+            <a:spAutoFit/>
+          </a:bodyPr>
+          <a:lstStyle/>
+          <a:p>
+            <a:r>
+              <a:rPr lang="it-IT" dirty="0"/>
+              <a:t>SPRINT4</a:t>
+            </a:r>
+          </a:p>
+          <a:p>
+            <a:r>
+              <a:rPr lang="it-IT" dirty="0"/>
+              <a:t>Progetto</a:t>
+            </a:r>
+          </a:p>
+        </p:txBody>
+      </p:sp>
+      <p:sp>
+        <p:nvSpPr>
+          <p:cNvPr id="19" name="CasellaDiTesto 18"/>
+          <p:cNvSpPr txBox="1"/>
+          <p:nvPr/>
+        </p:nvSpPr>
+        <p:spPr>
+          <a:xfrm>
+            <a:off x="8337123" y="3642810"/>
+            <a:ext cx="496546" cy="307777"/>
+          </a:xfrm>
+          <a:prstGeom prst="rect">
+            <a:avLst/>
+          </a:prstGeom>
+          <a:noFill/>
+        </p:spPr>
+        <p:txBody>
+          <a:bodyPr wrap="none" rtlCol="0">
+            <a:spAutoFit/>
+          </a:bodyPr>
+          <a:lstStyle/>
+          <a:p>
+            <a:r>
+              <a:rPr lang="it-IT" sz="1400" dirty="0" err="1"/>
+              <a:t>step</a:t>
+            </a:r>
+            <a:endParaRPr lang="en-GB" sz="2000" dirty="0"/>
+          </a:p>
+        </p:txBody>
+      </p:sp>
+      <p:grpSp>
+        <p:nvGrpSpPr>
+          <p:cNvPr id="88" name="Gruppo 87"/>
+          <p:cNvGrpSpPr/>
+          <p:nvPr/>
+        </p:nvGrpSpPr>
+        <p:grpSpPr>
+          <a:xfrm>
+            <a:off x="7659824" y="2918966"/>
+            <a:ext cx="4458499" cy="2662866"/>
+            <a:chOff x="3846285" y="3305289"/>
+            <a:chExt cx="5407314" cy="3380278"/>
+          </a:xfrm>
+        </p:grpSpPr>
+        <p:sp>
+          <p:nvSpPr>
+            <p:cNvPr id="45" name="Rettangolo arrotondato 44"/>
+            <p:cNvSpPr/>
+            <p:nvPr/>
+          </p:nvSpPr>
+          <p:spPr>
+            <a:xfrm>
+              <a:off x="5926336" y="3481992"/>
+              <a:ext cx="3038152" cy="2899336"/>
+            </a:xfrm>
+            <a:prstGeom prst="roundRect">
+              <a:avLst/>
+            </a:prstGeom>
+            <a:solidFill>
+              <a:srgbClr val="CCFFCC"/>
+            </a:solidFill>
+          </p:spPr>
+          <p:style>
+            <a:lnRef idx="2">
+              <a:schemeClr val="accent1">
+                <a:shade val="50000"/>
+              </a:schemeClr>
+            </a:lnRef>
+            <a:fillRef idx="1">
+              <a:schemeClr val="accent1"/>
+            </a:fillRef>
+            <a:effectRef idx="0">
+              <a:schemeClr val="accent1"/>
+            </a:effectRef>
+            <a:fontRef idx="minor">
+              <a:schemeClr val="lt1"/>
+            </a:fontRef>
+          </p:style>
+          <p:txBody>
+            <a:bodyPr rtlCol="0" anchor="ctr"/>
+            <a:lstStyle/>
+            <a:p>
+              <a:pPr algn="ctr"/>
+              <a:endParaRPr lang="en-GB"/>
+            </a:p>
+          </p:txBody>
+        </p:sp>
+        <p:sp>
+          <p:nvSpPr>
+            <p:cNvPr id="4" name="Rettangolo arrotondato 3"/>
+            <p:cNvSpPr/>
+            <p:nvPr/>
+          </p:nvSpPr>
+          <p:spPr>
+            <a:xfrm>
+              <a:off x="6346955" y="5428292"/>
+              <a:ext cx="881175" cy="776894"/>
+            </a:xfrm>
+            <a:prstGeom prst="roundRect">
+              <a:avLst/>
+            </a:prstGeom>
+            <a:solidFill>
+              <a:srgbClr val="FFFF00"/>
+            </a:solidFill>
+          </p:spPr>
+          <p:style>
+            <a:lnRef idx="2">
+              <a:schemeClr val="accent1">
+                <a:shade val="50000"/>
+              </a:schemeClr>
+            </a:lnRef>
+            <a:fillRef idx="1">
+              <a:schemeClr val="accent1"/>
+            </a:fillRef>
+            <a:effectRef idx="0">
+              <a:schemeClr val="accent1"/>
+            </a:effectRef>
+            <a:fontRef idx="minor">
+              <a:schemeClr val="lt1"/>
+            </a:fontRef>
+          </p:style>
+          <p:txBody>
+            <a:bodyPr rtlCol="0" anchor="ctr"/>
+            <a:lstStyle/>
+            <a:p>
+              <a:pPr algn="ctr"/>
+              <a:endParaRPr lang="en-GB"/>
+            </a:p>
+          </p:txBody>
+        </p:sp>
+        <p:sp>
+          <p:nvSpPr>
+            <p:cNvPr id="5" name="Rettangolo arrotondato 4"/>
+            <p:cNvSpPr/>
+            <p:nvPr/>
+          </p:nvSpPr>
+          <p:spPr>
+            <a:xfrm>
+              <a:off x="7229763" y="5416498"/>
+              <a:ext cx="1169863" cy="776894"/>
+            </a:xfrm>
+            <a:prstGeom prst="roundRect">
+              <a:avLst/>
+            </a:prstGeom>
+            <a:solidFill>
+              <a:srgbClr val="FFFF00"/>
+            </a:solidFill>
+          </p:spPr>
+          <p:style>
+            <a:lnRef idx="2">
+              <a:schemeClr val="accent1">
+                <a:shade val="50000"/>
+              </a:schemeClr>
+            </a:lnRef>
+            <a:fillRef idx="1">
+              <a:schemeClr val="accent1"/>
+            </a:fillRef>
+            <a:effectRef idx="0">
+              <a:schemeClr val="accent1"/>
+            </a:effectRef>
+            <a:fontRef idx="minor">
+              <a:schemeClr val="lt1"/>
+            </a:fontRef>
+          </p:style>
+          <p:txBody>
+            <a:bodyPr rtlCol="0" anchor="ctr"/>
+            <a:lstStyle/>
+            <a:p>
+              <a:pPr algn="ctr"/>
+              <a:endParaRPr lang="en-GB"/>
+            </a:p>
+          </p:txBody>
+        </p:sp>
+        <p:grpSp>
+          <p:nvGrpSpPr>
+            <p:cNvPr id="6" name="Gruppo 5"/>
+            <p:cNvGrpSpPr/>
+            <p:nvPr/>
+          </p:nvGrpSpPr>
+          <p:grpSpPr>
+            <a:xfrm>
+              <a:off x="7814850" y="5441267"/>
+              <a:ext cx="512661" cy="451653"/>
+              <a:chOff x="2441713" y="1277482"/>
+              <a:chExt cx="812663" cy="763297"/>
+            </a:xfrm>
+          </p:grpSpPr>
+          <p:sp>
+            <p:nvSpPr>
+              <p:cNvPr id="7" name="Parallelogramma 6"/>
+              <p:cNvSpPr/>
+              <p:nvPr/>
+            </p:nvSpPr>
+            <p:spPr>
+              <a:xfrm flipV="1">
+                <a:off x="2897719" y="1707426"/>
+                <a:ext cx="356657" cy="288677"/>
+              </a:xfrm>
+              <a:prstGeom prst="parallelogram">
+                <a:avLst/>
+              </a:prstGeom>
+              <a:solidFill>
+                <a:srgbClr val="FFCCFF"/>
+              </a:solidFill>
+              <a:ln/>
+            </p:spPr>
+            <p:style>
+              <a:lnRef idx="1">
+                <a:schemeClr val="accent5"/>
+              </a:lnRef>
+              <a:fillRef idx="2">
+                <a:schemeClr val="accent5"/>
+              </a:fillRef>
+              <a:effectRef idx="1">
+                <a:schemeClr val="accent5"/>
+              </a:effectRef>
+              <a:fontRef idx="minor">
+                <a:schemeClr val="dk1"/>
+              </a:fontRef>
+            </p:style>
+            <p:txBody>
+              <a:bodyPr rtlCol="0" anchor="ctr"/>
+              <a:lstStyle/>
+              <a:p>
+                <a:pPr algn="ctr"/>
+                <a:endParaRPr lang="en-GB" sz="1200"/>
+              </a:p>
+            </p:txBody>
+          </p:sp>
+          <p:sp>
+            <p:nvSpPr>
+              <p:cNvPr id="8" name="Ovale 7"/>
+              <p:cNvSpPr/>
+              <p:nvPr/>
+            </p:nvSpPr>
+            <p:spPr>
+              <a:xfrm>
+                <a:off x="2441713" y="1320699"/>
+                <a:ext cx="749721" cy="720080"/>
+              </a:xfrm>
+              <a:prstGeom prst="ellipse">
+                <a:avLst/>
+              </a:prstGeom>
+              <a:solidFill>
+                <a:srgbClr val="FFCCFF"/>
+              </a:solidFill>
+              <a:ln/>
+            </p:spPr>
+            <p:style>
+              <a:lnRef idx="1">
+                <a:schemeClr val="accent5"/>
+              </a:lnRef>
+              <a:fillRef idx="2">
+                <a:schemeClr val="accent5"/>
+              </a:fillRef>
+              <a:effectRef idx="1">
+                <a:schemeClr val="accent5"/>
+              </a:effectRef>
+              <a:fontRef idx="minor">
+                <a:schemeClr val="dk1"/>
+              </a:fontRef>
+            </p:style>
+            <p:txBody>
+              <a:bodyPr rtlCol="0" anchor="ctr"/>
+              <a:lstStyle/>
+              <a:p>
+                <a:pPr algn="ctr"/>
+                <a:r>
+                  <a:rPr lang="en-GB" sz="1200" dirty="0"/>
+                  <a:t> </a:t>
+                </a:r>
+              </a:p>
+            </p:txBody>
+          </p:sp>
+          <p:sp>
+            <p:nvSpPr>
+              <p:cNvPr id="9" name="Triangolo isoscele 8"/>
+              <p:cNvSpPr/>
+              <p:nvPr/>
+            </p:nvSpPr>
+            <p:spPr>
+              <a:xfrm rot="16200000">
+                <a:off x="2749151" y="1251067"/>
+                <a:ext cx="86434" cy="139263"/>
+              </a:xfrm>
+              <a:prstGeom prst="triangle">
+                <a:avLst/>
+              </a:prstGeom>
+              <a:solidFill>
+                <a:srgbClr val="FF0000"/>
+              </a:solidFill>
+              <a:ln/>
+            </p:spPr>
+            <p:style>
+              <a:lnRef idx="1">
+                <a:schemeClr val="accent5"/>
+              </a:lnRef>
+              <a:fillRef idx="2">
+                <a:schemeClr val="accent5"/>
+              </a:fillRef>
+              <a:effectRef idx="1">
+                <a:schemeClr val="accent5"/>
+              </a:effectRef>
+              <a:fontRef idx="minor">
+                <a:schemeClr val="dk1"/>
+              </a:fontRef>
+            </p:style>
+            <p:txBody>
+              <a:bodyPr rtlCol="0" anchor="ctr"/>
+              <a:lstStyle/>
+              <a:p>
+                <a:pPr algn="ctr"/>
+                <a:endParaRPr lang="en-GB" sz="1200"/>
+              </a:p>
+            </p:txBody>
+          </p:sp>
+        </p:grpSp>
+        <p:grpSp>
+          <p:nvGrpSpPr>
+            <p:cNvPr id="10" name="Gruppo 9"/>
+            <p:cNvGrpSpPr/>
+            <p:nvPr/>
+          </p:nvGrpSpPr>
+          <p:grpSpPr>
+            <a:xfrm>
+              <a:off x="6249747" y="3515325"/>
+              <a:ext cx="1696867" cy="1234655"/>
+              <a:chOff x="2460219" y="2004003"/>
+              <a:chExt cx="1696867" cy="1234655"/>
+            </a:xfrm>
+          </p:grpSpPr>
+          <p:sp>
+            <p:nvSpPr>
+              <p:cNvPr id="11" name="Triangolo isoscele 10"/>
+              <p:cNvSpPr/>
+              <p:nvPr/>
+            </p:nvSpPr>
+            <p:spPr>
+              <a:xfrm rot="5400000">
+                <a:off x="3220535" y="2242777"/>
+                <a:ext cx="998084" cy="875019"/>
+              </a:xfrm>
+              <a:prstGeom prst="triangle">
+                <a:avLst/>
+              </a:prstGeom>
+              <a:solidFill>
+                <a:srgbClr val="CCFF66"/>
+              </a:solidFill>
+              <a:ln/>
+            </p:spPr>
+            <p:style>
+              <a:lnRef idx="1">
+                <a:schemeClr val="accent5"/>
+              </a:lnRef>
+              <a:fillRef idx="2">
+                <a:schemeClr val="accent5"/>
+              </a:fillRef>
+              <a:effectRef idx="1">
+                <a:schemeClr val="accent5"/>
+              </a:effectRef>
+              <a:fontRef idx="minor">
+                <a:schemeClr val="dk1"/>
+              </a:fontRef>
+            </p:style>
+            <p:txBody>
+              <a:bodyPr rtlCol="0" anchor="ctr"/>
+              <a:lstStyle/>
+              <a:p>
+                <a:pPr algn="ctr"/>
+                <a:endParaRPr lang="en-GB" sz="1200"/>
+              </a:p>
+            </p:txBody>
+          </p:sp>
+          <p:grpSp>
+            <p:nvGrpSpPr>
+              <p:cNvPr id="12" name="Gruppo 82">
+                <a:extLst>
+                  <a:ext uri="{FF2B5EF4-FFF2-40B4-BE49-F238E27FC236}">
+                    <a16:creationId xmlns:a16="http://schemas.microsoft.com/office/drawing/2014/main" id="{12D969AC-9EB0-4CF5-9EE5-D0DD7ACA9C72}"/>
+                  </a:ext>
+                </a:extLst>
+              </p:cNvPr>
+              <p:cNvGrpSpPr/>
+              <p:nvPr/>
+            </p:nvGrpSpPr>
+            <p:grpSpPr>
+              <a:xfrm>
+                <a:off x="2460219" y="2004003"/>
+                <a:ext cx="1409184" cy="1234655"/>
+                <a:chOff x="1194666" y="2417771"/>
+                <a:chExt cx="866156" cy="763297"/>
+              </a:xfrm>
+            </p:grpSpPr>
+            <p:sp>
+              <p:nvSpPr>
+                <p:cNvPr id="14" name="Ovale 38">
+                  <a:extLst>
+                    <a:ext uri="{FF2B5EF4-FFF2-40B4-BE49-F238E27FC236}">
+                      <a16:creationId xmlns:a16="http://schemas.microsoft.com/office/drawing/2014/main" id="{0EB3DE65-C1E4-4AD3-B909-2646317ECA68}"/>
+                    </a:ext>
+                  </a:extLst>
+                </p:cNvPr>
+                <p:cNvSpPr/>
+                <p:nvPr/>
+              </p:nvSpPr>
+              <p:spPr>
+                <a:xfrm>
+                  <a:off x="1311101" y="2460988"/>
+                  <a:ext cx="749721" cy="720080"/>
+                </a:xfrm>
+                <a:prstGeom prst="ellipse">
+                  <a:avLst/>
+                </a:prstGeom>
+                <a:solidFill>
+                  <a:srgbClr val="FFCCFF"/>
+                </a:solidFill>
+                <a:ln/>
+              </p:spPr>
+              <p:style>
+                <a:lnRef idx="1">
+                  <a:schemeClr val="accent5"/>
+                </a:lnRef>
+                <a:fillRef idx="2">
+                  <a:schemeClr val="accent5"/>
+                </a:fillRef>
+                <a:effectRef idx="1">
+                  <a:schemeClr val="accent5"/>
+                </a:effectRef>
+                <a:fontRef idx="minor">
+                  <a:schemeClr val="dk1"/>
+                </a:fontRef>
+              </p:style>
+              <p:txBody>
+                <a:bodyPr rtlCol="0" anchor="ctr"/>
+                <a:lstStyle/>
+                <a:p>
+                  <a:pPr algn="ctr"/>
+                  <a:r>
+                    <a:rPr lang="en-GB" sz="1200" dirty="0"/>
+                    <a:t> </a:t>
+                  </a:r>
+                </a:p>
+              </p:txBody>
+            </p:sp>
+            <p:sp>
+              <p:nvSpPr>
+                <p:cNvPr id="15" name="Rettangolo 39">
+                  <a:extLst>
+                    <a:ext uri="{FF2B5EF4-FFF2-40B4-BE49-F238E27FC236}">
+                      <a16:creationId xmlns:a16="http://schemas.microsoft.com/office/drawing/2014/main" id="{AAF0ABD1-BB2B-450B-9369-91FF5B4CE129}"/>
+                    </a:ext>
+                  </a:extLst>
+                </p:cNvPr>
+                <p:cNvSpPr/>
+                <p:nvPr/>
+              </p:nvSpPr>
+              <p:spPr>
+                <a:xfrm>
+                  <a:off x="1194666" y="2699711"/>
+                  <a:ext cx="281433" cy="211952"/>
+                </a:xfrm>
+                <a:prstGeom prst="rect">
+                  <a:avLst/>
+                </a:prstGeom>
+                <a:solidFill>
+                  <a:srgbClr val="FFCCFF"/>
+                </a:solidFill>
+                <a:ln/>
+              </p:spPr>
+              <p:style>
+                <a:lnRef idx="1">
+                  <a:schemeClr val="accent5"/>
+                </a:lnRef>
+                <a:fillRef idx="2">
+                  <a:schemeClr val="accent5"/>
+                </a:fillRef>
+                <a:effectRef idx="1">
+                  <a:schemeClr val="accent5"/>
+                </a:effectRef>
+                <a:fontRef idx="minor">
+                  <a:schemeClr val="dk1"/>
+                </a:fontRef>
+              </p:style>
+              <p:txBody>
+                <a:bodyPr rtlCol="0" anchor="ctr"/>
+                <a:lstStyle/>
+                <a:p>
+                  <a:pPr algn="ctr"/>
+                  <a:endParaRPr lang="en-GB" sz="1200"/>
+                </a:p>
+              </p:txBody>
+            </p:sp>
+            <p:sp>
+              <p:nvSpPr>
+                <p:cNvPr id="16" name="Triangolo isoscele 42">
+                  <a:extLst>
+                    <a:ext uri="{FF2B5EF4-FFF2-40B4-BE49-F238E27FC236}">
+                      <a16:creationId xmlns:a16="http://schemas.microsoft.com/office/drawing/2014/main" id="{34D1AFB1-88AB-4A6C-9824-2CF6DE11BF7C}"/>
+                    </a:ext>
+                  </a:extLst>
+                </p:cNvPr>
+                <p:cNvSpPr/>
+                <p:nvPr/>
+              </p:nvSpPr>
+              <p:spPr>
+                <a:xfrm rot="16200000">
+                  <a:off x="1618539" y="2391356"/>
+                  <a:ext cx="86434" cy="139263"/>
+                </a:xfrm>
+                <a:prstGeom prst="triangle">
+                  <a:avLst/>
+                </a:prstGeom>
+                <a:solidFill>
+                  <a:srgbClr val="FF0000"/>
+                </a:solidFill>
+                <a:ln/>
+              </p:spPr>
+              <p:style>
+                <a:lnRef idx="1">
+                  <a:schemeClr val="accent5"/>
+                </a:lnRef>
+                <a:fillRef idx="2">
+                  <a:schemeClr val="accent5"/>
+                </a:fillRef>
+                <a:effectRef idx="1">
+                  <a:schemeClr val="accent5"/>
+                </a:effectRef>
+                <a:fontRef idx="minor">
+                  <a:schemeClr val="dk1"/>
+                </a:fontRef>
+              </p:style>
+              <p:txBody>
+                <a:bodyPr rtlCol="0" anchor="ctr"/>
+                <a:lstStyle/>
+                <a:p>
+                  <a:pPr algn="ctr"/>
+                  <a:endParaRPr lang="en-GB" sz="1200"/>
+                </a:p>
+              </p:txBody>
+            </p:sp>
+          </p:grpSp>
+          <p:sp>
+            <p:nvSpPr>
+              <p:cNvPr id="13" name="Rettangolo 12"/>
+              <p:cNvSpPr/>
+              <p:nvPr/>
+            </p:nvSpPr>
+            <p:spPr>
+              <a:xfrm>
+                <a:off x="2697728" y="2458538"/>
+                <a:ext cx="1293085" cy="429765"/>
+              </a:xfrm>
+              <a:prstGeom prst="rect">
+                <a:avLst/>
+              </a:prstGeom>
+            </p:spPr>
+            <p:txBody>
+              <a:bodyPr wrap="none">
+                <a:spAutoFit/>
+              </a:bodyPr>
+              <a:lstStyle/>
+              <a:p>
+                <a:r>
+                  <a:rPr lang="en-GB" sz="1600" dirty="0" err="1"/>
+                  <a:t>basicrobot</a:t>
+                </a:r>
+                <a:endParaRPr lang="en-GB" dirty="0"/>
+              </a:p>
+            </p:txBody>
+          </p:sp>
+        </p:grpSp>
+        <p:sp>
+          <p:nvSpPr>
+            <p:cNvPr id="18" name="Rettangolo 17"/>
+            <p:cNvSpPr/>
+            <p:nvPr/>
+          </p:nvSpPr>
+          <p:spPr>
+            <a:xfrm>
+              <a:off x="5038211" y="3641067"/>
+              <a:ext cx="1067721" cy="390696"/>
+            </a:xfrm>
+            <a:prstGeom prst="rect">
+              <a:avLst/>
+            </a:prstGeom>
+          </p:spPr>
+          <p:txBody>
+            <a:bodyPr wrap="none">
+              <a:spAutoFit/>
+            </a:bodyPr>
+            <a:lstStyle/>
+            <a:p>
+              <a:r>
+                <a:rPr lang="en-GB" sz="1400" dirty="0" err="1"/>
+                <a:t>cmd</a:t>
+              </a:r>
+              <a:r>
+                <a:rPr lang="en-GB" sz="1400" dirty="0"/>
+                <a:t>( M ) </a:t>
+              </a:r>
+            </a:p>
+          </p:txBody>
+        </p:sp>
+        <p:grpSp>
+          <p:nvGrpSpPr>
+            <p:cNvPr id="20" name="Gruppo 19"/>
+            <p:cNvGrpSpPr/>
+            <p:nvPr/>
+          </p:nvGrpSpPr>
+          <p:grpSpPr>
+            <a:xfrm>
+              <a:off x="3846285" y="4604217"/>
+              <a:ext cx="2167217" cy="86434"/>
+              <a:chOff x="3091855" y="4419530"/>
+              <a:chExt cx="2167217" cy="86434"/>
+            </a:xfrm>
+          </p:grpSpPr>
+          <p:cxnSp>
+            <p:nvCxnSpPr>
+              <p:cNvPr id="21" name="Connettore 1 20"/>
+              <p:cNvCxnSpPr>
+                <a:cxnSpLocks/>
+              </p:cNvCxnSpPr>
+              <p:nvPr/>
+            </p:nvCxnSpPr>
+            <p:spPr>
+              <a:xfrm>
+                <a:off x="3152979" y="4462747"/>
+                <a:ext cx="2106093" cy="0"/>
+              </a:xfrm>
+              <a:prstGeom prst="line">
+                <a:avLst/>
+              </a:prstGeom>
+              <a:ln>
+                <a:prstDash val="dash"/>
+              </a:ln>
+            </p:spPr>
+            <p:style>
+              <a:lnRef idx="1">
+                <a:schemeClr val="accent1"/>
+              </a:lnRef>
+              <a:fillRef idx="0">
+                <a:schemeClr val="accent1"/>
+              </a:fillRef>
+              <a:effectRef idx="0">
+                <a:schemeClr val="accent1"/>
+              </a:effectRef>
+              <a:fontRef idx="minor">
+                <a:schemeClr val="tx1"/>
+              </a:fontRef>
+            </p:style>
+          </p:cxnSp>
+          <p:sp>
+            <p:nvSpPr>
+              <p:cNvPr id="22" name="Triangolo isoscele 21"/>
+              <p:cNvSpPr/>
+              <p:nvPr/>
+            </p:nvSpPr>
+            <p:spPr>
+              <a:xfrm rot="16200000">
+                <a:off x="3118270" y="4393115"/>
+                <a:ext cx="86434" cy="139263"/>
+              </a:xfrm>
+              <a:prstGeom prst="triangle">
+                <a:avLst/>
+              </a:prstGeom>
+              <a:solidFill>
+                <a:schemeClr val="bg1"/>
+              </a:solidFill>
+              <a:ln/>
+            </p:spPr>
+            <p:style>
+              <a:lnRef idx="1">
+                <a:schemeClr val="accent5"/>
+              </a:lnRef>
+              <a:fillRef idx="2">
+                <a:schemeClr val="accent5"/>
+              </a:fillRef>
+              <a:effectRef idx="1">
+                <a:schemeClr val="accent5"/>
+              </a:effectRef>
+              <a:fontRef idx="minor">
+                <a:schemeClr val="dk1"/>
+              </a:fontRef>
+            </p:style>
+            <p:txBody>
+              <a:bodyPr rtlCol="0" anchor="ctr"/>
+              <a:lstStyle/>
+              <a:p>
+                <a:pPr algn="ctr"/>
+                <a:endParaRPr lang="en-GB" sz="1200"/>
+              </a:p>
+            </p:txBody>
+          </p:sp>
+        </p:grpSp>
+        <p:sp>
+          <p:nvSpPr>
+            <p:cNvPr id="23" name="CasellaDiTesto 22"/>
+            <p:cNvSpPr txBox="1"/>
+            <p:nvPr/>
+          </p:nvSpPr>
+          <p:spPr>
+            <a:xfrm>
+              <a:off x="4726549" y="4743919"/>
+              <a:ext cx="1074642" cy="664182"/>
+            </a:xfrm>
+            <a:prstGeom prst="rect">
+              <a:avLst/>
+            </a:prstGeom>
+            <a:noFill/>
+          </p:spPr>
+          <p:txBody>
+            <a:bodyPr wrap="none" rtlCol="0">
+              <a:spAutoFit/>
+            </a:bodyPr>
+            <a:lstStyle/>
+            <a:p>
+              <a:r>
+                <a:rPr lang="it-IT" sz="1400" dirty="0" err="1"/>
+                <a:t>stepDone</a:t>
+              </a:r>
+              <a:endParaRPr lang="it-IT" sz="1400" dirty="0"/>
+            </a:p>
+            <a:p>
+              <a:r>
+                <a:rPr lang="it-IT" sz="1400" dirty="0" err="1"/>
+                <a:t>stepFail</a:t>
+              </a:r>
+              <a:endParaRPr lang="en-GB" sz="1400" dirty="0"/>
+            </a:p>
+          </p:txBody>
+        </p:sp>
+        <p:grpSp>
+          <p:nvGrpSpPr>
+            <p:cNvPr id="24" name="Gruppo 23"/>
+            <p:cNvGrpSpPr/>
+            <p:nvPr/>
+          </p:nvGrpSpPr>
+          <p:grpSpPr>
+            <a:xfrm>
+              <a:off x="3907409" y="4258878"/>
+              <a:ext cx="2212934" cy="86434"/>
+              <a:chOff x="3403313" y="4220922"/>
+              <a:chExt cx="2212934" cy="86434"/>
+            </a:xfrm>
+          </p:grpSpPr>
+          <p:sp>
+            <p:nvSpPr>
+              <p:cNvPr id="25" name="Triangolo isoscele 24"/>
+              <p:cNvSpPr/>
+              <p:nvPr/>
+            </p:nvSpPr>
+            <p:spPr>
+              <a:xfrm rot="5400000" flipH="1">
+                <a:off x="5503399" y="4194507"/>
+                <a:ext cx="86434" cy="139263"/>
+              </a:xfrm>
+              <a:prstGeom prst="triangle">
+                <a:avLst/>
+              </a:prstGeom>
+              <a:solidFill>
+                <a:schemeClr val="bg1"/>
+              </a:solidFill>
+              <a:ln/>
+            </p:spPr>
+            <p:style>
+              <a:lnRef idx="1">
+                <a:schemeClr val="accent5"/>
+              </a:lnRef>
+              <a:fillRef idx="2">
+                <a:schemeClr val="accent5"/>
+              </a:fillRef>
+              <a:effectRef idx="1">
+                <a:schemeClr val="accent5"/>
+              </a:effectRef>
+              <a:fontRef idx="minor">
+                <a:schemeClr val="dk1"/>
+              </a:fontRef>
+            </p:style>
+            <p:txBody>
+              <a:bodyPr rtlCol="0" anchor="ctr"/>
+              <a:lstStyle/>
+              <a:p>
+                <a:pPr algn="ctr"/>
+                <a:endParaRPr lang="en-GB" sz="1200"/>
+              </a:p>
+            </p:txBody>
+          </p:sp>
+          <p:cxnSp>
+            <p:nvCxnSpPr>
+              <p:cNvPr id="26" name="Connettore 1 25"/>
+              <p:cNvCxnSpPr>
+                <a:cxnSpLocks/>
+                <a:endCxn id="25" idx="3"/>
+              </p:cNvCxnSpPr>
+              <p:nvPr/>
+            </p:nvCxnSpPr>
+            <p:spPr>
+              <a:xfrm>
+                <a:off x="3403313" y="4264139"/>
+                <a:ext cx="2073672" cy="0"/>
+              </a:xfrm>
+              <a:prstGeom prst="line">
+                <a:avLst/>
+              </a:prstGeom>
+            </p:spPr>
+            <p:style>
+              <a:lnRef idx="1">
+                <a:schemeClr val="accent1"/>
+              </a:lnRef>
+              <a:fillRef idx="0">
+                <a:schemeClr val="accent1"/>
+              </a:fillRef>
+              <a:effectRef idx="0">
+                <a:schemeClr val="accent1"/>
+              </a:effectRef>
+              <a:fontRef idx="minor">
+                <a:schemeClr val="tx1"/>
+              </a:fontRef>
+            </p:style>
+          </p:cxnSp>
+        </p:grpSp>
+        <p:grpSp>
+          <p:nvGrpSpPr>
+            <p:cNvPr id="27" name="Gruppo 26"/>
+            <p:cNvGrpSpPr/>
+            <p:nvPr/>
+          </p:nvGrpSpPr>
+          <p:grpSpPr>
+            <a:xfrm flipH="1">
+              <a:off x="6127808" y="3397042"/>
+              <a:ext cx="592487" cy="258092"/>
+              <a:chOff x="5133975" y="5295900"/>
+              <a:chExt cx="342900" cy="238125"/>
+            </a:xfrm>
+          </p:grpSpPr>
+          <p:sp>
+            <p:nvSpPr>
+              <p:cNvPr id="28" name="Figura a mano libera 27"/>
+              <p:cNvSpPr/>
+              <p:nvPr/>
+            </p:nvSpPr>
+            <p:spPr>
+              <a:xfrm>
+                <a:off x="5133975" y="5295900"/>
+                <a:ext cx="342900" cy="238125"/>
+              </a:xfrm>
+              <a:custGeom>
+                <a:avLst/>
+                <a:gdLst>
+                  <a:gd name="connsiteX0" fmla="*/ 0 w 342900"/>
+                  <a:gd name="connsiteY0" fmla="*/ 142875 h 238125"/>
+                  <a:gd name="connsiteX1" fmla="*/ 28575 w 342900"/>
+                  <a:gd name="connsiteY1" fmla="*/ 38100 h 238125"/>
+                  <a:gd name="connsiteX2" fmla="*/ 47625 w 342900"/>
+                  <a:gd name="connsiteY2" fmla="*/ 9525 h 238125"/>
+                  <a:gd name="connsiteX3" fmla="*/ 76200 w 342900"/>
+                  <a:gd name="connsiteY3" fmla="*/ 0 h 238125"/>
+                  <a:gd name="connsiteX4" fmla="*/ 104775 w 342900"/>
+                  <a:gd name="connsiteY4" fmla="*/ 9525 h 238125"/>
+                  <a:gd name="connsiteX5" fmla="*/ 142875 w 342900"/>
+                  <a:gd name="connsiteY5" fmla="*/ 95250 h 238125"/>
+                  <a:gd name="connsiteX6" fmla="*/ 161925 w 342900"/>
+                  <a:gd name="connsiteY6" fmla="*/ 152400 h 238125"/>
+                  <a:gd name="connsiteX7" fmla="*/ 171450 w 342900"/>
+                  <a:gd name="connsiteY7" fmla="*/ 180975 h 238125"/>
+                  <a:gd name="connsiteX8" fmla="*/ 209550 w 342900"/>
+                  <a:gd name="connsiteY8" fmla="*/ 238125 h 238125"/>
+                  <a:gd name="connsiteX9" fmla="*/ 238125 w 342900"/>
+                  <a:gd name="connsiteY9" fmla="*/ 180975 h 238125"/>
+                  <a:gd name="connsiteX10" fmla="*/ 266700 w 342900"/>
+                  <a:gd name="connsiteY10" fmla="*/ 104775 h 238125"/>
+                  <a:gd name="connsiteX11" fmla="*/ 342900 w 342900"/>
+                  <a:gd name="connsiteY11" fmla="*/ 85725 h 238125"/>
+                </a:gdLst>
+                <a:ahLst/>
+                <a:cxnLst>
+                  <a:cxn ang="0">
+                    <a:pos x="connsiteX0" y="connsiteY0"/>
+                  </a:cxn>
+                  <a:cxn ang="0">
+                    <a:pos x="connsiteX1" y="connsiteY1"/>
+                  </a:cxn>
+                  <a:cxn ang="0">
+                    <a:pos x="connsiteX2" y="connsiteY2"/>
+                  </a:cxn>
+                  <a:cxn ang="0">
+                    <a:pos x="connsiteX3" y="connsiteY3"/>
+                  </a:cxn>
+                  <a:cxn ang="0">
+                    <a:pos x="connsiteX4" y="connsiteY4"/>
+                  </a:cxn>
+                  <a:cxn ang="0">
+                    <a:pos x="connsiteX5" y="connsiteY5"/>
+                  </a:cxn>
+                  <a:cxn ang="0">
+                    <a:pos x="connsiteX6" y="connsiteY6"/>
+                  </a:cxn>
+                  <a:cxn ang="0">
+                    <a:pos x="connsiteX7" y="connsiteY7"/>
+                  </a:cxn>
+                  <a:cxn ang="0">
+                    <a:pos x="connsiteX8" y="connsiteY8"/>
+                  </a:cxn>
+                  <a:cxn ang="0">
+                    <a:pos x="connsiteX9" y="connsiteY9"/>
+                  </a:cxn>
+                  <a:cxn ang="0">
+                    <a:pos x="connsiteX10" y="connsiteY10"/>
+                  </a:cxn>
+                  <a:cxn ang="0">
+                    <a:pos x="connsiteX11" y="connsiteY11"/>
+                  </a:cxn>
+                </a:cxnLst>
+                <a:rect l="l" t="t" r="r" b="b"/>
+                <a:pathLst>
+                  <a:path w="342900" h="238125">
+                    <a:moveTo>
+                      <a:pt x="0" y="142875"/>
+                    </a:moveTo>
+                    <a:cubicBezTo>
+                      <a:pt x="5112" y="117315"/>
+                      <a:pt x="14764" y="58817"/>
+                      <a:pt x="28575" y="38100"/>
+                    </a:cubicBezTo>
+                    <a:cubicBezTo>
+                      <a:pt x="34925" y="28575"/>
+                      <a:pt x="38686" y="16676"/>
+                      <a:pt x="47625" y="9525"/>
+                    </a:cubicBezTo>
+                    <a:cubicBezTo>
+                      <a:pt x="55465" y="3253"/>
+                      <a:pt x="66675" y="3175"/>
+                      <a:pt x="76200" y="0"/>
+                    </a:cubicBezTo>
+                    <a:cubicBezTo>
+                      <a:pt x="85725" y="3175"/>
+                      <a:pt x="96935" y="3253"/>
+                      <a:pt x="104775" y="9525"/>
+                    </a:cubicBezTo>
+                    <a:cubicBezTo>
+                      <a:pt x="125358" y="25992"/>
+                      <a:pt x="137054" y="77787"/>
+                      <a:pt x="142875" y="95250"/>
+                    </a:cubicBezTo>
+                    <a:lnTo>
+                      <a:pt x="161925" y="152400"/>
+                    </a:lnTo>
+                    <a:cubicBezTo>
+                      <a:pt x="165100" y="161925"/>
+                      <a:pt x="169481" y="171130"/>
+                      <a:pt x="171450" y="180975"/>
+                    </a:cubicBezTo>
+                    <a:cubicBezTo>
+                      <a:pt x="182944" y="238445"/>
+                      <a:pt x="165616" y="223480"/>
+                      <a:pt x="209550" y="238125"/>
+                    </a:cubicBezTo>
+                    <a:cubicBezTo>
+                      <a:pt x="228174" y="210189"/>
+                      <a:pt x="230238" y="212523"/>
+                      <a:pt x="238125" y="180975"/>
+                    </a:cubicBezTo>
+                    <a:cubicBezTo>
+                      <a:pt x="243105" y="161054"/>
+                      <a:pt x="243471" y="119293"/>
+                      <a:pt x="266700" y="104775"/>
+                    </a:cubicBezTo>
+                    <a:cubicBezTo>
+                      <a:pt x="300393" y="83717"/>
+                      <a:pt x="313092" y="85725"/>
+                      <a:pt x="342900" y="85725"/>
+                    </a:cubicBezTo>
+                  </a:path>
+                </a:pathLst>
+              </a:custGeom>
+              <a:noFill/>
+              <a:ln>
+                <a:solidFill>
+                  <a:srgbClr val="C00000"/>
+                </a:solidFill>
+              </a:ln>
+            </p:spPr>
+            <p:style>
+              <a:lnRef idx="2">
+                <a:schemeClr val="accent1">
+                  <a:shade val="50000"/>
+                </a:schemeClr>
+              </a:lnRef>
+              <a:fillRef idx="1">
+                <a:schemeClr val="accent1"/>
+              </a:fillRef>
+              <a:effectRef idx="0">
+                <a:schemeClr val="accent1"/>
+              </a:effectRef>
+              <a:fontRef idx="minor">
+                <a:schemeClr val="lt1"/>
+              </a:fontRef>
+            </p:style>
+            <p:txBody>
+              <a:bodyPr rtlCol="0" anchor="ctr"/>
+              <a:lstStyle/>
+              <a:p>
+                <a:pPr algn="ctr"/>
+                <a:endParaRPr lang="it-IT"/>
+              </a:p>
+            </p:txBody>
+          </p:sp>
+          <p:sp>
+            <p:nvSpPr>
+              <p:cNvPr id="29" name="Figura a mano libera 28"/>
+              <p:cNvSpPr/>
+              <p:nvPr/>
+            </p:nvSpPr>
+            <p:spPr>
+              <a:xfrm>
+                <a:off x="5400675" y="5353050"/>
+                <a:ext cx="66675" cy="38100"/>
+              </a:xfrm>
+              <a:custGeom>
+                <a:avLst/>
+                <a:gdLst>
+                  <a:gd name="connsiteX0" fmla="*/ 66675 w 66675"/>
+                  <a:gd name="connsiteY0" fmla="*/ 38100 h 38100"/>
+                  <a:gd name="connsiteX1" fmla="*/ 0 w 66675"/>
+                  <a:gd name="connsiteY1" fmla="*/ 0 h 38100"/>
+                </a:gdLst>
+                <a:ahLst/>
+                <a:cxnLst>
+                  <a:cxn ang="0">
+                    <a:pos x="connsiteX0" y="connsiteY0"/>
+                  </a:cxn>
+                  <a:cxn ang="0">
+                    <a:pos x="connsiteX1" y="connsiteY1"/>
+                  </a:cxn>
+                </a:cxnLst>
+                <a:rect l="l" t="t" r="r" b="b"/>
+                <a:pathLst>
+                  <a:path w="66675" h="38100">
+                    <a:moveTo>
+                      <a:pt x="66675" y="38100"/>
+                    </a:moveTo>
+                    <a:cubicBezTo>
+                      <a:pt x="12962" y="5872"/>
+                      <a:pt x="35609" y="17804"/>
+                      <a:pt x="0" y="0"/>
+                    </a:cubicBezTo>
+                  </a:path>
+                </a:pathLst>
+              </a:custGeom>
+              <a:noFill/>
+              <a:ln>
+                <a:solidFill>
+                  <a:srgbClr val="C00000"/>
+                </a:solidFill>
+              </a:ln>
+            </p:spPr>
+            <p:style>
+              <a:lnRef idx="2">
+                <a:schemeClr val="accent1">
+                  <a:shade val="50000"/>
+                </a:schemeClr>
+              </a:lnRef>
+              <a:fillRef idx="1">
+                <a:schemeClr val="accent1"/>
+              </a:fillRef>
+              <a:effectRef idx="0">
+                <a:schemeClr val="accent1"/>
+              </a:effectRef>
+              <a:fontRef idx="minor">
+                <a:schemeClr val="lt1"/>
+              </a:fontRef>
+            </p:style>
+            <p:txBody>
+              <a:bodyPr rtlCol="0" anchor="ctr"/>
+              <a:lstStyle/>
+              <a:p>
+                <a:pPr algn="ctr"/>
+                <a:endParaRPr lang="it-IT" dirty="0"/>
+              </a:p>
+            </p:txBody>
+          </p:sp>
+          <p:sp>
+            <p:nvSpPr>
+              <p:cNvPr id="30" name="Figura a mano libera 29"/>
+              <p:cNvSpPr/>
+              <p:nvPr/>
+            </p:nvSpPr>
+            <p:spPr>
+              <a:xfrm>
+                <a:off x="5419725" y="5381625"/>
+                <a:ext cx="47625" cy="57150"/>
+              </a:xfrm>
+              <a:custGeom>
+                <a:avLst/>
+                <a:gdLst>
+                  <a:gd name="connsiteX0" fmla="*/ 47625 w 47625"/>
+                  <a:gd name="connsiteY0" fmla="*/ 0 h 57150"/>
+                  <a:gd name="connsiteX1" fmla="*/ 0 w 47625"/>
+                  <a:gd name="connsiteY1" fmla="*/ 57150 h 57150"/>
+                </a:gdLst>
+                <a:ahLst/>
+                <a:cxnLst>
+                  <a:cxn ang="0">
+                    <a:pos x="connsiteX0" y="connsiteY0"/>
+                  </a:cxn>
+                  <a:cxn ang="0">
+                    <a:pos x="connsiteX1" y="connsiteY1"/>
+                  </a:cxn>
+                </a:cxnLst>
+                <a:rect l="l" t="t" r="r" b="b"/>
+                <a:pathLst>
+                  <a:path w="47625" h="57150">
+                    <a:moveTo>
+                      <a:pt x="47625" y="0"/>
+                    </a:moveTo>
+                    <a:cubicBezTo>
+                      <a:pt x="15397" y="53713"/>
+                      <a:pt x="35609" y="39346"/>
+                      <a:pt x="0" y="57150"/>
+                    </a:cubicBezTo>
+                  </a:path>
+                </a:pathLst>
+              </a:custGeom>
+              <a:noFill/>
+              <a:ln>
+                <a:solidFill>
+                  <a:srgbClr val="C00000"/>
+                </a:solidFill>
+              </a:ln>
+            </p:spPr>
+            <p:style>
+              <a:lnRef idx="2">
+                <a:schemeClr val="accent1">
+                  <a:shade val="50000"/>
+                </a:schemeClr>
+              </a:lnRef>
+              <a:fillRef idx="1">
+                <a:schemeClr val="accent1"/>
+              </a:fillRef>
+              <a:effectRef idx="0">
+                <a:schemeClr val="accent1"/>
+              </a:effectRef>
+              <a:fontRef idx="minor">
+                <a:schemeClr val="lt1"/>
+              </a:fontRef>
+            </p:style>
+            <p:txBody>
+              <a:bodyPr rtlCol="0" anchor="ctr"/>
+              <a:lstStyle/>
+              <a:p>
+                <a:pPr algn="ctr"/>
+                <a:endParaRPr lang="it-IT"/>
+              </a:p>
+            </p:txBody>
+          </p:sp>
+        </p:grpSp>
+        <p:sp>
+          <p:nvSpPr>
+            <p:cNvPr id="31" name="Rettangolo 30"/>
+            <p:cNvSpPr/>
+            <p:nvPr/>
+          </p:nvSpPr>
+          <p:spPr>
+            <a:xfrm>
+              <a:off x="5184396" y="3305289"/>
+              <a:ext cx="962427" cy="390696"/>
+            </a:xfrm>
+            <a:prstGeom prst="rect">
+              <a:avLst/>
+            </a:prstGeom>
+          </p:spPr>
+          <p:txBody>
+            <a:bodyPr wrap="none">
+              <a:spAutoFit/>
+            </a:bodyPr>
+            <a:lstStyle/>
+            <a:p>
+              <a:r>
+                <a:rPr lang="en-GB" sz="1400" dirty="0"/>
+                <a:t>obstacle</a:t>
+              </a:r>
+            </a:p>
+          </p:txBody>
+        </p:sp>
+        <p:grpSp>
+          <p:nvGrpSpPr>
+            <p:cNvPr id="32" name="Gruppo 31"/>
+            <p:cNvGrpSpPr/>
+            <p:nvPr/>
+          </p:nvGrpSpPr>
+          <p:grpSpPr>
+            <a:xfrm>
+              <a:off x="6643199" y="5441267"/>
+              <a:ext cx="558683" cy="519971"/>
+              <a:chOff x="4403491" y="4276791"/>
+              <a:chExt cx="749721" cy="720080"/>
+            </a:xfrm>
+          </p:grpSpPr>
+          <p:sp>
+            <p:nvSpPr>
+              <p:cNvPr id="33" name="Ovale 33">
+                <a:extLst>
+                  <a:ext uri="{FF2B5EF4-FFF2-40B4-BE49-F238E27FC236}">
+                    <a16:creationId xmlns:a16="http://schemas.microsoft.com/office/drawing/2014/main" id="{A4E6BBEC-1E11-48AC-9881-2BCB8F6CF48A}"/>
+                  </a:ext>
+                </a:extLst>
+              </p:cNvPr>
+              <p:cNvSpPr/>
+              <p:nvPr/>
+            </p:nvSpPr>
+            <p:spPr>
+              <a:xfrm>
+                <a:off x="4403491" y="4276791"/>
+                <a:ext cx="749721" cy="720080"/>
+              </a:xfrm>
+              <a:prstGeom prst="ellipse">
+                <a:avLst/>
+              </a:prstGeom>
+              <a:ln/>
+            </p:spPr>
+            <p:style>
+              <a:lnRef idx="1">
+                <a:schemeClr val="accent5"/>
+              </a:lnRef>
+              <a:fillRef idx="2">
+                <a:schemeClr val="accent5"/>
+              </a:fillRef>
+              <a:effectRef idx="1">
+                <a:schemeClr val="accent5"/>
+              </a:effectRef>
+              <a:fontRef idx="minor">
+                <a:schemeClr val="dk1"/>
+              </a:fontRef>
+            </p:style>
+            <p:txBody>
+              <a:bodyPr rtlCol="0" anchor="ctr"/>
+              <a:lstStyle/>
+              <a:p>
+                <a:pPr algn="ctr"/>
+                <a:r>
+                  <a:rPr lang="en-GB" sz="1200" dirty="0"/>
+                  <a:t> </a:t>
+                </a:r>
+              </a:p>
+            </p:txBody>
+          </p:sp>
+          <p:cxnSp>
+            <p:nvCxnSpPr>
+              <p:cNvPr id="34" name="Connettore 2 126">
+                <a:extLst>
+                  <a:ext uri="{FF2B5EF4-FFF2-40B4-BE49-F238E27FC236}">
+                    <a16:creationId xmlns:a16="http://schemas.microsoft.com/office/drawing/2014/main" id="{36CC678F-7232-496B-B9F9-4DE6B53CD494}"/>
+                  </a:ext>
+                </a:extLst>
+              </p:cNvPr>
+              <p:cNvCxnSpPr/>
+              <p:nvPr/>
+            </p:nvCxnSpPr>
+            <p:spPr>
+              <a:xfrm flipH="1">
+                <a:off x="4764885" y="4403661"/>
+                <a:ext cx="13466" cy="393101"/>
+              </a:xfrm>
+              <a:prstGeom prst="straightConnector1">
+                <a:avLst/>
+              </a:prstGeom>
+              <a:ln>
+                <a:solidFill>
+                  <a:srgbClr val="C00000"/>
+                </a:solidFill>
+                <a:prstDash val="lgDash"/>
+                <a:tailEnd type="arrow"/>
+              </a:ln>
+            </p:spPr>
+            <p:style>
+              <a:lnRef idx="1">
+                <a:schemeClr val="accent1"/>
+              </a:lnRef>
+              <a:fillRef idx="0">
+                <a:schemeClr val="accent1"/>
+              </a:fillRef>
+              <a:effectRef idx="0">
+                <a:schemeClr val="accent1"/>
+              </a:effectRef>
+              <a:fontRef idx="minor">
+                <a:schemeClr val="tx1"/>
+              </a:fontRef>
+            </p:style>
+          </p:cxnSp>
+        </p:grpSp>
+        <p:sp>
+          <p:nvSpPr>
+            <p:cNvPr id="35" name="Ovale 33">
+              <a:extLst>
+                <a:ext uri="{FF2B5EF4-FFF2-40B4-BE49-F238E27FC236}">
+                  <a16:creationId xmlns:a16="http://schemas.microsoft.com/office/drawing/2014/main" id="{A4E6BBEC-1E11-48AC-9881-2BCB8F6CF48A}"/>
+                </a:ext>
+              </a:extLst>
+            </p:cNvPr>
+            <p:cNvSpPr/>
+            <p:nvPr/>
+          </p:nvSpPr>
+          <p:spPr>
+            <a:xfrm>
+              <a:off x="6822033" y="4749980"/>
+              <a:ext cx="749721" cy="720080"/>
+            </a:xfrm>
+            <a:prstGeom prst="ellipse">
+              <a:avLst/>
+            </a:prstGeom>
+            <a:ln/>
+          </p:spPr>
+          <p:style>
+            <a:lnRef idx="1">
+              <a:schemeClr val="accent5"/>
+            </a:lnRef>
+            <a:fillRef idx="2">
+              <a:schemeClr val="accent5"/>
+            </a:fillRef>
+            <a:effectRef idx="1">
+              <a:schemeClr val="accent5"/>
+            </a:effectRef>
+            <a:fontRef idx="minor">
+              <a:schemeClr val="dk1"/>
+            </a:fontRef>
+          </p:style>
+          <p:txBody>
+            <a:bodyPr rtlCol="0" anchor="ctr"/>
+            <a:lstStyle/>
+            <a:p>
+              <a:pPr algn="ctr"/>
+              <a:r>
+                <a:rPr lang="en-GB" sz="1200" dirty="0"/>
+                <a:t> </a:t>
+              </a:r>
+            </a:p>
+          </p:txBody>
+        </p:sp>
+        <p:sp>
+          <p:nvSpPr>
+            <p:cNvPr id="36" name="Rettangolo 35"/>
+            <p:cNvSpPr/>
+            <p:nvPr/>
+          </p:nvSpPr>
+          <p:spPr>
+            <a:xfrm>
+              <a:off x="6926933" y="4890295"/>
+              <a:ext cx="1421944" cy="390696"/>
+            </a:xfrm>
+            <a:prstGeom prst="rect">
+              <a:avLst/>
+            </a:prstGeom>
+          </p:spPr>
+          <p:txBody>
+            <a:bodyPr wrap="none">
+              <a:spAutoFit/>
+            </a:bodyPr>
+            <a:lstStyle/>
+            <a:p>
+              <a:r>
+                <a:rPr lang="en-GB" sz="1400" dirty="0" err="1"/>
+                <a:t>robotSupport</a:t>
+              </a:r>
+              <a:endParaRPr lang="en-GB" sz="1600" dirty="0"/>
+            </a:p>
+          </p:txBody>
+        </p:sp>
+        <p:sp>
+          <p:nvSpPr>
+            <p:cNvPr id="37" name="Rettangolo 36"/>
+            <p:cNvSpPr/>
+            <p:nvPr/>
+          </p:nvSpPr>
+          <p:spPr>
+            <a:xfrm>
+              <a:off x="5725037" y="5503077"/>
+              <a:ext cx="1285929" cy="215444"/>
+            </a:xfrm>
+            <a:prstGeom prst="rect">
+              <a:avLst/>
+            </a:prstGeom>
+          </p:spPr>
+          <p:txBody>
+            <a:bodyPr wrap="none">
+              <a:spAutoFit/>
+            </a:bodyPr>
+            <a:lstStyle/>
+            <a:p>
+              <a:r>
+                <a:rPr lang="en-GB" sz="800" dirty="0" err="1">
+                  <a:latin typeface="Arial" panose="020B0604020202020204" pitchFamily="34" charset="0"/>
+                  <a:cs typeface="Arial" panose="020B0604020202020204" pitchFamily="34" charset="0"/>
+                </a:rPr>
+                <a:t>virtualRobotSupportQak</a:t>
+              </a:r>
+              <a:endParaRPr lang="en-GB" sz="800" dirty="0">
+                <a:latin typeface="Arial" panose="020B0604020202020204" pitchFamily="34" charset="0"/>
+                <a:cs typeface="Arial" panose="020B0604020202020204" pitchFamily="34" charset="0"/>
+              </a:endParaRPr>
+            </a:p>
+          </p:txBody>
+        </p:sp>
+        <p:sp>
+          <p:nvSpPr>
+            <p:cNvPr id="38" name="Rectangle 5">
+              <a:extLst>
+                <a:ext uri="{FF2B5EF4-FFF2-40B4-BE49-F238E27FC236}">
+                  <a16:creationId xmlns:a16="http://schemas.microsoft.com/office/drawing/2014/main" id="{DFDC7F0A-882C-4149-983D-9A958C225794}"/>
+                </a:ext>
+              </a:extLst>
+            </p:cNvPr>
+            <p:cNvSpPr>
+              <a:spLocks noChangeArrowheads="1"/>
+            </p:cNvSpPr>
+            <p:nvPr/>
+          </p:nvSpPr>
+          <p:spPr bwMode="auto">
+            <a:xfrm>
+              <a:off x="5904219" y="5985351"/>
+              <a:ext cx="716863" cy="215444"/>
+            </a:xfrm>
+            <a:prstGeom prst="rect">
+              <a:avLst/>
+            </a:prstGeom>
+            <a:noFill/>
+          </p:spPr>
+          <p:txBody>
+            <a:bodyPr wrap="none" rtlCol="0">
+              <a:spAutoFit/>
+            </a:bodyPr>
+            <a:lstStyle/>
+            <a:p>
+              <a:r>
+                <a:rPr lang="en-US" altLang="en-US" sz="800" dirty="0">
+                  <a:latin typeface="Arial" panose="020B0604020202020204" pitchFamily="34" charset="0"/>
+                  <a:cs typeface="Arial" panose="020B0604020202020204" pitchFamily="34" charset="0"/>
+                </a:rPr>
+                <a:t>TCP socket</a:t>
+              </a:r>
+            </a:p>
+          </p:txBody>
+        </p:sp>
+        <p:sp>
+          <p:nvSpPr>
+            <p:cNvPr id="39" name="Ovale 33">
+              <a:extLst>
+                <a:ext uri="{FF2B5EF4-FFF2-40B4-BE49-F238E27FC236}">
+                  <a16:creationId xmlns:a16="http://schemas.microsoft.com/office/drawing/2014/main" id="{3D0173EE-08DD-4F1E-9226-740254360410}"/>
+                </a:ext>
+              </a:extLst>
+            </p:cNvPr>
+            <p:cNvSpPr/>
+            <p:nvPr/>
+          </p:nvSpPr>
+          <p:spPr>
+            <a:xfrm>
+              <a:off x="6444215" y="5823727"/>
+              <a:ext cx="312930" cy="275021"/>
+            </a:xfrm>
+            <a:prstGeom prst="ellipse">
+              <a:avLst/>
+            </a:prstGeom>
+            <a:ln/>
+          </p:spPr>
+          <p:style>
+            <a:lnRef idx="1">
+              <a:schemeClr val="accent5"/>
+            </a:lnRef>
+            <a:fillRef idx="2">
+              <a:schemeClr val="accent5"/>
+            </a:fillRef>
+            <a:effectRef idx="1">
+              <a:schemeClr val="accent5"/>
+            </a:effectRef>
+            <a:fontRef idx="minor">
+              <a:schemeClr val="dk1"/>
+            </a:fontRef>
+          </p:style>
+          <p:txBody>
+            <a:bodyPr rtlCol="0" anchor="ctr"/>
+            <a:lstStyle/>
+            <a:p>
+              <a:pPr algn="ctr"/>
+              <a:r>
+                <a:rPr lang="en-GB" sz="1200" dirty="0"/>
+                <a:t> </a:t>
+              </a:r>
+            </a:p>
+          </p:txBody>
+        </p:sp>
+        <p:sp>
+          <p:nvSpPr>
+            <p:cNvPr id="40" name="Ovale 33">
+              <a:extLst>
+                <a:ext uri="{FF2B5EF4-FFF2-40B4-BE49-F238E27FC236}">
+                  <a16:creationId xmlns:a16="http://schemas.microsoft.com/office/drawing/2014/main" id="{A4E6BBEC-1E11-48AC-9881-2BCB8F6CF48A}"/>
+                </a:ext>
+              </a:extLst>
+            </p:cNvPr>
+            <p:cNvSpPr/>
+            <p:nvPr/>
+          </p:nvSpPr>
+          <p:spPr>
+            <a:xfrm>
+              <a:off x="7278154" y="5457755"/>
+              <a:ext cx="461901" cy="469630"/>
+            </a:xfrm>
+            <a:prstGeom prst="ellipse">
+              <a:avLst/>
+            </a:prstGeom>
+            <a:ln/>
+          </p:spPr>
+          <p:style>
+            <a:lnRef idx="1">
+              <a:schemeClr val="accent5"/>
+            </a:lnRef>
+            <a:fillRef idx="2">
+              <a:schemeClr val="accent5"/>
+            </a:fillRef>
+            <a:effectRef idx="1">
+              <a:schemeClr val="accent5"/>
+            </a:effectRef>
+            <a:fontRef idx="minor">
+              <a:schemeClr val="dk1"/>
+            </a:fontRef>
+          </p:style>
+          <p:txBody>
+            <a:bodyPr rtlCol="0" anchor="ctr"/>
+            <a:lstStyle/>
+            <a:p>
+              <a:pPr algn="ctr"/>
+              <a:r>
+                <a:rPr lang="en-GB" sz="1200" dirty="0"/>
+                <a:t> </a:t>
+              </a:r>
+            </a:p>
+          </p:txBody>
+        </p:sp>
+        <p:sp>
+          <p:nvSpPr>
+            <p:cNvPr id="41" name="Rettangolo 40"/>
+            <p:cNvSpPr/>
+            <p:nvPr/>
+          </p:nvSpPr>
+          <p:spPr>
+            <a:xfrm>
+              <a:off x="7159713" y="5536312"/>
+              <a:ext cx="776175" cy="215444"/>
+            </a:xfrm>
+            <a:prstGeom prst="rect">
+              <a:avLst/>
+            </a:prstGeom>
+          </p:spPr>
+          <p:txBody>
+            <a:bodyPr wrap="none">
+              <a:spAutoFit/>
+            </a:bodyPr>
+            <a:lstStyle/>
+            <a:p>
+              <a:r>
+                <a:rPr lang="en-GB" sz="800" dirty="0" err="1">
+                  <a:latin typeface="Arial" panose="020B0604020202020204" pitchFamily="34" charset="0"/>
+                  <a:cs typeface="Arial" panose="020B0604020202020204" pitchFamily="34" charset="0"/>
+                </a:rPr>
+                <a:t>mbotSupport</a:t>
+              </a:r>
+              <a:endParaRPr lang="en-GB" sz="800" dirty="0">
+                <a:latin typeface="Arial" panose="020B0604020202020204" pitchFamily="34" charset="0"/>
+                <a:cs typeface="Arial" panose="020B0604020202020204" pitchFamily="34" charset="0"/>
+              </a:endParaRPr>
+            </a:p>
+          </p:txBody>
+        </p:sp>
+        <p:sp>
+          <p:nvSpPr>
+            <p:cNvPr id="42" name="Ovale 33">
+              <a:extLst>
+                <a:ext uri="{FF2B5EF4-FFF2-40B4-BE49-F238E27FC236}">
+                  <a16:creationId xmlns:a16="http://schemas.microsoft.com/office/drawing/2014/main" id="{3D0173EE-08DD-4F1E-9226-740254360410}"/>
+                </a:ext>
+              </a:extLst>
+            </p:cNvPr>
+            <p:cNvSpPr/>
+            <p:nvPr/>
+          </p:nvSpPr>
+          <p:spPr>
+            <a:xfrm>
+              <a:off x="7658931" y="5892920"/>
+              <a:ext cx="312930" cy="275021"/>
+            </a:xfrm>
+            <a:prstGeom prst="ellipse">
+              <a:avLst/>
+            </a:prstGeom>
+            <a:ln/>
+          </p:spPr>
+          <p:style>
+            <a:lnRef idx="1">
+              <a:schemeClr val="accent5"/>
+            </a:lnRef>
+            <a:fillRef idx="2">
+              <a:schemeClr val="accent5"/>
+            </a:fillRef>
+            <a:effectRef idx="1">
+              <a:schemeClr val="accent5"/>
+            </a:effectRef>
+            <a:fontRef idx="minor">
+              <a:schemeClr val="dk1"/>
+            </a:fontRef>
+          </p:style>
+          <p:txBody>
+            <a:bodyPr rtlCol="0" anchor="ctr"/>
+            <a:lstStyle/>
+            <a:p>
+              <a:pPr algn="ctr"/>
+              <a:r>
+                <a:rPr lang="en-GB" sz="1200" dirty="0"/>
+                <a:t> </a:t>
+              </a:r>
+            </a:p>
+          </p:txBody>
+        </p:sp>
+        <p:sp>
+          <p:nvSpPr>
+            <p:cNvPr id="43" name="Rectangle 5">
+              <a:extLst>
+                <a:ext uri="{FF2B5EF4-FFF2-40B4-BE49-F238E27FC236}">
+                  <a16:creationId xmlns:a16="http://schemas.microsoft.com/office/drawing/2014/main" id="{DFDC7F0A-882C-4149-983D-9A958C225794}"/>
+                </a:ext>
+              </a:extLst>
+            </p:cNvPr>
+            <p:cNvSpPr>
+              <a:spLocks noChangeArrowheads="1"/>
+            </p:cNvSpPr>
+            <p:nvPr/>
+          </p:nvSpPr>
+          <p:spPr bwMode="auto">
+            <a:xfrm>
+              <a:off x="7648748" y="5919933"/>
+              <a:ext cx="447559" cy="215444"/>
+            </a:xfrm>
+            <a:prstGeom prst="rect">
+              <a:avLst/>
+            </a:prstGeom>
+            <a:noFill/>
+          </p:spPr>
+          <p:txBody>
+            <a:bodyPr wrap="none" rtlCol="0">
+              <a:spAutoFit/>
+            </a:bodyPr>
+            <a:lstStyle/>
+            <a:p>
+              <a:r>
+                <a:rPr lang="en-US" altLang="en-US" sz="800" dirty="0">
+                  <a:latin typeface="Arial" panose="020B0604020202020204" pitchFamily="34" charset="0"/>
+                  <a:cs typeface="Arial" panose="020B0604020202020204" pitchFamily="34" charset="0"/>
+                </a:rPr>
+                <a:t>Serial</a:t>
+              </a:r>
+            </a:p>
+          </p:txBody>
+        </p:sp>
+        <p:sp>
+          <p:nvSpPr>
+            <p:cNvPr id="44" name="Rettangolo 43"/>
+            <p:cNvSpPr/>
+            <p:nvPr/>
+          </p:nvSpPr>
+          <p:spPr>
+            <a:xfrm>
+              <a:off x="7932403" y="5466838"/>
+              <a:ext cx="1321196" cy="215444"/>
+            </a:xfrm>
+            <a:prstGeom prst="rect">
+              <a:avLst/>
+            </a:prstGeom>
+            <a:noFill/>
+          </p:spPr>
+          <p:txBody>
+            <a:bodyPr wrap="none" rtlCol="0">
+              <a:spAutoFit/>
+            </a:bodyPr>
+            <a:lstStyle/>
+            <a:p>
+              <a:r>
+                <a:rPr lang="en-GB" sz="800" dirty="0" err="1">
+                  <a:latin typeface="Arial" panose="020B0604020202020204" pitchFamily="34" charset="0"/>
+                  <a:cs typeface="Arial" panose="020B0604020202020204" pitchFamily="34" charset="0"/>
+                </a:rPr>
+                <a:t>robotDataSourceArduino</a:t>
+              </a:r>
+              <a:endParaRPr lang="en-GB" sz="800" dirty="0">
+                <a:latin typeface="Arial" panose="020B0604020202020204" pitchFamily="34" charset="0"/>
+                <a:cs typeface="Arial" panose="020B0604020202020204" pitchFamily="34" charset="0"/>
+              </a:endParaRPr>
+            </a:p>
+          </p:txBody>
+        </p:sp>
+        <p:sp>
+          <p:nvSpPr>
+            <p:cNvPr id="46" name="Rettangolo 45"/>
+            <p:cNvSpPr/>
+            <p:nvPr/>
+          </p:nvSpPr>
+          <p:spPr>
+            <a:xfrm>
+              <a:off x="7860230" y="3308357"/>
+              <a:ext cx="1001747" cy="457200"/>
+            </a:xfrm>
+            <a:prstGeom prst="rect">
+              <a:avLst/>
+            </a:prstGeom>
+          </p:spPr>
+          <p:style>
+            <a:lnRef idx="1">
+              <a:schemeClr val="accent3"/>
+            </a:lnRef>
+            <a:fillRef idx="2">
+              <a:schemeClr val="accent3"/>
+            </a:fillRef>
+            <a:effectRef idx="1">
+              <a:schemeClr val="accent3"/>
+            </a:effectRef>
+            <a:fontRef idx="minor">
+              <a:schemeClr val="dk1"/>
+            </a:fontRef>
+          </p:style>
+          <p:txBody>
+            <a:bodyPr rtlCol="0" anchor="ctr"/>
+            <a:lstStyle/>
+            <a:p>
+              <a:pPr algn="ctr"/>
+              <a:r>
+                <a:rPr lang="it-IT" sz="1600" dirty="0"/>
+                <a:t>8020</a:t>
+              </a:r>
+              <a:endParaRPr lang="en-GB" dirty="0"/>
+            </a:p>
+          </p:txBody>
+        </p:sp>
+        <p:sp>
+          <p:nvSpPr>
+            <p:cNvPr id="47" name="Rettangolo 46"/>
+            <p:cNvSpPr/>
+            <p:nvPr/>
+          </p:nvSpPr>
+          <p:spPr>
+            <a:xfrm>
+              <a:off x="6484156" y="6228367"/>
+              <a:ext cx="1922512" cy="457200"/>
+            </a:xfrm>
+            <a:prstGeom prst="rect">
+              <a:avLst/>
+            </a:prstGeom>
+            <a:solidFill>
+              <a:srgbClr val="FFFF99"/>
+            </a:solidFill>
+          </p:spPr>
+          <p:style>
+            <a:lnRef idx="1">
+              <a:schemeClr val="accent1"/>
+            </a:lnRef>
+            <a:fillRef idx="2">
+              <a:schemeClr val="accent1"/>
+            </a:fillRef>
+            <a:effectRef idx="1">
+              <a:schemeClr val="accent1"/>
+            </a:effectRef>
+            <a:fontRef idx="minor">
+              <a:schemeClr val="dk1"/>
+            </a:fontRef>
+          </p:style>
+          <p:txBody>
+            <a:bodyPr rtlCol="0" anchor="ctr"/>
+            <a:lstStyle/>
+            <a:p>
+              <a:pPr algn="ctr"/>
+              <a:r>
+                <a:rPr lang="en-GB" sz="1600" dirty="0" err="1"/>
+                <a:t>ctxbasicrobot</a:t>
+              </a:r>
+              <a:endParaRPr lang="en-GB" dirty="0">
+                <a:solidFill>
+                  <a:schemeClr val="tx1"/>
+                </a:solidFill>
+              </a:endParaRPr>
+            </a:p>
+          </p:txBody>
+        </p:sp>
+      </p:grpSp>
+      <p:sp>
+        <p:nvSpPr>
+          <p:cNvPr id="68" name="CasellaDiTesto 67"/>
+          <p:cNvSpPr txBox="1"/>
+          <p:nvPr/>
+        </p:nvSpPr>
+        <p:spPr>
+          <a:xfrm>
+            <a:off x="4262282" y="1301943"/>
+            <a:ext cx="2925629" cy="584775"/>
+          </a:xfrm>
+          <a:prstGeom prst="rect">
+            <a:avLst/>
+          </a:prstGeom>
+          <a:noFill/>
+        </p:spPr>
+        <p:txBody>
+          <a:bodyPr wrap="square" rtlCol="0">
+            <a:spAutoFit/>
+          </a:bodyPr>
+          <a:lstStyle/>
+          <a:p>
+            <a:r>
+              <a:rPr lang="it-IT" sz="1600" dirty="0" err="1">
+                <a:solidFill>
+                  <a:srgbClr val="FF0000"/>
+                </a:solidFill>
+              </a:rPr>
+              <a:t>project</a:t>
+            </a:r>
+            <a:endParaRPr lang="en-GB" sz="1600" dirty="0">
+              <a:solidFill>
+                <a:srgbClr val="FF0000"/>
+              </a:solidFill>
+            </a:endParaRPr>
+          </a:p>
+          <a:p>
+            <a:r>
+              <a:rPr lang="en-GB" sz="1600" i="1" dirty="0">
+                <a:solidFill>
+                  <a:srgbClr val="FF0000"/>
+                </a:solidFill>
+              </a:rPr>
+              <a:t>it.unibo.iss.sprint4</a:t>
+            </a:r>
+          </a:p>
+        </p:txBody>
+      </p:sp>
+      <p:grpSp>
+        <p:nvGrpSpPr>
+          <p:cNvPr id="60" name="Gruppo 44">
+            <a:extLst>
+              <a:ext uri="{FF2B5EF4-FFF2-40B4-BE49-F238E27FC236}">
+                <a16:creationId xmlns:a16="http://schemas.microsoft.com/office/drawing/2014/main" id="{A4004772-1637-4B7E-9CFD-20C42E645980}"/>
+              </a:ext>
+            </a:extLst>
+          </p:cNvPr>
+          <p:cNvGrpSpPr/>
+          <p:nvPr/>
+        </p:nvGrpSpPr>
+        <p:grpSpPr>
+          <a:xfrm>
+            <a:off x="6723192" y="3269153"/>
+            <a:ext cx="1195656" cy="888485"/>
+            <a:chOff x="2460218" y="2004001"/>
+            <a:chExt cx="1696868" cy="1234656"/>
+          </a:xfrm>
+        </p:grpSpPr>
+        <p:sp>
+          <p:nvSpPr>
+            <p:cNvPr id="61" name="Triangolo isoscele 45">
+              <a:extLst>
+                <a:ext uri="{FF2B5EF4-FFF2-40B4-BE49-F238E27FC236}">
+                  <a16:creationId xmlns:a16="http://schemas.microsoft.com/office/drawing/2014/main" id="{870C13EE-5A25-4015-927D-98DDB820DCD5}"/>
+                </a:ext>
+              </a:extLst>
+            </p:cNvPr>
+            <p:cNvSpPr/>
+            <p:nvPr/>
+          </p:nvSpPr>
+          <p:spPr>
+            <a:xfrm rot="5400000">
+              <a:off x="3220535" y="2242777"/>
+              <a:ext cx="998084" cy="875019"/>
+            </a:xfrm>
+            <a:prstGeom prst="triangle">
+              <a:avLst/>
+            </a:prstGeom>
+            <a:solidFill>
+              <a:srgbClr val="CCFF66"/>
+            </a:solidFill>
+            <a:ln/>
+          </p:spPr>
+          <p:style>
+            <a:lnRef idx="1">
+              <a:schemeClr val="accent5"/>
+            </a:lnRef>
+            <a:fillRef idx="2">
+              <a:schemeClr val="accent5"/>
+            </a:fillRef>
+            <a:effectRef idx="1">
+              <a:schemeClr val="accent5"/>
+            </a:effectRef>
+            <a:fontRef idx="minor">
+              <a:schemeClr val="dk1"/>
+            </a:fontRef>
+          </p:style>
+          <p:txBody>
+            <a:bodyPr rtlCol="0" anchor="ctr"/>
+            <a:lstStyle/>
+            <a:p>
+              <a:pPr algn="ctr"/>
+              <a:endParaRPr lang="en-GB" sz="1200"/>
+            </a:p>
+          </p:txBody>
+        </p:sp>
+        <p:grpSp>
+          <p:nvGrpSpPr>
+            <p:cNvPr id="62" name="Gruppo 82">
+              <a:extLst>
+                <a:ext uri="{FF2B5EF4-FFF2-40B4-BE49-F238E27FC236}">
+                  <a16:creationId xmlns:a16="http://schemas.microsoft.com/office/drawing/2014/main" id="{DE0F64D2-B940-4CA6-9453-9AE274285244}"/>
+                </a:ext>
+              </a:extLst>
+            </p:cNvPr>
+            <p:cNvGrpSpPr/>
+            <p:nvPr/>
+          </p:nvGrpSpPr>
+          <p:grpSpPr>
+            <a:xfrm>
+              <a:off x="2460218" y="2004001"/>
+              <a:ext cx="1409185" cy="1234656"/>
+              <a:chOff x="1194666" y="2417771"/>
+              <a:chExt cx="866157" cy="763298"/>
+            </a:xfrm>
+          </p:grpSpPr>
+          <p:sp>
+            <p:nvSpPr>
+              <p:cNvPr id="64" name="Ovale 38">
+                <a:extLst>
+                  <a:ext uri="{FF2B5EF4-FFF2-40B4-BE49-F238E27FC236}">
+                    <a16:creationId xmlns:a16="http://schemas.microsoft.com/office/drawing/2014/main" id="{71702CB6-D6EB-4DD4-B3E0-0075BEA89598}"/>
+                  </a:ext>
+                </a:extLst>
+              </p:cNvPr>
+              <p:cNvSpPr/>
+              <p:nvPr/>
+            </p:nvSpPr>
+            <p:spPr>
+              <a:xfrm>
+                <a:off x="1311102" y="2460989"/>
+                <a:ext cx="749721" cy="720080"/>
+              </a:xfrm>
+              <a:prstGeom prst="ellipse">
+                <a:avLst/>
+              </a:prstGeom>
+              <a:solidFill>
+                <a:srgbClr val="FFCCFF"/>
+              </a:solidFill>
+              <a:ln/>
+            </p:spPr>
+            <p:style>
+              <a:lnRef idx="1">
+                <a:schemeClr val="accent5"/>
+              </a:lnRef>
+              <a:fillRef idx="2">
+                <a:schemeClr val="accent5"/>
+              </a:fillRef>
+              <a:effectRef idx="1">
+                <a:schemeClr val="accent5"/>
+              </a:effectRef>
+              <a:fontRef idx="minor">
+                <a:schemeClr val="dk1"/>
+              </a:fontRef>
+            </p:style>
+            <p:txBody>
+              <a:bodyPr rtlCol="0" anchor="ctr"/>
+              <a:lstStyle/>
+              <a:p>
+                <a:pPr algn="ctr"/>
+                <a:r>
+                  <a:rPr lang="en-GB" sz="1200" dirty="0"/>
+                  <a:t> </a:t>
+                </a:r>
+              </a:p>
+            </p:txBody>
+          </p:sp>
+          <p:sp>
+            <p:nvSpPr>
+              <p:cNvPr id="65" name="Rettangolo 39">
+                <a:extLst>
+                  <a:ext uri="{FF2B5EF4-FFF2-40B4-BE49-F238E27FC236}">
+                    <a16:creationId xmlns:a16="http://schemas.microsoft.com/office/drawing/2014/main" id="{AC70EAEE-AC80-40A4-A08C-ED59FECAA652}"/>
+                  </a:ext>
+                </a:extLst>
+              </p:cNvPr>
+              <p:cNvSpPr/>
+              <p:nvPr/>
+            </p:nvSpPr>
+            <p:spPr>
+              <a:xfrm>
+                <a:off x="1194666" y="2699711"/>
+                <a:ext cx="281433" cy="211952"/>
+              </a:xfrm>
+              <a:prstGeom prst="rect">
+                <a:avLst/>
+              </a:prstGeom>
+              <a:solidFill>
+                <a:srgbClr val="FFCCFF"/>
+              </a:solidFill>
+              <a:ln/>
+            </p:spPr>
+            <p:style>
+              <a:lnRef idx="1">
+                <a:schemeClr val="accent5"/>
+              </a:lnRef>
+              <a:fillRef idx="2">
+                <a:schemeClr val="accent5"/>
+              </a:fillRef>
+              <a:effectRef idx="1">
+                <a:schemeClr val="accent5"/>
+              </a:effectRef>
+              <a:fontRef idx="minor">
+                <a:schemeClr val="dk1"/>
+              </a:fontRef>
+            </p:style>
+            <p:txBody>
+              <a:bodyPr rtlCol="0" anchor="ctr"/>
+              <a:lstStyle/>
+              <a:p>
+                <a:pPr algn="ctr"/>
+                <a:endParaRPr lang="en-GB" sz="1200"/>
+              </a:p>
+            </p:txBody>
+          </p:sp>
+          <p:sp>
+            <p:nvSpPr>
+              <p:cNvPr id="66" name="Triangolo isoscele 42">
+                <a:extLst>
+                  <a:ext uri="{FF2B5EF4-FFF2-40B4-BE49-F238E27FC236}">
+                    <a16:creationId xmlns:a16="http://schemas.microsoft.com/office/drawing/2014/main" id="{F9E99C5B-1B88-458E-8C33-2833796851D2}"/>
+                  </a:ext>
+                </a:extLst>
+              </p:cNvPr>
+              <p:cNvSpPr/>
+              <p:nvPr/>
+            </p:nvSpPr>
+            <p:spPr>
+              <a:xfrm rot="16200000">
+                <a:off x="1618539" y="2391356"/>
+                <a:ext cx="86434" cy="139263"/>
+              </a:xfrm>
+              <a:prstGeom prst="triangle">
+                <a:avLst/>
+              </a:prstGeom>
+              <a:solidFill>
+                <a:srgbClr val="FF0000"/>
+              </a:solidFill>
+              <a:ln/>
+            </p:spPr>
+            <p:style>
+              <a:lnRef idx="1">
+                <a:schemeClr val="accent5"/>
+              </a:lnRef>
+              <a:fillRef idx="2">
+                <a:schemeClr val="accent5"/>
+              </a:fillRef>
+              <a:effectRef idx="1">
+                <a:schemeClr val="accent5"/>
+              </a:effectRef>
+              <a:fontRef idx="minor">
+                <a:schemeClr val="dk1"/>
+              </a:fontRef>
+            </p:style>
+            <p:txBody>
+              <a:bodyPr rtlCol="0" anchor="ctr"/>
+              <a:lstStyle/>
+              <a:p>
+                <a:pPr algn="ctr"/>
+                <a:endParaRPr lang="en-GB" sz="1200"/>
+              </a:p>
+            </p:txBody>
+          </p:sp>
+        </p:grpSp>
+        <p:sp>
+          <p:nvSpPr>
+            <p:cNvPr id="63" name="Rettangolo 47">
+              <a:extLst>
+                <a:ext uri="{FF2B5EF4-FFF2-40B4-BE49-F238E27FC236}">
+                  <a16:creationId xmlns:a16="http://schemas.microsoft.com/office/drawing/2014/main" id="{4C496436-8FD3-4EC1-BA96-FBEBBE485566}"/>
+                </a:ext>
+              </a:extLst>
+            </p:cNvPr>
+            <p:cNvSpPr/>
+            <p:nvPr/>
+          </p:nvSpPr>
+          <p:spPr>
+            <a:xfrm>
+              <a:off x="2579624" y="2470382"/>
+              <a:ext cx="1375518" cy="390696"/>
+            </a:xfrm>
+            <a:prstGeom prst="rect">
+              <a:avLst/>
+            </a:prstGeom>
+          </p:spPr>
+          <p:txBody>
+            <a:bodyPr wrap="none">
+              <a:spAutoFit/>
+            </a:bodyPr>
+            <a:lstStyle/>
+            <a:p>
+              <a:r>
+                <a:rPr lang="en-GB" sz="1400" dirty="0" err="1"/>
+                <a:t>waiterwalker</a:t>
+              </a:r>
+              <a:endParaRPr lang="en-GB" dirty="0"/>
+            </a:p>
+          </p:txBody>
+        </p:sp>
+      </p:grpSp>
+      <p:cxnSp>
+        <p:nvCxnSpPr>
+          <p:cNvPr id="17" name="Connettore 2 16"/>
+          <p:cNvCxnSpPr>
+            <a:cxnSpLocks/>
+          </p:cNvCxnSpPr>
+          <p:nvPr/>
+        </p:nvCxnSpPr>
+        <p:spPr>
+          <a:xfrm>
+            <a:off x="7648077" y="3474426"/>
+            <a:ext cx="1913925" cy="0"/>
+          </a:xfrm>
+          <a:prstGeom prst="straightConnector1">
+            <a:avLst/>
+          </a:prstGeom>
+          <a:ln>
+            <a:prstDash val="lgDash"/>
+            <a:tailEnd type="arrow"/>
+          </a:ln>
+        </p:spPr>
+        <p:style>
+          <a:lnRef idx="1">
+            <a:schemeClr val="accent1"/>
+          </a:lnRef>
+          <a:fillRef idx="0">
+            <a:schemeClr val="accent1"/>
+          </a:fillRef>
+          <a:effectRef idx="0">
+            <a:schemeClr val="accent1"/>
+          </a:effectRef>
+          <a:fontRef idx="minor">
+            <a:schemeClr val="tx1"/>
+          </a:fontRef>
+        </p:style>
+      </p:cxnSp>
+      <p:sp>
+        <p:nvSpPr>
+          <p:cNvPr id="87" name="CasellaDiTesto 86">
+            <a:extLst>
+              <a:ext uri="{FF2B5EF4-FFF2-40B4-BE49-F238E27FC236}">
+                <a16:creationId xmlns:a16="http://schemas.microsoft.com/office/drawing/2014/main" id="{57D20B6B-DF5A-4FEA-AEDC-D39F93C8F686}"/>
+              </a:ext>
+            </a:extLst>
+          </p:cNvPr>
+          <p:cNvSpPr txBox="1"/>
+          <p:nvPr/>
+        </p:nvSpPr>
+        <p:spPr>
+          <a:xfrm>
+            <a:off x="8833669" y="1615307"/>
+            <a:ext cx="2316660" cy="584775"/>
+          </a:xfrm>
+          <a:prstGeom prst="rect">
+            <a:avLst/>
+          </a:prstGeom>
+          <a:noFill/>
+        </p:spPr>
+        <p:txBody>
+          <a:bodyPr wrap="none" rtlCol="0">
+            <a:spAutoFit/>
+          </a:bodyPr>
+          <a:lstStyle/>
+          <a:p>
+            <a:r>
+              <a:rPr lang="it-IT" sz="1600" dirty="0" err="1">
+                <a:solidFill>
+                  <a:srgbClr val="FF0000"/>
+                </a:solidFill>
+              </a:rPr>
+              <a:t>project</a:t>
+            </a:r>
+            <a:endParaRPr lang="en-GB" sz="1600" dirty="0">
+              <a:solidFill>
+                <a:srgbClr val="FF0000"/>
+              </a:solidFill>
+            </a:endParaRPr>
+          </a:p>
+          <a:p>
+            <a:r>
+              <a:rPr lang="en-GB" sz="1600" i="1" dirty="0">
+                <a:solidFill>
+                  <a:srgbClr val="FF0000"/>
+                </a:solidFill>
+              </a:rPr>
+              <a:t>it.unibo.qak20.basicrobot</a:t>
+            </a:r>
+          </a:p>
+        </p:txBody>
+      </p:sp>
+      <p:cxnSp>
+        <p:nvCxnSpPr>
+          <p:cNvPr id="90" name="Connettore 1 20">
+            <a:extLst>
+              <a:ext uri="{FF2B5EF4-FFF2-40B4-BE49-F238E27FC236}">
+                <a16:creationId xmlns:a16="http://schemas.microsoft.com/office/drawing/2014/main" id="{B0C0308F-80BE-449E-9BA7-78C29D58AA22}"/>
+              </a:ext>
+            </a:extLst>
+          </p:cNvPr>
+          <p:cNvCxnSpPr>
+            <a:cxnSpLocks/>
+          </p:cNvCxnSpPr>
+          <p:nvPr/>
+        </p:nvCxnSpPr>
+        <p:spPr>
+          <a:xfrm>
+            <a:off x="5609785" y="3829829"/>
+            <a:ext cx="1028601" cy="0"/>
+          </a:xfrm>
+          <a:prstGeom prst="line">
+            <a:avLst/>
+          </a:prstGeom>
+          <a:ln>
+            <a:prstDash val="dash"/>
+          </a:ln>
+        </p:spPr>
+        <p:style>
+          <a:lnRef idx="1">
+            <a:schemeClr val="accent1"/>
+          </a:lnRef>
+          <a:fillRef idx="0">
+            <a:schemeClr val="accent1"/>
+          </a:fillRef>
+          <a:effectRef idx="0">
+            <a:schemeClr val="accent1"/>
+          </a:effectRef>
+          <a:fontRef idx="minor">
+            <a:schemeClr val="tx1"/>
+          </a:fontRef>
+        </p:style>
+      </p:cxnSp>
+      <p:sp>
+        <p:nvSpPr>
+          <p:cNvPr id="91" name="Triangolo isoscele 90">
+            <a:extLst>
+              <a:ext uri="{FF2B5EF4-FFF2-40B4-BE49-F238E27FC236}">
+                <a16:creationId xmlns:a16="http://schemas.microsoft.com/office/drawing/2014/main" id="{1517C091-4C4D-4FB7-AA5A-E546C482FE43}"/>
+              </a:ext>
+            </a:extLst>
+          </p:cNvPr>
+          <p:cNvSpPr/>
+          <p:nvPr/>
+        </p:nvSpPr>
+        <p:spPr>
+          <a:xfrm rot="16200000">
+            <a:off x="5619972" y="3778480"/>
+            <a:ext cx="62200" cy="98131"/>
+          </a:xfrm>
+          <a:prstGeom prst="triangle">
+            <a:avLst/>
+          </a:prstGeom>
+          <a:solidFill>
+            <a:schemeClr val="bg1"/>
+          </a:solidFill>
+          <a:ln/>
+        </p:spPr>
+        <p:style>
+          <a:lnRef idx="1">
+            <a:schemeClr val="accent5"/>
+          </a:lnRef>
+          <a:fillRef idx="2">
+            <a:schemeClr val="accent5"/>
+          </a:fillRef>
+          <a:effectRef idx="1">
+            <a:schemeClr val="accent5"/>
+          </a:effectRef>
+          <a:fontRef idx="minor">
+            <a:schemeClr val="dk1"/>
+          </a:fontRef>
+        </p:style>
+        <p:txBody>
+          <a:bodyPr rtlCol="0" anchor="ctr"/>
+          <a:lstStyle/>
+          <a:p>
+            <a:pPr algn="ctr"/>
+            <a:endParaRPr lang="en-GB" sz="1200"/>
+          </a:p>
+        </p:txBody>
+      </p:sp>
+      <p:sp>
+        <p:nvSpPr>
+          <p:cNvPr id="92" name="CasellaDiTesto 91">
+            <a:extLst>
+              <a:ext uri="{FF2B5EF4-FFF2-40B4-BE49-F238E27FC236}">
+                <a16:creationId xmlns:a16="http://schemas.microsoft.com/office/drawing/2014/main" id="{02AF43DA-7609-4ED3-A126-80BB06CEF4E3}"/>
+              </a:ext>
+            </a:extLst>
+          </p:cNvPr>
+          <p:cNvSpPr txBox="1"/>
+          <p:nvPr/>
+        </p:nvSpPr>
+        <p:spPr>
+          <a:xfrm>
+            <a:off x="5608229" y="3944412"/>
+            <a:ext cx="972143" cy="461665"/>
+          </a:xfrm>
+          <a:prstGeom prst="rect">
+            <a:avLst/>
+          </a:prstGeom>
+          <a:noFill/>
+        </p:spPr>
+        <p:txBody>
+          <a:bodyPr wrap="square" rtlCol="0">
+            <a:spAutoFit/>
+          </a:bodyPr>
+          <a:lstStyle/>
+          <a:p>
+            <a:r>
+              <a:rPr lang="it-IT" sz="1200" dirty="0" err="1"/>
+              <a:t>atCell</a:t>
+            </a:r>
+            <a:endParaRPr lang="it-IT" sz="1200" dirty="0"/>
+          </a:p>
+          <a:p>
+            <a:r>
+              <a:rPr lang="it-IT" sz="1200" dirty="0" err="1"/>
+              <a:t>walkBreak</a:t>
+            </a:r>
+            <a:endParaRPr lang="en-GB" sz="1200" dirty="0"/>
+          </a:p>
+        </p:txBody>
+      </p:sp>
+      <p:sp>
+        <p:nvSpPr>
+          <p:cNvPr id="93" name="Triangolo isoscele 92">
+            <a:extLst>
+              <a:ext uri="{FF2B5EF4-FFF2-40B4-BE49-F238E27FC236}">
+                <a16:creationId xmlns:a16="http://schemas.microsoft.com/office/drawing/2014/main" id="{5B4E522E-E3C8-42F0-AB03-C7ECFD0F8911}"/>
+              </a:ext>
+            </a:extLst>
+          </p:cNvPr>
+          <p:cNvSpPr/>
+          <p:nvPr/>
+        </p:nvSpPr>
+        <p:spPr>
+          <a:xfrm rot="5400000" flipH="1">
+            <a:off x="6654722" y="3609181"/>
+            <a:ext cx="62200" cy="98129"/>
+          </a:xfrm>
+          <a:prstGeom prst="triangle">
+            <a:avLst/>
+          </a:prstGeom>
+          <a:solidFill>
+            <a:schemeClr val="bg1"/>
+          </a:solidFill>
+          <a:ln/>
+        </p:spPr>
+        <p:style>
+          <a:lnRef idx="1">
+            <a:schemeClr val="accent5"/>
+          </a:lnRef>
+          <a:fillRef idx="2">
+            <a:schemeClr val="accent5"/>
+          </a:fillRef>
+          <a:effectRef idx="1">
+            <a:schemeClr val="accent5"/>
+          </a:effectRef>
+          <a:fontRef idx="minor">
+            <a:schemeClr val="dk1"/>
+          </a:fontRef>
+        </p:style>
+        <p:txBody>
+          <a:bodyPr rtlCol="0" anchor="ctr"/>
+          <a:lstStyle/>
+          <a:p>
+            <a:pPr algn="ctr"/>
+            <a:endParaRPr lang="en-GB" sz="1200"/>
+          </a:p>
+        </p:txBody>
+      </p:sp>
+      <p:cxnSp>
+        <p:nvCxnSpPr>
+          <p:cNvPr id="94" name="Connettore 1 25">
+            <a:extLst>
+              <a:ext uri="{FF2B5EF4-FFF2-40B4-BE49-F238E27FC236}">
+                <a16:creationId xmlns:a16="http://schemas.microsoft.com/office/drawing/2014/main" id="{3DF8708C-6517-4230-8C57-0A07AA2E5B66}"/>
+              </a:ext>
+            </a:extLst>
+          </p:cNvPr>
+          <p:cNvCxnSpPr>
+            <a:cxnSpLocks/>
+          </p:cNvCxnSpPr>
+          <p:nvPr/>
+        </p:nvCxnSpPr>
+        <p:spPr>
+          <a:xfrm>
+            <a:off x="5552372" y="3660529"/>
+            <a:ext cx="1017287" cy="0"/>
+          </a:xfrm>
+          <a:prstGeom prst="line">
+            <a:avLst/>
+          </a:prstGeom>
+        </p:spPr>
+        <p:style>
+          <a:lnRef idx="1">
+            <a:schemeClr val="accent1"/>
+          </a:lnRef>
+          <a:fillRef idx="0">
+            <a:schemeClr val="accent1"/>
+          </a:fillRef>
+          <a:effectRef idx="0">
+            <a:schemeClr val="accent1"/>
+          </a:effectRef>
+          <a:fontRef idx="minor">
+            <a:schemeClr val="tx1"/>
+          </a:fontRef>
+        </p:style>
+      </p:cxnSp>
+      <p:sp>
+        <p:nvSpPr>
+          <p:cNvPr id="95" name="CasellaDiTesto 94">
+            <a:extLst>
+              <a:ext uri="{FF2B5EF4-FFF2-40B4-BE49-F238E27FC236}">
+                <a16:creationId xmlns:a16="http://schemas.microsoft.com/office/drawing/2014/main" id="{4B1BD6C9-7448-4F38-A2FB-75693D5DA495}"/>
+              </a:ext>
+            </a:extLst>
+          </p:cNvPr>
+          <p:cNvSpPr txBox="1"/>
+          <p:nvPr/>
+        </p:nvSpPr>
+        <p:spPr>
+          <a:xfrm>
+            <a:off x="5646570" y="3272590"/>
+            <a:ext cx="1016207" cy="276999"/>
+          </a:xfrm>
+          <a:prstGeom prst="rect">
+            <a:avLst/>
+          </a:prstGeom>
+          <a:noFill/>
+        </p:spPr>
+        <p:txBody>
+          <a:bodyPr wrap="square" rtlCol="0">
+            <a:spAutoFit/>
+          </a:bodyPr>
+          <a:lstStyle/>
+          <a:p>
+            <a:r>
+              <a:rPr lang="it-IT" sz="1200" dirty="0" err="1"/>
+              <a:t>movetoCell</a:t>
+            </a:r>
+            <a:endParaRPr lang="en-GB" sz="1400" dirty="0"/>
+          </a:p>
+        </p:txBody>
+      </p:sp>
+      <p:sp>
+        <p:nvSpPr>
+          <p:cNvPr id="85" name="Triangolo isoscele 45">
+            <a:extLst>
+              <a:ext uri="{FF2B5EF4-FFF2-40B4-BE49-F238E27FC236}">
+                <a16:creationId xmlns:a16="http://schemas.microsoft.com/office/drawing/2014/main" id="{B5944D1C-F9E8-438D-B84C-DBFFE8EB7467}"/>
+              </a:ext>
+            </a:extLst>
+          </p:cNvPr>
+          <p:cNvSpPr/>
+          <p:nvPr/>
+        </p:nvSpPr>
+        <p:spPr>
+          <a:xfrm rot="5400000">
+            <a:off x="3663777" y="2719749"/>
+            <a:ext cx="718246" cy="616561"/>
+          </a:xfrm>
+          <a:prstGeom prst="triangle">
+            <a:avLst/>
+          </a:prstGeom>
+          <a:solidFill>
+            <a:srgbClr val="CCFF66"/>
+          </a:solidFill>
+          <a:ln/>
+        </p:spPr>
+        <p:style>
+          <a:lnRef idx="1">
+            <a:schemeClr val="accent5"/>
+          </a:lnRef>
+          <a:fillRef idx="2">
+            <a:schemeClr val="accent5"/>
+          </a:fillRef>
+          <a:effectRef idx="1">
+            <a:schemeClr val="accent5"/>
+          </a:effectRef>
+          <a:fontRef idx="minor">
+            <a:schemeClr val="dk1"/>
+          </a:fontRef>
+        </p:style>
+        <p:txBody>
+          <a:bodyPr rtlCol="0" anchor="ctr"/>
+          <a:lstStyle/>
+          <a:p>
+            <a:pPr algn="ctr"/>
+            <a:endParaRPr lang="en-GB" sz="1200"/>
+          </a:p>
+        </p:txBody>
+      </p:sp>
+      <p:sp>
+        <p:nvSpPr>
+          <p:cNvPr id="89" name="Ovale 38">
+            <a:extLst>
+              <a:ext uri="{FF2B5EF4-FFF2-40B4-BE49-F238E27FC236}">
+                <a16:creationId xmlns:a16="http://schemas.microsoft.com/office/drawing/2014/main" id="{BF2B9B48-07BF-4CBA-987C-B1DA88478361}"/>
+              </a:ext>
+            </a:extLst>
+          </p:cNvPr>
+          <p:cNvSpPr/>
+          <p:nvPr/>
+        </p:nvSpPr>
+        <p:spPr>
+          <a:xfrm>
+            <a:off x="3193173" y="2584349"/>
+            <a:ext cx="859467" cy="838179"/>
+          </a:xfrm>
+          <a:prstGeom prst="ellipse">
+            <a:avLst/>
+          </a:prstGeom>
+          <a:solidFill>
+            <a:srgbClr val="FFCCFF"/>
+          </a:solidFill>
+          <a:ln/>
+        </p:spPr>
+        <p:style>
+          <a:lnRef idx="1">
+            <a:schemeClr val="accent5"/>
+          </a:lnRef>
+          <a:fillRef idx="2">
+            <a:schemeClr val="accent5"/>
+          </a:fillRef>
+          <a:effectRef idx="1">
+            <a:schemeClr val="accent5"/>
+          </a:effectRef>
+          <a:fontRef idx="minor">
+            <a:schemeClr val="dk1"/>
+          </a:fontRef>
+        </p:style>
+        <p:txBody>
+          <a:bodyPr rtlCol="0" anchor="ctr"/>
+          <a:lstStyle/>
+          <a:p>
+            <a:pPr algn="ctr"/>
+            <a:r>
+              <a:rPr lang="en-GB" sz="1200" dirty="0"/>
+              <a:t> </a:t>
+            </a:r>
+          </a:p>
+        </p:txBody>
+      </p:sp>
+      <p:sp>
+        <p:nvSpPr>
+          <p:cNvPr id="96" name="Triangolo isoscele 42">
+            <a:extLst>
+              <a:ext uri="{FF2B5EF4-FFF2-40B4-BE49-F238E27FC236}">
+                <a16:creationId xmlns:a16="http://schemas.microsoft.com/office/drawing/2014/main" id="{E6DAC3D9-EE5D-4A9D-A844-5EA6AD777F07}"/>
+              </a:ext>
+            </a:extLst>
+          </p:cNvPr>
+          <p:cNvSpPr/>
+          <p:nvPr/>
+        </p:nvSpPr>
+        <p:spPr>
+          <a:xfrm rot="16200000">
+            <a:off x="3599675" y="2499758"/>
+            <a:ext cx="100610" cy="159651"/>
+          </a:xfrm>
+          <a:prstGeom prst="triangle">
+            <a:avLst/>
+          </a:prstGeom>
+          <a:solidFill>
+            <a:srgbClr val="FF0000"/>
+          </a:solidFill>
+          <a:ln/>
+        </p:spPr>
+        <p:style>
+          <a:lnRef idx="1">
+            <a:schemeClr val="accent5"/>
+          </a:lnRef>
+          <a:fillRef idx="2">
+            <a:schemeClr val="accent5"/>
+          </a:fillRef>
+          <a:effectRef idx="1">
+            <a:schemeClr val="accent5"/>
+          </a:effectRef>
+          <a:fontRef idx="minor">
+            <a:schemeClr val="dk1"/>
+          </a:fontRef>
+        </p:style>
+        <p:txBody>
+          <a:bodyPr rtlCol="0" anchor="ctr"/>
+          <a:lstStyle/>
+          <a:p>
+            <a:pPr algn="ctr"/>
+            <a:endParaRPr lang="en-GB" sz="1200"/>
+          </a:p>
+        </p:txBody>
+      </p:sp>
+      <p:sp>
+        <p:nvSpPr>
+          <p:cNvPr id="102" name="Rettangolo 39">
+            <a:extLst>
+              <a:ext uri="{FF2B5EF4-FFF2-40B4-BE49-F238E27FC236}">
+                <a16:creationId xmlns:a16="http://schemas.microsoft.com/office/drawing/2014/main" id="{2701851A-BE65-4B0E-99A5-58BD3963FA61}"/>
+              </a:ext>
+            </a:extLst>
+          </p:cNvPr>
+          <p:cNvSpPr/>
+          <p:nvPr/>
+        </p:nvSpPr>
+        <p:spPr>
+          <a:xfrm>
+            <a:off x="3028070" y="2885946"/>
+            <a:ext cx="322630" cy="246714"/>
+          </a:xfrm>
+          <a:prstGeom prst="rect">
+            <a:avLst/>
+          </a:prstGeom>
+          <a:solidFill>
+            <a:srgbClr val="FFCCFF"/>
+          </a:solidFill>
+          <a:ln/>
+        </p:spPr>
+        <p:style>
+          <a:lnRef idx="1">
+            <a:schemeClr val="accent5"/>
+          </a:lnRef>
+          <a:fillRef idx="2">
+            <a:schemeClr val="accent5"/>
+          </a:fillRef>
+          <a:effectRef idx="1">
+            <a:schemeClr val="accent5"/>
+          </a:effectRef>
+          <a:fontRef idx="minor">
+            <a:schemeClr val="dk1"/>
+          </a:fontRef>
+        </p:style>
+        <p:txBody>
+          <a:bodyPr rtlCol="0" anchor="ctr"/>
+          <a:lstStyle/>
+          <a:p>
+            <a:pPr algn="ctr"/>
+            <a:endParaRPr lang="en-GB" sz="1200" dirty="0"/>
+          </a:p>
+        </p:txBody>
+      </p:sp>
+      <p:sp>
+        <p:nvSpPr>
+          <p:cNvPr id="97" name="Rettangolo 47">
+            <a:extLst>
+              <a:ext uri="{FF2B5EF4-FFF2-40B4-BE49-F238E27FC236}">
+                <a16:creationId xmlns:a16="http://schemas.microsoft.com/office/drawing/2014/main" id="{C9663FF6-CC9C-4ADF-8EF4-F7120BD85A53}"/>
+              </a:ext>
+            </a:extLst>
+          </p:cNvPr>
+          <p:cNvSpPr/>
+          <p:nvPr/>
+        </p:nvSpPr>
+        <p:spPr>
+          <a:xfrm>
+            <a:off x="2967668" y="2920029"/>
+            <a:ext cx="1552435" cy="276999"/>
+          </a:xfrm>
+          <a:prstGeom prst="rect">
+            <a:avLst/>
+          </a:prstGeom>
+        </p:spPr>
+        <p:txBody>
+          <a:bodyPr wrap="square">
+            <a:spAutoFit/>
+          </a:bodyPr>
+          <a:lstStyle/>
+          <a:p>
+            <a:r>
+              <a:rPr lang="en-GB" sz="1200" dirty="0" err="1"/>
+              <a:t>maxstaytimeobserver</a:t>
+            </a:r>
+            <a:endParaRPr lang="en-GB" dirty="0"/>
+          </a:p>
+        </p:txBody>
+      </p:sp>
+      <p:grpSp>
+        <p:nvGrpSpPr>
+          <p:cNvPr id="107" name="Gruppo 44">
+            <a:extLst>
+              <a:ext uri="{FF2B5EF4-FFF2-40B4-BE49-F238E27FC236}">
+                <a16:creationId xmlns:a16="http://schemas.microsoft.com/office/drawing/2014/main" id="{75BF0793-AA53-467A-B03B-8B16F39834B1}"/>
+              </a:ext>
+            </a:extLst>
+          </p:cNvPr>
+          <p:cNvGrpSpPr/>
+          <p:nvPr/>
+        </p:nvGrpSpPr>
+        <p:grpSpPr>
+          <a:xfrm>
+            <a:off x="6780410" y="4911276"/>
+            <a:ext cx="822885" cy="612764"/>
+            <a:chOff x="2460217" y="2003999"/>
+            <a:chExt cx="1696868" cy="1234660"/>
+          </a:xfrm>
+        </p:grpSpPr>
+        <p:sp>
+          <p:nvSpPr>
+            <p:cNvPr id="108" name="Triangolo isoscele 45">
+              <a:extLst>
+                <a:ext uri="{FF2B5EF4-FFF2-40B4-BE49-F238E27FC236}">
+                  <a16:creationId xmlns:a16="http://schemas.microsoft.com/office/drawing/2014/main" id="{26D2E880-0E0D-40F2-8D0E-251832CF035E}"/>
+                </a:ext>
+              </a:extLst>
+            </p:cNvPr>
+            <p:cNvSpPr/>
+            <p:nvPr/>
+          </p:nvSpPr>
+          <p:spPr>
+            <a:xfrm rot="5400000">
+              <a:off x="3220533" y="2242778"/>
+              <a:ext cx="998086" cy="875019"/>
+            </a:xfrm>
+            <a:prstGeom prst="triangle">
+              <a:avLst/>
+            </a:prstGeom>
+            <a:solidFill>
+              <a:srgbClr val="CCFF66"/>
+            </a:solidFill>
+            <a:ln/>
+          </p:spPr>
+          <p:style>
+            <a:lnRef idx="1">
+              <a:schemeClr val="accent5"/>
+            </a:lnRef>
+            <a:fillRef idx="2">
+              <a:schemeClr val="accent5"/>
+            </a:fillRef>
+            <a:effectRef idx="1">
+              <a:schemeClr val="accent5"/>
+            </a:effectRef>
+            <a:fontRef idx="minor">
+              <a:schemeClr val="dk1"/>
+            </a:fontRef>
+          </p:style>
+          <p:txBody>
+            <a:bodyPr rtlCol="0" anchor="ctr"/>
+            <a:lstStyle/>
+            <a:p>
+              <a:pPr algn="ctr"/>
+              <a:endParaRPr lang="en-GB" sz="1200"/>
+            </a:p>
+          </p:txBody>
+        </p:sp>
+        <p:grpSp>
+          <p:nvGrpSpPr>
+            <p:cNvPr id="109" name="Gruppo 82">
+              <a:extLst>
+                <a:ext uri="{FF2B5EF4-FFF2-40B4-BE49-F238E27FC236}">
+                  <a16:creationId xmlns:a16="http://schemas.microsoft.com/office/drawing/2014/main" id="{29DE6E77-ED68-4F1C-A5DC-00295C8F09B4}"/>
+                </a:ext>
+              </a:extLst>
+            </p:cNvPr>
+            <p:cNvGrpSpPr/>
+            <p:nvPr/>
+          </p:nvGrpSpPr>
+          <p:grpSpPr>
+            <a:xfrm>
+              <a:off x="2460217" y="2003999"/>
+              <a:ext cx="1409186" cy="1234660"/>
+              <a:chOff x="1194666" y="2417771"/>
+              <a:chExt cx="866158" cy="763301"/>
+            </a:xfrm>
+          </p:grpSpPr>
+          <p:sp>
+            <p:nvSpPr>
+              <p:cNvPr id="111" name="Ovale 38">
+                <a:extLst>
+                  <a:ext uri="{FF2B5EF4-FFF2-40B4-BE49-F238E27FC236}">
+                    <a16:creationId xmlns:a16="http://schemas.microsoft.com/office/drawing/2014/main" id="{417FC44D-596B-4AE4-A8E5-4DAFF5877C0E}"/>
+                  </a:ext>
+                </a:extLst>
+              </p:cNvPr>
+              <p:cNvSpPr/>
+              <p:nvPr/>
+            </p:nvSpPr>
+            <p:spPr>
+              <a:xfrm>
+                <a:off x="1311104" y="2460992"/>
+                <a:ext cx="749720" cy="720080"/>
+              </a:xfrm>
+              <a:prstGeom prst="ellipse">
+                <a:avLst/>
+              </a:prstGeom>
+              <a:solidFill>
+                <a:srgbClr val="FFCCFF"/>
+              </a:solidFill>
+              <a:ln/>
+            </p:spPr>
+            <p:style>
+              <a:lnRef idx="1">
+                <a:schemeClr val="accent5"/>
+              </a:lnRef>
+              <a:fillRef idx="2">
+                <a:schemeClr val="accent5"/>
+              </a:fillRef>
+              <a:effectRef idx="1">
+                <a:schemeClr val="accent5"/>
+              </a:effectRef>
+              <a:fontRef idx="minor">
+                <a:schemeClr val="dk1"/>
+              </a:fontRef>
+            </p:style>
+            <p:txBody>
+              <a:bodyPr rtlCol="0" anchor="ctr"/>
+              <a:lstStyle/>
+              <a:p>
+                <a:pPr algn="ctr"/>
+                <a:r>
+                  <a:rPr lang="en-GB" sz="1200" dirty="0"/>
+                  <a:t> </a:t>
+                </a:r>
+              </a:p>
+            </p:txBody>
+          </p:sp>
+          <p:sp>
+            <p:nvSpPr>
+              <p:cNvPr id="112" name="Rettangolo 39">
+                <a:extLst>
+                  <a:ext uri="{FF2B5EF4-FFF2-40B4-BE49-F238E27FC236}">
+                    <a16:creationId xmlns:a16="http://schemas.microsoft.com/office/drawing/2014/main" id="{99491EF7-FD3B-4295-BB32-13FC647DA8DA}"/>
+                  </a:ext>
+                </a:extLst>
+              </p:cNvPr>
+              <p:cNvSpPr/>
+              <p:nvPr/>
+            </p:nvSpPr>
+            <p:spPr>
+              <a:xfrm>
+                <a:off x="1194666" y="2699713"/>
+                <a:ext cx="281432" cy="211953"/>
+              </a:xfrm>
+              <a:prstGeom prst="rect">
+                <a:avLst/>
+              </a:prstGeom>
+              <a:solidFill>
+                <a:srgbClr val="FFCCFF"/>
+              </a:solidFill>
+              <a:ln/>
+            </p:spPr>
+            <p:style>
+              <a:lnRef idx="1">
+                <a:schemeClr val="accent5"/>
+              </a:lnRef>
+              <a:fillRef idx="2">
+                <a:schemeClr val="accent5"/>
+              </a:fillRef>
+              <a:effectRef idx="1">
+                <a:schemeClr val="accent5"/>
+              </a:effectRef>
+              <a:fontRef idx="minor">
+                <a:schemeClr val="dk1"/>
+              </a:fontRef>
+            </p:style>
+            <p:txBody>
+              <a:bodyPr rtlCol="0" anchor="ctr"/>
+              <a:lstStyle/>
+              <a:p>
+                <a:pPr algn="ctr"/>
+                <a:endParaRPr lang="en-GB" sz="1200" dirty="0"/>
+              </a:p>
+            </p:txBody>
+          </p:sp>
+          <p:sp>
+            <p:nvSpPr>
+              <p:cNvPr id="113" name="Triangolo isoscele 42">
+                <a:extLst>
+                  <a:ext uri="{FF2B5EF4-FFF2-40B4-BE49-F238E27FC236}">
+                    <a16:creationId xmlns:a16="http://schemas.microsoft.com/office/drawing/2014/main" id="{CA29B95D-B16C-4043-B247-5660D130CF01}"/>
+                  </a:ext>
+                </a:extLst>
+              </p:cNvPr>
+              <p:cNvSpPr/>
+              <p:nvPr/>
+            </p:nvSpPr>
+            <p:spPr>
+              <a:xfrm rot="16200000">
+                <a:off x="1618539" y="2391356"/>
+                <a:ext cx="86434" cy="139263"/>
+              </a:xfrm>
+              <a:prstGeom prst="triangle">
+                <a:avLst/>
+              </a:prstGeom>
+              <a:solidFill>
+                <a:srgbClr val="FF0000"/>
+              </a:solidFill>
+              <a:ln/>
+            </p:spPr>
+            <p:style>
+              <a:lnRef idx="1">
+                <a:schemeClr val="accent5"/>
+              </a:lnRef>
+              <a:fillRef idx="2">
+                <a:schemeClr val="accent5"/>
+              </a:fillRef>
+              <a:effectRef idx="1">
+                <a:schemeClr val="accent5"/>
+              </a:effectRef>
+              <a:fontRef idx="minor">
+                <a:schemeClr val="dk1"/>
+              </a:fontRef>
+            </p:style>
+            <p:txBody>
+              <a:bodyPr rtlCol="0" anchor="ctr"/>
+              <a:lstStyle/>
+              <a:p>
+                <a:pPr algn="ctr"/>
+                <a:endParaRPr lang="en-GB" sz="1200"/>
+              </a:p>
+            </p:txBody>
+          </p:sp>
+        </p:grpSp>
+        <p:sp>
+          <p:nvSpPr>
+            <p:cNvPr id="110" name="Rettangolo 47">
+              <a:extLst>
+                <a:ext uri="{FF2B5EF4-FFF2-40B4-BE49-F238E27FC236}">
+                  <a16:creationId xmlns:a16="http://schemas.microsoft.com/office/drawing/2014/main" id="{C8295B95-3D0D-403C-ADF8-02768B15B496}"/>
+                </a:ext>
+              </a:extLst>
+            </p:cNvPr>
+            <p:cNvSpPr/>
+            <p:nvPr/>
+          </p:nvSpPr>
+          <p:spPr>
+            <a:xfrm>
+              <a:off x="2637815" y="2346811"/>
+              <a:ext cx="1379074" cy="558126"/>
+            </a:xfrm>
+            <a:prstGeom prst="rect">
+              <a:avLst/>
+            </a:prstGeom>
+          </p:spPr>
+          <p:txBody>
+            <a:bodyPr wrap="none">
+              <a:spAutoFit/>
+            </a:bodyPr>
+            <a:lstStyle/>
+            <a:p>
+              <a:r>
+                <a:rPr lang="en-GB" sz="1200" dirty="0"/>
+                <a:t>barman</a:t>
+              </a:r>
+              <a:endParaRPr lang="en-GB" dirty="0"/>
+            </a:p>
+          </p:txBody>
+        </p:sp>
+      </p:grpSp>
+      <p:grpSp>
+        <p:nvGrpSpPr>
+          <p:cNvPr id="117" name="Gruppo 44">
+            <a:extLst>
+              <a:ext uri="{FF2B5EF4-FFF2-40B4-BE49-F238E27FC236}">
+                <a16:creationId xmlns:a16="http://schemas.microsoft.com/office/drawing/2014/main" id="{6E7219EA-046B-473C-88A7-7141992E80D4}"/>
+              </a:ext>
+            </a:extLst>
+          </p:cNvPr>
+          <p:cNvGrpSpPr/>
+          <p:nvPr/>
+        </p:nvGrpSpPr>
+        <p:grpSpPr>
+          <a:xfrm>
+            <a:off x="5664682" y="4907019"/>
+            <a:ext cx="854716" cy="620955"/>
+            <a:chOff x="2460217" y="2003998"/>
+            <a:chExt cx="1894030" cy="1234658"/>
+          </a:xfrm>
+        </p:grpSpPr>
+        <p:sp>
+          <p:nvSpPr>
+            <p:cNvPr id="118" name="Triangolo isoscele 45">
+              <a:extLst>
+                <a:ext uri="{FF2B5EF4-FFF2-40B4-BE49-F238E27FC236}">
+                  <a16:creationId xmlns:a16="http://schemas.microsoft.com/office/drawing/2014/main" id="{AC5C3AB4-4ED0-4C8F-BA13-C258DF99138F}"/>
+                </a:ext>
+              </a:extLst>
+            </p:cNvPr>
+            <p:cNvSpPr/>
+            <p:nvPr/>
+          </p:nvSpPr>
+          <p:spPr>
+            <a:xfrm rot="5400000">
+              <a:off x="3220533" y="2242778"/>
+              <a:ext cx="998086" cy="875019"/>
+            </a:xfrm>
+            <a:prstGeom prst="triangle">
+              <a:avLst/>
+            </a:prstGeom>
+            <a:solidFill>
+              <a:srgbClr val="CCFF66"/>
+            </a:solidFill>
+            <a:ln/>
+          </p:spPr>
+          <p:style>
+            <a:lnRef idx="1">
+              <a:schemeClr val="accent5"/>
+            </a:lnRef>
+            <a:fillRef idx="2">
+              <a:schemeClr val="accent5"/>
+            </a:fillRef>
+            <a:effectRef idx="1">
+              <a:schemeClr val="accent5"/>
+            </a:effectRef>
+            <a:fontRef idx="minor">
+              <a:schemeClr val="dk1"/>
+            </a:fontRef>
+          </p:style>
+          <p:txBody>
+            <a:bodyPr rtlCol="0" anchor="ctr"/>
+            <a:lstStyle/>
+            <a:p>
+              <a:pPr algn="ctr"/>
+              <a:endParaRPr lang="en-GB" sz="1200"/>
+            </a:p>
+          </p:txBody>
+        </p:sp>
+        <p:grpSp>
+          <p:nvGrpSpPr>
+            <p:cNvPr id="119" name="Gruppo 82">
+              <a:extLst>
+                <a:ext uri="{FF2B5EF4-FFF2-40B4-BE49-F238E27FC236}">
+                  <a16:creationId xmlns:a16="http://schemas.microsoft.com/office/drawing/2014/main" id="{EC47C023-E226-47D4-9DA9-9167C3B6427C}"/>
+                </a:ext>
+              </a:extLst>
+            </p:cNvPr>
+            <p:cNvGrpSpPr/>
+            <p:nvPr/>
+          </p:nvGrpSpPr>
+          <p:grpSpPr>
+            <a:xfrm>
+              <a:off x="2460217" y="2003998"/>
+              <a:ext cx="1409186" cy="1234658"/>
+              <a:chOff x="1194666" y="2417771"/>
+              <a:chExt cx="866158" cy="763300"/>
+            </a:xfrm>
+          </p:grpSpPr>
+          <p:sp>
+            <p:nvSpPr>
+              <p:cNvPr id="121" name="Ovale 38">
+                <a:extLst>
+                  <a:ext uri="{FF2B5EF4-FFF2-40B4-BE49-F238E27FC236}">
+                    <a16:creationId xmlns:a16="http://schemas.microsoft.com/office/drawing/2014/main" id="{BCEEC209-F8AA-43A8-9BFB-4B5285EDF44C}"/>
+                  </a:ext>
+                </a:extLst>
+              </p:cNvPr>
+              <p:cNvSpPr/>
+              <p:nvPr/>
+            </p:nvSpPr>
+            <p:spPr>
+              <a:xfrm>
+                <a:off x="1311105" y="2460991"/>
+                <a:ext cx="749719" cy="720080"/>
+              </a:xfrm>
+              <a:prstGeom prst="ellipse">
+                <a:avLst/>
+              </a:prstGeom>
+              <a:solidFill>
+                <a:srgbClr val="FFCCFF"/>
+              </a:solidFill>
+              <a:ln/>
+            </p:spPr>
+            <p:style>
+              <a:lnRef idx="1">
+                <a:schemeClr val="accent5"/>
+              </a:lnRef>
+              <a:fillRef idx="2">
+                <a:schemeClr val="accent5"/>
+              </a:fillRef>
+              <a:effectRef idx="1">
+                <a:schemeClr val="accent5"/>
+              </a:effectRef>
+              <a:fontRef idx="minor">
+                <a:schemeClr val="dk1"/>
+              </a:fontRef>
+            </p:style>
+            <p:txBody>
+              <a:bodyPr rtlCol="0" anchor="ctr"/>
+              <a:lstStyle/>
+              <a:p>
+                <a:pPr algn="ctr"/>
+                <a:r>
+                  <a:rPr lang="en-GB" sz="1200" dirty="0"/>
+                  <a:t> </a:t>
+                </a:r>
+              </a:p>
+            </p:txBody>
+          </p:sp>
+          <p:sp>
+            <p:nvSpPr>
+              <p:cNvPr id="122" name="Rettangolo 39">
+                <a:extLst>
+                  <a:ext uri="{FF2B5EF4-FFF2-40B4-BE49-F238E27FC236}">
+                    <a16:creationId xmlns:a16="http://schemas.microsoft.com/office/drawing/2014/main" id="{3B589A14-9513-42A3-8804-DCCBA9BB838F}"/>
+                  </a:ext>
+                </a:extLst>
+              </p:cNvPr>
+              <p:cNvSpPr/>
+              <p:nvPr/>
+            </p:nvSpPr>
+            <p:spPr>
+              <a:xfrm>
+                <a:off x="1194666" y="2699713"/>
+                <a:ext cx="281432" cy="211953"/>
+              </a:xfrm>
+              <a:prstGeom prst="rect">
+                <a:avLst/>
+              </a:prstGeom>
+              <a:solidFill>
+                <a:srgbClr val="FFCCFF"/>
+              </a:solidFill>
+              <a:ln/>
+            </p:spPr>
+            <p:style>
+              <a:lnRef idx="1">
+                <a:schemeClr val="accent5"/>
+              </a:lnRef>
+              <a:fillRef idx="2">
+                <a:schemeClr val="accent5"/>
+              </a:fillRef>
+              <a:effectRef idx="1">
+                <a:schemeClr val="accent5"/>
+              </a:effectRef>
+              <a:fontRef idx="minor">
+                <a:schemeClr val="dk1"/>
+              </a:fontRef>
+            </p:style>
+            <p:txBody>
+              <a:bodyPr rtlCol="0" anchor="ctr"/>
+              <a:lstStyle/>
+              <a:p>
+                <a:pPr algn="ctr"/>
+                <a:endParaRPr lang="en-GB" sz="1200" dirty="0"/>
+              </a:p>
+            </p:txBody>
+          </p:sp>
+          <p:sp>
+            <p:nvSpPr>
+              <p:cNvPr id="123" name="Triangolo isoscele 42">
+                <a:extLst>
+                  <a:ext uri="{FF2B5EF4-FFF2-40B4-BE49-F238E27FC236}">
+                    <a16:creationId xmlns:a16="http://schemas.microsoft.com/office/drawing/2014/main" id="{B4FC77BC-4649-4FB7-A8EC-636507567CBE}"/>
+                  </a:ext>
+                </a:extLst>
+              </p:cNvPr>
+              <p:cNvSpPr/>
+              <p:nvPr/>
+            </p:nvSpPr>
+            <p:spPr>
+              <a:xfrm rot="16200000">
+                <a:off x="1618539" y="2391356"/>
+                <a:ext cx="86434" cy="139263"/>
+              </a:xfrm>
+              <a:prstGeom prst="triangle">
+                <a:avLst/>
+              </a:prstGeom>
+              <a:solidFill>
+                <a:srgbClr val="FF0000"/>
+              </a:solidFill>
+              <a:ln/>
+            </p:spPr>
+            <p:style>
+              <a:lnRef idx="1">
+                <a:schemeClr val="accent5"/>
+              </a:lnRef>
+              <a:fillRef idx="2">
+                <a:schemeClr val="accent5"/>
+              </a:fillRef>
+              <a:effectRef idx="1">
+                <a:schemeClr val="accent5"/>
+              </a:effectRef>
+              <a:fontRef idx="minor">
+                <a:schemeClr val="dk1"/>
+              </a:fontRef>
+            </p:style>
+            <p:txBody>
+              <a:bodyPr rtlCol="0" anchor="ctr"/>
+              <a:lstStyle/>
+              <a:p>
+                <a:pPr algn="ctr"/>
+                <a:endParaRPr lang="en-GB" sz="1200"/>
+              </a:p>
+            </p:txBody>
+          </p:sp>
+        </p:grpSp>
+        <p:sp>
+          <p:nvSpPr>
+            <p:cNvPr id="120" name="Rettangolo 47">
+              <a:extLst>
+                <a:ext uri="{FF2B5EF4-FFF2-40B4-BE49-F238E27FC236}">
+                  <a16:creationId xmlns:a16="http://schemas.microsoft.com/office/drawing/2014/main" id="{C328E3B7-973D-4BE0-90B1-78423FDEA414}"/>
+                </a:ext>
+              </a:extLst>
+            </p:cNvPr>
+            <p:cNvSpPr/>
+            <p:nvPr/>
+          </p:nvSpPr>
+          <p:spPr>
+            <a:xfrm>
+              <a:off x="2637816" y="2346810"/>
+              <a:ext cx="1716431" cy="550763"/>
+            </a:xfrm>
+            <a:prstGeom prst="rect">
+              <a:avLst/>
+            </a:prstGeom>
+          </p:spPr>
+          <p:txBody>
+            <a:bodyPr wrap="none">
+              <a:spAutoFit/>
+            </a:bodyPr>
+            <a:lstStyle/>
+            <a:p>
+              <a:r>
+                <a:rPr lang="en-GB" sz="1200" dirty="0" err="1"/>
+                <a:t>smartbell</a:t>
+              </a:r>
+              <a:endParaRPr lang="en-GB" dirty="0"/>
+            </a:p>
+          </p:txBody>
+        </p:sp>
+      </p:grpSp>
+      <p:sp>
+        <p:nvSpPr>
+          <p:cNvPr id="53" name="Rettangolo con angoli arrotondati 52">
+            <a:extLst>
+              <a:ext uri="{FF2B5EF4-FFF2-40B4-BE49-F238E27FC236}">
+                <a16:creationId xmlns:a16="http://schemas.microsoft.com/office/drawing/2014/main" id="{06DB4108-105A-46C9-BC35-9B93062557E6}"/>
+              </a:ext>
+            </a:extLst>
+          </p:cNvPr>
+          <p:cNvSpPr/>
+          <p:nvPr/>
+        </p:nvSpPr>
+        <p:spPr>
+          <a:xfrm>
+            <a:off x="8590492" y="2248899"/>
+            <a:ext cx="3456694" cy="3592608"/>
+          </a:xfrm>
+          <a:prstGeom prst="roundRect">
+            <a:avLst/>
+          </a:prstGeom>
+          <a:noFill/>
+        </p:spPr>
+        <p:style>
+          <a:lnRef idx="2">
+            <a:schemeClr val="accent1"/>
+          </a:lnRef>
+          <a:fillRef idx="1">
+            <a:schemeClr val="lt1"/>
+          </a:fillRef>
+          <a:effectRef idx="0">
+            <a:schemeClr val="accent1"/>
+          </a:effectRef>
+          <a:fontRef idx="minor">
+            <a:schemeClr val="dk1"/>
+          </a:fontRef>
+        </p:style>
+        <p:txBody>
+          <a:bodyPr rtlCol="0" anchor="ctr"/>
+          <a:lstStyle/>
+          <a:p>
+            <a:pPr algn="ctr"/>
+            <a:endParaRPr lang="it-IT"/>
+          </a:p>
+        </p:txBody>
+      </p:sp>
+      <p:sp>
+        <p:nvSpPr>
+          <p:cNvPr id="124" name="Rettangolo con angoli arrotondati 123">
+            <a:extLst>
+              <a:ext uri="{FF2B5EF4-FFF2-40B4-BE49-F238E27FC236}">
+                <a16:creationId xmlns:a16="http://schemas.microsoft.com/office/drawing/2014/main" id="{9A28C027-274B-43EA-98E9-0571E953BF7C}"/>
+              </a:ext>
+            </a:extLst>
+          </p:cNvPr>
+          <p:cNvSpPr/>
+          <p:nvPr/>
+        </p:nvSpPr>
+        <p:spPr>
+          <a:xfrm>
+            <a:off x="2831982" y="1864512"/>
+            <a:ext cx="5321733" cy="4280257"/>
+          </a:xfrm>
+          <a:prstGeom prst="roundRect">
+            <a:avLst/>
+          </a:prstGeom>
+          <a:noFill/>
+        </p:spPr>
+        <p:style>
+          <a:lnRef idx="2">
+            <a:schemeClr val="accent1"/>
+          </a:lnRef>
+          <a:fillRef idx="1">
+            <a:schemeClr val="lt1"/>
+          </a:fillRef>
+          <a:effectRef idx="0">
+            <a:schemeClr val="accent1"/>
+          </a:effectRef>
+          <a:fontRef idx="minor">
+            <a:schemeClr val="dk1"/>
+          </a:fontRef>
+        </p:style>
+        <p:txBody>
+          <a:bodyPr rtlCol="0" anchor="ctr"/>
+          <a:lstStyle/>
+          <a:p>
+            <a:pPr algn="ctr"/>
+            <a:endParaRPr lang="it-IT"/>
+          </a:p>
+        </p:txBody>
+      </p:sp>
+      <p:sp>
+        <p:nvSpPr>
+          <p:cNvPr id="131" name="Figura a mano libera 27">
+            <a:extLst>
+              <a:ext uri="{FF2B5EF4-FFF2-40B4-BE49-F238E27FC236}">
+                <a16:creationId xmlns:a16="http://schemas.microsoft.com/office/drawing/2014/main" id="{DB5C9BE6-C8A2-4320-8B0C-3156B3F0743B}"/>
+              </a:ext>
+            </a:extLst>
+          </p:cNvPr>
+          <p:cNvSpPr/>
+          <p:nvPr/>
+        </p:nvSpPr>
+        <p:spPr>
+          <a:xfrm rot="7748347" flipH="1">
+            <a:off x="4870125" y="3327423"/>
+            <a:ext cx="446265" cy="173749"/>
+          </a:xfrm>
+          <a:custGeom>
+            <a:avLst/>
+            <a:gdLst>
+              <a:gd name="connsiteX0" fmla="*/ 0 w 342900"/>
+              <a:gd name="connsiteY0" fmla="*/ 142875 h 238125"/>
+              <a:gd name="connsiteX1" fmla="*/ 28575 w 342900"/>
+              <a:gd name="connsiteY1" fmla="*/ 38100 h 238125"/>
+              <a:gd name="connsiteX2" fmla="*/ 47625 w 342900"/>
+              <a:gd name="connsiteY2" fmla="*/ 9525 h 238125"/>
+              <a:gd name="connsiteX3" fmla="*/ 76200 w 342900"/>
+              <a:gd name="connsiteY3" fmla="*/ 0 h 238125"/>
+              <a:gd name="connsiteX4" fmla="*/ 104775 w 342900"/>
+              <a:gd name="connsiteY4" fmla="*/ 9525 h 238125"/>
+              <a:gd name="connsiteX5" fmla="*/ 142875 w 342900"/>
+              <a:gd name="connsiteY5" fmla="*/ 95250 h 238125"/>
+              <a:gd name="connsiteX6" fmla="*/ 161925 w 342900"/>
+              <a:gd name="connsiteY6" fmla="*/ 152400 h 238125"/>
+              <a:gd name="connsiteX7" fmla="*/ 171450 w 342900"/>
+              <a:gd name="connsiteY7" fmla="*/ 180975 h 238125"/>
+              <a:gd name="connsiteX8" fmla="*/ 209550 w 342900"/>
+              <a:gd name="connsiteY8" fmla="*/ 238125 h 238125"/>
+              <a:gd name="connsiteX9" fmla="*/ 238125 w 342900"/>
+              <a:gd name="connsiteY9" fmla="*/ 180975 h 238125"/>
+              <a:gd name="connsiteX10" fmla="*/ 266700 w 342900"/>
+              <a:gd name="connsiteY10" fmla="*/ 104775 h 238125"/>
+              <a:gd name="connsiteX11" fmla="*/ 342900 w 342900"/>
+              <a:gd name="connsiteY11" fmla="*/ 85725 h 238125"/>
+            </a:gdLst>
+            <a:ahLst/>
+            <a:cxnLst>
+              <a:cxn ang="0">
+                <a:pos x="connsiteX0" y="connsiteY0"/>
+              </a:cxn>
+              <a:cxn ang="0">
+                <a:pos x="connsiteX1" y="connsiteY1"/>
+              </a:cxn>
+              <a:cxn ang="0">
+                <a:pos x="connsiteX2" y="connsiteY2"/>
+              </a:cxn>
+              <a:cxn ang="0">
+                <a:pos x="connsiteX3" y="connsiteY3"/>
+              </a:cxn>
+              <a:cxn ang="0">
+                <a:pos x="connsiteX4" y="connsiteY4"/>
+              </a:cxn>
+              <a:cxn ang="0">
+                <a:pos x="connsiteX5" y="connsiteY5"/>
+              </a:cxn>
+              <a:cxn ang="0">
+                <a:pos x="connsiteX6" y="connsiteY6"/>
+              </a:cxn>
+              <a:cxn ang="0">
+                <a:pos x="connsiteX7" y="connsiteY7"/>
+              </a:cxn>
+              <a:cxn ang="0">
+                <a:pos x="connsiteX8" y="connsiteY8"/>
+              </a:cxn>
+              <a:cxn ang="0">
+                <a:pos x="connsiteX9" y="connsiteY9"/>
+              </a:cxn>
+              <a:cxn ang="0">
+                <a:pos x="connsiteX10" y="connsiteY10"/>
+              </a:cxn>
+              <a:cxn ang="0">
+                <a:pos x="connsiteX11" y="connsiteY11"/>
+              </a:cxn>
+            </a:cxnLst>
+            <a:rect l="l" t="t" r="r" b="b"/>
+            <a:pathLst>
+              <a:path w="342900" h="238125">
+                <a:moveTo>
+                  <a:pt x="0" y="142875"/>
+                </a:moveTo>
+                <a:cubicBezTo>
+                  <a:pt x="5112" y="117315"/>
+                  <a:pt x="14764" y="58817"/>
+                  <a:pt x="28575" y="38100"/>
+                </a:cubicBezTo>
+                <a:cubicBezTo>
+                  <a:pt x="34925" y="28575"/>
+                  <a:pt x="38686" y="16676"/>
+                  <a:pt x="47625" y="9525"/>
+                </a:cubicBezTo>
+                <a:cubicBezTo>
+                  <a:pt x="55465" y="3253"/>
+                  <a:pt x="66675" y="3175"/>
+                  <a:pt x="76200" y="0"/>
+                </a:cubicBezTo>
+                <a:cubicBezTo>
+                  <a:pt x="85725" y="3175"/>
+                  <a:pt x="96935" y="3253"/>
+                  <a:pt x="104775" y="9525"/>
+                </a:cubicBezTo>
+                <a:cubicBezTo>
+                  <a:pt x="125358" y="25992"/>
+                  <a:pt x="137054" y="77787"/>
+                  <a:pt x="142875" y="95250"/>
+                </a:cubicBezTo>
+                <a:lnTo>
+                  <a:pt x="161925" y="152400"/>
+                </a:lnTo>
+                <a:cubicBezTo>
+                  <a:pt x="165100" y="161925"/>
+                  <a:pt x="169481" y="171130"/>
+                  <a:pt x="171450" y="180975"/>
+                </a:cubicBezTo>
+                <a:cubicBezTo>
+                  <a:pt x="182944" y="238445"/>
+                  <a:pt x="165616" y="223480"/>
+                  <a:pt x="209550" y="238125"/>
+                </a:cubicBezTo>
+                <a:cubicBezTo>
+                  <a:pt x="228174" y="210189"/>
+                  <a:pt x="230238" y="212523"/>
+                  <a:pt x="238125" y="180975"/>
+                </a:cubicBezTo>
+                <a:cubicBezTo>
+                  <a:pt x="243105" y="161054"/>
+                  <a:pt x="243471" y="119293"/>
+                  <a:pt x="266700" y="104775"/>
+                </a:cubicBezTo>
+                <a:cubicBezTo>
+                  <a:pt x="300393" y="83717"/>
+                  <a:pt x="313092" y="85725"/>
+                  <a:pt x="342900" y="85725"/>
+                </a:cubicBezTo>
+              </a:path>
+            </a:pathLst>
+          </a:custGeom>
+          <a:noFill/>
+          <a:ln>
+            <a:solidFill>
+              <a:srgbClr val="C00000"/>
+            </a:solidFill>
+          </a:ln>
+        </p:spPr>
+        <p:style>
+          <a:lnRef idx="2">
+            <a:schemeClr val="accent1">
+              <a:shade val="50000"/>
+            </a:schemeClr>
+          </a:lnRef>
+          <a:fillRef idx="1">
+            <a:schemeClr val="accent1"/>
+          </a:fillRef>
+          <a:effectRef idx="0">
+            <a:schemeClr val="accent1"/>
+          </a:effectRef>
+          <a:fontRef idx="minor">
+            <a:schemeClr val="lt1"/>
+          </a:fontRef>
+        </p:style>
+        <p:txBody>
+          <a:bodyPr rtlCol="0" anchor="ctr"/>
+          <a:lstStyle/>
+          <a:p>
+            <a:pPr algn="ctr"/>
+            <a:endParaRPr lang="it-IT"/>
+          </a:p>
+        </p:txBody>
+      </p:sp>
+      <p:sp>
+        <p:nvSpPr>
+          <p:cNvPr id="132" name="Figura a mano libera 28">
+            <a:extLst>
+              <a:ext uri="{FF2B5EF4-FFF2-40B4-BE49-F238E27FC236}">
+                <a16:creationId xmlns:a16="http://schemas.microsoft.com/office/drawing/2014/main" id="{7D6976FD-2408-4437-8A88-0E3D49E8A6BB}"/>
+              </a:ext>
+            </a:extLst>
+          </p:cNvPr>
+          <p:cNvSpPr/>
+          <p:nvPr/>
+        </p:nvSpPr>
+        <p:spPr>
+          <a:xfrm rot="11813235" flipH="1">
+            <a:off x="5195494" y="3234539"/>
+            <a:ext cx="81177" cy="45719"/>
+          </a:xfrm>
+          <a:custGeom>
+            <a:avLst/>
+            <a:gdLst>
+              <a:gd name="connsiteX0" fmla="*/ 66675 w 66675"/>
+              <a:gd name="connsiteY0" fmla="*/ 38100 h 38100"/>
+              <a:gd name="connsiteX1" fmla="*/ 0 w 66675"/>
+              <a:gd name="connsiteY1" fmla="*/ 0 h 38100"/>
+            </a:gdLst>
+            <a:ahLst/>
+            <a:cxnLst>
+              <a:cxn ang="0">
+                <a:pos x="connsiteX0" y="connsiteY0"/>
+              </a:cxn>
+              <a:cxn ang="0">
+                <a:pos x="connsiteX1" y="connsiteY1"/>
+              </a:cxn>
+            </a:cxnLst>
+            <a:rect l="l" t="t" r="r" b="b"/>
+            <a:pathLst>
+              <a:path w="66675" h="38100">
+                <a:moveTo>
+                  <a:pt x="66675" y="38100"/>
+                </a:moveTo>
+                <a:cubicBezTo>
+                  <a:pt x="12962" y="5872"/>
+                  <a:pt x="35609" y="17804"/>
+                  <a:pt x="0" y="0"/>
+                </a:cubicBezTo>
+              </a:path>
+            </a:pathLst>
+          </a:custGeom>
+          <a:noFill/>
+          <a:ln>
+            <a:solidFill>
+              <a:srgbClr val="C00000"/>
+            </a:solidFill>
+          </a:ln>
+        </p:spPr>
+        <p:style>
+          <a:lnRef idx="2">
+            <a:schemeClr val="accent1">
+              <a:shade val="50000"/>
+            </a:schemeClr>
+          </a:lnRef>
+          <a:fillRef idx="1">
+            <a:schemeClr val="accent1"/>
+          </a:fillRef>
+          <a:effectRef idx="0">
+            <a:schemeClr val="accent1"/>
+          </a:effectRef>
+          <a:fontRef idx="minor">
+            <a:schemeClr val="lt1"/>
+          </a:fontRef>
+        </p:style>
+        <p:txBody>
+          <a:bodyPr rtlCol="0" anchor="ctr"/>
+          <a:lstStyle/>
+          <a:p>
+            <a:pPr algn="ctr"/>
+            <a:endParaRPr lang="it-IT"/>
+          </a:p>
+        </p:txBody>
+      </p:sp>
+      <p:sp>
+        <p:nvSpPr>
+          <p:cNvPr id="133" name="Figura a mano libera 28">
+            <a:extLst>
+              <a:ext uri="{FF2B5EF4-FFF2-40B4-BE49-F238E27FC236}">
+                <a16:creationId xmlns:a16="http://schemas.microsoft.com/office/drawing/2014/main" id="{B9842875-8003-4944-B4D9-4A7090B450A9}"/>
+              </a:ext>
+            </a:extLst>
+          </p:cNvPr>
+          <p:cNvSpPr/>
+          <p:nvPr/>
+        </p:nvSpPr>
+        <p:spPr>
+          <a:xfrm rot="4837243" flipH="1">
+            <a:off x="5269199" y="3269498"/>
+            <a:ext cx="86774" cy="45719"/>
+          </a:xfrm>
+          <a:custGeom>
+            <a:avLst/>
+            <a:gdLst>
+              <a:gd name="connsiteX0" fmla="*/ 66675 w 66675"/>
+              <a:gd name="connsiteY0" fmla="*/ 38100 h 38100"/>
+              <a:gd name="connsiteX1" fmla="*/ 0 w 66675"/>
+              <a:gd name="connsiteY1" fmla="*/ 0 h 38100"/>
+            </a:gdLst>
+            <a:ahLst/>
+            <a:cxnLst>
+              <a:cxn ang="0">
+                <a:pos x="connsiteX0" y="connsiteY0"/>
+              </a:cxn>
+              <a:cxn ang="0">
+                <a:pos x="connsiteX1" y="connsiteY1"/>
+              </a:cxn>
+            </a:cxnLst>
+            <a:rect l="l" t="t" r="r" b="b"/>
+            <a:pathLst>
+              <a:path w="66675" h="38100">
+                <a:moveTo>
+                  <a:pt x="66675" y="38100"/>
+                </a:moveTo>
+                <a:cubicBezTo>
+                  <a:pt x="12962" y="5872"/>
+                  <a:pt x="35609" y="17804"/>
+                  <a:pt x="0" y="0"/>
+                </a:cubicBezTo>
+              </a:path>
+            </a:pathLst>
+          </a:custGeom>
+          <a:noFill/>
+          <a:ln>
+            <a:solidFill>
+              <a:srgbClr val="C00000"/>
+            </a:solidFill>
+          </a:ln>
+        </p:spPr>
+        <p:style>
+          <a:lnRef idx="2">
+            <a:schemeClr val="accent1">
+              <a:shade val="50000"/>
+            </a:schemeClr>
+          </a:lnRef>
+          <a:fillRef idx="1">
+            <a:schemeClr val="accent1"/>
+          </a:fillRef>
+          <a:effectRef idx="0">
+            <a:schemeClr val="accent1"/>
+          </a:effectRef>
+          <a:fontRef idx="minor">
+            <a:schemeClr val="lt1"/>
+          </a:fontRef>
+        </p:style>
+        <p:txBody>
+          <a:bodyPr rtlCol="0" anchor="ctr"/>
+          <a:lstStyle/>
+          <a:p>
+            <a:pPr algn="ctr"/>
+            <a:endParaRPr lang="it-IT"/>
+          </a:p>
+        </p:txBody>
+      </p:sp>
+      <p:cxnSp>
+        <p:nvCxnSpPr>
+          <p:cNvPr id="134" name="Connettore 2 133">
+            <a:extLst>
+              <a:ext uri="{FF2B5EF4-FFF2-40B4-BE49-F238E27FC236}">
+                <a16:creationId xmlns:a16="http://schemas.microsoft.com/office/drawing/2014/main" id="{AC96467A-A286-4270-B6CB-F17BDDF2F565}"/>
+              </a:ext>
+            </a:extLst>
+          </p:cNvPr>
+          <p:cNvCxnSpPr>
+            <a:cxnSpLocks/>
+            <a:stCxn id="89" idx="4"/>
+            <a:endCxn id="81" idx="1"/>
+          </p:cNvCxnSpPr>
+          <p:nvPr/>
+        </p:nvCxnSpPr>
+        <p:spPr>
+          <a:xfrm>
+            <a:off x="3622907" y="3422528"/>
+            <a:ext cx="310250" cy="344379"/>
+          </a:xfrm>
+          <a:prstGeom prst="straightConnector1">
+            <a:avLst/>
+          </a:prstGeom>
+          <a:ln>
+            <a:prstDash val="lgDash"/>
+            <a:tailEnd type="arrow"/>
+          </a:ln>
+        </p:spPr>
+        <p:style>
+          <a:lnRef idx="1">
+            <a:schemeClr val="accent1"/>
+          </a:lnRef>
+          <a:fillRef idx="0">
+            <a:schemeClr val="accent1"/>
+          </a:fillRef>
+          <a:effectRef idx="0">
+            <a:schemeClr val="accent1"/>
+          </a:effectRef>
+          <a:fontRef idx="minor">
+            <a:schemeClr val="tx1"/>
+          </a:fontRef>
+        </p:style>
+      </p:cxnSp>
+      <p:sp>
+        <p:nvSpPr>
+          <p:cNvPr id="136" name="CasellaDiTesto 135">
+            <a:extLst>
+              <a:ext uri="{FF2B5EF4-FFF2-40B4-BE49-F238E27FC236}">
+                <a16:creationId xmlns:a16="http://schemas.microsoft.com/office/drawing/2014/main" id="{403D8631-90C0-431A-A61E-98ADB26F4CA3}"/>
+              </a:ext>
+            </a:extLst>
+          </p:cNvPr>
+          <p:cNvSpPr txBox="1"/>
+          <p:nvPr/>
+        </p:nvSpPr>
+        <p:spPr>
+          <a:xfrm>
+            <a:off x="3272443" y="3408350"/>
+            <a:ext cx="904925" cy="246221"/>
+          </a:xfrm>
+          <a:prstGeom prst="rect">
+            <a:avLst/>
+          </a:prstGeom>
+          <a:noFill/>
+        </p:spPr>
+        <p:txBody>
+          <a:bodyPr wrap="square" rtlCol="0">
+            <a:spAutoFit/>
+          </a:bodyPr>
+          <a:lstStyle/>
+          <a:p>
+            <a:r>
+              <a:rPr lang="it-IT" sz="1000" dirty="0" err="1"/>
+              <a:t>maxStayTime</a:t>
+            </a:r>
+            <a:endParaRPr lang="en-GB" sz="1000" dirty="0"/>
+          </a:p>
+        </p:txBody>
+      </p:sp>
+      <p:grpSp>
+        <p:nvGrpSpPr>
+          <p:cNvPr id="69" name="Gruppo 68">
+            <a:extLst>
+              <a:ext uri="{FF2B5EF4-FFF2-40B4-BE49-F238E27FC236}">
+                <a16:creationId xmlns:a16="http://schemas.microsoft.com/office/drawing/2014/main" id="{7EE00515-0C16-4EBD-9681-05357E7DD69B}"/>
+              </a:ext>
+            </a:extLst>
+          </p:cNvPr>
+          <p:cNvGrpSpPr/>
+          <p:nvPr/>
+        </p:nvGrpSpPr>
+        <p:grpSpPr>
+          <a:xfrm>
+            <a:off x="3924073" y="2529278"/>
+            <a:ext cx="1092076" cy="389945"/>
+            <a:chOff x="1775482" y="2771880"/>
+            <a:chExt cx="1277914" cy="426870"/>
+          </a:xfrm>
+        </p:grpSpPr>
+        <p:sp>
+          <p:nvSpPr>
+            <p:cNvPr id="59" name="Scorrimento verticale 58">
+              <a:extLst>
+                <a:ext uri="{FF2B5EF4-FFF2-40B4-BE49-F238E27FC236}">
+                  <a16:creationId xmlns:a16="http://schemas.microsoft.com/office/drawing/2014/main" id="{ACADE6F3-5BC0-470D-8899-8295BE64C30D}"/>
+                </a:ext>
+              </a:extLst>
+            </p:cNvPr>
+            <p:cNvSpPr/>
+            <p:nvPr/>
+          </p:nvSpPr>
+          <p:spPr>
+            <a:xfrm>
+              <a:off x="1780431" y="2771880"/>
+              <a:ext cx="305847" cy="426870"/>
+            </a:xfrm>
+            <a:prstGeom prst="verticalScroll">
+              <a:avLst/>
+            </a:prstGeom>
+          </p:spPr>
+          <p:style>
+            <a:lnRef idx="2">
+              <a:schemeClr val="accent1"/>
+            </a:lnRef>
+            <a:fillRef idx="1">
+              <a:schemeClr val="lt1"/>
+            </a:fillRef>
+            <a:effectRef idx="0">
+              <a:schemeClr val="accent1"/>
+            </a:effectRef>
+            <a:fontRef idx="minor">
+              <a:schemeClr val="dk1"/>
+            </a:fontRef>
+          </p:style>
+          <p:txBody>
+            <a:bodyPr rtlCol="0" anchor="ctr"/>
+            <a:lstStyle/>
+            <a:p>
+              <a:pPr algn="ctr"/>
+              <a:endParaRPr lang="it-IT"/>
+            </a:p>
+          </p:txBody>
+        </p:sp>
+        <p:sp>
+          <p:nvSpPr>
+            <p:cNvPr id="137" name="CasellaDiTesto 136">
+              <a:extLst>
+                <a:ext uri="{FF2B5EF4-FFF2-40B4-BE49-F238E27FC236}">
+                  <a16:creationId xmlns:a16="http://schemas.microsoft.com/office/drawing/2014/main" id="{EC530084-1FB2-458D-AC08-A23616F713A8}"/>
+                </a:ext>
+              </a:extLst>
+            </p:cNvPr>
+            <p:cNvSpPr txBox="1"/>
+            <p:nvPr/>
+          </p:nvSpPr>
+          <p:spPr>
+            <a:xfrm>
+              <a:off x="1775482" y="2843530"/>
+              <a:ext cx="1277914" cy="261610"/>
+            </a:xfrm>
+            <a:prstGeom prst="rect">
+              <a:avLst/>
+            </a:prstGeom>
+            <a:noFill/>
+          </p:spPr>
+          <p:txBody>
+            <a:bodyPr wrap="none" rtlCol="0">
+              <a:spAutoFit/>
+            </a:bodyPr>
+            <a:lstStyle/>
+            <a:p>
+              <a:r>
+                <a:rPr lang="it-IT" sz="1100" dirty="0"/>
+                <a:t>clientsituationkb.pl</a:t>
+              </a:r>
+              <a:endParaRPr lang="en-GB" sz="1100" dirty="0"/>
+            </a:p>
+          </p:txBody>
+        </p:sp>
+      </p:grpSp>
+      <p:grpSp>
+        <p:nvGrpSpPr>
+          <p:cNvPr id="138" name="Gruppo 137">
+            <a:extLst>
+              <a:ext uri="{FF2B5EF4-FFF2-40B4-BE49-F238E27FC236}">
+                <a16:creationId xmlns:a16="http://schemas.microsoft.com/office/drawing/2014/main" id="{EDE1BC43-5A75-46A0-9AA2-0DC4032CEE66}"/>
+              </a:ext>
+            </a:extLst>
+          </p:cNvPr>
+          <p:cNvGrpSpPr/>
+          <p:nvPr/>
+        </p:nvGrpSpPr>
+        <p:grpSpPr>
+          <a:xfrm>
+            <a:off x="4297136" y="4083262"/>
+            <a:ext cx="818098" cy="389945"/>
+            <a:chOff x="1775482" y="2771880"/>
+            <a:chExt cx="957313" cy="426870"/>
+          </a:xfrm>
+        </p:grpSpPr>
+        <p:sp>
+          <p:nvSpPr>
+            <p:cNvPr id="139" name="Scorrimento verticale 138">
+              <a:extLst>
+                <a:ext uri="{FF2B5EF4-FFF2-40B4-BE49-F238E27FC236}">
+                  <a16:creationId xmlns:a16="http://schemas.microsoft.com/office/drawing/2014/main" id="{FC416B8F-FBF0-473E-901B-4542AEF7C689}"/>
+                </a:ext>
+              </a:extLst>
+            </p:cNvPr>
+            <p:cNvSpPr/>
+            <p:nvPr/>
+          </p:nvSpPr>
+          <p:spPr>
+            <a:xfrm>
+              <a:off x="1780431" y="2771880"/>
+              <a:ext cx="305847" cy="426870"/>
+            </a:xfrm>
+            <a:prstGeom prst="verticalScroll">
+              <a:avLst/>
+            </a:prstGeom>
+          </p:spPr>
+          <p:style>
+            <a:lnRef idx="2">
+              <a:schemeClr val="accent1"/>
+            </a:lnRef>
+            <a:fillRef idx="1">
+              <a:schemeClr val="lt1"/>
+            </a:fillRef>
+            <a:effectRef idx="0">
+              <a:schemeClr val="accent1"/>
+            </a:effectRef>
+            <a:fontRef idx="minor">
+              <a:schemeClr val="dk1"/>
+            </a:fontRef>
+          </p:style>
+          <p:txBody>
+            <a:bodyPr rtlCol="0" anchor="ctr"/>
+            <a:lstStyle/>
+            <a:p>
+              <a:pPr algn="ctr"/>
+              <a:endParaRPr lang="it-IT"/>
+            </a:p>
+          </p:txBody>
+        </p:sp>
+        <p:sp>
+          <p:nvSpPr>
+            <p:cNvPr id="140" name="CasellaDiTesto 139">
+              <a:extLst>
+                <a:ext uri="{FF2B5EF4-FFF2-40B4-BE49-F238E27FC236}">
+                  <a16:creationId xmlns:a16="http://schemas.microsoft.com/office/drawing/2014/main" id="{E9D1DE33-E7F5-43E8-B3F1-1C123CE18760}"/>
+                </a:ext>
+              </a:extLst>
+            </p:cNvPr>
+            <p:cNvSpPr txBox="1"/>
+            <p:nvPr/>
+          </p:nvSpPr>
+          <p:spPr>
+            <a:xfrm>
+              <a:off x="1775482" y="2843530"/>
+              <a:ext cx="957313" cy="261610"/>
+            </a:xfrm>
+            <a:prstGeom prst="rect">
+              <a:avLst/>
+            </a:prstGeom>
+            <a:noFill/>
+          </p:spPr>
+          <p:txBody>
+            <a:bodyPr wrap="none" rtlCol="0">
+              <a:spAutoFit/>
+            </a:bodyPr>
+            <a:lstStyle/>
+            <a:p>
+              <a:r>
+                <a:rPr lang="it-IT" sz="1100" dirty="0"/>
+                <a:t>tearoomkb.pl</a:t>
+              </a:r>
+              <a:endParaRPr lang="en-GB" sz="1100" dirty="0"/>
+            </a:p>
+          </p:txBody>
+        </p:sp>
+      </p:grpSp>
+      <p:grpSp>
+        <p:nvGrpSpPr>
+          <p:cNvPr id="125" name="Gruppo 44">
+            <a:extLst>
+              <a:ext uri="{FF2B5EF4-FFF2-40B4-BE49-F238E27FC236}">
+                <a16:creationId xmlns:a16="http://schemas.microsoft.com/office/drawing/2014/main" id="{0E1F2BED-8221-481A-8C2E-038652C612A4}"/>
+              </a:ext>
+            </a:extLst>
+          </p:cNvPr>
+          <p:cNvGrpSpPr/>
+          <p:nvPr/>
+        </p:nvGrpSpPr>
+        <p:grpSpPr>
+          <a:xfrm>
+            <a:off x="4053437" y="4905766"/>
+            <a:ext cx="855042" cy="612764"/>
+            <a:chOff x="2399821" y="2003999"/>
+            <a:chExt cx="1763179" cy="1234660"/>
+          </a:xfrm>
+        </p:grpSpPr>
+        <p:sp>
+          <p:nvSpPr>
+            <p:cNvPr id="126" name="Triangolo isoscele 45">
+              <a:extLst>
+                <a:ext uri="{FF2B5EF4-FFF2-40B4-BE49-F238E27FC236}">
+                  <a16:creationId xmlns:a16="http://schemas.microsoft.com/office/drawing/2014/main" id="{D0B4B0B8-B9A4-42C5-AEEC-281DA24F5FEF}"/>
+                </a:ext>
+              </a:extLst>
+            </p:cNvPr>
+            <p:cNvSpPr/>
+            <p:nvPr/>
+          </p:nvSpPr>
+          <p:spPr>
+            <a:xfrm rot="5400000">
+              <a:off x="3220533" y="2242778"/>
+              <a:ext cx="998086" cy="875019"/>
+            </a:xfrm>
+            <a:prstGeom prst="triangle">
+              <a:avLst/>
+            </a:prstGeom>
+            <a:solidFill>
+              <a:srgbClr val="CCFF66"/>
+            </a:solidFill>
+            <a:ln/>
+          </p:spPr>
+          <p:style>
+            <a:lnRef idx="1">
+              <a:schemeClr val="accent5"/>
+            </a:lnRef>
+            <a:fillRef idx="2">
+              <a:schemeClr val="accent5"/>
+            </a:fillRef>
+            <a:effectRef idx="1">
+              <a:schemeClr val="accent5"/>
+            </a:effectRef>
+            <a:fontRef idx="minor">
+              <a:schemeClr val="dk1"/>
+            </a:fontRef>
+          </p:style>
+          <p:txBody>
+            <a:bodyPr rtlCol="0" anchor="ctr"/>
+            <a:lstStyle/>
+            <a:p>
+              <a:pPr algn="ctr"/>
+              <a:endParaRPr lang="en-GB" sz="1200"/>
+            </a:p>
+          </p:txBody>
+        </p:sp>
+        <p:grpSp>
+          <p:nvGrpSpPr>
+            <p:cNvPr id="127" name="Gruppo 82">
+              <a:extLst>
+                <a:ext uri="{FF2B5EF4-FFF2-40B4-BE49-F238E27FC236}">
+                  <a16:creationId xmlns:a16="http://schemas.microsoft.com/office/drawing/2014/main" id="{048ADB93-F507-4BBC-9896-D1FAD3291D44}"/>
+                </a:ext>
+              </a:extLst>
+            </p:cNvPr>
+            <p:cNvGrpSpPr/>
+            <p:nvPr/>
+          </p:nvGrpSpPr>
+          <p:grpSpPr>
+            <a:xfrm>
+              <a:off x="2460217" y="2003999"/>
+              <a:ext cx="1409186" cy="1234660"/>
+              <a:chOff x="1194666" y="2417771"/>
+              <a:chExt cx="866158" cy="763301"/>
+            </a:xfrm>
+          </p:grpSpPr>
+          <p:sp>
+            <p:nvSpPr>
+              <p:cNvPr id="129" name="Ovale 38">
+                <a:extLst>
+                  <a:ext uri="{FF2B5EF4-FFF2-40B4-BE49-F238E27FC236}">
+                    <a16:creationId xmlns:a16="http://schemas.microsoft.com/office/drawing/2014/main" id="{AA87BA8F-B44B-4FE0-A29D-7DCEFCD6ADD0}"/>
+                  </a:ext>
+                </a:extLst>
+              </p:cNvPr>
+              <p:cNvSpPr/>
+              <p:nvPr/>
+            </p:nvSpPr>
+            <p:spPr>
+              <a:xfrm>
+                <a:off x="1311103" y="2460992"/>
+                <a:ext cx="749721" cy="720080"/>
+              </a:xfrm>
+              <a:prstGeom prst="ellipse">
+                <a:avLst/>
+              </a:prstGeom>
+              <a:solidFill>
+                <a:srgbClr val="FFCCFF"/>
+              </a:solidFill>
+              <a:ln/>
+            </p:spPr>
+            <p:style>
+              <a:lnRef idx="1">
+                <a:schemeClr val="accent5"/>
+              </a:lnRef>
+              <a:fillRef idx="2">
+                <a:schemeClr val="accent5"/>
+              </a:fillRef>
+              <a:effectRef idx="1">
+                <a:schemeClr val="accent5"/>
+              </a:effectRef>
+              <a:fontRef idx="minor">
+                <a:schemeClr val="dk1"/>
+              </a:fontRef>
+            </p:style>
+            <p:txBody>
+              <a:bodyPr rtlCol="0" anchor="ctr"/>
+              <a:lstStyle/>
+              <a:p>
+                <a:pPr algn="ctr"/>
+                <a:r>
+                  <a:rPr lang="en-GB" sz="1200" dirty="0"/>
+                  <a:t> </a:t>
+                </a:r>
+              </a:p>
+            </p:txBody>
+          </p:sp>
+          <p:sp>
+            <p:nvSpPr>
+              <p:cNvPr id="130" name="Rettangolo 39">
+                <a:extLst>
+                  <a:ext uri="{FF2B5EF4-FFF2-40B4-BE49-F238E27FC236}">
+                    <a16:creationId xmlns:a16="http://schemas.microsoft.com/office/drawing/2014/main" id="{EF904EFE-AEF0-4647-BE2C-FAFEC322FA74}"/>
+                  </a:ext>
+                </a:extLst>
+              </p:cNvPr>
+              <p:cNvSpPr/>
+              <p:nvPr/>
+            </p:nvSpPr>
+            <p:spPr>
+              <a:xfrm>
+                <a:off x="1194666" y="2699713"/>
+                <a:ext cx="281432" cy="211953"/>
+              </a:xfrm>
+              <a:prstGeom prst="rect">
+                <a:avLst/>
+              </a:prstGeom>
+              <a:solidFill>
+                <a:srgbClr val="FFCCFF"/>
+              </a:solidFill>
+              <a:ln/>
+            </p:spPr>
+            <p:style>
+              <a:lnRef idx="1">
+                <a:schemeClr val="accent5"/>
+              </a:lnRef>
+              <a:fillRef idx="2">
+                <a:schemeClr val="accent5"/>
+              </a:fillRef>
+              <a:effectRef idx="1">
+                <a:schemeClr val="accent5"/>
+              </a:effectRef>
+              <a:fontRef idx="minor">
+                <a:schemeClr val="dk1"/>
+              </a:fontRef>
+            </p:style>
+            <p:txBody>
+              <a:bodyPr rtlCol="0" anchor="ctr"/>
+              <a:lstStyle/>
+              <a:p>
+                <a:pPr algn="ctr"/>
+                <a:endParaRPr lang="en-GB" sz="1200" dirty="0"/>
+              </a:p>
+            </p:txBody>
+          </p:sp>
+          <p:sp>
+            <p:nvSpPr>
+              <p:cNvPr id="135" name="Triangolo isoscele 42">
+                <a:extLst>
+                  <a:ext uri="{FF2B5EF4-FFF2-40B4-BE49-F238E27FC236}">
+                    <a16:creationId xmlns:a16="http://schemas.microsoft.com/office/drawing/2014/main" id="{3AFC120A-FEAF-4386-A960-228B6E4D8E80}"/>
+                  </a:ext>
+                </a:extLst>
+              </p:cNvPr>
+              <p:cNvSpPr/>
+              <p:nvPr/>
+            </p:nvSpPr>
+            <p:spPr>
+              <a:xfrm rot="16200000">
+                <a:off x="1618539" y="2391356"/>
+                <a:ext cx="86434" cy="139263"/>
+              </a:xfrm>
+              <a:prstGeom prst="triangle">
+                <a:avLst/>
+              </a:prstGeom>
+              <a:solidFill>
+                <a:srgbClr val="FF0000"/>
+              </a:solidFill>
+              <a:ln/>
+            </p:spPr>
+            <p:style>
+              <a:lnRef idx="1">
+                <a:schemeClr val="accent5"/>
+              </a:lnRef>
+              <a:fillRef idx="2">
+                <a:schemeClr val="accent5"/>
+              </a:fillRef>
+              <a:effectRef idx="1">
+                <a:schemeClr val="accent5"/>
+              </a:effectRef>
+              <a:fontRef idx="minor">
+                <a:schemeClr val="dk1"/>
+              </a:fontRef>
+            </p:style>
+            <p:txBody>
+              <a:bodyPr rtlCol="0" anchor="ctr"/>
+              <a:lstStyle/>
+              <a:p>
+                <a:pPr algn="ctr"/>
+                <a:endParaRPr lang="en-GB" sz="1200"/>
+              </a:p>
+            </p:txBody>
+          </p:sp>
+        </p:grpSp>
+        <p:sp>
+          <p:nvSpPr>
+            <p:cNvPr id="128" name="Rettangolo 47">
+              <a:extLst>
+                <a:ext uri="{FF2B5EF4-FFF2-40B4-BE49-F238E27FC236}">
+                  <a16:creationId xmlns:a16="http://schemas.microsoft.com/office/drawing/2014/main" id="{D016E608-3E66-4531-AAD4-9417D2B29AE6}"/>
+                </a:ext>
+              </a:extLst>
+            </p:cNvPr>
+            <p:cNvSpPr/>
+            <p:nvPr/>
+          </p:nvSpPr>
+          <p:spPr>
+            <a:xfrm>
+              <a:off x="2399821" y="2346811"/>
+              <a:ext cx="1763179" cy="558126"/>
+            </a:xfrm>
+            <a:prstGeom prst="rect">
+              <a:avLst/>
+            </a:prstGeom>
+          </p:spPr>
+          <p:txBody>
+            <a:bodyPr wrap="none">
+              <a:spAutoFit/>
+            </a:bodyPr>
+            <a:lstStyle/>
+            <a:p>
+              <a:r>
+                <a:rPr lang="en-GB" sz="1200" dirty="0"/>
+                <a:t>simulator2</a:t>
+              </a:r>
+              <a:endParaRPr lang="en-GB" dirty="0"/>
+            </a:p>
+          </p:txBody>
+        </p:sp>
+      </p:grpSp>
+      <p:grpSp>
+        <p:nvGrpSpPr>
+          <p:cNvPr id="141" name="Gruppo 44">
+            <a:extLst>
+              <a:ext uri="{FF2B5EF4-FFF2-40B4-BE49-F238E27FC236}">
+                <a16:creationId xmlns:a16="http://schemas.microsoft.com/office/drawing/2014/main" id="{7C49E288-FEED-442B-8CF5-E1F5709C79C4}"/>
+              </a:ext>
+            </a:extLst>
+          </p:cNvPr>
+          <p:cNvGrpSpPr/>
+          <p:nvPr/>
+        </p:nvGrpSpPr>
+        <p:grpSpPr>
+          <a:xfrm>
+            <a:off x="3136360" y="4881342"/>
+            <a:ext cx="855042" cy="620955"/>
+            <a:chOff x="2342717" y="2003998"/>
+            <a:chExt cx="1894752" cy="1234658"/>
+          </a:xfrm>
+        </p:grpSpPr>
+        <p:sp>
+          <p:nvSpPr>
+            <p:cNvPr id="142" name="Triangolo isoscele 45">
+              <a:extLst>
+                <a:ext uri="{FF2B5EF4-FFF2-40B4-BE49-F238E27FC236}">
+                  <a16:creationId xmlns:a16="http://schemas.microsoft.com/office/drawing/2014/main" id="{B109583E-7A1E-403C-8C21-D4BF79EB21D2}"/>
+                </a:ext>
+              </a:extLst>
+            </p:cNvPr>
+            <p:cNvSpPr/>
+            <p:nvPr/>
+          </p:nvSpPr>
+          <p:spPr>
+            <a:xfrm rot="5400000">
+              <a:off x="3220533" y="2242778"/>
+              <a:ext cx="998086" cy="875019"/>
+            </a:xfrm>
+            <a:prstGeom prst="triangle">
+              <a:avLst/>
+            </a:prstGeom>
+            <a:solidFill>
+              <a:srgbClr val="CCFF66"/>
+            </a:solidFill>
+            <a:ln/>
+          </p:spPr>
+          <p:style>
+            <a:lnRef idx="1">
+              <a:schemeClr val="accent5"/>
+            </a:lnRef>
+            <a:fillRef idx="2">
+              <a:schemeClr val="accent5"/>
+            </a:fillRef>
+            <a:effectRef idx="1">
+              <a:schemeClr val="accent5"/>
+            </a:effectRef>
+            <a:fontRef idx="minor">
+              <a:schemeClr val="dk1"/>
+            </a:fontRef>
+          </p:style>
+          <p:txBody>
+            <a:bodyPr rtlCol="0" anchor="ctr"/>
+            <a:lstStyle/>
+            <a:p>
+              <a:pPr algn="ctr"/>
+              <a:endParaRPr lang="en-GB" sz="1200"/>
+            </a:p>
+          </p:txBody>
+        </p:sp>
+        <p:grpSp>
+          <p:nvGrpSpPr>
+            <p:cNvPr id="143" name="Gruppo 82">
+              <a:extLst>
+                <a:ext uri="{FF2B5EF4-FFF2-40B4-BE49-F238E27FC236}">
+                  <a16:creationId xmlns:a16="http://schemas.microsoft.com/office/drawing/2014/main" id="{7EB5AA92-4A4C-4567-B1C6-1343F197E6EC}"/>
+                </a:ext>
+              </a:extLst>
+            </p:cNvPr>
+            <p:cNvGrpSpPr/>
+            <p:nvPr/>
+          </p:nvGrpSpPr>
+          <p:grpSpPr>
+            <a:xfrm>
+              <a:off x="2460217" y="2003998"/>
+              <a:ext cx="1409186" cy="1234658"/>
+              <a:chOff x="1194666" y="2417771"/>
+              <a:chExt cx="866158" cy="763300"/>
+            </a:xfrm>
+          </p:grpSpPr>
+          <p:sp>
+            <p:nvSpPr>
+              <p:cNvPr id="145" name="Ovale 38">
+                <a:extLst>
+                  <a:ext uri="{FF2B5EF4-FFF2-40B4-BE49-F238E27FC236}">
+                    <a16:creationId xmlns:a16="http://schemas.microsoft.com/office/drawing/2014/main" id="{D1DD1F4F-7E98-4BAF-949D-044B9F911D81}"/>
+                  </a:ext>
+                </a:extLst>
+              </p:cNvPr>
+              <p:cNvSpPr/>
+              <p:nvPr/>
+            </p:nvSpPr>
+            <p:spPr>
+              <a:xfrm>
+                <a:off x="1311105" y="2460991"/>
+                <a:ext cx="749719" cy="720080"/>
+              </a:xfrm>
+              <a:prstGeom prst="ellipse">
+                <a:avLst/>
+              </a:prstGeom>
+              <a:solidFill>
+                <a:srgbClr val="FFCCFF"/>
+              </a:solidFill>
+              <a:ln/>
+            </p:spPr>
+            <p:style>
+              <a:lnRef idx="1">
+                <a:schemeClr val="accent5"/>
+              </a:lnRef>
+              <a:fillRef idx="2">
+                <a:schemeClr val="accent5"/>
+              </a:fillRef>
+              <a:effectRef idx="1">
+                <a:schemeClr val="accent5"/>
+              </a:effectRef>
+              <a:fontRef idx="minor">
+                <a:schemeClr val="dk1"/>
+              </a:fontRef>
+            </p:style>
+            <p:txBody>
+              <a:bodyPr rtlCol="0" anchor="ctr"/>
+              <a:lstStyle/>
+              <a:p>
+                <a:pPr algn="ctr"/>
+                <a:r>
+                  <a:rPr lang="en-GB" sz="1200" dirty="0"/>
+                  <a:t> </a:t>
+                </a:r>
+              </a:p>
+            </p:txBody>
+          </p:sp>
+          <p:sp>
+            <p:nvSpPr>
+              <p:cNvPr id="146" name="Rettangolo 39">
+                <a:extLst>
+                  <a:ext uri="{FF2B5EF4-FFF2-40B4-BE49-F238E27FC236}">
+                    <a16:creationId xmlns:a16="http://schemas.microsoft.com/office/drawing/2014/main" id="{33E160B0-68E6-43C9-BFB4-AEEFD7D57BD7}"/>
+                  </a:ext>
+                </a:extLst>
+              </p:cNvPr>
+              <p:cNvSpPr/>
+              <p:nvPr/>
+            </p:nvSpPr>
+            <p:spPr>
+              <a:xfrm>
+                <a:off x="1194666" y="2699713"/>
+                <a:ext cx="281432" cy="211953"/>
+              </a:xfrm>
+              <a:prstGeom prst="rect">
+                <a:avLst/>
+              </a:prstGeom>
+              <a:solidFill>
+                <a:srgbClr val="FFCCFF"/>
+              </a:solidFill>
+              <a:ln/>
+            </p:spPr>
+            <p:style>
+              <a:lnRef idx="1">
+                <a:schemeClr val="accent5"/>
+              </a:lnRef>
+              <a:fillRef idx="2">
+                <a:schemeClr val="accent5"/>
+              </a:fillRef>
+              <a:effectRef idx="1">
+                <a:schemeClr val="accent5"/>
+              </a:effectRef>
+              <a:fontRef idx="minor">
+                <a:schemeClr val="dk1"/>
+              </a:fontRef>
+            </p:style>
+            <p:txBody>
+              <a:bodyPr rtlCol="0" anchor="ctr"/>
+              <a:lstStyle/>
+              <a:p>
+                <a:pPr algn="ctr"/>
+                <a:endParaRPr lang="en-GB" sz="1200" dirty="0"/>
+              </a:p>
+            </p:txBody>
+          </p:sp>
+          <p:sp>
+            <p:nvSpPr>
+              <p:cNvPr id="147" name="Triangolo isoscele 42">
+                <a:extLst>
+                  <a:ext uri="{FF2B5EF4-FFF2-40B4-BE49-F238E27FC236}">
+                    <a16:creationId xmlns:a16="http://schemas.microsoft.com/office/drawing/2014/main" id="{A7A220C2-B8D4-4E28-967D-6A47EC78D8A2}"/>
+                  </a:ext>
+                </a:extLst>
+              </p:cNvPr>
+              <p:cNvSpPr/>
+              <p:nvPr/>
+            </p:nvSpPr>
+            <p:spPr>
+              <a:xfrm rot="16200000">
+                <a:off x="1618539" y="2391356"/>
+                <a:ext cx="86434" cy="139263"/>
+              </a:xfrm>
+              <a:prstGeom prst="triangle">
+                <a:avLst/>
+              </a:prstGeom>
+              <a:solidFill>
+                <a:srgbClr val="FF0000"/>
+              </a:solidFill>
+              <a:ln/>
+            </p:spPr>
+            <p:style>
+              <a:lnRef idx="1">
+                <a:schemeClr val="accent5"/>
+              </a:lnRef>
+              <a:fillRef idx="2">
+                <a:schemeClr val="accent5"/>
+              </a:fillRef>
+              <a:effectRef idx="1">
+                <a:schemeClr val="accent5"/>
+              </a:effectRef>
+              <a:fontRef idx="minor">
+                <a:schemeClr val="dk1"/>
+              </a:fontRef>
+            </p:style>
+            <p:txBody>
+              <a:bodyPr rtlCol="0" anchor="ctr"/>
+              <a:lstStyle/>
+              <a:p>
+                <a:pPr algn="ctr"/>
+                <a:endParaRPr lang="en-GB" sz="1200"/>
+              </a:p>
+            </p:txBody>
+          </p:sp>
+        </p:grpSp>
+        <p:sp>
+          <p:nvSpPr>
+            <p:cNvPr id="144" name="Rettangolo 47">
+              <a:extLst>
+                <a:ext uri="{FF2B5EF4-FFF2-40B4-BE49-F238E27FC236}">
+                  <a16:creationId xmlns:a16="http://schemas.microsoft.com/office/drawing/2014/main" id="{1087EA87-F369-449D-8009-1FB769C96BB6}"/>
+                </a:ext>
+              </a:extLst>
+            </p:cNvPr>
+            <p:cNvSpPr/>
+            <p:nvPr/>
+          </p:nvSpPr>
+          <p:spPr>
+            <a:xfrm>
+              <a:off x="2342717" y="2346810"/>
+              <a:ext cx="1894752" cy="550763"/>
+            </a:xfrm>
+            <a:prstGeom prst="rect">
+              <a:avLst/>
+            </a:prstGeom>
+          </p:spPr>
+          <p:txBody>
+            <a:bodyPr wrap="none">
+              <a:spAutoFit/>
+            </a:bodyPr>
+            <a:lstStyle/>
+            <a:p>
+              <a:r>
+                <a:rPr lang="en-GB" sz="1200" dirty="0"/>
+                <a:t>simulator1</a:t>
+              </a:r>
+              <a:endParaRPr lang="en-GB" dirty="0"/>
+            </a:p>
+          </p:txBody>
+        </p:sp>
+      </p:grpSp>
+      <p:pic>
+        <p:nvPicPr>
+          <p:cNvPr id="148" name="Picture 4" descr="100+ Smartphone Pictures | Download Free Images &amp; Stock Photos on ...">
+            <a:extLst>
+              <a:ext uri="{FF2B5EF4-FFF2-40B4-BE49-F238E27FC236}">
+                <a16:creationId xmlns:a16="http://schemas.microsoft.com/office/drawing/2014/main" id="{F91BAF4E-CA65-4455-809D-2F0422F4D3CA}"/>
+              </a:ext>
+            </a:extLst>
+          </p:cNvPr>
+          <p:cNvPicPr>
+            <a:picLocks noChangeAspect="1" noChangeArrowheads="1"/>
+          </p:cNvPicPr>
+          <p:nvPr/>
+        </p:nvPicPr>
+        <p:blipFill rotWithShape="1">
+          <a:blip r:embed="rId2" cstate="print">
+            <a:extLst>
+              <a:ext uri="{28A0092B-C50C-407E-A947-70E740481C1C}">
+                <a14:useLocalDpi xmlns:a14="http://schemas.microsoft.com/office/drawing/2010/main" val="0"/>
+              </a:ext>
+            </a:extLst>
+          </a:blip>
+          <a:srcRect l="19562" t="8617" r="30119"/>
+          <a:stretch/>
+        </p:blipFill>
+        <p:spPr bwMode="auto">
+          <a:xfrm>
+            <a:off x="617991" y="5404377"/>
+            <a:ext cx="1002094" cy="1213872"/>
+          </a:xfrm>
+          <a:prstGeom prst="rect">
+            <a:avLst/>
+          </a:prstGeom>
+          <a:noFill/>
+          <a:extLst>
+            <a:ext uri="{909E8E84-426E-40DD-AFC4-6F175D3DCCD1}">
+              <a14:hiddenFill xmlns:a14="http://schemas.microsoft.com/office/drawing/2010/main">
+                <a:solidFill>
+                  <a:srgbClr val="FFFFFF"/>
+                </a:solidFill>
+              </a14:hiddenFill>
+            </a:ext>
+          </a:extLst>
+        </p:spPr>
+      </p:pic>
+      <p:pic>
+        <p:nvPicPr>
+          <p:cNvPr id="49" name="Immagine 48">
+            <a:extLst>
+              <a:ext uri="{FF2B5EF4-FFF2-40B4-BE49-F238E27FC236}">
+                <a16:creationId xmlns:a16="http://schemas.microsoft.com/office/drawing/2014/main" id="{0C45BAB3-5936-4FF5-B216-B35095ABD962}"/>
+              </a:ext>
+            </a:extLst>
+          </p:cNvPr>
+          <p:cNvPicPr>
+            <a:picLocks noChangeAspect="1"/>
+          </p:cNvPicPr>
+          <p:nvPr/>
+        </p:nvPicPr>
+        <p:blipFill rotWithShape="1">
+          <a:blip r:embed="rId3"/>
+          <a:srcRect l="9565" r="25383" b="3878"/>
+          <a:stretch/>
+        </p:blipFill>
+        <p:spPr>
+          <a:xfrm>
+            <a:off x="480842" y="3700765"/>
+            <a:ext cx="1366721" cy="1591366"/>
+          </a:xfrm>
+          <a:prstGeom prst="rect">
+            <a:avLst/>
+          </a:prstGeom>
+        </p:spPr>
+      </p:pic>
+      <p:sp>
+        <p:nvSpPr>
+          <p:cNvPr id="149" name="CasellaDiTesto 148">
+            <a:extLst>
+              <a:ext uri="{FF2B5EF4-FFF2-40B4-BE49-F238E27FC236}">
+                <a16:creationId xmlns:a16="http://schemas.microsoft.com/office/drawing/2014/main" id="{B93992D1-1B3A-4E3E-96FF-E4E42AD78232}"/>
+              </a:ext>
+            </a:extLst>
+          </p:cNvPr>
+          <p:cNvSpPr txBox="1"/>
+          <p:nvPr/>
+        </p:nvSpPr>
+        <p:spPr>
+          <a:xfrm>
+            <a:off x="523783" y="1301943"/>
+            <a:ext cx="2059619" cy="584775"/>
+          </a:xfrm>
+          <a:prstGeom prst="rect">
+            <a:avLst/>
+          </a:prstGeom>
+          <a:noFill/>
+        </p:spPr>
+        <p:txBody>
+          <a:bodyPr wrap="square" rtlCol="0">
+            <a:spAutoFit/>
+          </a:bodyPr>
+          <a:lstStyle/>
+          <a:p>
+            <a:r>
+              <a:rPr lang="it-IT" sz="1600" dirty="0" err="1">
+                <a:solidFill>
+                  <a:srgbClr val="FF0000"/>
+                </a:solidFill>
+              </a:rPr>
+              <a:t>project</a:t>
+            </a:r>
+            <a:endParaRPr lang="en-GB" sz="1600" dirty="0">
+              <a:solidFill>
+                <a:srgbClr val="FF0000"/>
+              </a:solidFill>
+            </a:endParaRPr>
+          </a:p>
+          <a:p>
+            <a:r>
+              <a:rPr lang="en-GB" sz="1600" i="1" dirty="0" err="1">
+                <a:solidFill>
+                  <a:srgbClr val="FF0000"/>
+                </a:solidFill>
+              </a:rPr>
+              <a:t>it.unibo.iss.clientWeb</a:t>
+            </a:r>
+            <a:endParaRPr lang="en-GB" sz="1600" i="1" dirty="0">
+              <a:solidFill>
+                <a:srgbClr val="FF0000"/>
+              </a:solidFill>
+            </a:endParaRPr>
+          </a:p>
+        </p:txBody>
+      </p:sp>
+      <p:sp>
+        <p:nvSpPr>
+          <p:cNvPr id="150" name="Rettangolo con angoli arrotondati 149">
+            <a:extLst>
+              <a:ext uri="{FF2B5EF4-FFF2-40B4-BE49-F238E27FC236}">
+                <a16:creationId xmlns:a16="http://schemas.microsoft.com/office/drawing/2014/main" id="{7A06324E-532E-46BE-BAE0-936906CD8743}"/>
+              </a:ext>
+            </a:extLst>
+          </p:cNvPr>
+          <p:cNvSpPr/>
+          <p:nvPr/>
+        </p:nvSpPr>
+        <p:spPr>
+          <a:xfrm>
+            <a:off x="121543" y="1908903"/>
+            <a:ext cx="2444940" cy="3399908"/>
+          </a:xfrm>
+          <a:prstGeom prst="roundRect">
+            <a:avLst/>
+          </a:prstGeom>
+          <a:noFill/>
+        </p:spPr>
+        <p:style>
+          <a:lnRef idx="2">
+            <a:schemeClr val="accent1"/>
+          </a:lnRef>
+          <a:fillRef idx="1">
+            <a:schemeClr val="lt1"/>
+          </a:fillRef>
+          <a:effectRef idx="0">
+            <a:schemeClr val="accent1"/>
+          </a:effectRef>
+          <a:fontRef idx="minor">
+            <a:schemeClr val="dk1"/>
+          </a:fontRef>
+        </p:style>
+        <p:txBody>
+          <a:bodyPr rtlCol="0" anchor="ctr"/>
+          <a:lstStyle/>
+          <a:p>
+            <a:pPr algn="ctr"/>
+            <a:endParaRPr lang="it-IT"/>
+          </a:p>
+        </p:txBody>
+      </p:sp>
+      <p:cxnSp>
+        <p:nvCxnSpPr>
+          <p:cNvPr id="151" name="Connettore 2 150">
+            <a:extLst>
+              <a:ext uri="{FF2B5EF4-FFF2-40B4-BE49-F238E27FC236}">
+                <a16:creationId xmlns:a16="http://schemas.microsoft.com/office/drawing/2014/main" id="{88DF656D-1D73-4267-B4B4-6D18C44041DB}"/>
+              </a:ext>
+            </a:extLst>
+          </p:cNvPr>
+          <p:cNvCxnSpPr>
+            <a:cxnSpLocks/>
+          </p:cNvCxnSpPr>
+          <p:nvPr/>
+        </p:nvCxnSpPr>
+        <p:spPr>
+          <a:xfrm flipH="1" flipV="1">
+            <a:off x="777755" y="2879902"/>
+            <a:ext cx="1" cy="826196"/>
+          </a:xfrm>
+          <a:prstGeom prst="straightConnector1">
+            <a:avLst/>
+          </a:prstGeom>
+          <a:ln>
+            <a:prstDash val="lgDash"/>
+            <a:tailEnd type="arrow"/>
+          </a:ln>
+        </p:spPr>
+        <p:style>
+          <a:lnRef idx="1">
+            <a:schemeClr val="accent1"/>
+          </a:lnRef>
+          <a:fillRef idx="0">
+            <a:schemeClr val="accent1"/>
+          </a:fillRef>
+          <a:effectRef idx="0">
+            <a:schemeClr val="accent1"/>
+          </a:effectRef>
+          <a:fontRef idx="minor">
+            <a:schemeClr val="tx1"/>
+          </a:fontRef>
+        </p:style>
+      </p:cxnSp>
+      <p:sp>
+        <p:nvSpPr>
+          <p:cNvPr id="152" name="Figura a mano libera 12">
+            <a:extLst>
+              <a:ext uri="{FF2B5EF4-FFF2-40B4-BE49-F238E27FC236}">
+                <a16:creationId xmlns:a16="http://schemas.microsoft.com/office/drawing/2014/main" id="{EBAFC759-7638-4C1A-B7D0-6B184ACC5827}"/>
+              </a:ext>
+            </a:extLst>
+          </p:cNvPr>
+          <p:cNvSpPr/>
+          <p:nvPr/>
+        </p:nvSpPr>
+        <p:spPr>
+          <a:xfrm>
+            <a:off x="190785" y="2087499"/>
+            <a:ext cx="1280114" cy="743076"/>
+          </a:xfrm>
+          <a:custGeom>
+            <a:avLst/>
+            <a:gdLst>
+              <a:gd name="connsiteX0" fmla="*/ 168812 w 773723"/>
+              <a:gd name="connsiteY0" fmla="*/ 0 h 604911"/>
+              <a:gd name="connsiteX1" fmla="*/ 168812 w 773723"/>
+              <a:gd name="connsiteY1" fmla="*/ 0 h 604911"/>
+              <a:gd name="connsiteX2" fmla="*/ 28135 w 773723"/>
+              <a:gd name="connsiteY2" fmla="*/ 70339 h 604911"/>
+              <a:gd name="connsiteX3" fmla="*/ 0 w 773723"/>
+              <a:gd name="connsiteY3" fmla="*/ 112542 h 604911"/>
+              <a:gd name="connsiteX4" fmla="*/ 14068 w 773723"/>
+              <a:gd name="connsiteY4" fmla="*/ 492369 h 604911"/>
+              <a:gd name="connsiteX5" fmla="*/ 42203 w 773723"/>
+              <a:gd name="connsiteY5" fmla="*/ 520505 h 604911"/>
+              <a:gd name="connsiteX6" fmla="*/ 168812 w 773723"/>
+              <a:gd name="connsiteY6" fmla="*/ 576776 h 604911"/>
+              <a:gd name="connsiteX7" fmla="*/ 225083 w 773723"/>
+              <a:gd name="connsiteY7" fmla="*/ 604911 h 604911"/>
+              <a:gd name="connsiteX8" fmla="*/ 576775 w 773723"/>
+              <a:gd name="connsiteY8" fmla="*/ 590843 h 604911"/>
+              <a:gd name="connsiteX9" fmla="*/ 633046 w 773723"/>
+              <a:gd name="connsiteY9" fmla="*/ 393896 h 604911"/>
+              <a:gd name="connsiteX10" fmla="*/ 661181 w 773723"/>
+              <a:gd name="connsiteY10" fmla="*/ 365760 h 604911"/>
+              <a:gd name="connsiteX11" fmla="*/ 703385 w 773723"/>
+              <a:gd name="connsiteY11" fmla="*/ 337625 h 604911"/>
+              <a:gd name="connsiteX12" fmla="*/ 759655 w 773723"/>
+              <a:gd name="connsiteY12" fmla="*/ 295422 h 604911"/>
+              <a:gd name="connsiteX13" fmla="*/ 773723 w 773723"/>
+              <a:gd name="connsiteY13" fmla="*/ 253219 h 604911"/>
+              <a:gd name="connsiteX14" fmla="*/ 731520 w 773723"/>
+              <a:gd name="connsiteY14" fmla="*/ 154745 h 604911"/>
+              <a:gd name="connsiteX15" fmla="*/ 661181 w 773723"/>
+              <a:gd name="connsiteY15" fmla="*/ 84406 h 604911"/>
+              <a:gd name="connsiteX16" fmla="*/ 576775 w 773723"/>
+              <a:gd name="connsiteY16" fmla="*/ 28136 h 604911"/>
+              <a:gd name="connsiteX17" fmla="*/ 464234 w 773723"/>
+              <a:gd name="connsiteY17" fmla="*/ 42203 h 604911"/>
+              <a:gd name="connsiteX18" fmla="*/ 436098 w 773723"/>
+              <a:gd name="connsiteY18" fmla="*/ 70339 h 604911"/>
+              <a:gd name="connsiteX19" fmla="*/ 393895 w 773723"/>
+              <a:gd name="connsiteY19" fmla="*/ 84406 h 604911"/>
+              <a:gd name="connsiteX20" fmla="*/ 351692 w 773723"/>
+              <a:gd name="connsiteY20" fmla="*/ 70339 h 604911"/>
+              <a:gd name="connsiteX21" fmla="*/ 267286 w 773723"/>
+              <a:gd name="connsiteY21" fmla="*/ 56271 h 604911"/>
+              <a:gd name="connsiteX22" fmla="*/ 168812 w 773723"/>
+              <a:gd name="connsiteY22" fmla="*/ 0 h 604911"/>
+            </a:gdLst>
+            <a:ahLst/>
+            <a:cxnLst>
+              <a:cxn ang="0">
+                <a:pos x="connsiteX0" y="connsiteY0"/>
+              </a:cxn>
+              <a:cxn ang="0">
+                <a:pos x="connsiteX1" y="connsiteY1"/>
+              </a:cxn>
+              <a:cxn ang="0">
+                <a:pos x="connsiteX2" y="connsiteY2"/>
+              </a:cxn>
+              <a:cxn ang="0">
+                <a:pos x="connsiteX3" y="connsiteY3"/>
+              </a:cxn>
+              <a:cxn ang="0">
+                <a:pos x="connsiteX4" y="connsiteY4"/>
+              </a:cxn>
+              <a:cxn ang="0">
+                <a:pos x="connsiteX5" y="connsiteY5"/>
+              </a:cxn>
+              <a:cxn ang="0">
+                <a:pos x="connsiteX6" y="connsiteY6"/>
+              </a:cxn>
+              <a:cxn ang="0">
+                <a:pos x="connsiteX7" y="connsiteY7"/>
+              </a:cxn>
+              <a:cxn ang="0">
+                <a:pos x="connsiteX8" y="connsiteY8"/>
+              </a:cxn>
+              <a:cxn ang="0">
+                <a:pos x="connsiteX9" y="connsiteY9"/>
+              </a:cxn>
+              <a:cxn ang="0">
+                <a:pos x="connsiteX10" y="connsiteY10"/>
+              </a:cxn>
+              <a:cxn ang="0">
+                <a:pos x="connsiteX11" y="connsiteY11"/>
+              </a:cxn>
+              <a:cxn ang="0">
+                <a:pos x="connsiteX12" y="connsiteY12"/>
+              </a:cxn>
+              <a:cxn ang="0">
+                <a:pos x="connsiteX13" y="connsiteY13"/>
+              </a:cxn>
+              <a:cxn ang="0">
+                <a:pos x="connsiteX14" y="connsiteY14"/>
+              </a:cxn>
+              <a:cxn ang="0">
+                <a:pos x="connsiteX15" y="connsiteY15"/>
+              </a:cxn>
+              <a:cxn ang="0">
+                <a:pos x="connsiteX16" y="connsiteY16"/>
+              </a:cxn>
+              <a:cxn ang="0">
+                <a:pos x="connsiteX17" y="connsiteY17"/>
+              </a:cxn>
+              <a:cxn ang="0">
+                <a:pos x="connsiteX18" y="connsiteY18"/>
+              </a:cxn>
+              <a:cxn ang="0">
+                <a:pos x="connsiteX19" y="connsiteY19"/>
+              </a:cxn>
+              <a:cxn ang="0">
+                <a:pos x="connsiteX20" y="connsiteY20"/>
+              </a:cxn>
+              <a:cxn ang="0">
+                <a:pos x="connsiteX21" y="connsiteY21"/>
+              </a:cxn>
+              <a:cxn ang="0">
+                <a:pos x="connsiteX22" y="connsiteY22"/>
+              </a:cxn>
+            </a:cxnLst>
+            <a:rect l="l" t="t" r="r" b="b"/>
+            <a:pathLst>
+              <a:path w="773723" h="604911">
+                <a:moveTo>
+                  <a:pt x="168812" y="0"/>
+                </a:moveTo>
+                <a:lnTo>
+                  <a:pt x="168812" y="0"/>
+                </a:lnTo>
+                <a:cubicBezTo>
+                  <a:pt x="92586" y="28585"/>
+                  <a:pt x="68468" y="19923"/>
+                  <a:pt x="28135" y="70339"/>
+                </a:cubicBezTo>
+                <a:cubicBezTo>
+                  <a:pt x="17573" y="83541"/>
+                  <a:pt x="9378" y="98474"/>
+                  <a:pt x="0" y="112542"/>
+                </a:cubicBezTo>
+                <a:cubicBezTo>
+                  <a:pt x="4689" y="239151"/>
+                  <a:pt x="1031" y="366346"/>
+                  <a:pt x="14068" y="492369"/>
+                </a:cubicBezTo>
+                <a:cubicBezTo>
+                  <a:pt x="15433" y="505562"/>
+                  <a:pt x="31846" y="512219"/>
+                  <a:pt x="42203" y="520505"/>
+                </a:cubicBezTo>
+                <a:cubicBezTo>
+                  <a:pt x="111164" y="575674"/>
+                  <a:pt x="64716" y="524729"/>
+                  <a:pt x="168812" y="576776"/>
+                </a:cubicBezTo>
+                <a:lnTo>
+                  <a:pt x="225083" y="604911"/>
+                </a:lnTo>
+                <a:cubicBezTo>
+                  <a:pt x="342314" y="600222"/>
+                  <a:pt x="460118" y="603342"/>
+                  <a:pt x="576775" y="590843"/>
+                </a:cubicBezTo>
+                <a:cubicBezTo>
+                  <a:pt x="662467" y="581662"/>
+                  <a:pt x="629241" y="411651"/>
+                  <a:pt x="633046" y="393896"/>
+                </a:cubicBezTo>
+                <a:cubicBezTo>
+                  <a:pt x="635825" y="380927"/>
+                  <a:pt x="650824" y="374045"/>
+                  <a:pt x="661181" y="365760"/>
+                </a:cubicBezTo>
+                <a:cubicBezTo>
+                  <a:pt x="674384" y="355198"/>
+                  <a:pt x="689627" y="347452"/>
+                  <a:pt x="703385" y="337625"/>
+                </a:cubicBezTo>
+                <a:cubicBezTo>
+                  <a:pt x="722464" y="323997"/>
+                  <a:pt x="740898" y="309490"/>
+                  <a:pt x="759655" y="295422"/>
+                </a:cubicBezTo>
+                <a:cubicBezTo>
+                  <a:pt x="764344" y="281354"/>
+                  <a:pt x="773723" y="268048"/>
+                  <a:pt x="773723" y="253219"/>
+                </a:cubicBezTo>
+                <a:cubicBezTo>
+                  <a:pt x="773723" y="217181"/>
+                  <a:pt x="754492" y="180999"/>
+                  <a:pt x="731520" y="154745"/>
+                </a:cubicBezTo>
+                <a:cubicBezTo>
+                  <a:pt x="709685" y="129791"/>
+                  <a:pt x="688770" y="102799"/>
+                  <a:pt x="661181" y="84406"/>
+                </a:cubicBezTo>
+                <a:lnTo>
+                  <a:pt x="576775" y="28136"/>
+                </a:lnTo>
+                <a:cubicBezTo>
+                  <a:pt x="539261" y="32825"/>
+                  <a:pt x="500445" y="31340"/>
+                  <a:pt x="464234" y="42203"/>
+                </a:cubicBezTo>
+                <a:cubicBezTo>
+                  <a:pt x="451530" y="46014"/>
+                  <a:pt x="447471" y="63515"/>
+                  <a:pt x="436098" y="70339"/>
+                </a:cubicBezTo>
+                <a:cubicBezTo>
+                  <a:pt x="423383" y="77968"/>
+                  <a:pt x="407963" y="79717"/>
+                  <a:pt x="393895" y="84406"/>
+                </a:cubicBezTo>
+                <a:cubicBezTo>
+                  <a:pt x="379827" y="79717"/>
+                  <a:pt x="366167" y="73556"/>
+                  <a:pt x="351692" y="70339"/>
+                </a:cubicBezTo>
+                <a:cubicBezTo>
+                  <a:pt x="323848" y="64151"/>
+                  <a:pt x="294346" y="65291"/>
+                  <a:pt x="267286" y="56271"/>
+                </a:cubicBezTo>
+                <a:cubicBezTo>
+                  <a:pt x="167275" y="22934"/>
+                  <a:pt x="185224" y="9378"/>
+                  <a:pt x="168812" y="0"/>
+                </a:cubicBezTo>
+                <a:close/>
+              </a:path>
+            </a:pathLst>
+          </a:custGeom>
+          <a:solidFill>
+            <a:schemeClr val="bg1"/>
+          </a:solidFill>
+        </p:spPr>
+        <p:style>
+          <a:lnRef idx="2">
+            <a:schemeClr val="accent1">
+              <a:shade val="50000"/>
+            </a:schemeClr>
+          </a:lnRef>
+          <a:fillRef idx="1">
+            <a:schemeClr val="accent1"/>
+          </a:fillRef>
+          <a:effectRef idx="0">
+            <a:schemeClr val="accent1"/>
+          </a:effectRef>
+          <a:fontRef idx="minor">
+            <a:schemeClr val="lt1"/>
+          </a:fontRef>
+        </p:style>
+        <p:txBody>
+          <a:bodyPr rtlCol="0" anchor="ctr"/>
+          <a:lstStyle/>
+          <a:p>
+            <a:pPr algn="ctr"/>
+            <a:endParaRPr lang="en-GB"/>
+          </a:p>
+        </p:txBody>
+      </p:sp>
+      <p:sp>
+        <p:nvSpPr>
+          <p:cNvPr id="56" name="CasellaDiTesto 55">
+            <a:extLst>
+              <a:ext uri="{FF2B5EF4-FFF2-40B4-BE49-F238E27FC236}">
+                <a16:creationId xmlns:a16="http://schemas.microsoft.com/office/drawing/2014/main" id="{1E596E4B-6664-48FA-BA75-AB0E09F7139C}"/>
+              </a:ext>
+            </a:extLst>
+          </p:cNvPr>
+          <p:cNvSpPr txBox="1"/>
+          <p:nvPr/>
+        </p:nvSpPr>
+        <p:spPr>
+          <a:xfrm>
+            <a:off x="1669395" y="2213807"/>
+            <a:ext cx="978075" cy="276999"/>
+          </a:xfrm>
+          <a:prstGeom prst="rect">
+            <a:avLst/>
+          </a:prstGeom>
+          <a:noFill/>
+        </p:spPr>
+        <p:txBody>
+          <a:bodyPr wrap="square" rtlCol="0">
+            <a:spAutoFit/>
+          </a:bodyPr>
+          <a:lstStyle/>
+          <a:p>
+            <a:r>
+              <a:rPr lang="it-IT" sz="1200" dirty="0" err="1"/>
+              <a:t>proceed</a:t>
+            </a:r>
+            <a:endParaRPr lang="it-IT" sz="1200" dirty="0"/>
+          </a:p>
+        </p:txBody>
+      </p:sp>
+      <p:sp>
+        <p:nvSpPr>
+          <p:cNvPr id="153" name="CasellaDiTesto 152">
+            <a:extLst>
+              <a:ext uri="{FF2B5EF4-FFF2-40B4-BE49-F238E27FC236}">
+                <a16:creationId xmlns:a16="http://schemas.microsoft.com/office/drawing/2014/main" id="{00074C12-1AFE-47CE-BB56-F1B180F40646}"/>
+              </a:ext>
+            </a:extLst>
+          </p:cNvPr>
+          <p:cNvSpPr txBox="1"/>
+          <p:nvPr/>
+        </p:nvSpPr>
+        <p:spPr>
+          <a:xfrm>
+            <a:off x="158259" y="2207765"/>
+            <a:ext cx="1452218" cy="276999"/>
+          </a:xfrm>
+          <a:prstGeom prst="rect">
+            <a:avLst/>
+          </a:prstGeom>
+          <a:noFill/>
+        </p:spPr>
+        <p:txBody>
+          <a:bodyPr wrap="square" rtlCol="0">
+            <a:spAutoFit/>
+          </a:bodyPr>
+          <a:lstStyle/>
+          <a:p>
+            <a:r>
+              <a:rPr lang="it-IT" sz="1200" b="1" dirty="0"/>
+              <a:t>GuiController.java</a:t>
+            </a:r>
+          </a:p>
+        </p:txBody>
+      </p:sp>
+      <p:cxnSp>
+        <p:nvCxnSpPr>
+          <p:cNvPr id="154" name="Connettore 2 153">
+            <a:extLst>
+              <a:ext uri="{FF2B5EF4-FFF2-40B4-BE49-F238E27FC236}">
+                <a16:creationId xmlns:a16="http://schemas.microsoft.com/office/drawing/2014/main" id="{FF80CB22-61B2-4570-A299-DFB2EE70AB51}"/>
+              </a:ext>
+            </a:extLst>
+          </p:cNvPr>
+          <p:cNvCxnSpPr>
+            <a:cxnSpLocks/>
+          </p:cNvCxnSpPr>
+          <p:nvPr/>
+        </p:nvCxnSpPr>
+        <p:spPr>
+          <a:xfrm>
+            <a:off x="526403" y="2830574"/>
+            <a:ext cx="3527" cy="883184"/>
+          </a:xfrm>
+          <a:prstGeom prst="straightConnector1">
+            <a:avLst/>
+          </a:prstGeom>
+          <a:ln>
+            <a:prstDash val="lgDash"/>
+            <a:tailEnd type="arrow"/>
+          </a:ln>
+        </p:spPr>
+        <p:style>
+          <a:lnRef idx="1">
+            <a:schemeClr val="accent1"/>
+          </a:lnRef>
+          <a:fillRef idx="0">
+            <a:schemeClr val="accent1"/>
+          </a:fillRef>
+          <a:effectRef idx="0">
+            <a:schemeClr val="accent1"/>
+          </a:effectRef>
+          <a:fontRef idx="minor">
+            <a:schemeClr val="tx1"/>
+          </a:fontRef>
+        </p:style>
+      </p:cxnSp>
+      <p:cxnSp>
+        <p:nvCxnSpPr>
+          <p:cNvPr id="155" name="Connettore 2 154">
+            <a:extLst>
+              <a:ext uri="{FF2B5EF4-FFF2-40B4-BE49-F238E27FC236}">
+                <a16:creationId xmlns:a16="http://schemas.microsoft.com/office/drawing/2014/main" id="{97556089-2CB4-4443-AC12-7BD1F95F6109}"/>
+              </a:ext>
+            </a:extLst>
+          </p:cNvPr>
+          <p:cNvCxnSpPr>
+            <a:cxnSpLocks/>
+          </p:cNvCxnSpPr>
+          <p:nvPr/>
+        </p:nvCxnSpPr>
+        <p:spPr>
+          <a:xfrm>
+            <a:off x="1423747" y="2467135"/>
+            <a:ext cx="1628444" cy="0"/>
+          </a:xfrm>
+          <a:prstGeom prst="straightConnector1">
+            <a:avLst/>
+          </a:prstGeom>
+          <a:ln>
+            <a:prstDash val="lgDash"/>
+            <a:tailEnd type="arrow"/>
+          </a:ln>
+        </p:spPr>
+        <p:style>
+          <a:lnRef idx="1">
+            <a:schemeClr val="accent1"/>
+          </a:lnRef>
+          <a:fillRef idx="0">
+            <a:schemeClr val="accent1"/>
+          </a:fillRef>
+          <a:effectRef idx="0">
+            <a:schemeClr val="accent1"/>
+          </a:effectRef>
+          <a:fontRef idx="minor">
+            <a:schemeClr val="tx1"/>
+          </a:fontRef>
+        </p:style>
+      </p:cxnSp>
+      <p:cxnSp>
+        <p:nvCxnSpPr>
+          <p:cNvPr id="156" name="Connettore 2 155">
+            <a:extLst>
+              <a:ext uri="{FF2B5EF4-FFF2-40B4-BE49-F238E27FC236}">
+                <a16:creationId xmlns:a16="http://schemas.microsoft.com/office/drawing/2014/main" id="{3F95BB2E-50C0-4AB6-B9C3-E8AB684CCCC4}"/>
+              </a:ext>
+            </a:extLst>
+          </p:cNvPr>
+          <p:cNvCxnSpPr>
+            <a:cxnSpLocks/>
+          </p:cNvCxnSpPr>
+          <p:nvPr/>
+        </p:nvCxnSpPr>
+        <p:spPr>
+          <a:xfrm>
+            <a:off x="1395198" y="2226662"/>
+            <a:ext cx="1656993" cy="0"/>
+          </a:xfrm>
+          <a:prstGeom prst="straightConnector1">
+            <a:avLst/>
+          </a:prstGeom>
+          <a:ln>
+            <a:prstDash val="lgDash"/>
+            <a:tailEnd type="arrow"/>
+          </a:ln>
+        </p:spPr>
+        <p:style>
+          <a:lnRef idx="1">
+            <a:schemeClr val="accent1"/>
+          </a:lnRef>
+          <a:fillRef idx="0">
+            <a:schemeClr val="accent1"/>
+          </a:fillRef>
+          <a:effectRef idx="0">
+            <a:schemeClr val="accent1"/>
+          </a:effectRef>
+          <a:fontRef idx="minor">
+            <a:schemeClr val="tx1"/>
+          </a:fontRef>
+        </p:style>
+      </p:cxnSp>
+      <p:sp>
+        <p:nvSpPr>
+          <p:cNvPr id="159" name="CasellaDiTesto 158">
+            <a:extLst>
+              <a:ext uri="{FF2B5EF4-FFF2-40B4-BE49-F238E27FC236}">
+                <a16:creationId xmlns:a16="http://schemas.microsoft.com/office/drawing/2014/main" id="{03A6BB62-8C07-4223-8EBB-5D6143DC5119}"/>
+              </a:ext>
+            </a:extLst>
+          </p:cNvPr>
+          <p:cNvSpPr txBox="1"/>
+          <p:nvPr/>
+        </p:nvSpPr>
+        <p:spPr>
+          <a:xfrm>
+            <a:off x="269669" y="3067028"/>
+            <a:ext cx="978075" cy="461665"/>
+          </a:xfrm>
+          <a:prstGeom prst="rect">
+            <a:avLst/>
+          </a:prstGeom>
+          <a:noFill/>
+        </p:spPr>
+        <p:txBody>
+          <a:bodyPr wrap="square" rtlCol="0">
+            <a:spAutoFit/>
+          </a:bodyPr>
+          <a:lstStyle/>
+          <a:p>
+            <a:r>
+              <a:rPr lang="it-IT" sz="1200" dirty="0" err="1"/>
+              <a:t>webSocket</a:t>
+            </a:r>
+            <a:endParaRPr lang="it-IT" sz="1200" dirty="0"/>
+          </a:p>
+          <a:p>
+            <a:r>
+              <a:rPr lang="it-IT" sz="1200" dirty="0"/>
+              <a:t>Interaction</a:t>
+            </a:r>
+          </a:p>
+        </p:txBody>
+      </p:sp>
+      <p:sp>
+        <p:nvSpPr>
+          <p:cNvPr id="160" name="CasellaDiTesto 159">
+            <a:extLst>
+              <a:ext uri="{FF2B5EF4-FFF2-40B4-BE49-F238E27FC236}">
+                <a16:creationId xmlns:a16="http://schemas.microsoft.com/office/drawing/2014/main" id="{F4608196-EF21-4FCC-A2FD-ED6AE662FE57}"/>
+              </a:ext>
+            </a:extLst>
+          </p:cNvPr>
+          <p:cNvSpPr txBox="1"/>
+          <p:nvPr/>
+        </p:nvSpPr>
+        <p:spPr>
+          <a:xfrm>
+            <a:off x="1681418" y="1984037"/>
+            <a:ext cx="978075" cy="276999"/>
+          </a:xfrm>
+          <a:prstGeom prst="rect">
+            <a:avLst/>
+          </a:prstGeom>
+          <a:noFill/>
+        </p:spPr>
+        <p:txBody>
+          <a:bodyPr wrap="square" rtlCol="0">
+            <a:spAutoFit/>
+          </a:bodyPr>
+          <a:lstStyle/>
+          <a:p>
+            <a:r>
+              <a:rPr lang="it-IT" sz="1200" dirty="0"/>
+              <a:t>ring(TEMP)</a:t>
+            </a:r>
+          </a:p>
+        </p:txBody>
+      </p:sp>
+      <p:sp>
+        <p:nvSpPr>
+          <p:cNvPr id="161" name="CasellaDiTesto 160">
+            <a:extLst>
+              <a:ext uri="{FF2B5EF4-FFF2-40B4-BE49-F238E27FC236}">
+                <a16:creationId xmlns:a16="http://schemas.microsoft.com/office/drawing/2014/main" id="{89F1B0E4-2386-4EFC-8261-83A6DF040888}"/>
+              </a:ext>
+            </a:extLst>
+          </p:cNvPr>
+          <p:cNvSpPr txBox="1"/>
+          <p:nvPr/>
+        </p:nvSpPr>
+        <p:spPr>
+          <a:xfrm>
+            <a:off x="1317540" y="4730808"/>
+            <a:ext cx="1601902" cy="276999"/>
+          </a:xfrm>
+          <a:prstGeom prst="rect">
+            <a:avLst/>
+          </a:prstGeom>
+          <a:noFill/>
+        </p:spPr>
+        <p:txBody>
+          <a:bodyPr wrap="square" rtlCol="0">
+            <a:spAutoFit/>
+          </a:bodyPr>
+          <a:lstStyle/>
+          <a:p>
+            <a:r>
+              <a:rPr lang="it-IT" sz="1200" b="1" dirty="0"/>
+              <a:t>tearoomSocket.html</a:t>
+            </a:r>
+          </a:p>
+        </p:txBody>
+      </p:sp>
+      <p:sp>
+        <p:nvSpPr>
+          <p:cNvPr id="157" name="Ovale 33">
+            <a:extLst>
+              <a:ext uri="{FF2B5EF4-FFF2-40B4-BE49-F238E27FC236}">
+                <a16:creationId xmlns:a16="http://schemas.microsoft.com/office/drawing/2014/main" id="{55284106-DFAC-4A36-AA13-CCC062C5E66E}"/>
+              </a:ext>
+            </a:extLst>
+          </p:cNvPr>
+          <p:cNvSpPr/>
+          <p:nvPr/>
+        </p:nvSpPr>
+        <p:spPr>
+          <a:xfrm>
+            <a:off x="1154737" y="2565397"/>
+            <a:ext cx="500674" cy="356482"/>
+          </a:xfrm>
+          <a:prstGeom prst="ellipse">
+            <a:avLst/>
+          </a:prstGeom>
+          <a:ln/>
+        </p:spPr>
+        <p:style>
+          <a:lnRef idx="1">
+            <a:schemeClr val="accent4"/>
+          </a:lnRef>
+          <a:fillRef idx="2">
+            <a:schemeClr val="accent4"/>
+          </a:fillRef>
+          <a:effectRef idx="1">
+            <a:schemeClr val="accent4"/>
+          </a:effectRef>
+          <a:fontRef idx="minor">
+            <a:schemeClr val="dk1"/>
+          </a:fontRef>
+        </p:style>
+        <p:txBody>
+          <a:bodyPr rtlCol="0" anchor="ctr"/>
+          <a:lstStyle/>
+          <a:p>
+            <a:pPr algn="ctr"/>
+            <a:r>
+              <a:rPr lang="en-GB" sz="1200" dirty="0"/>
+              <a:t> </a:t>
+            </a:r>
+          </a:p>
+        </p:txBody>
+      </p:sp>
+      <p:cxnSp>
+        <p:nvCxnSpPr>
+          <p:cNvPr id="58" name="Connettore curvo 57">
+            <a:extLst>
+              <a:ext uri="{FF2B5EF4-FFF2-40B4-BE49-F238E27FC236}">
+                <a16:creationId xmlns:a16="http://schemas.microsoft.com/office/drawing/2014/main" id="{B63FAAF8-5589-4165-9E1A-B9527029D594}"/>
+              </a:ext>
+            </a:extLst>
+          </p:cNvPr>
+          <p:cNvCxnSpPr>
+            <a:cxnSpLocks/>
+            <a:stCxn id="80" idx="3"/>
+          </p:cNvCxnSpPr>
+          <p:nvPr/>
+        </p:nvCxnSpPr>
+        <p:spPr>
+          <a:xfrm rot="5400000" flipH="1">
+            <a:off x="2269117" y="2157721"/>
+            <a:ext cx="1338790" cy="2507982"/>
+          </a:xfrm>
+          <a:prstGeom prst="curvedConnector4">
+            <a:avLst>
+              <a:gd name="adj1" fmla="val -17075"/>
+              <a:gd name="adj2" fmla="val 52509"/>
+            </a:avLst>
+          </a:prstGeom>
+          <a:ln>
+            <a:tailEnd type="triangle"/>
+          </a:ln>
+        </p:spPr>
+        <p:style>
+          <a:lnRef idx="1">
+            <a:schemeClr val="accent2"/>
+          </a:lnRef>
+          <a:fillRef idx="0">
+            <a:schemeClr val="accent2"/>
+          </a:fillRef>
+          <a:effectRef idx="0">
+            <a:schemeClr val="accent2"/>
+          </a:effectRef>
+          <a:fontRef idx="minor">
+            <a:schemeClr val="tx1"/>
+          </a:fontRef>
+        </p:style>
+      </p:cxnSp>
+      <p:sp>
+        <p:nvSpPr>
+          <p:cNvPr id="164" name="CasellaDiTesto 163">
+            <a:extLst>
+              <a:ext uri="{FF2B5EF4-FFF2-40B4-BE49-F238E27FC236}">
+                <a16:creationId xmlns:a16="http://schemas.microsoft.com/office/drawing/2014/main" id="{D00AF080-215E-42DC-82DD-3776FCA75FDC}"/>
+              </a:ext>
+            </a:extLst>
+          </p:cNvPr>
+          <p:cNvSpPr txBox="1"/>
+          <p:nvPr/>
+        </p:nvSpPr>
+        <p:spPr>
+          <a:xfrm>
+            <a:off x="1145220" y="2673516"/>
+            <a:ext cx="764436" cy="461665"/>
+          </a:xfrm>
+          <a:prstGeom prst="rect">
+            <a:avLst/>
+          </a:prstGeom>
+          <a:noFill/>
+        </p:spPr>
+        <p:txBody>
+          <a:bodyPr wrap="square" rtlCol="0">
+            <a:spAutoFit/>
+          </a:bodyPr>
+          <a:lstStyle/>
+          <a:p>
+            <a:r>
+              <a:rPr lang="it-IT" sz="1200" dirty="0" err="1"/>
+              <a:t>Coap</a:t>
+            </a:r>
+            <a:endParaRPr lang="it-IT" sz="1200" dirty="0"/>
+          </a:p>
+          <a:p>
+            <a:r>
+              <a:rPr lang="it-IT" sz="1200" dirty="0"/>
+              <a:t>Observer</a:t>
+            </a:r>
+          </a:p>
+        </p:txBody>
+      </p:sp>
+    </p:spTree>
+    <p:extLst>
+      <p:ext uri="{BB962C8B-B14F-4D97-AF65-F5344CB8AC3E}">
+        <p14:creationId xmlns:p14="http://schemas.microsoft.com/office/powerpoint/2010/main" val="548665968"/>
+      </p:ext>
+    </p:extLst>
+  </p:cSld>
+  <p:clrMapOvr>
+    <a:masterClrMapping/>
+  </p:clrMapOvr>
+  <p:timing>
+    <p:tnLst>
+      <p:par>
+        <p:cTn id="1" dur="indefinite" restart="never" nodeType="tmRoot">
+          <p:childTnLst>
+            <p:seq concurrent="1" nextAc="seek">
+              <p:cTn id="2" dur="indefinite" nodeType="mainSeq">
+                <p:childTnLst>
+                  <p:par>
+                    <p:cTn id="3" fill="hold">
+                      <p:stCondLst>
+                        <p:cond delay="indefinite"/>
+                        <p:cond evt="onBegin" delay="0">
+                          <p:tn val="2"/>
+                        </p:cond>
+                      </p:stCondLst>
+                      <p:childTnLst>
+                        <p:par>
+                          <p:cTn id="4" fill="hold">
+                            <p:stCondLst>
+                              <p:cond delay="0"/>
+                            </p:stCondLst>
+                            <p:childTnLst>
+                              <p:par>
+                                <p:cTn id="5" presetID="2" presetClass="entr" presetSubtype="4" fill="hold" nodeType="withEffect">
+                                  <p:stCondLst>
+                                    <p:cond delay="0"/>
+                                  </p:stCondLst>
+                                  <p:childTnLst>
+                                    <p:set>
+                                      <p:cBhvr>
+                                        <p:cTn id="6" dur="1" fill="hold">
+                                          <p:stCondLst>
+                                            <p:cond delay="0"/>
+                                          </p:stCondLst>
+                                        </p:cTn>
+                                        <p:tgtEl>
+                                          <p:spTgt spid="148"/>
+                                        </p:tgtEl>
+                                        <p:attrNameLst>
+                                          <p:attrName>style.visibility</p:attrName>
+                                        </p:attrNameLst>
+                                      </p:cBhvr>
+                                      <p:to>
+                                        <p:strVal val="visible"/>
+                                      </p:to>
+                                    </p:set>
+                                    <p:anim calcmode="lin" valueType="num">
+                                      <p:cBhvr additive="base">
+                                        <p:cTn id="7" dur="500" fill="hold"/>
+                                        <p:tgtEl>
+                                          <p:spTgt spid="148"/>
+                                        </p:tgtEl>
+                                        <p:attrNameLst>
+                                          <p:attrName>ppt_x</p:attrName>
+                                        </p:attrNameLst>
+                                      </p:cBhvr>
+                                      <p:tavLst>
+                                        <p:tav tm="0">
+                                          <p:val>
+                                            <p:strVal val="#ppt_x"/>
+                                          </p:val>
+                                        </p:tav>
+                                        <p:tav tm="100000">
+                                          <p:val>
+                                            <p:strVal val="#ppt_x"/>
+                                          </p:val>
+                                        </p:tav>
+                                      </p:tavLst>
+                                    </p:anim>
+                                    <p:anim calcmode="lin" valueType="num">
+                                      <p:cBhvr additive="base">
+                                        <p:cTn id="8" dur="500" fill="hold"/>
+                                        <p:tgtEl>
+                                          <p:spTgt spid="148"/>
+                                        </p:tgtEl>
+                                        <p:attrNameLst>
+                                          <p:attrName>ppt_y</p:attrName>
+                                        </p:attrNameLst>
+                                      </p:cBhvr>
+                                      <p:tavLst>
+                                        <p:tav tm="0">
+                                          <p:val>
+                                            <p:strVal val="1+#ppt_h/2"/>
+                                          </p:val>
+                                        </p:tav>
+                                        <p:tav tm="100000">
+                                          <p:val>
+                                            <p:strVal val="#ppt_y"/>
+                                          </p:val>
+                                        </p:tav>
+                                      </p:tavLst>
+                                    </p:anim>
+                                  </p:childTnLst>
+                                </p:cTn>
+                              </p:par>
+                            </p:childTnLst>
+                          </p:cTn>
+                        </p:par>
+                      </p:childTnLst>
+                    </p:cTn>
+                  </p:par>
+                </p:childTnLst>
+              </p:cTn>
+              <p:prevCondLst>
+                <p:cond evt="onPrev" delay="0">
+                  <p:tgtEl>
+                    <p:sldTgt/>
+                  </p:tgtEl>
+                </p:cond>
+              </p:prevCondLst>
+              <p:nextCondLst>
+                <p:cond evt="onNext" delay="0">
+                  <p:tgtEl>
+                    <p:sldTgt/>
+                  </p:tgtEl>
+                </p:cond>
+              </p:nextCondLst>
+            </p:seq>
+          </p:childTnLst>
+        </p:cTn>
+      </p:par>
+    </p:tnLst>
+  </p:timing>
+</p:sld>
+</file>
+
 <file path=ppt/theme/theme1.xml><?xml version="1.0" encoding="utf-8"?>
 <a:theme xmlns:a="http://schemas.openxmlformats.org/drawingml/2006/main" name="Tema di Office">
   <a:themeElements>
